--- a/docker/03_Working_with_containers.pptx
+++ b/docker/03_Working_with_containers.pptx
@@ -5,30 +5,29 @@
     <p:sldMasterId id="2147483733" r:id="rId1"/>
   </p:sldMasterIdLst>
   <p:notesMasterIdLst>
-    <p:notesMasterId r:id="rId20"/>
+    <p:notesMasterId r:id="rId19"/>
   </p:notesMasterIdLst>
   <p:handoutMasterIdLst>
-    <p:handoutMasterId r:id="rId21"/>
+    <p:handoutMasterId r:id="rId20"/>
   </p:handoutMasterIdLst>
   <p:sldIdLst>
     <p:sldId id="435" r:id="rId2"/>
     <p:sldId id="434" r:id="rId3"/>
-    <p:sldId id="382" r:id="rId4"/>
-    <p:sldId id="437" r:id="rId5"/>
-    <p:sldId id="439" r:id="rId6"/>
-    <p:sldId id="440" r:id="rId7"/>
-    <p:sldId id="450" r:id="rId8"/>
-    <p:sldId id="441" r:id="rId9"/>
-    <p:sldId id="444" r:id="rId10"/>
-    <p:sldId id="445" r:id="rId11"/>
-    <p:sldId id="443" r:id="rId12"/>
-    <p:sldId id="449" r:id="rId13"/>
-    <p:sldId id="436" r:id="rId14"/>
-    <p:sldId id="438" r:id="rId15"/>
-    <p:sldId id="446" r:id="rId16"/>
-    <p:sldId id="447" r:id="rId17"/>
-    <p:sldId id="448" r:id="rId18"/>
-    <p:sldId id="265" r:id="rId19"/>
+    <p:sldId id="437" r:id="rId4"/>
+    <p:sldId id="439" r:id="rId5"/>
+    <p:sldId id="440" r:id="rId6"/>
+    <p:sldId id="450" r:id="rId7"/>
+    <p:sldId id="441" r:id="rId8"/>
+    <p:sldId id="444" r:id="rId9"/>
+    <p:sldId id="445" r:id="rId10"/>
+    <p:sldId id="443" r:id="rId11"/>
+    <p:sldId id="449" r:id="rId12"/>
+    <p:sldId id="436" r:id="rId13"/>
+    <p:sldId id="438" r:id="rId14"/>
+    <p:sldId id="446" r:id="rId15"/>
+    <p:sldId id="447" r:id="rId16"/>
+    <p:sldId id="448" r:id="rId17"/>
+    <p:sldId id="265" r:id="rId18"/>
   </p:sldIdLst>
   <p:sldSz cx="12195175" cy="6858000"/>
   <p:notesSz cx="6858000" cy="9144000"/>
@@ -706,7 +705,7 @@
             <a:fld id="{7D8C2C35-2B8A-446E-BEC0-FD36716C29AC}" type="slidenum">
               <a:rPr lang="de-DE" smtClean="0"/>
               <a:pPr/>
-              <a:t>7</a:t>
+              <a:t>6</a:t>
             </a:fld>
             <a:endParaRPr lang="de-DE" dirty="0"/>
           </a:p>
@@ -791,7 +790,7 @@
             <a:fld id="{7D8C2C35-2B8A-446E-BEC0-FD36716C29AC}" type="slidenum">
               <a:rPr lang="de-DE" smtClean="0"/>
               <a:pPr/>
-              <a:t>13</a:t>
+              <a:t>12</a:t>
             </a:fld>
             <a:endParaRPr lang="de-DE" dirty="0"/>
           </a:p>
@@ -876,7 +875,7 @@
             <a:fld id="{7D8C2C35-2B8A-446E-BEC0-FD36716C29AC}" type="slidenum">
               <a:rPr lang="de-DE" smtClean="0"/>
               <a:pPr/>
-              <a:t>14</a:t>
+              <a:t>13</a:t>
             </a:fld>
             <a:endParaRPr lang="de-DE" dirty="0"/>
           </a:p>
@@ -961,7 +960,7 @@
             <a:fld id="{7D8C2C35-2B8A-446E-BEC0-FD36716C29AC}" type="slidenum">
               <a:rPr lang="de-DE" smtClean="0"/>
               <a:pPr/>
-              <a:t>16</a:t>
+              <a:t>15</a:t>
             </a:fld>
             <a:endParaRPr lang="de-DE" dirty="0"/>
           </a:p>
@@ -1046,7 +1045,7 @@
             <a:fld id="{7D8C2C35-2B8A-446E-BEC0-FD36716C29AC}" type="slidenum">
               <a:rPr lang="de-DE" smtClean="0"/>
               <a:pPr/>
-              <a:t>17</a:t>
+              <a:t>16</a:t>
             </a:fld>
             <a:endParaRPr lang="de-DE" dirty="0"/>
           </a:p>
@@ -1100,7 +1099,7 @@
             <a:fld id="{7D8C2C35-2B8A-446E-BEC0-FD36716C29AC}" type="slidenum">
               <a:rPr lang="de-DE" smtClean="0"/>
               <a:pPr/>
-              <a:t>18</a:t>
+              <a:t>17</a:t>
             </a:fld>
             <a:endParaRPr lang="de-DE" dirty="0"/>
           </a:p>
@@ -8776,7 +8775,7 @@
           <a:p>
             <a:r>
               <a:rPr lang="en-US" dirty="0"/>
-              <a:t>Stopping a container</a:t>
+              <a:t>Getting logs from a container</a:t>
             </a:r>
           </a:p>
         </p:txBody>
@@ -8804,26 +8803,58 @@
             <a:pPr lvl="0"/>
             <a:r>
               <a:rPr lang="en-US" sz="1800" dirty="0"/>
-              <a:t>A container can be forcibly stopped</a:t>
+              <a:t>Docker collects logs from programs inside containers</a:t>
             </a:r>
           </a:p>
           <a:p>
             <a:pPr lvl="1"/>
             <a:r>
+              <a:rPr lang="en-US" sz="1600" dirty="0" err="1"/>
+              <a:t>stdout</a:t>
+            </a:r>
+            <a:r>
               <a:rPr lang="en-US" sz="1600" dirty="0"/>
-              <a:t>necessary for containers with daemon processes</a:t>
+              <a:t> and </a:t>
+            </a:r>
+            <a:r>
+              <a:rPr lang="en-US" sz="1600" dirty="0" err="1"/>
+              <a:t>stderr</a:t>
+            </a:r>
+            <a:r>
+              <a:rPr lang="en-US" sz="1600" dirty="0"/>
+              <a:t> of the main process get collected</a:t>
             </a:r>
           </a:p>
           <a:p>
             <a:pPr lvl="1"/>
             <a:r>
               <a:rPr lang="en-US" sz="1600" dirty="0"/>
-              <a:t>friendly termination with SIGTERM, after timeout (default 10 seconds) with SIGKILL</a:t>
-            </a:r>
+              <a:t>logs from programs can be redirected to /dev/</a:t>
+            </a:r>
+            <a:r>
+              <a:rPr lang="en-US" sz="1600" dirty="0" err="1"/>
+              <a:t>stdout</a:t>
+            </a:r>
+            <a:r>
+              <a:rPr lang="en-US" sz="1600" dirty="0"/>
+              <a:t> and /dev/</a:t>
+            </a:r>
+            <a:r>
+              <a:rPr lang="en-US" sz="1600" dirty="0" err="1"/>
+              <a:t>stderr</a:t>
+            </a:r>
+            <a:endParaRPr lang="en-US" sz="1600" dirty="0"/>
           </a:p>
           <a:p>
             <a:pPr lvl="1"/>
             <a:endParaRPr lang="en-US" sz="1600" dirty="0"/>
+          </a:p>
+          <a:p>
+            <a:pPr lvl="1"/>
+            <a:r>
+              <a:rPr lang="en-US" sz="1600" dirty="0"/>
+              <a:t>logs still available even after a container terminated</a:t>
+            </a:r>
           </a:p>
         </p:txBody>
       </p:sp>
@@ -8880,7 +8911,7 @@
                 <a:latin typeface="Courier New" panose="02070309020205020404" pitchFamily="49" charset="0"/>
                 <a:cs typeface="Courier New" panose="02070309020205020404" pitchFamily="49" charset="0"/>
               </a:rPr>
-              <a:t> stop </a:t>
+              <a:t> logs </a:t>
             </a:r>
             <a:r>
               <a:rPr lang="en-US" sz="1400" i="1" dirty="0">
@@ -8900,8 +8931,8 @@
         </p:nvSpPr>
         <p:spPr bwMode="gray">
           <a:xfrm>
-            <a:off x="686701" y="3249224"/>
-            <a:ext cx="10728147" cy="2322901"/>
+            <a:off x="779625" y="3575926"/>
+            <a:ext cx="10635223" cy="2275275"/>
           </a:xfrm>
           <a:prstGeom prst="roundRect">
             <a:avLst>
@@ -8967,27 +8998,8 @@
                 <a:ea typeface="Arial Unicode MS" pitchFamily="34" charset="-128"/>
                 <a:cs typeface="Courier New" panose="02070309020205020404" pitchFamily="49" charset="0"/>
               </a:rPr>
-              <a:t> </a:t>
-            </a:r>
-            <a:r>
-              <a:rPr lang="en-US" sz="1200" b="1" kern="0" dirty="0" err="1">
-                <a:solidFill>
-                  <a:schemeClr val="bg1"/>
-                </a:solidFill>
-                <a:latin typeface="Courier New" panose="02070309020205020404" pitchFamily="49" charset="0"/>
-                <a:ea typeface="Arial Unicode MS" pitchFamily="34" charset="-128"/>
-                <a:cs typeface="Courier New" panose="02070309020205020404" pitchFamily="49" charset="0"/>
-              </a:rPr>
-              <a:t>ps</a:t>
-            </a:r>
-            <a:endParaRPr lang="en-US" sz="1200" b="1" kern="0" dirty="0">
-              <a:solidFill>
-                <a:schemeClr val="bg1"/>
-              </a:solidFill>
-              <a:latin typeface="Courier New" panose="02070309020205020404" pitchFamily="49" charset="0"/>
-              <a:ea typeface="Arial Unicode MS" pitchFamily="34" charset="-128"/>
-              <a:cs typeface="Courier New" panose="02070309020205020404" pitchFamily="49" charset="0"/>
-            </a:endParaRPr>
+              <a:t> logs 494b7b8c9f39</a:t>
+            </a:r>
           </a:p>
           <a:p>
             <a:pPr defTabSz="914400" fontAlgn="base">
@@ -9008,7 +9020,7 @@
                 <a:ea typeface="Arial Unicode MS" pitchFamily="34" charset="-128"/>
                 <a:cs typeface="Courier New" panose="02070309020205020404" pitchFamily="49" charset="0"/>
               </a:rPr>
-              <a:t>CONTAINER ID    IMAGE       COMMAND          CREATED      STATUS        PORTS                    NAMES</a:t>
+              <a:t>10.19.91.230 - - [01/Dec/2017:14:48:12 +0000] "GET / HTTP/1.1" 200 230 "-" "Mozilla/5.0 (Windows NT 10.0; Win64; x64; rv:57.0) Gecko/20100101 Firefox/57.0" "-"</a:t>
             </a:r>
           </a:p>
           <a:p>
@@ -9030,71 +9042,111 @@
                 <a:ea typeface="Arial Unicode MS" pitchFamily="34" charset="-128"/>
                 <a:cs typeface="Courier New" panose="02070309020205020404" pitchFamily="49" charset="0"/>
               </a:rPr>
-              <a:t>494b7b8c9f39    mynginx1    "</a:t>
+              <a:t>10.19.91.230 - - [01/Dec/2017:14:48:12 +0000] "GET /it_works.jpg HTTP/1.1" 200 25676 "http://pvxka22:32780/" "Mozilla/5.0 (Windows NT 10.0; Win64; x64; rv:57.0) Gecko/20100101 Firefox/57.0" "-"</a:t>
+            </a:r>
+          </a:p>
+          <a:p>
+            <a:pPr defTabSz="914400" fontAlgn="base">
+              <a:spcAft>
+                <a:spcPct val="0"/>
+              </a:spcAft>
+              <a:buClr>
+                <a:srgbClr val="F0AB00"/>
+              </a:buClr>
+              <a:buSzPct val="80000"/>
+            </a:pPr>
+            <a:r>
+              <a:rPr lang="en-US" sz="1200" kern="0" dirty="0">
+                <a:solidFill>
+                  <a:schemeClr val="accent5">
+                    <a:lumMod val="20000"/>
+                    <a:lumOff val="80000"/>
+                  </a:schemeClr>
+                </a:solidFill>
+                <a:latin typeface="Arial monospaced for SAP" panose="020B0609020202030204" pitchFamily="49" charset="0"/>
+                <a:ea typeface="Arial Unicode MS" pitchFamily="34" charset="-128"/>
+                <a:cs typeface="Courier New" panose="02070309020205020404" pitchFamily="49" charset="0"/>
+              </a:rPr>
+              <a:t>2017/12/01 14:48:12 [error] 8#8: *1 open() "/</a:t>
             </a:r>
             <a:r>
               <a:rPr lang="en-US" sz="1200" kern="0" dirty="0" err="1">
                 <a:solidFill>
+                  <a:schemeClr val="accent5">
+                    <a:lumMod val="20000"/>
+                    <a:lumOff val="80000"/>
+                  </a:schemeClr>
+                </a:solidFill>
+                <a:latin typeface="Arial monospaced for SAP" panose="020B0609020202030204" pitchFamily="49" charset="0"/>
+                <a:ea typeface="Arial Unicode MS" pitchFamily="34" charset="-128"/>
+                <a:cs typeface="Courier New" panose="02070309020205020404" pitchFamily="49" charset="0"/>
+              </a:rPr>
+              <a:t>srv</a:t>
+            </a:r>
+            <a:r>
+              <a:rPr lang="en-US" sz="1200" kern="0" dirty="0">
+                <a:solidFill>
+                  <a:schemeClr val="accent5">
+                    <a:lumMod val="20000"/>
+                    <a:lumOff val="80000"/>
+                  </a:schemeClr>
+                </a:solidFill>
+                <a:latin typeface="Arial monospaced for SAP" panose="020B0609020202030204" pitchFamily="49" charset="0"/>
+                <a:ea typeface="Arial Unicode MS" pitchFamily="34" charset="-128"/>
+                <a:cs typeface="Courier New" panose="02070309020205020404" pitchFamily="49" charset="0"/>
+              </a:rPr>
+              <a:t>/www/</a:t>
+            </a:r>
+            <a:r>
+              <a:rPr lang="en-US" sz="1200" kern="0" dirty="0" err="1">
+                <a:solidFill>
+                  <a:schemeClr val="accent5">
+                    <a:lumMod val="20000"/>
+                    <a:lumOff val="80000"/>
+                  </a:schemeClr>
+                </a:solidFill>
+                <a:latin typeface="Arial monospaced for SAP" panose="020B0609020202030204" pitchFamily="49" charset="0"/>
+                <a:ea typeface="Arial Unicode MS" pitchFamily="34" charset="-128"/>
+                <a:cs typeface="Courier New" panose="02070309020205020404" pitchFamily="49" charset="0"/>
+              </a:rPr>
+              <a:t>htdocs</a:t>
+            </a:r>
+            <a:r>
+              <a:rPr lang="en-US" sz="1200" kern="0" dirty="0">
+                <a:solidFill>
+                  <a:schemeClr val="accent5">
+                    <a:lumMod val="20000"/>
+                    <a:lumOff val="80000"/>
+                  </a:schemeClr>
+                </a:solidFill>
+                <a:latin typeface="Arial monospaced for SAP" panose="020B0609020202030204" pitchFamily="49" charset="0"/>
+                <a:ea typeface="Arial Unicode MS" pitchFamily="34" charset="-128"/>
+                <a:cs typeface="Courier New" panose="02070309020205020404" pitchFamily="49" charset="0"/>
+              </a:rPr>
+              <a:t>/favicon.ico" failed (2: No such file or directory), client: 10.19.91.230, server: localhost, request: "GET /favicon.ico HTTP/1.1", host: "pvxka22:32780"</a:t>
+            </a:r>
+          </a:p>
+          <a:p>
+            <a:pPr defTabSz="914400" fontAlgn="base">
+              <a:spcAft>
+                <a:spcPct val="0"/>
+              </a:spcAft>
+              <a:buClr>
+                <a:srgbClr val="F0AB00"/>
+              </a:buClr>
+              <a:buSzPct val="80000"/>
+            </a:pPr>
+            <a:r>
+              <a:rPr lang="en-US" sz="1200" kern="0" dirty="0">
+                <a:solidFill>
                   <a:schemeClr val="bg1"/>
                 </a:solidFill>
                 <a:latin typeface="Arial monospaced for SAP" panose="020B0609020202030204" pitchFamily="49" charset="0"/>
                 <a:ea typeface="Arial Unicode MS" pitchFamily="34" charset="-128"/>
                 <a:cs typeface="Courier New" panose="02070309020205020404" pitchFamily="49" charset="0"/>
               </a:rPr>
-              <a:t>nginx</a:t>
-            </a:r>
-            <a:r>
-              <a:rPr lang="en-US" sz="1200" kern="0" dirty="0">
-                <a:solidFill>
-                  <a:schemeClr val="bg1"/>
-                </a:solidFill>
-                <a:latin typeface="Arial monospaced for SAP" panose="020B0609020202030204" pitchFamily="49" charset="0"/>
-                <a:ea typeface="Arial Unicode MS" pitchFamily="34" charset="-128"/>
-                <a:cs typeface="Courier New" panose="02070309020205020404" pitchFamily="49" charset="0"/>
-              </a:rPr>
-              <a:t> -g ..."   7 days ago   Up 24 hours   0.0.0.0:32768-&gt;812/</a:t>
-            </a:r>
-            <a:r>
-              <a:rPr lang="en-US" sz="1200" kern="0" dirty="0" err="1">
-                <a:solidFill>
-                  <a:schemeClr val="bg1"/>
-                </a:solidFill>
-                <a:latin typeface="Arial monospaced for SAP" panose="020B0609020202030204" pitchFamily="49" charset="0"/>
-                <a:ea typeface="Arial Unicode MS" pitchFamily="34" charset="-128"/>
-                <a:cs typeface="Courier New" panose="02070309020205020404" pitchFamily="49" charset="0"/>
-              </a:rPr>
-              <a:t>tcp</a:t>
-            </a:r>
-            <a:r>
-              <a:rPr lang="en-US" sz="1200" kern="0" dirty="0">
-                <a:solidFill>
-                  <a:schemeClr val="bg1"/>
-                </a:solidFill>
-                <a:latin typeface="Arial monospaced for SAP" panose="020B0609020202030204" pitchFamily="49" charset="0"/>
-                <a:ea typeface="Arial Unicode MS" pitchFamily="34" charset="-128"/>
-                <a:cs typeface="Courier New" panose="02070309020205020404" pitchFamily="49" charset="0"/>
-              </a:rPr>
-              <a:t>   </a:t>
-            </a:r>
-            <a:r>
-              <a:rPr lang="en-US" sz="1200" kern="0" dirty="0" err="1">
-                <a:solidFill>
-                  <a:schemeClr val="bg1"/>
-                </a:solidFill>
-                <a:latin typeface="Arial monospaced for SAP" panose="020B0609020202030204" pitchFamily="49" charset="0"/>
-                <a:ea typeface="Arial Unicode MS" pitchFamily="34" charset="-128"/>
-                <a:cs typeface="Courier New" panose="02070309020205020404" pitchFamily="49" charset="0"/>
-              </a:rPr>
-              <a:t>happy_ride</a:t>
-            </a:r>
-            <a:endParaRPr lang="en-US" sz="1200" kern="0" dirty="0">
-              <a:solidFill>
-                <a:schemeClr val="bg1"/>
-              </a:solidFill>
-              <a:latin typeface="Arial monospaced for SAP" panose="020B0609020202030204" pitchFamily="49" charset="0"/>
-              <a:ea typeface="Arial Unicode MS" pitchFamily="34" charset="-128"/>
-              <a:cs typeface="Courier New" panose="02070309020205020404" pitchFamily="49" charset="0"/>
-            </a:endParaRPr>
+              <a:t>10.19.91.230 - - [01/Dec/2017:14:48:12 +0000] "GET /favicon.ico HTTP/1.1" 404 169 "-" "Mozilla/5.0 (Windows NT 10.0; Win64; x64; rv:57.0) Gecko/20100101 Firefox/57.0" "-“</a:t>
+            </a:r>
           </a:p>
           <a:p>
             <a:pPr defTabSz="914400" fontAlgn="base">
@@ -9134,214 +9186,6 @@
                 <a:ea typeface="Arial Unicode MS" pitchFamily="34" charset="-128"/>
                 <a:cs typeface="Courier New" panose="02070309020205020404" pitchFamily="49" charset="0"/>
               </a:rPr>
-              <a:t>$ </a:t>
-            </a:r>
-            <a:r>
-              <a:rPr lang="en-US" sz="1200" b="1" kern="0" dirty="0" err="1">
-                <a:solidFill>
-                  <a:schemeClr val="bg1"/>
-                </a:solidFill>
-                <a:latin typeface="Courier New" panose="02070309020205020404" pitchFamily="49" charset="0"/>
-                <a:ea typeface="Arial Unicode MS" pitchFamily="34" charset="-128"/>
-                <a:cs typeface="Courier New" panose="02070309020205020404" pitchFamily="49" charset="0"/>
-              </a:rPr>
-              <a:t>docker</a:t>
-            </a:r>
-            <a:r>
-              <a:rPr lang="en-US" sz="1200" b="1" kern="0" dirty="0">
-                <a:solidFill>
-                  <a:schemeClr val="bg1"/>
-                </a:solidFill>
-                <a:latin typeface="Courier New" panose="02070309020205020404" pitchFamily="49" charset="0"/>
-                <a:ea typeface="Arial Unicode MS" pitchFamily="34" charset="-128"/>
-                <a:cs typeface="Courier New" panose="02070309020205020404" pitchFamily="49" charset="0"/>
-              </a:rPr>
-              <a:t> stop -t 5 </a:t>
-            </a:r>
-            <a:r>
-              <a:rPr lang="en-US" sz="1200" b="1" kern="0" dirty="0" err="1">
-                <a:solidFill>
-                  <a:schemeClr val="bg1"/>
-                </a:solidFill>
-                <a:latin typeface="Courier New" panose="02070309020205020404" pitchFamily="49" charset="0"/>
-                <a:ea typeface="Arial Unicode MS" pitchFamily="34" charset="-128"/>
-                <a:cs typeface="Courier New" panose="02070309020205020404" pitchFamily="49" charset="0"/>
-              </a:rPr>
-              <a:t>happy_ride</a:t>
-            </a:r>
-            <a:endParaRPr lang="en-US" sz="1200" b="1" kern="0" dirty="0">
-              <a:solidFill>
-                <a:schemeClr val="bg1"/>
-              </a:solidFill>
-              <a:latin typeface="Courier New" panose="02070309020205020404" pitchFamily="49" charset="0"/>
-              <a:ea typeface="Arial Unicode MS" pitchFamily="34" charset="-128"/>
-              <a:cs typeface="Courier New" panose="02070309020205020404" pitchFamily="49" charset="0"/>
-            </a:endParaRPr>
-          </a:p>
-          <a:p>
-            <a:pPr defTabSz="914400" fontAlgn="base">
-              <a:spcAft>
-                <a:spcPct val="0"/>
-              </a:spcAft>
-              <a:buClr>
-                <a:srgbClr val="F0AB00"/>
-              </a:buClr>
-              <a:buSzPct val="80000"/>
-            </a:pPr>
-            <a:r>
-              <a:rPr lang="en-US" sz="1200" kern="0" dirty="0">
-                <a:solidFill>
-                  <a:schemeClr val="bg1"/>
-                </a:solidFill>
-                <a:latin typeface="Arial monospaced for SAP" panose="020B0609020202030204" pitchFamily="49" charset="0"/>
-                <a:ea typeface="Arial Unicode MS" pitchFamily="34" charset="-128"/>
-                <a:cs typeface="Courier New" panose="02070309020205020404" pitchFamily="49" charset="0"/>
-              </a:rPr>
-              <a:t>494b7b8c9f39</a:t>
-            </a:r>
-          </a:p>
-          <a:p>
-            <a:pPr defTabSz="914400" fontAlgn="base">
-              <a:spcAft>
-                <a:spcPct val="0"/>
-              </a:spcAft>
-              <a:buClr>
-                <a:srgbClr val="F0AB00"/>
-              </a:buClr>
-              <a:buSzPct val="80000"/>
-            </a:pPr>
-            <a:endParaRPr lang="en-US" sz="1200" b="1" kern="0" dirty="0">
-              <a:solidFill>
-                <a:schemeClr val="bg1"/>
-              </a:solidFill>
-              <a:latin typeface="Courier New" panose="02070309020205020404" pitchFamily="49" charset="0"/>
-              <a:ea typeface="Arial Unicode MS" pitchFamily="34" charset="-128"/>
-              <a:cs typeface="Courier New" panose="02070309020205020404" pitchFamily="49" charset="0"/>
-            </a:endParaRPr>
-          </a:p>
-          <a:p>
-            <a:pPr defTabSz="914400" fontAlgn="base">
-              <a:spcAft>
-                <a:spcPct val="0"/>
-              </a:spcAft>
-              <a:buClr>
-                <a:srgbClr val="F0AB00"/>
-              </a:buClr>
-              <a:buSzPct val="80000"/>
-            </a:pPr>
-            <a:r>
-              <a:rPr lang="en-US" sz="1200" b="1" kern="0" dirty="0">
-                <a:solidFill>
-                  <a:schemeClr val="bg1"/>
-                </a:solidFill>
-                <a:latin typeface="Courier New" panose="02070309020205020404" pitchFamily="49" charset="0"/>
-                <a:ea typeface="Arial Unicode MS" pitchFamily="34" charset="-128"/>
-                <a:cs typeface="Courier New" panose="02070309020205020404" pitchFamily="49" charset="0"/>
-              </a:rPr>
-              <a:t>$ </a:t>
-            </a:r>
-            <a:r>
-              <a:rPr lang="en-US" sz="1200" b="1" kern="0" dirty="0" err="1">
-                <a:solidFill>
-                  <a:schemeClr val="bg1"/>
-                </a:solidFill>
-                <a:latin typeface="Courier New" panose="02070309020205020404" pitchFamily="49" charset="0"/>
-                <a:ea typeface="Arial Unicode MS" pitchFamily="34" charset="-128"/>
-                <a:cs typeface="Courier New" panose="02070309020205020404" pitchFamily="49" charset="0"/>
-              </a:rPr>
-              <a:t>docker</a:t>
-            </a:r>
-            <a:r>
-              <a:rPr lang="en-US" sz="1200" b="1" kern="0" dirty="0">
-                <a:solidFill>
-                  <a:schemeClr val="bg1"/>
-                </a:solidFill>
-                <a:latin typeface="Courier New" panose="02070309020205020404" pitchFamily="49" charset="0"/>
-                <a:ea typeface="Arial Unicode MS" pitchFamily="34" charset="-128"/>
-                <a:cs typeface="Courier New" panose="02070309020205020404" pitchFamily="49" charset="0"/>
-              </a:rPr>
-              <a:t> </a:t>
-            </a:r>
-            <a:r>
-              <a:rPr lang="en-US" sz="1200" b="1" kern="0" dirty="0" err="1">
-                <a:solidFill>
-                  <a:schemeClr val="bg1"/>
-                </a:solidFill>
-                <a:latin typeface="Courier New" panose="02070309020205020404" pitchFamily="49" charset="0"/>
-                <a:ea typeface="Arial Unicode MS" pitchFamily="34" charset="-128"/>
-                <a:cs typeface="Courier New" panose="02070309020205020404" pitchFamily="49" charset="0"/>
-              </a:rPr>
-              <a:t>ps</a:t>
-            </a:r>
-            <a:endParaRPr lang="en-US" sz="1200" b="1" kern="0" dirty="0">
-              <a:solidFill>
-                <a:schemeClr val="bg1"/>
-              </a:solidFill>
-              <a:latin typeface="Courier New" panose="02070309020205020404" pitchFamily="49" charset="0"/>
-              <a:ea typeface="Arial Unicode MS" pitchFamily="34" charset="-128"/>
-              <a:cs typeface="Courier New" panose="02070309020205020404" pitchFamily="49" charset="0"/>
-            </a:endParaRPr>
-          </a:p>
-          <a:p>
-            <a:pPr defTabSz="914400" fontAlgn="base">
-              <a:spcAft>
-                <a:spcPct val="0"/>
-              </a:spcAft>
-              <a:buClr>
-                <a:srgbClr val="F0AB00"/>
-              </a:buClr>
-              <a:buSzPct val="80000"/>
-            </a:pPr>
-            <a:r>
-              <a:rPr lang="en-US" sz="1200" kern="0" dirty="0">
-                <a:solidFill>
-                  <a:schemeClr val="bg1"/>
-                </a:solidFill>
-                <a:latin typeface="Arial monospaced for SAP" panose="020B0609020202030204" pitchFamily="49" charset="0"/>
-                <a:ea typeface="Arial Unicode MS" pitchFamily="34" charset="-128"/>
-                <a:cs typeface="Courier New" panose="02070309020205020404" pitchFamily="49" charset="0"/>
-              </a:rPr>
-              <a:t>CONTAINER ID    IMAGE       COMMAND          CREATED      STATUS        PORTS                    NAMES</a:t>
-            </a:r>
-          </a:p>
-          <a:p>
-            <a:pPr defTabSz="914400" fontAlgn="base">
-              <a:spcAft>
-                <a:spcPct val="0"/>
-              </a:spcAft>
-              <a:buClr>
-                <a:srgbClr val="F0AB00"/>
-              </a:buClr>
-              <a:buSzPct val="80000"/>
-            </a:pPr>
-            <a:endParaRPr lang="en-US" sz="1200" kern="0" dirty="0">
-              <a:solidFill>
-                <a:schemeClr val="bg1"/>
-              </a:solidFill>
-              <a:latin typeface="Arial monospaced for SAP" panose="020B0609020202030204" pitchFamily="49" charset="0"/>
-              <a:ea typeface="Arial Unicode MS" pitchFamily="34" charset="-128"/>
-              <a:cs typeface="Courier New" panose="02070309020205020404" pitchFamily="49" charset="0"/>
-            </a:endParaRPr>
-          </a:p>
-          <a:p>
-            <a:pPr defTabSz="914400" fontAlgn="base">
-              <a:spcAft>
-                <a:spcPct val="0"/>
-              </a:spcAft>
-              <a:buClr>
-                <a:srgbClr val="F0AB00"/>
-              </a:buClr>
-              <a:buSzPct val="80000"/>
-            </a:pPr>
-            <a:r>
-              <a:rPr lang="en-US" sz="1200" b="1" kern="0" dirty="0">
-                <a:solidFill>
-                  <a:schemeClr val="bg1"/>
-                </a:solidFill>
-                <a:latin typeface="Courier New" panose="02070309020205020404" pitchFamily="49" charset="0"/>
-                <a:ea typeface="Arial Unicode MS" pitchFamily="34" charset="-128"/>
-                <a:cs typeface="Courier New" panose="02070309020205020404" pitchFamily="49" charset="0"/>
-              </a:rPr>
               <a:t>$</a:t>
             </a:r>
           </a:p>
@@ -9350,7 +9194,7 @@
     </p:spTree>
     <p:extLst>
       <p:ext uri="{BB962C8B-B14F-4D97-AF65-F5344CB8AC3E}">
-        <p14:creationId xmlns:p14="http://schemas.microsoft.com/office/powerpoint/2010/main" val="3959768445"/>
+        <p14:creationId xmlns:p14="http://schemas.microsoft.com/office/powerpoint/2010/main" val="3140959912"/>
       </p:ext>
     </p:extLst>
   </p:cSld>
@@ -9394,469 +9238,6 @@
           <a:p>
             <a:r>
               <a:rPr lang="en-US" dirty="0"/>
-              <a:t>Getting logs from a container</a:t>
-            </a:r>
-          </a:p>
-        </p:txBody>
-      </p:sp>
-      <p:sp>
-        <p:nvSpPr>
-          <p:cNvPr id="6" name="Text Placeholder 10"/>
-          <p:cNvSpPr>
-            <a:spLocks noGrp="1"/>
-          </p:cNvSpPr>
-          <p:nvPr>
-            <p:ph type="body" sz="quarter" idx="10"/>
-          </p:nvPr>
-        </p:nvSpPr>
-        <p:spPr>
-          <a:xfrm>
-            <a:off x="503999" y="1620000"/>
-            <a:ext cx="11186477" cy="4230000"/>
-          </a:xfrm>
-        </p:spPr>
-        <p:txBody>
-          <a:bodyPr/>
-          <a:lstStyle/>
-          <a:p>
-            <a:pPr lvl="0"/>
-            <a:r>
-              <a:rPr lang="en-US" sz="1800" dirty="0"/>
-              <a:t>Docker collects logs from programs inside containers</a:t>
-            </a:r>
-          </a:p>
-          <a:p>
-            <a:pPr lvl="1"/>
-            <a:r>
-              <a:rPr lang="en-US" sz="1600" dirty="0" err="1"/>
-              <a:t>stdout</a:t>
-            </a:r>
-            <a:r>
-              <a:rPr lang="en-US" sz="1600" dirty="0"/>
-              <a:t> and </a:t>
-            </a:r>
-            <a:r>
-              <a:rPr lang="en-US" sz="1600" dirty="0" err="1"/>
-              <a:t>stderr</a:t>
-            </a:r>
-            <a:r>
-              <a:rPr lang="en-US" sz="1600" dirty="0"/>
-              <a:t> of the main process get collected</a:t>
-            </a:r>
-          </a:p>
-          <a:p>
-            <a:pPr lvl="1"/>
-            <a:r>
-              <a:rPr lang="en-US" sz="1600" dirty="0"/>
-              <a:t>logs from programs can be redirected to /dev/</a:t>
-            </a:r>
-            <a:r>
-              <a:rPr lang="en-US" sz="1600" dirty="0" err="1"/>
-              <a:t>stdout</a:t>
-            </a:r>
-            <a:r>
-              <a:rPr lang="en-US" sz="1600" dirty="0"/>
-              <a:t> and /dev/</a:t>
-            </a:r>
-            <a:r>
-              <a:rPr lang="en-US" sz="1600" dirty="0" err="1"/>
-              <a:t>stderr</a:t>
-            </a:r>
-            <a:endParaRPr lang="en-US" sz="1600" dirty="0"/>
-          </a:p>
-          <a:p>
-            <a:pPr lvl="1"/>
-            <a:endParaRPr lang="en-US" sz="1600" dirty="0"/>
-          </a:p>
-          <a:p>
-            <a:pPr lvl="1"/>
-            <a:r>
-              <a:rPr lang="en-US" sz="1600" dirty="0"/>
-              <a:t>logs still available even after a container terminated</a:t>
-            </a:r>
-          </a:p>
-        </p:txBody>
-      </p:sp>
-      <p:sp>
-        <p:nvSpPr>
-          <p:cNvPr id="7" name="Rectangle: Rounded Corners 6"/>
-          <p:cNvSpPr/>
-          <p:nvPr/>
-        </p:nvSpPr>
-        <p:spPr bwMode="gray">
-          <a:xfrm>
-            <a:off x="686701" y="2558294"/>
-            <a:ext cx="7312170" cy="276513"/>
-          </a:xfrm>
-          <a:prstGeom prst="roundRect">
-            <a:avLst/>
-          </a:prstGeom>
-          <a:solidFill>
-            <a:schemeClr val="accent1">
-              <a:lumMod val="20000"/>
-              <a:lumOff val="80000"/>
-            </a:schemeClr>
-          </a:solidFill>
-          <a:ln w="6350" algn="ctr">
-            <a:noFill/>
-            <a:miter lim="800000"/>
-            <a:headEnd/>
-            <a:tailEnd/>
-          </a:ln>
-        </p:spPr>
-        <p:txBody>
-          <a:bodyPr lIns="90000" tIns="72000" rIns="90000" bIns="72000" rtlCol="0" anchor="ctr"/>
-          <a:lstStyle/>
-          <a:p>
-            <a:pPr marL="179387" lvl="2" indent="0">
-              <a:buNone/>
-            </a:pPr>
-            <a:r>
-              <a:rPr lang="en-US" sz="1400" b="1" dirty="0">
-                <a:latin typeface="Courier New" panose="02070309020205020404" pitchFamily="49" charset="0"/>
-                <a:cs typeface="Courier New" panose="02070309020205020404" pitchFamily="49" charset="0"/>
-              </a:rPr>
-              <a:t>$ </a:t>
-            </a:r>
-            <a:r>
-              <a:rPr lang="en-US" sz="1400" dirty="0" err="1">
-                <a:latin typeface="Courier New" panose="02070309020205020404" pitchFamily="49" charset="0"/>
-                <a:cs typeface="Courier New" panose="02070309020205020404" pitchFamily="49" charset="0"/>
-              </a:rPr>
-              <a:t>docker</a:t>
-            </a:r>
-            <a:r>
-              <a:rPr lang="en-US" sz="1400" b="1" dirty="0">
-                <a:latin typeface="Courier New" panose="02070309020205020404" pitchFamily="49" charset="0"/>
-                <a:cs typeface="Courier New" panose="02070309020205020404" pitchFamily="49" charset="0"/>
-              </a:rPr>
-              <a:t> logs </a:t>
-            </a:r>
-            <a:r>
-              <a:rPr lang="en-US" sz="1400" i="1" dirty="0">
-                <a:latin typeface="Courier New" panose="02070309020205020404" pitchFamily="49" charset="0"/>
-                <a:cs typeface="Courier New" panose="02070309020205020404" pitchFamily="49" charset="0"/>
-              </a:rPr>
-              <a:t>&lt;container ID or name&gt;</a:t>
-            </a:r>
-          </a:p>
-        </p:txBody>
-      </p:sp>
-      <p:sp>
-        <p:nvSpPr>
-          <p:cNvPr id="9" name="Rectangle: Rounded Corners 8"/>
-          <p:cNvSpPr/>
-          <p:nvPr/>
-        </p:nvSpPr>
-        <p:spPr bwMode="gray">
-          <a:xfrm>
-            <a:off x="779625" y="3575926"/>
-            <a:ext cx="10635223" cy="2275275"/>
-          </a:xfrm>
-          <a:prstGeom prst="roundRect">
-            <a:avLst>
-              <a:gd name="adj" fmla="val 8296"/>
-            </a:avLst>
-          </a:prstGeom>
-          <a:pattFill prst="narHorz">
-            <a:fgClr>
-              <a:schemeClr val="tx1"/>
-            </a:fgClr>
-            <a:bgClr>
-              <a:srgbClr val="112806"/>
-            </a:bgClr>
-          </a:pattFill>
-          <a:ln w="6350" algn="ctr">
-            <a:noFill/>
-            <a:miter lim="800000"/>
-            <a:headEnd/>
-            <a:tailEnd/>
-          </a:ln>
-        </p:spPr>
-        <p:txBody>
-          <a:bodyPr lIns="90000" tIns="72000" rIns="90000" bIns="72000" rtlCol="0" anchor="t"/>
-          <a:lstStyle/>
-          <a:p>
-            <a:pPr defTabSz="914400" fontAlgn="base">
-              <a:spcAft>
-                <a:spcPct val="0"/>
-              </a:spcAft>
-              <a:buClr>
-                <a:srgbClr val="F0AB00"/>
-              </a:buClr>
-              <a:buSzPct val="80000"/>
-            </a:pPr>
-            <a:r>
-              <a:rPr lang="en-US" sz="1200" b="1" kern="0" dirty="0">
-                <a:solidFill>
-                  <a:schemeClr val="bg1"/>
-                </a:solidFill>
-                <a:latin typeface="Courier New" panose="02070309020205020404" pitchFamily="49" charset="0"/>
-                <a:ea typeface="Arial Unicode MS" pitchFamily="34" charset="-128"/>
-                <a:cs typeface="Courier New" panose="02070309020205020404" pitchFamily="49" charset="0"/>
-              </a:rPr>
-              <a:t>$ </a:t>
-            </a:r>
-            <a:r>
-              <a:rPr lang="en-US" sz="1200" b="1" kern="0" dirty="0" err="1">
-                <a:solidFill>
-                  <a:schemeClr val="bg1"/>
-                </a:solidFill>
-                <a:latin typeface="Courier New" panose="02070309020205020404" pitchFamily="49" charset="0"/>
-                <a:ea typeface="Arial Unicode MS" pitchFamily="34" charset="-128"/>
-                <a:cs typeface="Courier New" panose="02070309020205020404" pitchFamily="49" charset="0"/>
-              </a:rPr>
-              <a:t>docker</a:t>
-            </a:r>
-            <a:r>
-              <a:rPr lang="en-US" sz="1200" b="1" kern="0" dirty="0">
-                <a:solidFill>
-                  <a:schemeClr val="bg1"/>
-                </a:solidFill>
-                <a:latin typeface="Courier New" panose="02070309020205020404" pitchFamily="49" charset="0"/>
-                <a:ea typeface="Arial Unicode MS" pitchFamily="34" charset="-128"/>
-                <a:cs typeface="Courier New" panose="02070309020205020404" pitchFamily="49" charset="0"/>
-              </a:rPr>
-              <a:t> logs 494b7b8c9f39</a:t>
-            </a:r>
-          </a:p>
-          <a:p>
-            <a:pPr defTabSz="914400" fontAlgn="base">
-              <a:spcAft>
-                <a:spcPct val="0"/>
-              </a:spcAft>
-              <a:buClr>
-                <a:srgbClr val="F0AB00"/>
-              </a:buClr>
-              <a:buSzPct val="80000"/>
-            </a:pPr>
-            <a:r>
-              <a:rPr lang="en-US" sz="1200" kern="0" dirty="0">
-                <a:solidFill>
-                  <a:schemeClr val="bg1"/>
-                </a:solidFill>
-                <a:latin typeface="Arial monospaced for SAP" panose="020B0609020202030204" pitchFamily="49" charset="0"/>
-                <a:ea typeface="Arial Unicode MS" pitchFamily="34" charset="-128"/>
-                <a:cs typeface="Courier New" panose="02070309020205020404" pitchFamily="49" charset="0"/>
-              </a:rPr>
-              <a:t>10.19.91.230 - - [01/Dec/2017:14:48:12 +0000] "GET / HTTP/1.1" 200 230 "-" "Mozilla/5.0 (Windows NT 10.0; Win64; x64; rv:57.0) Gecko/20100101 Firefox/57.0" "-"</a:t>
-            </a:r>
-          </a:p>
-          <a:p>
-            <a:pPr defTabSz="914400" fontAlgn="base">
-              <a:spcAft>
-                <a:spcPct val="0"/>
-              </a:spcAft>
-              <a:buClr>
-                <a:srgbClr val="F0AB00"/>
-              </a:buClr>
-              <a:buSzPct val="80000"/>
-            </a:pPr>
-            <a:r>
-              <a:rPr lang="en-US" sz="1200" kern="0" dirty="0">
-                <a:solidFill>
-                  <a:schemeClr val="bg1"/>
-                </a:solidFill>
-                <a:latin typeface="Arial monospaced for SAP" panose="020B0609020202030204" pitchFamily="49" charset="0"/>
-                <a:ea typeface="Arial Unicode MS" pitchFamily="34" charset="-128"/>
-                <a:cs typeface="Courier New" panose="02070309020205020404" pitchFamily="49" charset="0"/>
-              </a:rPr>
-              <a:t>10.19.91.230 - - [01/Dec/2017:14:48:12 +0000] "GET /it_works.jpg HTTP/1.1" 200 25676 "http://pvxka22:32780/" "Mozilla/5.0 (Windows NT 10.0; Win64; x64; rv:57.0) Gecko/20100101 Firefox/57.0" "-"</a:t>
-            </a:r>
-          </a:p>
-          <a:p>
-            <a:pPr defTabSz="914400" fontAlgn="base">
-              <a:spcAft>
-                <a:spcPct val="0"/>
-              </a:spcAft>
-              <a:buClr>
-                <a:srgbClr val="F0AB00"/>
-              </a:buClr>
-              <a:buSzPct val="80000"/>
-            </a:pPr>
-            <a:r>
-              <a:rPr lang="en-US" sz="1200" kern="0" dirty="0">
-                <a:solidFill>
-                  <a:schemeClr val="accent5">
-                    <a:lumMod val="20000"/>
-                    <a:lumOff val="80000"/>
-                  </a:schemeClr>
-                </a:solidFill>
-                <a:latin typeface="Arial monospaced for SAP" panose="020B0609020202030204" pitchFamily="49" charset="0"/>
-                <a:ea typeface="Arial Unicode MS" pitchFamily="34" charset="-128"/>
-                <a:cs typeface="Courier New" panose="02070309020205020404" pitchFamily="49" charset="0"/>
-              </a:rPr>
-              <a:t>2017/12/01 14:48:12 [error] 8#8: *1 open() "/</a:t>
-            </a:r>
-            <a:r>
-              <a:rPr lang="en-US" sz="1200" kern="0" dirty="0" err="1">
-                <a:solidFill>
-                  <a:schemeClr val="accent5">
-                    <a:lumMod val="20000"/>
-                    <a:lumOff val="80000"/>
-                  </a:schemeClr>
-                </a:solidFill>
-                <a:latin typeface="Arial monospaced for SAP" panose="020B0609020202030204" pitchFamily="49" charset="0"/>
-                <a:ea typeface="Arial Unicode MS" pitchFamily="34" charset="-128"/>
-                <a:cs typeface="Courier New" panose="02070309020205020404" pitchFamily="49" charset="0"/>
-              </a:rPr>
-              <a:t>srv</a:t>
-            </a:r>
-            <a:r>
-              <a:rPr lang="en-US" sz="1200" kern="0" dirty="0">
-                <a:solidFill>
-                  <a:schemeClr val="accent5">
-                    <a:lumMod val="20000"/>
-                    <a:lumOff val="80000"/>
-                  </a:schemeClr>
-                </a:solidFill>
-                <a:latin typeface="Arial monospaced for SAP" panose="020B0609020202030204" pitchFamily="49" charset="0"/>
-                <a:ea typeface="Arial Unicode MS" pitchFamily="34" charset="-128"/>
-                <a:cs typeface="Courier New" panose="02070309020205020404" pitchFamily="49" charset="0"/>
-              </a:rPr>
-              <a:t>/www/</a:t>
-            </a:r>
-            <a:r>
-              <a:rPr lang="en-US" sz="1200" kern="0" dirty="0" err="1">
-                <a:solidFill>
-                  <a:schemeClr val="accent5">
-                    <a:lumMod val="20000"/>
-                    <a:lumOff val="80000"/>
-                  </a:schemeClr>
-                </a:solidFill>
-                <a:latin typeface="Arial monospaced for SAP" panose="020B0609020202030204" pitchFamily="49" charset="0"/>
-                <a:ea typeface="Arial Unicode MS" pitchFamily="34" charset="-128"/>
-                <a:cs typeface="Courier New" panose="02070309020205020404" pitchFamily="49" charset="0"/>
-              </a:rPr>
-              <a:t>htdocs</a:t>
-            </a:r>
-            <a:r>
-              <a:rPr lang="en-US" sz="1200" kern="0" dirty="0">
-                <a:solidFill>
-                  <a:schemeClr val="accent5">
-                    <a:lumMod val="20000"/>
-                    <a:lumOff val="80000"/>
-                  </a:schemeClr>
-                </a:solidFill>
-                <a:latin typeface="Arial monospaced for SAP" panose="020B0609020202030204" pitchFamily="49" charset="0"/>
-                <a:ea typeface="Arial Unicode MS" pitchFamily="34" charset="-128"/>
-                <a:cs typeface="Courier New" panose="02070309020205020404" pitchFamily="49" charset="0"/>
-              </a:rPr>
-              <a:t>/favicon.ico" failed (2: No such file or directory), client: 10.19.91.230, server: localhost, request: "GET /favicon.ico HTTP/1.1", host: "pvxka22:32780"</a:t>
-            </a:r>
-          </a:p>
-          <a:p>
-            <a:pPr defTabSz="914400" fontAlgn="base">
-              <a:spcAft>
-                <a:spcPct val="0"/>
-              </a:spcAft>
-              <a:buClr>
-                <a:srgbClr val="F0AB00"/>
-              </a:buClr>
-              <a:buSzPct val="80000"/>
-            </a:pPr>
-            <a:r>
-              <a:rPr lang="en-US" sz="1200" kern="0" dirty="0">
-                <a:solidFill>
-                  <a:schemeClr val="bg1"/>
-                </a:solidFill>
-                <a:latin typeface="Arial monospaced for SAP" panose="020B0609020202030204" pitchFamily="49" charset="0"/>
-                <a:ea typeface="Arial Unicode MS" pitchFamily="34" charset="-128"/>
-                <a:cs typeface="Courier New" panose="02070309020205020404" pitchFamily="49" charset="0"/>
-              </a:rPr>
-              <a:t>10.19.91.230 - - [01/Dec/2017:14:48:12 +0000] "GET /favicon.ico HTTP/1.1" 404 169 "-" "Mozilla/5.0 (Windows NT 10.0; Win64; x64; rv:57.0) Gecko/20100101 Firefox/57.0" "-“</a:t>
-            </a:r>
-          </a:p>
-          <a:p>
-            <a:pPr defTabSz="914400" fontAlgn="base">
-              <a:spcAft>
-                <a:spcPct val="0"/>
-              </a:spcAft>
-              <a:buClr>
-                <a:srgbClr val="F0AB00"/>
-              </a:buClr>
-              <a:buSzPct val="80000"/>
-            </a:pPr>
-            <a:endParaRPr lang="en-US" sz="1200" b="1" kern="0" dirty="0">
-              <a:solidFill>
-                <a:schemeClr val="bg1"/>
-              </a:solidFill>
-              <a:latin typeface="Courier New" panose="02070309020205020404" pitchFamily="49" charset="0"/>
-              <a:ea typeface="Arial Unicode MS" pitchFamily="34" charset="-128"/>
-              <a:cs typeface="Courier New" panose="02070309020205020404" pitchFamily="49" charset="0"/>
-            </a:endParaRPr>
-          </a:p>
-          <a:p>
-            <a:pPr defTabSz="914400" fontAlgn="base">
-              <a:spcAft>
-                <a:spcPct val="0"/>
-              </a:spcAft>
-              <a:buClr>
-                <a:srgbClr val="F0AB00"/>
-              </a:buClr>
-              <a:buSzPct val="80000"/>
-            </a:pPr>
-            <a:r>
-              <a:rPr lang="en-US" sz="1200" b="1" kern="0" dirty="0">
-                <a:solidFill>
-                  <a:schemeClr val="bg1"/>
-                </a:solidFill>
-                <a:latin typeface="Courier New" panose="02070309020205020404" pitchFamily="49" charset="0"/>
-                <a:ea typeface="Arial Unicode MS" pitchFamily="34" charset="-128"/>
-                <a:cs typeface="Courier New" panose="02070309020205020404" pitchFamily="49" charset="0"/>
-              </a:rPr>
-              <a:t>$</a:t>
-            </a:r>
-          </a:p>
-        </p:txBody>
-      </p:sp>
-    </p:spTree>
-    <p:extLst>
-      <p:ext uri="{BB962C8B-B14F-4D97-AF65-F5344CB8AC3E}">
-        <p14:creationId xmlns:p14="http://schemas.microsoft.com/office/powerpoint/2010/main" val="3140959912"/>
-      </p:ext>
-    </p:extLst>
-  </p:cSld>
-  <p:clrMapOvr>
-    <a:masterClrMapping/>
-  </p:clrMapOvr>
-</p:sld>
-</file>
-
-<file path=ppt/slides/slide12.xml><?xml version="1.0" encoding="utf-8"?>
-<p:sld xmlns:a="http://schemas.openxmlformats.org/drawingml/2006/main" xmlns:r="http://schemas.openxmlformats.org/officeDocument/2006/relationships" xmlns:p="http://schemas.openxmlformats.org/presentationml/2006/main">
-  <p:cSld>
-    <p:spTree>
-      <p:nvGrpSpPr>
-        <p:cNvPr id="1" name=""/>
-        <p:cNvGrpSpPr/>
-        <p:nvPr/>
-      </p:nvGrpSpPr>
-      <p:grpSpPr>
-        <a:xfrm>
-          <a:off x="0" y="0"/>
-          <a:ext cx="0" cy="0"/>
-          <a:chOff x="0" y="0"/>
-          <a:chExt cx="0" cy="0"/>
-        </a:xfrm>
-      </p:grpSpPr>
-      <p:sp>
-        <p:nvSpPr>
-          <p:cNvPr id="3" name="Title 2"/>
-          <p:cNvSpPr>
-            <a:spLocks noGrp="1"/>
-          </p:cNvSpPr>
-          <p:nvPr>
-            <p:ph type="title"/>
-          </p:nvPr>
-        </p:nvSpPr>
-        <p:spPr/>
-        <p:txBody>
-          <a:bodyPr/>
-          <a:lstStyle/>
-          <a:p>
-            <a:r>
-              <a:rPr lang="en-US" dirty="0"/>
               <a:t>Removing a container</a:t>
             </a:r>
           </a:p>
@@ -10722,6 +10103,599 @@
     <p:extLst>
       <p:ext uri="{BB962C8B-B14F-4D97-AF65-F5344CB8AC3E}">
         <p14:creationId xmlns:p14="http://schemas.microsoft.com/office/powerpoint/2010/main" val="2494487017"/>
+      </p:ext>
+    </p:extLst>
+  </p:cSld>
+  <p:clrMapOvr>
+    <a:masterClrMapping/>
+  </p:clrMapOvr>
+</p:sld>
+</file>
+
+<file path=ppt/slides/slide12.xml><?xml version="1.0" encoding="utf-8"?>
+<p:sld xmlns:a="http://schemas.openxmlformats.org/drawingml/2006/main" xmlns:r="http://schemas.openxmlformats.org/officeDocument/2006/relationships" xmlns:p="http://schemas.openxmlformats.org/presentationml/2006/main">
+  <p:cSld>
+    <p:spTree>
+      <p:nvGrpSpPr>
+        <p:cNvPr id="1" name=""/>
+        <p:cNvGrpSpPr/>
+        <p:nvPr/>
+      </p:nvGrpSpPr>
+      <p:grpSpPr>
+        <a:xfrm>
+          <a:off x="0" y="0"/>
+          <a:ext cx="0" cy="0"/>
+          <a:chOff x="0" y="0"/>
+          <a:chExt cx="0" cy="0"/>
+        </a:xfrm>
+      </p:grpSpPr>
+      <p:sp>
+        <p:nvSpPr>
+          <p:cNvPr id="2" name="Text Placeholder 1"/>
+          <p:cNvSpPr>
+            <a:spLocks noGrp="1"/>
+          </p:cNvSpPr>
+          <p:nvPr>
+            <p:ph type="body" sz="quarter" idx="10"/>
+          </p:nvPr>
+        </p:nvSpPr>
+        <p:spPr>
+          <a:xfrm>
+            <a:off x="503999" y="1619999"/>
+            <a:ext cx="11186477" cy="4640951"/>
+          </a:xfrm>
+        </p:spPr>
+        <p:txBody>
+          <a:bodyPr/>
+          <a:lstStyle/>
+          <a:p>
+            <a:pPr lvl="1"/>
+            <a:r>
+              <a:rPr lang="en-US" sz="2000" dirty="0"/>
+              <a:t>Start and run a new container</a:t>
+            </a:r>
+          </a:p>
+          <a:p>
+            <a:pPr lvl="1"/>
+            <a:endParaRPr lang="en-US" sz="2000" dirty="0"/>
+          </a:p>
+          <a:p>
+            <a:pPr lvl="1"/>
+            <a:r>
+              <a:rPr lang="en-US" sz="2000" dirty="0"/>
+              <a:t>Reattach to a container</a:t>
+            </a:r>
+          </a:p>
+          <a:p>
+            <a:pPr lvl="1"/>
+            <a:endParaRPr lang="en-US" sz="2000" dirty="0"/>
+          </a:p>
+          <a:p>
+            <a:pPr lvl="1"/>
+            <a:r>
+              <a:rPr lang="en-US" sz="2000" dirty="0"/>
+              <a:t>Forcibly stop a container</a:t>
+            </a:r>
+          </a:p>
+          <a:p>
+            <a:pPr lvl="1"/>
+            <a:endParaRPr lang="en-US" sz="2000" dirty="0"/>
+          </a:p>
+          <a:p>
+            <a:pPr lvl="1"/>
+            <a:r>
+              <a:rPr lang="en-US" sz="2000" dirty="0"/>
+              <a:t>Restart a previously stopped container</a:t>
+            </a:r>
+          </a:p>
+          <a:p>
+            <a:pPr lvl="1"/>
+            <a:endParaRPr lang="en-US" sz="2000" dirty="0"/>
+          </a:p>
+          <a:p>
+            <a:pPr lvl="1"/>
+            <a:r>
+              <a:rPr lang="en-US" sz="2000" dirty="0"/>
+              <a:t>Remove a container</a:t>
+            </a:r>
+          </a:p>
+          <a:p>
+            <a:pPr lvl="1"/>
+            <a:endParaRPr lang="en-US" sz="2000" dirty="0"/>
+          </a:p>
+        </p:txBody>
+      </p:sp>
+      <p:sp>
+        <p:nvSpPr>
+          <p:cNvPr id="3" name="Title 2"/>
+          <p:cNvSpPr>
+            <a:spLocks noGrp="1"/>
+          </p:cNvSpPr>
+          <p:nvPr>
+            <p:ph type="title"/>
+          </p:nvPr>
+        </p:nvSpPr>
+        <p:spPr/>
+        <p:txBody>
+          <a:bodyPr/>
+          <a:lstStyle/>
+          <a:p>
+            <a:r>
+              <a:rPr lang="en-US" dirty="0"/>
+              <a:t>Commands for containers</a:t>
+            </a:r>
+          </a:p>
+        </p:txBody>
+      </p:sp>
+      <p:sp>
+        <p:nvSpPr>
+          <p:cNvPr id="6" name="Rectangle: Rounded Corners 5"/>
+          <p:cNvSpPr/>
+          <p:nvPr/>
+        </p:nvSpPr>
+        <p:spPr bwMode="gray">
+          <a:xfrm>
+            <a:off x="981976" y="2004108"/>
+            <a:ext cx="7312170" cy="276513"/>
+          </a:xfrm>
+          <a:prstGeom prst="roundRect">
+            <a:avLst/>
+          </a:prstGeom>
+          <a:solidFill>
+            <a:schemeClr val="accent1">
+              <a:lumMod val="20000"/>
+              <a:lumOff val="80000"/>
+            </a:schemeClr>
+          </a:solidFill>
+          <a:ln w="6350" algn="ctr">
+            <a:noFill/>
+            <a:miter lim="800000"/>
+            <a:headEnd/>
+            <a:tailEnd/>
+          </a:ln>
+        </p:spPr>
+        <p:txBody>
+          <a:bodyPr lIns="90000" tIns="72000" rIns="90000" bIns="72000" rtlCol="0" anchor="ctr"/>
+          <a:lstStyle/>
+          <a:p>
+            <a:pPr marL="179387" lvl="2" indent="0">
+              <a:buNone/>
+            </a:pPr>
+            <a:r>
+              <a:rPr lang="en-US" sz="1400" b="1" dirty="0">
+                <a:latin typeface="Courier New" panose="02070309020205020404" pitchFamily="49" charset="0"/>
+                <a:cs typeface="Courier New" panose="02070309020205020404" pitchFamily="49" charset="0"/>
+              </a:rPr>
+              <a:t>$ </a:t>
+            </a:r>
+            <a:r>
+              <a:rPr lang="en-US" sz="1400" dirty="0">
+                <a:latin typeface="Courier New" panose="02070309020205020404" pitchFamily="49" charset="0"/>
+                <a:cs typeface="Courier New" panose="02070309020205020404" pitchFamily="49" charset="0"/>
+              </a:rPr>
+              <a:t>docker</a:t>
+            </a:r>
+            <a:r>
+              <a:rPr lang="en-US" sz="1400" b="1" dirty="0">
+                <a:latin typeface="Courier New" panose="02070309020205020404" pitchFamily="49" charset="0"/>
+                <a:cs typeface="Courier New" panose="02070309020205020404" pitchFamily="49" charset="0"/>
+              </a:rPr>
+              <a:t> run </a:t>
+            </a:r>
+            <a:r>
+              <a:rPr lang="en-US" sz="1400" i="1" dirty="0" err="1">
+                <a:latin typeface="Courier New" panose="02070309020205020404" pitchFamily="49" charset="0"/>
+                <a:cs typeface="Courier New" panose="02070309020205020404" pitchFamily="49" charset="0"/>
+              </a:rPr>
+              <a:t>busybox</a:t>
+            </a:r>
+            <a:endParaRPr lang="en-US" sz="1400" i="1" dirty="0">
+              <a:latin typeface="Courier New" panose="02070309020205020404" pitchFamily="49" charset="0"/>
+              <a:cs typeface="Courier New" panose="02070309020205020404" pitchFamily="49" charset="0"/>
+            </a:endParaRPr>
+          </a:p>
+        </p:txBody>
+      </p:sp>
+      <p:sp>
+        <p:nvSpPr>
+          <p:cNvPr id="7" name="Rectangle: Rounded Corners 6"/>
+          <p:cNvSpPr/>
+          <p:nvPr/>
+        </p:nvSpPr>
+        <p:spPr bwMode="gray">
+          <a:xfrm>
+            <a:off x="981976" y="2750776"/>
+            <a:ext cx="10230522" cy="276513"/>
+          </a:xfrm>
+          <a:prstGeom prst="roundRect">
+            <a:avLst/>
+          </a:prstGeom>
+          <a:solidFill>
+            <a:schemeClr val="accent1">
+              <a:lumMod val="20000"/>
+              <a:lumOff val="80000"/>
+            </a:schemeClr>
+          </a:solidFill>
+          <a:ln w="6350" algn="ctr">
+            <a:noFill/>
+            <a:miter lim="800000"/>
+            <a:headEnd/>
+            <a:tailEnd/>
+          </a:ln>
+        </p:spPr>
+        <p:txBody>
+          <a:bodyPr lIns="90000" tIns="72000" rIns="90000" bIns="72000" rtlCol="0" anchor="ctr"/>
+          <a:lstStyle/>
+          <a:p>
+            <a:pPr marL="179387" lvl="2" indent="0">
+              <a:buNone/>
+            </a:pPr>
+            <a:r>
+              <a:rPr lang="en-US" sz="1400" b="1" dirty="0">
+                <a:latin typeface="Courier New" panose="02070309020205020404" pitchFamily="49" charset="0"/>
+                <a:cs typeface="Courier New" panose="02070309020205020404" pitchFamily="49" charset="0"/>
+              </a:rPr>
+              <a:t>$ </a:t>
+            </a:r>
+            <a:r>
+              <a:rPr lang="en-US" sz="1400" dirty="0">
+                <a:latin typeface="Courier New" panose="02070309020205020404" pitchFamily="49" charset="0"/>
+                <a:cs typeface="Courier New" panose="02070309020205020404" pitchFamily="49" charset="0"/>
+              </a:rPr>
+              <a:t>docker</a:t>
+            </a:r>
+            <a:r>
+              <a:rPr lang="en-US" sz="1400" b="1" dirty="0">
+                <a:latin typeface="Courier New" panose="02070309020205020404" pitchFamily="49" charset="0"/>
+                <a:cs typeface="Courier New" panose="02070309020205020404" pitchFamily="49" charset="0"/>
+              </a:rPr>
+              <a:t> attach </a:t>
+            </a:r>
+            <a:r>
+              <a:rPr lang="en-US" sz="1400" i="1" dirty="0">
+                <a:latin typeface="Courier New" panose="02070309020205020404" pitchFamily="49" charset="0"/>
+                <a:cs typeface="Courier New" panose="02070309020205020404" pitchFamily="49" charset="0"/>
+              </a:rPr>
+              <a:t>&lt;container ID or name&gt;</a:t>
+            </a:r>
+          </a:p>
+        </p:txBody>
+      </p:sp>
+      <p:sp>
+        <p:nvSpPr>
+          <p:cNvPr id="8" name="Rectangle: Rounded Corners 7"/>
+          <p:cNvSpPr/>
+          <p:nvPr/>
+        </p:nvSpPr>
+        <p:spPr bwMode="gray">
+          <a:xfrm>
+            <a:off x="981976" y="4257357"/>
+            <a:ext cx="10230522" cy="276513"/>
+          </a:xfrm>
+          <a:prstGeom prst="roundRect">
+            <a:avLst/>
+          </a:prstGeom>
+          <a:solidFill>
+            <a:schemeClr val="accent1">
+              <a:lumMod val="20000"/>
+              <a:lumOff val="80000"/>
+            </a:schemeClr>
+          </a:solidFill>
+          <a:ln w="6350" algn="ctr">
+            <a:noFill/>
+            <a:miter lim="800000"/>
+            <a:headEnd/>
+            <a:tailEnd/>
+          </a:ln>
+        </p:spPr>
+        <p:txBody>
+          <a:bodyPr lIns="90000" tIns="72000" rIns="90000" bIns="72000" rtlCol="0" anchor="ctr"/>
+          <a:lstStyle/>
+          <a:p>
+            <a:pPr marL="179387" lvl="2" indent="0">
+              <a:buNone/>
+            </a:pPr>
+            <a:r>
+              <a:rPr lang="en-US" sz="1400" b="1" dirty="0">
+                <a:latin typeface="Courier New" panose="02070309020205020404" pitchFamily="49" charset="0"/>
+                <a:cs typeface="Courier New" panose="02070309020205020404" pitchFamily="49" charset="0"/>
+              </a:rPr>
+              <a:t>$ </a:t>
+            </a:r>
+            <a:r>
+              <a:rPr lang="en-US" sz="1400" dirty="0">
+                <a:latin typeface="Courier New" panose="02070309020205020404" pitchFamily="49" charset="0"/>
+                <a:cs typeface="Courier New" panose="02070309020205020404" pitchFamily="49" charset="0"/>
+              </a:rPr>
+              <a:t>docker</a:t>
+            </a:r>
+            <a:r>
+              <a:rPr lang="en-US" sz="1400" b="1" dirty="0">
+                <a:latin typeface="Courier New" panose="02070309020205020404" pitchFamily="49" charset="0"/>
+                <a:cs typeface="Courier New" panose="02070309020205020404" pitchFamily="49" charset="0"/>
+              </a:rPr>
+              <a:t> start </a:t>
+            </a:r>
+            <a:r>
+              <a:rPr lang="en-US" sz="1400" i="1" dirty="0">
+                <a:latin typeface="Courier New" panose="02070309020205020404" pitchFamily="49" charset="0"/>
+                <a:cs typeface="Courier New" panose="02070309020205020404" pitchFamily="49" charset="0"/>
+              </a:rPr>
+              <a:t>&lt;container ID or name&gt;</a:t>
+            </a:r>
+          </a:p>
+        </p:txBody>
+      </p:sp>
+      <p:sp>
+        <p:nvSpPr>
+          <p:cNvPr id="9" name="Rectangle: Rounded Corners 8"/>
+          <p:cNvSpPr/>
+          <p:nvPr/>
+        </p:nvSpPr>
+        <p:spPr bwMode="gray">
+          <a:xfrm>
+            <a:off x="981976" y="3510689"/>
+            <a:ext cx="10230522" cy="276513"/>
+          </a:xfrm>
+          <a:prstGeom prst="roundRect">
+            <a:avLst/>
+          </a:prstGeom>
+          <a:solidFill>
+            <a:schemeClr val="accent1">
+              <a:lumMod val="20000"/>
+              <a:lumOff val="80000"/>
+            </a:schemeClr>
+          </a:solidFill>
+          <a:ln w="6350" algn="ctr">
+            <a:noFill/>
+            <a:miter lim="800000"/>
+            <a:headEnd/>
+            <a:tailEnd/>
+          </a:ln>
+        </p:spPr>
+        <p:txBody>
+          <a:bodyPr lIns="90000" tIns="72000" rIns="90000" bIns="72000" rtlCol="0" anchor="ctr"/>
+          <a:lstStyle/>
+          <a:p>
+            <a:pPr marL="179387" lvl="2" indent="0">
+              <a:buNone/>
+            </a:pPr>
+            <a:r>
+              <a:rPr lang="en-US" sz="1400" b="1" dirty="0">
+                <a:latin typeface="Courier New" panose="02070309020205020404" pitchFamily="49" charset="0"/>
+                <a:cs typeface="Courier New" panose="02070309020205020404" pitchFamily="49" charset="0"/>
+              </a:rPr>
+              <a:t>$ </a:t>
+            </a:r>
+            <a:r>
+              <a:rPr lang="en-US" sz="1400" dirty="0">
+                <a:latin typeface="Courier New" panose="02070309020205020404" pitchFamily="49" charset="0"/>
+                <a:cs typeface="Courier New" panose="02070309020205020404" pitchFamily="49" charset="0"/>
+              </a:rPr>
+              <a:t>docker</a:t>
+            </a:r>
+            <a:r>
+              <a:rPr lang="en-US" sz="1400" b="1" dirty="0">
+                <a:latin typeface="Courier New" panose="02070309020205020404" pitchFamily="49" charset="0"/>
+                <a:cs typeface="Courier New" panose="02070309020205020404" pitchFamily="49" charset="0"/>
+              </a:rPr>
+              <a:t> stop </a:t>
+            </a:r>
+            <a:r>
+              <a:rPr lang="en-US" sz="1400" i="1" dirty="0">
+                <a:latin typeface="Courier New" panose="02070309020205020404" pitchFamily="49" charset="0"/>
+                <a:cs typeface="Courier New" panose="02070309020205020404" pitchFamily="49" charset="0"/>
+              </a:rPr>
+              <a:t>&lt;container ID or name&gt;</a:t>
+            </a:r>
+          </a:p>
+        </p:txBody>
+      </p:sp>
+      <p:sp>
+        <p:nvSpPr>
+          <p:cNvPr id="10" name="Rectangle: Rounded Corners 9"/>
+          <p:cNvSpPr/>
+          <p:nvPr/>
+        </p:nvSpPr>
+        <p:spPr bwMode="gray">
+          <a:xfrm>
+            <a:off x="981976" y="5053678"/>
+            <a:ext cx="10230522" cy="276513"/>
+          </a:xfrm>
+          <a:prstGeom prst="roundRect">
+            <a:avLst/>
+          </a:prstGeom>
+          <a:solidFill>
+            <a:schemeClr val="accent1">
+              <a:lumMod val="20000"/>
+              <a:lumOff val="80000"/>
+            </a:schemeClr>
+          </a:solidFill>
+          <a:ln w="6350" algn="ctr">
+            <a:noFill/>
+            <a:miter lim="800000"/>
+            <a:headEnd/>
+            <a:tailEnd/>
+          </a:ln>
+        </p:spPr>
+        <p:txBody>
+          <a:bodyPr lIns="90000" tIns="72000" rIns="90000" bIns="72000" rtlCol="0" anchor="ctr"/>
+          <a:lstStyle/>
+          <a:p>
+            <a:pPr marL="179387" lvl="2" indent="0">
+              <a:buNone/>
+            </a:pPr>
+            <a:r>
+              <a:rPr lang="en-US" sz="1400" b="1" dirty="0">
+                <a:latin typeface="Courier New" panose="02070309020205020404" pitchFamily="49" charset="0"/>
+                <a:cs typeface="Courier New" panose="02070309020205020404" pitchFamily="49" charset="0"/>
+              </a:rPr>
+              <a:t>$ </a:t>
+            </a:r>
+            <a:r>
+              <a:rPr lang="en-US" sz="1400" dirty="0">
+                <a:latin typeface="Courier New" panose="02070309020205020404" pitchFamily="49" charset="0"/>
+                <a:cs typeface="Courier New" panose="02070309020205020404" pitchFamily="49" charset="0"/>
+              </a:rPr>
+              <a:t>docker </a:t>
+            </a:r>
+            <a:r>
+              <a:rPr lang="en-US" sz="1400" b="1" dirty="0" err="1">
+                <a:latin typeface="Courier New" panose="02070309020205020404" pitchFamily="49" charset="0"/>
+                <a:cs typeface="Courier New" panose="02070309020205020404" pitchFamily="49" charset="0"/>
+              </a:rPr>
+              <a:t>rm</a:t>
+            </a:r>
+            <a:r>
+              <a:rPr lang="en-US" sz="1400" b="1" dirty="0">
+                <a:latin typeface="Courier New" panose="02070309020205020404" pitchFamily="49" charset="0"/>
+                <a:cs typeface="Courier New" panose="02070309020205020404" pitchFamily="49" charset="0"/>
+              </a:rPr>
+              <a:t> </a:t>
+            </a:r>
+            <a:r>
+              <a:rPr lang="en-US" sz="1400" i="1" dirty="0">
+                <a:latin typeface="Courier New" panose="02070309020205020404" pitchFamily="49" charset="0"/>
+                <a:cs typeface="Courier New" panose="02070309020205020404" pitchFamily="49" charset="0"/>
+              </a:rPr>
+              <a:t>&lt;container ID or name&gt;</a:t>
+            </a:r>
+          </a:p>
+        </p:txBody>
+      </p:sp>
+      <p:sp>
+        <p:nvSpPr>
+          <p:cNvPr id="4" name="Rectangle: Rounded Corners 3"/>
+          <p:cNvSpPr/>
+          <p:nvPr/>
+        </p:nvSpPr>
+        <p:spPr bwMode="gray">
+          <a:xfrm>
+            <a:off x="8447783" y="1074790"/>
+            <a:ext cx="2764715" cy="1205831"/>
+          </a:xfrm>
+          <a:prstGeom prst="roundRect">
+            <a:avLst>
+              <a:gd name="adj" fmla="val 7623"/>
+            </a:avLst>
+          </a:prstGeom>
+          <a:solidFill>
+            <a:schemeClr val="accent1"/>
+          </a:solidFill>
+          <a:ln w="6350" algn="ctr">
+            <a:solidFill>
+              <a:schemeClr val="tx1"/>
+            </a:solidFill>
+            <a:miter lim="800000"/>
+            <a:headEnd/>
+            <a:tailEnd/>
+          </a:ln>
+        </p:spPr>
+        <p:txBody>
+          <a:bodyPr lIns="90000" tIns="72000" rIns="90000" bIns="72000" rtlCol="0" anchor="ctr"/>
+          <a:lstStyle/>
+          <a:p>
+            <a:pPr marR="0" algn="ctr" defTabSz="914400" eaLnBrk="1" fontAlgn="base" latinLnBrk="0" hangingPunct="1">
+              <a:lnSpc>
+                <a:spcPct val="100000"/>
+              </a:lnSpc>
+              <a:spcBef>
+                <a:spcPct val="50000"/>
+              </a:spcBef>
+              <a:spcAft>
+                <a:spcPct val="0"/>
+              </a:spcAft>
+              <a:buClr>
+                <a:srgbClr val="F0AB00"/>
+              </a:buClr>
+              <a:buSzPct val="80000"/>
+              <a:tabLst/>
+            </a:pPr>
+            <a:r>
+              <a:rPr kumimoji="0" lang="en-US" sz="1800" b="0" i="0" u="none" strike="noStrike" kern="0" cap="none" spc="0" normalizeH="0" baseline="0" dirty="0">
+                <a:ln>
+                  <a:noFill/>
+                </a:ln>
+                <a:effectLst/>
+                <a:uLnTx/>
+                <a:uFillTx/>
+                <a:ea typeface="Arial Unicode MS" pitchFamily="34" charset="-128"/>
+                <a:cs typeface="Arial Unicode MS" pitchFamily="34" charset="-128"/>
+              </a:rPr>
+              <a:t>Detaching</a:t>
+            </a:r>
+            <a:r>
+              <a:rPr kumimoji="0" lang="en-US" sz="1800" b="0" i="0" u="none" strike="noStrike" kern="0" cap="none" spc="0" normalizeH="0" dirty="0">
+                <a:ln>
+                  <a:noFill/>
+                </a:ln>
+                <a:effectLst/>
+                <a:uLnTx/>
+                <a:uFillTx/>
+                <a:ea typeface="Arial Unicode MS" pitchFamily="34" charset="-128"/>
+                <a:cs typeface="Arial Unicode MS" pitchFamily="34" charset="-128"/>
+              </a:rPr>
+              <a:t> from a container</a:t>
+            </a:r>
+          </a:p>
+          <a:p>
+            <a:pPr marR="0" algn="ctr" defTabSz="914400" eaLnBrk="1" fontAlgn="base" latinLnBrk="0" hangingPunct="1">
+              <a:lnSpc>
+                <a:spcPct val="100000"/>
+              </a:lnSpc>
+              <a:spcBef>
+                <a:spcPct val="50000"/>
+              </a:spcBef>
+              <a:spcAft>
+                <a:spcPct val="0"/>
+              </a:spcAft>
+              <a:buClr>
+                <a:srgbClr val="F0AB00"/>
+              </a:buClr>
+              <a:buSzPct val="80000"/>
+              <a:tabLst/>
+            </a:pPr>
+            <a:r>
+              <a:rPr lang="en-US" sz="1800" kern="0" dirty="0">
+                <a:latin typeface="Arial Black" panose="020B0A04020102020204" pitchFamily="34" charset="0"/>
+                <a:ea typeface="Arial Unicode MS" pitchFamily="34" charset="-128"/>
+                <a:cs typeface="Arial Unicode MS" pitchFamily="34" charset="-128"/>
+              </a:rPr>
+              <a:t>Ctrl + P</a:t>
+            </a:r>
+            <a:r>
+              <a:rPr lang="en-US" sz="1800" kern="0" dirty="0">
+                <a:ea typeface="Arial Unicode MS" pitchFamily="34" charset="-128"/>
+                <a:cs typeface="Arial Unicode MS" pitchFamily="34" charset="-128"/>
+              </a:rPr>
+              <a:t> then </a:t>
+            </a:r>
+            <a:r>
+              <a:rPr lang="en-US" sz="1800" kern="0" dirty="0">
+                <a:latin typeface="Arial Black" panose="020B0A04020102020204" pitchFamily="34" charset="0"/>
+                <a:ea typeface="Arial Unicode MS" pitchFamily="34" charset="-128"/>
+                <a:cs typeface="Arial Unicode MS" pitchFamily="34" charset="-128"/>
+              </a:rPr>
+              <a:t>Ctrl + Q</a:t>
+            </a:r>
+            <a:endParaRPr kumimoji="0" lang="en-US" sz="1800" b="0" i="0" u="none" strike="noStrike" kern="0" cap="none" spc="0" normalizeH="0" baseline="0" dirty="0">
+              <a:ln>
+                <a:noFill/>
+              </a:ln>
+              <a:effectLst/>
+              <a:uLnTx/>
+              <a:uFillTx/>
+              <a:latin typeface="Arial Black" panose="020B0A04020102020204" pitchFamily="34" charset="0"/>
+              <a:ea typeface="Arial Unicode MS" pitchFamily="34" charset="-128"/>
+              <a:cs typeface="Arial Unicode MS" pitchFamily="34" charset="-128"/>
+            </a:endParaRPr>
+          </a:p>
+        </p:txBody>
+      </p:sp>
+    </p:spTree>
+    <p:extLst>
+      <p:ext uri="{BB962C8B-B14F-4D97-AF65-F5344CB8AC3E}">
+        <p14:creationId xmlns:p14="http://schemas.microsoft.com/office/powerpoint/2010/main" val="3475323242"/>
       </p:ext>
     </p:extLst>
   </p:cSld>
@@ -10771,7 +10745,7 @@
             <a:pPr lvl="1"/>
             <a:r>
               <a:rPr lang="en-US" sz="2000" dirty="0"/>
-              <a:t>Start and run a new container</a:t>
+              <a:t>Run a command in an existing container</a:t>
             </a:r>
           </a:p>
           <a:p>
@@ -10782,7 +10756,7 @@
             <a:pPr lvl="1"/>
             <a:r>
               <a:rPr lang="en-US" sz="2000" dirty="0"/>
-              <a:t>Reattach to a container</a:t>
+              <a:t>List running containers</a:t>
             </a:r>
           </a:p>
           <a:p>
@@ -10793,7 +10767,7 @@
             <a:pPr lvl="1"/>
             <a:r>
               <a:rPr lang="en-US" sz="2000" dirty="0"/>
-              <a:t>Forcibly stop a container</a:t>
+              <a:t>List all containers (running and stopped)</a:t>
             </a:r>
           </a:p>
           <a:p>
@@ -10804,7 +10778,7 @@
             <a:pPr lvl="1"/>
             <a:r>
               <a:rPr lang="en-US" sz="2000" dirty="0"/>
-              <a:t>Restart a previously stopped container</a:t>
+              <a:t>Get the logs of a container</a:t>
             </a:r>
           </a:p>
           <a:p>
@@ -10815,7 +10789,7 @@
             <a:pPr lvl="1"/>
             <a:r>
               <a:rPr lang="en-US" sz="2000" dirty="0"/>
-              <a:t>Remove a container</a:t>
+              <a:t>Get detailed information about a container</a:t>
             </a:r>
           </a:p>
           <a:p>
@@ -10855,7 +10829,7 @@
         <p:spPr bwMode="gray">
           <a:xfrm>
             <a:off x="981976" y="2004108"/>
-            <a:ext cx="7312170" cy="276513"/>
+            <a:ext cx="10230522" cy="276513"/>
           </a:xfrm>
           <a:prstGeom prst="roundRect">
             <a:avLst/>
@@ -10888,30 +10862,33 @@
               <a:t>$ </a:t>
             </a:r>
             <a:r>
+              <a:rPr lang="en-US" sz="1400" dirty="0" err="1">
+                <a:latin typeface="Courier New" panose="02070309020205020404" pitchFamily="49" charset="0"/>
+                <a:cs typeface="Courier New" panose="02070309020205020404" pitchFamily="49" charset="0"/>
+              </a:rPr>
+              <a:t>docker</a:t>
+            </a:r>
+            <a:r>
+              <a:rPr lang="en-US" sz="1400" b="1" dirty="0">
+                <a:latin typeface="Courier New" panose="02070309020205020404" pitchFamily="49" charset="0"/>
+                <a:cs typeface="Courier New" panose="02070309020205020404" pitchFamily="49" charset="0"/>
+              </a:rPr>
+              <a:t> exec </a:t>
+            </a:r>
+            <a:r>
+              <a:rPr lang="en-US" sz="1400" i="1" dirty="0">
+                <a:latin typeface="Courier New" panose="02070309020205020404" pitchFamily="49" charset="0"/>
+                <a:cs typeface="Courier New" panose="02070309020205020404" pitchFamily="49" charset="0"/>
+              </a:rPr>
+              <a:t>&lt;container ID or name&gt; </a:t>
+            </a:r>
+            <a:r>
               <a:rPr lang="en-US" sz="1400" dirty="0">
                 <a:latin typeface="Courier New" panose="02070309020205020404" pitchFamily="49" charset="0"/>
                 <a:cs typeface="Courier New" panose="02070309020205020404" pitchFamily="49" charset="0"/>
               </a:rPr>
-              <a:t>docker</a:t>
-            </a:r>
-            <a:r>
-              <a:rPr lang="en-US" sz="1400" b="1" dirty="0">
-                <a:latin typeface="Courier New" panose="02070309020205020404" pitchFamily="49" charset="0"/>
-                <a:cs typeface="Courier New" panose="02070309020205020404" pitchFamily="49" charset="0"/>
-              </a:rPr>
-              <a:t> run </a:t>
-            </a:r>
-            <a:r>
-              <a:rPr lang="en-US" sz="1400" i="1" dirty="0" err="1">
-                <a:latin typeface="Courier New" panose="02070309020205020404" pitchFamily="49" charset="0"/>
-                <a:cs typeface="Courier New" panose="02070309020205020404" pitchFamily="49" charset="0"/>
-              </a:rPr>
-              <a:t>busybox</a:t>
-            </a:r>
-            <a:endParaRPr lang="en-US" sz="1400" i="1" dirty="0">
-              <a:latin typeface="Courier New" panose="02070309020205020404" pitchFamily="49" charset="0"/>
-              <a:cs typeface="Courier New" panose="02070309020205020404" pitchFamily="49" charset="0"/>
-            </a:endParaRPr>
+              <a:t>&lt;command&gt;</a:t>
+            </a:r>
           </a:p>
         </p:txBody>
       </p:sp>
@@ -10957,602 +10934,6 @@
               <a:t>$ </a:t>
             </a:r>
             <a:r>
-              <a:rPr lang="en-US" sz="1400" dirty="0">
-                <a:latin typeface="Courier New" panose="02070309020205020404" pitchFamily="49" charset="0"/>
-                <a:cs typeface="Courier New" panose="02070309020205020404" pitchFamily="49" charset="0"/>
-              </a:rPr>
-              <a:t>docker</a:t>
-            </a:r>
-            <a:r>
-              <a:rPr lang="en-US" sz="1400" b="1" dirty="0">
-                <a:latin typeface="Courier New" panose="02070309020205020404" pitchFamily="49" charset="0"/>
-                <a:cs typeface="Courier New" panose="02070309020205020404" pitchFamily="49" charset="0"/>
-              </a:rPr>
-              <a:t> attach </a:t>
-            </a:r>
-            <a:r>
-              <a:rPr lang="en-US" sz="1400" i="1" dirty="0">
-                <a:latin typeface="Courier New" panose="02070309020205020404" pitchFamily="49" charset="0"/>
-                <a:cs typeface="Courier New" panose="02070309020205020404" pitchFamily="49" charset="0"/>
-              </a:rPr>
-              <a:t>&lt;container ID or name&gt;</a:t>
-            </a:r>
-          </a:p>
-        </p:txBody>
-      </p:sp>
-      <p:sp>
-        <p:nvSpPr>
-          <p:cNvPr id="8" name="Rectangle: Rounded Corners 7"/>
-          <p:cNvSpPr/>
-          <p:nvPr/>
-        </p:nvSpPr>
-        <p:spPr bwMode="gray">
-          <a:xfrm>
-            <a:off x="981976" y="4257357"/>
-            <a:ext cx="10230522" cy="276513"/>
-          </a:xfrm>
-          <a:prstGeom prst="roundRect">
-            <a:avLst/>
-          </a:prstGeom>
-          <a:solidFill>
-            <a:schemeClr val="accent1">
-              <a:lumMod val="20000"/>
-              <a:lumOff val="80000"/>
-            </a:schemeClr>
-          </a:solidFill>
-          <a:ln w="6350" algn="ctr">
-            <a:noFill/>
-            <a:miter lim="800000"/>
-            <a:headEnd/>
-            <a:tailEnd/>
-          </a:ln>
-        </p:spPr>
-        <p:txBody>
-          <a:bodyPr lIns="90000" tIns="72000" rIns="90000" bIns="72000" rtlCol="0" anchor="ctr"/>
-          <a:lstStyle/>
-          <a:p>
-            <a:pPr marL="179387" lvl="2" indent="0">
-              <a:buNone/>
-            </a:pPr>
-            <a:r>
-              <a:rPr lang="en-US" sz="1400" b="1" dirty="0">
-                <a:latin typeface="Courier New" panose="02070309020205020404" pitchFamily="49" charset="0"/>
-                <a:cs typeface="Courier New" panose="02070309020205020404" pitchFamily="49" charset="0"/>
-              </a:rPr>
-              <a:t>$ </a:t>
-            </a:r>
-            <a:r>
-              <a:rPr lang="en-US" sz="1400" dirty="0">
-                <a:latin typeface="Courier New" panose="02070309020205020404" pitchFamily="49" charset="0"/>
-                <a:cs typeface="Courier New" panose="02070309020205020404" pitchFamily="49" charset="0"/>
-              </a:rPr>
-              <a:t>docker</a:t>
-            </a:r>
-            <a:r>
-              <a:rPr lang="en-US" sz="1400" b="1" dirty="0">
-                <a:latin typeface="Courier New" panose="02070309020205020404" pitchFamily="49" charset="0"/>
-                <a:cs typeface="Courier New" panose="02070309020205020404" pitchFamily="49" charset="0"/>
-              </a:rPr>
-              <a:t> start </a:t>
-            </a:r>
-            <a:r>
-              <a:rPr lang="en-US" sz="1400" i="1" dirty="0">
-                <a:latin typeface="Courier New" panose="02070309020205020404" pitchFamily="49" charset="0"/>
-                <a:cs typeface="Courier New" panose="02070309020205020404" pitchFamily="49" charset="0"/>
-              </a:rPr>
-              <a:t>&lt;container ID or name&gt;</a:t>
-            </a:r>
-          </a:p>
-        </p:txBody>
-      </p:sp>
-      <p:sp>
-        <p:nvSpPr>
-          <p:cNvPr id="9" name="Rectangle: Rounded Corners 8"/>
-          <p:cNvSpPr/>
-          <p:nvPr/>
-        </p:nvSpPr>
-        <p:spPr bwMode="gray">
-          <a:xfrm>
-            <a:off x="981976" y="3510689"/>
-            <a:ext cx="10230522" cy="276513"/>
-          </a:xfrm>
-          <a:prstGeom prst="roundRect">
-            <a:avLst/>
-          </a:prstGeom>
-          <a:solidFill>
-            <a:schemeClr val="accent1">
-              <a:lumMod val="20000"/>
-              <a:lumOff val="80000"/>
-            </a:schemeClr>
-          </a:solidFill>
-          <a:ln w="6350" algn="ctr">
-            <a:noFill/>
-            <a:miter lim="800000"/>
-            <a:headEnd/>
-            <a:tailEnd/>
-          </a:ln>
-        </p:spPr>
-        <p:txBody>
-          <a:bodyPr lIns="90000" tIns="72000" rIns="90000" bIns="72000" rtlCol="0" anchor="ctr"/>
-          <a:lstStyle/>
-          <a:p>
-            <a:pPr marL="179387" lvl="2" indent="0">
-              <a:buNone/>
-            </a:pPr>
-            <a:r>
-              <a:rPr lang="en-US" sz="1400" b="1" dirty="0">
-                <a:latin typeface="Courier New" panose="02070309020205020404" pitchFamily="49" charset="0"/>
-                <a:cs typeface="Courier New" panose="02070309020205020404" pitchFamily="49" charset="0"/>
-              </a:rPr>
-              <a:t>$ </a:t>
-            </a:r>
-            <a:r>
-              <a:rPr lang="en-US" sz="1400" dirty="0">
-                <a:latin typeface="Courier New" panose="02070309020205020404" pitchFamily="49" charset="0"/>
-                <a:cs typeface="Courier New" panose="02070309020205020404" pitchFamily="49" charset="0"/>
-              </a:rPr>
-              <a:t>docker</a:t>
-            </a:r>
-            <a:r>
-              <a:rPr lang="en-US" sz="1400" b="1" dirty="0">
-                <a:latin typeface="Courier New" panose="02070309020205020404" pitchFamily="49" charset="0"/>
-                <a:cs typeface="Courier New" panose="02070309020205020404" pitchFamily="49" charset="0"/>
-              </a:rPr>
-              <a:t> stop </a:t>
-            </a:r>
-            <a:r>
-              <a:rPr lang="en-US" sz="1400" i="1" dirty="0">
-                <a:latin typeface="Courier New" panose="02070309020205020404" pitchFamily="49" charset="0"/>
-                <a:cs typeface="Courier New" panose="02070309020205020404" pitchFamily="49" charset="0"/>
-              </a:rPr>
-              <a:t>&lt;container ID or name&gt;</a:t>
-            </a:r>
-          </a:p>
-        </p:txBody>
-      </p:sp>
-      <p:sp>
-        <p:nvSpPr>
-          <p:cNvPr id="10" name="Rectangle: Rounded Corners 9"/>
-          <p:cNvSpPr/>
-          <p:nvPr/>
-        </p:nvSpPr>
-        <p:spPr bwMode="gray">
-          <a:xfrm>
-            <a:off x="981976" y="5053678"/>
-            <a:ext cx="10230522" cy="276513"/>
-          </a:xfrm>
-          <a:prstGeom prst="roundRect">
-            <a:avLst/>
-          </a:prstGeom>
-          <a:solidFill>
-            <a:schemeClr val="accent1">
-              <a:lumMod val="20000"/>
-              <a:lumOff val="80000"/>
-            </a:schemeClr>
-          </a:solidFill>
-          <a:ln w="6350" algn="ctr">
-            <a:noFill/>
-            <a:miter lim="800000"/>
-            <a:headEnd/>
-            <a:tailEnd/>
-          </a:ln>
-        </p:spPr>
-        <p:txBody>
-          <a:bodyPr lIns="90000" tIns="72000" rIns="90000" bIns="72000" rtlCol="0" anchor="ctr"/>
-          <a:lstStyle/>
-          <a:p>
-            <a:pPr marL="179387" lvl="2" indent="0">
-              <a:buNone/>
-            </a:pPr>
-            <a:r>
-              <a:rPr lang="en-US" sz="1400" b="1" dirty="0">
-                <a:latin typeface="Courier New" panose="02070309020205020404" pitchFamily="49" charset="0"/>
-                <a:cs typeface="Courier New" panose="02070309020205020404" pitchFamily="49" charset="0"/>
-              </a:rPr>
-              <a:t>$ </a:t>
-            </a:r>
-            <a:r>
-              <a:rPr lang="en-US" sz="1400" dirty="0">
-                <a:latin typeface="Courier New" panose="02070309020205020404" pitchFamily="49" charset="0"/>
-                <a:cs typeface="Courier New" panose="02070309020205020404" pitchFamily="49" charset="0"/>
-              </a:rPr>
-              <a:t>docker </a:t>
-            </a:r>
-            <a:r>
-              <a:rPr lang="en-US" sz="1400" b="1" dirty="0" err="1">
-                <a:latin typeface="Courier New" panose="02070309020205020404" pitchFamily="49" charset="0"/>
-                <a:cs typeface="Courier New" panose="02070309020205020404" pitchFamily="49" charset="0"/>
-              </a:rPr>
-              <a:t>rm</a:t>
-            </a:r>
-            <a:r>
-              <a:rPr lang="en-US" sz="1400" b="1" dirty="0">
-                <a:latin typeface="Courier New" panose="02070309020205020404" pitchFamily="49" charset="0"/>
-                <a:cs typeface="Courier New" panose="02070309020205020404" pitchFamily="49" charset="0"/>
-              </a:rPr>
-              <a:t> </a:t>
-            </a:r>
-            <a:r>
-              <a:rPr lang="en-US" sz="1400" i="1" dirty="0">
-                <a:latin typeface="Courier New" panose="02070309020205020404" pitchFamily="49" charset="0"/>
-                <a:cs typeface="Courier New" panose="02070309020205020404" pitchFamily="49" charset="0"/>
-              </a:rPr>
-              <a:t>&lt;container ID or name&gt;</a:t>
-            </a:r>
-          </a:p>
-        </p:txBody>
-      </p:sp>
-      <p:sp>
-        <p:nvSpPr>
-          <p:cNvPr id="4" name="Rectangle: Rounded Corners 3"/>
-          <p:cNvSpPr/>
-          <p:nvPr/>
-        </p:nvSpPr>
-        <p:spPr bwMode="gray">
-          <a:xfrm>
-            <a:off x="8447783" y="1074790"/>
-            <a:ext cx="2764715" cy="1205831"/>
-          </a:xfrm>
-          <a:prstGeom prst="roundRect">
-            <a:avLst>
-              <a:gd name="adj" fmla="val 7623"/>
-            </a:avLst>
-          </a:prstGeom>
-          <a:solidFill>
-            <a:schemeClr val="accent1"/>
-          </a:solidFill>
-          <a:ln w="6350" algn="ctr">
-            <a:solidFill>
-              <a:schemeClr val="tx1"/>
-            </a:solidFill>
-            <a:miter lim="800000"/>
-            <a:headEnd/>
-            <a:tailEnd/>
-          </a:ln>
-        </p:spPr>
-        <p:txBody>
-          <a:bodyPr lIns="90000" tIns="72000" rIns="90000" bIns="72000" rtlCol="0" anchor="ctr"/>
-          <a:lstStyle/>
-          <a:p>
-            <a:pPr marR="0" algn="ctr" defTabSz="914400" eaLnBrk="1" fontAlgn="base" latinLnBrk="0" hangingPunct="1">
-              <a:lnSpc>
-                <a:spcPct val="100000"/>
-              </a:lnSpc>
-              <a:spcBef>
-                <a:spcPct val="50000"/>
-              </a:spcBef>
-              <a:spcAft>
-                <a:spcPct val="0"/>
-              </a:spcAft>
-              <a:buClr>
-                <a:srgbClr val="F0AB00"/>
-              </a:buClr>
-              <a:buSzPct val="80000"/>
-              <a:tabLst/>
-            </a:pPr>
-            <a:r>
-              <a:rPr kumimoji="0" lang="en-US" sz="1800" b="0" i="0" u="none" strike="noStrike" kern="0" cap="none" spc="0" normalizeH="0" baseline="0" dirty="0">
-                <a:ln>
-                  <a:noFill/>
-                </a:ln>
-                <a:effectLst/>
-                <a:uLnTx/>
-                <a:uFillTx/>
-                <a:ea typeface="Arial Unicode MS" pitchFamily="34" charset="-128"/>
-                <a:cs typeface="Arial Unicode MS" pitchFamily="34" charset="-128"/>
-              </a:rPr>
-              <a:t>Detaching</a:t>
-            </a:r>
-            <a:r>
-              <a:rPr kumimoji="0" lang="en-US" sz="1800" b="0" i="0" u="none" strike="noStrike" kern="0" cap="none" spc="0" normalizeH="0" dirty="0">
-                <a:ln>
-                  <a:noFill/>
-                </a:ln>
-                <a:effectLst/>
-                <a:uLnTx/>
-                <a:uFillTx/>
-                <a:ea typeface="Arial Unicode MS" pitchFamily="34" charset="-128"/>
-                <a:cs typeface="Arial Unicode MS" pitchFamily="34" charset="-128"/>
-              </a:rPr>
-              <a:t> from a container</a:t>
-            </a:r>
-          </a:p>
-          <a:p>
-            <a:pPr marR="0" algn="ctr" defTabSz="914400" eaLnBrk="1" fontAlgn="base" latinLnBrk="0" hangingPunct="1">
-              <a:lnSpc>
-                <a:spcPct val="100000"/>
-              </a:lnSpc>
-              <a:spcBef>
-                <a:spcPct val="50000"/>
-              </a:spcBef>
-              <a:spcAft>
-                <a:spcPct val="0"/>
-              </a:spcAft>
-              <a:buClr>
-                <a:srgbClr val="F0AB00"/>
-              </a:buClr>
-              <a:buSzPct val="80000"/>
-              <a:tabLst/>
-            </a:pPr>
-            <a:r>
-              <a:rPr lang="en-US" sz="1800" kern="0" dirty="0">
-                <a:latin typeface="Arial Black" panose="020B0A04020102020204" pitchFamily="34" charset="0"/>
-                <a:ea typeface="Arial Unicode MS" pitchFamily="34" charset="-128"/>
-                <a:cs typeface="Arial Unicode MS" pitchFamily="34" charset="-128"/>
-              </a:rPr>
-              <a:t>Ctrl + P</a:t>
-            </a:r>
-            <a:r>
-              <a:rPr lang="en-US" sz="1800" kern="0" dirty="0">
-                <a:ea typeface="Arial Unicode MS" pitchFamily="34" charset="-128"/>
-                <a:cs typeface="Arial Unicode MS" pitchFamily="34" charset="-128"/>
-              </a:rPr>
-              <a:t> then </a:t>
-            </a:r>
-            <a:r>
-              <a:rPr lang="en-US" sz="1800" kern="0" dirty="0">
-                <a:latin typeface="Arial Black" panose="020B0A04020102020204" pitchFamily="34" charset="0"/>
-                <a:ea typeface="Arial Unicode MS" pitchFamily="34" charset="-128"/>
-                <a:cs typeface="Arial Unicode MS" pitchFamily="34" charset="-128"/>
-              </a:rPr>
-              <a:t>Ctrl + Q</a:t>
-            </a:r>
-            <a:endParaRPr kumimoji="0" lang="en-US" sz="1800" b="0" i="0" u="none" strike="noStrike" kern="0" cap="none" spc="0" normalizeH="0" baseline="0" dirty="0">
-              <a:ln>
-                <a:noFill/>
-              </a:ln>
-              <a:effectLst/>
-              <a:uLnTx/>
-              <a:uFillTx/>
-              <a:latin typeface="Arial Black" panose="020B0A04020102020204" pitchFamily="34" charset="0"/>
-              <a:ea typeface="Arial Unicode MS" pitchFamily="34" charset="-128"/>
-              <a:cs typeface="Arial Unicode MS" pitchFamily="34" charset="-128"/>
-            </a:endParaRPr>
-          </a:p>
-        </p:txBody>
-      </p:sp>
-    </p:spTree>
-    <p:extLst>
-      <p:ext uri="{BB962C8B-B14F-4D97-AF65-F5344CB8AC3E}">
-        <p14:creationId xmlns:p14="http://schemas.microsoft.com/office/powerpoint/2010/main" val="3475323242"/>
-      </p:ext>
-    </p:extLst>
-  </p:cSld>
-  <p:clrMapOvr>
-    <a:masterClrMapping/>
-  </p:clrMapOvr>
-</p:sld>
-</file>
-
-<file path=ppt/slides/slide14.xml><?xml version="1.0" encoding="utf-8"?>
-<p:sld xmlns:a="http://schemas.openxmlformats.org/drawingml/2006/main" xmlns:r="http://schemas.openxmlformats.org/officeDocument/2006/relationships" xmlns:p="http://schemas.openxmlformats.org/presentationml/2006/main">
-  <p:cSld>
-    <p:spTree>
-      <p:nvGrpSpPr>
-        <p:cNvPr id="1" name=""/>
-        <p:cNvGrpSpPr/>
-        <p:nvPr/>
-      </p:nvGrpSpPr>
-      <p:grpSpPr>
-        <a:xfrm>
-          <a:off x="0" y="0"/>
-          <a:ext cx="0" cy="0"/>
-          <a:chOff x="0" y="0"/>
-          <a:chExt cx="0" cy="0"/>
-        </a:xfrm>
-      </p:grpSpPr>
-      <p:sp>
-        <p:nvSpPr>
-          <p:cNvPr id="2" name="Text Placeholder 1"/>
-          <p:cNvSpPr>
-            <a:spLocks noGrp="1"/>
-          </p:cNvSpPr>
-          <p:nvPr>
-            <p:ph type="body" sz="quarter" idx="10"/>
-          </p:nvPr>
-        </p:nvSpPr>
-        <p:spPr>
-          <a:xfrm>
-            <a:off x="503999" y="1619999"/>
-            <a:ext cx="11186477" cy="4640951"/>
-          </a:xfrm>
-        </p:spPr>
-        <p:txBody>
-          <a:bodyPr/>
-          <a:lstStyle/>
-          <a:p>
-            <a:pPr lvl="1"/>
-            <a:r>
-              <a:rPr lang="en-US" sz="2000" dirty="0"/>
-              <a:t>Run a command in an existing container</a:t>
-            </a:r>
-          </a:p>
-          <a:p>
-            <a:pPr lvl="1"/>
-            <a:endParaRPr lang="en-US" sz="2000" dirty="0"/>
-          </a:p>
-          <a:p>
-            <a:pPr lvl="1"/>
-            <a:r>
-              <a:rPr lang="en-US" sz="2000" dirty="0"/>
-              <a:t>List running containers</a:t>
-            </a:r>
-          </a:p>
-          <a:p>
-            <a:pPr lvl="1"/>
-            <a:endParaRPr lang="en-US" sz="2000" dirty="0"/>
-          </a:p>
-          <a:p>
-            <a:pPr lvl="1"/>
-            <a:r>
-              <a:rPr lang="en-US" sz="2000" dirty="0"/>
-              <a:t>List all containers (running and stopped)</a:t>
-            </a:r>
-          </a:p>
-          <a:p>
-            <a:pPr lvl="1"/>
-            <a:endParaRPr lang="en-US" sz="2000" dirty="0"/>
-          </a:p>
-          <a:p>
-            <a:pPr lvl="1"/>
-            <a:r>
-              <a:rPr lang="en-US" sz="2000" dirty="0"/>
-              <a:t>Get the logs of a container</a:t>
-            </a:r>
-          </a:p>
-          <a:p>
-            <a:pPr lvl="1"/>
-            <a:endParaRPr lang="en-US" sz="2000" dirty="0"/>
-          </a:p>
-          <a:p>
-            <a:pPr lvl="1"/>
-            <a:r>
-              <a:rPr lang="en-US" sz="2000" dirty="0"/>
-              <a:t>Get detailed information about a container</a:t>
-            </a:r>
-          </a:p>
-          <a:p>
-            <a:pPr lvl="1"/>
-            <a:endParaRPr lang="en-US" sz="2000" dirty="0"/>
-          </a:p>
-        </p:txBody>
-      </p:sp>
-      <p:sp>
-        <p:nvSpPr>
-          <p:cNvPr id="3" name="Title 2"/>
-          <p:cNvSpPr>
-            <a:spLocks noGrp="1"/>
-          </p:cNvSpPr>
-          <p:nvPr>
-            <p:ph type="title"/>
-          </p:nvPr>
-        </p:nvSpPr>
-        <p:spPr/>
-        <p:txBody>
-          <a:bodyPr/>
-          <a:lstStyle/>
-          <a:p>
-            <a:r>
-              <a:rPr lang="en-US" dirty="0"/>
-              <a:t>Commands for containers</a:t>
-            </a:r>
-          </a:p>
-        </p:txBody>
-      </p:sp>
-      <p:sp>
-        <p:nvSpPr>
-          <p:cNvPr id="6" name="Rectangle: Rounded Corners 5"/>
-          <p:cNvSpPr/>
-          <p:nvPr/>
-        </p:nvSpPr>
-        <p:spPr bwMode="gray">
-          <a:xfrm>
-            <a:off x="981976" y="2004108"/>
-            <a:ext cx="10230522" cy="276513"/>
-          </a:xfrm>
-          <a:prstGeom prst="roundRect">
-            <a:avLst/>
-          </a:prstGeom>
-          <a:solidFill>
-            <a:schemeClr val="accent1">
-              <a:lumMod val="20000"/>
-              <a:lumOff val="80000"/>
-            </a:schemeClr>
-          </a:solidFill>
-          <a:ln w="6350" algn="ctr">
-            <a:noFill/>
-            <a:miter lim="800000"/>
-            <a:headEnd/>
-            <a:tailEnd/>
-          </a:ln>
-        </p:spPr>
-        <p:txBody>
-          <a:bodyPr lIns="90000" tIns="72000" rIns="90000" bIns="72000" rtlCol="0" anchor="ctr"/>
-          <a:lstStyle/>
-          <a:p>
-            <a:pPr marL="179387" lvl="2" indent="0">
-              <a:buNone/>
-            </a:pPr>
-            <a:r>
-              <a:rPr lang="en-US" sz="1400" b="1" dirty="0">
-                <a:latin typeface="Courier New" panose="02070309020205020404" pitchFamily="49" charset="0"/>
-                <a:cs typeface="Courier New" panose="02070309020205020404" pitchFamily="49" charset="0"/>
-              </a:rPr>
-              <a:t>$ </a:t>
-            </a:r>
-            <a:r>
-              <a:rPr lang="en-US" sz="1400" dirty="0" err="1">
-                <a:latin typeface="Courier New" panose="02070309020205020404" pitchFamily="49" charset="0"/>
-                <a:cs typeface="Courier New" panose="02070309020205020404" pitchFamily="49" charset="0"/>
-              </a:rPr>
-              <a:t>docker</a:t>
-            </a:r>
-            <a:r>
-              <a:rPr lang="en-US" sz="1400" b="1" dirty="0">
-                <a:latin typeface="Courier New" panose="02070309020205020404" pitchFamily="49" charset="0"/>
-                <a:cs typeface="Courier New" panose="02070309020205020404" pitchFamily="49" charset="0"/>
-              </a:rPr>
-              <a:t> exec </a:t>
-            </a:r>
-            <a:r>
-              <a:rPr lang="en-US" sz="1400" i="1" dirty="0">
-                <a:latin typeface="Courier New" panose="02070309020205020404" pitchFamily="49" charset="0"/>
-                <a:cs typeface="Courier New" panose="02070309020205020404" pitchFamily="49" charset="0"/>
-              </a:rPr>
-              <a:t>&lt;container ID or name&gt; </a:t>
-            </a:r>
-            <a:r>
-              <a:rPr lang="en-US" sz="1400" dirty="0">
-                <a:latin typeface="Courier New" panose="02070309020205020404" pitchFamily="49" charset="0"/>
-                <a:cs typeface="Courier New" panose="02070309020205020404" pitchFamily="49" charset="0"/>
-              </a:rPr>
-              <a:t>&lt;command&gt;</a:t>
-            </a:r>
-          </a:p>
-        </p:txBody>
-      </p:sp>
-      <p:sp>
-        <p:nvSpPr>
-          <p:cNvPr id="7" name="Rectangle: Rounded Corners 6"/>
-          <p:cNvSpPr/>
-          <p:nvPr/>
-        </p:nvSpPr>
-        <p:spPr bwMode="gray">
-          <a:xfrm>
-            <a:off x="981976" y="2750776"/>
-            <a:ext cx="10230522" cy="276513"/>
-          </a:xfrm>
-          <a:prstGeom prst="roundRect">
-            <a:avLst/>
-          </a:prstGeom>
-          <a:solidFill>
-            <a:schemeClr val="accent1">
-              <a:lumMod val="20000"/>
-              <a:lumOff val="80000"/>
-            </a:schemeClr>
-          </a:solidFill>
-          <a:ln w="6350" algn="ctr">
-            <a:noFill/>
-            <a:miter lim="800000"/>
-            <a:headEnd/>
-            <a:tailEnd/>
-          </a:ln>
-        </p:spPr>
-        <p:txBody>
-          <a:bodyPr lIns="90000" tIns="72000" rIns="90000" bIns="72000" rtlCol="0" anchor="ctr"/>
-          <a:lstStyle/>
-          <a:p>
-            <a:pPr marL="179387" lvl="2" indent="0">
-              <a:buNone/>
-            </a:pPr>
-            <a:r>
-              <a:rPr lang="en-US" sz="1400" b="1" dirty="0">
-                <a:latin typeface="Courier New" panose="02070309020205020404" pitchFamily="49" charset="0"/>
-                <a:cs typeface="Courier New" panose="02070309020205020404" pitchFamily="49" charset="0"/>
-              </a:rPr>
-              <a:t>$ </a:t>
-            </a:r>
-            <a:r>
               <a:rPr lang="en-US" sz="1400" dirty="0" err="1">
                 <a:latin typeface="Courier New" panose="02070309020205020404" pitchFamily="49" charset="0"/>
                 <a:cs typeface="Courier New" panose="02070309020205020404" pitchFamily="49" charset="0"/>
@@ -11813,7 +11194,7 @@
 </p:sld>
 </file>
 
-<file path=ppt/slides/slide15.xml><?xml version="1.0" encoding="utf-8"?>
+<file path=ppt/slides/slide14.xml><?xml version="1.0" encoding="utf-8"?>
 <p:sld xmlns:a="http://schemas.openxmlformats.org/drawingml/2006/main" xmlns:r="http://schemas.openxmlformats.org/officeDocument/2006/relationships" xmlns:p="http://schemas.openxmlformats.org/presentationml/2006/main">
   <p:cSld>
     <p:spTree>
@@ -11909,7 +11290,7 @@
 </p:sld>
 </file>
 
-<file path=ppt/slides/slide16.xml><?xml version="1.0" encoding="utf-8"?>
+<file path=ppt/slides/slide15.xml><?xml version="1.0" encoding="utf-8"?>
 <p:sld xmlns:a="http://schemas.openxmlformats.org/drawingml/2006/main" xmlns:r="http://schemas.openxmlformats.org/officeDocument/2006/relationships" xmlns:p="http://schemas.openxmlformats.org/presentationml/2006/main">
   <p:cSld>
     <p:spTree>
@@ -12611,7 +11992,7 @@
 </p:sld>
 </file>
 
-<file path=ppt/slides/slide17.xml><?xml version="1.0" encoding="utf-8"?>
+<file path=ppt/slides/slide16.xml><?xml version="1.0" encoding="utf-8"?>
 <p:sld xmlns:a="http://schemas.openxmlformats.org/drawingml/2006/main" xmlns:r="http://schemas.openxmlformats.org/officeDocument/2006/relationships" xmlns:p="http://schemas.openxmlformats.org/presentationml/2006/main">
   <p:cSld>
     <p:spTree>
@@ -13113,7 +12494,7 @@
 </p:sld>
 </file>
 
-<file path=ppt/slides/slide18.xml><?xml version="1.0" encoding="utf-8"?>
+<file path=ppt/slides/slide17.xml><?xml version="1.0" encoding="utf-8"?>
 <p:sld xmlns:a="http://schemas.openxmlformats.org/drawingml/2006/main" xmlns:r="http://schemas.openxmlformats.org/officeDocument/2006/relationships" xmlns:p="http://schemas.openxmlformats.org/presentationml/2006/main" show="0">
   <p:cSld>
     <p:spTree>
@@ -13233,1361 +12614,6 @@
 </file>
 
 <file path=ppt/slides/slide3.xml><?xml version="1.0" encoding="utf-8"?>
-<p:sld xmlns:a="http://schemas.openxmlformats.org/drawingml/2006/main" xmlns:r="http://schemas.openxmlformats.org/officeDocument/2006/relationships" xmlns:p="http://schemas.openxmlformats.org/presentationml/2006/main">
-  <p:cSld>
-    <p:spTree>
-      <p:nvGrpSpPr>
-        <p:cNvPr id="1" name=""/>
-        <p:cNvGrpSpPr/>
-        <p:nvPr/>
-      </p:nvGrpSpPr>
-      <p:grpSpPr>
-        <a:xfrm>
-          <a:off x="0" y="0"/>
-          <a:ext cx="0" cy="0"/>
-          <a:chOff x="0" y="0"/>
-          <a:chExt cx="0" cy="0"/>
-        </a:xfrm>
-      </p:grpSpPr>
-      <p:sp>
-        <p:nvSpPr>
-          <p:cNvPr id="11" name="Text Placeholder 10"/>
-          <p:cNvSpPr>
-            <a:spLocks noGrp="1"/>
-          </p:cNvSpPr>
-          <p:nvPr>
-            <p:ph type="body" sz="quarter" idx="10"/>
-          </p:nvPr>
-        </p:nvSpPr>
-        <p:spPr>
-          <a:xfrm>
-            <a:off x="503999" y="1620000"/>
-            <a:ext cx="5749567" cy="1749733"/>
-          </a:xfrm>
-        </p:spPr>
-        <p:txBody>
-          <a:bodyPr/>
-          <a:lstStyle/>
-          <a:p>
-            <a:pPr lvl="0"/>
-            <a:r>
-              <a:rPr lang="en-US" dirty="0"/>
-              <a:t>Different places to configure the Docker daemon</a:t>
-            </a:r>
-          </a:p>
-          <a:p>
-            <a:pPr lvl="1"/>
-            <a:r>
-              <a:rPr lang="en-US" dirty="0" err="1"/>
-              <a:t>systemd</a:t>
-            </a:r>
-            <a:r>
-              <a:rPr lang="en-US" dirty="0"/>
-              <a:t> unit drop-in : environment settings</a:t>
-            </a:r>
-          </a:p>
-          <a:p>
-            <a:pPr lvl="1"/>
-            <a:r>
-              <a:rPr lang="en-US" dirty="0"/>
-              <a:t>/</a:t>
-            </a:r>
-            <a:r>
-              <a:rPr lang="en-US" dirty="0" err="1"/>
-              <a:t>etc</a:t>
-            </a:r>
-            <a:r>
-              <a:rPr lang="en-US" dirty="0"/>
-              <a:t>/</a:t>
-            </a:r>
-            <a:r>
-              <a:rPr lang="en-US" dirty="0" err="1"/>
-              <a:t>sysconfig</a:t>
-            </a:r>
-            <a:r>
-              <a:rPr lang="en-US" dirty="0"/>
-              <a:t>/</a:t>
-            </a:r>
-            <a:r>
-              <a:rPr lang="en-US" dirty="0" err="1"/>
-              <a:t>docker</a:t>
-            </a:r>
-            <a:r>
-              <a:rPr lang="en-US" dirty="0"/>
-              <a:t> : command options for </a:t>
-            </a:r>
-            <a:r>
-              <a:rPr lang="en-US" dirty="0" err="1"/>
-              <a:t>dockerd</a:t>
-            </a:r>
-            <a:endParaRPr lang="en-US" dirty="0"/>
-          </a:p>
-          <a:p>
-            <a:pPr lvl="1"/>
-            <a:r>
-              <a:rPr lang="en-US" dirty="0"/>
-              <a:t>/</a:t>
-            </a:r>
-            <a:r>
-              <a:rPr lang="en-US" dirty="0" err="1"/>
-              <a:t>etc</a:t>
-            </a:r>
-            <a:r>
-              <a:rPr lang="en-US" dirty="0"/>
-              <a:t>/</a:t>
-            </a:r>
-            <a:r>
-              <a:rPr lang="en-US" dirty="0" err="1"/>
-              <a:t>docker</a:t>
-            </a:r>
-            <a:r>
-              <a:rPr lang="en-US" dirty="0"/>
-              <a:t>/</a:t>
-            </a:r>
-            <a:r>
-              <a:rPr lang="en-US" dirty="0" err="1"/>
-              <a:t>config.json</a:t>
-            </a:r>
-            <a:r>
-              <a:rPr lang="en-US" dirty="0"/>
-              <a:t> : general config options for drivers, </a:t>
-            </a:r>
-            <a:r>
-              <a:rPr lang="en-US" dirty="0" err="1"/>
-              <a:t>etc</a:t>
-            </a:r>
-            <a:r>
-              <a:rPr lang="en-US" dirty="0"/>
-              <a:t>…</a:t>
-            </a:r>
-          </a:p>
-        </p:txBody>
-      </p:sp>
-      <p:sp>
-        <p:nvSpPr>
-          <p:cNvPr id="4" name="Title 3"/>
-          <p:cNvSpPr>
-            <a:spLocks noGrp="1"/>
-          </p:cNvSpPr>
-          <p:nvPr>
-            <p:ph type="title"/>
-          </p:nvPr>
-        </p:nvSpPr>
-        <p:spPr/>
-        <p:txBody>
-          <a:bodyPr/>
-          <a:lstStyle/>
-          <a:p>
-            <a:r>
-              <a:rPr lang="en-US" dirty="0"/>
-              <a:t>Configuration of the Docker daemon</a:t>
-            </a:r>
-          </a:p>
-        </p:txBody>
-      </p:sp>
-      <p:sp>
-        <p:nvSpPr>
-          <p:cNvPr id="2" name="Rectangle 1"/>
-          <p:cNvSpPr/>
-          <p:nvPr/>
-        </p:nvSpPr>
-        <p:spPr bwMode="gray">
-          <a:xfrm>
-            <a:off x="9949392" y="2097617"/>
-            <a:ext cx="1108272" cy="2870200"/>
-          </a:xfrm>
-          <a:prstGeom prst="rect">
-            <a:avLst/>
-          </a:prstGeom>
-          <a:solidFill>
-            <a:schemeClr val="accent3">
-              <a:lumMod val="50000"/>
-            </a:schemeClr>
-          </a:solidFill>
-          <a:ln w="6350" algn="ctr">
-            <a:solidFill>
-              <a:schemeClr val="tx1"/>
-            </a:solidFill>
-            <a:miter lim="800000"/>
-            <a:headEnd/>
-            <a:tailEnd/>
-          </a:ln>
-        </p:spPr>
-        <p:txBody>
-          <a:bodyPr vert="vert270" lIns="90000" tIns="72000" rIns="90000" bIns="72000" rtlCol="0" anchor="ctr"/>
-          <a:lstStyle/>
-          <a:p>
-            <a:pPr marR="0" algn="ctr" defTabSz="914400" eaLnBrk="1" fontAlgn="base" latinLnBrk="0" hangingPunct="1">
-              <a:lnSpc>
-                <a:spcPct val="100000"/>
-              </a:lnSpc>
-              <a:spcBef>
-                <a:spcPct val="50000"/>
-              </a:spcBef>
-              <a:spcAft>
-                <a:spcPct val="0"/>
-              </a:spcAft>
-              <a:buClr>
-                <a:srgbClr val="F0AB00"/>
-              </a:buClr>
-              <a:buSzPct val="80000"/>
-              <a:tabLst/>
-            </a:pPr>
-            <a:r>
-              <a:rPr kumimoji="0" lang="de-DE" sz="1800" b="0" i="0" u="none" strike="noStrike" kern="0" cap="none" spc="0" normalizeH="0" baseline="0" noProof="0" dirty="0" err="1">
-                <a:ln>
-                  <a:noFill/>
-                </a:ln>
-                <a:solidFill>
-                  <a:schemeClr val="bg1"/>
-                </a:solidFill>
-                <a:effectLst/>
-                <a:uLnTx/>
-                <a:uFillTx/>
-                <a:ea typeface="Arial Unicode MS" pitchFamily="34" charset="-128"/>
-                <a:cs typeface="Arial Unicode MS" pitchFamily="34" charset="-128"/>
-              </a:rPr>
-              <a:t>dockerd</a:t>
-            </a:r>
-            <a:endParaRPr kumimoji="0" lang="de-DE" sz="1800" b="0" i="0" u="none" strike="noStrike" kern="0" cap="none" spc="0" normalizeH="0" baseline="0" noProof="0" dirty="0">
-              <a:ln>
-                <a:noFill/>
-              </a:ln>
-              <a:solidFill>
-                <a:schemeClr val="bg1"/>
-              </a:solidFill>
-              <a:effectLst/>
-              <a:uLnTx/>
-              <a:uFillTx/>
-              <a:ea typeface="Arial Unicode MS" pitchFamily="34" charset="-128"/>
-              <a:cs typeface="Arial Unicode MS" pitchFamily="34" charset="-128"/>
-            </a:endParaRPr>
-          </a:p>
-        </p:txBody>
-      </p:sp>
-      <p:sp>
-        <p:nvSpPr>
-          <p:cNvPr id="3" name="Rectangle: Folded Corner 2"/>
-          <p:cNvSpPr/>
-          <p:nvPr/>
-        </p:nvSpPr>
-        <p:spPr bwMode="gray">
-          <a:xfrm>
-            <a:off x="7693850" y="1998885"/>
-            <a:ext cx="1498600" cy="784533"/>
-          </a:xfrm>
-          <a:prstGeom prst="foldedCorner">
-            <a:avLst/>
-          </a:prstGeom>
-          <a:solidFill>
-            <a:schemeClr val="accent5">
-              <a:lumMod val="75000"/>
-            </a:schemeClr>
-          </a:solidFill>
-          <a:ln w="6350" algn="ctr">
-            <a:noFill/>
-            <a:miter lim="800000"/>
-            <a:headEnd/>
-            <a:tailEnd/>
-          </a:ln>
-        </p:spPr>
-        <p:txBody>
-          <a:bodyPr lIns="90000" tIns="72000" rIns="90000" bIns="72000" rtlCol="0" anchor="ctr"/>
-          <a:lstStyle/>
-          <a:p>
-            <a:pPr marR="0" algn="ctr" defTabSz="914400" eaLnBrk="1" fontAlgn="base" latinLnBrk="0" hangingPunct="1">
-              <a:lnSpc>
-                <a:spcPct val="100000"/>
-              </a:lnSpc>
-              <a:spcBef>
-                <a:spcPct val="50000"/>
-              </a:spcBef>
-              <a:spcAft>
-                <a:spcPct val="0"/>
-              </a:spcAft>
-              <a:buClr>
-                <a:srgbClr val="F0AB00"/>
-              </a:buClr>
-              <a:buSzPct val="80000"/>
-              <a:tabLst/>
-            </a:pPr>
-            <a:r>
-              <a:rPr lang="de-DE" sz="1400" kern="0" dirty="0">
-                <a:solidFill>
-                  <a:schemeClr val="bg1"/>
-                </a:solidFill>
-                <a:ea typeface="Arial Unicode MS" pitchFamily="34" charset="-128"/>
-                <a:cs typeface="Arial Unicode MS" pitchFamily="34" charset="-128"/>
-              </a:rPr>
-              <a:t>s</a:t>
-            </a:r>
-            <a:r>
-              <a:rPr kumimoji="0" lang="de-DE" sz="1400" b="0" i="0" u="none" strike="noStrike" kern="0" cap="none" spc="0" normalizeH="0" baseline="0" noProof="0" dirty="0" err="1">
-                <a:ln>
-                  <a:noFill/>
-                </a:ln>
-                <a:solidFill>
-                  <a:schemeClr val="bg1"/>
-                </a:solidFill>
-                <a:effectLst/>
-                <a:uLnTx/>
-                <a:uFillTx/>
-                <a:ea typeface="Arial Unicode MS" pitchFamily="34" charset="-128"/>
-                <a:cs typeface="Arial Unicode MS" pitchFamily="34" charset="-128"/>
-              </a:rPr>
-              <a:t>ystemd</a:t>
-            </a:r>
-            <a:r>
-              <a:rPr kumimoji="0" lang="de-DE" sz="1400" b="0" i="0" u="none" strike="noStrike" kern="0" cap="none" spc="0" normalizeH="0" baseline="0" noProof="0" dirty="0">
-                <a:ln>
-                  <a:noFill/>
-                </a:ln>
-                <a:solidFill>
-                  <a:schemeClr val="bg1"/>
-                </a:solidFill>
-                <a:effectLst/>
-                <a:uLnTx/>
-                <a:uFillTx/>
-                <a:ea typeface="Arial Unicode MS" pitchFamily="34" charset="-128"/>
-                <a:cs typeface="Arial Unicode MS" pitchFamily="34" charset="-128"/>
-              </a:rPr>
-              <a:t> </a:t>
-            </a:r>
-            <a:r>
-              <a:rPr kumimoji="0" lang="de-DE" sz="1400" b="0" i="0" u="none" strike="noStrike" kern="0" cap="none" spc="0" normalizeH="0" baseline="0" noProof="0" dirty="0" err="1">
-                <a:ln>
-                  <a:noFill/>
-                </a:ln>
-                <a:solidFill>
-                  <a:schemeClr val="bg1"/>
-                </a:solidFill>
-                <a:effectLst/>
-                <a:uLnTx/>
-                <a:uFillTx/>
-                <a:ea typeface="Arial Unicode MS" pitchFamily="34" charset="-128"/>
-                <a:cs typeface="Arial Unicode MS" pitchFamily="34" charset="-128"/>
-              </a:rPr>
-              <a:t>unit</a:t>
-            </a:r>
-            <a:r>
-              <a:rPr kumimoji="0" lang="de-DE" sz="1400" b="0" i="0" u="none" strike="noStrike" kern="0" cap="none" spc="0" normalizeH="0" noProof="0" dirty="0">
-                <a:ln>
-                  <a:noFill/>
-                </a:ln>
-                <a:solidFill>
-                  <a:schemeClr val="bg1"/>
-                </a:solidFill>
-                <a:effectLst/>
-                <a:uLnTx/>
-                <a:uFillTx/>
-                <a:ea typeface="Arial Unicode MS" pitchFamily="34" charset="-128"/>
-                <a:cs typeface="Arial Unicode MS" pitchFamily="34" charset="-128"/>
-              </a:rPr>
-              <a:t> </a:t>
-            </a:r>
-            <a:r>
-              <a:rPr kumimoji="0" lang="de-DE" sz="1400" b="0" i="0" u="none" strike="noStrike" kern="0" cap="none" spc="0" normalizeH="0" noProof="0" dirty="0" err="1">
-                <a:ln>
-                  <a:noFill/>
-                </a:ln>
-                <a:solidFill>
-                  <a:schemeClr val="bg1"/>
-                </a:solidFill>
-                <a:effectLst/>
-                <a:uLnTx/>
-                <a:uFillTx/>
-                <a:ea typeface="Arial Unicode MS" pitchFamily="34" charset="-128"/>
-                <a:cs typeface="Arial Unicode MS" pitchFamily="34" charset="-128"/>
-              </a:rPr>
-              <a:t>drop</a:t>
-            </a:r>
-            <a:r>
-              <a:rPr kumimoji="0" lang="de-DE" sz="1400" b="0" i="0" u="none" strike="noStrike" kern="0" cap="none" spc="0" normalizeH="0" noProof="0" dirty="0">
-                <a:ln>
-                  <a:noFill/>
-                </a:ln>
-                <a:solidFill>
-                  <a:schemeClr val="bg1"/>
-                </a:solidFill>
-                <a:effectLst/>
-                <a:uLnTx/>
-                <a:uFillTx/>
-                <a:ea typeface="Arial Unicode MS" pitchFamily="34" charset="-128"/>
-                <a:cs typeface="Arial Unicode MS" pitchFamily="34" charset="-128"/>
-              </a:rPr>
-              <a:t>-in</a:t>
-            </a:r>
-            <a:endParaRPr kumimoji="0" lang="de-DE" sz="1400" b="0" i="0" u="none" strike="noStrike" kern="0" cap="none" spc="0" normalizeH="0" baseline="0" noProof="0" dirty="0">
-              <a:ln>
-                <a:noFill/>
-              </a:ln>
-              <a:solidFill>
-                <a:schemeClr val="bg1"/>
-              </a:solidFill>
-              <a:effectLst/>
-              <a:uLnTx/>
-              <a:uFillTx/>
-              <a:ea typeface="Arial Unicode MS" pitchFamily="34" charset="-128"/>
-              <a:cs typeface="Arial Unicode MS" pitchFamily="34" charset="-128"/>
-            </a:endParaRPr>
-          </a:p>
-        </p:txBody>
-      </p:sp>
-      <p:sp>
-        <p:nvSpPr>
-          <p:cNvPr id="6" name="Rectangle: Folded Corner 5"/>
-          <p:cNvSpPr/>
-          <p:nvPr/>
-        </p:nvSpPr>
-        <p:spPr bwMode="gray">
-          <a:xfrm>
-            <a:off x="7090242" y="3265334"/>
-            <a:ext cx="1830450" cy="534766"/>
-          </a:xfrm>
-          <a:prstGeom prst="foldedCorner">
-            <a:avLst/>
-          </a:prstGeom>
-          <a:solidFill>
-            <a:schemeClr val="accent5">
-              <a:lumMod val="75000"/>
-            </a:schemeClr>
-          </a:solidFill>
-          <a:ln w="6350" algn="ctr">
-            <a:noFill/>
-            <a:miter lim="800000"/>
-            <a:headEnd/>
-            <a:tailEnd/>
-          </a:ln>
-        </p:spPr>
-        <p:txBody>
-          <a:bodyPr lIns="90000" tIns="72000" rIns="90000" bIns="72000" rtlCol="0" anchor="ctr"/>
-          <a:lstStyle/>
-          <a:p>
-            <a:pPr marR="0" algn="ctr" defTabSz="914400" eaLnBrk="1" fontAlgn="base" latinLnBrk="0" hangingPunct="1">
-              <a:lnSpc>
-                <a:spcPct val="100000"/>
-              </a:lnSpc>
-              <a:spcBef>
-                <a:spcPct val="50000"/>
-              </a:spcBef>
-              <a:spcAft>
-                <a:spcPct val="0"/>
-              </a:spcAft>
-              <a:buClr>
-                <a:srgbClr val="F0AB00"/>
-              </a:buClr>
-              <a:buSzPct val="80000"/>
-              <a:tabLst/>
-            </a:pPr>
-            <a:r>
-              <a:rPr lang="de-DE" sz="1400" kern="0" dirty="0">
-                <a:solidFill>
-                  <a:schemeClr val="bg1"/>
-                </a:solidFill>
-                <a:latin typeface="Arial Narrow" panose="020B0606020202030204" pitchFamily="34" charset="0"/>
-                <a:ea typeface="Arial Unicode MS" pitchFamily="34" charset="-128"/>
-                <a:cs typeface="Arial Unicode MS" pitchFamily="34" charset="-128"/>
-              </a:rPr>
-              <a:t>/</a:t>
-            </a:r>
-            <a:r>
-              <a:rPr lang="de-DE" sz="1400" kern="0" dirty="0" err="1">
-                <a:solidFill>
-                  <a:schemeClr val="bg1"/>
-                </a:solidFill>
-                <a:latin typeface="Arial Narrow" panose="020B0606020202030204" pitchFamily="34" charset="0"/>
-                <a:ea typeface="Arial Unicode MS" pitchFamily="34" charset="-128"/>
-                <a:cs typeface="Arial Unicode MS" pitchFamily="34" charset="-128"/>
-              </a:rPr>
-              <a:t>etc</a:t>
-            </a:r>
-            <a:r>
-              <a:rPr lang="de-DE" sz="1400" kern="0" dirty="0">
-                <a:solidFill>
-                  <a:schemeClr val="bg1"/>
-                </a:solidFill>
-                <a:latin typeface="Arial Narrow" panose="020B0606020202030204" pitchFamily="34" charset="0"/>
-                <a:ea typeface="Arial Unicode MS" pitchFamily="34" charset="-128"/>
-                <a:cs typeface="Arial Unicode MS" pitchFamily="34" charset="-128"/>
-              </a:rPr>
-              <a:t>/</a:t>
-            </a:r>
-            <a:r>
-              <a:rPr lang="de-DE" sz="1400" kern="0" dirty="0" err="1">
-                <a:solidFill>
-                  <a:schemeClr val="bg1"/>
-                </a:solidFill>
-                <a:latin typeface="Arial Narrow" panose="020B0606020202030204" pitchFamily="34" charset="0"/>
-                <a:ea typeface="Arial Unicode MS" pitchFamily="34" charset="-128"/>
-                <a:cs typeface="Arial Unicode MS" pitchFamily="34" charset="-128"/>
-              </a:rPr>
-              <a:t>docker</a:t>
-            </a:r>
-            <a:r>
-              <a:rPr lang="de-DE" sz="1400" kern="0" dirty="0">
-                <a:solidFill>
-                  <a:schemeClr val="bg1"/>
-                </a:solidFill>
-                <a:latin typeface="Arial Narrow" panose="020B0606020202030204" pitchFamily="34" charset="0"/>
-                <a:ea typeface="Arial Unicode MS" pitchFamily="34" charset="-128"/>
-                <a:cs typeface="Arial Unicode MS" pitchFamily="34" charset="-128"/>
-              </a:rPr>
-              <a:t>/</a:t>
-            </a:r>
-            <a:r>
-              <a:rPr lang="de-DE" sz="1400" kern="0" dirty="0" err="1">
-                <a:solidFill>
-                  <a:schemeClr val="bg1"/>
-                </a:solidFill>
-                <a:latin typeface="Arial Narrow" panose="020B0606020202030204" pitchFamily="34" charset="0"/>
-                <a:ea typeface="Arial Unicode MS" pitchFamily="34" charset="-128"/>
-                <a:cs typeface="Arial Unicode MS" pitchFamily="34" charset="-128"/>
-              </a:rPr>
-              <a:t>config.json</a:t>
-            </a:r>
-            <a:endParaRPr kumimoji="0" lang="de-DE" sz="1400" b="0" i="0" u="none" strike="noStrike" kern="0" cap="none" spc="0" normalizeH="0" baseline="0" noProof="0" dirty="0">
-              <a:ln>
-                <a:noFill/>
-              </a:ln>
-              <a:solidFill>
-                <a:schemeClr val="bg1"/>
-              </a:solidFill>
-              <a:effectLst/>
-              <a:uLnTx/>
-              <a:uFillTx/>
-              <a:latin typeface="Arial Narrow" panose="020B0606020202030204" pitchFamily="34" charset="0"/>
-              <a:ea typeface="Arial Unicode MS" pitchFamily="34" charset="-128"/>
-              <a:cs typeface="Arial Unicode MS" pitchFamily="34" charset="-128"/>
-            </a:endParaRPr>
-          </a:p>
-        </p:txBody>
-      </p:sp>
-      <p:sp>
-        <p:nvSpPr>
-          <p:cNvPr id="7" name="Rectangle: Folded Corner 6"/>
-          <p:cNvSpPr/>
-          <p:nvPr/>
-        </p:nvSpPr>
-        <p:spPr bwMode="gray">
-          <a:xfrm>
-            <a:off x="7441608" y="4352035"/>
-            <a:ext cx="1830450" cy="534766"/>
-          </a:xfrm>
-          <a:prstGeom prst="foldedCorner">
-            <a:avLst/>
-          </a:prstGeom>
-          <a:solidFill>
-            <a:schemeClr val="accent5">
-              <a:lumMod val="75000"/>
-            </a:schemeClr>
-          </a:solidFill>
-          <a:ln w="6350" algn="ctr">
-            <a:noFill/>
-            <a:miter lim="800000"/>
-            <a:headEnd/>
-            <a:tailEnd/>
-          </a:ln>
-        </p:spPr>
-        <p:txBody>
-          <a:bodyPr lIns="90000" tIns="72000" rIns="90000" bIns="72000" rtlCol="0" anchor="ctr"/>
-          <a:lstStyle/>
-          <a:p>
-            <a:pPr marR="0" algn="ctr" defTabSz="914400" eaLnBrk="1" fontAlgn="base" latinLnBrk="0" hangingPunct="1">
-              <a:lnSpc>
-                <a:spcPct val="100000"/>
-              </a:lnSpc>
-              <a:spcBef>
-                <a:spcPct val="50000"/>
-              </a:spcBef>
-              <a:spcAft>
-                <a:spcPct val="0"/>
-              </a:spcAft>
-              <a:buClr>
-                <a:srgbClr val="F0AB00"/>
-              </a:buClr>
-              <a:buSzPct val="80000"/>
-              <a:tabLst/>
-            </a:pPr>
-            <a:r>
-              <a:rPr lang="de-DE" sz="1400" kern="0" dirty="0">
-                <a:solidFill>
-                  <a:schemeClr val="bg1"/>
-                </a:solidFill>
-                <a:latin typeface="Arial Narrow" panose="020B0606020202030204" pitchFamily="34" charset="0"/>
-                <a:ea typeface="Arial Unicode MS" pitchFamily="34" charset="-128"/>
-                <a:cs typeface="Arial Unicode MS" pitchFamily="34" charset="-128"/>
-              </a:rPr>
-              <a:t>/</a:t>
-            </a:r>
-            <a:r>
-              <a:rPr lang="de-DE" sz="1400" kern="0" dirty="0" err="1">
-                <a:solidFill>
-                  <a:schemeClr val="bg1"/>
-                </a:solidFill>
-                <a:latin typeface="Arial Narrow" panose="020B0606020202030204" pitchFamily="34" charset="0"/>
-                <a:ea typeface="Arial Unicode MS" pitchFamily="34" charset="-128"/>
-                <a:cs typeface="Arial Unicode MS" pitchFamily="34" charset="-128"/>
-              </a:rPr>
-              <a:t>etc</a:t>
-            </a:r>
-            <a:r>
-              <a:rPr lang="de-DE" sz="1400" kern="0" dirty="0">
-                <a:solidFill>
-                  <a:schemeClr val="bg1"/>
-                </a:solidFill>
-                <a:latin typeface="Arial Narrow" panose="020B0606020202030204" pitchFamily="34" charset="0"/>
-                <a:ea typeface="Arial Unicode MS" pitchFamily="34" charset="-128"/>
-                <a:cs typeface="Arial Unicode MS" pitchFamily="34" charset="-128"/>
-              </a:rPr>
-              <a:t>/</a:t>
-            </a:r>
-            <a:r>
-              <a:rPr lang="de-DE" sz="1400" kern="0" dirty="0" err="1">
-                <a:solidFill>
-                  <a:schemeClr val="bg1"/>
-                </a:solidFill>
-                <a:latin typeface="Arial Narrow" panose="020B0606020202030204" pitchFamily="34" charset="0"/>
-                <a:ea typeface="Arial Unicode MS" pitchFamily="34" charset="-128"/>
-                <a:cs typeface="Arial Unicode MS" pitchFamily="34" charset="-128"/>
-              </a:rPr>
-              <a:t>sysconfig</a:t>
-            </a:r>
-            <a:r>
-              <a:rPr lang="de-DE" sz="1400" kern="0" dirty="0">
-                <a:solidFill>
-                  <a:schemeClr val="bg1"/>
-                </a:solidFill>
-                <a:latin typeface="Arial Narrow" panose="020B0606020202030204" pitchFamily="34" charset="0"/>
-                <a:ea typeface="Arial Unicode MS" pitchFamily="34" charset="-128"/>
-                <a:cs typeface="Arial Unicode MS" pitchFamily="34" charset="-128"/>
-              </a:rPr>
-              <a:t>/</a:t>
-            </a:r>
-            <a:r>
-              <a:rPr lang="de-DE" sz="1400" kern="0" dirty="0" err="1">
-                <a:solidFill>
-                  <a:schemeClr val="bg1"/>
-                </a:solidFill>
-                <a:latin typeface="Arial Narrow" panose="020B0606020202030204" pitchFamily="34" charset="0"/>
-                <a:ea typeface="Arial Unicode MS" pitchFamily="34" charset="-128"/>
-                <a:cs typeface="Arial Unicode MS" pitchFamily="34" charset="-128"/>
-              </a:rPr>
-              <a:t>docker</a:t>
-            </a:r>
-            <a:endParaRPr kumimoji="0" lang="de-DE" sz="1400" b="0" i="0" u="none" strike="noStrike" kern="0" cap="none" spc="0" normalizeH="0" baseline="0" noProof="0" dirty="0">
-              <a:ln>
-                <a:noFill/>
-              </a:ln>
-              <a:solidFill>
-                <a:schemeClr val="bg1"/>
-              </a:solidFill>
-              <a:effectLst/>
-              <a:uLnTx/>
-              <a:uFillTx/>
-              <a:latin typeface="Arial Narrow" panose="020B0606020202030204" pitchFamily="34" charset="0"/>
-              <a:ea typeface="Arial Unicode MS" pitchFamily="34" charset="-128"/>
-              <a:cs typeface="Arial Unicode MS" pitchFamily="34" charset="-128"/>
-            </a:endParaRPr>
-          </a:p>
-        </p:txBody>
-      </p:sp>
-      <p:cxnSp>
-        <p:nvCxnSpPr>
-          <p:cNvPr id="9" name="Straight Arrow Connector 8"/>
-          <p:cNvCxnSpPr>
-            <a:stCxn id="3" idx="3"/>
-          </p:cNvCxnSpPr>
-          <p:nvPr/>
-        </p:nvCxnSpPr>
-        <p:spPr>
-          <a:xfrm>
-            <a:off x="9192450" y="2391152"/>
-            <a:ext cx="655342" cy="730931"/>
-          </a:xfrm>
-          <a:prstGeom prst="straightConnector1">
-            <a:avLst/>
-          </a:prstGeom>
-          <a:ln w="12700">
-            <a:solidFill>
-              <a:schemeClr val="tx1"/>
-            </a:solidFill>
-            <a:headEnd type="none" w="med" len="med"/>
-            <a:tailEnd type="triangle" w="lg" len="lg"/>
-          </a:ln>
-        </p:spPr>
-        <p:style>
-          <a:lnRef idx="1">
-            <a:schemeClr val="accent1"/>
-          </a:lnRef>
-          <a:fillRef idx="0">
-            <a:schemeClr val="accent1"/>
-          </a:fillRef>
-          <a:effectRef idx="0">
-            <a:schemeClr val="accent1"/>
-          </a:effectRef>
-          <a:fontRef idx="minor">
-            <a:schemeClr val="tx1"/>
-          </a:fontRef>
-        </p:style>
-      </p:cxnSp>
-      <p:cxnSp>
-        <p:nvCxnSpPr>
-          <p:cNvPr id="12" name="Straight Arrow Connector 11"/>
-          <p:cNvCxnSpPr>
-            <a:stCxn id="6" idx="3"/>
-          </p:cNvCxnSpPr>
-          <p:nvPr/>
-        </p:nvCxnSpPr>
-        <p:spPr>
-          <a:xfrm>
-            <a:off x="8920692" y="3532717"/>
-            <a:ext cx="927100" cy="115901"/>
-          </a:xfrm>
-          <a:prstGeom prst="straightConnector1">
-            <a:avLst/>
-          </a:prstGeom>
-          <a:ln w="12700">
-            <a:solidFill>
-              <a:schemeClr val="tx1"/>
-            </a:solidFill>
-            <a:headEnd type="none" w="med" len="med"/>
-            <a:tailEnd type="triangle" w="lg" len="lg"/>
-          </a:ln>
-        </p:spPr>
-        <p:style>
-          <a:lnRef idx="1">
-            <a:schemeClr val="accent1"/>
-          </a:lnRef>
-          <a:fillRef idx="0">
-            <a:schemeClr val="accent1"/>
-          </a:fillRef>
-          <a:effectRef idx="0">
-            <a:schemeClr val="accent1"/>
-          </a:effectRef>
-          <a:fontRef idx="minor">
-            <a:schemeClr val="tx1"/>
-          </a:fontRef>
-        </p:style>
-      </p:cxnSp>
-      <p:cxnSp>
-        <p:nvCxnSpPr>
-          <p:cNvPr id="14" name="Straight Arrow Connector 13"/>
-          <p:cNvCxnSpPr>
-            <a:stCxn id="7" idx="3"/>
-          </p:cNvCxnSpPr>
-          <p:nvPr/>
-        </p:nvCxnSpPr>
-        <p:spPr>
-          <a:xfrm flipV="1">
-            <a:off x="9272058" y="4167716"/>
-            <a:ext cx="575734" cy="451702"/>
-          </a:xfrm>
-          <a:prstGeom prst="straightConnector1">
-            <a:avLst/>
-          </a:prstGeom>
-          <a:ln w="12700">
-            <a:solidFill>
-              <a:schemeClr val="tx1"/>
-            </a:solidFill>
-            <a:headEnd type="none" w="med" len="med"/>
-            <a:tailEnd type="triangle" w="lg" len="lg"/>
-          </a:ln>
-        </p:spPr>
-        <p:style>
-          <a:lnRef idx="1">
-            <a:schemeClr val="accent1"/>
-          </a:lnRef>
-          <a:fillRef idx="0">
-            <a:schemeClr val="accent1"/>
-          </a:fillRef>
-          <a:effectRef idx="0">
-            <a:schemeClr val="accent1"/>
-          </a:effectRef>
-          <a:fontRef idx="minor">
-            <a:schemeClr val="tx1"/>
-          </a:fontRef>
-        </p:style>
-      </p:cxnSp>
-      <p:sp>
-        <p:nvSpPr>
-          <p:cNvPr id="22" name="Text Placeholder 10"/>
-          <p:cNvSpPr txBox="1">
-            <a:spLocks/>
-          </p:cNvSpPr>
-          <p:nvPr/>
-        </p:nvSpPr>
-        <p:spPr bwMode="gray">
-          <a:xfrm>
-            <a:off x="498484" y="3814675"/>
-            <a:ext cx="5749567" cy="747593"/>
-          </a:xfrm>
-          <a:prstGeom prst="rect">
-            <a:avLst/>
-          </a:prstGeom>
-          <a:noFill/>
-        </p:spPr>
-        <p:txBody>
-          <a:bodyPr vert="horz" lIns="0" tIns="0" rIns="0" bIns="0" rtlCol="0">
-            <a:noAutofit/>
-          </a:bodyPr>
-          <a:lstStyle>
-            <a:lvl1pPr marL="0" indent="0" algn="l" defTabSz="1088558" rtl="0" eaLnBrk="1" latinLnBrk="0" hangingPunct="1">
-              <a:spcBef>
-                <a:spcPts val="1800"/>
-              </a:spcBef>
-              <a:buClr>
-                <a:schemeClr val="accent1"/>
-              </a:buClr>
-              <a:buSzPct val="80000"/>
-              <a:buFontTx/>
-              <a:buNone/>
-              <a:defRPr sz="2000" b="0" kern="1200">
-                <a:solidFill>
-                  <a:schemeClr val="tx1"/>
-                </a:solidFill>
-                <a:latin typeface="+mn-lt"/>
-                <a:ea typeface="+mn-ea"/>
-                <a:cs typeface="+mn-cs"/>
-              </a:defRPr>
-            </a:lvl1pPr>
-            <a:lvl2pPr marL="179964" indent="-179964" algn="l" defTabSz="1088558" rtl="0" eaLnBrk="1" latinLnBrk="0" hangingPunct="1">
-              <a:spcBef>
-                <a:spcPts val="600"/>
-              </a:spcBef>
-              <a:buClr>
-                <a:schemeClr val="accent1"/>
-              </a:buClr>
-              <a:buSzPct val="100000"/>
-              <a:buFont typeface="Wingdings" pitchFamily="2" charset="2"/>
-              <a:buChar char="§"/>
-              <a:defRPr sz="1800" kern="1200">
-                <a:solidFill>
-                  <a:schemeClr val="tx1"/>
-                </a:solidFill>
-                <a:latin typeface="+mn-lt"/>
-                <a:ea typeface="+mn-ea"/>
-                <a:cs typeface="+mn-cs"/>
-              </a:defRPr>
-            </a:lvl2pPr>
-            <a:lvl3pPr marL="358775" indent="-179388" algn="l" defTabSz="1088558" rtl="0" eaLnBrk="1" latinLnBrk="0" hangingPunct="1">
-              <a:spcBef>
-                <a:spcPts val="300"/>
-              </a:spcBef>
-              <a:buClr>
-                <a:schemeClr val="tx1"/>
-              </a:buClr>
-              <a:buSzPct val="100000"/>
-              <a:buFont typeface="Arial" panose="020B0604020202020204" pitchFamily="34" charset="0"/>
-              <a:buChar char="–"/>
-              <a:defRPr lang="en-US" sz="1800" kern="1200" noProof="0" dirty="0" smtClean="0">
-                <a:solidFill>
-                  <a:schemeClr val="tx1"/>
-                </a:solidFill>
-                <a:latin typeface="+mn-lt"/>
-                <a:ea typeface="+mn-ea"/>
-                <a:cs typeface="+mn-cs"/>
-              </a:defRPr>
-            </a:lvl3pPr>
-            <a:lvl4pPr marL="539892" indent="-179964" algn="l" defTabSz="1088558" rtl="0" eaLnBrk="1" latinLnBrk="0" hangingPunct="1">
-              <a:spcBef>
-                <a:spcPts val="300"/>
-              </a:spcBef>
-              <a:buClr>
-                <a:schemeClr val="tx1"/>
-              </a:buClr>
-              <a:buSzPct val="120000"/>
-              <a:buFont typeface="Arial" pitchFamily="34" charset="0"/>
-              <a:buChar char="▫"/>
-              <a:defRPr sz="1600" kern="1200">
-                <a:solidFill>
-                  <a:schemeClr val="tx1"/>
-                </a:solidFill>
-                <a:latin typeface="+mn-lt"/>
-                <a:ea typeface="+mn-ea"/>
-                <a:cs typeface="+mn-cs"/>
-              </a:defRPr>
-            </a:lvl4pPr>
-            <a:lvl5pPr marL="719856" indent="-179964" algn="l" defTabSz="1088558" rtl="0" eaLnBrk="1" latinLnBrk="0" hangingPunct="1">
-              <a:spcBef>
-                <a:spcPts val="100"/>
-              </a:spcBef>
-              <a:buClr>
-                <a:schemeClr val="tx1"/>
-              </a:buClr>
-              <a:buSzPct val="100000"/>
-              <a:buFont typeface="Symbol" panose="05050102010706020507" pitchFamily="18" charset="2"/>
-              <a:buChar char="-"/>
-              <a:defRPr sz="1400" kern="1200" baseline="0">
-                <a:solidFill>
-                  <a:schemeClr val="tx1"/>
-                </a:solidFill>
-                <a:latin typeface="+mn-lt"/>
-                <a:ea typeface="+mn-ea"/>
-                <a:cs typeface="+mn-cs"/>
-              </a:defRPr>
-            </a:lvl5pPr>
-            <a:lvl6pPr marL="2993535" indent="-272140" algn="l" defTabSz="1088558" rtl="0" eaLnBrk="1" latinLnBrk="0" hangingPunct="1">
-              <a:spcBef>
-                <a:spcPct val="20000"/>
-              </a:spcBef>
-              <a:buFont typeface="Arial" pitchFamily="34" charset="0"/>
-              <a:buChar char="•"/>
-              <a:defRPr sz="2400" kern="1200">
-                <a:solidFill>
-                  <a:schemeClr val="tx1"/>
-                </a:solidFill>
-                <a:latin typeface="+mn-lt"/>
-                <a:ea typeface="+mn-ea"/>
-                <a:cs typeface="+mn-cs"/>
-              </a:defRPr>
-            </a:lvl6pPr>
-            <a:lvl7pPr marL="3537814" indent="-272140" algn="l" defTabSz="1088558" rtl="0" eaLnBrk="1" latinLnBrk="0" hangingPunct="1">
-              <a:spcBef>
-                <a:spcPct val="20000"/>
-              </a:spcBef>
-              <a:buFont typeface="Arial" pitchFamily="34" charset="0"/>
-              <a:buChar char="•"/>
-              <a:defRPr sz="2400" kern="1200">
-                <a:solidFill>
-                  <a:schemeClr val="tx1"/>
-                </a:solidFill>
-                <a:latin typeface="+mn-lt"/>
-                <a:ea typeface="+mn-ea"/>
-                <a:cs typeface="+mn-cs"/>
-              </a:defRPr>
-            </a:lvl7pPr>
-            <a:lvl8pPr marL="4082093" indent="-272140" algn="l" defTabSz="1088558" rtl="0" eaLnBrk="1" latinLnBrk="0" hangingPunct="1">
-              <a:spcBef>
-                <a:spcPct val="20000"/>
-              </a:spcBef>
-              <a:buFont typeface="Arial" pitchFamily="34" charset="0"/>
-              <a:buChar char="•"/>
-              <a:defRPr sz="2400" kern="1200">
-                <a:solidFill>
-                  <a:schemeClr val="tx1"/>
-                </a:solidFill>
-                <a:latin typeface="+mn-lt"/>
-                <a:ea typeface="+mn-ea"/>
-                <a:cs typeface="+mn-cs"/>
-              </a:defRPr>
-            </a:lvl8pPr>
-            <a:lvl9pPr marL="4626373" indent="-272140" algn="l" defTabSz="1088558" rtl="0" eaLnBrk="1" latinLnBrk="0" hangingPunct="1">
-              <a:spcBef>
-                <a:spcPct val="20000"/>
-              </a:spcBef>
-              <a:buFont typeface="Arial" pitchFamily="34" charset="0"/>
-              <a:buChar char="•"/>
-              <a:defRPr sz="2400" kern="1200">
-                <a:solidFill>
-                  <a:schemeClr val="tx1"/>
-                </a:solidFill>
-                <a:latin typeface="+mn-lt"/>
-                <a:ea typeface="+mn-ea"/>
-                <a:cs typeface="+mn-cs"/>
-              </a:defRPr>
-            </a:lvl9pPr>
-          </a:lstStyle>
-          <a:p>
-            <a:r>
-              <a:rPr lang="en-US" u="sng" dirty="0"/>
-              <a:t>Example:</a:t>
-            </a:r>
-            <a:r>
-              <a:rPr lang="en-US" dirty="0"/>
-              <a:t> Setting up the proxy server</a:t>
-            </a:r>
-          </a:p>
-          <a:p>
-            <a:pPr lvl="1"/>
-            <a:r>
-              <a:rPr lang="en-US" dirty="0"/>
-              <a:t>Proxy is an environment setting</a:t>
-            </a:r>
-          </a:p>
-        </p:txBody>
-      </p:sp>
-      <p:grpSp>
-        <p:nvGrpSpPr>
-          <p:cNvPr id="25" name="Group 24"/>
-          <p:cNvGrpSpPr/>
-          <p:nvPr/>
-        </p:nvGrpSpPr>
-        <p:grpSpPr>
-          <a:xfrm>
-            <a:off x="691090" y="4562268"/>
-            <a:ext cx="5556961" cy="961513"/>
-            <a:chOff x="498484" y="4294885"/>
-            <a:chExt cx="5749568" cy="961513"/>
-          </a:xfrm>
-        </p:grpSpPr>
-        <p:sp>
-          <p:nvSpPr>
-            <p:cNvPr id="23" name="Rectangle: Rounded Corners 22"/>
-            <p:cNvSpPr/>
-            <p:nvPr/>
-          </p:nvSpPr>
-          <p:spPr bwMode="gray">
-            <a:xfrm>
-              <a:off x="498484" y="4294885"/>
-              <a:ext cx="5749568" cy="961513"/>
-            </a:xfrm>
-            <a:prstGeom prst="roundRect">
-              <a:avLst>
-                <a:gd name="adj" fmla="val 5680"/>
-              </a:avLst>
-            </a:prstGeom>
-            <a:solidFill>
-              <a:schemeClr val="accent1"/>
-            </a:solidFill>
-            <a:ln w="6350" algn="ctr">
-              <a:solidFill>
-                <a:schemeClr val="tx1"/>
-              </a:solidFill>
-              <a:miter lim="800000"/>
-              <a:headEnd/>
-              <a:tailEnd/>
-            </a:ln>
-          </p:spPr>
-          <p:txBody>
-            <a:bodyPr lIns="90000" tIns="72000" rIns="90000" bIns="72000" rtlCol="0" anchor="b"/>
-            <a:lstStyle/>
-            <a:p>
-              <a:pPr defTabSz="914400" fontAlgn="base">
-                <a:spcAft>
-                  <a:spcPct val="0"/>
-                </a:spcAft>
-                <a:buClr>
-                  <a:srgbClr val="F0AB00"/>
-                </a:buClr>
-                <a:buSzPct val="80000"/>
-              </a:pPr>
-              <a:r>
-                <a:rPr lang="de-DE" sz="1200" b="1" kern="0" dirty="0">
-                  <a:latin typeface="Courier New" panose="02070309020205020404" pitchFamily="49" charset="0"/>
-                  <a:ea typeface="Arial Unicode MS" pitchFamily="34" charset="-128"/>
-                  <a:cs typeface="Courier New" panose="02070309020205020404" pitchFamily="49" charset="0"/>
-                </a:rPr>
-                <a:t>[Service]</a:t>
-              </a:r>
-            </a:p>
-            <a:p>
-              <a:pPr defTabSz="914400" fontAlgn="base">
-                <a:spcAft>
-                  <a:spcPct val="0"/>
-                </a:spcAft>
-                <a:buClr>
-                  <a:srgbClr val="F0AB00"/>
-                </a:buClr>
-                <a:buSzPct val="80000"/>
-              </a:pPr>
-              <a:r>
-                <a:rPr lang="de-DE" sz="1200" b="1" kern="0" dirty="0">
-                  <a:latin typeface="Courier New" panose="02070309020205020404" pitchFamily="49" charset="0"/>
-                  <a:ea typeface="Arial Unicode MS" pitchFamily="34" charset="-128"/>
-                  <a:cs typeface="Courier New" panose="02070309020205020404" pitchFamily="49" charset="0"/>
-                </a:rPr>
-                <a:t>Environment="</a:t>
-              </a:r>
-              <a:r>
-                <a:rPr lang="de-DE" sz="1200" b="1" kern="0" dirty="0" err="1">
-                  <a:latin typeface="Courier New" panose="02070309020205020404" pitchFamily="49" charset="0"/>
-                  <a:ea typeface="Arial Unicode MS" pitchFamily="34" charset="-128"/>
-                  <a:cs typeface="Courier New" panose="02070309020205020404" pitchFamily="49" charset="0"/>
-                </a:rPr>
-                <a:t>http_proxy</a:t>
-              </a:r>
-              <a:r>
-                <a:rPr lang="de-DE" sz="1200" b="1" kern="0" dirty="0">
-                  <a:latin typeface="Courier New" panose="02070309020205020404" pitchFamily="49" charset="0"/>
-                  <a:ea typeface="Arial Unicode MS" pitchFamily="34" charset="-128"/>
-                  <a:cs typeface="Courier New" panose="02070309020205020404" pitchFamily="49" charset="0"/>
-                </a:rPr>
-                <a:t>=http://proxy.wdf.sap.corp:8080"</a:t>
-              </a:r>
-            </a:p>
-            <a:p>
-              <a:pPr defTabSz="914400" fontAlgn="base">
-                <a:spcAft>
-                  <a:spcPct val="0"/>
-                </a:spcAft>
-                <a:buClr>
-                  <a:srgbClr val="F0AB00"/>
-                </a:buClr>
-                <a:buSzPct val="80000"/>
-              </a:pPr>
-              <a:r>
-                <a:rPr lang="de-DE" sz="1200" b="1" kern="0" dirty="0">
-                  <a:latin typeface="Courier New" panose="02070309020205020404" pitchFamily="49" charset="0"/>
-                  <a:ea typeface="Arial Unicode MS" pitchFamily="34" charset="-128"/>
-                  <a:cs typeface="Courier New" panose="02070309020205020404" pitchFamily="49" charset="0"/>
-                </a:rPr>
-                <a:t>Environment="</a:t>
-              </a:r>
-              <a:r>
-                <a:rPr lang="de-DE" sz="1200" b="1" kern="0" dirty="0" err="1">
-                  <a:latin typeface="Courier New" panose="02070309020205020404" pitchFamily="49" charset="0"/>
-                  <a:ea typeface="Arial Unicode MS" pitchFamily="34" charset="-128"/>
-                  <a:cs typeface="Courier New" panose="02070309020205020404" pitchFamily="49" charset="0"/>
-                </a:rPr>
-                <a:t>https_proxy</a:t>
-              </a:r>
-              <a:r>
-                <a:rPr lang="de-DE" sz="1200" b="1" kern="0" dirty="0">
-                  <a:latin typeface="Courier New" panose="02070309020205020404" pitchFamily="49" charset="0"/>
-                  <a:ea typeface="Arial Unicode MS" pitchFamily="34" charset="-128"/>
-                  <a:cs typeface="Courier New" panose="02070309020205020404" pitchFamily="49" charset="0"/>
-                </a:rPr>
-                <a:t>=http://proxy.wdf.sap.corp:8080"</a:t>
-              </a:r>
-            </a:p>
-          </p:txBody>
-        </p:sp>
-        <p:sp>
-          <p:nvSpPr>
-            <p:cNvPr id="24" name="Rectangle: Rounded Corners 23"/>
-            <p:cNvSpPr/>
-            <p:nvPr/>
-          </p:nvSpPr>
-          <p:spPr bwMode="gray">
-            <a:xfrm>
-              <a:off x="498484" y="4294885"/>
-              <a:ext cx="5749567" cy="267383"/>
-            </a:xfrm>
-            <a:prstGeom prst="roundRect">
-              <a:avLst/>
-            </a:prstGeom>
-            <a:solidFill>
-              <a:schemeClr val="tx1"/>
-            </a:solidFill>
-            <a:ln w="6350" algn="ctr">
-              <a:noFill/>
-              <a:miter lim="800000"/>
-              <a:headEnd/>
-              <a:tailEnd/>
-            </a:ln>
-          </p:spPr>
-          <p:txBody>
-            <a:bodyPr lIns="90000" tIns="72000" rIns="90000" bIns="72000" rtlCol="0" anchor="ctr"/>
-            <a:lstStyle/>
-            <a:p>
-              <a:pPr marR="0" defTabSz="914400" eaLnBrk="1" fontAlgn="base" latinLnBrk="0" hangingPunct="1">
-                <a:lnSpc>
-                  <a:spcPct val="100000"/>
-                </a:lnSpc>
-                <a:spcBef>
-                  <a:spcPct val="50000"/>
-                </a:spcBef>
-                <a:spcAft>
-                  <a:spcPct val="0"/>
-                </a:spcAft>
-                <a:buClr>
-                  <a:srgbClr val="F0AB00"/>
-                </a:buClr>
-                <a:buSzPct val="80000"/>
-                <a:tabLst/>
-              </a:pPr>
-              <a:r>
-                <a:rPr kumimoji="0" lang="de-DE" sz="1200" b="1" i="0" u="none" strike="noStrike" kern="0" cap="none" spc="0" normalizeH="0" baseline="0" noProof="0" dirty="0">
-                  <a:ln>
-                    <a:noFill/>
-                  </a:ln>
-                  <a:solidFill>
-                    <a:schemeClr val="bg1"/>
-                  </a:solidFill>
-                  <a:effectLst/>
-                  <a:uLnTx/>
-                  <a:uFillTx/>
-                  <a:latin typeface="Courier New" panose="02070309020205020404" pitchFamily="49" charset="0"/>
-                  <a:ea typeface="Arial Unicode MS" pitchFamily="34" charset="-128"/>
-                  <a:cs typeface="Courier New" panose="02070309020205020404" pitchFamily="49" charset="0"/>
-                </a:rPr>
-                <a:t>/</a:t>
-              </a:r>
-              <a:r>
-                <a:rPr kumimoji="0" lang="de-DE" sz="1200" b="1" i="0" u="none" strike="noStrike" kern="0" cap="none" spc="0" normalizeH="0" baseline="0" noProof="0" dirty="0" err="1">
-                  <a:ln>
-                    <a:noFill/>
-                  </a:ln>
-                  <a:solidFill>
-                    <a:schemeClr val="bg1"/>
-                  </a:solidFill>
-                  <a:effectLst/>
-                  <a:uLnTx/>
-                  <a:uFillTx/>
-                  <a:latin typeface="Courier New" panose="02070309020205020404" pitchFamily="49" charset="0"/>
-                  <a:ea typeface="Arial Unicode MS" pitchFamily="34" charset="-128"/>
-                  <a:cs typeface="Courier New" panose="02070309020205020404" pitchFamily="49" charset="0"/>
-                </a:rPr>
-                <a:t>etc</a:t>
-              </a:r>
-              <a:r>
-                <a:rPr kumimoji="0" lang="de-DE" sz="1200" b="1" i="0" u="none" strike="noStrike" kern="0" cap="none" spc="0" normalizeH="0" baseline="0" noProof="0" dirty="0">
-                  <a:ln>
-                    <a:noFill/>
-                  </a:ln>
-                  <a:solidFill>
-                    <a:schemeClr val="bg1"/>
-                  </a:solidFill>
-                  <a:effectLst/>
-                  <a:uLnTx/>
-                  <a:uFillTx/>
-                  <a:latin typeface="Courier New" panose="02070309020205020404" pitchFamily="49" charset="0"/>
-                  <a:ea typeface="Arial Unicode MS" pitchFamily="34" charset="-128"/>
-                  <a:cs typeface="Courier New" panose="02070309020205020404" pitchFamily="49" charset="0"/>
-                </a:rPr>
-                <a:t>/</a:t>
-              </a:r>
-              <a:r>
-                <a:rPr kumimoji="0" lang="de-DE" sz="1200" b="1" i="0" u="none" strike="noStrike" kern="0" cap="none" spc="0" normalizeH="0" baseline="0" noProof="0" dirty="0" err="1">
-                  <a:ln>
-                    <a:noFill/>
-                  </a:ln>
-                  <a:solidFill>
-                    <a:schemeClr val="bg1"/>
-                  </a:solidFill>
-                  <a:effectLst/>
-                  <a:uLnTx/>
-                  <a:uFillTx/>
-                  <a:latin typeface="Courier New" panose="02070309020205020404" pitchFamily="49" charset="0"/>
-                  <a:ea typeface="Arial Unicode MS" pitchFamily="34" charset="-128"/>
-                  <a:cs typeface="Courier New" panose="02070309020205020404" pitchFamily="49" charset="0"/>
-                </a:rPr>
-                <a:t>systemd</a:t>
-              </a:r>
-              <a:r>
-                <a:rPr kumimoji="0" lang="de-DE" sz="1200" b="1" i="0" u="none" strike="noStrike" kern="0" cap="none" spc="0" normalizeH="0" baseline="0" noProof="0" dirty="0">
-                  <a:ln>
-                    <a:noFill/>
-                  </a:ln>
-                  <a:solidFill>
-                    <a:schemeClr val="bg1"/>
-                  </a:solidFill>
-                  <a:effectLst/>
-                  <a:uLnTx/>
-                  <a:uFillTx/>
-                  <a:latin typeface="Courier New" panose="02070309020205020404" pitchFamily="49" charset="0"/>
-                  <a:ea typeface="Arial Unicode MS" pitchFamily="34" charset="-128"/>
-                  <a:cs typeface="Courier New" panose="02070309020205020404" pitchFamily="49" charset="0"/>
-                </a:rPr>
-                <a:t>/</a:t>
-              </a:r>
-              <a:r>
-                <a:rPr kumimoji="0" lang="de-DE" sz="1200" b="1" i="0" u="none" strike="noStrike" kern="0" cap="none" spc="0" normalizeH="0" baseline="0" noProof="0" dirty="0" err="1">
-                  <a:ln>
-                    <a:noFill/>
-                  </a:ln>
-                  <a:solidFill>
-                    <a:schemeClr val="bg1"/>
-                  </a:solidFill>
-                  <a:effectLst/>
-                  <a:uLnTx/>
-                  <a:uFillTx/>
-                  <a:latin typeface="Courier New" panose="02070309020205020404" pitchFamily="49" charset="0"/>
-                  <a:ea typeface="Arial Unicode MS" pitchFamily="34" charset="-128"/>
-                  <a:cs typeface="Courier New" panose="02070309020205020404" pitchFamily="49" charset="0"/>
-                </a:rPr>
-                <a:t>system</a:t>
-              </a:r>
-              <a:r>
-                <a:rPr kumimoji="0" lang="de-DE" sz="1200" b="1" i="0" u="none" strike="noStrike" kern="0" cap="none" spc="0" normalizeH="0" baseline="0" noProof="0" dirty="0">
-                  <a:ln>
-                    <a:noFill/>
-                  </a:ln>
-                  <a:solidFill>
-                    <a:schemeClr val="bg1"/>
-                  </a:solidFill>
-                  <a:effectLst/>
-                  <a:uLnTx/>
-                  <a:uFillTx/>
-                  <a:latin typeface="Courier New" panose="02070309020205020404" pitchFamily="49" charset="0"/>
-                  <a:ea typeface="Arial Unicode MS" pitchFamily="34" charset="-128"/>
-                  <a:cs typeface="Courier New" panose="02070309020205020404" pitchFamily="49" charset="0"/>
-                </a:rPr>
-                <a:t>/</a:t>
-              </a:r>
-              <a:r>
-                <a:rPr kumimoji="0" lang="de-DE" sz="1200" b="1" i="0" u="none" strike="noStrike" kern="0" cap="none" spc="0" normalizeH="0" baseline="0" noProof="0" dirty="0" err="1">
-                  <a:ln>
-                    <a:noFill/>
-                  </a:ln>
-                  <a:solidFill>
-                    <a:schemeClr val="bg1"/>
-                  </a:solidFill>
-                  <a:effectLst/>
-                  <a:uLnTx/>
-                  <a:uFillTx/>
-                  <a:latin typeface="Courier New" panose="02070309020205020404" pitchFamily="49" charset="0"/>
-                  <a:ea typeface="Arial Unicode MS" pitchFamily="34" charset="-128"/>
-                  <a:cs typeface="Courier New" panose="02070309020205020404" pitchFamily="49" charset="0"/>
-                </a:rPr>
-                <a:t>docker.service.d</a:t>
-              </a:r>
-              <a:r>
-                <a:rPr kumimoji="0" lang="de-DE" sz="1200" b="1" i="0" u="none" strike="noStrike" kern="0" cap="none" spc="0" normalizeH="0" baseline="0" noProof="0" dirty="0">
-                  <a:ln>
-                    <a:noFill/>
-                  </a:ln>
-                  <a:solidFill>
-                    <a:schemeClr val="bg1"/>
-                  </a:solidFill>
-                  <a:effectLst/>
-                  <a:uLnTx/>
-                  <a:uFillTx/>
-                  <a:latin typeface="Courier New" panose="02070309020205020404" pitchFamily="49" charset="0"/>
-                  <a:ea typeface="Arial Unicode MS" pitchFamily="34" charset="-128"/>
-                  <a:cs typeface="Courier New" panose="02070309020205020404" pitchFamily="49" charset="0"/>
-                </a:rPr>
-                <a:t>/</a:t>
-              </a:r>
-              <a:r>
-                <a:rPr kumimoji="0" lang="de-DE" sz="1200" b="1" i="0" u="none" strike="noStrike" kern="0" cap="none" spc="0" normalizeH="0" baseline="0" noProof="0" dirty="0" err="1">
-                  <a:ln>
-                    <a:noFill/>
-                  </a:ln>
-                  <a:solidFill>
-                    <a:schemeClr val="bg1"/>
-                  </a:solidFill>
-                  <a:effectLst/>
-                  <a:uLnTx/>
-                  <a:uFillTx/>
-                  <a:latin typeface="Courier New" panose="02070309020205020404" pitchFamily="49" charset="0"/>
-                  <a:ea typeface="Arial Unicode MS" pitchFamily="34" charset="-128"/>
-                  <a:cs typeface="Courier New" panose="02070309020205020404" pitchFamily="49" charset="0"/>
-                </a:rPr>
-                <a:t>proxy</a:t>
-              </a:r>
-              <a:endParaRPr kumimoji="0" lang="de-DE" sz="1200" b="1" i="0" u="none" strike="noStrike" kern="0" cap="none" spc="0" normalizeH="0" baseline="0" noProof="0" dirty="0">
-                <a:ln>
-                  <a:noFill/>
-                </a:ln>
-                <a:solidFill>
-                  <a:schemeClr val="bg1"/>
-                </a:solidFill>
-                <a:effectLst/>
-                <a:uLnTx/>
-                <a:uFillTx/>
-                <a:latin typeface="Courier New" panose="02070309020205020404" pitchFamily="49" charset="0"/>
-                <a:ea typeface="Arial Unicode MS" pitchFamily="34" charset="-128"/>
-                <a:cs typeface="Courier New" panose="02070309020205020404" pitchFamily="49" charset="0"/>
-              </a:endParaRPr>
-            </a:p>
-          </p:txBody>
-        </p:sp>
-      </p:grpSp>
-    </p:spTree>
-    <p:extLst>
-      <p:ext uri="{BB962C8B-B14F-4D97-AF65-F5344CB8AC3E}">
-        <p14:creationId xmlns:p14="http://schemas.microsoft.com/office/powerpoint/2010/main" val="3886438963"/>
-      </p:ext>
-    </p:extLst>
-  </p:cSld>
-  <p:clrMapOvr>
-    <a:masterClrMapping/>
-  </p:clrMapOvr>
-</p:sld>
-</file>
-
-<file path=ppt/slides/slide4.xml><?xml version="1.0" encoding="utf-8"?>
 <p:sld xmlns:a="http://schemas.openxmlformats.org/drawingml/2006/main" xmlns:r="http://schemas.openxmlformats.org/officeDocument/2006/relationships" xmlns:p="http://schemas.openxmlformats.org/presentationml/2006/main">
   <p:cSld>
     <p:spTree>
@@ -15854,7 +13880,7 @@
 </p:sld>
 </file>
 
-<file path=ppt/slides/slide5.xml><?xml version="1.0" encoding="utf-8"?>
+<file path=ppt/slides/slide4.xml><?xml version="1.0" encoding="utf-8"?>
 <p:sld xmlns:a="http://schemas.openxmlformats.org/drawingml/2006/main" xmlns:r="http://schemas.openxmlformats.org/officeDocument/2006/relationships" xmlns:p="http://schemas.openxmlformats.org/presentationml/2006/main">
   <p:cSld>
     <p:spTree>
@@ -16437,7 +14463,7 @@
 </p:sld>
 </file>
 
-<file path=ppt/slides/slide6.xml><?xml version="1.0" encoding="utf-8"?>
+<file path=ppt/slides/slide5.xml><?xml version="1.0" encoding="utf-8"?>
 <p:sld xmlns:a="http://schemas.openxmlformats.org/drawingml/2006/main" xmlns:r="http://schemas.openxmlformats.org/officeDocument/2006/relationships" xmlns:p="http://schemas.openxmlformats.org/presentationml/2006/main">
   <p:cSld>
     <p:spTree>
@@ -16758,7 +14784,7 @@
 </p:sld>
 </file>
 
-<file path=ppt/slides/slide7.xml><?xml version="1.0" encoding="utf-8"?>
+<file path=ppt/slides/slide6.xml><?xml version="1.0" encoding="utf-8"?>
 <p:sld xmlns:a="http://schemas.openxmlformats.org/drawingml/2006/main" xmlns:r="http://schemas.openxmlformats.org/officeDocument/2006/relationships" xmlns:p="http://schemas.openxmlformats.org/presentationml/2006/main">
   <p:cSld>
     <p:spTree>
@@ -17016,7 +15042,6 @@
               <a:rPr lang="en-US" dirty="0"/>
               <a:t>Information about containers</a:t>
             </a:r>
-            <a:endParaRPr lang="en-US" dirty="0"/>
           </a:p>
         </p:txBody>
       </p:sp>
@@ -18564,7 +16589,7 @@
 </p:sld>
 </file>
 
-<file path=ppt/slides/slide8.xml><?xml version="1.0" encoding="utf-8"?>
+<file path=ppt/slides/slide7.xml><?xml version="1.0" encoding="utf-8"?>
 <p:sld xmlns:a="http://schemas.openxmlformats.org/drawingml/2006/main" xmlns:r="http://schemas.openxmlformats.org/officeDocument/2006/relationships" xmlns:p="http://schemas.openxmlformats.org/presentationml/2006/main">
   <p:cSld>
     <p:spTree>
@@ -19180,6 +17205,736 @@
     <p:extLst>
       <p:ext uri="{BB962C8B-B14F-4D97-AF65-F5344CB8AC3E}">
         <p14:creationId xmlns:p14="http://schemas.microsoft.com/office/powerpoint/2010/main" val="3881767712"/>
+      </p:ext>
+    </p:extLst>
+  </p:cSld>
+  <p:clrMapOvr>
+    <a:masterClrMapping/>
+  </p:clrMapOvr>
+</p:sld>
+</file>
+
+<file path=ppt/slides/slide8.xml><?xml version="1.0" encoding="utf-8"?>
+<p:sld xmlns:a="http://schemas.openxmlformats.org/drawingml/2006/main" xmlns:r="http://schemas.openxmlformats.org/officeDocument/2006/relationships" xmlns:p="http://schemas.openxmlformats.org/presentationml/2006/main">
+  <p:cSld>
+    <p:spTree>
+      <p:nvGrpSpPr>
+        <p:cNvPr id="1" name=""/>
+        <p:cNvGrpSpPr/>
+        <p:nvPr/>
+      </p:nvGrpSpPr>
+      <p:grpSpPr>
+        <a:xfrm>
+          <a:off x="0" y="0"/>
+          <a:ext cx="0" cy="0"/>
+          <a:chOff x="0" y="0"/>
+          <a:chExt cx="0" cy="0"/>
+        </a:xfrm>
+      </p:grpSpPr>
+      <p:sp>
+        <p:nvSpPr>
+          <p:cNvPr id="3" name="Title 2"/>
+          <p:cNvSpPr>
+            <a:spLocks noGrp="1"/>
+          </p:cNvSpPr>
+          <p:nvPr>
+            <p:ph type="title"/>
+          </p:nvPr>
+        </p:nvSpPr>
+        <p:spPr/>
+        <p:txBody>
+          <a:bodyPr/>
+          <a:lstStyle/>
+          <a:p>
+            <a:r>
+              <a:rPr lang="en-US" dirty="0"/>
+              <a:t>Starting a stopped container</a:t>
+            </a:r>
+          </a:p>
+        </p:txBody>
+      </p:sp>
+      <p:sp>
+        <p:nvSpPr>
+          <p:cNvPr id="6" name="Text Placeholder 10"/>
+          <p:cNvSpPr>
+            <a:spLocks noGrp="1"/>
+          </p:cNvSpPr>
+          <p:nvPr>
+            <p:ph type="body" sz="quarter" idx="10"/>
+          </p:nvPr>
+        </p:nvSpPr>
+        <p:spPr>
+          <a:xfrm>
+            <a:off x="503999" y="1620000"/>
+            <a:ext cx="11186477" cy="4230000"/>
+          </a:xfrm>
+        </p:spPr>
+        <p:txBody>
+          <a:bodyPr/>
+          <a:lstStyle/>
+          <a:p>
+            <a:pPr lvl="0"/>
+            <a:r>
+              <a:rPr lang="en-US" sz="1800" dirty="0"/>
+              <a:t>A container stops once the main process (PID 1) exits</a:t>
+            </a:r>
+          </a:p>
+          <a:p>
+            <a:pPr lvl="1"/>
+            <a:r>
+              <a:rPr lang="en-US" sz="1600" dirty="0"/>
+              <a:t>container does not get removed but remains</a:t>
+            </a:r>
+          </a:p>
+          <a:p>
+            <a:pPr lvl="1"/>
+            <a:r>
+              <a:rPr lang="en-US" sz="1600" dirty="0"/>
+              <a:t>can be restarted as long as it exists</a:t>
+            </a:r>
+          </a:p>
+        </p:txBody>
+      </p:sp>
+      <p:sp>
+        <p:nvSpPr>
+          <p:cNvPr id="7" name="Rectangle: Rounded Corners 6"/>
+          <p:cNvSpPr/>
+          <p:nvPr/>
+        </p:nvSpPr>
+        <p:spPr bwMode="gray">
+          <a:xfrm>
+            <a:off x="686701" y="2558294"/>
+            <a:ext cx="7312170" cy="276513"/>
+          </a:xfrm>
+          <a:prstGeom prst="roundRect">
+            <a:avLst/>
+          </a:prstGeom>
+          <a:solidFill>
+            <a:schemeClr val="accent1">
+              <a:lumMod val="20000"/>
+              <a:lumOff val="80000"/>
+            </a:schemeClr>
+          </a:solidFill>
+          <a:ln w="6350" algn="ctr">
+            <a:noFill/>
+            <a:miter lim="800000"/>
+            <a:headEnd/>
+            <a:tailEnd/>
+          </a:ln>
+        </p:spPr>
+        <p:txBody>
+          <a:bodyPr lIns="90000" tIns="72000" rIns="90000" bIns="72000" rtlCol="0" anchor="ctr"/>
+          <a:lstStyle/>
+          <a:p>
+            <a:pPr marL="179387" lvl="2" indent="0">
+              <a:buNone/>
+            </a:pPr>
+            <a:r>
+              <a:rPr lang="en-US" sz="1400" b="1" dirty="0">
+                <a:latin typeface="Courier New" panose="02070309020205020404" pitchFamily="49" charset="0"/>
+                <a:cs typeface="Courier New" panose="02070309020205020404" pitchFamily="49" charset="0"/>
+              </a:rPr>
+              <a:t>$ </a:t>
+            </a:r>
+            <a:r>
+              <a:rPr lang="en-US" sz="1400" dirty="0" err="1">
+                <a:latin typeface="Courier New" panose="02070309020205020404" pitchFamily="49" charset="0"/>
+                <a:cs typeface="Courier New" panose="02070309020205020404" pitchFamily="49" charset="0"/>
+              </a:rPr>
+              <a:t>docker</a:t>
+            </a:r>
+            <a:r>
+              <a:rPr lang="en-US" sz="1400" b="1" dirty="0">
+                <a:latin typeface="Courier New" panose="02070309020205020404" pitchFamily="49" charset="0"/>
+                <a:cs typeface="Courier New" panose="02070309020205020404" pitchFamily="49" charset="0"/>
+              </a:rPr>
+              <a:t> start </a:t>
+            </a:r>
+            <a:r>
+              <a:rPr lang="en-US" sz="1400" i="1" dirty="0">
+                <a:latin typeface="Courier New" panose="02070309020205020404" pitchFamily="49" charset="0"/>
+                <a:cs typeface="Courier New" panose="02070309020205020404" pitchFamily="49" charset="0"/>
+              </a:rPr>
+              <a:t>&lt;container ID or name&gt;</a:t>
+            </a:r>
+          </a:p>
+        </p:txBody>
+      </p:sp>
+      <p:sp>
+        <p:nvSpPr>
+          <p:cNvPr id="9" name="Rectangle: Rounded Corners 8"/>
+          <p:cNvSpPr/>
+          <p:nvPr/>
+        </p:nvSpPr>
+        <p:spPr bwMode="gray">
+          <a:xfrm>
+            <a:off x="686701" y="3306374"/>
+            <a:ext cx="10728147" cy="2322901"/>
+          </a:xfrm>
+          <a:prstGeom prst="roundRect">
+            <a:avLst>
+              <a:gd name="adj" fmla="val 8296"/>
+            </a:avLst>
+          </a:prstGeom>
+          <a:pattFill prst="narHorz">
+            <a:fgClr>
+              <a:schemeClr val="tx1"/>
+            </a:fgClr>
+            <a:bgClr>
+              <a:srgbClr val="112806"/>
+            </a:bgClr>
+          </a:pattFill>
+          <a:ln w="6350" algn="ctr">
+            <a:noFill/>
+            <a:miter lim="800000"/>
+            <a:headEnd/>
+            <a:tailEnd/>
+          </a:ln>
+        </p:spPr>
+        <p:txBody>
+          <a:bodyPr lIns="90000" tIns="72000" rIns="90000" bIns="72000" rtlCol="0" anchor="t"/>
+          <a:lstStyle/>
+          <a:p>
+            <a:pPr defTabSz="914400" fontAlgn="base">
+              <a:spcAft>
+                <a:spcPct val="0"/>
+              </a:spcAft>
+              <a:buClr>
+                <a:srgbClr val="F0AB00"/>
+              </a:buClr>
+              <a:buSzPct val="80000"/>
+            </a:pPr>
+            <a:r>
+              <a:rPr lang="en-US" sz="1200" b="1" kern="0" dirty="0">
+                <a:solidFill>
+                  <a:schemeClr val="bg1"/>
+                </a:solidFill>
+                <a:latin typeface="Courier New" panose="02070309020205020404" pitchFamily="49" charset="0"/>
+                <a:ea typeface="Arial Unicode MS" pitchFamily="34" charset="-128"/>
+                <a:cs typeface="Courier New" panose="02070309020205020404" pitchFamily="49" charset="0"/>
+              </a:rPr>
+              <a:t>$ </a:t>
+            </a:r>
+            <a:r>
+              <a:rPr lang="en-US" sz="1200" b="1" kern="0" dirty="0" err="1">
+                <a:solidFill>
+                  <a:schemeClr val="bg1"/>
+                </a:solidFill>
+                <a:latin typeface="Courier New" panose="02070309020205020404" pitchFamily="49" charset="0"/>
+                <a:ea typeface="Arial Unicode MS" pitchFamily="34" charset="-128"/>
+                <a:cs typeface="Courier New" panose="02070309020205020404" pitchFamily="49" charset="0"/>
+              </a:rPr>
+              <a:t>docker</a:t>
+            </a:r>
+            <a:r>
+              <a:rPr lang="en-US" sz="1200" b="1" kern="0" dirty="0">
+                <a:solidFill>
+                  <a:schemeClr val="bg1"/>
+                </a:solidFill>
+                <a:latin typeface="Courier New" panose="02070309020205020404" pitchFamily="49" charset="0"/>
+                <a:ea typeface="Arial Unicode MS" pitchFamily="34" charset="-128"/>
+                <a:cs typeface="Courier New" panose="02070309020205020404" pitchFamily="49" charset="0"/>
+              </a:rPr>
+              <a:t> run -</a:t>
+            </a:r>
+            <a:r>
+              <a:rPr lang="en-US" sz="1200" b="1" kern="0" dirty="0" err="1">
+                <a:solidFill>
+                  <a:schemeClr val="bg1"/>
+                </a:solidFill>
+                <a:latin typeface="Courier New" panose="02070309020205020404" pitchFamily="49" charset="0"/>
+                <a:ea typeface="Arial Unicode MS" pitchFamily="34" charset="-128"/>
+                <a:cs typeface="Courier New" panose="02070309020205020404" pitchFamily="49" charset="0"/>
+              </a:rPr>
+              <a:t>i</a:t>
+            </a:r>
+            <a:r>
+              <a:rPr lang="en-US" sz="1200" b="1" kern="0" dirty="0">
+                <a:solidFill>
+                  <a:schemeClr val="bg1"/>
+                </a:solidFill>
+                <a:latin typeface="Courier New" panose="02070309020205020404" pitchFamily="49" charset="0"/>
+                <a:ea typeface="Arial Unicode MS" pitchFamily="34" charset="-128"/>
+                <a:cs typeface="Courier New" panose="02070309020205020404" pitchFamily="49" charset="0"/>
+              </a:rPr>
+              <a:t> -t </a:t>
+            </a:r>
+            <a:r>
+              <a:rPr lang="en-US" sz="1200" b="1" kern="0" dirty="0" err="1">
+                <a:solidFill>
+                  <a:schemeClr val="bg1"/>
+                </a:solidFill>
+                <a:latin typeface="Courier New" panose="02070309020205020404" pitchFamily="49" charset="0"/>
+                <a:ea typeface="Arial Unicode MS" pitchFamily="34" charset="-128"/>
+                <a:cs typeface="Courier New" panose="02070309020205020404" pitchFamily="49" charset="0"/>
+              </a:rPr>
+              <a:t>busybox</a:t>
+            </a:r>
+            <a:endParaRPr lang="en-US" sz="1200" b="1" kern="0" dirty="0">
+              <a:solidFill>
+                <a:schemeClr val="bg1"/>
+              </a:solidFill>
+              <a:latin typeface="Courier New" panose="02070309020205020404" pitchFamily="49" charset="0"/>
+              <a:ea typeface="Arial Unicode MS" pitchFamily="34" charset="-128"/>
+              <a:cs typeface="Courier New" panose="02070309020205020404" pitchFamily="49" charset="0"/>
+            </a:endParaRPr>
+          </a:p>
+          <a:p>
+            <a:pPr defTabSz="914400" fontAlgn="base">
+              <a:spcAft>
+                <a:spcPct val="0"/>
+              </a:spcAft>
+              <a:buClr>
+                <a:srgbClr val="F0AB00"/>
+              </a:buClr>
+              <a:buSzPct val="80000"/>
+            </a:pPr>
+            <a:r>
+              <a:rPr lang="en-US" sz="1200" kern="0" dirty="0">
+                <a:solidFill>
+                  <a:schemeClr val="bg1"/>
+                </a:solidFill>
+                <a:latin typeface="Arial monospaced for SAP" panose="020B0609020202030204" pitchFamily="49" charset="0"/>
+                <a:ea typeface="Arial Unicode MS" pitchFamily="34" charset="-128"/>
+                <a:cs typeface="Courier New" panose="02070309020205020404" pitchFamily="49" charset="0"/>
+              </a:rPr>
+              <a:t>/ # exit</a:t>
+            </a:r>
+          </a:p>
+          <a:p>
+            <a:pPr defTabSz="914400" fontAlgn="base">
+              <a:spcAft>
+                <a:spcPct val="0"/>
+              </a:spcAft>
+              <a:buClr>
+                <a:srgbClr val="F0AB00"/>
+              </a:buClr>
+              <a:buSzPct val="80000"/>
+            </a:pPr>
+            <a:endParaRPr lang="en-US" sz="1200" b="1" kern="0" dirty="0">
+              <a:solidFill>
+                <a:schemeClr val="bg1"/>
+              </a:solidFill>
+              <a:latin typeface="Courier New" panose="02070309020205020404" pitchFamily="49" charset="0"/>
+              <a:ea typeface="Arial Unicode MS" pitchFamily="34" charset="-128"/>
+              <a:cs typeface="Courier New" panose="02070309020205020404" pitchFamily="49" charset="0"/>
+            </a:endParaRPr>
+          </a:p>
+          <a:p>
+            <a:pPr defTabSz="914400" fontAlgn="base">
+              <a:spcAft>
+                <a:spcPct val="0"/>
+              </a:spcAft>
+              <a:buClr>
+                <a:srgbClr val="F0AB00"/>
+              </a:buClr>
+              <a:buSzPct val="80000"/>
+            </a:pPr>
+            <a:r>
+              <a:rPr lang="en-US" sz="1200" b="1" kern="0" dirty="0">
+                <a:solidFill>
+                  <a:schemeClr val="bg1"/>
+                </a:solidFill>
+                <a:latin typeface="Courier New" panose="02070309020205020404" pitchFamily="49" charset="0"/>
+                <a:ea typeface="Arial Unicode MS" pitchFamily="34" charset="-128"/>
+                <a:cs typeface="Courier New" panose="02070309020205020404" pitchFamily="49" charset="0"/>
+              </a:rPr>
+              <a:t>$ </a:t>
+            </a:r>
+            <a:r>
+              <a:rPr lang="en-US" sz="1200" b="1" kern="0" dirty="0" err="1">
+                <a:solidFill>
+                  <a:schemeClr val="bg1"/>
+                </a:solidFill>
+                <a:latin typeface="Courier New" panose="02070309020205020404" pitchFamily="49" charset="0"/>
+                <a:ea typeface="Arial Unicode MS" pitchFamily="34" charset="-128"/>
+                <a:cs typeface="Courier New" panose="02070309020205020404" pitchFamily="49" charset="0"/>
+              </a:rPr>
+              <a:t>docker</a:t>
+            </a:r>
+            <a:r>
+              <a:rPr lang="en-US" sz="1200" b="1" kern="0" dirty="0">
+                <a:solidFill>
+                  <a:schemeClr val="bg1"/>
+                </a:solidFill>
+                <a:latin typeface="Courier New" panose="02070309020205020404" pitchFamily="49" charset="0"/>
+                <a:ea typeface="Arial Unicode MS" pitchFamily="34" charset="-128"/>
+                <a:cs typeface="Courier New" panose="02070309020205020404" pitchFamily="49" charset="0"/>
+              </a:rPr>
+              <a:t> </a:t>
+            </a:r>
+            <a:r>
+              <a:rPr lang="en-US" sz="1200" b="1" kern="0" dirty="0" err="1">
+                <a:solidFill>
+                  <a:schemeClr val="bg1"/>
+                </a:solidFill>
+                <a:latin typeface="Courier New" panose="02070309020205020404" pitchFamily="49" charset="0"/>
+                <a:ea typeface="Arial Unicode MS" pitchFamily="34" charset="-128"/>
+                <a:cs typeface="Courier New" panose="02070309020205020404" pitchFamily="49" charset="0"/>
+              </a:rPr>
+              <a:t>ps</a:t>
+            </a:r>
+            <a:r>
+              <a:rPr lang="en-US" sz="1200" b="1" kern="0" dirty="0">
+                <a:solidFill>
+                  <a:schemeClr val="bg1"/>
+                </a:solidFill>
+                <a:latin typeface="Courier New" panose="02070309020205020404" pitchFamily="49" charset="0"/>
+                <a:ea typeface="Arial Unicode MS" pitchFamily="34" charset="-128"/>
+                <a:cs typeface="Courier New" panose="02070309020205020404" pitchFamily="49" charset="0"/>
+              </a:rPr>
+              <a:t> -a</a:t>
+            </a:r>
+          </a:p>
+          <a:p>
+            <a:pPr defTabSz="914400" fontAlgn="base">
+              <a:spcAft>
+                <a:spcPct val="0"/>
+              </a:spcAft>
+              <a:buClr>
+                <a:srgbClr val="F0AB00"/>
+              </a:buClr>
+              <a:buSzPct val="80000"/>
+            </a:pPr>
+            <a:r>
+              <a:rPr lang="en-US" sz="1200" kern="0" dirty="0">
+                <a:solidFill>
+                  <a:schemeClr val="bg1"/>
+                </a:solidFill>
+                <a:latin typeface="Arial monospaced for SAP" panose="020B0609020202030204" pitchFamily="49" charset="0"/>
+                <a:ea typeface="Arial Unicode MS" pitchFamily="34" charset="-128"/>
+                <a:cs typeface="Courier New" panose="02070309020205020404" pitchFamily="49" charset="0"/>
+              </a:rPr>
+              <a:t>CONTAINER ID     IMAGE      COMMAND    CREATED             STATUS                        PORTS     NAMES</a:t>
+            </a:r>
+          </a:p>
+          <a:p>
+            <a:pPr defTabSz="914400" fontAlgn="base">
+              <a:spcAft>
+                <a:spcPct val="0"/>
+              </a:spcAft>
+              <a:buClr>
+                <a:srgbClr val="F0AB00"/>
+              </a:buClr>
+              <a:buSzPct val="80000"/>
+            </a:pPr>
+            <a:r>
+              <a:rPr lang="en-US" sz="1200" kern="0" dirty="0">
+                <a:solidFill>
+                  <a:schemeClr val="bg1"/>
+                </a:solidFill>
+                <a:latin typeface="Arial monospaced for SAP" panose="020B0609020202030204" pitchFamily="49" charset="0"/>
+                <a:ea typeface="Arial Unicode MS" pitchFamily="34" charset="-128"/>
+                <a:cs typeface="Courier New" panose="02070309020205020404" pitchFamily="49" charset="0"/>
+              </a:rPr>
+              <a:t>033d3a22e8c8     </a:t>
+            </a:r>
+            <a:r>
+              <a:rPr lang="en-US" sz="1200" kern="0" dirty="0" err="1">
+                <a:solidFill>
+                  <a:schemeClr val="bg1"/>
+                </a:solidFill>
+                <a:latin typeface="Arial monospaced for SAP" panose="020B0609020202030204" pitchFamily="49" charset="0"/>
+                <a:ea typeface="Arial Unicode MS" pitchFamily="34" charset="-128"/>
+                <a:cs typeface="Courier New" panose="02070309020205020404" pitchFamily="49" charset="0"/>
+              </a:rPr>
+              <a:t>busybox</a:t>
+            </a:r>
+            <a:r>
+              <a:rPr lang="en-US" sz="1200" kern="0" dirty="0">
+                <a:solidFill>
+                  <a:schemeClr val="bg1"/>
+                </a:solidFill>
+                <a:latin typeface="Arial monospaced for SAP" panose="020B0609020202030204" pitchFamily="49" charset="0"/>
+                <a:ea typeface="Arial Unicode MS" pitchFamily="34" charset="-128"/>
+                <a:cs typeface="Courier New" panose="02070309020205020404" pitchFamily="49" charset="0"/>
+              </a:rPr>
+              <a:t>    "</a:t>
+            </a:r>
+            <a:r>
+              <a:rPr lang="en-US" sz="1200" kern="0" dirty="0" err="1">
+                <a:solidFill>
+                  <a:schemeClr val="bg1"/>
+                </a:solidFill>
+                <a:latin typeface="Arial monospaced for SAP" panose="020B0609020202030204" pitchFamily="49" charset="0"/>
+                <a:ea typeface="Arial Unicode MS" pitchFamily="34" charset="-128"/>
+                <a:cs typeface="Courier New" panose="02070309020205020404" pitchFamily="49" charset="0"/>
+              </a:rPr>
+              <a:t>sh</a:t>
+            </a:r>
+            <a:r>
+              <a:rPr lang="en-US" sz="1200" kern="0" dirty="0">
+                <a:solidFill>
+                  <a:schemeClr val="bg1"/>
+                </a:solidFill>
+                <a:latin typeface="Arial monospaced for SAP" panose="020B0609020202030204" pitchFamily="49" charset="0"/>
+                <a:ea typeface="Arial Unicode MS" pitchFamily="34" charset="-128"/>
+                <a:cs typeface="Courier New" panose="02070309020205020404" pitchFamily="49" charset="0"/>
+              </a:rPr>
+              <a:t>"       15 seconds ago      Exited (0) 13 seconds ago               </a:t>
+            </a:r>
+            <a:r>
+              <a:rPr lang="en-US" sz="1200" kern="0" dirty="0" err="1">
+                <a:solidFill>
+                  <a:schemeClr val="bg1"/>
+                </a:solidFill>
+                <a:latin typeface="Arial monospaced for SAP" panose="020B0609020202030204" pitchFamily="49" charset="0"/>
+                <a:ea typeface="Arial Unicode MS" pitchFamily="34" charset="-128"/>
+                <a:cs typeface="Courier New" panose="02070309020205020404" pitchFamily="49" charset="0"/>
+              </a:rPr>
+              <a:t>manic_wright</a:t>
+            </a:r>
+            <a:endParaRPr lang="en-US" sz="1200" kern="0" dirty="0">
+              <a:solidFill>
+                <a:schemeClr val="bg1"/>
+              </a:solidFill>
+              <a:latin typeface="Arial monospaced for SAP" panose="020B0609020202030204" pitchFamily="49" charset="0"/>
+              <a:ea typeface="Arial Unicode MS" pitchFamily="34" charset="-128"/>
+              <a:cs typeface="Courier New" panose="02070309020205020404" pitchFamily="49" charset="0"/>
+            </a:endParaRPr>
+          </a:p>
+          <a:p>
+            <a:pPr defTabSz="914400" fontAlgn="base">
+              <a:spcAft>
+                <a:spcPct val="0"/>
+              </a:spcAft>
+              <a:buClr>
+                <a:srgbClr val="F0AB00"/>
+              </a:buClr>
+              <a:buSzPct val="80000"/>
+            </a:pPr>
+            <a:endParaRPr lang="en-US" sz="1200" b="1" kern="0" dirty="0">
+              <a:solidFill>
+                <a:schemeClr val="bg1"/>
+              </a:solidFill>
+              <a:latin typeface="Courier New" panose="02070309020205020404" pitchFamily="49" charset="0"/>
+              <a:ea typeface="Arial Unicode MS" pitchFamily="34" charset="-128"/>
+              <a:cs typeface="Courier New" panose="02070309020205020404" pitchFamily="49" charset="0"/>
+            </a:endParaRPr>
+          </a:p>
+          <a:p>
+            <a:pPr defTabSz="914400" fontAlgn="base">
+              <a:spcAft>
+                <a:spcPct val="0"/>
+              </a:spcAft>
+              <a:buClr>
+                <a:srgbClr val="F0AB00"/>
+              </a:buClr>
+              <a:buSzPct val="80000"/>
+            </a:pPr>
+            <a:r>
+              <a:rPr lang="en-US" sz="1200" b="1" kern="0" dirty="0">
+                <a:solidFill>
+                  <a:schemeClr val="bg1"/>
+                </a:solidFill>
+                <a:latin typeface="Courier New" panose="02070309020205020404" pitchFamily="49" charset="0"/>
+                <a:ea typeface="Arial Unicode MS" pitchFamily="34" charset="-128"/>
+                <a:cs typeface="Courier New" panose="02070309020205020404" pitchFamily="49" charset="0"/>
+              </a:rPr>
+              <a:t>$ </a:t>
+            </a:r>
+            <a:r>
+              <a:rPr lang="en-US" sz="1200" b="1" kern="0" dirty="0" err="1">
+                <a:solidFill>
+                  <a:schemeClr val="bg1"/>
+                </a:solidFill>
+                <a:latin typeface="Courier New" panose="02070309020205020404" pitchFamily="49" charset="0"/>
+                <a:ea typeface="Arial Unicode MS" pitchFamily="34" charset="-128"/>
+                <a:cs typeface="Courier New" panose="02070309020205020404" pitchFamily="49" charset="0"/>
+              </a:rPr>
+              <a:t>docker</a:t>
+            </a:r>
+            <a:r>
+              <a:rPr lang="en-US" sz="1200" b="1" kern="0" dirty="0">
+                <a:solidFill>
+                  <a:schemeClr val="bg1"/>
+                </a:solidFill>
+                <a:latin typeface="Courier New" panose="02070309020205020404" pitchFamily="49" charset="0"/>
+                <a:ea typeface="Arial Unicode MS" pitchFamily="34" charset="-128"/>
+                <a:cs typeface="Courier New" panose="02070309020205020404" pitchFamily="49" charset="0"/>
+              </a:rPr>
+              <a:t> start -</a:t>
+            </a:r>
+            <a:r>
+              <a:rPr lang="en-US" sz="1200" b="1" kern="0" dirty="0" err="1">
+                <a:solidFill>
+                  <a:schemeClr val="bg1"/>
+                </a:solidFill>
+                <a:latin typeface="Courier New" panose="02070309020205020404" pitchFamily="49" charset="0"/>
+                <a:ea typeface="Arial Unicode MS" pitchFamily="34" charset="-128"/>
+                <a:cs typeface="Courier New" panose="02070309020205020404" pitchFamily="49" charset="0"/>
+              </a:rPr>
+              <a:t>i</a:t>
+            </a:r>
+            <a:r>
+              <a:rPr lang="en-US" sz="1200" b="1" kern="0" dirty="0">
+                <a:solidFill>
+                  <a:schemeClr val="bg1"/>
+                </a:solidFill>
+                <a:latin typeface="Courier New" panose="02070309020205020404" pitchFamily="49" charset="0"/>
+                <a:ea typeface="Arial Unicode MS" pitchFamily="34" charset="-128"/>
+                <a:cs typeface="Courier New" panose="02070309020205020404" pitchFamily="49" charset="0"/>
+              </a:rPr>
+              <a:t>  033d3a22e8c8</a:t>
+            </a:r>
+          </a:p>
+          <a:p>
+            <a:pPr defTabSz="914400" fontAlgn="base">
+              <a:spcAft>
+                <a:spcPct val="0"/>
+              </a:spcAft>
+              <a:buClr>
+                <a:srgbClr val="F0AB00"/>
+              </a:buClr>
+              <a:buSzPct val="80000"/>
+            </a:pPr>
+            <a:r>
+              <a:rPr lang="en-US" sz="1200" kern="0" dirty="0">
+                <a:solidFill>
+                  <a:schemeClr val="bg1"/>
+                </a:solidFill>
+                <a:latin typeface="Arial monospaced for SAP" panose="020B0609020202030204" pitchFamily="49" charset="0"/>
+                <a:ea typeface="Arial Unicode MS" pitchFamily="34" charset="-128"/>
+                <a:cs typeface="Courier New" panose="02070309020205020404" pitchFamily="49" charset="0"/>
+              </a:rPr>
+              <a:t>/ # ls</a:t>
+            </a:r>
+          </a:p>
+          <a:p>
+            <a:pPr defTabSz="914400" fontAlgn="base">
+              <a:spcAft>
+                <a:spcPct val="0"/>
+              </a:spcAft>
+              <a:buClr>
+                <a:srgbClr val="F0AB00"/>
+              </a:buClr>
+              <a:buSzPct val="80000"/>
+            </a:pPr>
+            <a:r>
+              <a:rPr lang="en-US" sz="1200" kern="0" dirty="0">
+                <a:solidFill>
+                  <a:schemeClr val="bg1"/>
+                </a:solidFill>
+                <a:latin typeface="Arial monospaced for SAP" panose="020B0609020202030204" pitchFamily="49" charset="0"/>
+                <a:ea typeface="Arial Unicode MS" pitchFamily="34" charset="-128"/>
+                <a:cs typeface="Courier New" panose="02070309020205020404" pitchFamily="49" charset="0"/>
+              </a:rPr>
+              <a:t>bin   dev   </a:t>
+            </a:r>
+            <a:r>
+              <a:rPr lang="en-US" sz="1200" kern="0" dirty="0" err="1">
+                <a:solidFill>
+                  <a:schemeClr val="bg1"/>
+                </a:solidFill>
+                <a:latin typeface="Arial monospaced for SAP" panose="020B0609020202030204" pitchFamily="49" charset="0"/>
+                <a:ea typeface="Arial Unicode MS" pitchFamily="34" charset="-128"/>
+                <a:cs typeface="Courier New" panose="02070309020205020404" pitchFamily="49" charset="0"/>
+              </a:rPr>
+              <a:t>etc</a:t>
+            </a:r>
+            <a:r>
+              <a:rPr lang="en-US" sz="1200" kern="0" dirty="0">
+                <a:solidFill>
+                  <a:schemeClr val="bg1"/>
+                </a:solidFill>
+                <a:latin typeface="Arial monospaced for SAP" panose="020B0609020202030204" pitchFamily="49" charset="0"/>
+                <a:ea typeface="Arial Unicode MS" pitchFamily="34" charset="-128"/>
+                <a:cs typeface="Courier New" panose="02070309020205020404" pitchFamily="49" charset="0"/>
+              </a:rPr>
+              <a:t>   home  proc  root  run   sys   </a:t>
+            </a:r>
+            <a:r>
+              <a:rPr lang="en-US" sz="1200" kern="0" dirty="0" err="1">
+                <a:solidFill>
+                  <a:schemeClr val="bg1"/>
+                </a:solidFill>
+                <a:latin typeface="Arial monospaced for SAP" panose="020B0609020202030204" pitchFamily="49" charset="0"/>
+                <a:ea typeface="Arial Unicode MS" pitchFamily="34" charset="-128"/>
+                <a:cs typeface="Courier New" panose="02070309020205020404" pitchFamily="49" charset="0"/>
+              </a:rPr>
+              <a:t>tmp</a:t>
+            </a:r>
+            <a:r>
+              <a:rPr lang="en-US" sz="1200" kern="0" dirty="0">
+                <a:solidFill>
+                  <a:schemeClr val="bg1"/>
+                </a:solidFill>
+                <a:latin typeface="Arial monospaced for SAP" panose="020B0609020202030204" pitchFamily="49" charset="0"/>
+                <a:ea typeface="Arial Unicode MS" pitchFamily="34" charset="-128"/>
+                <a:cs typeface="Courier New" panose="02070309020205020404" pitchFamily="49" charset="0"/>
+              </a:rPr>
+              <a:t>   </a:t>
+            </a:r>
+            <a:r>
+              <a:rPr lang="en-US" sz="1200" kern="0" dirty="0" err="1">
+                <a:solidFill>
+                  <a:schemeClr val="bg1"/>
+                </a:solidFill>
+                <a:latin typeface="Arial monospaced for SAP" panose="020B0609020202030204" pitchFamily="49" charset="0"/>
+                <a:ea typeface="Arial Unicode MS" pitchFamily="34" charset="-128"/>
+                <a:cs typeface="Courier New" panose="02070309020205020404" pitchFamily="49" charset="0"/>
+              </a:rPr>
+              <a:t>usr</a:t>
+            </a:r>
+            <a:r>
+              <a:rPr lang="en-US" sz="1200" kern="0" dirty="0">
+                <a:solidFill>
+                  <a:schemeClr val="bg1"/>
+                </a:solidFill>
+                <a:latin typeface="Arial monospaced for SAP" panose="020B0609020202030204" pitchFamily="49" charset="0"/>
+                <a:ea typeface="Arial Unicode MS" pitchFamily="34" charset="-128"/>
+                <a:cs typeface="Courier New" panose="02070309020205020404" pitchFamily="49" charset="0"/>
+              </a:rPr>
+              <a:t>   </a:t>
+            </a:r>
+            <a:r>
+              <a:rPr lang="en-US" sz="1200" kern="0" dirty="0" err="1">
+                <a:solidFill>
+                  <a:schemeClr val="bg1"/>
+                </a:solidFill>
+                <a:latin typeface="Arial monospaced for SAP" panose="020B0609020202030204" pitchFamily="49" charset="0"/>
+                <a:ea typeface="Arial Unicode MS" pitchFamily="34" charset="-128"/>
+                <a:cs typeface="Courier New" panose="02070309020205020404" pitchFamily="49" charset="0"/>
+              </a:rPr>
+              <a:t>var</a:t>
+            </a:r>
+            <a:endParaRPr lang="en-US" sz="1200" kern="0" dirty="0">
+              <a:solidFill>
+                <a:schemeClr val="bg1"/>
+              </a:solidFill>
+              <a:latin typeface="Arial monospaced for SAP" panose="020B0609020202030204" pitchFamily="49" charset="0"/>
+              <a:ea typeface="Arial Unicode MS" pitchFamily="34" charset="-128"/>
+              <a:cs typeface="Courier New" panose="02070309020205020404" pitchFamily="49" charset="0"/>
+            </a:endParaRPr>
+          </a:p>
+          <a:p>
+            <a:pPr defTabSz="914400" fontAlgn="base">
+              <a:spcAft>
+                <a:spcPct val="0"/>
+              </a:spcAft>
+              <a:buClr>
+                <a:srgbClr val="F0AB00"/>
+              </a:buClr>
+              <a:buSzPct val="80000"/>
+            </a:pPr>
+            <a:r>
+              <a:rPr lang="en-US" sz="1200" kern="0" dirty="0">
+                <a:solidFill>
+                  <a:schemeClr val="bg1"/>
+                </a:solidFill>
+                <a:latin typeface="Arial monospaced for SAP" panose="020B0609020202030204" pitchFamily="49" charset="0"/>
+                <a:ea typeface="Arial Unicode MS" pitchFamily="34" charset="-128"/>
+                <a:cs typeface="Courier New" panose="02070309020205020404" pitchFamily="49" charset="0"/>
+              </a:rPr>
+              <a:t>/ # exit</a:t>
+            </a:r>
+          </a:p>
+        </p:txBody>
+      </p:sp>
+    </p:spTree>
+    <p:extLst>
+      <p:ext uri="{BB962C8B-B14F-4D97-AF65-F5344CB8AC3E}">
+        <p14:creationId xmlns:p14="http://schemas.microsoft.com/office/powerpoint/2010/main" val="501251986"/>
       </p:ext>
     </p:extLst>
   </p:cSld>
@@ -19223,7 +17978,7 @@
           <a:p>
             <a:r>
               <a:rPr lang="en-US" dirty="0"/>
-              <a:t>Starting a stopped container</a:t>
+              <a:t>Stopping a container</a:t>
             </a:r>
           </a:p>
         </p:txBody>
@@ -19251,22 +18006,26 @@
             <a:pPr lvl="0"/>
             <a:r>
               <a:rPr lang="en-US" sz="1800" dirty="0"/>
-              <a:t>A container stops once the main process (PID 1) exits</a:t>
+              <a:t>A container can be forcibly stopped</a:t>
             </a:r>
           </a:p>
           <a:p>
             <a:pPr lvl="1"/>
             <a:r>
               <a:rPr lang="en-US" sz="1600" dirty="0"/>
-              <a:t>container does not get removed but remains</a:t>
+              <a:t>necessary for containers with daemon processes</a:t>
             </a:r>
           </a:p>
           <a:p>
             <a:pPr lvl="1"/>
             <a:r>
               <a:rPr lang="en-US" sz="1600" dirty="0"/>
-              <a:t>can be restarted as long as it exists</a:t>
-            </a:r>
+              <a:t>friendly termination with SIGTERM, after timeout (default 10 seconds) with SIGKILL</a:t>
+            </a:r>
+          </a:p>
+          <a:p>
+            <a:pPr lvl="1"/>
+            <a:endParaRPr lang="en-US" sz="1600" dirty="0"/>
           </a:p>
         </p:txBody>
       </p:sp>
@@ -19323,7 +18082,7 @@
                 <a:latin typeface="Courier New" panose="02070309020205020404" pitchFamily="49" charset="0"/>
                 <a:cs typeface="Courier New" panose="02070309020205020404" pitchFamily="49" charset="0"/>
               </a:rPr>
-              <a:t> start </a:t>
+              <a:t> stop </a:t>
             </a:r>
             <a:r>
               <a:rPr lang="en-US" sz="1400" i="1" dirty="0">
@@ -19343,7 +18102,7 @@
         </p:nvSpPr>
         <p:spPr bwMode="gray">
           <a:xfrm>
-            <a:off x="686701" y="3306374"/>
+            <a:off x="686701" y="3249224"/>
             <a:ext cx="10728147" cy="2322901"/>
           </a:xfrm>
           <a:prstGeom prst="roundRect">
@@ -19410,7 +18169,7 @@
                 <a:ea typeface="Arial Unicode MS" pitchFamily="34" charset="-128"/>
                 <a:cs typeface="Courier New" panose="02070309020205020404" pitchFamily="49" charset="0"/>
               </a:rPr>
-              <a:t> run -</a:t>
+              <a:t> </a:t>
             </a:r>
             <a:r>
               <a:rPr lang="en-US" sz="1200" b="1" kern="0" dirty="0" err="1">
@@ -19421,29 +18180,7 @@
                 <a:ea typeface="Arial Unicode MS" pitchFamily="34" charset="-128"/>
                 <a:cs typeface="Courier New" panose="02070309020205020404" pitchFamily="49" charset="0"/>
               </a:rPr>
-              <a:t>i</a:t>
-            </a:r>
-            <a:r>
-              <a:rPr lang="en-US" sz="1200" b="1" kern="0" dirty="0">
-                <a:solidFill>
-                  <a:schemeClr val="bg1"/>
-                </a:solidFill>
-                <a:latin typeface="Courier New" panose="02070309020205020404" pitchFamily="49" charset="0"/>
-                <a:ea typeface="Arial Unicode MS" pitchFamily="34" charset="-128"/>
-                <a:cs typeface="Courier New" panose="02070309020205020404" pitchFamily="49" charset="0"/>
-              </a:rPr>
-              <a:t> -t </a:t>
-            </a:r>
-            <a:r>
-              <a:rPr lang="en-US" sz="1200" b="1" kern="0" dirty="0" err="1">
-                <a:solidFill>
-                  <a:schemeClr val="bg1"/>
-                </a:solidFill>
-                <a:latin typeface="Courier New" panose="02070309020205020404" pitchFamily="49" charset="0"/>
-                <a:ea typeface="Arial Unicode MS" pitchFamily="34" charset="-128"/>
-                <a:cs typeface="Courier New" panose="02070309020205020404" pitchFamily="49" charset="0"/>
-              </a:rPr>
-              <a:t>busybox</a:t>
+              <a:t>ps</a:t>
             </a:r>
             <a:endParaRPr lang="en-US" sz="1200" b="1" kern="0" dirty="0">
               <a:solidFill>
@@ -19473,8 +18210,93 @@
                 <a:ea typeface="Arial Unicode MS" pitchFamily="34" charset="-128"/>
                 <a:cs typeface="Courier New" panose="02070309020205020404" pitchFamily="49" charset="0"/>
               </a:rPr>
-              <a:t>/ # exit</a:t>
-            </a:r>
+              <a:t>CONTAINER ID    IMAGE       COMMAND          CREATED      STATUS        PORTS                    NAMES</a:t>
+            </a:r>
+          </a:p>
+          <a:p>
+            <a:pPr defTabSz="914400" fontAlgn="base">
+              <a:spcAft>
+                <a:spcPct val="0"/>
+              </a:spcAft>
+              <a:buClr>
+                <a:srgbClr val="F0AB00"/>
+              </a:buClr>
+              <a:buSzPct val="80000"/>
+            </a:pPr>
+            <a:r>
+              <a:rPr lang="en-US" sz="1200" kern="0" dirty="0">
+                <a:solidFill>
+                  <a:schemeClr val="bg1"/>
+                </a:solidFill>
+                <a:latin typeface="Arial monospaced for SAP" panose="020B0609020202030204" pitchFamily="49" charset="0"/>
+                <a:ea typeface="Arial Unicode MS" pitchFamily="34" charset="-128"/>
+                <a:cs typeface="Courier New" panose="02070309020205020404" pitchFamily="49" charset="0"/>
+              </a:rPr>
+              <a:t>494b7b8c9f39    mynginx1    "</a:t>
+            </a:r>
+            <a:r>
+              <a:rPr lang="en-US" sz="1200" kern="0" dirty="0" err="1">
+                <a:solidFill>
+                  <a:schemeClr val="bg1"/>
+                </a:solidFill>
+                <a:latin typeface="Arial monospaced for SAP" panose="020B0609020202030204" pitchFamily="49" charset="0"/>
+                <a:ea typeface="Arial Unicode MS" pitchFamily="34" charset="-128"/>
+                <a:cs typeface="Courier New" panose="02070309020205020404" pitchFamily="49" charset="0"/>
+              </a:rPr>
+              <a:t>nginx</a:t>
+            </a:r>
+            <a:r>
+              <a:rPr lang="en-US" sz="1200" kern="0" dirty="0">
+                <a:solidFill>
+                  <a:schemeClr val="bg1"/>
+                </a:solidFill>
+                <a:latin typeface="Arial monospaced for SAP" panose="020B0609020202030204" pitchFamily="49" charset="0"/>
+                <a:ea typeface="Arial Unicode MS" pitchFamily="34" charset="-128"/>
+                <a:cs typeface="Courier New" panose="02070309020205020404" pitchFamily="49" charset="0"/>
+              </a:rPr>
+              <a:t> -g ..."   7 days ago   Up 24 hours   0.0.0.0:32768-&gt;812/</a:t>
+            </a:r>
+            <a:r>
+              <a:rPr lang="en-US" sz="1200" kern="0" dirty="0" err="1">
+                <a:solidFill>
+                  <a:schemeClr val="bg1"/>
+                </a:solidFill>
+                <a:latin typeface="Arial monospaced for SAP" panose="020B0609020202030204" pitchFamily="49" charset="0"/>
+                <a:ea typeface="Arial Unicode MS" pitchFamily="34" charset="-128"/>
+                <a:cs typeface="Courier New" panose="02070309020205020404" pitchFamily="49" charset="0"/>
+              </a:rPr>
+              <a:t>tcp</a:t>
+            </a:r>
+            <a:r>
+              <a:rPr lang="en-US" sz="1200" kern="0" dirty="0">
+                <a:solidFill>
+                  <a:schemeClr val="bg1"/>
+                </a:solidFill>
+                <a:latin typeface="Arial monospaced for SAP" panose="020B0609020202030204" pitchFamily="49" charset="0"/>
+                <a:ea typeface="Arial Unicode MS" pitchFamily="34" charset="-128"/>
+                <a:cs typeface="Courier New" panose="02070309020205020404" pitchFamily="49" charset="0"/>
+              </a:rPr>
+              <a:t>   </a:t>
+            </a:r>
+            <a:r>
+              <a:rPr lang="en-US" sz="1200" kern="0" dirty="0" err="1">
+                <a:solidFill>
+                  <a:schemeClr val="bg1"/>
+                </a:solidFill>
+                <a:latin typeface="Arial monospaced for SAP" panose="020B0609020202030204" pitchFamily="49" charset="0"/>
+                <a:ea typeface="Arial Unicode MS" pitchFamily="34" charset="-128"/>
+                <a:cs typeface="Courier New" panose="02070309020205020404" pitchFamily="49" charset="0"/>
+              </a:rPr>
+              <a:t>happy_ride</a:t>
+            </a:r>
+            <a:endParaRPr lang="en-US" sz="1200" kern="0" dirty="0">
+              <a:solidFill>
+                <a:schemeClr val="bg1"/>
+              </a:solidFill>
+              <a:latin typeface="Arial monospaced for SAP" panose="020B0609020202030204" pitchFamily="49" charset="0"/>
+              <a:ea typeface="Arial Unicode MS" pitchFamily="34" charset="-128"/>
+              <a:cs typeface="Courier New" panose="02070309020205020404" pitchFamily="49" charset="0"/>
+            </a:endParaRPr>
           </a:p>
           <a:p>
             <a:pPr defTabSz="914400" fontAlgn="base">
@@ -19536,7 +18358,7 @@
                 <a:ea typeface="Arial Unicode MS" pitchFamily="34" charset="-128"/>
                 <a:cs typeface="Courier New" panose="02070309020205020404" pitchFamily="49" charset="0"/>
               </a:rPr>
-              <a:t> </a:t>
+              <a:t> stop -t 5 </a:t>
             </a:r>
             <a:r>
               <a:rPr lang="en-US" sz="1200" b="1" kern="0" dirty="0" err="1">
@@ -19547,19 +18369,16 @@
                 <a:ea typeface="Arial Unicode MS" pitchFamily="34" charset="-128"/>
                 <a:cs typeface="Courier New" panose="02070309020205020404" pitchFamily="49" charset="0"/>
               </a:rPr>
-              <a:t>ps</a:t>
-            </a:r>
-            <a:r>
-              <a:rPr lang="en-US" sz="1200" b="1" kern="0" dirty="0">
-                <a:solidFill>
-                  <a:schemeClr val="bg1"/>
-                </a:solidFill>
-                <a:latin typeface="Courier New" panose="02070309020205020404" pitchFamily="49" charset="0"/>
-                <a:ea typeface="Arial Unicode MS" pitchFamily="34" charset="-128"/>
-                <a:cs typeface="Courier New" panose="02070309020205020404" pitchFamily="49" charset="0"/>
-              </a:rPr>
-              <a:t> -a</a:t>
-            </a:r>
+              <a:t>happy_ride</a:t>
+            </a:r>
+            <a:endParaRPr lang="en-US" sz="1200" b="1" kern="0" dirty="0">
+              <a:solidFill>
+                <a:schemeClr val="bg1"/>
+              </a:solidFill>
+              <a:latin typeface="Courier New" panose="02070309020205020404" pitchFamily="49" charset="0"/>
+              <a:ea typeface="Arial Unicode MS" pitchFamily="34" charset="-128"/>
+              <a:cs typeface="Courier New" panose="02070309020205020404" pitchFamily="49" charset="0"/>
+            </a:endParaRPr>
           </a:p>
           <a:p>
             <a:pPr defTabSz="914400" fontAlgn="base">
@@ -19580,93 +18399,8 @@
                 <a:ea typeface="Arial Unicode MS" pitchFamily="34" charset="-128"/>
                 <a:cs typeface="Courier New" panose="02070309020205020404" pitchFamily="49" charset="0"/>
               </a:rPr>
-              <a:t>CONTAINER ID     IMAGE      COMMAND    CREATED             STATUS                        PORTS     NAMES</a:t>
-            </a:r>
-          </a:p>
-          <a:p>
-            <a:pPr defTabSz="914400" fontAlgn="base">
-              <a:spcAft>
-                <a:spcPct val="0"/>
-              </a:spcAft>
-              <a:buClr>
-                <a:srgbClr val="F0AB00"/>
-              </a:buClr>
-              <a:buSzPct val="80000"/>
-            </a:pPr>
-            <a:r>
-              <a:rPr lang="en-US" sz="1200" kern="0" dirty="0">
-                <a:solidFill>
-                  <a:schemeClr val="bg1"/>
-                </a:solidFill>
-                <a:latin typeface="Arial monospaced for SAP" panose="020B0609020202030204" pitchFamily="49" charset="0"/>
-                <a:ea typeface="Arial Unicode MS" pitchFamily="34" charset="-128"/>
-                <a:cs typeface="Courier New" panose="02070309020205020404" pitchFamily="49" charset="0"/>
-              </a:rPr>
-              <a:t>033d3a22e8c8     </a:t>
-            </a:r>
-            <a:r>
-              <a:rPr lang="en-US" sz="1200" kern="0" dirty="0" err="1">
-                <a:solidFill>
-                  <a:schemeClr val="bg1"/>
-                </a:solidFill>
-                <a:latin typeface="Arial monospaced for SAP" panose="020B0609020202030204" pitchFamily="49" charset="0"/>
-                <a:ea typeface="Arial Unicode MS" pitchFamily="34" charset="-128"/>
-                <a:cs typeface="Courier New" panose="02070309020205020404" pitchFamily="49" charset="0"/>
-              </a:rPr>
-              <a:t>busybox</a:t>
-            </a:r>
-            <a:r>
-              <a:rPr lang="en-US" sz="1200" kern="0" dirty="0">
-                <a:solidFill>
-                  <a:schemeClr val="bg1"/>
-                </a:solidFill>
-                <a:latin typeface="Arial monospaced for SAP" panose="020B0609020202030204" pitchFamily="49" charset="0"/>
-                <a:ea typeface="Arial Unicode MS" pitchFamily="34" charset="-128"/>
-                <a:cs typeface="Courier New" panose="02070309020205020404" pitchFamily="49" charset="0"/>
-              </a:rPr>
-              <a:t>    "</a:t>
-            </a:r>
-            <a:r>
-              <a:rPr lang="en-US" sz="1200" kern="0" dirty="0" err="1">
-                <a:solidFill>
-                  <a:schemeClr val="bg1"/>
-                </a:solidFill>
-                <a:latin typeface="Arial monospaced for SAP" panose="020B0609020202030204" pitchFamily="49" charset="0"/>
-                <a:ea typeface="Arial Unicode MS" pitchFamily="34" charset="-128"/>
-                <a:cs typeface="Courier New" panose="02070309020205020404" pitchFamily="49" charset="0"/>
-              </a:rPr>
-              <a:t>sh</a:t>
-            </a:r>
-            <a:r>
-              <a:rPr lang="en-US" sz="1200" kern="0" dirty="0">
-                <a:solidFill>
-                  <a:schemeClr val="bg1"/>
-                </a:solidFill>
-                <a:latin typeface="Arial monospaced for SAP" panose="020B0609020202030204" pitchFamily="49" charset="0"/>
-                <a:ea typeface="Arial Unicode MS" pitchFamily="34" charset="-128"/>
-                <a:cs typeface="Courier New" panose="02070309020205020404" pitchFamily="49" charset="0"/>
-              </a:rPr>
-              <a:t>"       15 seconds ago      Exited (0) 13 seconds ago               </a:t>
-            </a:r>
-            <a:r>
-              <a:rPr lang="en-US" sz="1200" kern="0" dirty="0" err="1">
-                <a:solidFill>
-                  <a:schemeClr val="bg1"/>
-                </a:solidFill>
-                <a:latin typeface="Arial monospaced for SAP" panose="020B0609020202030204" pitchFamily="49" charset="0"/>
-                <a:ea typeface="Arial Unicode MS" pitchFamily="34" charset="-128"/>
-                <a:cs typeface="Courier New" panose="02070309020205020404" pitchFamily="49" charset="0"/>
-              </a:rPr>
-              <a:t>manic_wright</a:t>
-            </a:r>
-            <a:endParaRPr lang="en-US" sz="1200" kern="0" dirty="0">
-              <a:solidFill>
-                <a:schemeClr val="bg1"/>
-              </a:solidFill>
-              <a:latin typeface="Arial monospaced for SAP" panose="020B0609020202030204" pitchFamily="49" charset="0"/>
-              <a:ea typeface="Arial Unicode MS" pitchFamily="34" charset="-128"/>
-              <a:cs typeface="Courier New" panose="02070309020205020404" pitchFamily="49" charset="0"/>
-            </a:endParaRPr>
+              <a:t>494b7b8c9f39</a:t>
+            </a:r>
           </a:p>
           <a:p>
             <a:pPr defTabSz="914400" fontAlgn="base">
@@ -19728,7 +18462,7 @@
                 <a:ea typeface="Arial Unicode MS" pitchFamily="34" charset="-128"/>
                 <a:cs typeface="Courier New" panose="02070309020205020404" pitchFamily="49" charset="0"/>
               </a:rPr>
-              <a:t> start -</a:t>
+              <a:t> </a:t>
             </a:r>
             <a:r>
               <a:rPr lang="en-US" sz="1200" b="1" kern="0" dirty="0" err="1">
@@ -19739,19 +18473,16 @@
                 <a:ea typeface="Arial Unicode MS" pitchFamily="34" charset="-128"/>
                 <a:cs typeface="Courier New" panose="02070309020205020404" pitchFamily="49" charset="0"/>
               </a:rPr>
-              <a:t>i</a:t>
-            </a:r>
-            <a:r>
-              <a:rPr lang="en-US" sz="1200" b="1" kern="0" dirty="0">
-                <a:solidFill>
-                  <a:schemeClr val="bg1"/>
-                </a:solidFill>
-                <a:latin typeface="Courier New" panose="02070309020205020404" pitchFamily="49" charset="0"/>
-                <a:ea typeface="Arial Unicode MS" pitchFamily="34" charset="-128"/>
-                <a:cs typeface="Courier New" panose="02070309020205020404" pitchFamily="49" charset="0"/>
-              </a:rPr>
-              <a:t>  033d3a22e8c8</a:t>
-            </a:r>
+              <a:t>ps</a:t>
+            </a:r>
+            <a:endParaRPr lang="en-US" sz="1200" b="1" kern="0" dirty="0">
+              <a:solidFill>
+                <a:schemeClr val="bg1"/>
+              </a:solidFill>
+              <a:latin typeface="Courier New" panose="02070309020205020404" pitchFamily="49" charset="0"/>
+              <a:ea typeface="Arial Unicode MS" pitchFamily="34" charset="-128"/>
+              <a:cs typeface="Courier New" panose="02070309020205020404" pitchFamily="49" charset="0"/>
+            </a:endParaRPr>
           </a:p>
           <a:p>
             <a:pPr defTabSz="914400" fontAlgn="base">
@@ -19772,7 +18503,7 @@
                 <a:ea typeface="Arial Unicode MS" pitchFamily="34" charset="-128"/>
                 <a:cs typeface="Courier New" panose="02070309020205020404" pitchFamily="49" charset="0"/>
               </a:rPr>
-              <a:t>/ # ls</a:t>
+              <a:t>CONTAINER ID    IMAGE       COMMAND          CREATED      STATUS        PORTS                    NAMES</a:t>
             </a:r>
           </a:p>
           <a:p>
@@ -19785,94 +18516,6 @@
               </a:buClr>
               <a:buSzPct val="80000"/>
             </a:pPr>
-            <a:r>
-              <a:rPr lang="en-US" sz="1200" kern="0" dirty="0">
-                <a:solidFill>
-                  <a:schemeClr val="bg1"/>
-                </a:solidFill>
-                <a:latin typeface="Arial monospaced for SAP" panose="020B0609020202030204" pitchFamily="49" charset="0"/>
-                <a:ea typeface="Arial Unicode MS" pitchFamily="34" charset="-128"/>
-                <a:cs typeface="Courier New" panose="02070309020205020404" pitchFamily="49" charset="0"/>
-              </a:rPr>
-              <a:t>bin   dev   </a:t>
-            </a:r>
-            <a:r>
-              <a:rPr lang="en-US" sz="1200" kern="0" dirty="0" err="1">
-                <a:solidFill>
-                  <a:schemeClr val="bg1"/>
-                </a:solidFill>
-                <a:latin typeface="Arial monospaced for SAP" panose="020B0609020202030204" pitchFamily="49" charset="0"/>
-                <a:ea typeface="Arial Unicode MS" pitchFamily="34" charset="-128"/>
-                <a:cs typeface="Courier New" panose="02070309020205020404" pitchFamily="49" charset="0"/>
-              </a:rPr>
-              <a:t>etc</a:t>
-            </a:r>
-            <a:r>
-              <a:rPr lang="en-US" sz="1200" kern="0" dirty="0">
-                <a:solidFill>
-                  <a:schemeClr val="bg1"/>
-                </a:solidFill>
-                <a:latin typeface="Arial monospaced for SAP" panose="020B0609020202030204" pitchFamily="49" charset="0"/>
-                <a:ea typeface="Arial Unicode MS" pitchFamily="34" charset="-128"/>
-                <a:cs typeface="Courier New" panose="02070309020205020404" pitchFamily="49" charset="0"/>
-              </a:rPr>
-              <a:t>   home  proc  root  run   sys   </a:t>
-            </a:r>
-            <a:r>
-              <a:rPr lang="en-US" sz="1200" kern="0" dirty="0" err="1">
-                <a:solidFill>
-                  <a:schemeClr val="bg1"/>
-                </a:solidFill>
-                <a:latin typeface="Arial monospaced for SAP" panose="020B0609020202030204" pitchFamily="49" charset="0"/>
-                <a:ea typeface="Arial Unicode MS" pitchFamily="34" charset="-128"/>
-                <a:cs typeface="Courier New" panose="02070309020205020404" pitchFamily="49" charset="0"/>
-              </a:rPr>
-              <a:t>tmp</a:t>
-            </a:r>
-            <a:r>
-              <a:rPr lang="en-US" sz="1200" kern="0" dirty="0">
-                <a:solidFill>
-                  <a:schemeClr val="bg1"/>
-                </a:solidFill>
-                <a:latin typeface="Arial monospaced for SAP" panose="020B0609020202030204" pitchFamily="49" charset="0"/>
-                <a:ea typeface="Arial Unicode MS" pitchFamily="34" charset="-128"/>
-                <a:cs typeface="Courier New" panose="02070309020205020404" pitchFamily="49" charset="0"/>
-              </a:rPr>
-              <a:t>   </a:t>
-            </a:r>
-            <a:r>
-              <a:rPr lang="en-US" sz="1200" kern="0" dirty="0" err="1">
-                <a:solidFill>
-                  <a:schemeClr val="bg1"/>
-                </a:solidFill>
-                <a:latin typeface="Arial monospaced for SAP" panose="020B0609020202030204" pitchFamily="49" charset="0"/>
-                <a:ea typeface="Arial Unicode MS" pitchFamily="34" charset="-128"/>
-                <a:cs typeface="Courier New" panose="02070309020205020404" pitchFamily="49" charset="0"/>
-              </a:rPr>
-              <a:t>usr</a:t>
-            </a:r>
-            <a:r>
-              <a:rPr lang="en-US" sz="1200" kern="0" dirty="0">
-                <a:solidFill>
-                  <a:schemeClr val="bg1"/>
-                </a:solidFill>
-                <a:latin typeface="Arial monospaced for SAP" panose="020B0609020202030204" pitchFamily="49" charset="0"/>
-                <a:ea typeface="Arial Unicode MS" pitchFamily="34" charset="-128"/>
-                <a:cs typeface="Courier New" panose="02070309020205020404" pitchFamily="49" charset="0"/>
-              </a:rPr>
-              <a:t>   </a:t>
-            </a:r>
-            <a:r>
-              <a:rPr lang="en-US" sz="1200" kern="0" dirty="0" err="1">
-                <a:solidFill>
-                  <a:schemeClr val="bg1"/>
-                </a:solidFill>
-                <a:latin typeface="Arial monospaced for SAP" panose="020B0609020202030204" pitchFamily="49" charset="0"/>
-                <a:ea typeface="Arial Unicode MS" pitchFamily="34" charset="-128"/>
-                <a:cs typeface="Courier New" panose="02070309020205020404" pitchFamily="49" charset="0"/>
-              </a:rPr>
-              <a:t>var</a:t>
-            </a:r>
             <a:endParaRPr lang="en-US" sz="1200" kern="0" dirty="0">
               <a:solidFill>
                 <a:schemeClr val="bg1"/>
@@ -19893,15 +18536,15 @@
               <a:buSzPct val="80000"/>
             </a:pPr>
             <a:r>
-              <a:rPr lang="en-US" sz="1200" kern="0" dirty="0">
+              <a:rPr lang="en-US" sz="1200" b="1" kern="0" dirty="0">
                 <a:solidFill>
                   <a:schemeClr val="bg1"/>
                 </a:solidFill>
-                <a:latin typeface="Arial monospaced for SAP" panose="020B0609020202030204" pitchFamily="49" charset="0"/>
-                <a:ea typeface="Arial Unicode MS" pitchFamily="34" charset="-128"/>
-                <a:cs typeface="Courier New" panose="02070309020205020404" pitchFamily="49" charset="0"/>
-              </a:rPr>
-              <a:t>/ # exit</a:t>
+                <a:latin typeface="Courier New" panose="02070309020205020404" pitchFamily="49" charset="0"/>
+                <a:ea typeface="Arial Unicode MS" pitchFamily="34" charset="-128"/>
+                <a:cs typeface="Courier New" panose="02070309020205020404" pitchFamily="49" charset="0"/>
+              </a:rPr>
+              <a:t>$</a:t>
             </a:r>
           </a:p>
         </p:txBody>
@@ -19909,7 +18552,7 @@
     </p:spTree>
     <p:extLst>
       <p:ext uri="{BB962C8B-B14F-4D97-AF65-F5344CB8AC3E}">
-        <p14:creationId xmlns:p14="http://schemas.microsoft.com/office/powerpoint/2010/main" val="501251986"/>
+        <p14:creationId xmlns:p14="http://schemas.microsoft.com/office/powerpoint/2010/main" val="3959768445"/>
       </p:ext>
     </p:extLst>
   </p:cSld>

--- a/docker/03_Working_with_containers.pptx
+++ b/docker/03_Working_with_containers.pptx
@@ -5,29 +5,30 @@
     <p:sldMasterId id="2147483733" r:id="rId1"/>
   </p:sldMasterIdLst>
   <p:notesMasterIdLst>
-    <p:notesMasterId r:id="rId19"/>
+    <p:notesMasterId r:id="rId20"/>
   </p:notesMasterIdLst>
   <p:handoutMasterIdLst>
-    <p:handoutMasterId r:id="rId20"/>
+    <p:handoutMasterId r:id="rId21"/>
   </p:handoutMasterIdLst>
   <p:sldIdLst>
     <p:sldId id="435" r:id="rId2"/>
     <p:sldId id="434" r:id="rId3"/>
     <p:sldId id="437" r:id="rId4"/>
     <p:sldId id="439" r:id="rId5"/>
-    <p:sldId id="440" r:id="rId6"/>
-    <p:sldId id="450" r:id="rId7"/>
-    <p:sldId id="441" r:id="rId8"/>
-    <p:sldId id="444" r:id="rId9"/>
-    <p:sldId id="445" r:id="rId10"/>
-    <p:sldId id="443" r:id="rId11"/>
-    <p:sldId id="449" r:id="rId12"/>
-    <p:sldId id="436" r:id="rId13"/>
-    <p:sldId id="438" r:id="rId14"/>
-    <p:sldId id="446" r:id="rId15"/>
-    <p:sldId id="447" r:id="rId16"/>
-    <p:sldId id="448" r:id="rId17"/>
-    <p:sldId id="265" r:id="rId18"/>
+    <p:sldId id="451" r:id="rId6"/>
+    <p:sldId id="440" r:id="rId7"/>
+    <p:sldId id="450" r:id="rId8"/>
+    <p:sldId id="441" r:id="rId9"/>
+    <p:sldId id="444" r:id="rId10"/>
+    <p:sldId id="445" r:id="rId11"/>
+    <p:sldId id="443" r:id="rId12"/>
+    <p:sldId id="449" r:id="rId13"/>
+    <p:sldId id="436" r:id="rId14"/>
+    <p:sldId id="438" r:id="rId15"/>
+    <p:sldId id="446" r:id="rId16"/>
+    <p:sldId id="447" r:id="rId17"/>
+    <p:sldId id="448" r:id="rId18"/>
+    <p:sldId id="265" r:id="rId19"/>
   </p:sldIdLst>
   <p:sldSz cx="12195175" cy="6858000"/>
   <p:notesSz cx="6858000" cy="9144000"/>
@@ -203,6 +204,10 @@
 </p:presentation>
 </file>
 
+<file path=ppt/revisionInfo.xml><?xml version="1.0" encoding="utf-8"?>
+<p1510:revInfo xmlns:a="http://schemas.openxmlformats.org/drawingml/2006/main" xmlns:r="http://schemas.openxmlformats.org/officeDocument/2006/relationships" xmlns:p1510="http://schemas.microsoft.com/office/powerpoint/2015/10/main"/>
+</file>
+
 <file path=ppt/handoutMasters/handoutMaster1.xml><?xml version="1.0" encoding="utf-8"?>
 <p:handoutMaster xmlns:a="http://schemas.openxmlformats.org/drawingml/2006/main" xmlns:r="http://schemas.openxmlformats.org/officeDocument/2006/relationships" xmlns:p="http://schemas.openxmlformats.org/presentationml/2006/main">
   <p:cSld>
@@ -576,114 +581,35 @@
           <a:lstStyle/>
           <a:p>
             <a:r>
-              <a:rPr lang="de-DE" dirty="0" err="1"/>
-              <a:t>truncated</a:t>
-            </a:r>
-            <a:r>
-              <a:rPr lang="de-DE" dirty="0"/>
-              <a:t>: </a:t>
-            </a:r>
-            <a:r>
-              <a:rPr lang="de-DE" dirty="0" err="1"/>
-              <a:t>the</a:t>
-            </a:r>
-            <a:r>
-              <a:rPr lang="de-DE" baseline="0" dirty="0"/>
-              <a:t> UUID </a:t>
-            </a:r>
-            <a:r>
-              <a:rPr lang="de-DE" baseline="0" dirty="0" err="1"/>
-              <a:t>has</a:t>
-            </a:r>
-            <a:r>
-              <a:rPr lang="de-DE" baseline="0" dirty="0"/>
-              <a:t> 64 </a:t>
-            </a:r>
-            <a:r>
-              <a:rPr lang="de-DE" baseline="0" dirty="0" err="1"/>
-              <a:t>digits</a:t>
-            </a:r>
-            <a:r>
-              <a:rPr lang="de-DE" baseline="0" dirty="0"/>
-              <a:t> but </a:t>
-            </a:r>
-            <a:r>
-              <a:rPr lang="de-DE" baseline="0" dirty="0" err="1"/>
-              <a:t>is</a:t>
-            </a:r>
-            <a:r>
-              <a:rPr lang="de-DE" baseline="0" dirty="0"/>
-              <a:t> </a:t>
-            </a:r>
-            <a:r>
-              <a:rPr lang="de-DE" baseline="0" dirty="0" err="1"/>
-              <a:t>truncated</a:t>
-            </a:r>
-            <a:r>
-              <a:rPr lang="de-DE" baseline="0" dirty="0"/>
-              <a:t> </a:t>
-            </a:r>
-            <a:r>
-              <a:rPr lang="de-DE" baseline="0" dirty="0" err="1"/>
-              <a:t>to</a:t>
-            </a:r>
-            <a:r>
-              <a:rPr lang="de-DE" baseline="0" dirty="0"/>
-              <a:t> just 12 </a:t>
-            </a:r>
-            <a:r>
-              <a:rPr lang="de-DE" baseline="0" dirty="0" err="1"/>
-              <a:t>digits</a:t>
-            </a:r>
-            <a:r>
-              <a:rPr lang="de-DE" baseline="0" dirty="0"/>
-              <a:t>, </a:t>
-            </a:r>
-            <a:r>
-              <a:rPr lang="de-DE" baseline="0" dirty="0" err="1"/>
-              <a:t>use</a:t>
-            </a:r>
-            <a:r>
-              <a:rPr lang="de-DE" baseline="0" dirty="0"/>
-              <a:t> --</a:t>
-            </a:r>
-            <a:r>
-              <a:rPr lang="de-DE" baseline="0" dirty="0" err="1"/>
-              <a:t>no-trunc</a:t>
-            </a:r>
-            <a:r>
-              <a:rPr lang="de-DE" baseline="0" dirty="0"/>
-              <a:t> </a:t>
-            </a:r>
-            <a:r>
-              <a:rPr lang="de-DE" baseline="0" dirty="0" err="1"/>
-              <a:t>to</a:t>
-            </a:r>
-            <a:r>
-              <a:rPr lang="de-DE" baseline="0" dirty="0"/>
-              <a:t> </a:t>
-            </a:r>
-            <a:r>
-              <a:rPr lang="de-DE" baseline="0" dirty="0" err="1"/>
-              <a:t>see</a:t>
-            </a:r>
-            <a:r>
-              <a:rPr lang="de-DE" baseline="0" dirty="0"/>
-              <a:t> all </a:t>
-            </a:r>
-            <a:r>
-              <a:rPr lang="de-DE" baseline="0" dirty="0" err="1"/>
-              <a:t>of</a:t>
-            </a:r>
-            <a:r>
-              <a:rPr lang="de-DE" baseline="0" dirty="0"/>
-              <a:t> </a:t>
-            </a:r>
-            <a:r>
-              <a:rPr lang="de-DE" baseline="0" dirty="0" err="1"/>
-              <a:t>them</a:t>
-            </a:r>
-            <a:endParaRPr lang="de-DE" dirty="0"/>
+              <a:rPr lang="en-US" dirty="0"/>
+              <a:t>When talking about a “container”, we are referring to the combination of read-only layers from the image and a read-write layer on top of it. You can derive an indefinitely number of containers from the same image. They only vary by the read-write layer on top.</a:t>
+            </a:r>
+          </a:p>
+          <a:p>
+            <a:r>
+              <a:rPr lang="en-US" dirty="0"/>
+              <a:t>The container lifecycle illustrates, what happens to this read-write layer. With “docker create” you tell docker to create such a read-write layer. With “docker start” you bring it to life, meaning a process with ID 1 is started. The “run” command combines “create” &amp; “start”.</a:t>
+            </a:r>
+          </a:p>
+          <a:p>
+            <a:r>
+              <a:rPr lang="en-US" dirty="0"/>
+              <a:t>Once you have the read-write layer everything that happens inside the container is stored there. You can “stop” the container (killing PID 1) and re-start it. Since all these operations happen on the same read-write layer, everything you did when the container ran, is still present. </a:t>
+            </a:r>
+          </a:p>
+          <a:p>
+            <a:r>
+              <a:rPr lang="en-US" dirty="0"/>
+              <a:t>But if you “</a:t>
+            </a:r>
+            <a:r>
+              <a:rPr lang="en-US" dirty="0" err="1"/>
+              <a:t>rm</a:t>
+            </a:r>
+            <a:r>
+              <a:rPr lang="en-US" dirty="0"/>
+              <a:t>” the read-write layer everything is gone irretrievable. </a:t>
+            </a:r>
           </a:p>
         </p:txBody>
       </p:sp>
@@ -705,7 +631,7 @@
             <a:fld id="{7D8C2C35-2B8A-446E-BEC0-FD36716C29AC}" type="slidenum">
               <a:rPr lang="de-DE" smtClean="0"/>
               <a:pPr/>
-              <a:t>6</a:t>
+              <a:t>3</a:t>
             </a:fld>
             <a:endParaRPr lang="de-DE" dirty="0"/>
           </a:p>
@@ -714,7 +640,7 @@
     </p:spTree>
     <p:extLst>
       <p:ext uri="{BB962C8B-B14F-4D97-AF65-F5344CB8AC3E}">
-        <p14:creationId xmlns:p14="http://schemas.microsoft.com/office/powerpoint/2010/main" val="3835776146"/>
+        <p14:creationId xmlns:p14="http://schemas.microsoft.com/office/powerpoint/2010/main" val="1174518122"/>
       </p:ext>
     </p:extLst>
   </p:cSld>
@@ -768,7 +694,104 @@
           <a:bodyPr/>
           <a:lstStyle/>
           <a:p>
-            <a:endParaRPr lang="de-DE" dirty="0"/>
+            <a:r>
+              <a:rPr lang="en-US" dirty="0"/>
+              <a:t>Firstly, lets take a look at how terminals used to work. The standard input stream (stdin) is used to send input to the process. The standard output and error streams send the output to a terminal to display (as text). </a:t>
+            </a:r>
+          </a:p>
+          <a:p>
+            <a:endParaRPr lang="en-US" dirty="0"/>
+          </a:p>
+          <a:p>
+            <a:r>
+              <a:rPr lang="en-US" dirty="0"/>
+              <a:t>Docker allows to use stdin interactively and receive the results via </a:t>
+            </a:r>
+            <a:r>
+              <a:rPr lang="en-US" dirty="0" err="1"/>
+              <a:t>stdout</a:t>
+            </a:r>
+            <a:r>
+              <a:rPr lang="en-US" dirty="0"/>
+              <a:t>/stderr. To keep stdin open, the –</a:t>
+            </a:r>
+            <a:r>
+              <a:rPr lang="en-US" dirty="0" err="1"/>
+              <a:t>i</a:t>
+            </a:r>
+            <a:r>
+              <a:rPr lang="en-US" dirty="0"/>
+              <a:t> flag is required (interactive). To capture the output accordingly a pseudo-</a:t>
+            </a:r>
+            <a:r>
+              <a:rPr lang="en-US" dirty="0" err="1"/>
+              <a:t>tty</a:t>
+            </a:r>
+            <a:r>
+              <a:rPr lang="en-US" dirty="0"/>
+              <a:t> is required. Use –t to allocate it. Try to run “docker -</a:t>
+            </a:r>
+            <a:r>
+              <a:rPr lang="en-US" dirty="0" err="1"/>
+              <a:t>i</a:t>
+            </a:r>
+            <a:r>
+              <a:rPr lang="en-US" dirty="0"/>
+              <a:t> ubuntu:18.04” – you will be able to type (something like “exit”) but you don’t see the output. Try the same again, but add a “-t”. You will be able to type &amp; see what happens.</a:t>
+            </a:r>
+          </a:p>
+          <a:p>
+            <a:r>
+              <a:rPr lang="en-US" dirty="0"/>
+              <a:t>Use the combination of interactive and </a:t>
+            </a:r>
+            <a:r>
+              <a:rPr lang="en-US" dirty="0" err="1"/>
+              <a:t>tty</a:t>
+            </a:r>
+            <a:r>
+              <a:rPr lang="en-US" dirty="0"/>
+              <a:t> (combine to –it) when you start a shell or anything else that requires input.</a:t>
+            </a:r>
+          </a:p>
+          <a:p>
+            <a:endParaRPr lang="en-US" dirty="0"/>
+          </a:p>
+          <a:p>
+            <a:r>
+              <a:rPr lang="en-US" dirty="0"/>
+              <a:t>Docker also allows to start containers in background (similar to a </a:t>
+            </a:r>
+            <a:r>
+              <a:rPr lang="en-US" dirty="0" err="1"/>
+              <a:t>linux</a:t>
+            </a:r>
+            <a:r>
+              <a:rPr lang="en-US" dirty="0"/>
+              <a:t> process started in background). No output will be sent to the user but captured for logging (check the container logs, if there are any). Use the –d switch to run the process in background and check with “docker </a:t>
+            </a:r>
+            <a:r>
+              <a:rPr lang="en-US" dirty="0" err="1"/>
+              <a:t>ps</a:t>
+            </a:r>
+            <a:r>
+              <a:rPr lang="en-US" dirty="0"/>
+              <a:t>”. </a:t>
+            </a:r>
+          </a:p>
+          <a:p>
+            <a:r>
+              <a:rPr lang="en-US" dirty="0"/>
+              <a:t>Use the detached mode to run daemons or applications that have a control loop like a </a:t>
+            </a:r>
+            <a:r>
+              <a:rPr lang="en-US" dirty="0" err="1"/>
+              <a:t>websever</a:t>
+            </a:r>
+            <a:r>
+              <a:rPr lang="en-US" dirty="0"/>
+              <a:t>.</a:t>
+            </a:r>
           </a:p>
         </p:txBody>
       </p:sp>
@@ -790,7 +813,7 @@
             <a:fld id="{7D8C2C35-2B8A-446E-BEC0-FD36716C29AC}" type="slidenum">
               <a:rPr lang="de-DE" smtClean="0"/>
               <a:pPr/>
-              <a:t>12</a:t>
+              <a:t>5</a:t>
             </a:fld>
             <a:endParaRPr lang="de-DE" dirty="0"/>
           </a:p>
@@ -799,7 +822,7 @@
     </p:spTree>
     <p:extLst>
       <p:ext uri="{BB962C8B-B14F-4D97-AF65-F5344CB8AC3E}">
-        <p14:creationId xmlns:p14="http://schemas.microsoft.com/office/powerpoint/2010/main" val="2439948182"/>
+        <p14:creationId xmlns:p14="http://schemas.microsoft.com/office/powerpoint/2010/main" val="905710127"/>
       </p:ext>
     </p:extLst>
   </p:cSld>
@@ -853,7 +876,225 @@
           <a:bodyPr/>
           <a:lstStyle/>
           <a:p>
+            <a:pPr marL="0" marR="0" lvl="0" indent="0" algn="l" defTabSz="1088776" rtl="0" eaLnBrk="1" fontAlgn="auto" latinLnBrk="0" hangingPunct="1">
+              <a:lnSpc>
+                <a:spcPct val="100000"/>
+              </a:lnSpc>
+              <a:spcBef>
+                <a:spcPts val="0"/>
+              </a:spcBef>
+              <a:spcAft>
+                <a:spcPts val="0"/>
+              </a:spcAft>
+              <a:buClrTx/>
+              <a:buSzTx/>
+              <a:buFontTx/>
+              <a:buNone/>
+              <a:tabLst/>
+              <a:defRPr/>
+            </a:pPr>
+            <a:r>
+              <a:rPr lang="de-DE" baseline="0" dirty="0"/>
+              <a:t>The </a:t>
+            </a:r>
+            <a:r>
+              <a:rPr lang="de-DE" baseline="0" dirty="0" err="1"/>
+              <a:t>container</a:t>
+            </a:r>
+            <a:r>
+              <a:rPr lang="de-DE" baseline="0" dirty="0"/>
+              <a:t> IDs </a:t>
+            </a:r>
+            <a:r>
+              <a:rPr lang="de-DE" baseline="0" dirty="0" err="1"/>
+              <a:t>reference</a:t>
+            </a:r>
+            <a:r>
+              <a:rPr lang="de-DE" baseline="0" dirty="0"/>
+              <a:t> </a:t>
+            </a:r>
+            <a:r>
+              <a:rPr lang="de-DE" baseline="0" dirty="0" err="1"/>
+              <a:t>the</a:t>
+            </a:r>
+            <a:r>
+              <a:rPr lang="de-DE" baseline="0" dirty="0"/>
+              <a:t> </a:t>
+            </a:r>
+            <a:r>
+              <a:rPr lang="de-DE" baseline="0" dirty="0" err="1"/>
+              <a:t>read-write</a:t>
+            </a:r>
+            <a:r>
+              <a:rPr lang="de-DE" baseline="0" dirty="0"/>
+              <a:t> </a:t>
+            </a:r>
+            <a:r>
+              <a:rPr lang="de-DE" baseline="0" dirty="0" err="1"/>
+              <a:t>layer</a:t>
+            </a:r>
+            <a:r>
+              <a:rPr lang="de-DE" baseline="0" dirty="0"/>
+              <a:t> on top </a:t>
+            </a:r>
+            <a:r>
+              <a:rPr lang="de-DE" baseline="0" dirty="0" err="1"/>
+              <a:t>of</a:t>
+            </a:r>
+            <a:r>
+              <a:rPr lang="de-DE" baseline="0" dirty="0"/>
+              <a:t> </a:t>
+            </a:r>
+            <a:r>
+              <a:rPr lang="de-DE" baseline="0" dirty="0" err="1"/>
+              <a:t>the</a:t>
+            </a:r>
+            <a:r>
+              <a:rPr lang="de-DE" baseline="0" dirty="0"/>
+              <a:t> </a:t>
+            </a:r>
+            <a:r>
+              <a:rPr lang="de-DE" baseline="0" dirty="0" err="1"/>
+              <a:t>immutable</a:t>
+            </a:r>
+            <a:r>
+              <a:rPr lang="de-DE" baseline="0" dirty="0"/>
+              <a:t> </a:t>
+            </a:r>
+            <a:r>
+              <a:rPr lang="de-DE" baseline="0" dirty="0" err="1"/>
+              <a:t>read-only</a:t>
+            </a:r>
+            <a:r>
+              <a:rPr lang="de-DE" baseline="0" dirty="0"/>
+              <a:t> </a:t>
+            </a:r>
+            <a:r>
+              <a:rPr lang="de-DE" baseline="0" dirty="0" err="1"/>
+              <a:t>image</a:t>
+            </a:r>
+            <a:r>
+              <a:rPr lang="de-DE" baseline="0" dirty="0"/>
+              <a:t> </a:t>
+            </a:r>
+            <a:r>
+              <a:rPr lang="de-DE" baseline="0" dirty="0" err="1"/>
+              <a:t>layers</a:t>
+            </a:r>
+            <a:r>
+              <a:rPr lang="de-DE" baseline="0" dirty="0"/>
+              <a:t>. </a:t>
+            </a:r>
             <a:endParaRPr lang="de-DE" dirty="0"/>
+          </a:p>
+          <a:p>
+            <a:endParaRPr lang="de-DE" dirty="0"/>
+          </a:p>
+          <a:p>
+            <a:r>
+              <a:rPr lang="de-DE" dirty="0"/>
+              <a:t>The</a:t>
+            </a:r>
+            <a:r>
+              <a:rPr lang="de-DE" baseline="0" dirty="0"/>
+              <a:t> UUID </a:t>
+            </a:r>
+            <a:r>
+              <a:rPr lang="de-DE" baseline="0" dirty="0" err="1"/>
+              <a:t>has</a:t>
+            </a:r>
+            <a:r>
+              <a:rPr lang="de-DE" baseline="0" dirty="0"/>
+              <a:t> 64 </a:t>
+            </a:r>
+            <a:r>
+              <a:rPr lang="de-DE" baseline="0" dirty="0" err="1"/>
+              <a:t>digits</a:t>
+            </a:r>
+            <a:r>
+              <a:rPr lang="de-DE" baseline="0" dirty="0"/>
+              <a:t> but </a:t>
+            </a:r>
+            <a:r>
+              <a:rPr lang="de-DE" baseline="0" dirty="0" err="1"/>
+              <a:t>is</a:t>
+            </a:r>
+            <a:r>
+              <a:rPr lang="de-DE" baseline="0" dirty="0"/>
+              <a:t> </a:t>
+            </a:r>
+            <a:r>
+              <a:rPr lang="de-DE" baseline="0" dirty="0" err="1"/>
+              <a:t>truncated</a:t>
+            </a:r>
+            <a:r>
+              <a:rPr lang="de-DE" baseline="0" dirty="0"/>
+              <a:t> </a:t>
+            </a:r>
+            <a:r>
+              <a:rPr lang="de-DE" baseline="0" dirty="0" err="1"/>
+              <a:t>to</a:t>
+            </a:r>
+            <a:r>
+              <a:rPr lang="de-DE" baseline="0" dirty="0"/>
+              <a:t> just 12 </a:t>
+            </a:r>
+            <a:r>
+              <a:rPr lang="de-DE" baseline="0" dirty="0" err="1"/>
+              <a:t>digits</a:t>
+            </a:r>
+            <a:r>
+              <a:rPr lang="de-DE" baseline="0" dirty="0"/>
+              <a:t>, </a:t>
+            </a:r>
+            <a:r>
+              <a:rPr lang="de-DE" baseline="0" dirty="0" err="1"/>
+              <a:t>use</a:t>
+            </a:r>
+            <a:r>
+              <a:rPr lang="de-DE" baseline="0" dirty="0"/>
+              <a:t> --</a:t>
+            </a:r>
+            <a:r>
+              <a:rPr lang="de-DE" baseline="0" dirty="0" err="1"/>
+              <a:t>no-trunc</a:t>
+            </a:r>
+            <a:r>
+              <a:rPr lang="de-DE" baseline="0" dirty="0"/>
+              <a:t> </a:t>
+            </a:r>
+            <a:r>
+              <a:rPr lang="de-DE" baseline="0" dirty="0" err="1"/>
+              <a:t>to</a:t>
+            </a:r>
+            <a:r>
+              <a:rPr lang="de-DE" baseline="0" dirty="0"/>
+              <a:t> </a:t>
+            </a:r>
+            <a:r>
+              <a:rPr lang="de-DE" baseline="0" dirty="0" err="1"/>
+              <a:t>see</a:t>
+            </a:r>
+            <a:r>
+              <a:rPr lang="de-DE" baseline="0" dirty="0"/>
+              <a:t> all </a:t>
+            </a:r>
+            <a:r>
+              <a:rPr lang="de-DE" baseline="0" dirty="0" err="1"/>
+              <a:t>of</a:t>
+            </a:r>
+            <a:r>
+              <a:rPr lang="de-DE" baseline="0" dirty="0"/>
+              <a:t> </a:t>
+            </a:r>
+            <a:r>
+              <a:rPr lang="de-DE" baseline="0" dirty="0" err="1"/>
+              <a:t>them</a:t>
+            </a:r>
+            <a:r>
+              <a:rPr lang="de-DE" baseline="0" dirty="0"/>
+              <a:t>.</a:t>
+            </a:r>
           </a:p>
         </p:txBody>
       </p:sp>
@@ -875,7 +1116,7 @@
             <a:fld id="{7D8C2C35-2B8A-446E-BEC0-FD36716C29AC}" type="slidenum">
               <a:rPr lang="de-DE" smtClean="0"/>
               <a:pPr/>
-              <a:t>13</a:t>
+              <a:t>7</a:t>
             </a:fld>
             <a:endParaRPr lang="de-DE" dirty="0"/>
           </a:p>
@@ -884,7 +1125,7 @@
     </p:spTree>
     <p:extLst>
       <p:ext uri="{BB962C8B-B14F-4D97-AF65-F5344CB8AC3E}">
-        <p14:creationId xmlns:p14="http://schemas.microsoft.com/office/powerpoint/2010/main" val="987598064"/>
+        <p14:creationId xmlns:p14="http://schemas.microsoft.com/office/powerpoint/2010/main" val="3835776146"/>
       </p:ext>
     </p:extLst>
   </p:cSld>
@@ -938,7 +1179,18 @@
           <a:bodyPr/>
           <a:lstStyle/>
           <a:p>
-            <a:endParaRPr lang="de-DE" dirty="0"/>
+            <a:r>
+              <a:rPr lang="en-US" dirty="0"/>
+              <a:t>To be able to connect to the container in an interactive shell session, again -</a:t>
+            </a:r>
+            <a:r>
+              <a:rPr lang="en-US" dirty="0" err="1"/>
+              <a:t>i</a:t>
+            </a:r>
+            <a:r>
+              <a:rPr lang="en-US" dirty="0"/>
+              <a:t> and -t are required. They can be combined to -it.</a:t>
+            </a:r>
           </a:p>
         </p:txBody>
       </p:sp>
@@ -960,7 +1212,7 @@
             <a:fld id="{7D8C2C35-2B8A-446E-BEC0-FD36716C29AC}" type="slidenum">
               <a:rPr lang="de-DE" smtClean="0"/>
               <a:pPr/>
-              <a:t>15</a:t>
+              <a:t>8</a:t>
             </a:fld>
             <a:endParaRPr lang="de-DE" dirty="0"/>
           </a:p>
@@ -969,7 +1221,7 @@
     </p:spTree>
     <p:extLst>
       <p:ext uri="{BB962C8B-B14F-4D97-AF65-F5344CB8AC3E}">
-        <p14:creationId xmlns:p14="http://schemas.microsoft.com/office/powerpoint/2010/main" val="173039225"/>
+        <p14:creationId xmlns:p14="http://schemas.microsoft.com/office/powerpoint/2010/main" val="2932883560"/>
       </p:ext>
     </p:extLst>
   </p:cSld>
@@ -1045,7 +1297,386 @@
             <a:fld id="{7D8C2C35-2B8A-446E-BEC0-FD36716C29AC}" type="slidenum">
               <a:rPr lang="de-DE" smtClean="0"/>
               <a:pPr/>
+              <a:t>13</a:t>
+            </a:fld>
+            <a:endParaRPr lang="de-DE" dirty="0"/>
+          </a:p>
+        </p:txBody>
+      </p:sp>
+    </p:spTree>
+    <p:extLst>
+      <p:ext uri="{BB962C8B-B14F-4D97-AF65-F5344CB8AC3E}">
+        <p14:creationId xmlns:p14="http://schemas.microsoft.com/office/powerpoint/2010/main" val="2439948182"/>
+      </p:ext>
+    </p:extLst>
+  </p:cSld>
+  <p:clrMapOvr>
+    <a:masterClrMapping/>
+  </p:clrMapOvr>
+</p:notes>
+</file>
+
+<file path=ppt/notesSlides/notesSlide6.xml><?xml version="1.0" encoding="utf-8"?>
+<p:notes xmlns:a="http://schemas.openxmlformats.org/drawingml/2006/main" xmlns:r="http://schemas.openxmlformats.org/officeDocument/2006/relationships" xmlns:p="http://schemas.openxmlformats.org/presentationml/2006/main">
+  <p:cSld>
+    <p:spTree>
+      <p:nvGrpSpPr>
+        <p:cNvPr id="1" name=""/>
+        <p:cNvGrpSpPr/>
+        <p:nvPr/>
+      </p:nvGrpSpPr>
+      <p:grpSpPr>
+        <a:xfrm>
+          <a:off x="0" y="0"/>
+          <a:ext cx="0" cy="0"/>
+          <a:chOff x="0" y="0"/>
+          <a:chExt cx="0" cy="0"/>
+        </a:xfrm>
+      </p:grpSpPr>
+      <p:sp>
+        <p:nvSpPr>
+          <p:cNvPr id="2" name="Slide Image Placeholder 1"/>
+          <p:cNvSpPr>
+            <a:spLocks noGrp="1" noRot="1" noChangeAspect="1"/>
+          </p:cNvSpPr>
+          <p:nvPr>
+            <p:ph type="sldImg"/>
+          </p:nvPr>
+        </p:nvSpPr>
+        <p:spPr/>
+      </p:sp>
+      <p:sp>
+        <p:nvSpPr>
+          <p:cNvPr id="3" name="Notes Placeholder 2"/>
+          <p:cNvSpPr>
+            <a:spLocks noGrp="1"/>
+          </p:cNvSpPr>
+          <p:nvPr>
+            <p:ph type="body" idx="1"/>
+          </p:nvPr>
+        </p:nvSpPr>
+        <p:spPr/>
+        <p:txBody>
+          <a:bodyPr/>
+          <a:lstStyle/>
+          <a:p>
+            <a:endParaRPr lang="de-DE" dirty="0"/>
+          </a:p>
+        </p:txBody>
+      </p:sp>
+      <p:sp>
+        <p:nvSpPr>
+          <p:cNvPr id="4" name="Slide Number Placeholder 3"/>
+          <p:cNvSpPr>
+            <a:spLocks noGrp="1"/>
+          </p:cNvSpPr>
+          <p:nvPr>
+            <p:ph type="sldNum" sz="quarter" idx="10"/>
+          </p:nvPr>
+        </p:nvSpPr>
+        <p:spPr/>
+        <p:txBody>
+          <a:bodyPr/>
+          <a:lstStyle/>
+          <a:p>
+            <a:fld id="{7D8C2C35-2B8A-446E-BEC0-FD36716C29AC}" type="slidenum">
+              <a:rPr lang="de-DE" smtClean="0"/>
+              <a:pPr/>
+              <a:t>14</a:t>
+            </a:fld>
+            <a:endParaRPr lang="de-DE" dirty="0"/>
+          </a:p>
+        </p:txBody>
+      </p:sp>
+    </p:spTree>
+    <p:extLst>
+      <p:ext uri="{BB962C8B-B14F-4D97-AF65-F5344CB8AC3E}">
+        <p14:creationId xmlns:p14="http://schemas.microsoft.com/office/powerpoint/2010/main" val="987598064"/>
+      </p:ext>
+    </p:extLst>
+  </p:cSld>
+  <p:clrMapOvr>
+    <a:masterClrMapping/>
+  </p:clrMapOvr>
+</p:notes>
+</file>
+
+<file path=ppt/notesSlides/notesSlide7.xml><?xml version="1.0" encoding="utf-8"?>
+<p:notes xmlns:a="http://schemas.openxmlformats.org/drawingml/2006/main" xmlns:r="http://schemas.openxmlformats.org/officeDocument/2006/relationships" xmlns:p="http://schemas.openxmlformats.org/presentationml/2006/main">
+  <p:cSld>
+    <p:spTree>
+      <p:nvGrpSpPr>
+        <p:cNvPr id="1" name=""/>
+        <p:cNvGrpSpPr/>
+        <p:nvPr/>
+      </p:nvGrpSpPr>
+      <p:grpSpPr>
+        <a:xfrm>
+          <a:off x="0" y="0"/>
+          <a:ext cx="0" cy="0"/>
+          <a:chOff x="0" y="0"/>
+          <a:chExt cx="0" cy="0"/>
+        </a:xfrm>
+      </p:grpSpPr>
+      <p:sp>
+        <p:nvSpPr>
+          <p:cNvPr id="2" name="Slide Image Placeholder 1"/>
+          <p:cNvSpPr>
+            <a:spLocks noGrp="1" noRot="1" noChangeAspect="1"/>
+          </p:cNvSpPr>
+          <p:nvPr>
+            <p:ph type="sldImg"/>
+          </p:nvPr>
+        </p:nvSpPr>
+        <p:spPr/>
+      </p:sp>
+      <p:sp>
+        <p:nvSpPr>
+          <p:cNvPr id="3" name="Notes Placeholder 2"/>
+          <p:cNvSpPr>
+            <a:spLocks noGrp="1"/>
+          </p:cNvSpPr>
+          <p:nvPr>
+            <p:ph type="body" idx="1"/>
+          </p:nvPr>
+        </p:nvSpPr>
+        <p:spPr/>
+        <p:txBody>
+          <a:bodyPr/>
+          <a:lstStyle/>
+          <a:p>
+            <a:r>
+              <a:rPr lang="en-US" noProof="0" dirty="0"/>
+              <a:t>Every docker host spins up a local private network. A container will get an IP address form this network to be reachable locally. So as long as all container are on the same host, they can communicate via this network. </a:t>
+            </a:r>
+          </a:p>
+          <a:p>
+            <a:endParaRPr lang="en-US" noProof="0" dirty="0"/>
+          </a:p>
+          <a:p>
+            <a:r>
+              <a:rPr lang="en-US" noProof="0" dirty="0"/>
+              <a:t>However, this is a very unlikely scenario. Probably there are more hosts involved or you want to expose your application to the outside. Docker supports network address translation to map a &lt;container </a:t>
+            </a:r>
+            <a:r>
+              <a:rPr lang="en-US" noProof="0" dirty="0" err="1"/>
+              <a:t>ip</a:t>
+            </a:r>
+            <a:r>
+              <a:rPr lang="en-US" noProof="0" dirty="0"/>
+              <a:t>&gt;: &lt;port&gt; to a port on the external network interface of the docker host. If you have a container with 172.16.0.2:80 locally it could be exposed to the outside on 192.168.52.1:32710 (</a:t>
+            </a:r>
+            <a:r>
+              <a:rPr lang="en-US" noProof="0" dirty="0" err="1"/>
+              <a:t>ip</a:t>
+            </a:r>
+            <a:r>
+              <a:rPr lang="en-US" noProof="0" dirty="0"/>
+              <a:t> address of the docker host + unused port).</a:t>
+            </a:r>
+          </a:p>
+          <a:p>
+            <a:endParaRPr lang="en-US" noProof="0" dirty="0"/>
+          </a:p>
+          <a:p>
+            <a:r>
+              <a:rPr lang="en-US" noProof="0" dirty="0"/>
+              <a:t>This feature is called port forwarding and docker knows two flavors of it.</a:t>
+            </a:r>
+          </a:p>
+          <a:p>
+            <a:pPr marL="342900" indent="-342900">
+              <a:buAutoNum type="arabicParenR"/>
+            </a:pPr>
+            <a:r>
+              <a:rPr lang="en-US" noProof="0" dirty="0"/>
+              <a:t>Map a dedicated host port to a container port – this has to be specified manually. So you have to keep track of all your used ports in order to avoid conflicts. Use the “-p” (lower case) switch and specify host port &amp; container port.</a:t>
+            </a:r>
+          </a:p>
+          <a:p>
+            <a:pPr marL="342900" indent="-342900">
+              <a:buAutoNum type="arabicParenR"/>
+            </a:pPr>
+            <a:r>
+              <a:rPr lang="en-US" noProof="0" dirty="0"/>
+              <a:t>Map a random port to a container port. Use the “-P” (upper case) switch. Docker detects the ports a container exposes and automatically assigns an unused port. Check with “docker </a:t>
+            </a:r>
+            <a:r>
+              <a:rPr lang="en-US" noProof="0" dirty="0" err="1"/>
+              <a:t>ps</a:t>
+            </a:r>
+            <a:r>
+              <a:rPr lang="en-US" noProof="0" dirty="0"/>
+              <a:t>” or “docker container list”, which port was assigned.</a:t>
+            </a:r>
+          </a:p>
+          <a:p>
+            <a:pPr marL="342900" indent="-342900">
+              <a:buAutoNum type="arabicParenR"/>
+            </a:pPr>
+            <a:endParaRPr lang="en-US" noProof="0" dirty="0"/>
+          </a:p>
+          <a:p>
+            <a:endParaRPr lang="en-US" noProof="0" dirty="0"/>
+          </a:p>
+        </p:txBody>
+      </p:sp>
+      <p:sp>
+        <p:nvSpPr>
+          <p:cNvPr id="4" name="Slide Number Placeholder 3"/>
+          <p:cNvSpPr>
+            <a:spLocks noGrp="1"/>
+          </p:cNvSpPr>
+          <p:nvPr>
+            <p:ph type="sldNum" sz="quarter" idx="10"/>
+          </p:nvPr>
+        </p:nvSpPr>
+        <p:spPr/>
+        <p:txBody>
+          <a:bodyPr/>
+          <a:lstStyle/>
+          <a:p>
+            <a:fld id="{7D8C2C35-2B8A-446E-BEC0-FD36716C29AC}" type="slidenum">
+              <a:rPr lang="de-DE" smtClean="0"/>
+              <a:pPr/>
               <a:t>16</a:t>
+            </a:fld>
+            <a:endParaRPr lang="de-DE" dirty="0"/>
+          </a:p>
+        </p:txBody>
+      </p:sp>
+    </p:spTree>
+    <p:extLst>
+      <p:ext uri="{BB962C8B-B14F-4D97-AF65-F5344CB8AC3E}">
+        <p14:creationId xmlns:p14="http://schemas.microsoft.com/office/powerpoint/2010/main" val="173039225"/>
+      </p:ext>
+    </p:extLst>
+  </p:cSld>
+  <p:clrMapOvr>
+    <a:masterClrMapping/>
+  </p:clrMapOvr>
+</p:notes>
+</file>
+
+<file path=ppt/notesSlides/notesSlide8.xml><?xml version="1.0" encoding="utf-8"?>
+<p:notes xmlns:a="http://schemas.openxmlformats.org/drawingml/2006/main" xmlns:r="http://schemas.openxmlformats.org/officeDocument/2006/relationships" xmlns:p="http://schemas.openxmlformats.org/presentationml/2006/main">
+  <p:cSld>
+    <p:spTree>
+      <p:nvGrpSpPr>
+        <p:cNvPr id="1" name=""/>
+        <p:cNvGrpSpPr/>
+        <p:nvPr/>
+      </p:nvGrpSpPr>
+      <p:grpSpPr>
+        <a:xfrm>
+          <a:off x="0" y="0"/>
+          <a:ext cx="0" cy="0"/>
+          <a:chOff x="0" y="0"/>
+          <a:chExt cx="0" cy="0"/>
+        </a:xfrm>
+      </p:grpSpPr>
+      <p:sp>
+        <p:nvSpPr>
+          <p:cNvPr id="2" name="Slide Image Placeholder 1"/>
+          <p:cNvSpPr>
+            <a:spLocks noGrp="1" noRot="1" noChangeAspect="1"/>
+          </p:cNvSpPr>
+          <p:nvPr>
+            <p:ph type="sldImg"/>
+          </p:nvPr>
+        </p:nvSpPr>
+        <p:spPr/>
+      </p:sp>
+      <p:sp>
+        <p:nvSpPr>
+          <p:cNvPr id="3" name="Notes Placeholder 2"/>
+          <p:cNvSpPr>
+            <a:spLocks noGrp="1"/>
+          </p:cNvSpPr>
+          <p:nvPr>
+            <p:ph type="body" idx="1"/>
+          </p:nvPr>
+        </p:nvSpPr>
+        <p:spPr/>
+        <p:txBody>
+          <a:bodyPr/>
+          <a:lstStyle/>
+          <a:p>
+            <a:r>
+              <a:rPr lang="en-US" noProof="0" dirty="0"/>
+              <a:t>Since it is not recommendable to store data in a docker container, adding a persistence is quite important. With the volumes API it is possible to assign persistent storage to a container.</a:t>
+            </a:r>
+          </a:p>
+          <a:p>
+            <a:endParaRPr lang="en-US" noProof="0" dirty="0"/>
+          </a:p>
+          <a:p>
+            <a:r>
+              <a:rPr lang="en-US" noProof="0" dirty="0"/>
+              <a:t>Docker supports 2 ways of doing so:</a:t>
+            </a:r>
+          </a:p>
+          <a:p>
+            <a:pPr marL="342900" indent="-342900">
+              <a:buAutoNum type="arabicParenR"/>
+            </a:pPr>
+            <a:r>
+              <a:rPr lang="en-US" noProof="0" dirty="0"/>
+              <a:t>Bind mounts: mount a local host directory onto a certain path in the container. Everything that was present before is hidden (nature of the bind mount). For example, if you have some configuration you want to inject, write your config file, store it on your docker host at /home/container/config and mount the content of this directory to /</a:t>
+            </a:r>
+            <a:r>
+              <a:rPr lang="en-US" noProof="0" dirty="0" err="1"/>
+              <a:t>usr</a:t>
+            </a:r>
+            <a:r>
+              <a:rPr lang="en-US" noProof="0" dirty="0"/>
+              <a:t>/application/config (assuming the application reads config from there).  </a:t>
+            </a:r>
+          </a:p>
+          <a:p>
+            <a:pPr marL="342900" indent="-342900">
+              <a:buAutoNum type="arabicParenR"/>
+            </a:pPr>
+            <a:r>
+              <a:rPr lang="en-US" noProof="0" dirty="0"/>
+              <a:t>Named volumes: docker can create a separated storage volume. Its lifecycle is independent from the container but still managed by docker. Upon creation, the content of the mount target is merged into the volume.</a:t>
+            </a:r>
+          </a:p>
+          <a:p>
+            <a:pPr marL="0" indent="0">
+              <a:buNone/>
+            </a:pPr>
+            <a:r>
+              <a:rPr lang="en-US" noProof="0" dirty="0"/>
+              <a:t>How to differentiate between bind mounts and named volumes? When specifying an absolute path, docker assumes a bind mount. When you just give a name (like in a relative path “config”), it will assume a named volume and create </a:t>
+            </a:r>
+            <a:r>
+              <a:rPr lang="en-US" noProof="0"/>
+              <a:t>a volume “config”.</a:t>
+            </a:r>
+            <a:endParaRPr lang="en-US" noProof="0" dirty="0"/>
+          </a:p>
+        </p:txBody>
+      </p:sp>
+      <p:sp>
+        <p:nvSpPr>
+          <p:cNvPr id="4" name="Slide Number Placeholder 3"/>
+          <p:cNvSpPr>
+            <a:spLocks noGrp="1"/>
+          </p:cNvSpPr>
+          <p:nvPr>
+            <p:ph type="sldNum" sz="quarter" idx="10"/>
+          </p:nvPr>
+        </p:nvSpPr>
+        <p:spPr/>
+        <p:txBody>
+          <a:bodyPr/>
+          <a:lstStyle/>
+          <a:p>
+            <a:fld id="{7D8C2C35-2B8A-446E-BEC0-FD36716C29AC}" type="slidenum">
+              <a:rPr lang="de-DE" smtClean="0"/>
+              <a:pPr/>
+              <a:t>17</a:t>
             </a:fld>
             <a:endParaRPr lang="de-DE" dirty="0"/>
           </a:p>
@@ -1064,7 +1695,7 @@
 </p:notes>
 </file>
 
-<file path=ppt/notesSlides/notesSlide6.xml><?xml version="1.0" encoding="utf-8"?>
+<file path=ppt/notesSlides/notesSlide9.xml><?xml version="1.0" encoding="utf-8"?>
 <p:notes xmlns:a="http://schemas.openxmlformats.org/drawingml/2006/main" xmlns:r="http://schemas.openxmlformats.org/officeDocument/2006/relationships" xmlns:p="http://schemas.openxmlformats.org/presentationml/2006/main">
   <p:cSld>
     <p:spTree>
@@ -1099,7 +1730,7 @@
             <a:fld id="{7D8C2C35-2B8A-446E-BEC0-FD36716C29AC}" type="slidenum">
               <a:rPr lang="de-DE" smtClean="0"/>
               <a:pPr/>
-              <a:t>17</a:t>
+              <a:t>18</a:t>
             </a:fld>
             <a:endParaRPr lang="de-DE" dirty="0"/>
           </a:p>
@@ -8775,7 +9406,7 @@
           <a:p>
             <a:r>
               <a:rPr lang="en-US" dirty="0"/>
-              <a:t>Getting logs from a container</a:t>
+              <a:t>Stopping a container</a:t>
             </a:r>
           </a:p>
         </p:txBody>
@@ -8803,58 +9434,26 @@
             <a:pPr lvl="0"/>
             <a:r>
               <a:rPr lang="en-US" sz="1800" dirty="0"/>
-              <a:t>Docker collects logs from programs inside containers</a:t>
+              <a:t>A container can be forcibly stopped</a:t>
             </a:r>
           </a:p>
           <a:p>
             <a:pPr lvl="1"/>
             <a:r>
-              <a:rPr lang="en-US" sz="1600" dirty="0" err="1"/>
-              <a:t>stdout</a:t>
-            </a:r>
-            <a:r>
               <a:rPr lang="en-US" sz="1600" dirty="0"/>
-              <a:t> and </a:t>
-            </a:r>
-            <a:r>
-              <a:rPr lang="en-US" sz="1600" dirty="0" err="1"/>
-              <a:t>stderr</a:t>
-            </a:r>
+              <a:t>necessary for containers with daemon processes</a:t>
+            </a:r>
+          </a:p>
+          <a:p>
+            <a:pPr lvl="1"/>
             <a:r>
               <a:rPr lang="en-US" sz="1600" dirty="0"/>
-              <a:t> of the main process get collected</a:t>
-            </a:r>
-          </a:p>
-          <a:p>
-            <a:pPr lvl="1"/>
-            <a:r>
-              <a:rPr lang="en-US" sz="1600" dirty="0"/>
-              <a:t>logs from programs can be redirected to /dev/</a:t>
-            </a:r>
-            <a:r>
-              <a:rPr lang="en-US" sz="1600" dirty="0" err="1"/>
-              <a:t>stdout</a:t>
-            </a:r>
-            <a:r>
-              <a:rPr lang="en-US" sz="1600" dirty="0"/>
-              <a:t> and /dev/</a:t>
-            </a:r>
-            <a:r>
-              <a:rPr lang="en-US" sz="1600" dirty="0" err="1"/>
-              <a:t>stderr</a:t>
-            </a:r>
-            <a:endParaRPr lang="en-US" sz="1600" dirty="0"/>
+              <a:t>friendly termination with SIGTERM, after timeout (default 10 seconds) with SIGKILL</a:t>
+            </a:r>
           </a:p>
           <a:p>
             <a:pPr lvl="1"/>
             <a:endParaRPr lang="en-US" sz="1600" dirty="0"/>
-          </a:p>
-          <a:p>
-            <a:pPr lvl="1"/>
-            <a:r>
-              <a:rPr lang="en-US" sz="1600" dirty="0"/>
-              <a:t>logs still available even after a container terminated</a:t>
-            </a:r>
           </a:p>
         </p:txBody>
       </p:sp>
@@ -8911,7 +9510,7 @@
                 <a:latin typeface="Courier New" panose="02070309020205020404" pitchFamily="49" charset="0"/>
                 <a:cs typeface="Courier New" panose="02070309020205020404" pitchFamily="49" charset="0"/>
               </a:rPr>
-              <a:t> logs </a:t>
+              <a:t> stop </a:t>
             </a:r>
             <a:r>
               <a:rPr lang="en-US" sz="1400" i="1" dirty="0">
@@ -8931,8 +9530,8 @@
         </p:nvSpPr>
         <p:spPr bwMode="gray">
           <a:xfrm>
-            <a:off x="779625" y="3575926"/>
-            <a:ext cx="10635223" cy="2275275"/>
+            <a:off x="686701" y="3249224"/>
+            <a:ext cx="10728147" cy="2322901"/>
           </a:xfrm>
           <a:prstGeom prst="roundRect">
             <a:avLst>
@@ -8998,8 +9597,27 @@
                 <a:ea typeface="Arial Unicode MS" pitchFamily="34" charset="-128"/>
                 <a:cs typeface="Courier New" panose="02070309020205020404" pitchFamily="49" charset="0"/>
               </a:rPr>
-              <a:t> logs 494b7b8c9f39</a:t>
-            </a:r>
+              <a:t> </a:t>
+            </a:r>
+            <a:r>
+              <a:rPr lang="en-US" sz="1200" b="1" kern="0" dirty="0" err="1">
+                <a:solidFill>
+                  <a:schemeClr val="bg1"/>
+                </a:solidFill>
+                <a:latin typeface="Courier New" panose="02070309020205020404" pitchFamily="49" charset="0"/>
+                <a:ea typeface="Arial Unicode MS" pitchFamily="34" charset="-128"/>
+                <a:cs typeface="Courier New" panose="02070309020205020404" pitchFamily="49" charset="0"/>
+              </a:rPr>
+              <a:t>ps</a:t>
+            </a:r>
+            <a:endParaRPr lang="en-US" sz="1200" b="1" kern="0" dirty="0">
+              <a:solidFill>
+                <a:schemeClr val="bg1"/>
+              </a:solidFill>
+              <a:latin typeface="Courier New" panose="02070309020205020404" pitchFamily="49" charset="0"/>
+              <a:ea typeface="Arial Unicode MS" pitchFamily="34" charset="-128"/>
+              <a:cs typeface="Courier New" panose="02070309020205020404" pitchFamily="49" charset="0"/>
+            </a:endParaRPr>
           </a:p>
           <a:p>
             <a:pPr defTabSz="914400" fontAlgn="base">
@@ -9020,7 +9638,7 @@
                 <a:ea typeface="Arial Unicode MS" pitchFamily="34" charset="-128"/>
                 <a:cs typeface="Courier New" panose="02070309020205020404" pitchFamily="49" charset="0"/>
               </a:rPr>
-              <a:t>10.19.91.230 - - [01/Dec/2017:14:48:12 +0000] "GET / HTTP/1.1" 200 230 "-" "Mozilla/5.0 (Windows NT 10.0; Win64; x64; rv:57.0) Gecko/20100101 Firefox/57.0" "-"</a:t>
+              <a:t>CONTAINER ID    IMAGE       COMMAND          CREATED      STATUS        PORTS                    NAMES</a:t>
             </a:r>
           </a:p>
           <a:p>
@@ -9042,111 +9660,71 @@
                 <a:ea typeface="Arial Unicode MS" pitchFamily="34" charset="-128"/>
                 <a:cs typeface="Courier New" panose="02070309020205020404" pitchFamily="49" charset="0"/>
               </a:rPr>
-              <a:t>10.19.91.230 - - [01/Dec/2017:14:48:12 +0000] "GET /it_works.jpg HTTP/1.1" 200 25676 "http://pvxka22:32780/" "Mozilla/5.0 (Windows NT 10.0; Win64; x64; rv:57.0) Gecko/20100101 Firefox/57.0" "-"</a:t>
-            </a:r>
-          </a:p>
-          <a:p>
-            <a:pPr defTabSz="914400" fontAlgn="base">
-              <a:spcAft>
-                <a:spcPct val="0"/>
-              </a:spcAft>
-              <a:buClr>
-                <a:srgbClr val="F0AB00"/>
-              </a:buClr>
-              <a:buSzPct val="80000"/>
-            </a:pPr>
+              <a:t>494b7b8c9f39    mynginx1    "</a:t>
+            </a:r>
+            <a:r>
+              <a:rPr lang="en-US" sz="1200" kern="0" dirty="0" err="1">
+                <a:solidFill>
+                  <a:schemeClr val="bg1"/>
+                </a:solidFill>
+                <a:latin typeface="Arial monospaced for SAP" panose="020B0609020202030204" pitchFamily="49" charset="0"/>
+                <a:ea typeface="Arial Unicode MS" pitchFamily="34" charset="-128"/>
+                <a:cs typeface="Courier New" panose="02070309020205020404" pitchFamily="49" charset="0"/>
+              </a:rPr>
+              <a:t>nginx</a:t>
+            </a:r>
             <a:r>
               <a:rPr lang="en-US" sz="1200" kern="0" dirty="0">
                 <a:solidFill>
-                  <a:schemeClr val="accent5">
-                    <a:lumMod val="20000"/>
-                    <a:lumOff val="80000"/>
-                  </a:schemeClr>
+                  <a:schemeClr val="bg1"/>
                 </a:solidFill>
                 <a:latin typeface="Arial monospaced for SAP" panose="020B0609020202030204" pitchFamily="49" charset="0"/>
                 <a:ea typeface="Arial Unicode MS" pitchFamily="34" charset="-128"/>
                 <a:cs typeface="Courier New" panose="02070309020205020404" pitchFamily="49" charset="0"/>
               </a:rPr>
-              <a:t>2017/12/01 14:48:12 [error] 8#8: *1 open() "/</a:t>
+              <a:t> -g ..."   7 days ago   Up 24 hours   0.0.0.0:32768-&gt;812/</a:t>
             </a:r>
             <a:r>
               <a:rPr lang="en-US" sz="1200" kern="0" dirty="0" err="1">
                 <a:solidFill>
-                  <a:schemeClr val="accent5">
-                    <a:lumMod val="20000"/>
-                    <a:lumOff val="80000"/>
-                  </a:schemeClr>
+                  <a:schemeClr val="bg1"/>
                 </a:solidFill>
                 <a:latin typeface="Arial monospaced for SAP" panose="020B0609020202030204" pitchFamily="49" charset="0"/>
                 <a:ea typeface="Arial Unicode MS" pitchFamily="34" charset="-128"/>
                 <a:cs typeface="Courier New" panose="02070309020205020404" pitchFamily="49" charset="0"/>
               </a:rPr>
-              <a:t>srv</a:t>
+              <a:t>tcp</a:t>
             </a:r>
             <a:r>
               <a:rPr lang="en-US" sz="1200" kern="0" dirty="0">
                 <a:solidFill>
-                  <a:schemeClr val="accent5">
-                    <a:lumMod val="20000"/>
-                    <a:lumOff val="80000"/>
-                  </a:schemeClr>
+                  <a:schemeClr val="bg1"/>
                 </a:solidFill>
                 <a:latin typeface="Arial monospaced for SAP" panose="020B0609020202030204" pitchFamily="49" charset="0"/>
                 <a:ea typeface="Arial Unicode MS" pitchFamily="34" charset="-128"/>
                 <a:cs typeface="Courier New" panose="02070309020205020404" pitchFamily="49" charset="0"/>
               </a:rPr>
-              <a:t>/www/</a:t>
+              <a:t>   </a:t>
             </a:r>
             <a:r>
               <a:rPr lang="en-US" sz="1200" kern="0" dirty="0" err="1">
                 <a:solidFill>
-                  <a:schemeClr val="accent5">
-                    <a:lumMod val="20000"/>
-                    <a:lumOff val="80000"/>
-                  </a:schemeClr>
+                  <a:schemeClr val="bg1"/>
                 </a:solidFill>
                 <a:latin typeface="Arial monospaced for SAP" panose="020B0609020202030204" pitchFamily="49" charset="0"/>
                 <a:ea typeface="Arial Unicode MS" pitchFamily="34" charset="-128"/>
                 <a:cs typeface="Courier New" panose="02070309020205020404" pitchFamily="49" charset="0"/>
               </a:rPr>
-              <a:t>htdocs</a:t>
-            </a:r>
-            <a:r>
-              <a:rPr lang="en-US" sz="1200" kern="0" dirty="0">
-                <a:solidFill>
-                  <a:schemeClr val="accent5">
-                    <a:lumMod val="20000"/>
-                    <a:lumOff val="80000"/>
-                  </a:schemeClr>
-                </a:solidFill>
-                <a:latin typeface="Arial monospaced for SAP" panose="020B0609020202030204" pitchFamily="49" charset="0"/>
-                <a:ea typeface="Arial Unicode MS" pitchFamily="34" charset="-128"/>
-                <a:cs typeface="Courier New" panose="02070309020205020404" pitchFamily="49" charset="0"/>
-              </a:rPr>
-              <a:t>/favicon.ico" failed (2: No such file or directory), client: 10.19.91.230, server: localhost, request: "GET /favicon.ico HTTP/1.1", host: "pvxka22:32780"</a:t>
-            </a:r>
-          </a:p>
-          <a:p>
-            <a:pPr defTabSz="914400" fontAlgn="base">
-              <a:spcAft>
-                <a:spcPct val="0"/>
-              </a:spcAft>
-              <a:buClr>
-                <a:srgbClr val="F0AB00"/>
-              </a:buClr>
-              <a:buSzPct val="80000"/>
-            </a:pPr>
-            <a:r>
-              <a:rPr lang="en-US" sz="1200" kern="0" dirty="0">
-                <a:solidFill>
-                  <a:schemeClr val="bg1"/>
-                </a:solidFill>
-                <a:latin typeface="Arial monospaced for SAP" panose="020B0609020202030204" pitchFamily="49" charset="0"/>
-                <a:ea typeface="Arial Unicode MS" pitchFamily="34" charset="-128"/>
-                <a:cs typeface="Courier New" panose="02070309020205020404" pitchFamily="49" charset="0"/>
-              </a:rPr>
-              <a:t>10.19.91.230 - - [01/Dec/2017:14:48:12 +0000] "GET /favicon.ico HTTP/1.1" 404 169 "-" "Mozilla/5.0 (Windows NT 10.0; Win64; x64; rv:57.0) Gecko/20100101 Firefox/57.0" "-“</a:t>
-            </a:r>
+              <a:t>happy_ride</a:t>
+            </a:r>
+            <a:endParaRPr lang="en-US" sz="1200" kern="0" dirty="0">
+              <a:solidFill>
+                <a:schemeClr val="bg1"/>
+              </a:solidFill>
+              <a:latin typeface="Arial monospaced for SAP" panose="020B0609020202030204" pitchFamily="49" charset="0"/>
+              <a:ea typeface="Arial Unicode MS" pitchFamily="34" charset="-128"/>
+              <a:cs typeface="Courier New" panose="02070309020205020404" pitchFamily="49" charset="0"/>
+            </a:endParaRPr>
           </a:p>
           <a:p>
             <a:pPr defTabSz="914400" fontAlgn="base">
@@ -9186,6 +9764,214 @@
                 <a:ea typeface="Arial Unicode MS" pitchFamily="34" charset="-128"/>
                 <a:cs typeface="Courier New" panose="02070309020205020404" pitchFamily="49" charset="0"/>
               </a:rPr>
+              <a:t>$ </a:t>
+            </a:r>
+            <a:r>
+              <a:rPr lang="en-US" sz="1200" b="1" kern="0" dirty="0" err="1">
+                <a:solidFill>
+                  <a:schemeClr val="bg1"/>
+                </a:solidFill>
+                <a:latin typeface="Courier New" panose="02070309020205020404" pitchFamily="49" charset="0"/>
+                <a:ea typeface="Arial Unicode MS" pitchFamily="34" charset="-128"/>
+                <a:cs typeface="Courier New" panose="02070309020205020404" pitchFamily="49" charset="0"/>
+              </a:rPr>
+              <a:t>docker</a:t>
+            </a:r>
+            <a:r>
+              <a:rPr lang="en-US" sz="1200" b="1" kern="0" dirty="0">
+                <a:solidFill>
+                  <a:schemeClr val="bg1"/>
+                </a:solidFill>
+                <a:latin typeface="Courier New" panose="02070309020205020404" pitchFamily="49" charset="0"/>
+                <a:ea typeface="Arial Unicode MS" pitchFamily="34" charset="-128"/>
+                <a:cs typeface="Courier New" panose="02070309020205020404" pitchFamily="49" charset="0"/>
+              </a:rPr>
+              <a:t> stop -t 5 </a:t>
+            </a:r>
+            <a:r>
+              <a:rPr lang="en-US" sz="1200" b="1" kern="0" dirty="0" err="1">
+                <a:solidFill>
+                  <a:schemeClr val="bg1"/>
+                </a:solidFill>
+                <a:latin typeface="Courier New" panose="02070309020205020404" pitchFamily="49" charset="0"/>
+                <a:ea typeface="Arial Unicode MS" pitchFamily="34" charset="-128"/>
+                <a:cs typeface="Courier New" panose="02070309020205020404" pitchFamily="49" charset="0"/>
+              </a:rPr>
+              <a:t>happy_ride</a:t>
+            </a:r>
+            <a:endParaRPr lang="en-US" sz="1200" b="1" kern="0" dirty="0">
+              <a:solidFill>
+                <a:schemeClr val="bg1"/>
+              </a:solidFill>
+              <a:latin typeface="Courier New" panose="02070309020205020404" pitchFamily="49" charset="0"/>
+              <a:ea typeface="Arial Unicode MS" pitchFamily="34" charset="-128"/>
+              <a:cs typeface="Courier New" panose="02070309020205020404" pitchFamily="49" charset="0"/>
+            </a:endParaRPr>
+          </a:p>
+          <a:p>
+            <a:pPr defTabSz="914400" fontAlgn="base">
+              <a:spcAft>
+                <a:spcPct val="0"/>
+              </a:spcAft>
+              <a:buClr>
+                <a:srgbClr val="F0AB00"/>
+              </a:buClr>
+              <a:buSzPct val="80000"/>
+            </a:pPr>
+            <a:r>
+              <a:rPr lang="en-US" sz="1200" kern="0" dirty="0">
+                <a:solidFill>
+                  <a:schemeClr val="bg1"/>
+                </a:solidFill>
+                <a:latin typeface="Arial monospaced for SAP" panose="020B0609020202030204" pitchFamily="49" charset="0"/>
+                <a:ea typeface="Arial Unicode MS" pitchFamily="34" charset="-128"/>
+                <a:cs typeface="Courier New" panose="02070309020205020404" pitchFamily="49" charset="0"/>
+              </a:rPr>
+              <a:t>494b7b8c9f39</a:t>
+            </a:r>
+          </a:p>
+          <a:p>
+            <a:pPr defTabSz="914400" fontAlgn="base">
+              <a:spcAft>
+                <a:spcPct val="0"/>
+              </a:spcAft>
+              <a:buClr>
+                <a:srgbClr val="F0AB00"/>
+              </a:buClr>
+              <a:buSzPct val="80000"/>
+            </a:pPr>
+            <a:endParaRPr lang="en-US" sz="1200" b="1" kern="0" dirty="0">
+              <a:solidFill>
+                <a:schemeClr val="bg1"/>
+              </a:solidFill>
+              <a:latin typeface="Courier New" panose="02070309020205020404" pitchFamily="49" charset="0"/>
+              <a:ea typeface="Arial Unicode MS" pitchFamily="34" charset="-128"/>
+              <a:cs typeface="Courier New" panose="02070309020205020404" pitchFamily="49" charset="0"/>
+            </a:endParaRPr>
+          </a:p>
+          <a:p>
+            <a:pPr defTabSz="914400" fontAlgn="base">
+              <a:spcAft>
+                <a:spcPct val="0"/>
+              </a:spcAft>
+              <a:buClr>
+                <a:srgbClr val="F0AB00"/>
+              </a:buClr>
+              <a:buSzPct val="80000"/>
+            </a:pPr>
+            <a:r>
+              <a:rPr lang="en-US" sz="1200" b="1" kern="0" dirty="0">
+                <a:solidFill>
+                  <a:schemeClr val="bg1"/>
+                </a:solidFill>
+                <a:latin typeface="Courier New" panose="02070309020205020404" pitchFamily="49" charset="0"/>
+                <a:ea typeface="Arial Unicode MS" pitchFamily="34" charset="-128"/>
+                <a:cs typeface="Courier New" panose="02070309020205020404" pitchFamily="49" charset="0"/>
+              </a:rPr>
+              <a:t>$ </a:t>
+            </a:r>
+            <a:r>
+              <a:rPr lang="en-US" sz="1200" b="1" kern="0" dirty="0" err="1">
+                <a:solidFill>
+                  <a:schemeClr val="bg1"/>
+                </a:solidFill>
+                <a:latin typeface="Courier New" panose="02070309020205020404" pitchFamily="49" charset="0"/>
+                <a:ea typeface="Arial Unicode MS" pitchFamily="34" charset="-128"/>
+                <a:cs typeface="Courier New" panose="02070309020205020404" pitchFamily="49" charset="0"/>
+              </a:rPr>
+              <a:t>docker</a:t>
+            </a:r>
+            <a:r>
+              <a:rPr lang="en-US" sz="1200" b="1" kern="0" dirty="0">
+                <a:solidFill>
+                  <a:schemeClr val="bg1"/>
+                </a:solidFill>
+                <a:latin typeface="Courier New" panose="02070309020205020404" pitchFamily="49" charset="0"/>
+                <a:ea typeface="Arial Unicode MS" pitchFamily="34" charset="-128"/>
+                <a:cs typeface="Courier New" panose="02070309020205020404" pitchFamily="49" charset="0"/>
+              </a:rPr>
+              <a:t> </a:t>
+            </a:r>
+            <a:r>
+              <a:rPr lang="en-US" sz="1200" b="1" kern="0" dirty="0" err="1">
+                <a:solidFill>
+                  <a:schemeClr val="bg1"/>
+                </a:solidFill>
+                <a:latin typeface="Courier New" panose="02070309020205020404" pitchFamily="49" charset="0"/>
+                <a:ea typeface="Arial Unicode MS" pitchFamily="34" charset="-128"/>
+                <a:cs typeface="Courier New" panose="02070309020205020404" pitchFamily="49" charset="0"/>
+              </a:rPr>
+              <a:t>ps</a:t>
+            </a:r>
+            <a:endParaRPr lang="en-US" sz="1200" b="1" kern="0" dirty="0">
+              <a:solidFill>
+                <a:schemeClr val="bg1"/>
+              </a:solidFill>
+              <a:latin typeface="Courier New" panose="02070309020205020404" pitchFamily="49" charset="0"/>
+              <a:ea typeface="Arial Unicode MS" pitchFamily="34" charset="-128"/>
+              <a:cs typeface="Courier New" panose="02070309020205020404" pitchFamily="49" charset="0"/>
+            </a:endParaRPr>
+          </a:p>
+          <a:p>
+            <a:pPr defTabSz="914400" fontAlgn="base">
+              <a:spcAft>
+                <a:spcPct val="0"/>
+              </a:spcAft>
+              <a:buClr>
+                <a:srgbClr val="F0AB00"/>
+              </a:buClr>
+              <a:buSzPct val="80000"/>
+            </a:pPr>
+            <a:r>
+              <a:rPr lang="en-US" sz="1200" kern="0" dirty="0">
+                <a:solidFill>
+                  <a:schemeClr val="bg1"/>
+                </a:solidFill>
+                <a:latin typeface="Arial monospaced for SAP" panose="020B0609020202030204" pitchFamily="49" charset="0"/>
+                <a:ea typeface="Arial Unicode MS" pitchFamily="34" charset="-128"/>
+                <a:cs typeface="Courier New" panose="02070309020205020404" pitchFamily="49" charset="0"/>
+              </a:rPr>
+              <a:t>CONTAINER ID    IMAGE       COMMAND          CREATED      STATUS        PORTS                    NAMES</a:t>
+            </a:r>
+          </a:p>
+          <a:p>
+            <a:pPr defTabSz="914400" fontAlgn="base">
+              <a:spcAft>
+                <a:spcPct val="0"/>
+              </a:spcAft>
+              <a:buClr>
+                <a:srgbClr val="F0AB00"/>
+              </a:buClr>
+              <a:buSzPct val="80000"/>
+            </a:pPr>
+            <a:endParaRPr lang="en-US" sz="1200" kern="0" dirty="0">
+              <a:solidFill>
+                <a:schemeClr val="bg1"/>
+              </a:solidFill>
+              <a:latin typeface="Arial monospaced for SAP" panose="020B0609020202030204" pitchFamily="49" charset="0"/>
+              <a:ea typeface="Arial Unicode MS" pitchFamily="34" charset="-128"/>
+              <a:cs typeface="Courier New" panose="02070309020205020404" pitchFamily="49" charset="0"/>
+            </a:endParaRPr>
+          </a:p>
+          <a:p>
+            <a:pPr defTabSz="914400" fontAlgn="base">
+              <a:spcAft>
+                <a:spcPct val="0"/>
+              </a:spcAft>
+              <a:buClr>
+                <a:srgbClr val="F0AB00"/>
+              </a:buClr>
+              <a:buSzPct val="80000"/>
+            </a:pPr>
+            <a:r>
+              <a:rPr lang="en-US" sz="1200" b="1" kern="0" dirty="0">
+                <a:solidFill>
+                  <a:schemeClr val="bg1"/>
+                </a:solidFill>
+                <a:latin typeface="Courier New" panose="02070309020205020404" pitchFamily="49" charset="0"/>
+                <a:ea typeface="Arial Unicode MS" pitchFamily="34" charset="-128"/>
+                <a:cs typeface="Courier New" panose="02070309020205020404" pitchFamily="49" charset="0"/>
+              </a:rPr>
               <a:t>$</a:t>
             </a:r>
           </a:p>
@@ -9194,7 +9980,7 @@
     </p:spTree>
     <p:extLst>
       <p:ext uri="{BB962C8B-B14F-4D97-AF65-F5344CB8AC3E}">
-        <p14:creationId xmlns:p14="http://schemas.microsoft.com/office/powerpoint/2010/main" val="3140959912"/>
+        <p14:creationId xmlns:p14="http://schemas.microsoft.com/office/powerpoint/2010/main" val="3959768445"/>
       </p:ext>
     </p:extLst>
   </p:cSld>
@@ -9238,6 +10024,469 @@
           <a:p>
             <a:r>
               <a:rPr lang="en-US" dirty="0"/>
+              <a:t>Getting logs from a container</a:t>
+            </a:r>
+          </a:p>
+        </p:txBody>
+      </p:sp>
+      <p:sp>
+        <p:nvSpPr>
+          <p:cNvPr id="6" name="Text Placeholder 10"/>
+          <p:cNvSpPr>
+            <a:spLocks noGrp="1"/>
+          </p:cNvSpPr>
+          <p:nvPr>
+            <p:ph type="body" sz="quarter" idx="10"/>
+          </p:nvPr>
+        </p:nvSpPr>
+        <p:spPr>
+          <a:xfrm>
+            <a:off x="503999" y="1620000"/>
+            <a:ext cx="11186477" cy="4230000"/>
+          </a:xfrm>
+        </p:spPr>
+        <p:txBody>
+          <a:bodyPr/>
+          <a:lstStyle/>
+          <a:p>
+            <a:pPr lvl="0"/>
+            <a:r>
+              <a:rPr lang="en-US" sz="1800" dirty="0"/>
+              <a:t>Docker collects logs from programs inside containers</a:t>
+            </a:r>
+          </a:p>
+          <a:p>
+            <a:pPr lvl="1"/>
+            <a:r>
+              <a:rPr lang="en-US" sz="1600" dirty="0" err="1"/>
+              <a:t>stdout</a:t>
+            </a:r>
+            <a:r>
+              <a:rPr lang="en-US" sz="1600" dirty="0"/>
+              <a:t> and </a:t>
+            </a:r>
+            <a:r>
+              <a:rPr lang="en-US" sz="1600" dirty="0" err="1"/>
+              <a:t>stderr</a:t>
+            </a:r>
+            <a:r>
+              <a:rPr lang="en-US" sz="1600" dirty="0"/>
+              <a:t> of the main process get collected</a:t>
+            </a:r>
+          </a:p>
+          <a:p>
+            <a:pPr lvl="1"/>
+            <a:r>
+              <a:rPr lang="en-US" sz="1600" dirty="0"/>
+              <a:t>logs from programs can be redirected to /dev/</a:t>
+            </a:r>
+            <a:r>
+              <a:rPr lang="en-US" sz="1600" dirty="0" err="1"/>
+              <a:t>stdout</a:t>
+            </a:r>
+            <a:r>
+              <a:rPr lang="en-US" sz="1600" dirty="0"/>
+              <a:t> and /dev/</a:t>
+            </a:r>
+            <a:r>
+              <a:rPr lang="en-US" sz="1600" dirty="0" err="1"/>
+              <a:t>stderr</a:t>
+            </a:r>
+            <a:endParaRPr lang="en-US" sz="1600" dirty="0"/>
+          </a:p>
+          <a:p>
+            <a:pPr lvl="1"/>
+            <a:endParaRPr lang="en-US" sz="1600" dirty="0"/>
+          </a:p>
+          <a:p>
+            <a:pPr lvl="1"/>
+            <a:r>
+              <a:rPr lang="en-US" sz="1600" dirty="0"/>
+              <a:t>logs still available even after a container terminated</a:t>
+            </a:r>
+          </a:p>
+        </p:txBody>
+      </p:sp>
+      <p:sp>
+        <p:nvSpPr>
+          <p:cNvPr id="7" name="Rectangle: Rounded Corners 6"/>
+          <p:cNvSpPr/>
+          <p:nvPr/>
+        </p:nvSpPr>
+        <p:spPr bwMode="gray">
+          <a:xfrm>
+            <a:off x="686701" y="2558294"/>
+            <a:ext cx="7312170" cy="276513"/>
+          </a:xfrm>
+          <a:prstGeom prst="roundRect">
+            <a:avLst/>
+          </a:prstGeom>
+          <a:solidFill>
+            <a:schemeClr val="accent1">
+              <a:lumMod val="20000"/>
+              <a:lumOff val="80000"/>
+            </a:schemeClr>
+          </a:solidFill>
+          <a:ln w="6350" algn="ctr">
+            <a:noFill/>
+            <a:miter lim="800000"/>
+            <a:headEnd/>
+            <a:tailEnd/>
+          </a:ln>
+        </p:spPr>
+        <p:txBody>
+          <a:bodyPr lIns="90000" tIns="72000" rIns="90000" bIns="72000" rtlCol="0" anchor="ctr"/>
+          <a:lstStyle/>
+          <a:p>
+            <a:pPr marL="179387" lvl="2" indent="0">
+              <a:buNone/>
+            </a:pPr>
+            <a:r>
+              <a:rPr lang="en-US" sz="1400" b="1" dirty="0">
+                <a:latin typeface="Courier New" panose="02070309020205020404" pitchFamily="49" charset="0"/>
+                <a:cs typeface="Courier New" panose="02070309020205020404" pitchFamily="49" charset="0"/>
+              </a:rPr>
+              <a:t>$ </a:t>
+            </a:r>
+            <a:r>
+              <a:rPr lang="en-US" sz="1400" dirty="0" err="1">
+                <a:latin typeface="Courier New" panose="02070309020205020404" pitchFamily="49" charset="0"/>
+                <a:cs typeface="Courier New" panose="02070309020205020404" pitchFamily="49" charset="0"/>
+              </a:rPr>
+              <a:t>docker</a:t>
+            </a:r>
+            <a:r>
+              <a:rPr lang="en-US" sz="1400" b="1" dirty="0">
+                <a:latin typeface="Courier New" panose="02070309020205020404" pitchFamily="49" charset="0"/>
+                <a:cs typeface="Courier New" panose="02070309020205020404" pitchFamily="49" charset="0"/>
+              </a:rPr>
+              <a:t> logs </a:t>
+            </a:r>
+            <a:r>
+              <a:rPr lang="en-US" sz="1400" i="1" dirty="0">
+                <a:latin typeface="Courier New" panose="02070309020205020404" pitchFamily="49" charset="0"/>
+                <a:cs typeface="Courier New" panose="02070309020205020404" pitchFamily="49" charset="0"/>
+              </a:rPr>
+              <a:t>&lt;container ID or name&gt;</a:t>
+            </a:r>
+          </a:p>
+        </p:txBody>
+      </p:sp>
+      <p:sp>
+        <p:nvSpPr>
+          <p:cNvPr id="9" name="Rectangle: Rounded Corners 8"/>
+          <p:cNvSpPr/>
+          <p:nvPr/>
+        </p:nvSpPr>
+        <p:spPr bwMode="gray">
+          <a:xfrm>
+            <a:off x="779625" y="3575926"/>
+            <a:ext cx="10635223" cy="2275275"/>
+          </a:xfrm>
+          <a:prstGeom prst="roundRect">
+            <a:avLst>
+              <a:gd name="adj" fmla="val 8296"/>
+            </a:avLst>
+          </a:prstGeom>
+          <a:pattFill prst="narHorz">
+            <a:fgClr>
+              <a:schemeClr val="tx1"/>
+            </a:fgClr>
+            <a:bgClr>
+              <a:srgbClr val="112806"/>
+            </a:bgClr>
+          </a:pattFill>
+          <a:ln w="6350" algn="ctr">
+            <a:noFill/>
+            <a:miter lim="800000"/>
+            <a:headEnd/>
+            <a:tailEnd/>
+          </a:ln>
+        </p:spPr>
+        <p:txBody>
+          <a:bodyPr lIns="90000" tIns="72000" rIns="90000" bIns="72000" rtlCol="0" anchor="t"/>
+          <a:lstStyle/>
+          <a:p>
+            <a:pPr defTabSz="914400" fontAlgn="base">
+              <a:spcAft>
+                <a:spcPct val="0"/>
+              </a:spcAft>
+              <a:buClr>
+                <a:srgbClr val="F0AB00"/>
+              </a:buClr>
+              <a:buSzPct val="80000"/>
+            </a:pPr>
+            <a:r>
+              <a:rPr lang="en-US" sz="1200" b="1" kern="0" dirty="0">
+                <a:solidFill>
+                  <a:schemeClr val="bg1"/>
+                </a:solidFill>
+                <a:latin typeface="Courier New" panose="02070309020205020404" pitchFamily="49" charset="0"/>
+                <a:ea typeface="Arial Unicode MS" pitchFamily="34" charset="-128"/>
+                <a:cs typeface="Courier New" panose="02070309020205020404" pitchFamily="49" charset="0"/>
+              </a:rPr>
+              <a:t>$ </a:t>
+            </a:r>
+            <a:r>
+              <a:rPr lang="en-US" sz="1200" b="1" kern="0" dirty="0" err="1">
+                <a:solidFill>
+                  <a:schemeClr val="bg1"/>
+                </a:solidFill>
+                <a:latin typeface="Courier New" panose="02070309020205020404" pitchFamily="49" charset="0"/>
+                <a:ea typeface="Arial Unicode MS" pitchFamily="34" charset="-128"/>
+                <a:cs typeface="Courier New" panose="02070309020205020404" pitchFamily="49" charset="0"/>
+              </a:rPr>
+              <a:t>docker</a:t>
+            </a:r>
+            <a:r>
+              <a:rPr lang="en-US" sz="1200" b="1" kern="0" dirty="0">
+                <a:solidFill>
+                  <a:schemeClr val="bg1"/>
+                </a:solidFill>
+                <a:latin typeface="Courier New" panose="02070309020205020404" pitchFamily="49" charset="0"/>
+                <a:ea typeface="Arial Unicode MS" pitchFamily="34" charset="-128"/>
+                <a:cs typeface="Courier New" panose="02070309020205020404" pitchFamily="49" charset="0"/>
+              </a:rPr>
+              <a:t> logs 494b7b8c9f39</a:t>
+            </a:r>
+          </a:p>
+          <a:p>
+            <a:pPr defTabSz="914400" fontAlgn="base">
+              <a:spcAft>
+                <a:spcPct val="0"/>
+              </a:spcAft>
+              <a:buClr>
+                <a:srgbClr val="F0AB00"/>
+              </a:buClr>
+              <a:buSzPct val="80000"/>
+            </a:pPr>
+            <a:r>
+              <a:rPr lang="en-US" sz="1200" kern="0" dirty="0">
+                <a:solidFill>
+                  <a:schemeClr val="bg1"/>
+                </a:solidFill>
+                <a:latin typeface="Arial monospaced for SAP" panose="020B0609020202030204" pitchFamily="49" charset="0"/>
+                <a:ea typeface="Arial Unicode MS" pitchFamily="34" charset="-128"/>
+                <a:cs typeface="Courier New" panose="02070309020205020404" pitchFamily="49" charset="0"/>
+              </a:rPr>
+              <a:t>10.19.91.230 - - [01/Dec/2017:14:48:12 +0000] "GET / HTTP/1.1" 200 230 "-" "Mozilla/5.0 (Windows NT 10.0; Win64; x64; rv:57.0) Gecko/20100101 Firefox/57.0" "-"</a:t>
+            </a:r>
+          </a:p>
+          <a:p>
+            <a:pPr defTabSz="914400" fontAlgn="base">
+              <a:spcAft>
+                <a:spcPct val="0"/>
+              </a:spcAft>
+              <a:buClr>
+                <a:srgbClr val="F0AB00"/>
+              </a:buClr>
+              <a:buSzPct val="80000"/>
+            </a:pPr>
+            <a:r>
+              <a:rPr lang="en-US" sz="1200" kern="0" dirty="0">
+                <a:solidFill>
+                  <a:schemeClr val="bg1"/>
+                </a:solidFill>
+                <a:latin typeface="Arial monospaced for SAP" panose="020B0609020202030204" pitchFamily="49" charset="0"/>
+                <a:ea typeface="Arial Unicode MS" pitchFamily="34" charset="-128"/>
+                <a:cs typeface="Courier New" panose="02070309020205020404" pitchFamily="49" charset="0"/>
+              </a:rPr>
+              <a:t>10.19.91.230 - - [01/Dec/2017:14:48:12 +0000] "GET /it_works.jpg HTTP/1.1" 200 25676 "http://pvxka22:32780/" "Mozilla/5.0 (Windows NT 10.0; Win64; x64; rv:57.0) Gecko/20100101 Firefox/57.0" "-"</a:t>
+            </a:r>
+          </a:p>
+          <a:p>
+            <a:pPr defTabSz="914400" fontAlgn="base">
+              <a:spcAft>
+                <a:spcPct val="0"/>
+              </a:spcAft>
+              <a:buClr>
+                <a:srgbClr val="F0AB00"/>
+              </a:buClr>
+              <a:buSzPct val="80000"/>
+            </a:pPr>
+            <a:r>
+              <a:rPr lang="en-US" sz="1200" kern="0" dirty="0">
+                <a:solidFill>
+                  <a:schemeClr val="accent5">
+                    <a:lumMod val="20000"/>
+                    <a:lumOff val="80000"/>
+                  </a:schemeClr>
+                </a:solidFill>
+                <a:latin typeface="Arial monospaced for SAP" panose="020B0609020202030204" pitchFamily="49" charset="0"/>
+                <a:ea typeface="Arial Unicode MS" pitchFamily="34" charset="-128"/>
+                <a:cs typeface="Courier New" panose="02070309020205020404" pitchFamily="49" charset="0"/>
+              </a:rPr>
+              <a:t>2017/12/01 14:48:12 [error] 8#8: *1 open() "/</a:t>
+            </a:r>
+            <a:r>
+              <a:rPr lang="en-US" sz="1200" kern="0" dirty="0" err="1">
+                <a:solidFill>
+                  <a:schemeClr val="accent5">
+                    <a:lumMod val="20000"/>
+                    <a:lumOff val="80000"/>
+                  </a:schemeClr>
+                </a:solidFill>
+                <a:latin typeface="Arial monospaced for SAP" panose="020B0609020202030204" pitchFamily="49" charset="0"/>
+                <a:ea typeface="Arial Unicode MS" pitchFamily="34" charset="-128"/>
+                <a:cs typeface="Courier New" panose="02070309020205020404" pitchFamily="49" charset="0"/>
+              </a:rPr>
+              <a:t>srv</a:t>
+            </a:r>
+            <a:r>
+              <a:rPr lang="en-US" sz="1200" kern="0" dirty="0">
+                <a:solidFill>
+                  <a:schemeClr val="accent5">
+                    <a:lumMod val="20000"/>
+                    <a:lumOff val="80000"/>
+                  </a:schemeClr>
+                </a:solidFill>
+                <a:latin typeface="Arial monospaced for SAP" panose="020B0609020202030204" pitchFamily="49" charset="0"/>
+                <a:ea typeface="Arial Unicode MS" pitchFamily="34" charset="-128"/>
+                <a:cs typeface="Courier New" panose="02070309020205020404" pitchFamily="49" charset="0"/>
+              </a:rPr>
+              <a:t>/www/</a:t>
+            </a:r>
+            <a:r>
+              <a:rPr lang="en-US" sz="1200" kern="0" dirty="0" err="1">
+                <a:solidFill>
+                  <a:schemeClr val="accent5">
+                    <a:lumMod val="20000"/>
+                    <a:lumOff val="80000"/>
+                  </a:schemeClr>
+                </a:solidFill>
+                <a:latin typeface="Arial monospaced for SAP" panose="020B0609020202030204" pitchFamily="49" charset="0"/>
+                <a:ea typeface="Arial Unicode MS" pitchFamily="34" charset="-128"/>
+                <a:cs typeface="Courier New" panose="02070309020205020404" pitchFamily="49" charset="0"/>
+              </a:rPr>
+              <a:t>htdocs</a:t>
+            </a:r>
+            <a:r>
+              <a:rPr lang="en-US" sz="1200" kern="0" dirty="0">
+                <a:solidFill>
+                  <a:schemeClr val="accent5">
+                    <a:lumMod val="20000"/>
+                    <a:lumOff val="80000"/>
+                  </a:schemeClr>
+                </a:solidFill>
+                <a:latin typeface="Arial monospaced for SAP" panose="020B0609020202030204" pitchFamily="49" charset="0"/>
+                <a:ea typeface="Arial Unicode MS" pitchFamily="34" charset="-128"/>
+                <a:cs typeface="Courier New" panose="02070309020205020404" pitchFamily="49" charset="0"/>
+              </a:rPr>
+              <a:t>/favicon.ico" failed (2: No such file or directory), client: 10.19.91.230, server: localhost, request: "GET /favicon.ico HTTP/1.1", host: "pvxka22:32780"</a:t>
+            </a:r>
+          </a:p>
+          <a:p>
+            <a:pPr defTabSz="914400" fontAlgn="base">
+              <a:spcAft>
+                <a:spcPct val="0"/>
+              </a:spcAft>
+              <a:buClr>
+                <a:srgbClr val="F0AB00"/>
+              </a:buClr>
+              <a:buSzPct val="80000"/>
+            </a:pPr>
+            <a:r>
+              <a:rPr lang="en-US" sz="1200" kern="0" dirty="0">
+                <a:solidFill>
+                  <a:schemeClr val="bg1"/>
+                </a:solidFill>
+                <a:latin typeface="Arial monospaced for SAP" panose="020B0609020202030204" pitchFamily="49" charset="0"/>
+                <a:ea typeface="Arial Unicode MS" pitchFamily="34" charset="-128"/>
+                <a:cs typeface="Courier New" panose="02070309020205020404" pitchFamily="49" charset="0"/>
+              </a:rPr>
+              <a:t>10.19.91.230 - - [01/Dec/2017:14:48:12 +0000] "GET /favicon.ico HTTP/1.1" 404 169 "-" "Mozilla/5.0 (Windows NT 10.0; Win64; x64; rv:57.0) Gecko/20100101 Firefox/57.0" "-“</a:t>
+            </a:r>
+          </a:p>
+          <a:p>
+            <a:pPr defTabSz="914400" fontAlgn="base">
+              <a:spcAft>
+                <a:spcPct val="0"/>
+              </a:spcAft>
+              <a:buClr>
+                <a:srgbClr val="F0AB00"/>
+              </a:buClr>
+              <a:buSzPct val="80000"/>
+            </a:pPr>
+            <a:endParaRPr lang="en-US" sz="1200" b="1" kern="0" dirty="0">
+              <a:solidFill>
+                <a:schemeClr val="bg1"/>
+              </a:solidFill>
+              <a:latin typeface="Courier New" panose="02070309020205020404" pitchFamily="49" charset="0"/>
+              <a:ea typeface="Arial Unicode MS" pitchFamily="34" charset="-128"/>
+              <a:cs typeface="Courier New" panose="02070309020205020404" pitchFamily="49" charset="0"/>
+            </a:endParaRPr>
+          </a:p>
+          <a:p>
+            <a:pPr defTabSz="914400" fontAlgn="base">
+              <a:spcAft>
+                <a:spcPct val="0"/>
+              </a:spcAft>
+              <a:buClr>
+                <a:srgbClr val="F0AB00"/>
+              </a:buClr>
+              <a:buSzPct val="80000"/>
+            </a:pPr>
+            <a:r>
+              <a:rPr lang="en-US" sz="1200" b="1" kern="0" dirty="0">
+                <a:solidFill>
+                  <a:schemeClr val="bg1"/>
+                </a:solidFill>
+                <a:latin typeface="Courier New" panose="02070309020205020404" pitchFamily="49" charset="0"/>
+                <a:ea typeface="Arial Unicode MS" pitchFamily="34" charset="-128"/>
+                <a:cs typeface="Courier New" panose="02070309020205020404" pitchFamily="49" charset="0"/>
+              </a:rPr>
+              <a:t>$</a:t>
+            </a:r>
+          </a:p>
+        </p:txBody>
+      </p:sp>
+    </p:spTree>
+    <p:extLst>
+      <p:ext uri="{BB962C8B-B14F-4D97-AF65-F5344CB8AC3E}">
+        <p14:creationId xmlns:p14="http://schemas.microsoft.com/office/powerpoint/2010/main" val="3140959912"/>
+      </p:ext>
+    </p:extLst>
+  </p:cSld>
+  <p:clrMapOvr>
+    <a:masterClrMapping/>
+  </p:clrMapOvr>
+</p:sld>
+</file>
+
+<file path=ppt/slides/slide12.xml><?xml version="1.0" encoding="utf-8"?>
+<p:sld xmlns:a="http://schemas.openxmlformats.org/drawingml/2006/main" xmlns:r="http://schemas.openxmlformats.org/officeDocument/2006/relationships" xmlns:p="http://schemas.openxmlformats.org/presentationml/2006/main">
+  <p:cSld>
+    <p:spTree>
+      <p:nvGrpSpPr>
+        <p:cNvPr id="1" name=""/>
+        <p:cNvGrpSpPr/>
+        <p:nvPr/>
+      </p:nvGrpSpPr>
+      <p:grpSpPr>
+        <a:xfrm>
+          <a:off x="0" y="0"/>
+          <a:ext cx="0" cy="0"/>
+          <a:chOff x="0" y="0"/>
+          <a:chExt cx="0" cy="0"/>
+        </a:xfrm>
+      </p:grpSpPr>
+      <p:sp>
+        <p:nvSpPr>
+          <p:cNvPr id="3" name="Title 2"/>
+          <p:cNvSpPr>
+            <a:spLocks noGrp="1"/>
+          </p:cNvSpPr>
+          <p:nvPr>
+            <p:ph type="title"/>
+          </p:nvPr>
+        </p:nvSpPr>
+        <p:spPr/>
+        <p:txBody>
+          <a:bodyPr/>
+          <a:lstStyle/>
+          <a:p>
+            <a:r>
+              <a:rPr lang="en-US" dirty="0"/>
               <a:t>Removing a container</a:t>
             </a:r>
           </a:p>
@@ -10103,599 +11352,6 @@
     <p:extLst>
       <p:ext uri="{BB962C8B-B14F-4D97-AF65-F5344CB8AC3E}">
         <p14:creationId xmlns:p14="http://schemas.microsoft.com/office/powerpoint/2010/main" val="2494487017"/>
-      </p:ext>
-    </p:extLst>
-  </p:cSld>
-  <p:clrMapOvr>
-    <a:masterClrMapping/>
-  </p:clrMapOvr>
-</p:sld>
-</file>
-
-<file path=ppt/slides/slide12.xml><?xml version="1.0" encoding="utf-8"?>
-<p:sld xmlns:a="http://schemas.openxmlformats.org/drawingml/2006/main" xmlns:r="http://schemas.openxmlformats.org/officeDocument/2006/relationships" xmlns:p="http://schemas.openxmlformats.org/presentationml/2006/main">
-  <p:cSld>
-    <p:spTree>
-      <p:nvGrpSpPr>
-        <p:cNvPr id="1" name=""/>
-        <p:cNvGrpSpPr/>
-        <p:nvPr/>
-      </p:nvGrpSpPr>
-      <p:grpSpPr>
-        <a:xfrm>
-          <a:off x="0" y="0"/>
-          <a:ext cx="0" cy="0"/>
-          <a:chOff x="0" y="0"/>
-          <a:chExt cx="0" cy="0"/>
-        </a:xfrm>
-      </p:grpSpPr>
-      <p:sp>
-        <p:nvSpPr>
-          <p:cNvPr id="2" name="Text Placeholder 1"/>
-          <p:cNvSpPr>
-            <a:spLocks noGrp="1"/>
-          </p:cNvSpPr>
-          <p:nvPr>
-            <p:ph type="body" sz="quarter" idx="10"/>
-          </p:nvPr>
-        </p:nvSpPr>
-        <p:spPr>
-          <a:xfrm>
-            <a:off x="503999" y="1619999"/>
-            <a:ext cx="11186477" cy="4640951"/>
-          </a:xfrm>
-        </p:spPr>
-        <p:txBody>
-          <a:bodyPr/>
-          <a:lstStyle/>
-          <a:p>
-            <a:pPr lvl="1"/>
-            <a:r>
-              <a:rPr lang="en-US" sz="2000" dirty="0"/>
-              <a:t>Start and run a new container</a:t>
-            </a:r>
-          </a:p>
-          <a:p>
-            <a:pPr lvl="1"/>
-            <a:endParaRPr lang="en-US" sz="2000" dirty="0"/>
-          </a:p>
-          <a:p>
-            <a:pPr lvl="1"/>
-            <a:r>
-              <a:rPr lang="en-US" sz="2000" dirty="0"/>
-              <a:t>Reattach to a container</a:t>
-            </a:r>
-          </a:p>
-          <a:p>
-            <a:pPr lvl="1"/>
-            <a:endParaRPr lang="en-US" sz="2000" dirty="0"/>
-          </a:p>
-          <a:p>
-            <a:pPr lvl="1"/>
-            <a:r>
-              <a:rPr lang="en-US" sz="2000" dirty="0"/>
-              <a:t>Forcibly stop a container</a:t>
-            </a:r>
-          </a:p>
-          <a:p>
-            <a:pPr lvl="1"/>
-            <a:endParaRPr lang="en-US" sz="2000" dirty="0"/>
-          </a:p>
-          <a:p>
-            <a:pPr lvl="1"/>
-            <a:r>
-              <a:rPr lang="en-US" sz="2000" dirty="0"/>
-              <a:t>Restart a previously stopped container</a:t>
-            </a:r>
-          </a:p>
-          <a:p>
-            <a:pPr lvl="1"/>
-            <a:endParaRPr lang="en-US" sz="2000" dirty="0"/>
-          </a:p>
-          <a:p>
-            <a:pPr lvl="1"/>
-            <a:r>
-              <a:rPr lang="en-US" sz="2000" dirty="0"/>
-              <a:t>Remove a container</a:t>
-            </a:r>
-          </a:p>
-          <a:p>
-            <a:pPr lvl="1"/>
-            <a:endParaRPr lang="en-US" sz="2000" dirty="0"/>
-          </a:p>
-        </p:txBody>
-      </p:sp>
-      <p:sp>
-        <p:nvSpPr>
-          <p:cNvPr id="3" name="Title 2"/>
-          <p:cNvSpPr>
-            <a:spLocks noGrp="1"/>
-          </p:cNvSpPr>
-          <p:nvPr>
-            <p:ph type="title"/>
-          </p:nvPr>
-        </p:nvSpPr>
-        <p:spPr/>
-        <p:txBody>
-          <a:bodyPr/>
-          <a:lstStyle/>
-          <a:p>
-            <a:r>
-              <a:rPr lang="en-US" dirty="0"/>
-              <a:t>Commands for containers</a:t>
-            </a:r>
-          </a:p>
-        </p:txBody>
-      </p:sp>
-      <p:sp>
-        <p:nvSpPr>
-          <p:cNvPr id="6" name="Rectangle: Rounded Corners 5"/>
-          <p:cNvSpPr/>
-          <p:nvPr/>
-        </p:nvSpPr>
-        <p:spPr bwMode="gray">
-          <a:xfrm>
-            <a:off x="981976" y="2004108"/>
-            <a:ext cx="7312170" cy="276513"/>
-          </a:xfrm>
-          <a:prstGeom prst="roundRect">
-            <a:avLst/>
-          </a:prstGeom>
-          <a:solidFill>
-            <a:schemeClr val="accent1">
-              <a:lumMod val="20000"/>
-              <a:lumOff val="80000"/>
-            </a:schemeClr>
-          </a:solidFill>
-          <a:ln w="6350" algn="ctr">
-            <a:noFill/>
-            <a:miter lim="800000"/>
-            <a:headEnd/>
-            <a:tailEnd/>
-          </a:ln>
-        </p:spPr>
-        <p:txBody>
-          <a:bodyPr lIns="90000" tIns="72000" rIns="90000" bIns="72000" rtlCol="0" anchor="ctr"/>
-          <a:lstStyle/>
-          <a:p>
-            <a:pPr marL="179387" lvl="2" indent="0">
-              <a:buNone/>
-            </a:pPr>
-            <a:r>
-              <a:rPr lang="en-US" sz="1400" b="1" dirty="0">
-                <a:latin typeface="Courier New" panose="02070309020205020404" pitchFamily="49" charset="0"/>
-                <a:cs typeface="Courier New" panose="02070309020205020404" pitchFamily="49" charset="0"/>
-              </a:rPr>
-              <a:t>$ </a:t>
-            </a:r>
-            <a:r>
-              <a:rPr lang="en-US" sz="1400" dirty="0">
-                <a:latin typeface="Courier New" panose="02070309020205020404" pitchFamily="49" charset="0"/>
-                <a:cs typeface="Courier New" panose="02070309020205020404" pitchFamily="49" charset="0"/>
-              </a:rPr>
-              <a:t>docker</a:t>
-            </a:r>
-            <a:r>
-              <a:rPr lang="en-US" sz="1400" b="1" dirty="0">
-                <a:latin typeface="Courier New" panose="02070309020205020404" pitchFamily="49" charset="0"/>
-                <a:cs typeface="Courier New" panose="02070309020205020404" pitchFamily="49" charset="0"/>
-              </a:rPr>
-              <a:t> run </a:t>
-            </a:r>
-            <a:r>
-              <a:rPr lang="en-US" sz="1400" i="1" dirty="0" err="1">
-                <a:latin typeface="Courier New" panose="02070309020205020404" pitchFamily="49" charset="0"/>
-                <a:cs typeface="Courier New" panose="02070309020205020404" pitchFamily="49" charset="0"/>
-              </a:rPr>
-              <a:t>busybox</a:t>
-            </a:r>
-            <a:endParaRPr lang="en-US" sz="1400" i="1" dirty="0">
-              <a:latin typeface="Courier New" panose="02070309020205020404" pitchFamily="49" charset="0"/>
-              <a:cs typeface="Courier New" panose="02070309020205020404" pitchFamily="49" charset="0"/>
-            </a:endParaRPr>
-          </a:p>
-        </p:txBody>
-      </p:sp>
-      <p:sp>
-        <p:nvSpPr>
-          <p:cNvPr id="7" name="Rectangle: Rounded Corners 6"/>
-          <p:cNvSpPr/>
-          <p:nvPr/>
-        </p:nvSpPr>
-        <p:spPr bwMode="gray">
-          <a:xfrm>
-            <a:off x="981976" y="2750776"/>
-            <a:ext cx="10230522" cy="276513"/>
-          </a:xfrm>
-          <a:prstGeom prst="roundRect">
-            <a:avLst/>
-          </a:prstGeom>
-          <a:solidFill>
-            <a:schemeClr val="accent1">
-              <a:lumMod val="20000"/>
-              <a:lumOff val="80000"/>
-            </a:schemeClr>
-          </a:solidFill>
-          <a:ln w="6350" algn="ctr">
-            <a:noFill/>
-            <a:miter lim="800000"/>
-            <a:headEnd/>
-            <a:tailEnd/>
-          </a:ln>
-        </p:spPr>
-        <p:txBody>
-          <a:bodyPr lIns="90000" tIns="72000" rIns="90000" bIns="72000" rtlCol="0" anchor="ctr"/>
-          <a:lstStyle/>
-          <a:p>
-            <a:pPr marL="179387" lvl="2" indent="0">
-              <a:buNone/>
-            </a:pPr>
-            <a:r>
-              <a:rPr lang="en-US" sz="1400" b="1" dirty="0">
-                <a:latin typeface="Courier New" panose="02070309020205020404" pitchFamily="49" charset="0"/>
-                <a:cs typeface="Courier New" panose="02070309020205020404" pitchFamily="49" charset="0"/>
-              </a:rPr>
-              <a:t>$ </a:t>
-            </a:r>
-            <a:r>
-              <a:rPr lang="en-US" sz="1400" dirty="0">
-                <a:latin typeface="Courier New" panose="02070309020205020404" pitchFamily="49" charset="0"/>
-                <a:cs typeface="Courier New" panose="02070309020205020404" pitchFamily="49" charset="0"/>
-              </a:rPr>
-              <a:t>docker</a:t>
-            </a:r>
-            <a:r>
-              <a:rPr lang="en-US" sz="1400" b="1" dirty="0">
-                <a:latin typeface="Courier New" panose="02070309020205020404" pitchFamily="49" charset="0"/>
-                <a:cs typeface="Courier New" panose="02070309020205020404" pitchFamily="49" charset="0"/>
-              </a:rPr>
-              <a:t> attach </a:t>
-            </a:r>
-            <a:r>
-              <a:rPr lang="en-US" sz="1400" i="1" dirty="0">
-                <a:latin typeface="Courier New" panose="02070309020205020404" pitchFamily="49" charset="0"/>
-                <a:cs typeface="Courier New" panose="02070309020205020404" pitchFamily="49" charset="0"/>
-              </a:rPr>
-              <a:t>&lt;container ID or name&gt;</a:t>
-            </a:r>
-          </a:p>
-        </p:txBody>
-      </p:sp>
-      <p:sp>
-        <p:nvSpPr>
-          <p:cNvPr id="8" name="Rectangle: Rounded Corners 7"/>
-          <p:cNvSpPr/>
-          <p:nvPr/>
-        </p:nvSpPr>
-        <p:spPr bwMode="gray">
-          <a:xfrm>
-            <a:off x="981976" y="4257357"/>
-            <a:ext cx="10230522" cy="276513"/>
-          </a:xfrm>
-          <a:prstGeom prst="roundRect">
-            <a:avLst/>
-          </a:prstGeom>
-          <a:solidFill>
-            <a:schemeClr val="accent1">
-              <a:lumMod val="20000"/>
-              <a:lumOff val="80000"/>
-            </a:schemeClr>
-          </a:solidFill>
-          <a:ln w="6350" algn="ctr">
-            <a:noFill/>
-            <a:miter lim="800000"/>
-            <a:headEnd/>
-            <a:tailEnd/>
-          </a:ln>
-        </p:spPr>
-        <p:txBody>
-          <a:bodyPr lIns="90000" tIns="72000" rIns="90000" bIns="72000" rtlCol="0" anchor="ctr"/>
-          <a:lstStyle/>
-          <a:p>
-            <a:pPr marL="179387" lvl="2" indent="0">
-              <a:buNone/>
-            </a:pPr>
-            <a:r>
-              <a:rPr lang="en-US" sz="1400" b="1" dirty="0">
-                <a:latin typeface="Courier New" panose="02070309020205020404" pitchFamily="49" charset="0"/>
-                <a:cs typeface="Courier New" panose="02070309020205020404" pitchFamily="49" charset="0"/>
-              </a:rPr>
-              <a:t>$ </a:t>
-            </a:r>
-            <a:r>
-              <a:rPr lang="en-US" sz="1400" dirty="0">
-                <a:latin typeface="Courier New" panose="02070309020205020404" pitchFamily="49" charset="0"/>
-                <a:cs typeface="Courier New" panose="02070309020205020404" pitchFamily="49" charset="0"/>
-              </a:rPr>
-              <a:t>docker</a:t>
-            </a:r>
-            <a:r>
-              <a:rPr lang="en-US" sz="1400" b="1" dirty="0">
-                <a:latin typeface="Courier New" panose="02070309020205020404" pitchFamily="49" charset="0"/>
-                <a:cs typeface="Courier New" panose="02070309020205020404" pitchFamily="49" charset="0"/>
-              </a:rPr>
-              <a:t> start </a:t>
-            </a:r>
-            <a:r>
-              <a:rPr lang="en-US" sz="1400" i="1" dirty="0">
-                <a:latin typeface="Courier New" panose="02070309020205020404" pitchFamily="49" charset="0"/>
-                <a:cs typeface="Courier New" panose="02070309020205020404" pitchFamily="49" charset="0"/>
-              </a:rPr>
-              <a:t>&lt;container ID or name&gt;</a:t>
-            </a:r>
-          </a:p>
-        </p:txBody>
-      </p:sp>
-      <p:sp>
-        <p:nvSpPr>
-          <p:cNvPr id="9" name="Rectangle: Rounded Corners 8"/>
-          <p:cNvSpPr/>
-          <p:nvPr/>
-        </p:nvSpPr>
-        <p:spPr bwMode="gray">
-          <a:xfrm>
-            <a:off x="981976" y="3510689"/>
-            <a:ext cx="10230522" cy="276513"/>
-          </a:xfrm>
-          <a:prstGeom prst="roundRect">
-            <a:avLst/>
-          </a:prstGeom>
-          <a:solidFill>
-            <a:schemeClr val="accent1">
-              <a:lumMod val="20000"/>
-              <a:lumOff val="80000"/>
-            </a:schemeClr>
-          </a:solidFill>
-          <a:ln w="6350" algn="ctr">
-            <a:noFill/>
-            <a:miter lim="800000"/>
-            <a:headEnd/>
-            <a:tailEnd/>
-          </a:ln>
-        </p:spPr>
-        <p:txBody>
-          <a:bodyPr lIns="90000" tIns="72000" rIns="90000" bIns="72000" rtlCol="0" anchor="ctr"/>
-          <a:lstStyle/>
-          <a:p>
-            <a:pPr marL="179387" lvl="2" indent="0">
-              <a:buNone/>
-            </a:pPr>
-            <a:r>
-              <a:rPr lang="en-US" sz="1400" b="1" dirty="0">
-                <a:latin typeface="Courier New" panose="02070309020205020404" pitchFamily="49" charset="0"/>
-                <a:cs typeface="Courier New" panose="02070309020205020404" pitchFamily="49" charset="0"/>
-              </a:rPr>
-              <a:t>$ </a:t>
-            </a:r>
-            <a:r>
-              <a:rPr lang="en-US" sz="1400" dirty="0">
-                <a:latin typeface="Courier New" panose="02070309020205020404" pitchFamily="49" charset="0"/>
-                <a:cs typeface="Courier New" panose="02070309020205020404" pitchFamily="49" charset="0"/>
-              </a:rPr>
-              <a:t>docker</a:t>
-            </a:r>
-            <a:r>
-              <a:rPr lang="en-US" sz="1400" b="1" dirty="0">
-                <a:latin typeface="Courier New" panose="02070309020205020404" pitchFamily="49" charset="0"/>
-                <a:cs typeface="Courier New" panose="02070309020205020404" pitchFamily="49" charset="0"/>
-              </a:rPr>
-              <a:t> stop </a:t>
-            </a:r>
-            <a:r>
-              <a:rPr lang="en-US" sz="1400" i="1" dirty="0">
-                <a:latin typeface="Courier New" panose="02070309020205020404" pitchFamily="49" charset="0"/>
-                <a:cs typeface="Courier New" panose="02070309020205020404" pitchFamily="49" charset="0"/>
-              </a:rPr>
-              <a:t>&lt;container ID or name&gt;</a:t>
-            </a:r>
-          </a:p>
-        </p:txBody>
-      </p:sp>
-      <p:sp>
-        <p:nvSpPr>
-          <p:cNvPr id="10" name="Rectangle: Rounded Corners 9"/>
-          <p:cNvSpPr/>
-          <p:nvPr/>
-        </p:nvSpPr>
-        <p:spPr bwMode="gray">
-          <a:xfrm>
-            <a:off x="981976" y="5053678"/>
-            <a:ext cx="10230522" cy="276513"/>
-          </a:xfrm>
-          <a:prstGeom prst="roundRect">
-            <a:avLst/>
-          </a:prstGeom>
-          <a:solidFill>
-            <a:schemeClr val="accent1">
-              <a:lumMod val="20000"/>
-              <a:lumOff val="80000"/>
-            </a:schemeClr>
-          </a:solidFill>
-          <a:ln w="6350" algn="ctr">
-            <a:noFill/>
-            <a:miter lim="800000"/>
-            <a:headEnd/>
-            <a:tailEnd/>
-          </a:ln>
-        </p:spPr>
-        <p:txBody>
-          <a:bodyPr lIns="90000" tIns="72000" rIns="90000" bIns="72000" rtlCol="0" anchor="ctr"/>
-          <a:lstStyle/>
-          <a:p>
-            <a:pPr marL="179387" lvl="2" indent="0">
-              <a:buNone/>
-            </a:pPr>
-            <a:r>
-              <a:rPr lang="en-US" sz="1400" b="1" dirty="0">
-                <a:latin typeface="Courier New" panose="02070309020205020404" pitchFamily="49" charset="0"/>
-                <a:cs typeface="Courier New" panose="02070309020205020404" pitchFamily="49" charset="0"/>
-              </a:rPr>
-              <a:t>$ </a:t>
-            </a:r>
-            <a:r>
-              <a:rPr lang="en-US" sz="1400" dirty="0">
-                <a:latin typeface="Courier New" panose="02070309020205020404" pitchFamily="49" charset="0"/>
-                <a:cs typeface="Courier New" panose="02070309020205020404" pitchFamily="49" charset="0"/>
-              </a:rPr>
-              <a:t>docker </a:t>
-            </a:r>
-            <a:r>
-              <a:rPr lang="en-US" sz="1400" b="1" dirty="0" err="1">
-                <a:latin typeface="Courier New" panose="02070309020205020404" pitchFamily="49" charset="0"/>
-                <a:cs typeface="Courier New" panose="02070309020205020404" pitchFamily="49" charset="0"/>
-              </a:rPr>
-              <a:t>rm</a:t>
-            </a:r>
-            <a:r>
-              <a:rPr lang="en-US" sz="1400" b="1" dirty="0">
-                <a:latin typeface="Courier New" panose="02070309020205020404" pitchFamily="49" charset="0"/>
-                <a:cs typeface="Courier New" panose="02070309020205020404" pitchFamily="49" charset="0"/>
-              </a:rPr>
-              <a:t> </a:t>
-            </a:r>
-            <a:r>
-              <a:rPr lang="en-US" sz="1400" i="1" dirty="0">
-                <a:latin typeface="Courier New" panose="02070309020205020404" pitchFamily="49" charset="0"/>
-                <a:cs typeface="Courier New" panose="02070309020205020404" pitchFamily="49" charset="0"/>
-              </a:rPr>
-              <a:t>&lt;container ID or name&gt;</a:t>
-            </a:r>
-          </a:p>
-        </p:txBody>
-      </p:sp>
-      <p:sp>
-        <p:nvSpPr>
-          <p:cNvPr id="4" name="Rectangle: Rounded Corners 3"/>
-          <p:cNvSpPr/>
-          <p:nvPr/>
-        </p:nvSpPr>
-        <p:spPr bwMode="gray">
-          <a:xfrm>
-            <a:off x="8447783" y="1074790"/>
-            <a:ext cx="2764715" cy="1205831"/>
-          </a:xfrm>
-          <a:prstGeom prst="roundRect">
-            <a:avLst>
-              <a:gd name="adj" fmla="val 7623"/>
-            </a:avLst>
-          </a:prstGeom>
-          <a:solidFill>
-            <a:schemeClr val="accent1"/>
-          </a:solidFill>
-          <a:ln w="6350" algn="ctr">
-            <a:solidFill>
-              <a:schemeClr val="tx1"/>
-            </a:solidFill>
-            <a:miter lim="800000"/>
-            <a:headEnd/>
-            <a:tailEnd/>
-          </a:ln>
-        </p:spPr>
-        <p:txBody>
-          <a:bodyPr lIns="90000" tIns="72000" rIns="90000" bIns="72000" rtlCol="0" anchor="ctr"/>
-          <a:lstStyle/>
-          <a:p>
-            <a:pPr marR="0" algn="ctr" defTabSz="914400" eaLnBrk="1" fontAlgn="base" latinLnBrk="0" hangingPunct="1">
-              <a:lnSpc>
-                <a:spcPct val="100000"/>
-              </a:lnSpc>
-              <a:spcBef>
-                <a:spcPct val="50000"/>
-              </a:spcBef>
-              <a:spcAft>
-                <a:spcPct val="0"/>
-              </a:spcAft>
-              <a:buClr>
-                <a:srgbClr val="F0AB00"/>
-              </a:buClr>
-              <a:buSzPct val="80000"/>
-              <a:tabLst/>
-            </a:pPr>
-            <a:r>
-              <a:rPr kumimoji="0" lang="en-US" sz="1800" b="0" i="0" u="none" strike="noStrike" kern="0" cap="none" spc="0" normalizeH="0" baseline="0" dirty="0">
-                <a:ln>
-                  <a:noFill/>
-                </a:ln>
-                <a:effectLst/>
-                <a:uLnTx/>
-                <a:uFillTx/>
-                <a:ea typeface="Arial Unicode MS" pitchFamily="34" charset="-128"/>
-                <a:cs typeface="Arial Unicode MS" pitchFamily="34" charset="-128"/>
-              </a:rPr>
-              <a:t>Detaching</a:t>
-            </a:r>
-            <a:r>
-              <a:rPr kumimoji="0" lang="en-US" sz="1800" b="0" i="0" u="none" strike="noStrike" kern="0" cap="none" spc="0" normalizeH="0" dirty="0">
-                <a:ln>
-                  <a:noFill/>
-                </a:ln>
-                <a:effectLst/>
-                <a:uLnTx/>
-                <a:uFillTx/>
-                <a:ea typeface="Arial Unicode MS" pitchFamily="34" charset="-128"/>
-                <a:cs typeface="Arial Unicode MS" pitchFamily="34" charset="-128"/>
-              </a:rPr>
-              <a:t> from a container</a:t>
-            </a:r>
-          </a:p>
-          <a:p>
-            <a:pPr marR="0" algn="ctr" defTabSz="914400" eaLnBrk="1" fontAlgn="base" latinLnBrk="0" hangingPunct="1">
-              <a:lnSpc>
-                <a:spcPct val="100000"/>
-              </a:lnSpc>
-              <a:spcBef>
-                <a:spcPct val="50000"/>
-              </a:spcBef>
-              <a:spcAft>
-                <a:spcPct val="0"/>
-              </a:spcAft>
-              <a:buClr>
-                <a:srgbClr val="F0AB00"/>
-              </a:buClr>
-              <a:buSzPct val="80000"/>
-              <a:tabLst/>
-            </a:pPr>
-            <a:r>
-              <a:rPr lang="en-US" sz="1800" kern="0" dirty="0">
-                <a:latin typeface="Arial Black" panose="020B0A04020102020204" pitchFamily="34" charset="0"/>
-                <a:ea typeface="Arial Unicode MS" pitchFamily="34" charset="-128"/>
-                <a:cs typeface="Arial Unicode MS" pitchFamily="34" charset="-128"/>
-              </a:rPr>
-              <a:t>Ctrl + P</a:t>
-            </a:r>
-            <a:r>
-              <a:rPr lang="en-US" sz="1800" kern="0" dirty="0">
-                <a:ea typeface="Arial Unicode MS" pitchFamily="34" charset="-128"/>
-                <a:cs typeface="Arial Unicode MS" pitchFamily="34" charset="-128"/>
-              </a:rPr>
-              <a:t> then </a:t>
-            </a:r>
-            <a:r>
-              <a:rPr lang="en-US" sz="1800" kern="0" dirty="0">
-                <a:latin typeface="Arial Black" panose="020B0A04020102020204" pitchFamily="34" charset="0"/>
-                <a:ea typeface="Arial Unicode MS" pitchFamily="34" charset="-128"/>
-                <a:cs typeface="Arial Unicode MS" pitchFamily="34" charset="-128"/>
-              </a:rPr>
-              <a:t>Ctrl + Q</a:t>
-            </a:r>
-            <a:endParaRPr kumimoji="0" lang="en-US" sz="1800" b="0" i="0" u="none" strike="noStrike" kern="0" cap="none" spc="0" normalizeH="0" baseline="0" dirty="0">
-              <a:ln>
-                <a:noFill/>
-              </a:ln>
-              <a:effectLst/>
-              <a:uLnTx/>
-              <a:uFillTx/>
-              <a:latin typeface="Arial Black" panose="020B0A04020102020204" pitchFamily="34" charset="0"/>
-              <a:ea typeface="Arial Unicode MS" pitchFamily="34" charset="-128"/>
-              <a:cs typeface="Arial Unicode MS" pitchFamily="34" charset="-128"/>
-            </a:endParaRPr>
-          </a:p>
-        </p:txBody>
-      </p:sp>
-    </p:spTree>
-    <p:extLst>
-      <p:ext uri="{BB962C8B-B14F-4D97-AF65-F5344CB8AC3E}">
-        <p14:creationId xmlns:p14="http://schemas.microsoft.com/office/powerpoint/2010/main" val="3475323242"/>
       </p:ext>
     </p:extLst>
   </p:cSld>
@@ -10745,6 +11401,599 @@
             <a:pPr lvl="1"/>
             <a:r>
               <a:rPr lang="en-US" sz="2000" dirty="0"/>
+              <a:t>Start and run a new container</a:t>
+            </a:r>
+          </a:p>
+          <a:p>
+            <a:pPr lvl="1"/>
+            <a:endParaRPr lang="en-US" sz="2000" dirty="0"/>
+          </a:p>
+          <a:p>
+            <a:pPr lvl="1"/>
+            <a:r>
+              <a:rPr lang="en-US" sz="2000" dirty="0"/>
+              <a:t>Reattach to a container</a:t>
+            </a:r>
+          </a:p>
+          <a:p>
+            <a:pPr lvl="1"/>
+            <a:endParaRPr lang="en-US" sz="2000" dirty="0"/>
+          </a:p>
+          <a:p>
+            <a:pPr lvl="1"/>
+            <a:r>
+              <a:rPr lang="en-US" sz="2000" dirty="0"/>
+              <a:t>Forcibly stop a container</a:t>
+            </a:r>
+          </a:p>
+          <a:p>
+            <a:pPr lvl="1"/>
+            <a:endParaRPr lang="en-US" sz="2000" dirty="0"/>
+          </a:p>
+          <a:p>
+            <a:pPr lvl="1"/>
+            <a:r>
+              <a:rPr lang="en-US" sz="2000" dirty="0"/>
+              <a:t>Restart a previously stopped container</a:t>
+            </a:r>
+          </a:p>
+          <a:p>
+            <a:pPr lvl="1"/>
+            <a:endParaRPr lang="en-US" sz="2000" dirty="0"/>
+          </a:p>
+          <a:p>
+            <a:pPr lvl="1"/>
+            <a:r>
+              <a:rPr lang="en-US" sz="2000" dirty="0"/>
+              <a:t>Remove a container</a:t>
+            </a:r>
+          </a:p>
+          <a:p>
+            <a:pPr lvl="1"/>
+            <a:endParaRPr lang="en-US" sz="2000" dirty="0"/>
+          </a:p>
+        </p:txBody>
+      </p:sp>
+      <p:sp>
+        <p:nvSpPr>
+          <p:cNvPr id="3" name="Title 2"/>
+          <p:cNvSpPr>
+            <a:spLocks noGrp="1"/>
+          </p:cNvSpPr>
+          <p:nvPr>
+            <p:ph type="title"/>
+          </p:nvPr>
+        </p:nvSpPr>
+        <p:spPr/>
+        <p:txBody>
+          <a:bodyPr/>
+          <a:lstStyle/>
+          <a:p>
+            <a:r>
+              <a:rPr lang="en-US" dirty="0"/>
+              <a:t>Commands for containers</a:t>
+            </a:r>
+          </a:p>
+        </p:txBody>
+      </p:sp>
+      <p:sp>
+        <p:nvSpPr>
+          <p:cNvPr id="6" name="Rectangle: Rounded Corners 5"/>
+          <p:cNvSpPr/>
+          <p:nvPr/>
+        </p:nvSpPr>
+        <p:spPr bwMode="gray">
+          <a:xfrm>
+            <a:off x="981976" y="2004108"/>
+            <a:ext cx="7312170" cy="276513"/>
+          </a:xfrm>
+          <a:prstGeom prst="roundRect">
+            <a:avLst/>
+          </a:prstGeom>
+          <a:solidFill>
+            <a:schemeClr val="accent1">
+              <a:lumMod val="20000"/>
+              <a:lumOff val="80000"/>
+            </a:schemeClr>
+          </a:solidFill>
+          <a:ln w="6350" algn="ctr">
+            <a:noFill/>
+            <a:miter lim="800000"/>
+            <a:headEnd/>
+            <a:tailEnd/>
+          </a:ln>
+        </p:spPr>
+        <p:txBody>
+          <a:bodyPr lIns="90000" tIns="72000" rIns="90000" bIns="72000" rtlCol="0" anchor="ctr"/>
+          <a:lstStyle/>
+          <a:p>
+            <a:pPr marL="179387" lvl="2" indent="0">
+              <a:buNone/>
+            </a:pPr>
+            <a:r>
+              <a:rPr lang="en-US" sz="1400" b="1" dirty="0">
+                <a:latin typeface="Courier New" panose="02070309020205020404" pitchFamily="49" charset="0"/>
+                <a:cs typeface="Courier New" panose="02070309020205020404" pitchFamily="49" charset="0"/>
+              </a:rPr>
+              <a:t>$ </a:t>
+            </a:r>
+            <a:r>
+              <a:rPr lang="en-US" sz="1400" dirty="0">
+                <a:latin typeface="Courier New" panose="02070309020205020404" pitchFamily="49" charset="0"/>
+                <a:cs typeface="Courier New" panose="02070309020205020404" pitchFamily="49" charset="0"/>
+              </a:rPr>
+              <a:t>docker</a:t>
+            </a:r>
+            <a:r>
+              <a:rPr lang="en-US" sz="1400" b="1" dirty="0">
+                <a:latin typeface="Courier New" panose="02070309020205020404" pitchFamily="49" charset="0"/>
+                <a:cs typeface="Courier New" panose="02070309020205020404" pitchFamily="49" charset="0"/>
+              </a:rPr>
+              <a:t> run </a:t>
+            </a:r>
+            <a:r>
+              <a:rPr lang="en-US" sz="1400" i="1" dirty="0" err="1">
+                <a:latin typeface="Courier New" panose="02070309020205020404" pitchFamily="49" charset="0"/>
+                <a:cs typeface="Courier New" panose="02070309020205020404" pitchFamily="49" charset="0"/>
+              </a:rPr>
+              <a:t>busybox</a:t>
+            </a:r>
+            <a:endParaRPr lang="en-US" sz="1400" i="1" dirty="0">
+              <a:latin typeface="Courier New" panose="02070309020205020404" pitchFamily="49" charset="0"/>
+              <a:cs typeface="Courier New" panose="02070309020205020404" pitchFamily="49" charset="0"/>
+            </a:endParaRPr>
+          </a:p>
+        </p:txBody>
+      </p:sp>
+      <p:sp>
+        <p:nvSpPr>
+          <p:cNvPr id="7" name="Rectangle: Rounded Corners 6"/>
+          <p:cNvSpPr/>
+          <p:nvPr/>
+        </p:nvSpPr>
+        <p:spPr bwMode="gray">
+          <a:xfrm>
+            <a:off x="981976" y="2750776"/>
+            <a:ext cx="10230522" cy="276513"/>
+          </a:xfrm>
+          <a:prstGeom prst="roundRect">
+            <a:avLst/>
+          </a:prstGeom>
+          <a:solidFill>
+            <a:schemeClr val="accent1">
+              <a:lumMod val="20000"/>
+              <a:lumOff val="80000"/>
+            </a:schemeClr>
+          </a:solidFill>
+          <a:ln w="6350" algn="ctr">
+            <a:noFill/>
+            <a:miter lim="800000"/>
+            <a:headEnd/>
+            <a:tailEnd/>
+          </a:ln>
+        </p:spPr>
+        <p:txBody>
+          <a:bodyPr lIns="90000" tIns="72000" rIns="90000" bIns="72000" rtlCol="0" anchor="ctr"/>
+          <a:lstStyle/>
+          <a:p>
+            <a:pPr marL="179387" lvl="2" indent="0">
+              <a:buNone/>
+            </a:pPr>
+            <a:r>
+              <a:rPr lang="en-US" sz="1400" b="1" dirty="0">
+                <a:latin typeface="Courier New" panose="02070309020205020404" pitchFamily="49" charset="0"/>
+                <a:cs typeface="Courier New" panose="02070309020205020404" pitchFamily="49" charset="0"/>
+              </a:rPr>
+              <a:t>$ </a:t>
+            </a:r>
+            <a:r>
+              <a:rPr lang="en-US" sz="1400" dirty="0">
+                <a:latin typeface="Courier New" panose="02070309020205020404" pitchFamily="49" charset="0"/>
+                <a:cs typeface="Courier New" panose="02070309020205020404" pitchFamily="49" charset="0"/>
+              </a:rPr>
+              <a:t>docker</a:t>
+            </a:r>
+            <a:r>
+              <a:rPr lang="en-US" sz="1400" b="1" dirty="0">
+                <a:latin typeface="Courier New" panose="02070309020205020404" pitchFamily="49" charset="0"/>
+                <a:cs typeface="Courier New" panose="02070309020205020404" pitchFamily="49" charset="0"/>
+              </a:rPr>
+              <a:t> attach </a:t>
+            </a:r>
+            <a:r>
+              <a:rPr lang="en-US" sz="1400" i="1" dirty="0">
+                <a:latin typeface="Courier New" panose="02070309020205020404" pitchFamily="49" charset="0"/>
+                <a:cs typeface="Courier New" panose="02070309020205020404" pitchFamily="49" charset="0"/>
+              </a:rPr>
+              <a:t>&lt;container ID or name&gt;</a:t>
+            </a:r>
+          </a:p>
+        </p:txBody>
+      </p:sp>
+      <p:sp>
+        <p:nvSpPr>
+          <p:cNvPr id="8" name="Rectangle: Rounded Corners 7"/>
+          <p:cNvSpPr/>
+          <p:nvPr/>
+        </p:nvSpPr>
+        <p:spPr bwMode="gray">
+          <a:xfrm>
+            <a:off x="981976" y="4257357"/>
+            <a:ext cx="10230522" cy="276513"/>
+          </a:xfrm>
+          <a:prstGeom prst="roundRect">
+            <a:avLst/>
+          </a:prstGeom>
+          <a:solidFill>
+            <a:schemeClr val="accent1">
+              <a:lumMod val="20000"/>
+              <a:lumOff val="80000"/>
+            </a:schemeClr>
+          </a:solidFill>
+          <a:ln w="6350" algn="ctr">
+            <a:noFill/>
+            <a:miter lim="800000"/>
+            <a:headEnd/>
+            <a:tailEnd/>
+          </a:ln>
+        </p:spPr>
+        <p:txBody>
+          <a:bodyPr lIns="90000" tIns="72000" rIns="90000" bIns="72000" rtlCol="0" anchor="ctr"/>
+          <a:lstStyle/>
+          <a:p>
+            <a:pPr marL="179387" lvl="2" indent="0">
+              <a:buNone/>
+            </a:pPr>
+            <a:r>
+              <a:rPr lang="en-US" sz="1400" b="1" dirty="0">
+                <a:latin typeface="Courier New" panose="02070309020205020404" pitchFamily="49" charset="0"/>
+                <a:cs typeface="Courier New" panose="02070309020205020404" pitchFamily="49" charset="0"/>
+              </a:rPr>
+              <a:t>$ </a:t>
+            </a:r>
+            <a:r>
+              <a:rPr lang="en-US" sz="1400" dirty="0">
+                <a:latin typeface="Courier New" panose="02070309020205020404" pitchFamily="49" charset="0"/>
+                <a:cs typeface="Courier New" panose="02070309020205020404" pitchFamily="49" charset="0"/>
+              </a:rPr>
+              <a:t>docker</a:t>
+            </a:r>
+            <a:r>
+              <a:rPr lang="en-US" sz="1400" b="1" dirty="0">
+                <a:latin typeface="Courier New" panose="02070309020205020404" pitchFamily="49" charset="0"/>
+                <a:cs typeface="Courier New" panose="02070309020205020404" pitchFamily="49" charset="0"/>
+              </a:rPr>
+              <a:t> start </a:t>
+            </a:r>
+            <a:r>
+              <a:rPr lang="en-US" sz="1400" i="1" dirty="0">
+                <a:latin typeface="Courier New" panose="02070309020205020404" pitchFamily="49" charset="0"/>
+                <a:cs typeface="Courier New" panose="02070309020205020404" pitchFamily="49" charset="0"/>
+              </a:rPr>
+              <a:t>&lt;container ID or name&gt;</a:t>
+            </a:r>
+          </a:p>
+        </p:txBody>
+      </p:sp>
+      <p:sp>
+        <p:nvSpPr>
+          <p:cNvPr id="9" name="Rectangle: Rounded Corners 8"/>
+          <p:cNvSpPr/>
+          <p:nvPr/>
+        </p:nvSpPr>
+        <p:spPr bwMode="gray">
+          <a:xfrm>
+            <a:off x="981976" y="3510689"/>
+            <a:ext cx="10230522" cy="276513"/>
+          </a:xfrm>
+          <a:prstGeom prst="roundRect">
+            <a:avLst/>
+          </a:prstGeom>
+          <a:solidFill>
+            <a:schemeClr val="accent1">
+              <a:lumMod val="20000"/>
+              <a:lumOff val="80000"/>
+            </a:schemeClr>
+          </a:solidFill>
+          <a:ln w="6350" algn="ctr">
+            <a:noFill/>
+            <a:miter lim="800000"/>
+            <a:headEnd/>
+            <a:tailEnd/>
+          </a:ln>
+        </p:spPr>
+        <p:txBody>
+          <a:bodyPr lIns="90000" tIns="72000" rIns="90000" bIns="72000" rtlCol="0" anchor="ctr"/>
+          <a:lstStyle/>
+          <a:p>
+            <a:pPr marL="179387" lvl="2" indent="0">
+              <a:buNone/>
+            </a:pPr>
+            <a:r>
+              <a:rPr lang="en-US" sz="1400" b="1" dirty="0">
+                <a:latin typeface="Courier New" panose="02070309020205020404" pitchFamily="49" charset="0"/>
+                <a:cs typeface="Courier New" panose="02070309020205020404" pitchFamily="49" charset="0"/>
+              </a:rPr>
+              <a:t>$ </a:t>
+            </a:r>
+            <a:r>
+              <a:rPr lang="en-US" sz="1400" dirty="0">
+                <a:latin typeface="Courier New" panose="02070309020205020404" pitchFamily="49" charset="0"/>
+                <a:cs typeface="Courier New" panose="02070309020205020404" pitchFamily="49" charset="0"/>
+              </a:rPr>
+              <a:t>docker</a:t>
+            </a:r>
+            <a:r>
+              <a:rPr lang="en-US" sz="1400" b="1" dirty="0">
+                <a:latin typeface="Courier New" panose="02070309020205020404" pitchFamily="49" charset="0"/>
+                <a:cs typeface="Courier New" panose="02070309020205020404" pitchFamily="49" charset="0"/>
+              </a:rPr>
+              <a:t> stop </a:t>
+            </a:r>
+            <a:r>
+              <a:rPr lang="en-US" sz="1400" i="1" dirty="0">
+                <a:latin typeface="Courier New" panose="02070309020205020404" pitchFamily="49" charset="0"/>
+                <a:cs typeface="Courier New" panose="02070309020205020404" pitchFamily="49" charset="0"/>
+              </a:rPr>
+              <a:t>&lt;container ID or name&gt;</a:t>
+            </a:r>
+          </a:p>
+        </p:txBody>
+      </p:sp>
+      <p:sp>
+        <p:nvSpPr>
+          <p:cNvPr id="10" name="Rectangle: Rounded Corners 9"/>
+          <p:cNvSpPr/>
+          <p:nvPr/>
+        </p:nvSpPr>
+        <p:spPr bwMode="gray">
+          <a:xfrm>
+            <a:off x="981976" y="5053678"/>
+            <a:ext cx="10230522" cy="276513"/>
+          </a:xfrm>
+          <a:prstGeom prst="roundRect">
+            <a:avLst/>
+          </a:prstGeom>
+          <a:solidFill>
+            <a:schemeClr val="accent1">
+              <a:lumMod val="20000"/>
+              <a:lumOff val="80000"/>
+            </a:schemeClr>
+          </a:solidFill>
+          <a:ln w="6350" algn="ctr">
+            <a:noFill/>
+            <a:miter lim="800000"/>
+            <a:headEnd/>
+            <a:tailEnd/>
+          </a:ln>
+        </p:spPr>
+        <p:txBody>
+          <a:bodyPr lIns="90000" tIns="72000" rIns="90000" bIns="72000" rtlCol="0" anchor="ctr"/>
+          <a:lstStyle/>
+          <a:p>
+            <a:pPr marL="179387" lvl="2" indent="0">
+              <a:buNone/>
+            </a:pPr>
+            <a:r>
+              <a:rPr lang="en-US" sz="1400" b="1" dirty="0">
+                <a:latin typeface="Courier New" panose="02070309020205020404" pitchFamily="49" charset="0"/>
+                <a:cs typeface="Courier New" panose="02070309020205020404" pitchFamily="49" charset="0"/>
+              </a:rPr>
+              <a:t>$ </a:t>
+            </a:r>
+            <a:r>
+              <a:rPr lang="en-US" sz="1400" dirty="0">
+                <a:latin typeface="Courier New" panose="02070309020205020404" pitchFamily="49" charset="0"/>
+                <a:cs typeface="Courier New" panose="02070309020205020404" pitchFamily="49" charset="0"/>
+              </a:rPr>
+              <a:t>docker </a:t>
+            </a:r>
+            <a:r>
+              <a:rPr lang="en-US" sz="1400" b="1" dirty="0" err="1">
+                <a:latin typeface="Courier New" panose="02070309020205020404" pitchFamily="49" charset="0"/>
+                <a:cs typeface="Courier New" panose="02070309020205020404" pitchFamily="49" charset="0"/>
+              </a:rPr>
+              <a:t>rm</a:t>
+            </a:r>
+            <a:r>
+              <a:rPr lang="en-US" sz="1400" b="1" dirty="0">
+                <a:latin typeface="Courier New" panose="02070309020205020404" pitchFamily="49" charset="0"/>
+                <a:cs typeface="Courier New" panose="02070309020205020404" pitchFamily="49" charset="0"/>
+              </a:rPr>
+              <a:t> </a:t>
+            </a:r>
+            <a:r>
+              <a:rPr lang="en-US" sz="1400" i="1" dirty="0">
+                <a:latin typeface="Courier New" panose="02070309020205020404" pitchFamily="49" charset="0"/>
+                <a:cs typeface="Courier New" panose="02070309020205020404" pitchFamily="49" charset="0"/>
+              </a:rPr>
+              <a:t>&lt;container ID or name&gt;</a:t>
+            </a:r>
+          </a:p>
+        </p:txBody>
+      </p:sp>
+      <p:sp>
+        <p:nvSpPr>
+          <p:cNvPr id="4" name="Rectangle: Rounded Corners 3"/>
+          <p:cNvSpPr/>
+          <p:nvPr/>
+        </p:nvSpPr>
+        <p:spPr bwMode="gray">
+          <a:xfrm>
+            <a:off x="8447783" y="1074790"/>
+            <a:ext cx="2764715" cy="1205831"/>
+          </a:xfrm>
+          <a:prstGeom prst="roundRect">
+            <a:avLst>
+              <a:gd name="adj" fmla="val 7623"/>
+            </a:avLst>
+          </a:prstGeom>
+          <a:solidFill>
+            <a:schemeClr val="accent1"/>
+          </a:solidFill>
+          <a:ln w="6350" algn="ctr">
+            <a:solidFill>
+              <a:schemeClr val="tx1"/>
+            </a:solidFill>
+            <a:miter lim="800000"/>
+            <a:headEnd/>
+            <a:tailEnd/>
+          </a:ln>
+        </p:spPr>
+        <p:txBody>
+          <a:bodyPr lIns="90000" tIns="72000" rIns="90000" bIns="72000" rtlCol="0" anchor="ctr"/>
+          <a:lstStyle/>
+          <a:p>
+            <a:pPr marR="0" algn="ctr" defTabSz="914400" eaLnBrk="1" fontAlgn="base" latinLnBrk="0" hangingPunct="1">
+              <a:lnSpc>
+                <a:spcPct val="100000"/>
+              </a:lnSpc>
+              <a:spcBef>
+                <a:spcPct val="50000"/>
+              </a:spcBef>
+              <a:spcAft>
+                <a:spcPct val="0"/>
+              </a:spcAft>
+              <a:buClr>
+                <a:srgbClr val="F0AB00"/>
+              </a:buClr>
+              <a:buSzPct val="80000"/>
+              <a:tabLst/>
+            </a:pPr>
+            <a:r>
+              <a:rPr kumimoji="0" lang="en-US" sz="1800" b="0" i="0" u="none" strike="noStrike" kern="0" cap="none" spc="0" normalizeH="0" baseline="0" dirty="0">
+                <a:ln>
+                  <a:noFill/>
+                </a:ln>
+                <a:effectLst/>
+                <a:uLnTx/>
+                <a:uFillTx/>
+                <a:ea typeface="Arial Unicode MS" pitchFamily="34" charset="-128"/>
+                <a:cs typeface="Arial Unicode MS" pitchFamily="34" charset="-128"/>
+              </a:rPr>
+              <a:t>Detaching</a:t>
+            </a:r>
+            <a:r>
+              <a:rPr kumimoji="0" lang="en-US" sz="1800" b="0" i="0" u="none" strike="noStrike" kern="0" cap="none" spc="0" normalizeH="0" dirty="0">
+                <a:ln>
+                  <a:noFill/>
+                </a:ln>
+                <a:effectLst/>
+                <a:uLnTx/>
+                <a:uFillTx/>
+                <a:ea typeface="Arial Unicode MS" pitchFamily="34" charset="-128"/>
+                <a:cs typeface="Arial Unicode MS" pitchFamily="34" charset="-128"/>
+              </a:rPr>
+              <a:t> from a container</a:t>
+            </a:r>
+          </a:p>
+          <a:p>
+            <a:pPr marR="0" algn="ctr" defTabSz="914400" eaLnBrk="1" fontAlgn="base" latinLnBrk="0" hangingPunct="1">
+              <a:lnSpc>
+                <a:spcPct val="100000"/>
+              </a:lnSpc>
+              <a:spcBef>
+                <a:spcPct val="50000"/>
+              </a:spcBef>
+              <a:spcAft>
+                <a:spcPct val="0"/>
+              </a:spcAft>
+              <a:buClr>
+                <a:srgbClr val="F0AB00"/>
+              </a:buClr>
+              <a:buSzPct val="80000"/>
+              <a:tabLst/>
+            </a:pPr>
+            <a:r>
+              <a:rPr lang="en-US" sz="1800" kern="0" dirty="0">
+                <a:latin typeface="Arial Black" panose="020B0A04020102020204" pitchFamily="34" charset="0"/>
+                <a:ea typeface="Arial Unicode MS" pitchFamily="34" charset="-128"/>
+                <a:cs typeface="Arial Unicode MS" pitchFamily="34" charset="-128"/>
+              </a:rPr>
+              <a:t>Ctrl + P</a:t>
+            </a:r>
+            <a:r>
+              <a:rPr lang="en-US" sz="1800" kern="0" dirty="0">
+                <a:ea typeface="Arial Unicode MS" pitchFamily="34" charset="-128"/>
+                <a:cs typeface="Arial Unicode MS" pitchFamily="34" charset="-128"/>
+              </a:rPr>
+              <a:t> then </a:t>
+            </a:r>
+            <a:r>
+              <a:rPr lang="en-US" sz="1800" kern="0" dirty="0">
+                <a:latin typeface="Arial Black" panose="020B0A04020102020204" pitchFamily="34" charset="0"/>
+                <a:ea typeface="Arial Unicode MS" pitchFamily="34" charset="-128"/>
+                <a:cs typeface="Arial Unicode MS" pitchFamily="34" charset="-128"/>
+              </a:rPr>
+              <a:t>Ctrl + Q</a:t>
+            </a:r>
+            <a:endParaRPr kumimoji="0" lang="en-US" sz="1800" b="0" i="0" u="none" strike="noStrike" kern="0" cap="none" spc="0" normalizeH="0" baseline="0" dirty="0">
+              <a:ln>
+                <a:noFill/>
+              </a:ln>
+              <a:effectLst/>
+              <a:uLnTx/>
+              <a:uFillTx/>
+              <a:latin typeface="Arial Black" panose="020B0A04020102020204" pitchFamily="34" charset="0"/>
+              <a:ea typeface="Arial Unicode MS" pitchFamily="34" charset="-128"/>
+              <a:cs typeface="Arial Unicode MS" pitchFamily="34" charset="-128"/>
+            </a:endParaRPr>
+          </a:p>
+        </p:txBody>
+      </p:sp>
+    </p:spTree>
+    <p:extLst>
+      <p:ext uri="{BB962C8B-B14F-4D97-AF65-F5344CB8AC3E}">
+        <p14:creationId xmlns:p14="http://schemas.microsoft.com/office/powerpoint/2010/main" val="3475323242"/>
+      </p:ext>
+    </p:extLst>
+  </p:cSld>
+  <p:clrMapOvr>
+    <a:masterClrMapping/>
+  </p:clrMapOvr>
+</p:sld>
+</file>
+
+<file path=ppt/slides/slide14.xml><?xml version="1.0" encoding="utf-8"?>
+<p:sld xmlns:a="http://schemas.openxmlformats.org/drawingml/2006/main" xmlns:r="http://schemas.openxmlformats.org/officeDocument/2006/relationships" xmlns:p="http://schemas.openxmlformats.org/presentationml/2006/main">
+  <p:cSld>
+    <p:spTree>
+      <p:nvGrpSpPr>
+        <p:cNvPr id="1" name=""/>
+        <p:cNvGrpSpPr/>
+        <p:nvPr/>
+      </p:nvGrpSpPr>
+      <p:grpSpPr>
+        <a:xfrm>
+          <a:off x="0" y="0"/>
+          <a:ext cx="0" cy="0"/>
+          <a:chOff x="0" y="0"/>
+          <a:chExt cx="0" cy="0"/>
+        </a:xfrm>
+      </p:grpSpPr>
+      <p:sp>
+        <p:nvSpPr>
+          <p:cNvPr id="2" name="Text Placeholder 1"/>
+          <p:cNvSpPr>
+            <a:spLocks noGrp="1"/>
+          </p:cNvSpPr>
+          <p:nvPr>
+            <p:ph type="body" sz="quarter" idx="10"/>
+          </p:nvPr>
+        </p:nvSpPr>
+        <p:spPr>
+          <a:xfrm>
+            <a:off x="503999" y="1619999"/>
+            <a:ext cx="11186477" cy="4640951"/>
+          </a:xfrm>
+        </p:spPr>
+        <p:txBody>
+          <a:bodyPr/>
+          <a:lstStyle/>
+          <a:p>
+            <a:pPr lvl="1"/>
+            <a:r>
+              <a:rPr lang="en-US" sz="2000" dirty="0"/>
               <a:t>Run a command in an existing container</a:t>
             </a:r>
           </a:p>
@@ -11194,7 +12443,7 @@
 </p:sld>
 </file>
 
-<file path=ppt/slides/slide14.xml><?xml version="1.0" encoding="utf-8"?>
+<file path=ppt/slides/slide15.xml><?xml version="1.0" encoding="utf-8"?>
 <p:sld xmlns:a="http://schemas.openxmlformats.org/drawingml/2006/main" xmlns:r="http://schemas.openxmlformats.org/officeDocument/2006/relationships" xmlns:p="http://schemas.openxmlformats.org/presentationml/2006/main">
   <p:cSld>
     <p:spTree>
@@ -11290,7 +12539,7 @@
 </p:sld>
 </file>
 
-<file path=ppt/slides/slide15.xml><?xml version="1.0" encoding="utf-8"?>
+<file path=ppt/slides/slide16.xml><?xml version="1.0" encoding="utf-8"?>
 <p:sld xmlns:a="http://schemas.openxmlformats.org/drawingml/2006/main" xmlns:r="http://schemas.openxmlformats.org/officeDocument/2006/relationships" xmlns:p="http://schemas.openxmlformats.org/presentationml/2006/main">
   <p:cSld>
     <p:spTree>
@@ -11611,7 +12860,7 @@
         <p:spPr>
           <a:xfrm>
             <a:off x="8805503" y="1710267"/>
-            <a:ext cx="654025" cy="184666"/>
+            <a:ext cx="807913" cy="184666"/>
           </a:xfrm>
           <a:prstGeom prst="rect">
             <a:avLst/>
@@ -11642,7 +12891,7 @@
                 <a:ea typeface="Arial Unicode MS" pitchFamily="34" charset="-128"/>
                 <a:cs typeface="Times New Roman" panose="02020603050405020304" pitchFamily="18" charset="0"/>
               </a:rPr>
-              <a:t>172.16.0.1</a:t>
+              <a:t>192.168.52.1</a:t>
             </a:r>
           </a:p>
         </p:txBody>
@@ -11992,7 +13241,7 @@
 </p:sld>
 </file>
 
-<file path=ppt/slides/slide16.xml><?xml version="1.0" encoding="utf-8"?>
+<file path=ppt/slides/slide17.xml><?xml version="1.0" encoding="utf-8"?>
 <p:sld xmlns:a="http://schemas.openxmlformats.org/drawingml/2006/main" xmlns:r="http://schemas.openxmlformats.org/officeDocument/2006/relationships" xmlns:p="http://schemas.openxmlformats.org/presentationml/2006/main">
   <p:cSld>
     <p:spTree>
@@ -12494,7 +13743,7 @@
 </p:sld>
 </file>
 
-<file path=ppt/slides/slide17.xml><?xml version="1.0" encoding="utf-8"?>
+<file path=ppt/slides/slide18.xml><?xml version="1.0" encoding="utf-8"?>
 <p:sld xmlns:a="http://schemas.openxmlformats.org/drawingml/2006/main" xmlns:r="http://schemas.openxmlformats.org/officeDocument/2006/relationships" xmlns:p="http://schemas.openxmlformats.org/presentationml/2006/main" show="0">
   <p:cSld>
     <p:spTree>
@@ -12669,16 +13918,458 @@
           </a:p>
         </p:txBody>
       </p:sp>
+      <p:grpSp>
+        <p:nvGrpSpPr>
+          <p:cNvPr id="8" name="Group 7">
+            <a:extLst>
+              <a:ext uri="{FF2B5EF4-FFF2-40B4-BE49-F238E27FC236}">
+                <a16:creationId xmlns:a16="http://schemas.microsoft.com/office/drawing/2014/main" id="{9FD0F727-50AC-4402-AD98-EC75A6D023E8}"/>
+              </a:ext>
+            </a:extLst>
+          </p:cNvPr>
+          <p:cNvGrpSpPr/>
+          <p:nvPr/>
+        </p:nvGrpSpPr>
+        <p:grpSpPr>
+          <a:xfrm>
+            <a:off x="1503862" y="1185278"/>
+            <a:ext cx="2913925" cy="1545003"/>
+            <a:chOff x="508988" y="3121001"/>
+            <a:chExt cx="2913925" cy="1327650"/>
+          </a:xfrm>
+        </p:grpSpPr>
+        <p:sp>
+          <p:nvSpPr>
+            <p:cNvPr id="25" name="Rectangle 24">
+              <a:extLst>
+                <a:ext uri="{FF2B5EF4-FFF2-40B4-BE49-F238E27FC236}">
+                  <a16:creationId xmlns:a16="http://schemas.microsoft.com/office/drawing/2014/main" id="{BC7CC767-F46D-4E82-899D-9C16F1917753}"/>
+                </a:ext>
+              </a:extLst>
+            </p:cNvPr>
+            <p:cNvSpPr/>
+            <p:nvPr/>
+          </p:nvSpPr>
+          <p:spPr bwMode="gray">
+            <a:xfrm>
+              <a:off x="508988" y="3121001"/>
+              <a:ext cx="2913925" cy="1327650"/>
+            </a:xfrm>
+            <a:prstGeom prst="rect">
+              <a:avLst/>
+            </a:prstGeom>
+            <a:solidFill>
+              <a:schemeClr val="accent2">
+                <a:lumMod val="20000"/>
+                <a:lumOff val="80000"/>
+              </a:schemeClr>
+            </a:solidFill>
+            <a:ln w="6350" algn="ctr">
+              <a:solidFill>
+                <a:schemeClr val="tx1"/>
+              </a:solidFill>
+              <a:miter lim="800000"/>
+              <a:headEnd/>
+              <a:tailEnd/>
+            </a:ln>
+          </p:spPr>
+          <p:txBody>
+            <a:bodyPr vert="vert270" lIns="90000" tIns="72000" rIns="90000" bIns="72000" rtlCol="0" anchor="t" anchorCtr="0"/>
+            <a:lstStyle/>
+            <a:p>
+              <a:pPr marR="0" algn="ctr" defTabSz="914400" eaLnBrk="1" fontAlgn="base" latinLnBrk="0" hangingPunct="1">
+                <a:lnSpc>
+                  <a:spcPct val="100000"/>
+                </a:lnSpc>
+                <a:spcBef>
+                  <a:spcPct val="50000"/>
+                </a:spcBef>
+                <a:spcAft>
+                  <a:spcPct val="0"/>
+                </a:spcAft>
+                <a:buClr>
+                  <a:srgbClr val="F0AB00"/>
+                </a:buClr>
+                <a:buSzPct val="80000"/>
+                <a:tabLst/>
+              </a:pPr>
+              <a:r>
+                <a:rPr kumimoji="0" lang="en-US" sz="800" b="0" i="1" u="none" strike="noStrike" kern="0" cap="none" spc="0" normalizeH="0" baseline="0" dirty="0">
+                  <a:ln>
+                    <a:noFill/>
+                  </a:ln>
+                  <a:effectLst/>
+                  <a:uLnTx/>
+                  <a:uFillTx/>
+                  <a:ea typeface="Arial Unicode MS" pitchFamily="34" charset="-128"/>
+                  <a:cs typeface="Arial Unicode MS" pitchFamily="34" charset="-128"/>
+                </a:rPr>
+                <a:t>Image</a:t>
+              </a:r>
+              <a:endParaRPr kumimoji="0" lang="en-US" sz="1000" b="0" i="1" u="none" strike="noStrike" kern="0" cap="none" spc="0" normalizeH="0" baseline="0" dirty="0">
+                <a:ln>
+                  <a:noFill/>
+                </a:ln>
+                <a:effectLst/>
+                <a:uLnTx/>
+                <a:uFillTx/>
+                <a:ea typeface="Arial Unicode MS" pitchFamily="34" charset="-128"/>
+                <a:cs typeface="Arial Unicode MS" pitchFamily="34" charset="-128"/>
+              </a:endParaRPr>
+            </a:p>
+          </p:txBody>
+        </p:sp>
+        <p:sp>
+          <p:nvSpPr>
+            <p:cNvPr id="26" name="Rectangle 25">
+              <a:extLst>
+                <a:ext uri="{FF2B5EF4-FFF2-40B4-BE49-F238E27FC236}">
+                  <a16:creationId xmlns:a16="http://schemas.microsoft.com/office/drawing/2014/main" id="{89757D3D-D95C-48F5-BBFC-F58C401DC22F}"/>
+                </a:ext>
+              </a:extLst>
+            </p:cNvPr>
+            <p:cNvSpPr/>
+            <p:nvPr/>
+          </p:nvSpPr>
+          <p:spPr bwMode="gray">
+            <a:xfrm>
+              <a:off x="724482" y="4108059"/>
+              <a:ext cx="2618028" cy="243560"/>
+            </a:xfrm>
+            <a:prstGeom prst="rect">
+              <a:avLst/>
+            </a:prstGeom>
+            <a:solidFill>
+              <a:schemeClr val="accent2">
+                <a:lumMod val="75000"/>
+              </a:schemeClr>
+            </a:solidFill>
+            <a:ln w="6350" algn="ctr">
+              <a:solidFill>
+                <a:schemeClr val="tx1"/>
+              </a:solidFill>
+              <a:miter lim="800000"/>
+              <a:headEnd/>
+              <a:tailEnd/>
+            </a:ln>
+          </p:spPr>
+          <p:txBody>
+            <a:bodyPr lIns="90000" tIns="72000" rIns="90000" bIns="72000" rtlCol="0" anchor="ctr"/>
+            <a:lstStyle/>
+            <a:p>
+              <a:pPr marR="0" algn="ctr" defTabSz="914400" eaLnBrk="1" fontAlgn="base" latinLnBrk="0" hangingPunct="1">
+                <a:lnSpc>
+                  <a:spcPct val="100000"/>
+                </a:lnSpc>
+                <a:spcBef>
+                  <a:spcPct val="50000"/>
+                </a:spcBef>
+                <a:spcAft>
+                  <a:spcPct val="0"/>
+                </a:spcAft>
+                <a:buClr>
+                  <a:srgbClr val="F0AB00"/>
+                </a:buClr>
+                <a:buSzPct val="80000"/>
+                <a:tabLst/>
+              </a:pPr>
+              <a:r>
+                <a:rPr kumimoji="0" lang="en-US" sz="1050" b="0" i="0" u="none" strike="noStrike" kern="0" cap="none" spc="0" normalizeH="0" baseline="0" dirty="0">
+                  <a:ln>
+                    <a:noFill/>
+                  </a:ln>
+                  <a:solidFill>
+                    <a:schemeClr val="bg1"/>
+                  </a:solidFill>
+                  <a:effectLst/>
+                  <a:uLnTx/>
+                  <a:uFillTx/>
+                  <a:ea typeface="Arial Unicode MS" pitchFamily="34" charset="-128"/>
+                  <a:cs typeface="Arial Unicode MS" pitchFamily="34" charset="-128"/>
+                </a:rPr>
+                <a:t>Base Image</a:t>
+              </a:r>
+              <a:r>
+                <a:rPr kumimoji="0" lang="en-US" sz="1050" b="0" i="0" u="none" strike="noStrike" kern="0" cap="none" spc="0" normalizeH="0" dirty="0">
+                  <a:ln>
+                    <a:noFill/>
+                  </a:ln>
+                  <a:solidFill>
+                    <a:schemeClr val="bg1"/>
+                  </a:solidFill>
+                  <a:effectLst/>
+                  <a:uLnTx/>
+                  <a:uFillTx/>
+                  <a:ea typeface="Arial Unicode MS" pitchFamily="34" charset="-128"/>
+                  <a:cs typeface="Arial Unicode MS" pitchFamily="34" charset="-128"/>
+                </a:rPr>
+                <a:t> (e.g. Debian)</a:t>
+              </a:r>
+              <a:endParaRPr kumimoji="0" lang="en-US" sz="1050" b="0" i="0" u="none" strike="noStrike" kern="0" cap="none" spc="0" normalizeH="0" baseline="0" dirty="0">
+                <a:ln>
+                  <a:noFill/>
+                </a:ln>
+                <a:solidFill>
+                  <a:schemeClr val="bg1"/>
+                </a:solidFill>
+                <a:effectLst/>
+                <a:uLnTx/>
+                <a:uFillTx/>
+                <a:ea typeface="Arial Unicode MS" pitchFamily="34" charset="-128"/>
+                <a:cs typeface="Arial Unicode MS" pitchFamily="34" charset="-128"/>
+              </a:endParaRPr>
+            </a:p>
+          </p:txBody>
+        </p:sp>
+        <p:sp>
+          <p:nvSpPr>
+            <p:cNvPr id="27" name="Rectangle 26">
+              <a:extLst>
+                <a:ext uri="{FF2B5EF4-FFF2-40B4-BE49-F238E27FC236}">
+                  <a16:creationId xmlns:a16="http://schemas.microsoft.com/office/drawing/2014/main" id="{CD8C59C1-2926-4405-A225-610CB527B02F}"/>
+                </a:ext>
+              </a:extLst>
+            </p:cNvPr>
+            <p:cNvSpPr/>
+            <p:nvPr/>
+          </p:nvSpPr>
+          <p:spPr bwMode="gray">
+            <a:xfrm>
+              <a:off x="724482" y="3800405"/>
+              <a:ext cx="2618028" cy="243560"/>
+            </a:xfrm>
+            <a:prstGeom prst="rect">
+              <a:avLst/>
+            </a:prstGeom>
+            <a:solidFill>
+              <a:schemeClr val="accent6">
+                <a:lumMod val="75000"/>
+              </a:schemeClr>
+            </a:solidFill>
+            <a:ln w="6350" algn="ctr">
+              <a:solidFill>
+                <a:schemeClr val="tx1"/>
+              </a:solidFill>
+              <a:miter lim="800000"/>
+              <a:headEnd/>
+              <a:tailEnd/>
+            </a:ln>
+          </p:spPr>
+          <p:txBody>
+            <a:bodyPr lIns="90000" tIns="72000" rIns="90000" bIns="72000" rtlCol="0" anchor="ctr"/>
+            <a:lstStyle/>
+            <a:p>
+              <a:pPr marR="0" algn="ctr" defTabSz="914400" eaLnBrk="1" fontAlgn="base" latinLnBrk="0" hangingPunct="1">
+                <a:lnSpc>
+                  <a:spcPct val="100000"/>
+                </a:lnSpc>
+                <a:spcBef>
+                  <a:spcPct val="50000"/>
+                </a:spcBef>
+                <a:spcAft>
+                  <a:spcPct val="0"/>
+                </a:spcAft>
+                <a:buClr>
+                  <a:srgbClr val="F0AB00"/>
+                </a:buClr>
+                <a:buSzPct val="80000"/>
+                <a:tabLst/>
+              </a:pPr>
+              <a:r>
+                <a:rPr kumimoji="0" lang="en-US" sz="1050" b="0" i="0" u="none" strike="noStrike" kern="0" cap="none" spc="0" normalizeH="0" baseline="0" dirty="0" err="1">
+                  <a:ln>
+                    <a:noFill/>
+                  </a:ln>
+                  <a:solidFill>
+                    <a:schemeClr val="bg1"/>
+                  </a:solidFill>
+                  <a:effectLst/>
+                  <a:uLnTx/>
+                  <a:uFillTx/>
+                  <a:ea typeface="Arial Unicode MS" pitchFamily="34" charset="-128"/>
+                  <a:cs typeface="Arial Unicode MS" pitchFamily="34" charset="-128"/>
+                </a:rPr>
+                <a:t>Busybox</a:t>
+              </a:r>
+              <a:endParaRPr kumimoji="0" lang="en-US" sz="1050" b="0" i="0" u="none" strike="noStrike" kern="0" cap="none" spc="0" normalizeH="0" baseline="0" dirty="0">
+                <a:ln>
+                  <a:noFill/>
+                </a:ln>
+                <a:solidFill>
+                  <a:schemeClr val="bg1"/>
+                </a:solidFill>
+                <a:effectLst/>
+                <a:uLnTx/>
+                <a:uFillTx/>
+                <a:ea typeface="Arial Unicode MS" pitchFamily="34" charset="-128"/>
+                <a:cs typeface="Arial Unicode MS" pitchFamily="34" charset="-128"/>
+              </a:endParaRPr>
+            </a:p>
+          </p:txBody>
+        </p:sp>
+        <p:sp>
+          <p:nvSpPr>
+            <p:cNvPr id="28" name="Rectangle 27">
+              <a:extLst>
+                <a:ext uri="{FF2B5EF4-FFF2-40B4-BE49-F238E27FC236}">
+                  <a16:creationId xmlns:a16="http://schemas.microsoft.com/office/drawing/2014/main" id="{C2929593-D67A-40F8-A950-C8E48A9FECE0}"/>
+                </a:ext>
+              </a:extLst>
+            </p:cNvPr>
+            <p:cNvSpPr/>
+            <p:nvPr/>
+          </p:nvSpPr>
+          <p:spPr bwMode="gray">
+            <a:xfrm>
+              <a:off x="724482" y="3492750"/>
+              <a:ext cx="2618028" cy="243560"/>
+            </a:xfrm>
+            <a:prstGeom prst="rect">
+              <a:avLst/>
+            </a:prstGeom>
+            <a:solidFill>
+              <a:schemeClr val="accent3">
+                <a:lumMod val="50000"/>
+              </a:schemeClr>
+            </a:solidFill>
+            <a:ln w="6350" algn="ctr">
+              <a:solidFill>
+                <a:schemeClr val="tx1"/>
+              </a:solidFill>
+              <a:miter lim="800000"/>
+              <a:headEnd/>
+              <a:tailEnd/>
+            </a:ln>
+          </p:spPr>
+          <p:txBody>
+            <a:bodyPr lIns="90000" tIns="72000" rIns="90000" bIns="72000" rtlCol="0" anchor="ctr"/>
+            <a:lstStyle/>
+            <a:p>
+              <a:pPr marR="0" algn="ctr" defTabSz="914400" eaLnBrk="1" fontAlgn="base" latinLnBrk="0" hangingPunct="1">
+                <a:lnSpc>
+                  <a:spcPct val="100000"/>
+                </a:lnSpc>
+                <a:spcBef>
+                  <a:spcPct val="50000"/>
+                </a:spcBef>
+                <a:spcAft>
+                  <a:spcPct val="0"/>
+                </a:spcAft>
+                <a:buClr>
+                  <a:srgbClr val="F0AB00"/>
+                </a:buClr>
+                <a:buSzPct val="80000"/>
+                <a:tabLst/>
+              </a:pPr>
+              <a:r>
+                <a:rPr kumimoji="0" lang="en-US" sz="1050" b="0" i="0" u="none" strike="noStrike" kern="0" cap="none" spc="0" normalizeH="0" baseline="0" dirty="0">
+                  <a:ln>
+                    <a:noFill/>
+                  </a:ln>
+                  <a:solidFill>
+                    <a:schemeClr val="bg1"/>
+                  </a:solidFill>
+                  <a:effectLst/>
+                  <a:uLnTx/>
+                  <a:uFillTx/>
+                  <a:ea typeface="Arial Unicode MS" pitchFamily="34" charset="-128"/>
+                  <a:cs typeface="Arial Unicode MS" pitchFamily="34" charset="-128"/>
+                </a:rPr>
+                <a:t>Apache</a:t>
+              </a:r>
+            </a:p>
+          </p:txBody>
+        </p:sp>
+        <p:sp>
+          <p:nvSpPr>
+            <p:cNvPr id="29" name="Rectangle 28">
+              <a:extLst>
+                <a:ext uri="{FF2B5EF4-FFF2-40B4-BE49-F238E27FC236}">
+                  <a16:creationId xmlns:a16="http://schemas.microsoft.com/office/drawing/2014/main" id="{23F9BC31-1E28-452A-B79E-26CF11F42873}"/>
+                </a:ext>
+              </a:extLst>
+            </p:cNvPr>
+            <p:cNvSpPr/>
+            <p:nvPr/>
+          </p:nvSpPr>
+          <p:spPr bwMode="gray">
+            <a:xfrm>
+              <a:off x="724482" y="3185095"/>
+              <a:ext cx="2618028" cy="243560"/>
+            </a:xfrm>
+            <a:prstGeom prst="rect">
+              <a:avLst/>
+            </a:prstGeom>
+            <a:solidFill>
+              <a:schemeClr val="accent3">
+                <a:lumMod val="75000"/>
+              </a:schemeClr>
+            </a:solidFill>
+            <a:ln w="6350" algn="ctr">
+              <a:solidFill>
+                <a:schemeClr val="tx1"/>
+              </a:solidFill>
+              <a:miter lim="800000"/>
+              <a:headEnd/>
+              <a:tailEnd/>
+            </a:ln>
+          </p:spPr>
+          <p:txBody>
+            <a:bodyPr lIns="90000" tIns="72000" rIns="90000" bIns="72000" rtlCol="0" anchor="ctr"/>
+            <a:lstStyle/>
+            <a:p>
+              <a:pPr marR="0" algn="ctr" defTabSz="914400" eaLnBrk="1" fontAlgn="base" latinLnBrk="0" hangingPunct="1">
+                <a:lnSpc>
+                  <a:spcPct val="100000"/>
+                </a:lnSpc>
+                <a:spcBef>
+                  <a:spcPct val="50000"/>
+                </a:spcBef>
+                <a:spcAft>
+                  <a:spcPct val="0"/>
+                </a:spcAft>
+                <a:buClr>
+                  <a:srgbClr val="F0AB00"/>
+                </a:buClr>
+                <a:buSzPct val="80000"/>
+                <a:tabLst/>
+              </a:pPr>
+              <a:r>
+                <a:rPr kumimoji="0" lang="en-US" sz="1050" b="0" i="0" u="none" strike="noStrike" kern="0" cap="none" spc="0" normalizeH="0" baseline="0" dirty="0">
+                  <a:ln>
+                    <a:noFill/>
+                  </a:ln>
+                  <a:solidFill>
+                    <a:schemeClr val="bg1"/>
+                  </a:solidFill>
+                  <a:effectLst/>
+                  <a:uLnTx/>
+                  <a:uFillTx/>
+                  <a:ea typeface="Arial Unicode MS" pitchFamily="34" charset="-128"/>
+                  <a:cs typeface="Arial Unicode MS" pitchFamily="34" charset="-128"/>
+                </a:rPr>
+                <a:t>PHP</a:t>
+              </a:r>
+            </a:p>
+          </p:txBody>
+        </p:sp>
+      </p:grpSp>
       <p:sp>
         <p:nvSpPr>
-          <p:cNvPr id="4" name="Rectangle 3"/>
+          <p:cNvPr id="30" name="Rectangle 29">
+            <a:extLst>
+              <a:ext uri="{FF2B5EF4-FFF2-40B4-BE49-F238E27FC236}">
+                <a16:creationId xmlns:a16="http://schemas.microsoft.com/office/drawing/2014/main" id="{73C33493-32A9-47D6-B0F1-D848EC53CD41}"/>
+              </a:ext>
+            </a:extLst>
+          </p:cNvPr>
           <p:cNvSpPr/>
           <p:nvPr/>
         </p:nvSpPr>
         <p:spPr bwMode="gray">
           <a:xfrm>
-            <a:off x="1978087" y="3267075"/>
-            <a:ext cx="1495425" cy="419100"/>
+            <a:off x="1503862" y="3590486"/>
+            <a:ext cx="2913925" cy="322790"/>
           </a:xfrm>
           <a:prstGeom prst="rect">
             <a:avLst/>
@@ -12688,6 +14379,1236 @@
               <a:lumMod val="20000"/>
               <a:lumOff val="80000"/>
             </a:schemeClr>
+          </a:solidFill>
+          <a:ln>
+            <a:headEnd/>
+            <a:tailEnd/>
+          </a:ln>
+        </p:spPr>
+        <p:style>
+          <a:lnRef idx="2">
+            <a:schemeClr val="accent4">
+              <a:shade val="50000"/>
+            </a:schemeClr>
+          </a:lnRef>
+          <a:fillRef idx="1">
+            <a:schemeClr val="accent4"/>
+          </a:fillRef>
+          <a:effectRef idx="0">
+            <a:schemeClr val="accent4"/>
+          </a:effectRef>
+          <a:fontRef idx="minor">
+            <a:schemeClr val="lt1"/>
+          </a:fontRef>
+        </p:style>
+        <p:txBody>
+          <a:bodyPr lIns="90000" tIns="72000" rIns="90000" bIns="72000" rtlCol="0" anchor="ctr"/>
+          <a:lstStyle/>
+          <a:p>
+            <a:pPr algn="ctr" defTabSz="914400" fontAlgn="base">
+              <a:spcBef>
+                <a:spcPct val="50000"/>
+              </a:spcBef>
+              <a:spcAft>
+                <a:spcPct val="0"/>
+              </a:spcAft>
+              <a:buClr>
+                <a:srgbClr val="F0AB00"/>
+              </a:buClr>
+              <a:buSzPct val="80000"/>
+            </a:pPr>
+            <a:r>
+              <a:rPr lang="en-US" sz="1050" b="1" kern="0" dirty="0">
+                <a:ln w="0"/>
+                <a:solidFill>
+                  <a:schemeClr val="tx1">
+                    <a:lumMod val="85000"/>
+                    <a:lumOff val="15000"/>
+                  </a:schemeClr>
+                </a:solidFill>
+                <a:ea typeface="Arial Unicode MS" pitchFamily="34" charset="-128"/>
+                <a:cs typeface="Arial Unicode MS" pitchFamily="34" charset="-128"/>
+              </a:rPr>
+              <a:t>writable layer a320d5f4bd36</a:t>
+            </a:r>
+            <a:endParaRPr kumimoji="0" lang="en-US" sz="1050" b="1" u="none" strike="noStrike" kern="0" normalizeH="0" baseline="0" dirty="0">
+              <a:ln w="0"/>
+              <a:solidFill>
+                <a:schemeClr val="tx1">
+                  <a:lumMod val="85000"/>
+                  <a:lumOff val="15000"/>
+                </a:schemeClr>
+              </a:solidFill>
+              <a:uLnTx/>
+              <a:uFillTx/>
+              <a:ea typeface="Arial Unicode MS" pitchFamily="34" charset="-128"/>
+              <a:cs typeface="Arial Unicode MS" pitchFamily="34" charset="-128"/>
+            </a:endParaRPr>
+          </a:p>
+        </p:txBody>
+      </p:sp>
+      <p:grpSp>
+        <p:nvGrpSpPr>
+          <p:cNvPr id="9" name="Group 8">
+            <a:extLst>
+              <a:ext uri="{FF2B5EF4-FFF2-40B4-BE49-F238E27FC236}">
+                <a16:creationId xmlns:a16="http://schemas.microsoft.com/office/drawing/2014/main" id="{6758F283-7E84-49F0-A77D-8F42AAD03BDC}"/>
+              </a:ext>
+            </a:extLst>
+          </p:cNvPr>
+          <p:cNvGrpSpPr/>
+          <p:nvPr/>
+        </p:nvGrpSpPr>
+        <p:grpSpPr>
+          <a:xfrm>
+            <a:off x="904780" y="2935900"/>
+            <a:ext cx="1898923" cy="307512"/>
+            <a:chOff x="853924" y="3598589"/>
+            <a:chExt cx="1898923" cy="307512"/>
+          </a:xfrm>
+        </p:grpSpPr>
+        <p:sp>
+          <p:nvSpPr>
+            <p:cNvPr id="31" name="TextBox 30">
+              <a:extLst>
+                <a:ext uri="{FF2B5EF4-FFF2-40B4-BE49-F238E27FC236}">
+                  <a16:creationId xmlns:a16="http://schemas.microsoft.com/office/drawing/2014/main" id="{7E5B70B1-B7DF-45CF-B9E9-B1889FB3284B}"/>
+                </a:ext>
+              </a:extLst>
+            </p:cNvPr>
+            <p:cNvSpPr txBox="1"/>
+            <p:nvPr/>
+          </p:nvSpPr>
+          <p:spPr>
+            <a:xfrm>
+              <a:off x="1356631" y="3660012"/>
+              <a:ext cx="1396216" cy="215444"/>
+            </a:xfrm>
+            <a:prstGeom prst="rect">
+              <a:avLst/>
+            </a:prstGeom>
+            <a:solidFill>
+              <a:schemeClr val="bg2">
+                <a:lumMod val="20000"/>
+                <a:lumOff val="80000"/>
+              </a:schemeClr>
+            </a:solidFill>
+          </p:spPr>
+          <p:txBody>
+            <a:bodyPr wrap="none" lIns="0" tIns="0" rIns="0" bIns="0" rtlCol="0">
+              <a:spAutoFit/>
+            </a:bodyPr>
+            <a:lstStyle/>
+            <a:p>
+              <a:pPr fontAlgn="base">
+                <a:spcBef>
+                  <a:spcPct val="50000"/>
+                </a:spcBef>
+                <a:spcAft>
+                  <a:spcPct val="0"/>
+                </a:spcAft>
+                <a:buClr>
+                  <a:srgbClr val="F0AB00"/>
+                </a:buClr>
+                <a:buSzPct val="80000"/>
+              </a:pPr>
+              <a:r>
+                <a:rPr lang="de-DE" sz="1400" b="1" kern="0" dirty="0" err="1">
+                  <a:latin typeface="Courier New" panose="02070309020205020404" pitchFamily="49" charset="0"/>
+                  <a:ea typeface="Arial Unicode MS" pitchFamily="34" charset="-128"/>
+                  <a:cs typeface="Courier New" panose="02070309020205020404" pitchFamily="49" charset="0"/>
+                </a:rPr>
+                <a:t>docker</a:t>
+              </a:r>
+              <a:r>
+                <a:rPr lang="de-DE" sz="1400" b="1" kern="0" dirty="0">
+                  <a:latin typeface="Courier New" panose="02070309020205020404" pitchFamily="49" charset="0"/>
+                  <a:ea typeface="Arial Unicode MS" pitchFamily="34" charset="-128"/>
+                  <a:cs typeface="Courier New" panose="02070309020205020404" pitchFamily="49" charset="0"/>
+                </a:rPr>
+                <a:t> </a:t>
+              </a:r>
+              <a:r>
+                <a:rPr lang="de-DE" sz="1400" b="1" kern="0" dirty="0" err="1">
+                  <a:latin typeface="Courier New" panose="02070309020205020404" pitchFamily="49" charset="0"/>
+                  <a:ea typeface="Arial Unicode MS" pitchFamily="34" charset="-128"/>
+                  <a:cs typeface="Courier New" panose="02070309020205020404" pitchFamily="49" charset="0"/>
+                </a:rPr>
+                <a:t>create</a:t>
+              </a:r>
+              <a:endParaRPr lang="de-DE" sz="1400" b="1" kern="0" dirty="0">
+                <a:latin typeface="Courier New" panose="02070309020205020404" pitchFamily="49" charset="0"/>
+                <a:ea typeface="Arial Unicode MS" pitchFamily="34" charset="-128"/>
+                <a:cs typeface="Courier New" panose="02070309020205020404" pitchFamily="49" charset="0"/>
+              </a:endParaRPr>
+            </a:p>
+          </p:txBody>
+        </p:sp>
+        <p:pic>
+          <p:nvPicPr>
+            <p:cNvPr id="32" name="Picture 31">
+              <a:extLst>
+                <a:ext uri="{FF2B5EF4-FFF2-40B4-BE49-F238E27FC236}">
+                  <a16:creationId xmlns:a16="http://schemas.microsoft.com/office/drawing/2014/main" id="{BDCCEBF0-605B-448E-93FA-152B04645F4D}"/>
+                </a:ext>
+              </a:extLst>
+            </p:cNvPr>
+            <p:cNvPicPr>
+              <a:picLocks noChangeAspect="1"/>
+            </p:cNvPicPr>
+            <p:nvPr/>
+          </p:nvPicPr>
+          <p:blipFill>
+            <a:blip r:embed="rId3"/>
+            <a:stretch>
+              <a:fillRect/>
+            </a:stretch>
+          </p:blipFill>
+          <p:spPr>
+            <a:xfrm>
+              <a:off x="853924" y="3598589"/>
+              <a:ext cx="410853" cy="307512"/>
+            </a:xfrm>
+            <a:prstGeom prst="rect">
+              <a:avLst/>
+            </a:prstGeom>
+          </p:spPr>
+        </p:pic>
+      </p:grpSp>
+      <p:cxnSp>
+        <p:nvCxnSpPr>
+          <p:cNvPr id="33" name="Straight Arrow Connector 32">
+            <a:extLst>
+              <a:ext uri="{FF2B5EF4-FFF2-40B4-BE49-F238E27FC236}">
+                <a16:creationId xmlns:a16="http://schemas.microsoft.com/office/drawing/2014/main" id="{2A033D17-6ADD-4C01-8E00-ADA80BEA9F63}"/>
+              </a:ext>
+            </a:extLst>
+          </p:cNvPr>
+          <p:cNvCxnSpPr>
+            <a:cxnSpLocks/>
+            <a:stCxn id="25" idx="2"/>
+            <a:endCxn id="30" idx="0"/>
+          </p:cNvCxnSpPr>
+          <p:nvPr/>
+        </p:nvCxnSpPr>
+        <p:spPr>
+          <a:xfrm>
+            <a:off x="2960825" y="2730281"/>
+            <a:ext cx="0" cy="860205"/>
+          </a:xfrm>
+          <a:prstGeom prst="straightConnector1">
+            <a:avLst/>
+          </a:prstGeom>
+          <a:ln w="57150">
+            <a:solidFill>
+              <a:schemeClr val="bg2"/>
+            </a:solidFill>
+            <a:headEnd type="none" w="med" len="med"/>
+            <a:tailEnd type="triangle"/>
+          </a:ln>
+        </p:spPr>
+        <p:style>
+          <a:lnRef idx="1">
+            <a:schemeClr val="accent1"/>
+          </a:lnRef>
+          <a:fillRef idx="0">
+            <a:schemeClr val="accent1"/>
+          </a:fillRef>
+          <a:effectRef idx="0">
+            <a:schemeClr val="accent1"/>
+          </a:effectRef>
+          <a:fontRef idx="minor">
+            <a:schemeClr val="tx1"/>
+          </a:fontRef>
+        </p:style>
+      </p:cxnSp>
+      <p:sp>
+        <p:nvSpPr>
+          <p:cNvPr id="35" name="Rectangle 34">
+            <a:extLst>
+              <a:ext uri="{FF2B5EF4-FFF2-40B4-BE49-F238E27FC236}">
+                <a16:creationId xmlns:a16="http://schemas.microsoft.com/office/drawing/2014/main" id="{F88AAB92-4231-4CD6-8B42-F0F5C84CCF18}"/>
+              </a:ext>
+            </a:extLst>
+          </p:cNvPr>
+          <p:cNvSpPr/>
+          <p:nvPr/>
+        </p:nvSpPr>
+        <p:spPr bwMode="gray">
+          <a:xfrm>
+            <a:off x="7763681" y="3590486"/>
+            <a:ext cx="2893127" cy="318936"/>
+          </a:xfrm>
+          <a:prstGeom prst="rect">
+            <a:avLst/>
+          </a:prstGeom>
+          <a:solidFill>
+            <a:schemeClr val="accent4">
+              <a:lumMod val="75000"/>
+            </a:schemeClr>
+          </a:solidFill>
+          <a:ln>
+            <a:headEnd/>
+            <a:tailEnd/>
+          </a:ln>
+        </p:spPr>
+        <p:style>
+          <a:lnRef idx="2">
+            <a:schemeClr val="accent4">
+              <a:shade val="50000"/>
+            </a:schemeClr>
+          </a:lnRef>
+          <a:fillRef idx="1">
+            <a:schemeClr val="accent4"/>
+          </a:fillRef>
+          <a:effectRef idx="0">
+            <a:schemeClr val="accent4"/>
+          </a:effectRef>
+          <a:fontRef idx="minor">
+            <a:schemeClr val="lt1"/>
+          </a:fontRef>
+        </p:style>
+        <p:txBody>
+          <a:bodyPr lIns="90000" tIns="72000" rIns="90000" bIns="72000" rtlCol="0" anchor="ctr"/>
+          <a:lstStyle/>
+          <a:p>
+            <a:pPr algn="ctr" defTabSz="914400" fontAlgn="base">
+              <a:spcBef>
+                <a:spcPct val="50000"/>
+              </a:spcBef>
+              <a:spcAft>
+                <a:spcPct val="0"/>
+              </a:spcAft>
+              <a:buClr>
+                <a:srgbClr val="F0AB00"/>
+              </a:buClr>
+              <a:buSzPct val="80000"/>
+            </a:pPr>
+            <a:r>
+              <a:rPr lang="en-US" sz="1050" b="1" kern="0" dirty="0">
+                <a:ln w="0"/>
+                <a:solidFill>
+                  <a:schemeClr val="tx1">
+                    <a:lumMod val="85000"/>
+                    <a:lumOff val="15000"/>
+                  </a:schemeClr>
+                </a:solidFill>
+                <a:ea typeface="Arial Unicode MS" pitchFamily="34" charset="-128"/>
+                <a:cs typeface="Arial Unicode MS" pitchFamily="34" charset="-128"/>
+              </a:rPr>
+              <a:t>writable layer a320d5f4bd36</a:t>
+            </a:r>
+            <a:endParaRPr kumimoji="0" lang="en-US" sz="1050" b="1" u="none" strike="noStrike" kern="0" normalizeH="0" baseline="0" dirty="0">
+              <a:ln w="0"/>
+              <a:solidFill>
+                <a:schemeClr val="tx1">
+                  <a:lumMod val="85000"/>
+                  <a:lumOff val="15000"/>
+                </a:schemeClr>
+              </a:solidFill>
+              <a:uLnTx/>
+              <a:uFillTx/>
+              <a:ea typeface="Arial Unicode MS" pitchFamily="34" charset="-128"/>
+              <a:cs typeface="Arial Unicode MS" pitchFamily="34" charset="-128"/>
+            </a:endParaRPr>
+          </a:p>
+        </p:txBody>
+      </p:sp>
+      <p:grpSp>
+        <p:nvGrpSpPr>
+          <p:cNvPr id="36" name="Group 35">
+            <a:extLst>
+              <a:ext uri="{FF2B5EF4-FFF2-40B4-BE49-F238E27FC236}">
+                <a16:creationId xmlns:a16="http://schemas.microsoft.com/office/drawing/2014/main" id="{6311455A-B7C6-4A3D-BDB4-53D40970A335}"/>
+              </a:ext>
+            </a:extLst>
+          </p:cNvPr>
+          <p:cNvGrpSpPr/>
+          <p:nvPr/>
+        </p:nvGrpSpPr>
+        <p:grpSpPr>
+          <a:xfrm>
+            <a:off x="5144849" y="3388419"/>
+            <a:ext cx="1791521" cy="307512"/>
+            <a:chOff x="853924" y="3598589"/>
+            <a:chExt cx="1791521" cy="307512"/>
+          </a:xfrm>
+        </p:grpSpPr>
+        <p:sp>
+          <p:nvSpPr>
+            <p:cNvPr id="37" name="TextBox 36">
+              <a:extLst>
+                <a:ext uri="{FF2B5EF4-FFF2-40B4-BE49-F238E27FC236}">
+                  <a16:creationId xmlns:a16="http://schemas.microsoft.com/office/drawing/2014/main" id="{6AC3430A-5D6C-4A4D-9AC1-7E57218BB7E2}"/>
+                </a:ext>
+              </a:extLst>
+            </p:cNvPr>
+            <p:cNvSpPr txBox="1"/>
+            <p:nvPr/>
+          </p:nvSpPr>
+          <p:spPr>
+            <a:xfrm>
+              <a:off x="1356631" y="3660012"/>
+              <a:ext cx="1288814" cy="215444"/>
+            </a:xfrm>
+            <a:prstGeom prst="rect">
+              <a:avLst/>
+            </a:prstGeom>
+            <a:solidFill>
+              <a:schemeClr val="bg2">
+                <a:lumMod val="20000"/>
+                <a:lumOff val="80000"/>
+              </a:schemeClr>
+            </a:solidFill>
+          </p:spPr>
+          <p:txBody>
+            <a:bodyPr wrap="none" lIns="0" tIns="0" rIns="0" bIns="0" rtlCol="0">
+              <a:spAutoFit/>
+            </a:bodyPr>
+            <a:lstStyle/>
+            <a:p>
+              <a:pPr fontAlgn="base">
+                <a:spcBef>
+                  <a:spcPct val="50000"/>
+                </a:spcBef>
+                <a:spcAft>
+                  <a:spcPct val="0"/>
+                </a:spcAft>
+                <a:buClr>
+                  <a:srgbClr val="F0AB00"/>
+                </a:buClr>
+                <a:buSzPct val="80000"/>
+              </a:pPr>
+              <a:r>
+                <a:rPr lang="de-DE" sz="1400" b="1" kern="0" dirty="0" err="1">
+                  <a:latin typeface="Courier New" panose="02070309020205020404" pitchFamily="49" charset="0"/>
+                  <a:ea typeface="Arial Unicode MS" pitchFamily="34" charset="-128"/>
+                  <a:cs typeface="Courier New" panose="02070309020205020404" pitchFamily="49" charset="0"/>
+                </a:rPr>
+                <a:t>docker</a:t>
+              </a:r>
+              <a:r>
+                <a:rPr lang="de-DE" sz="1400" b="1" kern="0" dirty="0">
+                  <a:latin typeface="Courier New" panose="02070309020205020404" pitchFamily="49" charset="0"/>
+                  <a:ea typeface="Arial Unicode MS" pitchFamily="34" charset="-128"/>
+                  <a:cs typeface="Courier New" panose="02070309020205020404" pitchFamily="49" charset="0"/>
+                </a:rPr>
+                <a:t> </a:t>
+              </a:r>
+              <a:r>
+                <a:rPr lang="de-DE" sz="1400" b="1" kern="0" dirty="0" err="1">
+                  <a:latin typeface="Courier New" panose="02070309020205020404" pitchFamily="49" charset="0"/>
+                  <a:ea typeface="Arial Unicode MS" pitchFamily="34" charset="-128"/>
+                  <a:cs typeface="Courier New" panose="02070309020205020404" pitchFamily="49" charset="0"/>
+                </a:rPr>
+                <a:t>start</a:t>
+              </a:r>
+              <a:endParaRPr lang="de-DE" sz="1400" b="1" kern="0" dirty="0">
+                <a:latin typeface="Courier New" panose="02070309020205020404" pitchFamily="49" charset="0"/>
+                <a:ea typeface="Arial Unicode MS" pitchFamily="34" charset="-128"/>
+                <a:cs typeface="Courier New" panose="02070309020205020404" pitchFamily="49" charset="0"/>
+              </a:endParaRPr>
+            </a:p>
+          </p:txBody>
+        </p:sp>
+        <p:pic>
+          <p:nvPicPr>
+            <p:cNvPr id="38" name="Picture 37">
+              <a:extLst>
+                <a:ext uri="{FF2B5EF4-FFF2-40B4-BE49-F238E27FC236}">
+                  <a16:creationId xmlns:a16="http://schemas.microsoft.com/office/drawing/2014/main" id="{23BC174D-EC93-40FA-B53E-BFEE70175ADF}"/>
+                </a:ext>
+              </a:extLst>
+            </p:cNvPr>
+            <p:cNvPicPr>
+              <a:picLocks noChangeAspect="1"/>
+            </p:cNvPicPr>
+            <p:nvPr/>
+          </p:nvPicPr>
+          <p:blipFill>
+            <a:blip r:embed="rId3"/>
+            <a:stretch>
+              <a:fillRect/>
+            </a:stretch>
+          </p:blipFill>
+          <p:spPr>
+            <a:xfrm>
+              <a:off x="853924" y="3598589"/>
+              <a:ext cx="410853" cy="307512"/>
+            </a:xfrm>
+            <a:prstGeom prst="rect">
+              <a:avLst/>
+            </a:prstGeom>
+          </p:spPr>
+        </p:pic>
+      </p:grpSp>
+      <p:cxnSp>
+        <p:nvCxnSpPr>
+          <p:cNvPr id="39" name="Straight Arrow Connector 38">
+            <a:extLst>
+              <a:ext uri="{FF2B5EF4-FFF2-40B4-BE49-F238E27FC236}">
+                <a16:creationId xmlns:a16="http://schemas.microsoft.com/office/drawing/2014/main" id="{CF34BABA-4BA0-42EC-8170-345137E0771B}"/>
+              </a:ext>
+            </a:extLst>
+          </p:cNvPr>
+          <p:cNvCxnSpPr>
+            <a:cxnSpLocks/>
+            <a:stCxn id="30" idx="3"/>
+            <a:endCxn id="35" idx="1"/>
+          </p:cNvCxnSpPr>
+          <p:nvPr/>
+        </p:nvCxnSpPr>
+        <p:spPr>
+          <a:xfrm flipV="1">
+            <a:off x="4417787" y="3749954"/>
+            <a:ext cx="3345894" cy="1927"/>
+          </a:xfrm>
+          <a:prstGeom prst="straightConnector1">
+            <a:avLst/>
+          </a:prstGeom>
+          <a:ln w="57150">
+            <a:solidFill>
+              <a:schemeClr val="bg2"/>
+            </a:solidFill>
+            <a:headEnd type="none" w="med" len="med"/>
+            <a:tailEnd type="triangle"/>
+          </a:ln>
+        </p:spPr>
+        <p:style>
+          <a:lnRef idx="1">
+            <a:schemeClr val="accent1"/>
+          </a:lnRef>
+          <a:fillRef idx="0">
+            <a:schemeClr val="accent1"/>
+          </a:fillRef>
+          <a:effectRef idx="0">
+            <a:schemeClr val="accent1"/>
+          </a:effectRef>
+          <a:fontRef idx="minor">
+            <a:schemeClr val="tx1"/>
+          </a:fontRef>
+        </p:style>
+      </p:cxnSp>
+      <p:grpSp>
+        <p:nvGrpSpPr>
+          <p:cNvPr id="42" name="Group 41">
+            <a:extLst>
+              <a:ext uri="{FF2B5EF4-FFF2-40B4-BE49-F238E27FC236}">
+                <a16:creationId xmlns:a16="http://schemas.microsoft.com/office/drawing/2014/main" id="{D7623EB8-CE45-446F-8169-C89EBF66FB7B}"/>
+              </a:ext>
+            </a:extLst>
+          </p:cNvPr>
+          <p:cNvGrpSpPr/>
+          <p:nvPr/>
+        </p:nvGrpSpPr>
+        <p:grpSpPr>
+          <a:xfrm>
+            <a:off x="5302374" y="1537984"/>
+            <a:ext cx="1576719" cy="307512"/>
+            <a:chOff x="853924" y="3598589"/>
+            <a:chExt cx="1576719" cy="307512"/>
+          </a:xfrm>
+        </p:grpSpPr>
+        <p:sp>
+          <p:nvSpPr>
+            <p:cNvPr id="43" name="TextBox 42">
+              <a:extLst>
+                <a:ext uri="{FF2B5EF4-FFF2-40B4-BE49-F238E27FC236}">
+                  <a16:creationId xmlns:a16="http://schemas.microsoft.com/office/drawing/2014/main" id="{D42C96B7-CBA4-4812-BEF8-8EA4759DA699}"/>
+                </a:ext>
+              </a:extLst>
+            </p:cNvPr>
+            <p:cNvSpPr txBox="1"/>
+            <p:nvPr/>
+          </p:nvSpPr>
+          <p:spPr>
+            <a:xfrm>
+              <a:off x="1356631" y="3660012"/>
+              <a:ext cx="1074012" cy="215444"/>
+            </a:xfrm>
+            <a:prstGeom prst="rect">
+              <a:avLst/>
+            </a:prstGeom>
+            <a:solidFill>
+              <a:schemeClr val="bg2">
+                <a:lumMod val="20000"/>
+                <a:lumOff val="80000"/>
+              </a:schemeClr>
+            </a:solidFill>
+          </p:spPr>
+          <p:txBody>
+            <a:bodyPr wrap="none" lIns="0" tIns="0" rIns="0" bIns="0" rtlCol="0">
+              <a:spAutoFit/>
+            </a:bodyPr>
+            <a:lstStyle/>
+            <a:p>
+              <a:pPr fontAlgn="base">
+                <a:spcBef>
+                  <a:spcPct val="50000"/>
+                </a:spcBef>
+                <a:spcAft>
+                  <a:spcPct val="0"/>
+                </a:spcAft>
+                <a:buClr>
+                  <a:srgbClr val="F0AB00"/>
+                </a:buClr>
+                <a:buSzPct val="80000"/>
+              </a:pPr>
+              <a:r>
+                <a:rPr lang="de-DE" sz="1400" b="1" kern="0" dirty="0" err="1">
+                  <a:latin typeface="Courier New" panose="02070309020205020404" pitchFamily="49" charset="0"/>
+                  <a:ea typeface="Arial Unicode MS" pitchFamily="34" charset="-128"/>
+                  <a:cs typeface="Courier New" panose="02070309020205020404" pitchFamily="49" charset="0"/>
+                </a:rPr>
+                <a:t>docker</a:t>
+              </a:r>
+              <a:r>
+                <a:rPr lang="de-DE" sz="1400" b="1" kern="0" dirty="0">
+                  <a:latin typeface="Courier New" panose="02070309020205020404" pitchFamily="49" charset="0"/>
+                  <a:ea typeface="Arial Unicode MS" pitchFamily="34" charset="-128"/>
+                  <a:cs typeface="Courier New" panose="02070309020205020404" pitchFamily="49" charset="0"/>
+                </a:rPr>
+                <a:t> </a:t>
+              </a:r>
+              <a:r>
+                <a:rPr lang="de-DE" sz="1400" b="1" kern="0" dirty="0" err="1">
+                  <a:latin typeface="Courier New" panose="02070309020205020404" pitchFamily="49" charset="0"/>
+                  <a:ea typeface="Arial Unicode MS" pitchFamily="34" charset="-128"/>
+                  <a:cs typeface="Courier New" panose="02070309020205020404" pitchFamily="49" charset="0"/>
+                </a:rPr>
+                <a:t>run</a:t>
+              </a:r>
+              <a:endParaRPr lang="de-DE" sz="1400" b="1" kern="0" dirty="0">
+                <a:latin typeface="Courier New" panose="02070309020205020404" pitchFamily="49" charset="0"/>
+                <a:ea typeface="Arial Unicode MS" pitchFamily="34" charset="-128"/>
+                <a:cs typeface="Courier New" panose="02070309020205020404" pitchFamily="49" charset="0"/>
+              </a:endParaRPr>
+            </a:p>
+          </p:txBody>
+        </p:sp>
+        <p:pic>
+          <p:nvPicPr>
+            <p:cNvPr id="44" name="Picture 43">
+              <a:extLst>
+                <a:ext uri="{FF2B5EF4-FFF2-40B4-BE49-F238E27FC236}">
+                  <a16:creationId xmlns:a16="http://schemas.microsoft.com/office/drawing/2014/main" id="{DA4CBB9B-05AD-4D49-8E39-D936D46D9B1F}"/>
+                </a:ext>
+              </a:extLst>
+            </p:cNvPr>
+            <p:cNvPicPr>
+              <a:picLocks noChangeAspect="1"/>
+            </p:cNvPicPr>
+            <p:nvPr/>
+          </p:nvPicPr>
+          <p:blipFill>
+            <a:blip r:embed="rId3"/>
+            <a:stretch>
+              <a:fillRect/>
+            </a:stretch>
+          </p:blipFill>
+          <p:spPr>
+            <a:xfrm>
+              <a:off x="853924" y="3598589"/>
+              <a:ext cx="410853" cy="307512"/>
+            </a:xfrm>
+            <a:prstGeom prst="rect">
+              <a:avLst/>
+            </a:prstGeom>
+          </p:spPr>
+        </p:pic>
+      </p:grpSp>
+      <p:cxnSp>
+        <p:nvCxnSpPr>
+          <p:cNvPr id="61" name="Connector: Elbow 60">
+            <a:extLst>
+              <a:ext uri="{FF2B5EF4-FFF2-40B4-BE49-F238E27FC236}">
+                <a16:creationId xmlns:a16="http://schemas.microsoft.com/office/drawing/2014/main" id="{BCCC945B-9BB4-4DE1-8DD7-5982781A09D5}"/>
+              </a:ext>
+            </a:extLst>
+          </p:cNvPr>
+          <p:cNvCxnSpPr>
+            <a:cxnSpLocks/>
+            <a:stCxn id="25" idx="3"/>
+            <a:endCxn id="35" idx="0"/>
+          </p:cNvCxnSpPr>
+          <p:nvPr/>
+        </p:nvCxnSpPr>
+        <p:spPr>
+          <a:xfrm>
+            <a:off x="4417787" y="1957780"/>
+            <a:ext cx="4792458" cy="1632706"/>
+          </a:xfrm>
+          <a:prstGeom prst="bentConnector2">
+            <a:avLst/>
+          </a:prstGeom>
+          <a:ln w="57150">
+            <a:solidFill>
+              <a:schemeClr val="bg2"/>
+            </a:solidFill>
+            <a:headEnd type="none" w="med" len="med"/>
+            <a:tailEnd type="triangle"/>
+          </a:ln>
+        </p:spPr>
+        <p:style>
+          <a:lnRef idx="1">
+            <a:schemeClr val="accent1"/>
+          </a:lnRef>
+          <a:fillRef idx="0">
+            <a:schemeClr val="accent1"/>
+          </a:fillRef>
+          <a:effectRef idx="0">
+            <a:schemeClr val="accent1"/>
+          </a:effectRef>
+          <a:fontRef idx="minor">
+            <a:schemeClr val="tx1"/>
+          </a:fontRef>
+        </p:style>
+      </p:cxnSp>
+      <p:cxnSp>
+        <p:nvCxnSpPr>
+          <p:cNvPr id="64" name="Straight Arrow Connector 63">
+            <a:extLst>
+              <a:ext uri="{FF2B5EF4-FFF2-40B4-BE49-F238E27FC236}">
+                <a16:creationId xmlns:a16="http://schemas.microsoft.com/office/drawing/2014/main" id="{F8103F85-12DC-4BDF-833D-548190F6C0EF}"/>
+              </a:ext>
+            </a:extLst>
+          </p:cNvPr>
+          <p:cNvCxnSpPr>
+            <a:cxnSpLocks/>
+            <a:stCxn id="35" idx="2"/>
+            <a:endCxn id="77" idx="0"/>
+          </p:cNvCxnSpPr>
+          <p:nvPr/>
+        </p:nvCxnSpPr>
+        <p:spPr>
+          <a:xfrm>
+            <a:off x="9210245" y="3909422"/>
+            <a:ext cx="0" cy="1531101"/>
+          </a:xfrm>
+          <a:prstGeom prst="straightConnector1">
+            <a:avLst/>
+          </a:prstGeom>
+          <a:ln w="57150">
+            <a:solidFill>
+              <a:schemeClr val="bg2"/>
+            </a:solidFill>
+            <a:headEnd type="none" w="med" len="med"/>
+            <a:tailEnd type="triangle"/>
+          </a:ln>
+        </p:spPr>
+        <p:style>
+          <a:lnRef idx="1">
+            <a:schemeClr val="accent1"/>
+          </a:lnRef>
+          <a:fillRef idx="0">
+            <a:schemeClr val="accent1"/>
+          </a:fillRef>
+          <a:effectRef idx="0">
+            <a:schemeClr val="accent1"/>
+          </a:effectRef>
+          <a:fontRef idx="minor">
+            <a:schemeClr val="tx1"/>
+          </a:fontRef>
+        </p:style>
+      </p:cxnSp>
+      <p:grpSp>
+        <p:nvGrpSpPr>
+          <p:cNvPr id="69" name="Group 68">
+            <a:extLst>
+              <a:ext uri="{FF2B5EF4-FFF2-40B4-BE49-F238E27FC236}">
+                <a16:creationId xmlns:a16="http://schemas.microsoft.com/office/drawing/2014/main" id="{A31FADFA-1719-40C0-B377-C4E9665BFF18}"/>
+              </a:ext>
+            </a:extLst>
+          </p:cNvPr>
+          <p:cNvGrpSpPr/>
+          <p:nvPr/>
+        </p:nvGrpSpPr>
+        <p:grpSpPr>
+          <a:xfrm>
+            <a:off x="9477123" y="4476115"/>
+            <a:ext cx="1684121" cy="307512"/>
+            <a:chOff x="853924" y="3598589"/>
+            <a:chExt cx="1684121" cy="307512"/>
+          </a:xfrm>
+        </p:grpSpPr>
+        <p:sp>
+          <p:nvSpPr>
+            <p:cNvPr id="70" name="TextBox 69">
+              <a:extLst>
+                <a:ext uri="{FF2B5EF4-FFF2-40B4-BE49-F238E27FC236}">
+                  <a16:creationId xmlns:a16="http://schemas.microsoft.com/office/drawing/2014/main" id="{75DD4279-15ED-4461-B6B4-EF4309F73AD9}"/>
+                </a:ext>
+              </a:extLst>
+            </p:cNvPr>
+            <p:cNvSpPr txBox="1"/>
+            <p:nvPr/>
+          </p:nvSpPr>
+          <p:spPr>
+            <a:xfrm>
+              <a:off x="1356631" y="3660012"/>
+              <a:ext cx="1181414" cy="215444"/>
+            </a:xfrm>
+            <a:prstGeom prst="rect">
+              <a:avLst/>
+            </a:prstGeom>
+            <a:solidFill>
+              <a:schemeClr val="bg2">
+                <a:lumMod val="20000"/>
+                <a:lumOff val="80000"/>
+              </a:schemeClr>
+            </a:solidFill>
+          </p:spPr>
+          <p:txBody>
+            <a:bodyPr wrap="none" lIns="0" tIns="0" rIns="0" bIns="0" rtlCol="0">
+              <a:spAutoFit/>
+            </a:bodyPr>
+            <a:lstStyle/>
+            <a:p>
+              <a:pPr fontAlgn="base">
+                <a:spcBef>
+                  <a:spcPct val="50000"/>
+                </a:spcBef>
+                <a:spcAft>
+                  <a:spcPct val="0"/>
+                </a:spcAft>
+                <a:buClr>
+                  <a:srgbClr val="F0AB00"/>
+                </a:buClr>
+                <a:buSzPct val="80000"/>
+              </a:pPr>
+              <a:r>
+                <a:rPr lang="de-DE" sz="1400" b="1" kern="0" dirty="0" err="1">
+                  <a:latin typeface="Courier New" panose="02070309020205020404" pitchFamily="49" charset="0"/>
+                  <a:ea typeface="Arial Unicode MS" pitchFamily="34" charset="-128"/>
+                  <a:cs typeface="Courier New" panose="02070309020205020404" pitchFamily="49" charset="0"/>
+                </a:rPr>
+                <a:t>docker</a:t>
+              </a:r>
+              <a:r>
+                <a:rPr lang="de-DE" sz="1400" b="1" kern="0" dirty="0">
+                  <a:latin typeface="Courier New" panose="02070309020205020404" pitchFamily="49" charset="0"/>
+                  <a:ea typeface="Arial Unicode MS" pitchFamily="34" charset="-128"/>
+                  <a:cs typeface="Courier New" panose="02070309020205020404" pitchFamily="49" charset="0"/>
+                </a:rPr>
+                <a:t> </a:t>
+              </a:r>
+              <a:r>
+                <a:rPr lang="de-DE" sz="1400" b="1" kern="0" dirty="0" err="1">
+                  <a:latin typeface="Courier New" panose="02070309020205020404" pitchFamily="49" charset="0"/>
+                  <a:ea typeface="Arial Unicode MS" pitchFamily="34" charset="-128"/>
+                  <a:cs typeface="Courier New" panose="02070309020205020404" pitchFamily="49" charset="0"/>
+                </a:rPr>
+                <a:t>stop</a:t>
+              </a:r>
+              <a:endParaRPr lang="de-DE" sz="1400" b="1" kern="0" dirty="0">
+                <a:latin typeface="Courier New" panose="02070309020205020404" pitchFamily="49" charset="0"/>
+                <a:ea typeface="Arial Unicode MS" pitchFamily="34" charset="-128"/>
+                <a:cs typeface="Courier New" panose="02070309020205020404" pitchFamily="49" charset="0"/>
+              </a:endParaRPr>
+            </a:p>
+          </p:txBody>
+        </p:sp>
+        <p:pic>
+          <p:nvPicPr>
+            <p:cNvPr id="71" name="Picture 70">
+              <a:extLst>
+                <a:ext uri="{FF2B5EF4-FFF2-40B4-BE49-F238E27FC236}">
+                  <a16:creationId xmlns:a16="http://schemas.microsoft.com/office/drawing/2014/main" id="{34DD894D-3BD4-483B-8E8F-64E7571630AE}"/>
+                </a:ext>
+              </a:extLst>
+            </p:cNvPr>
+            <p:cNvPicPr>
+              <a:picLocks noChangeAspect="1"/>
+            </p:cNvPicPr>
+            <p:nvPr/>
+          </p:nvPicPr>
+          <p:blipFill>
+            <a:blip r:embed="rId3"/>
+            <a:stretch>
+              <a:fillRect/>
+            </a:stretch>
+          </p:blipFill>
+          <p:spPr>
+            <a:xfrm>
+              <a:off x="853924" y="3598589"/>
+              <a:ext cx="410853" cy="307512"/>
+            </a:xfrm>
+            <a:prstGeom prst="rect">
+              <a:avLst/>
+            </a:prstGeom>
+          </p:spPr>
+        </p:pic>
+      </p:grpSp>
+      <p:sp>
+        <p:nvSpPr>
+          <p:cNvPr id="77" name="Rectangle 76">
+            <a:extLst>
+              <a:ext uri="{FF2B5EF4-FFF2-40B4-BE49-F238E27FC236}">
+                <a16:creationId xmlns:a16="http://schemas.microsoft.com/office/drawing/2014/main" id="{AD16D3A0-0893-4C91-A142-12BE900A90B7}"/>
+              </a:ext>
+            </a:extLst>
+          </p:cNvPr>
+          <p:cNvSpPr/>
+          <p:nvPr/>
+        </p:nvSpPr>
+        <p:spPr bwMode="gray">
+          <a:xfrm>
+            <a:off x="7763681" y="5440523"/>
+            <a:ext cx="2893127" cy="318936"/>
+          </a:xfrm>
+          <a:prstGeom prst="rect">
+            <a:avLst/>
+          </a:prstGeom>
+          <a:solidFill>
+            <a:srgbClr val="C00000"/>
+          </a:solidFill>
+          <a:ln>
+            <a:headEnd/>
+            <a:tailEnd/>
+          </a:ln>
+        </p:spPr>
+        <p:style>
+          <a:lnRef idx="2">
+            <a:schemeClr val="accent4">
+              <a:shade val="50000"/>
+            </a:schemeClr>
+          </a:lnRef>
+          <a:fillRef idx="1">
+            <a:schemeClr val="accent4"/>
+          </a:fillRef>
+          <a:effectRef idx="0">
+            <a:schemeClr val="accent4"/>
+          </a:effectRef>
+          <a:fontRef idx="minor">
+            <a:schemeClr val="lt1"/>
+          </a:fontRef>
+        </p:style>
+        <p:txBody>
+          <a:bodyPr lIns="90000" tIns="72000" rIns="90000" bIns="72000" rtlCol="0" anchor="ctr"/>
+          <a:lstStyle/>
+          <a:p>
+            <a:pPr algn="ctr" defTabSz="914400" fontAlgn="base">
+              <a:spcBef>
+                <a:spcPct val="50000"/>
+              </a:spcBef>
+              <a:spcAft>
+                <a:spcPct val="0"/>
+              </a:spcAft>
+              <a:buClr>
+                <a:srgbClr val="F0AB00"/>
+              </a:buClr>
+              <a:buSzPct val="80000"/>
+            </a:pPr>
+            <a:r>
+              <a:rPr lang="en-US" sz="1050" b="1" kern="0" dirty="0">
+                <a:ln w="0"/>
+                <a:solidFill>
+                  <a:schemeClr val="tx1">
+                    <a:lumMod val="85000"/>
+                    <a:lumOff val="15000"/>
+                  </a:schemeClr>
+                </a:solidFill>
+                <a:ea typeface="Arial Unicode MS" pitchFamily="34" charset="-128"/>
+                <a:cs typeface="Arial Unicode MS" pitchFamily="34" charset="-128"/>
+              </a:rPr>
+              <a:t>writable layer a320d5f4bd36</a:t>
+            </a:r>
+            <a:endParaRPr kumimoji="0" lang="en-US" sz="1050" b="1" u="none" strike="noStrike" kern="0" normalizeH="0" baseline="0" dirty="0">
+              <a:ln w="0"/>
+              <a:solidFill>
+                <a:schemeClr val="tx1">
+                  <a:lumMod val="85000"/>
+                  <a:lumOff val="15000"/>
+                </a:schemeClr>
+              </a:solidFill>
+              <a:uLnTx/>
+              <a:uFillTx/>
+              <a:ea typeface="Arial Unicode MS" pitchFamily="34" charset="-128"/>
+              <a:cs typeface="Arial Unicode MS" pitchFamily="34" charset="-128"/>
+            </a:endParaRPr>
+          </a:p>
+        </p:txBody>
+      </p:sp>
+      <p:grpSp>
+        <p:nvGrpSpPr>
+          <p:cNvPr id="81" name="Group 80">
+            <a:extLst>
+              <a:ext uri="{FF2B5EF4-FFF2-40B4-BE49-F238E27FC236}">
+                <a16:creationId xmlns:a16="http://schemas.microsoft.com/office/drawing/2014/main" id="{6ADD1F4C-8F5E-49BE-8938-3BFE42F391A2}"/>
+              </a:ext>
+            </a:extLst>
+          </p:cNvPr>
+          <p:cNvGrpSpPr/>
+          <p:nvPr/>
+        </p:nvGrpSpPr>
+        <p:grpSpPr>
+          <a:xfrm>
+            <a:off x="7097100" y="4463426"/>
+            <a:ext cx="1791521" cy="307512"/>
+            <a:chOff x="853924" y="3598589"/>
+            <a:chExt cx="1791521" cy="307512"/>
+          </a:xfrm>
+        </p:grpSpPr>
+        <p:sp>
+          <p:nvSpPr>
+            <p:cNvPr id="82" name="TextBox 81">
+              <a:extLst>
+                <a:ext uri="{FF2B5EF4-FFF2-40B4-BE49-F238E27FC236}">
+                  <a16:creationId xmlns:a16="http://schemas.microsoft.com/office/drawing/2014/main" id="{C6F5D3F3-3992-4F98-92B9-BC2E17193F10}"/>
+                </a:ext>
+              </a:extLst>
+            </p:cNvPr>
+            <p:cNvSpPr txBox="1"/>
+            <p:nvPr/>
+          </p:nvSpPr>
+          <p:spPr>
+            <a:xfrm>
+              <a:off x="1356631" y="3660012"/>
+              <a:ext cx="1288814" cy="215444"/>
+            </a:xfrm>
+            <a:prstGeom prst="rect">
+              <a:avLst/>
+            </a:prstGeom>
+            <a:solidFill>
+              <a:schemeClr val="bg2">
+                <a:lumMod val="20000"/>
+                <a:lumOff val="80000"/>
+              </a:schemeClr>
+            </a:solidFill>
+          </p:spPr>
+          <p:txBody>
+            <a:bodyPr wrap="none" lIns="0" tIns="0" rIns="0" bIns="0" rtlCol="0">
+              <a:spAutoFit/>
+            </a:bodyPr>
+            <a:lstStyle/>
+            <a:p>
+              <a:pPr fontAlgn="base">
+                <a:spcBef>
+                  <a:spcPct val="50000"/>
+                </a:spcBef>
+                <a:spcAft>
+                  <a:spcPct val="0"/>
+                </a:spcAft>
+                <a:buClr>
+                  <a:srgbClr val="F0AB00"/>
+                </a:buClr>
+                <a:buSzPct val="80000"/>
+              </a:pPr>
+              <a:r>
+                <a:rPr lang="de-DE" sz="1400" b="1" kern="0" dirty="0" err="1">
+                  <a:latin typeface="Courier New" panose="02070309020205020404" pitchFamily="49" charset="0"/>
+                  <a:ea typeface="Arial Unicode MS" pitchFamily="34" charset="-128"/>
+                  <a:cs typeface="Courier New" panose="02070309020205020404" pitchFamily="49" charset="0"/>
+                </a:rPr>
+                <a:t>docker</a:t>
+              </a:r>
+              <a:r>
+                <a:rPr lang="de-DE" sz="1400" b="1" kern="0" dirty="0">
+                  <a:latin typeface="Courier New" panose="02070309020205020404" pitchFamily="49" charset="0"/>
+                  <a:ea typeface="Arial Unicode MS" pitchFamily="34" charset="-128"/>
+                  <a:cs typeface="Courier New" panose="02070309020205020404" pitchFamily="49" charset="0"/>
+                </a:rPr>
+                <a:t> </a:t>
+              </a:r>
+              <a:r>
+                <a:rPr lang="de-DE" sz="1400" b="1" kern="0" dirty="0" err="1">
+                  <a:latin typeface="Courier New" panose="02070309020205020404" pitchFamily="49" charset="0"/>
+                  <a:ea typeface="Arial Unicode MS" pitchFamily="34" charset="-128"/>
+                  <a:cs typeface="Courier New" panose="02070309020205020404" pitchFamily="49" charset="0"/>
+                </a:rPr>
+                <a:t>start</a:t>
+              </a:r>
+              <a:endParaRPr lang="de-DE" sz="1400" b="1" kern="0" dirty="0">
+                <a:latin typeface="Courier New" panose="02070309020205020404" pitchFamily="49" charset="0"/>
+                <a:ea typeface="Arial Unicode MS" pitchFamily="34" charset="-128"/>
+                <a:cs typeface="Courier New" panose="02070309020205020404" pitchFamily="49" charset="0"/>
+              </a:endParaRPr>
+            </a:p>
+          </p:txBody>
+        </p:sp>
+        <p:pic>
+          <p:nvPicPr>
+            <p:cNvPr id="83" name="Picture 82">
+              <a:extLst>
+                <a:ext uri="{FF2B5EF4-FFF2-40B4-BE49-F238E27FC236}">
+                  <a16:creationId xmlns:a16="http://schemas.microsoft.com/office/drawing/2014/main" id="{2A7619DA-9228-442C-BEFB-DFD8C4578570}"/>
+                </a:ext>
+              </a:extLst>
+            </p:cNvPr>
+            <p:cNvPicPr>
+              <a:picLocks noChangeAspect="1"/>
+            </p:cNvPicPr>
+            <p:nvPr/>
+          </p:nvPicPr>
+          <p:blipFill>
+            <a:blip r:embed="rId3"/>
+            <a:stretch>
+              <a:fillRect/>
+            </a:stretch>
+          </p:blipFill>
+          <p:spPr>
+            <a:xfrm>
+              <a:off x="853924" y="3598589"/>
+              <a:ext cx="410853" cy="307512"/>
+            </a:xfrm>
+            <a:prstGeom prst="rect">
+              <a:avLst/>
+            </a:prstGeom>
+          </p:spPr>
+        </p:pic>
+      </p:grpSp>
+      <p:cxnSp>
+        <p:nvCxnSpPr>
+          <p:cNvPr id="84" name="Straight Arrow Connector 83">
+            <a:extLst>
+              <a:ext uri="{FF2B5EF4-FFF2-40B4-BE49-F238E27FC236}">
+                <a16:creationId xmlns:a16="http://schemas.microsoft.com/office/drawing/2014/main" id="{E771766C-56DD-44F2-A3B3-F25BF65D6209}"/>
+              </a:ext>
+            </a:extLst>
+          </p:cNvPr>
+          <p:cNvCxnSpPr>
+            <a:cxnSpLocks/>
+          </p:cNvCxnSpPr>
+          <p:nvPr/>
+        </p:nvCxnSpPr>
+        <p:spPr>
+          <a:xfrm flipV="1">
+            <a:off x="9041432" y="3909422"/>
+            <a:ext cx="0" cy="1519580"/>
+          </a:xfrm>
+          <a:prstGeom prst="straightConnector1">
+            <a:avLst/>
+          </a:prstGeom>
+          <a:ln w="57150">
+            <a:solidFill>
+              <a:schemeClr val="bg2"/>
+            </a:solidFill>
+            <a:headEnd type="none" w="med" len="med"/>
+            <a:tailEnd type="triangle"/>
+          </a:ln>
+        </p:spPr>
+        <p:style>
+          <a:lnRef idx="1">
+            <a:schemeClr val="accent1"/>
+          </a:lnRef>
+          <a:fillRef idx="0">
+            <a:schemeClr val="accent1"/>
+          </a:fillRef>
+          <a:effectRef idx="0">
+            <a:schemeClr val="accent1"/>
+          </a:effectRef>
+          <a:fontRef idx="minor">
+            <a:schemeClr val="tx1"/>
+          </a:fontRef>
+        </p:style>
+      </p:cxnSp>
+      <p:sp>
+        <p:nvSpPr>
+          <p:cNvPr id="87" name="Rectangle 86">
+            <a:extLst>
+              <a:ext uri="{FF2B5EF4-FFF2-40B4-BE49-F238E27FC236}">
+                <a16:creationId xmlns:a16="http://schemas.microsoft.com/office/drawing/2014/main" id="{6577650D-C412-4CFC-9B83-C5E26687CAFF}"/>
+              </a:ext>
+            </a:extLst>
+          </p:cNvPr>
+          <p:cNvSpPr/>
+          <p:nvPr/>
+        </p:nvSpPr>
+        <p:spPr bwMode="gray">
+          <a:xfrm>
+            <a:off x="1503862" y="5440523"/>
+            <a:ext cx="2893127" cy="318936"/>
+          </a:xfrm>
+          <a:prstGeom prst="rect">
+            <a:avLst/>
+          </a:prstGeom>
+          <a:ln>
+            <a:headEnd/>
+            <a:tailEnd/>
+          </a:ln>
+        </p:spPr>
+        <p:style>
+          <a:lnRef idx="2">
+            <a:schemeClr val="accent2"/>
+          </a:lnRef>
+          <a:fillRef idx="1">
+            <a:schemeClr val="lt1"/>
+          </a:fillRef>
+          <a:effectRef idx="0">
+            <a:schemeClr val="accent2"/>
+          </a:effectRef>
+          <a:fontRef idx="minor">
+            <a:schemeClr val="dk1"/>
+          </a:fontRef>
+        </p:style>
+        <p:txBody>
+          <a:bodyPr lIns="90000" tIns="72000" rIns="90000" bIns="72000" rtlCol="0" anchor="ctr"/>
+          <a:lstStyle/>
+          <a:p>
+            <a:pPr algn="ctr" defTabSz="914400" fontAlgn="base">
+              <a:spcBef>
+                <a:spcPct val="50000"/>
+              </a:spcBef>
+              <a:spcAft>
+                <a:spcPct val="0"/>
+              </a:spcAft>
+              <a:buClr>
+                <a:srgbClr val="F0AB00"/>
+              </a:buClr>
+              <a:buSzPct val="80000"/>
+            </a:pPr>
+            <a:r>
+              <a:rPr lang="en-US" sz="1050" b="1" kern="0" dirty="0">
+                <a:ln w="0"/>
+                <a:solidFill>
+                  <a:schemeClr val="tx1">
+                    <a:lumMod val="85000"/>
+                    <a:lumOff val="15000"/>
+                  </a:schemeClr>
+                </a:solidFill>
+                <a:ea typeface="Arial Unicode MS" pitchFamily="34" charset="-128"/>
+                <a:cs typeface="Arial Unicode MS" pitchFamily="34" charset="-128"/>
+              </a:rPr>
+              <a:t>writable layer a320d5f4bd36</a:t>
+            </a:r>
+            <a:endParaRPr kumimoji="0" lang="en-US" sz="1050" b="1" u="none" strike="noStrike" kern="0" normalizeH="0" baseline="0" dirty="0">
+              <a:ln w="0"/>
+              <a:solidFill>
+                <a:schemeClr val="tx1">
+                  <a:lumMod val="85000"/>
+                  <a:lumOff val="15000"/>
+                </a:schemeClr>
+              </a:solidFill>
+              <a:uLnTx/>
+              <a:uFillTx/>
+              <a:ea typeface="Arial Unicode MS" pitchFamily="34" charset="-128"/>
+              <a:cs typeface="Arial Unicode MS" pitchFamily="34" charset="-128"/>
+            </a:endParaRPr>
+          </a:p>
+        </p:txBody>
+      </p:sp>
+      <p:sp>
+        <p:nvSpPr>
+          <p:cNvPr id="88" name="Multiplication Sign 87">
+            <a:extLst>
+              <a:ext uri="{FF2B5EF4-FFF2-40B4-BE49-F238E27FC236}">
+                <a16:creationId xmlns:a16="http://schemas.microsoft.com/office/drawing/2014/main" id="{12D4D4F1-26ED-4D92-AD8D-4B5FCDF2A6DE}"/>
+              </a:ext>
+            </a:extLst>
+          </p:cNvPr>
+          <p:cNvSpPr/>
+          <p:nvPr/>
+        </p:nvSpPr>
+        <p:spPr bwMode="gray">
+          <a:xfrm>
+            <a:off x="1912110" y="4890690"/>
+            <a:ext cx="2076628" cy="1418601"/>
+          </a:xfrm>
+          <a:prstGeom prst="mathMultiply">
+            <a:avLst/>
+          </a:prstGeom>
+          <a:solidFill>
+            <a:srgbClr val="C00000"/>
           </a:solidFill>
           <a:ln w="6350" algn="ctr">
             <a:noFill/>
@@ -12716,20 +15637,7 @@
               <a:buSzPct val="80000"/>
               <a:tabLst/>
             </a:pPr>
-            <a:r>
-              <a:rPr kumimoji="0" lang="de-DE" sz="1800" b="0" i="0" u="none" strike="noStrike" kern="0" cap="none" spc="0" normalizeH="0" baseline="0" noProof="0" dirty="0" err="1">
-                <a:ln>
-                  <a:noFill/>
-                </a:ln>
-                <a:effectLst/>
-                <a:uLnTx/>
-                <a:uFillTx/>
-                <a:ea typeface="Arial Unicode MS" pitchFamily="34" charset="-128"/>
-                <a:cs typeface="Arial Unicode MS" pitchFamily="34" charset="-128"/>
-              </a:rPr>
-              <a:t>container</a:t>
-            </a:r>
-            <a:endParaRPr kumimoji="0" lang="de-DE" sz="1800" b="0" i="0" u="none" strike="noStrike" kern="0" cap="none" spc="0" normalizeH="0" baseline="0" noProof="0" dirty="0">
+            <a:endParaRPr kumimoji="0" lang="en-US" sz="1800" b="0" i="0" u="none" strike="noStrike" kern="0" cap="none" spc="0" normalizeH="0" baseline="0" noProof="0" dirty="0" err="1">
               <a:ln>
                 <a:noFill/>
               </a:ln>
@@ -12742,1131 +15650,180 @@
           </a:p>
         </p:txBody>
       </p:sp>
-      <p:sp>
-        <p:nvSpPr>
-          <p:cNvPr id="5" name="Rectangle 4"/>
-          <p:cNvSpPr/>
+      <p:grpSp>
+        <p:nvGrpSpPr>
+          <p:cNvPr id="89" name="Group 88">
+            <a:extLst>
+              <a:ext uri="{FF2B5EF4-FFF2-40B4-BE49-F238E27FC236}">
+                <a16:creationId xmlns:a16="http://schemas.microsoft.com/office/drawing/2014/main" id="{0539C04C-8743-41B9-ABB3-F9CB0D01F13A}"/>
+              </a:ext>
+            </a:extLst>
+          </p:cNvPr>
+          <p:cNvGrpSpPr/>
           <p:nvPr/>
-        </p:nvSpPr>
-        <p:spPr bwMode="gray">
+        </p:nvGrpSpPr>
+        <p:grpSpPr>
           <a:xfrm>
-            <a:off x="4064062" y="3267075"/>
-            <a:ext cx="1495425" cy="419100"/>
+            <a:off x="5141550" y="5187993"/>
+            <a:ext cx="1469318" cy="307512"/>
+            <a:chOff x="853924" y="3598589"/>
+            <a:chExt cx="1469318" cy="307512"/>
           </a:xfrm>
-          <a:prstGeom prst="rect">
+        </p:grpSpPr>
+        <p:sp>
+          <p:nvSpPr>
+            <p:cNvPr id="90" name="TextBox 89">
+              <a:extLst>
+                <a:ext uri="{FF2B5EF4-FFF2-40B4-BE49-F238E27FC236}">
+                  <a16:creationId xmlns:a16="http://schemas.microsoft.com/office/drawing/2014/main" id="{EAA63DD8-8D69-4546-9D27-1967C2B7B7A1}"/>
+                </a:ext>
+              </a:extLst>
+            </p:cNvPr>
+            <p:cNvSpPr txBox="1"/>
+            <p:nvPr/>
+          </p:nvSpPr>
+          <p:spPr>
+            <a:xfrm>
+              <a:off x="1356631" y="3660012"/>
+              <a:ext cx="966611" cy="215444"/>
+            </a:xfrm>
+            <a:prstGeom prst="rect">
+              <a:avLst/>
+            </a:prstGeom>
+            <a:solidFill>
+              <a:schemeClr val="bg2">
+                <a:lumMod val="20000"/>
+                <a:lumOff val="80000"/>
+              </a:schemeClr>
+            </a:solidFill>
+          </p:spPr>
+          <p:txBody>
+            <a:bodyPr wrap="none" lIns="0" tIns="0" rIns="0" bIns="0" rtlCol="0">
+              <a:spAutoFit/>
+            </a:bodyPr>
+            <a:lstStyle/>
+            <a:p>
+              <a:pPr fontAlgn="base">
+                <a:spcBef>
+                  <a:spcPct val="50000"/>
+                </a:spcBef>
+                <a:spcAft>
+                  <a:spcPct val="0"/>
+                </a:spcAft>
+                <a:buClr>
+                  <a:srgbClr val="F0AB00"/>
+                </a:buClr>
+                <a:buSzPct val="80000"/>
+              </a:pPr>
+              <a:r>
+                <a:rPr lang="de-DE" sz="1400" b="1" kern="0" dirty="0" err="1">
+                  <a:latin typeface="Courier New" panose="02070309020205020404" pitchFamily="49" charset="0"/>
+                  <a:ea typeface="Arial Unicode MS" pitchFamily="34" charset="-128"/>
+                  <a:cs typeface="Courier New" panose="02070309020205020404" pitchFamily="49" charset="0"/>
+                </a:rPr>
+                <a:t>docker</a:t>
+              </a:r>
+              <a:r>
+                <a:rPr lang="de-DE" sz="1400" b="1" kern="0" dirty="0">
+                  <a:latin typeface="Courier New" panose="02070309020205020404" pitchFamily="49" charset="0"/>
+                  <a:ea typeface="Arial Unicode MS" pitchFamily="34" charset="-128"/>
+                  <a:cs typeface="Courier New" panose="02070309020205020404" pitchFamily="49" charset="0"/>
+                </a:rPr>
+                <a:t> </a:t>
+              </a:r>
+              <a:r>
+                <a:rPr lang="de-DE" sz="1400" b="1" kern="0" dirty="0" err="1">
+                  <a:latin typeface="Courier New" panose="02070309020205020404" pitchFamily="49" charset="0"/>
+                  <a:ea typeface="Arial Unicode MS" pitchFamily="34" charset="-128"/>
+                  <a:cs typeface="Courier New" panose="02070309020205020404" pitchFamily="49" charset="0"/>
+                </a:rPr>
+                <a:t>rm</a:t>
+              </a:r>
+              <a:endParaRPr lang="de-DE" sz="1400" b="1" kern="0" dirty="0">
+                <a:latin typeface="Courier New" panose="02070309020205020404" pitchFamily="49" charset="0"/>
+                <a:ea typeface="Arial Unicode MS" pitchFamily="34" charset="-128"/>
+                <a:cs typeface="Courier New" panose="02070309020205020404" pitchFamily="49" charset="0"/>
+              </a:endParaRPr>
+            </a:p>
+          </p:txBody>
+        </p:sp>
+        <p:pic>
+          <p:nvPicPr>
+            <p:cNvPr id="91" name="Picture 90">
+              <a:extLst>
+                <a:ext uri="{FF2B5EF4-FFF2-40B4-BE49-F238E27FC236}">
+                  <a16:creationId xmlns:a16="http://schemas.microsoft.com/office/drawing/2014/main" id="{F1F6CA4F-0C43-4AD3-9A79-CB5AFE28CB7B}"/>
+                </a:ext>
+              </a:extLst>
+            </p:cNvPr>
+            <p:cNvPicPr>
+              <a:picLocks noChangeAspect="1"/>
+            </p:cNvPicPr>
+            <p:nvPr/>
+          </p:nvPicPr>
+          <p:blipFill>
+            <a:blip r:embed="rId3"/>
+            <a:stretch>
+              <a:fillRect/>
+            </a:stretch>
+          </p:blipFill>
+          <p:spPr>
+            <a:xfrm>
+              <a:off x="853924" y="3598589"/>
+              <a:ext cx="410853" cy="307512"/>
+            </a:xfrm>
+            <a:prstGeom prst="rect">
+              <a:avLst/>
+            </a:prstGeom>
+          </p:spPr>
+        </p:pic>
+      </p:grpSp>
+      <p:cxnSp>
+        <p:nvCxnSpPr>
+          <p:cNvPr id="99" name="Straight Arrow Connector 98">
+            <a:extLst>
+              <a:ext uri="{FF2B5EF4-FFF2-40B4-BE49-F238E27FC236}">
+                <a16:creationId xmlns:a16="http://schemas.microsoft.com/office/drawing/2014/main" id="{ED2E34F9-AFE3-461E-BCE9-F611A0AA4487}"/>
+              </a:ext>
+            </a:extLst>
+          </p:cNvPr>
+          <p:cNvCxnSpPr>
+            <a:stCxn id="77" idx="1"/>
+            <a:endCxn id="87" idx="3"/>
+          </p:cNvCxnSpPr>
+          <p:nvPr/>
+        </p:nvCxnSpPr>
+        <p:spPr>
+          <a:xfrm flipH="1">
+            <a:off x="4396989" y="5599991"/>
+            <a:ext cx="3366692" cy="0"/>
+          </a:xfrm>
+          <a:prstGeom prst="straightConnector1">
             <a:avLst/>
           </a:prstGeom>
-          <a:solidFill>
-            <a:schemeClr val="accent4">
-              <a:lumMod val="75000"/>
-            </a:schemeClr>
-          </a:solidFill>
-          <a:ln w="6350" algn="ctr">
-            <a:noFill/>
-            <a:miter lim="800000"/>
-            <a:headEnd/>
-            <a:tailEnd/>
+          <a:ln w="57150">
+            <a:solidFill>
+              <a:schemeClr val="bg2"/>
+            </a:solidFill>
+            <a:headEnd type="none" w="med" len="med"/>
+            <a:tailEnd type="triangle"/>
           </a:ln>
         </p:spPr>
-        <p:txBody>
-          <a:bodyPr lIns="90000" tIns="72000" rIns="90000" bIns="72000" rtlCol="0" anchor="ctr"/>
-          <a:lstStyle/>
-          <a:p>
-            <a:pPr marR="0" algn="ctr" defTabSz="914400" eaLnBrk="1" fontAlgn="base" latinLnBrk="0" hangingPunct="1">
-              <a:lnSpc>
-                <a:spcPct val="100000"/>
-              </a:lnSpc>
-              <a:spcBef>
-                <a:spcPct val="50000"/>
-              </a:spcBef>
-              <a:spcAft>
-                <a:spcPct val="0"/>
-              </a:spcAft>
-              <a:buClr>
-                <a:srgbClr val="F0AB00"/>
-              </a:buClr>
-              <a:buSzPct val="80000"/>
-              <a:tabLst/>
-            </a:pPr>
-            <a:r>
-              <a:rPr kumimoji="0" lang="de-DE" sz="1800" b="0" i="0" u="none" strike="noStrike" kern="0" cap="none" spc="0" normalizeH="0" baseline="0" noProof="0" dirty="0" err="1">
-                <a:ln>
-                  <a:noFill/>
-                </a:ln>
-                <a:solidFill>
-                  <a:schemeClr val="bg1"/>
-                </a:solidFill>
-                <a:effectLst/>
-                <a:uLnTx/>
-                <a:uFillTx/>
-                <a:ea typeface="Arial Unicode MS" pitchFamily="34" charset="-128"/>
-                <a:cs typeface="Arial Unicode MS" pitchFamily="34" charset="-128"/>
-              </a:rPr>
-              <a:t>container</a:t>
-            </a:r>
-            <a:endParaRPr kumimoji="0" lang="de-DE" sz="1800" b="0" i="0" u="none" strike="noStrike" kern="0" cap="none" spc="0" normalizeH="0" baseline="0" noProof="0" dirty="0">
-              <a:ln>
-                <a:noFill/>
-              </a:ln>
-              <a:solidFill>
-                <a:schemeClr val="bg1"/>
-              </a:solidFill>
-              <a:effectLst/>
-              <a:uLnTx/>
-              <a:uFillTx/>
-              <a:ea typeface="Arial Unicode MS" pitchFamily="34" charset="-128"/>
-              <a:cs typeface="Arial Unicode MS" pitchFamily="34" charset="-128"/>
-            </a:endParaRPr>
-          </a:p>
-        </p:txBody>
-      </p:sp>
-      <p:sp>
-        <p:nvSpPr>
-          <p:cNvPr id="6" name="Rectangle 5"/>
-          <p:cNvSpPr/>
-          <p:nvPr/>
-        </p:nvSpPr>
-        <p:spPr bwMode="gray">
-          <a:xfrm>
-            <a:off x="6150037" y="3267075"/>
-            <a:ext cx="1495425" cy="419100"/>
-          </a:xfrm>
-          <a:prstGeom prst="rect">
-            <a:avLst/>
-          </a:prstGeom>
-          <a:solidFill>
-            <a:schemeClr val="accent5">
-              <a:lumMod val="75000"/>
-            </a:schemeClr>
-          </a:solidFill>
-          <a:ln w="6350" algn="ctr">
-            <a:noFill/>
-            <a:miter lim="800000"/>
-            <a:headEnd/>
-            <a:tailEnd/>
-          </a:ln>
-        </p:spPr>
-        <p:txBody>
-          <a:bodyPr lIns="90000" tIns="72000" rIns="90000" bIns="72000" rtlCol="0" anchor="ctr"/>
-          <a:lstStyle/>
-          <a:p>
-            <a:pPr marR="0" algn="ctr" defTabSz="914400" eaLnBrk="1" fontAlgn="base" latinLnBrk="0" hangingPunct="1">
-              <a:lnSpc>
-                <a:spcPct val="100000"/>
-              </a:lnSpc>
-              <a:spcBef>
-                <a:spcPct val="50000"/>
-              </a:spcBef>
-              <a:spcAft>
-                <a:spcPct val="0"/>
-              </a:spcAft>
-              <a:buClr>
-                <a:srgbClr val="F0AB00"/>
-              </a:buClr>
-              <a:buSzPct val="80000"/>
-              <a:tabLst/>
-            </a:pPr>
-            <a:r>
-              <a:rPr kumimoji="0" lang="de-DE" sz="1800" b="0" i="0" u="none" strike="noStrike" kern="0" cap="none" spc="0" normalizeH="0" baseline="0" noProof="0" dirty="0" err="1">
-                <a:ln>
-                  <a:noFill/>
-                </a:ln>
-                <a:solidFill>
-                  <a:schemeClr val="bg1"/>
-                </a:solidFill>
-                <a:effectLst/>
-                <a:uLnTx/>
-                <a:uFillTx/>
-                <a:ea typeface="Arial Unicode MS" pitchFamily="34" charset="-128"/>
-                <a:cs typeface="Arial Unicode MS" pitchFamily="34" charset="-128"/>
-              </a:rPr>
-              <a:t>container</a:t>
-            </a:r>
-            <a:endParaRPr kumimoji="0" lang="de-DE" sz="1800" b="0" i="0" u="none" strike="noStrike" kern="0" cap="none" spc="0" normalizeH="0" baseline="0" noProof="0" dirty="0">
-              <a:ln>
-                <a:noFill/>
-              </a:ln>
-              <a:solidFill>
-                <a:schemeClr val="bg1"/>
-              </a:solidFill>
-              <a:effectLst/>
-              <a:uLnTx/>
-              <a:uFillTx/>
-              <a:ea typeface="Arial Unicode MS" pitchFamily="34" charset="-128"/>
-              <a:cs typeface="Arial Unicode MS" pitchFamily="34" charset="-128"/>
-            </a:endParaRPr>
-          </a:p>
-        </p:txBody>
-      </p:sp>
-      <p:sp>
-        <p:nvSpPr>
-          <p:cNvPr id="7" name="Rectangle 6"/>
-          <p:cNvSpPr/>
-          <p:nvPr/>
-        </p:nvSpPr>
-        <p:spPr bwMode="gray">
-          <a:xfrm>
-            <a:off x="8236012" y="3267075"/>
-            <a:ext cx="1495425" cy="419100"/>
-          </a:xfrm>
-          <a:prstGeom prst="rect">
-            <a:avLst/>
-          </a:prstGeom>
-          <a:solidFill>
-            <a:schemeClr val="accent1">
-              <a:alpha val="20000"/>
-            </a:schemeClr>
-          </a:solidFill>
-          <a:ln w="6350" algn="ctr">
-            <a:noFill/>
-            <a:miter lim="800000"/>
-            <a:headEnd/>
-            <a:tailEnd/>
-          </a:ln>
-          <a:effectLst>
-            <a:softEdge rad="63500"/>
-          </a:effectLst>
-        </p:spPr>
-        <p:txBody>
-          <a:bodyPr lIns="90000" tIns="72000" rIns="90000" bIns="72000" rtlCol="0" anchor="ctr"/>
-          <a:lstStyle/>
-          <a:p>
-            <a:pPr marR="0" algn="ctr" defTabSz="914400" eaLnBrk="1" fontAlgn="base" latinLnBrk="0" hangingPunct="1">
-              <a:lnSpc>
-                <a:spcPct val="100000"/>
-              </a:lnSpc>
-              <a:spcBef>
-                <a:spcPct val="50000"/>
-              </a:spcBef>
-              <a:spcAft>
-                <a:spcPct val="0"/>
-              </a:spcAft>
-              <a:buClr>
-                <a:srgbClr val="F0AB00"/>
-              </a:buClr>
-              <a:buSzPct val="80000"/>
-              <a:tabLst/>
-            </a:pPr>
-            <a:r>
-              <a:rPr kumimoji="0" lang="de-DE" sz="1800" b="0" i="0" u="none" strike="noStrike" kern="0" cap="none" spc="0" normalizeH="0" baseline="0" noProof="0" dirty="0" err="1">
-                <a:ln>
-                  <a:noFill/>
-                </a:ln>
-                <a:solidFill>
-                  <a:schemeClr val="tx2">
-                    <a:lumMod val="90000"/>
-                  </a:schemeClr>
-                </a:solidFill>
-                <a:effectLst/>
-                <a:uLnTx/>
-                <a:uFillTx/>
-                <a:ea typeface="Arial Unicode MS" pitchFamily="34" charset="-128"/>
-                <a:cs typeface="Arial Unicode MS" pitchFamily="34" charset="-128"/>
-              </a:rPr>
-              <a:t>container</a:t>
-            </a:r>
-            <a:endParaRPr kumimoji="0" lang="de-DE" sz="1800" b="0" i="0" u="none" strike="noStrike" kern="0" cap="none" spc="0" normalizeH="0" baseline="0" noProof="0" dirty="0">
-              <a:ln>
-                <a:noFill/>
-              </a:ln>
-              <a:solidFill>
-                <a:schemeClr val="tx2">
-                  <a:lumMod val="90000"/>
-                </a:schemeClr>
-              </a:solidFill>
-              <a:effectLst/>
-              <a:uLnTx/>
-              <a:uFillTx/>
-              <a:ea typeface="Arial Unicode MS" pitchFamily="34" charset="-128"/>
-              <a:cs typeface="Arial Unicode MS" pitchFamily="34" charset="-128"/>
-            </a:endParaRPr>
-          </a:p>
-        </p:txBody>
-      </p:sp>
-      <p:sp>
-        <p:nvSpPr>
-          <p:cNvPr id="11" name="Freeform: Shape 10"/>
-          <p:cNvSpPr/>
-          <p:nvPr/>
-        </p:nvSpPr>
-        <p:spPr bwMode="gray">
-          <a:xfrm>
-            <a:off x="657225" y="1914525"/>
-            <a:ext cx="1857375" cy="1276350"/>
-          </a:xfrm>
-          <a:custGeom>
-            <a:avLst/>
-            <a:gdLst>
-              <a:gd name="connsiteX0" fmla="*/ 0 w 1857375"/>
-              <a:gd name="connsiteY0" fmla="*/ 0 h 1276350"/>
-              <a:gd name="connsiteX1" fmla="*/ 981075 w 1857375"/>
-              <a:gd name="connsiteY1" fmla="*/ 219075 h 1276350"/>
-              <a:gd name="connsiteX2" fmla="*/ 1628775 w 1857375"/>
-              <a:gd name="connsiteY2" fmla="*/ 695325 h 1276350"/>
-              <a:gd name="connsiteX3" fmla="*/ 1857375 w 1857375"/>
-              <a:gd name="connsiteY3" fmla="*/ 1276350 h 1276350"/>
-            </a:gdLst>
-            <a:ahLst/>
-            <a:cxnLst>
-              <a:cxn ang="0">
-                <a:pos x="connsiteX0" y="connsiteY0"/>
-              </a:cxn>
-              <a:cxn ang="0">
-                <a:pos x="connsiteX1" y="connsiteY1"/>
-              </a:cxn>
-              <a:cxn ang="0">
-                <a:pos x="connsiteX2" y="connsiteY2"/>
-              </a:cxn>
-              <a:cxn ang="0">
-                <a:pos x="connsiteX3" y="connsiteY3"/>
-              </a:cxn>
-            </a:cxnLst>
-            <a:rect l="l" t="t" r="r" b="b"/>
-            <a:pathLst>
-              <a:path w="1857375" h="1276350">
-                <a:moveTo>
-                  <a:pt x="0" y="0"/>
-                </a:moveTo>
-                <a:cubicBezTo>
-                  <a:pt x="354806" y="51594"/>
-                  <a:pt x="709613" y="103188"/>
-                  <a:pt x="981075" y="219075"/>
-                </a:cubicBezTo>
-                <a:cubicBezTo>
-                  <a:pt x="1252537" y="334962"/>
-                  <a:pt x="1482725" y="519113"/>
-                  <a:pt x="1628775" y="695325"/>
-                </a:cubicBezTo>
-                <a:cubicBezTo>
-                  <a:pt x="1774825" y="871537"/>
-                  <a:pt x="1816100" y="1073943"/>
-                  <a:pt x="1857375" y="1276350"/>
-                </a:cubicBezTo>
-              </a:path>
-            </a:pathLst>
-          </a:custGeom>
-          <a:noFill/>
-          <a:ln w="12700" algn="ctr">
-            <a:solidFill>
-              <a:schemeClr val="accent5">
-                <a:lumMod val="50000"/>
-              </a:schemeClr>
-            </a:solidFill>
-            <a:miter lim="800000"/>
-            <a:headEnd/>
-            <a:tailEnd type="stealth" w="lg" len="lg"/>
-          </a:ln>
-        </p:spPr>
-        <p:txBody>
-          <a:bodyPr rtlCol="0" anchor="ctr"/>
-          <a:lstStyle/>
-          <a:p>
-            <a:pPr algn="ctr"/>
-            <a:endParaRPr lang="de-DE"/>
-          </a:p>
-        </p:txBody>
-      </p:sp>
-      <p:sp>
-        <p:nvSpPr>
-          <p:cNvPr id="12" name="TextBox 11"/>
-          <p:cNvSpPr txBox="1"/>
-          <p:nvPr/>
-        </p:nvSpPr>
-        <p:spPr>
-          <a:xfrm>
-            <a:off x="1068133" y="1960305"/>
-            <a:ext cx="1208664" cy="184666"/>
-          </a:xfrm>
-          <a:prstGeom prst="rect">
-            <a:avLst/>
-          </a:prstGeom>
-          <a:solidFill>
-            <a:schemeClr val="bg2">
-              <a:lumMod val="20000"/>
-              <a:lumOff val="80000"/>
-            </a:schemeClr>
-          </a:solidFill>
-        </p:spPr>
-        <p:txBody>
-          <a:bodyPr wrap="none" lIns="0" tIns="0" rIns="0" bIns="0" rtlCol="0">
-            <a:spAutoFit/>
-          </a:bodyPr>
-          <a:lstStyle/>
-          <a:p>
-            <a:pPr fontAlgn="base">
-              <a:spcBef>
-                <a:spcPct val="50000"/>
-              </a:spcBef>
-              <a:spcAft>
-                <a:spcPct val="0"/>
-              </a:spcAft>
-              <a:buClr>
-                <a:srgbClr val="F0AB00"/>
-              </a:buClr>
-              <a:buSzPct val="80000"/>
-            </a:pPr>
-            <a:r>
-              <a:rPr lang="de-DE" sz="1200" b="1" kern="0" dirty="0" err="1">
-                <a:latin typeface="Courier New" panose="02070309020205020404" pitchFamily="49" charset="0"/>
-                <a:ea typeface="Arial Unicode MS" pitchFamily="34" charset="-128"/>
-                <a:cs typeface="Courier New" panose="02070309020205020404" pitchFamily="49" charset="0"/>
-              </a:rPr>
-              <a:t>docker</a:t>
-            </a:r>
-            <a:r>
-              <a:rPr lang="de-DE" sz="1200" b="1" kern="0" dirty="0">
-                <a:latin typeface="Courier New" panose="02070309020205020404" pitchFamily="49" charset="0"/>
-                <a:ea typeface="Arial Unicode MS" pitchFamily="34" charset="-128"/>
-                <a:cs typeface="Courier New" panose="02070309020205020404" pitchFamily="49" charset="0"/>
-              </a:rPr>
-              <a:t> </a:t>
-            </a:r>
-            <a:r>
-              <a:rPr lang="de-DE" sz="1200" b="1" kern="0" dirty="0" err="1">
-                <a:latin typeface="Courier New" panose="02070309020205020404" pitchFamily="49" charset="0"/>
-                <a:ea typeface="Arial Unicode MS" pitchFamily="34" charset="-128"/>
-                <a:cs typeface="Courier New" panose="02070309020205020404" pitchFamily="49" charset="0"/>
-              </a:rPr>
-              <a:t>create</a:t>
-            </a:r>
-            <a:endParaRPr lang="de-DE" sz="1200" b="1" kern="0" dirty="0">
-              <a:latin typeface="Courier New" panose="02070309020205020404" pitchFamily="49" charset="0"/>
-              <a:ea typeface="Arial Unicode MS" pitchFamily="34" charset="-128"/>
-              <a:cs typeface="Courier New" panose="02070309020205020404" pitchFamily="49" charset="0"/>
-            </a:endParaRPr>
-          </a:p>
-        </p:txBody>
-      </p:sp>
-      <p:sp>
-        <p:nvSpPr>
-          <p:cNvPr id="13" name="Freeform: Shape 12"/>
-          <p:cNvSpPr/>
-          <p:nvPr/>
-        </p:nvSpPr>
-        <p:spPr bwMode="gray">
-          <a:xfrm>
-            <a:off x="2943225" y="2209766"/>
-            <a:ext cx="1685925" cy="1009684"/>
-          </a:xfrm>
-          <a:custGeom>
-            <a:avLst/>
-            <a:gdLst>
-              <a:gd name="connsiteX0" fmla="*/ 0 w 1685925"/>
-              <a:gd name="connsiteY0" fmla="*/ 981109 h 1009684"/>
-              <a:gd name="connsiteX1" fmla="*/ 876300 w 1685925"/>
-              <a:gd name="connsiteY1" fmla="*/ 34 h 1009684"/>
-              <a:gd name="connsiteX2" fmla="*/ 1685925 w 1685925"/>
-              <a:gd name="connsiteY2" fmla="*/ 1009684 h 1009684"/>
-            </a:gdLst>
-            <a:ahLst/>
-            <a:cxnLst>
-              <a:cxn ang="0">
-                <a:pos x="connsiteX0" y="connsiteY0"/>
-              </a:cxn>
-              <a:cxn ang="0">
-                <a:pos x="connsiteX1" y="connsiteY1"/>
-              </a:cxn>
-              <a:cxn ang="0">
-                <a:pos x="connsiteX2" y="connsiteY2"/>
-              </a:cxn>
-            </a:cxnLst>
-            <a:rect l="l" t="t" r="r" b="b"/>
-            <a:pathLst>
-              <a:path w="1685925" h="1009684">
-                <a:moveTo>
-                  <a:pt x="0" y="981109"/>
-                </a:moveTo>
-                <a:cubicBezTo>
-                  <a:pt x="297656" y="488190"/>
-                  <a:pt x="595313" y="-4728"/>
-                  <a:pt x="876300" y="34"/>
-                </a:cubicBezTo>
-                <a:cubicBezTo>
-                  <a:pt x="1157287" y="4796"/>
-                  <a:pt x="1421606" y="507240"/>
-                  <a:pt x="1685925" y="1009684"/>
-                </a:cubicBezTo>
-              </a:path>
-            </a:pathLst>
-          </a:custGeom>
-          <a:noFill/>
-          <a:ln w="6350" algn="ctr">
-            <a:solidFill>
-              <a:schemeClr val="accent5">
-                <a:lumMod val="50000"/>
-              </a:schemeClr>
-            </a:solidFill>
-            <a:miter lim="800000"/>
-            <a:headEnd/>
-            <a:tailEnd type="stealth" w="lg" len="lg"/>
-          </a:ln>
-        </p:spPr>
-        <p:txBody>
-          <a:bodyPr rtlCol="0" anchor="ctr"/>
-          <a:lstStyle/>
-          <a:p>
-            <a:pPr algn="ctr"/>
-            <a:endParaRPr lang="de-DE"/>
-          </a:p>
-        </p:txBody>
-      </p:sp>
-      <p:sp>
-        <p:nvSpPr>
-          <p:cNvPr id="14" name="TextBox 13"/>
-          <p:cNvSpPr txBox="1"/>
-          <p:nvPr/>
-        </p:nvSpPr>
-        <p:spPr>
-          <a:xfrm>
-            <a:off x="2915667" y="2617512"/>
-            <a:ext cx="1115690" cy="184666"/>
-          </a:xfrm>
-          <a:prstGeom prst="rect">
-            <a:avLst/>
-          </a:prstGeom>
-          <a:solidFill>
-            <a:schemeClr val="bg2">
-              <a:lumMod val="20000"/>
-              <a:lumOff val="80000"/>
-            </a:schemeClr>
-          </a:solidFill>
-        </p:spPr>
-        <p:txBody>
-          <a:bodyPr wrap="none" lIns="0" tIns="0" rIns="0" bIns="0" rtlCol="0">
-            <a:spAutoFit/>
-          </a:bodyPr>
-          <a:lstStyle/>
-          <a:p>
-            <a:pPr fontAlgn="base">
-              <a:spcBef>
-                <a:spcPct val="50000"/>
-              </a:spcBef>
-              <a:spcAft>
-                <a:spcPct val="0"/>
-              </a:spcAft>
-              <a:buClr>
-                <a:srgbClr val="F0AB00"/>
-              </a:buClr>
-              <a:buSzPct val="80000"/>
-            </a:pPr>
-            <a:r>
-              <a:rPr lang="de-DE" sz="1200" b="1" kern="0" dirty="0" err="1">
-                <a:latin typeface="Courier New" panose="02070309020205020404" pitchFamily="49" charset="0"/>
-                <a:ea typeface="Arial Unicode MS" pitchFamily="34" charset="-128"/>
-                <a:cs typeface="Courier New" panose="02070309020205020404" pitchFamily="49" charset="0"/>
-              </a:rPr>
-              <a:t>docker</a:t>
-            </a:r>
-            <a:r>
-              <a:rPr lang="de-DE" sz="1200" b="1" kern="0" dirty="0">
-                <a:latin typeface="Courier New" panose="02070309020205020404" pitchFamily="49" charset="0"/>
-                <a:ea typeface="Arial Unicode MS" pitchFamily="34" charset="-128"/>
-                <a:cs typeface="Courier New" panose="02070309020205020404" pitchFamily="49" charset="0"/>
-              </a:rPr>
-              <a:t> </a:t>
-            </a:r>
-            <a:r>
-              <a:rPr lang="de-DE" sz="1200" b="1" kern="0" dirty="0" err="1">
-                <a:latin typeface="Courier New" panose="02070309020205020404" pitchFamily="49" charset="0"/>
-                <a:ea typeface="Arial Unicode MS" pitchFamily="34" charset="-128"/>
-                <a:cs typeface="Courier New" panose="02070309020205020404" pitchFamily="49" charset="0"/>
-              </a:rPr>
-              <a:t>start</a:t>
-            </a:r>
-            <a:endParaRPr lang="de-DE" sz="1200" b="1" kern="0" dirty="0">
-              <a:latin typeface="Courier New" panose="02070309020205020404" pitchFamily="49" charset="0"/>
-              <a:ea typeface="Arial Unicode MS" pitchFamily="34" charset="-128"/>
-              <a:cs typeface="Courier New" panose="02070309020205020404" pitchFamily="49" charset="0"/>
-            </a:endParaRPr>
-          </a:p>
-        </p:txBody>
-      </p:sp>
-      <p:sp>
-        <p:nvSpPr>
-          <p:cNvPr id="15" name="Freeform: Shape 14"/>
-          <p:cNvSpPr/>
-          <p:nvPr/>
-        </p:nvSpPr>
-        <p:spPr bwMode="gray">
-          <a:xfrm>
-            <a:off x="657226" y="1314450"/>
-            <a:ext cx="4114800" cy="1905000"/>
-          </a:xfrm>
-          <a:custGeom>
-            <a:avLst/>
-            <a:gdLst>
-              <a:gd name="connsiteX0" fmla="*/ 0 w 1857375"/>
-              <a:gd name="connsiteY0" fmla="*/ 0 h 1276350"/>
-              <a:gd name="connsiteX1" fmla="*/ 981075 w 1857375"/>
-              <a:gd name="connsiteY1" fmla="*/ 219075 h 1276350"/>
-              <a:gd name="connsiteX2" fmla="*/ 1628775 w 1857375"/>
-              <a:gd name="connsiteY2" fmla="*/ 695325 h 1276350"/>
-              <a:gd name="connsiteX3" fmla="*/ 1857375 w 1857375"/>
-              <a:gd name="connsiteY3" fmla="*/ 1276350 h 1276350"/>
-            </a:gdLst>
-            <a:ahLst/>
-            <a:cxnLst>
-              <a:cxn ang="0">
-                <a:pos x="connsiteX0" y="connsiteY0"/>
-              </a:cxn>
-              <a:cxn ang="0">
-                <a:pos x="connsiteX1" y="connsiteY1"/>
-              </a:cxn>
-              <a:cxn ang="0">
-                <a:pos x="connsiteX2" y="connsiteY2"/>
-              </a:cxn>
-              <a:cxn ang="0">
-                <a:pos x="connsiteX3" y="connsiteY3"/>
-              </a:cxn>
-            </a:cxnLst>
-            <a:rect l="l" t="t" r="r" b="b"/>
-            <a:pathLst>
-              <a:path w="1857375" h="1276350">
-                <a:moveTo>
-                  <a:pt x="0" y="0"/>
-                </a:moveTo>
-                <a:cubicBezTo>
-                  <a:pt x="354806" y="51594"/>
-                  <a:pt x="709613" y="103188"/>
-                  <a:pt x="981075" y="219075"/>
-                </a:cubicBezTo>
-                <a:cubicBezTo>
-                  <a:pt x="1252537" y="334962"/>
-                  <a:pt x="1482725" y="519113"/>
-                  <a:pt x="1628775" y="695325"/>
-                </a:cubicBezTo>
-                <a:cubicBezTo>
-                  <a:pt x="1774825" y="871537"/>
-                  <a:pt x="1816100" y="1073943"/>
-                  <a:pt x="1857375" y="1276350"/>
-                </a:cubicBezTo>
-              </a:path>
-            </a:pathLst>
-          </a:custGeom>
-          <a:noFill/>
-          <a:ln w="12700" algn="ctr">
-            <a:solidFill>
-              <a:schemeClr val="accent5">
-                <a:lumMod val="50000"/>
-              </a:schemeClr>
-            </a:solidFill>
-            <a:miter lim="800000"/>
-            <a:headEnd/>
-            <a:tailEnd type="stealth" w="lg" len="lg"/>
-          </a:ln>
-        </p:spPr>
-        <p:txBody>
-          <a:bodyPr rtlCol="0" anchor="ctr"/>
-          <a:lstStyle/>
-          <a:p>
-            <a:pPr algn="ctr"/>
-            <a:endParaRPr lang="de-DE"/>
-          </a:p>
-        </p:txBody>
-      </p:sp>
-      <p:sp>
-        <p:nvSpPr>
-          <p:cNvPr id="16" name="TextBox 15"/>
-          <p:cNvSpPr txBox="1"/>
-          <p:nvPr/>
-        </p:nvSpPr>
-        <p:spPr>
-          <a:xfrm>
-            <a:off x="2121467" y="1522155"/>
-            <a:ext cx="929742" cy="184666"/>
-          </a:xfrm>
-          <a:prstGeom prst="rect">
-            <a:avLst/>
-          </a:prstGeom>
-          <a:solidFill>
-            <a:schemeClr val="bg2">
-              <a:lumMod val="20000"/>
-              <a:lumOff val="80000"/>
-            </a:schemeClr>
-          </a:solidFill>
-        </p:spPr>
-        <p:txBody>
-          <a:bodyPr wrap="none" lIns="0" tIns="0" rIns="0" bIns="0" rtlCol="0">
-            <a:spAutoFit/>
-          </a:bodyPr>
-          <a:lstStyle/>
-          <a:p>
-            <a:pPr fontAlgn="base">
-              <a:spcBef>
-                <a:spcPct val="50000"/>
-              </a:spcBef>
-              <a:spcAft>
-                <a:spcPct val="0"/>
-              </a:spcAft>
-              <a:buClr>
-                <a:srgbClr val="F0AB00"/>
-              </a:buClr>
-              <a:buSzPct val="80000"/>
-            </a:pPr>
-            <a:r>
-              <a:rPr lang="de-DE" sz="1200" b="1" kern="0" dirty="0" err="1">
-                <a:latin typeface="Courier New" panose="02070309020205020404" pitchFamily="49" charset="0"/>
-                <a:ea typeface="Arial Unicode MS" pitchFamily="34" charset="-128"/>
-                <a:cs typeface="Courier New" panose="02070309020205020404" pitchFamily="49" charset="0"/>
-              </a:rPr>
-              <a:t>docker</a:t>
-            </a:r>
-            <a:r>
-              <a:rPr lang="de-DE" sz="1200" b="1" kern="0" dirty="0">
-                <a:latin typeface="Courier New" panose="02070309020205020404" pitchFamily="49" charset="0"/>
-                <a:ea typeface="Arial Unicode MS" pitchFamily="34" charset="-128"/>
-                <a:cs typeface="Courier New" panose="02070309020205020404" pitchFamily="49" charset="0"/>
-              </a:rPr>
-              <a:t> </a:t>
-            </a:r>
-            <a:r>
-              <a:rPr lang="de-DE" sz="1200" b="1" kern="0" dirty="0" err="1">
-                <a:latin typeface="Courier New" panose="02070309020205020404" pitchFamily="49" charset="0"/>
-                <a:ea typeface="Arial Unicode MS" pitchFamily="34" charset="-128"/>
-                <a:cs typeface="Courier New" panose="02070309020205020404" pitchFamily="49" charset="0"/>
-              </a:rPr>
-              <a:t>run</a:t>
-            </a:r>
-            <a:endParaRPr lang="de-DE" sz="1200" b="1" kern="0" dirty="0">
-              <a:latin typeface="Courier New" panose="02070309020205020404" pitchFamily="49" charset="0"/>
-              <a:ea typeface="Arial Unicode MS" pitchFamily="34" charset="-128"/>
-              <a:cs typeface="Courier New" panose="02070309020205020404" pitchFamily="49" charset="0"/>
-            </a:endParaRPr>
-          </a:p>
-        </p:txBody>
-      </p:sp>
-      <p:sp>
-        <p:nvSpPr>
-          <p:cNvPr id="17" name="Freeform: Shape 16"/>
-          <p:cNvSpPr/>
-          <p:nvPr/>
-        </p:nvSpPr>
-        <p:spPr bwMode="gray">
-          <a:xfrm>
-            <a:off x="5057775" y="2228816"/>
-            <a:ext cx="1666875" cy="962059"/>
-          </a:xfrm>
-          <a:custGeom>
-            <a:avLst/>
-            <a:gdLst>
-              <a:gd name="connsiteX0" fmla="*/ 0 w 1685925"/>
-              <a:gd name="connsiteY0" fmla="*/ 981109 h 1009684"/>
-              <a:gd name="connsiteX1" fmla="*/ 876300 w 1685925"/>
-              <a:gd name="connsiteY1" fmla="*/ 34 h 1009684"/>
-              <a:gd name="connsiteX2" fmla="*/ 1685925 w 1685925"/>
-              <a:gd name="connsiteY2" fmla="*/ 1009684 h 1009684"/>
-            </a:gdLst>
-            <a:ahLst/>
-            <a:cxnLst>
-              <a:cxn ang="0">
-                <a:pos x="connsiteX0" y="connsiteY0"/>
-              </a:cxn>
-              <a:cxn ang="0">
-                <a:pos x="connsiteX1" y="connsiteY1"/>
-              </a:cxn>
-              <a:cxn ang="0">
-                <a:pos x="connsiteX2" y="connsiteY2"/>
-              </a:cxn>
-            </a:cxnLst>
-            <a:rect l="l" t="t" r="r" b="b"/>
-            <a:pathLst>
-              <a:path w="1685925" h="1009684">
-                <a:moveTo>
-                  <a:pt x="0" y="981109"/>
-                </a:moveTo>
-                <a:cubicBezTo>
-                  <a:pt x="297656" y="488190"/>
-                  <a:pt x="595313" y="-4728"/>
-                  <a:pt x="876300" y="34"/>
-                </a:cubicBezTo>
-                <a:cubicBezTo>
-                  <a:pt x="1157287" y="4796"/>
-                  <a:pt x="1421606" y="507240"/>
-                  <a:pt x="1685925" y="1009684"/>
-                </a:cubicBezTo>
-              </a:path>
-            </a:pathLst>
-          </a:custGeom>
-          <a:noFill/>
-          <a:ln w="6350" algn="ctr">
-            <a:solidFill>
-              <a:schemeClr val="accent5">
-                <a:lumMod val="50000"/>
-              </a:schemeClr>
-            </a:solidFill>
-            <a:miter lim="800000"/>
-            <a:headEnd/>
-            <a:tailEnd type="stealth" w="lg" len="lg"/>
-          </a:ln>
-        </p:spPr>
-        <p:txBody>
-          <a:bodyPr rtlCol="0" anchor="ctr"/>
-          <a:lstStyle/>
-          <a:p>
-            <a:pPr algn="ctr"/>
-            <a:endParaRPr lang="de-DE"/>
-          </a:p>
-        </p:txBody>
-      </p:sp>
-      <p:sp>
-        <p:nvSpPr>
-          <p:cNvPr id="18" name="TextBox 17"/>
-          <p:cNvSpPr txBox="1"/>
-          <p:nvPr/>
-        </p:nvSpPr>
-        <p:spPr>
-          <a:xfrm>
-            <a:off x="5782059" y="2617512"/>
-            <a:ext cx="1022716" cy="184666"/>
-          </a:xfrm>
-          <a:prstGeom prst="rect">
-            <a:avLst/>
-          </a:prstGeom>
-          <a:solidFill>
-            <a:schemeClr val="bg2">
-              <a:lumMod val="20000"/>
-              <a:lumOff val="80000"/>
-            </a:schemeClr>
-          </a:solidFill>
-        </p:spPr>
-        <p:txBody>
-          <a:bodyPr wrap="none" lIns="0" tIns="0" rIns="0" bIns="0" rtlCol="0">
-            <a:spAutoFit/>
-          </a:bodyPr>
-          <a:lstStyle/>
-          <a:p>
-            <a:pPr fontAlgn="base">
-              <a:spcBef>
-                <a:spcPct val="50000"/>
-              </a:spcBef>
-              <a:spcAft>
-                <a:spcPct val="0"/>
-              </a:spcAft>
-              <a:buClr>
-                <a:srgbClr val="F0AB00"/>
-              </a:buClr>
-              <a:buSzPct val="80000"/>
-            </a:pPr>
-            <a:r>
-              <a:rPr lang="de-DE" sz="1200" b="1" kern="0" dirty="0" err="1">
-                <a:latin typeface="Courier New" panose="02070309020205020404" pitchFamily="49" charset="0"/>
-                <a:ea typeface="Arial Unicode MS" pitchFamily="34" charset="-128"/>
-                <a:cs typeface="Courier New" panose="02070309020205020404" pitchFamily="49" charset="0"/>
-              </a:rPr>
-              <a:t>docker</a:t>
-            </a:r>
-            <a:r>
-              <a:rPr lang="de-DE" sz="1200" b="1" kern="0" dirty="0">
-                <a:latin typeface="Courier New" panose="02070309020205020404" pitchFamily="49" charset="0"/>
-                <a:ea typeface="Arial Unicode MS" pitchFamily="34" charset="-128"/>
-                <a:cs typeface="Courier New" panose="02070309020205020404" pitchFamily="49" charset="0"/>
-              </a:rPr>
-              <a:t> </a:t>
-            </a:r>
-            <a:r>
-              <a:rPr lang="de-DE" sz="1200" b="1" kern="0" dirty="0" err="1">
-                <a:latin typeface="Courier New" panose="02070309020205020404" pitchFamily="49" charset="0"/>
-                <a:ea typeface="Arial Unicode MS" pitchFamily="34" charset="-128"/>
-                <a:cs typeface="Courier New" panose="02070309020205020404" pitchFamily="49" charset="0"/>
-              </a:rPr>
-              <a:t>stop</a:t>
-            </a:r>
-            <a:endParaRPr lang="de-DE" sz="1200" b="1" kern="0" dirty="0">
-              <a:latin typeface="Courier New" panose="02070309020205020404" pitchFamily="49" charset="0"/>
-              <a:ea typeface="Arial Unicode MS" pitchFamily="34" charset="-128"/>
-              <a:cs typeface="Courier New" panose="02070309020205020404" pitchFamily="49" charset="0"/>
-            </a:endParaRPr>
-          </a:p>
-        </p:txBody>
-      </p:sp>
-      <p:sp>
-        <p:nvSpPr>
-          <p:cNvPr id="19" name="Freeform: Shape 18"/>
-          <p:cNvSpPr/>
-          <p:nvPr/>
-        </p:nvSpPr>
-        <p:spPr bwMode="gray">
-          <a:xfrm flipH="1" flipV="1">
-            <a:off x="5057774" y="3762375"/>
-            <a:ext cx="1666875" cy="962059"/>
-          </a:xfrm>
-          <a:custGeom>
-            <a:avLst/>
-            <a:gdLst>
-              <a:gd name="connsiteX0" fmla="*/ 0 w 1685925"/>
-              <a:gd name="connsiteY0" fmla="*/ 981109 h 1009684"/>
-              <a:gd name="connsiteX1" fmla="*/ 876300 w 1685925"/>
-              <a:gd name="connsiteY1" fmla="*/ 34 h 1009684"/>
-              <a:gd name="connsiteX2" fmla="*/ 1685925 w 1685925"/>
-              <a:gd name="connsiteY2" fmla="*/ 1009684 h 1009684"/>
-            </a:gdLst>
-            <a:ahLst/>
-            <a:cxnLst>
-              <a:cxn ang="0">
-                <a:pos x="connsiteX0" y="connsiteY0"/>
-              </a:cxn>
-              <a:cxn ang="0">
-                <a:pos x="connsiteX1" y="connsiteY1"/>
-              </a:cxn>
-              <a:cxn ang="0">
-                <a:pos x="connsiteX2" y="connsiteY2"/>
-              </a:cxn>
-            </a:cxnLst>
-            <a:rect l="l" t="t" r="r" b="b"/>
-            <a:pathLst>
-              <a:path w="1685925" h="1009684">
-                <a:moveTo>
-                  <a:pt x="0" y="981109"/>
-                </a:moveTo>
-                <a:cubicBezTo>
-                  <a:pt x="297656" y="488190"/>
-                  <a:pt x="595313" y="-4728"/>
-                  <a:pt x="876300" y="34"/>
-                </a:cubicBezTo>
-                <a:cubicBezTo>
-                  <a:pt x="1157287" y="4796"/>
-                  <a:pt x="1421606" y="507240"/>
-                  <a:pt x="1685925" y="1009684"/>
-                </a:cubicBezTo>
-              </a:path>
-            </a:pathLst>
-          </a:custGeom>
-          <a:noFill/>
-          <a:ln w="6350" algn="ctr">
-            <a:solidFill>
-              <a:schemeClr val="accent5">
-                <a:lumMod val="50000"/>
-              </a:schemeClr>
-            </a:solidFill>
-            <a:miter lim="800000"/>
-            <a:headEnd/>
-            <a:tailEnd type="stealth" w="lg" len="lg"/>
-          </a:ln>
-        </p:spPr>
-        <p:txBody>
-          <a:bodyPr rtlCol="0" anchor="ctr"/>
-          <a:lstStyle/>
-          <a:p>
-            <a:pPr algn="ctr"/>
-            <a:endParaRPr lang="de-DE"/>
-          </a:p>
-        </p:txBody>
-      </p:sp>
-      <p:sp>
-        <p:nvSpPr>
-          <p:cNvPr id="20" name="TextBox 19"/>
-          <p:cNvSpPr txBox="1"/>
-          <p:nvPr/>
-        </p:nvSpPr>
-        <p:spPr>
-          <a:xfrm>
-            <a:off x="4811774" y="4243404"/>
-            <a:ext cx="1115690" cy="184666"/>
-          </a:xfrm>
-          <a:prstGeom prst="rect">
-            <a:avLst/>
-          </a:prstGeom>
-          <a:solidFill>
-            <a:schemeClr val="bg2">
-              <a:lumMod val="20000"/>
-              <a:lumOff val="80000"/>
-            </a:schemeClr>
-          </a:solidFill>
-        </p:spPr>
-        <p:txBody>
-          <a:bodyPr wrap="none" lIns="0" tIns="0" rIns="0" bIns="0" rtlCol="0">
-            <a:spAutoFit/>
-          </a:bodyPr>
-          <a:lstStyle/>
-          <a:p>
-            <a:pPr fontAlgn="base">
-              <a:spcBef>
-                <a:spcPct val="50000"/>
-              </a:spcBef>
-              <a:spcAft>
-                <a:spcPct val="0"/>
-              </a:spcAft>
-              <a:buClr>
-                <a:srgbClr val="F0AB00"/>
-              </a:buClr>
-              <a:buSzPct val="80000"/>
-            </a:pPr>
-            <a:r>
-              <a:rPr lang="de-DE" sz="1200" b="1" kern="0" dirty="0" err="1">
-                <a:latin typeface="Courier New" panose="02070309020205020404" pitchFamily="49" charset="0"/>
-                <a:ea typeface="Arial Unicode MS" pitchFamily="34" charset="-128"/>
-                <a:cs typeface="Courier New" panose="02070309020205020404" pitchFamily="49" charset="0"/>
-              </a:rPr>
-              <a:t>docker</a:t>
-            </a:r>
-            <a:r>
-              <a:rPr lang="de-DE" sz="1200" b="1" kern="0" dirty="0">
-                <a:latin typeface="Courier New" panose="02070309020205020404" pitchFamily="49" charset="0"/>
-                <a:ea typeface="Arial Unicode MS" pitchFamily="34" charset="-128"/>
-                <a:cs typeface="Courier New" panose="02070309020205020404" pitchFamily="49" charset="0"/>
-              </a:rPr>
-              <a:t> </a:t>
-            </a:r>
-            <a:r>
-              <a:rPr lang="de-DE" sz="1200" b="1" kern="0" dirty="0" err="1">
-                <a:latin typeface="Courier New" panose="02070309020205020404" pitchFamily="49" charset="0"/>
-                <a:ea typeface="Arial Unicode MS" pitchFamily="34" charset="-128"/>
-                <a:cs typeface="Courier New" panose="02070309020205020404" pitchFamily="49" charset="0"/>
-              </a:rPr>
-              <a:t>start</a:t>
-            </a:r>
-            <a:endParaRPr lang="de-DE" sz="1200" b="1" kern="0" dirty="0">
-              <a:latin typeface="Courier New" panose="02070309020205020404" pitchFamily="49" charset="0"/>
-              <a:ea typeface="Arial Unicode MS" pitchFamily="34" charset="-128"/>
-              <a:cs typeface="Courier New" panose="02070309020205020404" pitchFamily="49" charset="0"/>
-            </a:endParaRPr>
-          </a:p>
-        </p:txBody>
-      </p:sp>
-      <p:sp>
-        <p:nvSpPr>
-          <p:cNvPr id="21" name="Freeform: Shape 20"/>
-          <p:cNvSpPr/>
-          <p:nvPr/>
-        </p:nvSpPr>
-        <p:spPr bwMode="gray">
-          <a:xfrm>
-            <a:off x="7352341" y="2228782"/>
-            <a:ext cx="1666875" cy="962059"/>
-          </a:xfrm>
-          <a:custGeom>
-            <a:avLst/>
-            <a:gdLst>
-              <a:gd name="connsiteX0" fmla="*/ 0 w 1685925"/>
-              <a:gd name="connsiteY0" fmla="*/ 981109 h 1009684"/>
-              <a:gd name="connsiteX1" fmla="*/ 876300 w 1685925"/>
-              <a:gd name="connsiteY1" fmla="*/ 34 h 1009684"/>
-              <a:gd name="connsiteX2" fmla="*/ 1685925 w 1685925"/>
-              <a:gd name="connsiteY2" fmla="*/ 1009684 h 1009684"/>
-            </a:gdLst>
-            <a:ahLst/>
-            <a:cxnLst>
-              <a:cxn ang="0">
-                <a:pos x="connsiteX0" y="connsiteY0"/>
-              </a:cxn>
-              <a:cxn ang="0">
-                <a:pos x="connsiteX1" y="connsiteY1"/>
-              </a:cxn>
-              <a:cxn ang="0">
-                <a:pos x="connsiteX2" y="connsiteY2"/>
-              </a:cxn>
-            </a:cxnLst>
-            <a:rect l="l" t="t" r="r" b="b"/>
-            <a:pathLst>
-              <a:path w="1685925" h="1009684">
-                <a:moveTo>
-                  <a:pt x="0" y="981109"/>
-                </a:moveTo>
-                <a:cubicBezTo>
-                  <a:pt x="297656" y="488190"/>
-                  <a:pt x="595313" y="-4728"/>
-                  <a:pt x="876300" y="34"/>
-                </a:cubicBezTo>
-                <a:cubicBezTo>
-                  <a:pt x="1157287" y="4796"/>
-                  <a:pt x="1421606" y="507240"/>
-                  <a:pt x="1685925" y="1009684"/>
-                </a:cubicBezTo>
-              </a:path>
-            </a:pathLst>
-          </a:custGeom>
-          <a:noFill/>
-          <a:ln w="6350" algn="ctr">
-            <a:solidFill>
-              <a:schemeClr val="accent5">
-                <a:lumMod val="50000"/>
-              </a:schemeClr>
-            </a:solidFill>
-            <a:miter lim="800000"/>
-            <a:headEnd/>
-            <a:tailEnd type="stealth" w="lg" len="lg"/>
-          </a:ln>
-        </p:spPr>
-        <p:txBody>
-          <a:bodyPr rtlCol="0" anchor="ctr"/>
-          <a:lstStyle/>
-          <a:p>
-            <a:pPr algn="ctr"/>
-            <a:endParaRPr lang="de-DE"/>
-          </a:p>
-        </p:txBody>
-      </p:sp>
-      <p:sp>
-        <p:nvSpPr>
-          <p:cNvPr id="22" name="TextBox 21"/>
-          <p:cNvSpPr txBox="1"/>
-          <p:nvPr/>
-        </p:nvSpPr>
-        <p:spPr>
-          <a:xfrm>
-            <a:off x="8234642" y="2617478"/>
-            <a:ext cx="836768" cy="184666"/>
-          </a:xfrm>
-          <a:prstGeom prst="rect">
-            <a:avLst/>
-          </a:prstGeom>
-          <a:solidFill>
-            <a:schemeClr val="bg2">
-              <a:lumMod val="20000"/>
-              <a:lumOff val="80000"/>
-            </a:schemeClr>
-          </a:solidFill>
-        </p:spPr>
-        <p:txBody>
-          <a:bodyPr wrap="none" lIns="0" tIns="0" rIns="0" bIns="0" rtlCol="0">
-            <a:spAutoFit/>
-          </a:bodyPr>
-          <a:lstStyle/>
-          <a:p>
-            <a:pPr fontAlgn="base">
-              <a:spcBef>
-                <a:spcPct val="50000"/>
-              </a:spcBef>
-              <a:spcAft>
-                <a:spcPct val="0"/>
-              </a:spcAft>
-              <a:buClr>
-                <a:srgbClr val="F0AB00"/>
-              </a:buClr>
-              <a:buSzPct val="80000"/>
-            </a:pPr>
-            <a:r>
-              <a:rPr lang="de-DE" sz="1200" b="1" kern="0" dirty="0" err="1">
-                <a:latin typeface="Courier New" panose="02070309020205020404" pitchFamily="49" charset="0"/>
-                <a:ea typeface="Arial Unicode MS" pitchFamily="34" charset="-128"/>
-                <a:cs typeface="Courier New" panose="02070309020205020404" pitchFamily="49" charset="0"/>
-              </a:rPr>
-              <a:t>docker</a:t>
-            </a:r>
-            <a:r>
-              <a:rPr lang="de-DE" sz="1200" b="1" kern="0" dirty="0">
-                <a:latin typeface="Courier New" panose="02070309020205020404" pitchFamily="49" charset="0"/>
-                <a:ea typeface="Arial Unicode MS" pitchFamily="34" charset="-128"/>
-                <a:cs typeface="Courier New" panose="02070309020205020404" pitchFamily="49" charset="0"/>
-              </a:rPr>
-              <a:t> </a:t>
-            </a:r>
-            <a:r>
-              <a:rPr lang="de-DE" sz="1200" b="1" kern="0" dirty="0" err="1">
-                <a:latin typeface="Courier New" panose="02070309020205020404" pitchFamily="49" charset="0"/>
-                <a:ea typeface="Arial Unicode MS" pitchFamily="34" charset="-128"/>
-                <a:cs typeface="Courier New" panose="02070309020205020404" pitchFamily="49" charset="0"/>
-              </a:rPr>
-              <a:t>rm</a:t>
-            </a:r>
-            <a:endParaRPr lang="de-DE" sz="1200" b="1" kern="0" dirty="0">
-              <a:latin typeface="Courier New" panose="02070309020205020404" pitchFamily="49" charset="0"/>
-              <a:ea typeface="Arial Unicode MS" pitchFamily="34" charset="-128"/>
-              <a:cs typeface="Courier New" panose="02070309020205020404" pitchFamily="49" charset="0"/>
-            </a:endParaRPr>
-          </a:p>
-        </p:txBody>
-      </p:sp>
+        <p:style>
+          <a:lnRef idx="1">
+            <a:schemeClr val="accent1"/>
+          </a:lnRef>
+          <a:fillRef idx="0">
+            <a:schemeClr val="accent1"/>
+          </a:fillRef>
+          <a:effectRef idx="0">
+            <a:schemeClr val="accent1"/>
+          </a:effectRef>
+          <a:fontRef idx="minor">
+            <a:schemeClr val="tx1"/>
+          </a:fontRef>
+        </p:style>
+      </p:cxnSp>
     </p:spTree>
     <p:extLst>
       <p:ext uri="{BB962C8B-B14F-4D97-AF65-F5344CB8AC3E}">
@@ -13877,6 +15834,610 @@
   <p:clrMapOvr>
     <a:masterClrMapping/>
   </p:clrMapOvr>
+  <p:timing>
+    <p:tnLst>
+      <p:par>
+        <p:cTn id="1" dur="indefinite" restart="never" nodeType="tmRoot">
+          <p:childTnLst>
+            <p:seq concurrent="1" nextAc="seek">
+              <p:cTn id="2" dur="indefinite" nodeType="mainSeq">
+                <p:childTnLst>
+                  <p:par>
+                    <p:cTn id="3" fill="hold">
+                      <p:stCondLst>
+                        <p:cond delay="indefinite"/>
+                      </p:stCondLst>
+                      <p:childTnLst>
+                        <p:par>
+                          <p:cTn id="4" fill="hold">
+                            <p:stCondLst>
+                              <p:cond delay="0"/>
+                            </p:stCondLst>
+                            <p:childTnLst>
+                              <p:par>
+                                <p:cTn id="5" presetID="1" presetClass="entr" presetSubtype="0" fill="hold" grpId="0" nodeType="clickEffect">
+                                  <p:stCondLst>
+                                    <p:cond delay="0"/>
+                                  </p:stCondLst>
+                                  <p:childTnLst>
+                                    <p:set>
+                                      <p:cBhvr>
+                                        <p:cTn id="6" dur="1" fill="hold">
+                                          <p:stCondLst>
+                                            <p:cond delay="0"/>
+                                          </p:stCondLst>
+                                        </p:cTn>
+                                        <p:tgtEl>
+                                          <p:spTgt spid="30"/>
+                                        </p:tgtEl>
+                                        <p:attrNameLst>
+                                          <p:attrName>style.visibility</p:attrName>
+                                        </p:attrNameLst>
+                                      </p:cBhvr>
+                                      <p:to>
+                                        <p:strVal val="visible"/>
+                                      </p:to>
+                                    </p:set>
+                                  </p:childTnLst>
+                                </p:cTn>
+                              </p:par>
+                              <p:par>
+                                <p:cTn id="7" presetID="1" presetClass="entr" presetSubtype="0" fill="hold" nodeType="withEffect">
+                                  <p:stCondLst>
+                                    <p:cond delay="0"/>
+                                  </p:stCondLst>
+                                  <p:childTnLst>
+                                    <p:set>
+                                      <p:cBhvr>
+                                        <p:cTn id="8" dur="1" fill="hold">
+                                          <p:stCondLst>
+                                            <p:cond delay="0"/>
+                                          </p:stCondLst>
+                                        </p:cTn>
+                                        <p:tgtEl>
+                                          <p:spTgt spid="9"/>
+                                        </p:tgtEl>
+                                        <p:attrNameLst>
+                                          <p:attrName>style.visibility</p:attrName>
+                                        </p:attrNameLst>
+                                      </p:cBhvr>
+                                      <p:to>
+                                        <p:strVal val="visible"/>
+                                      </p:to>
+                                    </p:set>
+                                  </p:childTnLst>
+                                </p:cTn>
+                              </p:par>
+                              <p:par>
+                                <p:cTn id="9" presetID="1" presetClass="entr" presetSubtype="0" fill="hold" nodeType="withEffect">
+                                  <p:stCondLst>
+                                    <p:cond delay="0"/>
+                                  </p:stCondLst>
+                                  <p:childTnLst>
+                                    <p:set>
+                                      <p:cBhvr>
+                                        <p:cTn id="10" dur="1" fill="hold">
+                                          <p:stCondLst>
+                                            <p:cond delay="0"/>
+                                          </p:stCondLst>
+                                        </p:cTn>
+                                        <p:tgtEl>
+                                          <p:spTgt spid="33"/>
+                                        </p:tgtEl>
+                                        <p:attrNameLst>
+                                          <p:attrName>style.visibility</p:attrName>
+                                        </p:attrNameLst>
+                                      </p:cBhvr>
+                                      <p:to>
+                                        <p:strVal val="visible"/>
+                                      </p:to>
+                                    </p:set>
+                                  </p:childTnLst>
+                                </p:cTn>
+                              </p:par>
+                            </p:childTnLst>
+                          </p:cTn>
+                        </p:par>
+                      </p:childTnLst>
+                    </p:cTn>
+                  </p:par>
+                  <p:par>
+                    <p:cTn id="11" fill="hold">
+                      <p:stCondLst>
+                        <p:cond delay="indefinite"/>
+                      </p:stCondLst>
+                      <p:childTnLst>
+                        <p:par>
+                          <p:cTn id="12" fill="hold">
+                            <p:stCondLst>
+                              <p:cond delay="0"/>
+                            </p:stCondLst>
+                            <p:childTnLst>
+                              <p:par>
+                                <p:cTn id="13" presetID="1" presetClass="entr" presetSubtype="0" fill="hold" nodeType="clickEffect">
+                                  <p:stCondLst>
+                                    <p:cond delay="0"/>
+                                  </p:stCondLst>
+                                  <p:childTnLst>
+                                    <p:set>
+                                      <p:cBhvr>
+                                        <p:cTn id="14" dur="1" fill="hold">
+                                          <p:stCondLst>
+                                            <p:cond delay="0"/>
+                                          </p:stCondLst>
+                                        </p:cTn>
+                                        <p:tgtEl>
+                                          <p:spTgt spid="36"/>
+                                        </p:tgtEl>
+                                        <p:attrNameLst>
+                                          <p:attrName>style.visibility</p:attrName>
+                                        </p:attrNameLst>
+                                      </p:cBhvr>
+                                      <p:to>
+                                        <p:strVal val="visible"/>
+                                      </p:to>
+                                    </p:set>
+                                  </p:childTnLst>
+                                </p:cTn>
+                              </p:par>
+                              <p:par>
+                                <p:cTn id="15" presetID="1" presetClass="entr" presetSubtype="0" fill="hold" nodeType="withEffect">
+                                  <p:stCondLst>
+                                    <p:cond delay="0"/>
+                                  </p:stCondLst>
+                                  <p:childTnLst>
+                                    <p:set>
+                                      <p:cBhvr>
+                                        <p:cTn id="16" dur="1" fill="hold">
+                                          <p:stCondLst>
+                                            <p:cond delay="0"/>
+                                          </p:stCondLst>
+                                        </p:cTn>
+                                        <p:tgtEl>
+                                          <p:spTgt spid="39"/>
+                                        </p:tgtEl>
+                                        <p:attrNameLst>
+                                          <p:attrName>style.visibility</p:attrName>
+                                        </p:attrNameLst>
+                                      </p:cBhvr>
+                                      <p:to>
+                                        <p:strVal val="visible"/>
+                                      </p:to>
+                                    </p:set>
+                                  </p:childTnLst>
+                                </p:cTn>
+                              </p:par>
+                              <p:par>
+                                <p:cTn id="17" presetID="1" presetClass="entr" presetSubtype="0" fill="hold" grpId="0" nodeType="withEffect">
+                                  <p:stCondLst>
+                                    <p:cond delay="0"/>
+                                  </p:stCondLst>
+                                  <p:childTnLst>
+                                    <p:set>
+                                      <p:cBhvr>
+                                        <p:cTn id="18" dur="1" fill="hold">
+                                          <p:stCondLst>
+                                            <p:cond delay="0"/>
+                                          </p:stCondLst>
+                                        </p:cTn>
+                                        <p:tgtEl>
+                                          <p:spTgt spid="35"/>
+                                        </p:tgtEl>
+                                        <p:attrNameLst>
+                                          <p:attrName>style.visibility</p:attrName>
+                                        </p:attrNameLst>
+                                      </p:cBhvr>
+                                      <p:to>
+                                        <p:strVal val="visible"/>
+                                      </p:to>
+                                    </p:set>
+                                  </p:childTnLst>
+                                </p:cTn>
+                              </p:par>
+                            </p:childTnLst>
+                          </p:cTn>
+                        </p:par>
+                      </p:childTnLst>
+                    </p:cTn>
+                  </p:par>
+                  <p:par>
+                    <p:cTn id="19" fill="hold">
+                      <p:stCondLst>
+                        <p:cond delay="indefinite"/>
+                      </p:stCondLst>
+                      <p:childTnLst>
+                        <p:par>
+                          <p:cTn id="20" fill="hold">
+                            <p:stCondLst>
+                              <p:cond delay="0"/>
+                            </p:stCondLst>
+                            <p:childTnLst>
+                              <p:par>
+                                <p:cTn id="21" presetID="1" presetClass="entr" presetSubtype="0" fill="hold" nodeType="clickEffect">
+                                  <p:stCondLst>
+                                    <p:cond delay="0"/>
+                                  </p:stCondLst>
+                                  <p:childTnLst>
+                                    <p:set>
+                                      <p:cBhvr>
+                                        <p:cTn id="22" dur="1" fill="hold">
+                                          <p:stCondLst>
+                                            <p:cond delay="0"/>
+                                          </p:stCondLst>
+                                        </p:cTn>
+                                        <p:tgtEl>
+                                          <p:spTgt spid="61"/>
+                                        </p:tgtEl>
+                                        <p:attrNameLst>
+                                          <p:attrName>style.visibility</p:attrName>
+                                        </p:attrNameLst>
+                                      </p:cBhvr>
+                                      <p:to>
+                                        <p:strVal val="visible"/>
+                                      </p:to>
+                                    </p:set>
+                                  </p:childTnLst>
+                                </p:cTn>
+                              </p:par>
+                              <p:par>
+                                <p:cTn id="23" presetID="1" presetClass="entr" presetSubtype="0" fill="hold" nodeType="withEffect">
+                                  <p:stCondLst>
+                                    <p:cond delay="0"/>
+                                  </p:stCondLst>
+                                  <p:childTnLst>
+                                    <p:set>
+                                      <p:cBhvr>
+                                        <p:cTn id="24" dur="1" fill="hold">
+                                          <p:stCondLst>
+                                            <p:cond delay="0"/>
+                                          </p:stCondLst>
+                                        </p:cTn>
+                                        <p:tgtEl>
+                                          <p:spTgt spid="42"/>
+                                        </p:tgtEl>
+                                        <p:attrNameLst>
+                                          <p:attrName>style.visibility</p:attrName>
+                                        </p:attrNameLst>
+                                      </p:cBhvr>
+                                      <p:to>
+                                        <p:strVal val="visible"/>
+                                      </p:to>
+                                    </p:set>
+                                  </p:childTnLst>
+                                </p:cTn>
+                              </p:par>
+                            </p:childTnLst>
+                          </p:cTn>
+                        </p:par>
+                      </p:childTnLst>
+                    </p:cTn>
+                  </p:par>
+                  <p:par>
+                    <p:cTn id="25" fill="hold">
+                      <p:stCondLst>
+                        <p:cond delay="indefinite"/>
+                      </p:stCondLst>
+                      <p:childTnLst>
+                        <p:par>
+                          <p:cTn id="26" fill="hold">
+                            <p:stCondLst>
+                              <p:cond delay="0"/>
+                            </p:stCondLst>
+                            <p:childTnLst>
+                              <p:par>
+                                <p:cTn id="27" presetID="1" presetClass="entr" presetSubtype="0" fill="hold" nodeType="clickEffect">
+                                  <p:stCondLst>
+                                    <p:cond delay="0"/>
+                                  </p:stCondLst>
+                                  <p:childTnLst>
+                                    <p:set>
+                                      <p:cBhvr>
+                                        <p:cTn id="28" dur="1" fill="hold">
+                                          <p:stCondLst>
+                                            <p:cond delay="0"/>
+                                          </p:stCondLst>
+                                        </p:cTn>
+                                        <p:tgtEl>
+                                          <p:spTgt spid="69"/>
+                                        </p:tgtEl>
+                                        <p:attrNameLst>
+                                          <p:attrName>style.visibility</p:attrName>
+                                        </p:attrNameLst>
+                                      </p:cBhvr>
+                                      <p:to>
+                                        <p:strVal val="visible"/>
+                                      </p:to>
+                                    </p:set>
+                                  </p:childTnLst>
+                                </p:cTn>
+                              </p:par>
+                              <p:par>
+                                <p:cTn id="29" presetID="1" presetClass="entr" presetSubtype="0" fill="hold" nodeType="withEffect">
+                                  <p:stCondLst>
+                                    <p:cond delay="0"/>
+                                  </p:stCondLst>
+                                  <p:childTnLst>
+                                    <p:set>
+                                      <p:cBhvr>
+                                        <p:cTn id="30" dur="1" fill="hold">
+                                          <p:stCondLst>
+                                            <p:cond delay="0"/>
+                                          </p:stCondLst>
+                                        </p:cTn>
+                                        <p:tgtEl>
+                                          <p:spTgt spid="64"/>
+                                        </p:tgtEl>
+                                        <p:attrNameLst>
+                                          <p:attrName>style.visibility</p:attrName>
+                                        </p:attrNameLst>
+                                      </p:cBhvr>
+                                      <p:to>
+                                        <p:strVal val="visible"/>
+                                      </p:to>
+                                    </p:set>
+                                  </p:childTnLst>
+                                </p:cTn>
+                              </p:par>
+                              <p:par>
+                                <p:cTn id="31" presetID="1" presetClass="entr" presetSubtype="0" fill="hold" grpId="0" nodeType="withEffect">
+                                  <p:stCondLst>
+                                    <p:cond delay="0"/>
+                                  </p:stCondLst>
+                                  <p:childTnLst>
+                                    <p:set>
+                                      <p:cBhvr>
+                                        <p:cTn id="32" dur="1" fill="hold">
+                                          <p:stCondLst>
+                                            <p:cond delay="0"/>
+                                          </p:stCondLst>
+                                        </p:cTn>
+                                        <p:tgtEl>
+                                          <p:spTgt spid="77"/>
+                                        </p:tgtEl>
+                                        <p:attrNameLst>
+                                          <p:attrName>style.visibility</p:attrName>
+                                        </p:attrNameLst>
+                                      </p:cBhvr>
+                                      <p:to>
+                                        <p:strVal val="visible"/>
+                                      </p:to>
+                                    </p:set>
+                                  </p:childTnLst>
+                                </p:cTn>
+                              </p:par>
+                            </p:childTnLst>
+                          </p:cTn>
+                        </p:par>
+                      </p:childTnLst>
+                    </p:cTn>
+                  </p:par>
+                  <p:par>
+                    <p:cTn id="33" fill="hold">
+                      <p:stCondLst>
+                        <p:cond delay="indefinite"/>
+                      </p:stCondLst>
+                      <p:childTnLst>
+                        <p:par>
+                          <p:cTn id="34" fill="hold">
+                            <p:stCondLst>
+                              <p:cond delay="0"/>
+                            </p:stCondLst>
+                            <p:childTnLst>
+                              <p:par>
+                                <p:cTn id="35" presetID="1" presetClass="entr" presetSubtype="0" fill="hold" nodeType="clickEffect">
+                                  <p:stCondLst>
+                                    <p:cond delay="0"/>
+                                  </p:stCondLst>
+                                  <p:childTnLst>
+                                    <p:set>
+                                      <p:cBhvr>
+                                        <p:cTn id="36" dur="1" fill="hold">
+                                          <p:stCondLst>
+                                            <p:cond delay="0"/>
+                                          </p:stCondLst>
+                                        </p:cTn>
+                                        <p:tgtEl>
+                                          <p:spTgt spid="81"/>
+                                        </p:tgtEl>
+                                        <p:attrNameLst>
+                                          <p:attrName>style.visibility</p:attrName>
+                                        </p:attrNameLst>
+                                      </p:cBhvr>
+                                      <p:to>
+                                        <p:strVal val="visible"/>
+                                      </p:to>
+                                    </p:set>
+                                  </p:childTnLst>
+                                </p:cTn>
+                              </p:par>
+                              <p:par>
+                                <p:cTn id="37" presetID="1" presetClass="entr" presetSubtype="0" fill="hold" nodeType="withEffect">
+                                  <p:stCondLst>
+                                    <p:cond delay="0"/>
+                                  </p:stCondLst>
+                                  <p:childTnLst>
+                                    <p:set>
+                                      <p:cBhvr>
+                                        <p:cTn id="38" dur="1" fill="hold">
+                                          <p:stCondLst>
+                                            <p:cond delay="0"/>
+                                          </p:stCondLst>
+                                        </p:cTn>
+                                        <p:tgtEl>
+                                          <p:spTgt spid="84"/>
+                                        </p:tgtEl>
+                                        <p:attrNameLst>
+                                          <p:attrName>style.visibility</p:attrName>
+                                        </p:attrNameLst>
+                                      </p:cBhvr>
+                                      <p:to>
+                                        <p:strVal val="visible"/>
+                                      </p:to>
+                                    </p:set>
+                                  </p:childTnLst>
+                                </p:cTn>
+                              </p:par>
+                            </p:childTnLst>
+                          </p:cTn>
+                        </p:par>
+                      </p:childTnLst>
+                    </p:cTn>
+                  </p:par>
+                  <p:par>
+                    <p:cTn id="39" fill="hold">
+                      <p:stCondLst>
+                        <p:cond delay="indefinite"/>
+                      </p:stCondLst>
+                      <p:childTnLst>
+                        <p:par>
+                          <p:cTn id="40" fill="hold">
+                            <p:stCondLst>
+                              <p:cond delay="0"/>
+                            </p:stCondLst>
+                            <p:childTnLst>
+                              <p:par>
+                                <p:cTn id="41" presetID="1" presetClass="entr" presetSubtype="0" fill="hold" nodeType="clickEffect">
+                                  <p:stCondLst>
+                                    <p:cond delay="0"/>
+                                  </p:stCondLst>
+                                  <p:childTnLst>
+                                    <p:set>
+                                      <p:cBhvr>
+                                        <p:cTn id="42" dur="1" fill="hold">
+                                          <p:stCondLst>
+                                            <p:cond delay="0"/>
+                                          </p:stCondLst>
+                                        </p:cTn>
+                                        <p:tgtEl>
+                                          <p:spTgt spid="99"/>
+                                        </p:tgtEl>
+                                        <p:attrNameLst>
+                                          <p:attrName>style.visibility</p:attrName>
+                                        </p:attrNameLst>
+                                      </p:cBhvr>
+                                      <p:to>
+                                        <p:strVal val="visible"/>
+                                      </p:to>
+                                    </p:set>
+                                  </p:childTnLst>
+                                </p:cTn>
+                              </p:par>
+                              <p:par>
+                                <p:cTn id="43" presetID="1" presetClass="entr" presetSubtype="0" fill="hold" nodeType="withEffect">
+                                  <p:stCondLst>
+                                    <p:cond delay="0"/>
+                                  </p:stCondLst>
+                                  <p:childTnLst>
+                                    <p:set>
+                                      <p:cBhvr>
+                                        <p:cTn id="44" dur="1" fill="hold">
+                                          <p:stCondLst>
+                                            <p:cond delay="0"/>
+                                          </p:stCondLst>
+                                        </p:cTn>
+                                        <p:tgtEl>
+                                          <p:spTgt spid="89"/>
+                                        </p:tgtEl>
+                                        <p:attrNameLst>
+                                          <p:attrName>style.visibility</p:attrName>
+                                        </p:attrNameLst>
+                                      </p:cBhvr>
+                                      <p:to>
+                                        <p:strVal val="visible"/>
+                                      </p:to>
+                                    </p:set>
+                                  </p:childTnLst>
+                                </p:cTn>
+                              </p:par>
+                              <p:par>
+                                <p:cTn id="45" presetID="1" presetClass="entr" presetSubtype="0" fill="hold" grpId="0" nodeType="withEffect">
+                                  <p:stCondLst>
+                                    <p:cond delay="0"/>
+                                  </p:stCondLst>
+                                  <p:childTnLst>
+                                    <p:set>
+                                      <p:cBhvr>
+                                        <p:cTn id="46" dur="1" fill="hold">
+                                          <p:stCondLst>
+                                            <p:cond delay="0"/>
+                                          </p:stCondLst>
+                                        </p:cTn>
+                                        <p:tgtEl>
+                                          <p:spTgt spid="87"/>
+                                        </p:tgtEl>
+                                        <p:attrNameLst>
+                                          <p:attrName>style.visibility</p:attrName>
+                                        </p:attrNameLst>
+                                      </p:cBhvr>
+                                      <p:to>
+                                        <p:strVal val="visible"/>
+                                      </p:to>
+                                    </p:set>
+                                  </p:childTnLst>
+                                </p:cTn>
+                              </p:par>
+                              <p:par>
+                                <p:cTn id="47" presetID="1" presetClass="entr" presetSubtype="0" fill="hold" grpId="0" nodeType="withEffect">
+                                  <p:stCondLst>
+                                    <p:cond delay="0"/>
+                                  </p:stCondLst>
+                                  <p:childTnLst>
+                                    <p:set>
+                                      <p:cBhvr>
+                                        <p:cTn id="48" dur="1" fill="hold">
+                                          <p:stCondLst>
+                                            <p:cond delay="0"/>
+                                          </p:stCondLst>
+                                        </p:cTn>
+                                        <p:tgtEl>
+                                          <p:spTgt spid="88"/>
+                                        </p:tgtEl>
+                                        <p:attrNameLst>
+                                          <p:attrName>style.visibility</p:attrName>
+                                        </p:attrNameLst>
+                                      </p:cBhvr>
+                                      <p:to>
+                                        <p:strVal val="visible"/>
+                                      </p:to>
+                                    </p:set>
+                                  </p:childTnLst>
+                                </p:cTn>
+                              </p:par>
+                            </p:childTnLst>
+                          </p:cTn>
+                        </p:par>
+                      </p:childTnLst>
+                    </p:cTn>
+                  </p:par>
+                </p:childTnLst>
+              </p:cTn>
+              <p:prevCondLst>
+                <p:cond evt="onPrev" delay="0">
+                  <p:tgtEl>
+                    <p:sldTgt/>
+                  </p:tgtEl>
+                </p:cond>
+              </p:prevCondLst>
+              <p:nextCondLst>
+                <p:cond evt="onNext" delay="0">
+                  <p:tgtEl>
+                    <p:sldTgt/>
+                  </p:tgtEl>
+                </p:cond>
+              </p:nextCondLst>
+            </p:seq>
+          </p:childTnLst>
+        </p:cTn>
+      </p:par>
+    </p:tnLst>
+    <p:bldLst>
+      <p:bldP spid="30" grpId="0" animBg="1"/>
+      <p:bldP spid="35" grpId="0" animBg="1"/>
+      <p:bldP spid="77" grpId="0" animBg="1"/>
+      <p:bldP spid="87" grpId="0" animBg="1"/>
+      <p:bldP spid="88" grpId="0" animBg="1"/>
+    </p:bldLst>
+  </p:timing>
 </p:sld>
 </file>
 
@@ -14482,6 +17043,1769 @@
       </p:grpSpPr>
       <p:sp>
         <p:nvSpPr>
+          <p:cNvPr id="3" name="Title 2">
+            <a:extLst>
+              <a:ext uri="{FF2B5EF4-FFF2-40B4-BE49-F238E27FC236}">
+                <a16:creationId xmlns:a16="http://schemas.microsoft.com/office/drawing/2014/main" id="{C0C64E7B-1FD3-470B-96FB-DF48F7391171}"/>
+              </a:ext>
+            </a:extLst>
+          </p:cNvPr>
+          <p:cNvSpPr>
+            <a:spLocks noGrp="1"/>
+          </p:cNvSpPr>
+          <p:nvPr>
+            <p:ph type="title"/>
+          </p:nvPr>
+        </p:nvSpPr>
+        <p:spPr/>
+        <p:txBody>
+          <a:bodyPr/>
+          <a:lstStyle/>
+          <a:p>
+            <a:r>
+              <a:rPr lang="en-US" dirty="0"/>
+              <a:t>Detached, interactive, </a:t>
+            </a:r>
+            <a:r>
+              <a:rPr lang="en-US" dirty="0" err="1"/>
+              <a:t>tty</a:t>
+            </a:r>
+            <a:r>
+              <a:rPr lang="en-US" dirty="0"/>
+              <a:t>, </a:t>
+            </a:r>
+            <a:r>
+              <a:rPr lang="en-US" dirty="0" err="1"/>
+              <a:t>tt</a:t>
+            </a:r>
+            <a:r>
+              <a:rPr lang="en-US" dirty="0"/>
+              <a:t>-what?</a:t>
+            </a:r>
+          </a:p>
+        </p:txBody>
+      </p:sp>
+      <p:sp>
+        <p:nvSpPr>
+          <p:cNvPr id="4" name="Rectangle: Rounded Corners 3">
+            <a:extLst>
+              <a:ext uri="{FF2B5EF4-FFF2-40B4-BE49-F238E27FC236}">
+                <a16:creationId xmlns:a16="http://schemas.microsoft.com/office/drawing/2014/main" id="{C2B631CE-4F00-4A2D-ADF2-85422B410BE3}"/>
+              </a:ext>
+            </a:extLst>
+          </p:cNvPr>
+          <p:cNvSpPr/>
+          <p:nvPr/>
+        </p:nvSpPr>
+        <p:spPr bwMode="gray">
+          <a:xfrm>
+            <a:off x="529126" y="1390772"/>
+            <a:ext cx="3844896" cy="931492"/>
+          </a:xfrm>
+          <a:prstGeom prst="roundRect">
+            <a:avLst/>
+          </a:prstGeom>
+          <a:solidFill>
+            <a:schemeClr val="accent1"/>
+          </a:solidFill>
+          <a:ln w="6350" algn="ctr">
+            <a:noFill/>
+            <a:miter lim="800000"/>
+            <a:headEnd/>
+            <a:tailEnd/>
+          </a:ln>
+        </p:spPr>
+        <p:txBody>
+          <a:bodyPr lIns="90000" tIns="72000" rIns="90000" bIns="72000" rtlCol="0" anchor="ctr"/>
+          <a:lstStyle/>
+          <a:p>
+            <a:pPr marR="0" algn="ctr" defTabSz="914400" eaLnBrk="1" fontAlgn="base" latinLnBrk="0" hangingPunct="1">
+              <a:lnSpc>
+                <a:spcPct val="100000"/>
+              </a:lnSpc>
+              <a:spcBef>
+                <a:spcPct val="50000"/>
+              </a:spcBef>
+              <a:spcAft>
+                <a:spcPct val="0"/>
+              </a:spcAft>
+              <a:buClr>
+                <a:srgbClr val="F0AB00"/>
+              </a:buClr>
+              <a:buSzPct val="80000"/>
+              <a:tabLst/>
+            </a:pPr>
+            <a:r>
+              <a:rPr lang="en-US" sz="1800" kern="0" dirty="0">
+                <a:ea typeface="Arial Unicode MS" pitchFamily="34" charset="-128"/>
+                <a:cs typeface="Arial Unicode MS" pitchFamily="34" charset="-128"/>
+              </a:rPr>
+              <a:t>docker run –</a:t>
+            </a:r>
+            <a:r>
+              <a:rPr lang="en-US" sz="1800" kern="0" dirty="0" err="1">
+                <a:ea typeface="Arial Unicode MS" pitchFamily="34" charset="-128"/>
+                <a:cs typeface="Arial Unicode MS" pitchFamily="34" charset="-128"/>
+              </a:rPr>
+              <a:t>i</a:t>
+            </a:r>
+            <a:r>
+              <a:rPr lang="en-US" sz="1800" kern="0" dirty="0">
+                <a:ea typeface="Arial Unicode MS" pitchFamily="34" charset="-128"/>
+                <a:cs typeface="Arial Unicode MS" pitchFamily="34" charset="-128"/>
+              </a:rPr>
+              <a:t> –t ubuntu /bin/bash</a:t>
+            </a:r>
+            <a:endParaRPr kumimoji="0" lang="en-US" sz="1800" b="0" i="0" u="none" strike="noStrike" kern="0" cap="none" spc="0" normalizeH="0" baseline="0" noProof="0" dirty="0" err="1">
+              <a:ln>
+                <a:noFill/>
+              </a:ln>
+              <a:effectLst/>
+              <a:uLnTx/>
+              <a:uFillTx/>
+              <a:ea typeface="Arial Unicode MS" pitchFamily="34" charset="-128"/>
+              <a:cs typeface="Arial Unicode MS" pitchFamily="34" charset="-128"/>
+            </a:endParaRPr>
+          </a:p>
+        </p:txBody>
+      </p:sp>
+      <p:sp>
+        <p:nvSpPr>
+          <p:cNvPr id="6" name="Rectangle: Rounded Corners 5">
+            <a:extLst>
+              <a:ext uri="{FF2B5EF4-FFF2-40B4-BE49-F238E27FC236}">
+                <a16:creationId xmlns:a16="http://schemas.microsoft.com/office/drawing/2014/main" id="{B21945CE-D9DC-464B-8519-9704F04083CD}"/>
+              </a:ext>
+            </a:extLst>
+          </p:cNvPr>
+          <p:cNvSpPr/>
+          <p:nvPr/>
+        </p:nvSpPr>
+        <p:spPr bwMode="gray">
+          <a:xfrm>
+            <a:off x="6623702" y="1390772"/>
+            <a:ext cx="3844896" cy="931492"/>
+          </a:xfrm>
+          <a:prstGeom prst="roundRect">
+            <a:avLst/>
+          </a:prstGeom>
+          <a:solidFill>
+            <a:schemeClr val="accent1"/>
+          </a:solidFill>
+          <a:ln w="6350" algn="ctr">
+            <a:noFill/>
+            <a:miter lim="800000"/>
+            <a:headEnd/>
+            <a:tailEnd/>
+          </a:ln>
+        </p:spPr>
+        <p:txBody>
+          <a:bodyPr lIns="90000" tIns="72000" rIns="90000" bIns="72000" rtlCol="0" anchor="ctr"/>
+          <a:lstStyle/>
+          <a:p>
+            <a:pPr marR="0" algn="ctr" defTabSz="914400" eaLnBrk="1" fontAlgn="base" latinLnBrk="0" hangingPunct="1">
+              <a:lnSpc>
+                <a:spcPct val="100000"/>
+              </a:lnSpc>
+              <a:spcBef>
+                <a:spcPct val="50000"/>
+              </a:spcBef>
+              <a:spcAft>
+                <a:spcPct val="0"/>
+              </a:spcAft>
+              <a:buClr>
+                <a:srgbClr val="F0AB00"/>
+              </a:buClr>
+              <a:buSzPct val="80000"/>
+              <a:tabLst/>
+            </a:pPr>
+            <a:r>
+              <a:rPr kumimoji="0" lang="en-US" sz="1800" b="0" i="0" u="none" strike="noStrike" kern="0" cap="none" spc="0" normalizeH="0" baseline="0" noProof="0" dirty="0">
+                <a:ln>
+                  <a:noFill/>
+                </a:ln>
+                <a:effectLst/>
+                <a:uLnTx/>
+                <a:uFillTx/>
+                <a:ea typeface="Arial Unicode MS" pitchFamily="34" charset="-128"/>
+                <a:cs typeface="Arial Unicode MS" pitchFamily="34" charset="-128"/>
+              </a:rPr>
+              <a:t>docker run –d ubuntu </a:t>
+            </a:r>
+            <a:r>
+              <a:rPr lang="en-US" sz="1800" kern="0" dirty="0">
+                <a:ea typeface="Arial Unicode MS" pitchFamily="34" charset="-128"/>
+                <a:cs typeface="Arial Unicode MS" pitchFamily="34" charset="-128"/>
+              </a:rPr>
+              <a:t>/bin/</a:t>
+            </a:r>
+            <a:r>
+              <a:rPr lang="en-US" sz="1800" kern="0" dirty="0" err="1">
+                <a:ea typeface="Arial Unicode MS" pitchFamily="34" charset="-128"/>
+                <a:cs typeface="Arial Unicode MS" pitchFamily="34" charset="-128"/>
+              </a:rPr>
+              <a:t>systemd</a:t>
+            </a:r>
+            <a:endParaRPr kumimoji="0" lang="en-US" sz="1800" b="0" i="0" u="none" strike="noStrike" kern="0" cap="none" spc="0" normalizeH="0" baseline="0" noProof="0" dirty="0" err="1">
+              <a:ln>
+                <a:noFill/>
+              </a:ln>
+              <a:effectLst/>
+              <a:uLnTx/>
+              <a:uFillTx/>
+              <a:ea typeface="Arial Unicode MS" pitchFamily="34" charset="-128"/>
+              <a:cs typeface="Arial Unicode MS" pitchFamily="34" charset="-128"/>
+            </a:endParaRPr>
+          </a:p>
+        </p:txBody>
+      </p:sp>
+      <p:grpSp>
+        <p:nvGrpSpPr>
+          <p:cNvPr id="19" name="Group 18">
+            <a:extLst>
+              <a:ext uri="{FF2B5EF4-FFF2-40B4-BE49-F238E27FC236}">
+                <a16:creationId xmlns:a16="http://schemas.microsoft.com/office/drawing/2014/main" id="{C648E47D-2ACE-424C-80D4-51B59067A80A}"/>
+              </a:ext>
+            </a:extLst>
+          </p:cNvPr>
+          <p:cNvGrpSpPr/>
+          <p:nvPr/>
+        </p:nvGrpSpPr>
+        <p:grpSpPr>
+          <a:xfrm>
+            <a:off x="887339" y="2634608"/>
+            <a:ext cx="3247400" cy="2478546"/>
+            <a:chOff x="383138" y="2292779"/>
+            <a:chExt cx="3247400" cy="2478546"/>
+          </a:xfrm>
+        </p:grpSpPr>
+        <p:sp>
+          <p:nvSpPr>
+            <p:cNvPr id="7" name="Rectangle: Rounded Corners 6">
+              <a:extLst>
+                <a:ext uri="{FF2B5EF4-FFF2-40B4-BE49-F238E27FC236}">
+                  <a16:creationId xmlns:a16="http://schemas.microsoft.com/office/drawing/2014/main" id="{F9177DB8-8B1D-4F05-AE7B-6C6C692982E8}"/>
+                </a:ext>
+              </a:extLst>
+            </p:cNvPr>
+            <p:cNvSpPr/>
+            <p:nvPr/>
+          </p:nvSpPr>
+          <p:spPr bwMode="gray">
+            <a:xfrm>
+              <a:off x="383138" y="3043142"/>
+              <a:ext cx="1437117" cy="750363"/>
+            </a:xfrm>
+            <a:prstGeom prst="roundRect">
+              <a:avLst/>
+            </a:prstGeom>
+            <a:ln>
+              <a:headEnd/>
+              <a:tailEnd/>
+            </a:ln>
+          </p:spPr>
+          <p:style>
+            <a:lnRef idx="2">
+              <a:schemeClr val="accent2"/>
+            </a:lnRef>
+            <a:fillRef idx="1">
+              <a:schemeClr val="lt1"/>
+            </a:fillRef>
+            <a:effectRef idx="0">
+              <a:schemeClr val="accent2"/>
+            </a:effectRef>
+            <a:fontRef idx="minor">
+              <a:schemeClr val="dk1"/>
+            </a:fontRef>
+          </p:style>
+          <p:txBody>
+            <a:bodyPr lIns="90000" tIns="72000" rIns="90000" bIns="72000" rtlCol="0" anchor="ctr"/>
+            <a:lstStyle/>
+            <a:p>
+              <a:pPr marR="0" algn="ctr" defTabSz="914400" eaLnBrk="1" fontAlgn="base" latinLnBrk="0" hangingPunct="1">
+                <a:lnSpc>
+                  <a:spcPct val="100000"/>
+                </a:lnSpc>
+                <a:spcBef>
+                  <a:spcPct val="50000"/>
+                </a:spcBef>
+                <a:spcAft>
+                  <a:spcPct val="0"/>
+                </a:spcAft>
+                <a:buClr>
+                  <a:srgbClr val="F0AB00"/>
+                </a:buClr>
+                <a:buSzPct val="80000"/>
+                <a:tabLst/>
+              </a:pPr>
+              <a:r>
+                <a:rPr kumimoji="0" lang="en-US" sz="1800" b="0" i="0" u="none" strike="noStrike" kern="0" cap="none" spc="0" normalizeH="0" baseline="0" noProof="0" dirty="0">
+                  <a:ln>
+                    <a:noFill/>
+                  </a:ln>
+                  <a:effectLst/>
+                  <a:uLnTx/>
+                  <a:uFillTx/>
+                  <a:ea typeface="Arial Unicode MS" pitchFamily="34" charset="-128"/>
+                  <a:cs typeface="Arial Unicode MS" pitchFamily="34" charset="-128"/>
+                </a:rPr>
+                <a:t>Process</a:t>
+              </a:r>
+            </a:p>
+          </p:txBody>
+        </p:sp>
+        <p:sp>
+          <p:nvSpPr>
+            <p:cNvPr id="8" name="Rectangle: Rounded Corners 7">
+              <a:extLst>
+                <a:ext uri="{FF2B5EF4-FFF2-40B4-BE49-F238E27FC236}">
+                  <a16:creationId xmlns:a16="http://schemas.microsoft.com/office/drawing/2014/main" id="{DE4E3898-F3BC-4D9B-8F08-1DDBEEEF7996}"/>
+                </a:ext>
+              </a:extLst>
+            </p:cNvPr>
+            <p:cNvSpPr/>
+            <p:nvPr/>
+          </p:nvSpPr>
+          <p:spPr bwMode="gray">
+            <a:xfrm>
+              <a:off x="2193421" y="2292779"/>
+              <a:ext cx="1437117" cy="750363"/>
+            </a:xfrm>
+            <a:prstGeom prst="roundRect">
+              <a:avLst/>
+            </a:prstGeom>
+            <a:ln>
+              <a:headEnd/>
+              <a:tailEnd/>
+            </a:ln>
+          </p:spPr>
+          <p:style>
+            <a:lnRef idx="2">
+              <a:schemeClr val="accent2"/>
+            </a:lnRef>
+            <a:fillRef idx="1">
+              <a:schemeClr val="lt1"/>
+            </a:fillRef>
+            <a:effectRef idx="0">
+              <a:schemeClr val="accent2"/>
+            </a:effectRef>
+            <a:fontRef idx="minor">
+              <a:schemeClr val="dk1"/>
+            </a:fontRef>
+          </p:style>
+          <p:txBody>
+            <a:bodyPr lIns="90000" tIns="72000" rIns="90000" bIns="72000" rtlCol="0" anchor="ctr"/>
+            <a:lstStyle/>
+            <a:p>
+              <a:pPr marR="0" algn="ctr" defTabSz="914400" eaLnBrk="1" fontAlgn="base" latinLnBrk="0" hangingPunct="1">
+                <a:lnSpc>
+                  <a:spcPct val="100000"/>
+                </a:lnSpc>
+                <a:spcBef>
+                  <a:spcPct val="50000"/>
+                </a:spcBef>
+                <a:spcAft>
+                  <a:spcPct val="0"/>
+                </a:spcAft>
+                <a:buClr>
+                  <a:srgbClr val="F0AB00"/>
+                </a:buClr>
+                <a:buSzPct val="80000"/>
+                <a:tabLst/>
+              </a:pPr>
+              <a:r>
+                <a:rPr kumimoji="0" lang="en-US" sz="1800" b="0" i="0" u="none" strike="noStrike" kern="0" cap="none" spc="0" normalizeH="0" baseline="0" noProof="0" dirty="0">
+                  <a:ln>
+                    <a:noFill/>
+                  </a:ln>
+                  <a:effectLst/>
+                  <a:uLnTx/>
+                  <a:uFillTx/>
+                  <a:ea typeface="Arial Unicode MS" pitchFamily="34" charset="-128"/>
+                  <a:cs typeface="Arial Unicode MS" pitchFamily="34" charset="-128"/>
+                </a:rPr>
+                <a:t>Keyboard</a:t>
+              </a:r>
+            </a:p>
+          </p:txBody>
+        </p:sp>
+        <p:sp>
+          <p:nvSpPr>
+            <p:cNvPr id="9" name="Rectangle: Rounded Corners 8">
+              <a:extLst>
+                <a:ext uri="{FF2B5EF4-FFF2-40B4-BE49-F238E27FC236}">
+                  <a16:creationId xmlns:a16="http://schemas.microsoft.com/office/drawing/2014/main" id="{AEFFE768-CCC3-48D4-BAC5-83B24C92A9ED}"/>
+                </a:ext>
+              </a:extLst>
+            </p:cNvPr>
+            <p:cNvSpPr/>
+            <p:nvPr/>
+          </p:nvSpPr>
+          <p:spPr bwMode="gray">
+            <a:xfrm>
+              <a:off x="2193421" y="3793505"/>
+              <a:ext cx="1437117" cy="750363"/>
+            </a:xfrm>
+            <a:prstGeom prst="roundRect">
+              <a:avLst/>
+            </a:prstGeom>
+            <a:ln>
+              <a:headEnd/>
+              <a:tailEnd/>
+            </a:ln>
+          </p:spPr>
+          <p:style>
+            <a:lnRef idx="2">
+              <a:schemeClr val="accent2"/>
+            </a:lnRef>
+            <a:fillRef idx="1">
+              <a:schemeClr val="lt1"/>
+            </a:fillRef>
+            <a:effectRef idx="0">
+              <a:schemeClr val="accent2"/>
+            </a:effectRef>
+            <a:fontRef idx="minor">
+              <a:schemeClr val="dk1"/>
+            </a:fontRef>
+          </p:style>
+          <p:txBody>
+            <a:bodyPr lIns="90000" tIns="72000" rIns="90000" bIns="72000" rtlCol="0" anchor="ctr"/>
+            <a:lstStyle/>
+            <a:p>
+              <a:pPr marR="0" algn="ctr" defTabSz="914400" eaLnBrk="1" fontAlgn="base" latinLnBrk="0" hangingPunct="1">
+                <a:lnSpc>
+                  <a:spcPct val="100000"/>
+                </a:lnSpc>
+                <a:spcBef>
+                  <a:spcPct val="50000"/>
+                </a:spcBef>
+                <a:spcAft>
+                  <a:spcPct val="0"/>
+                </a:spcAft>
+                <a:buClr>
+                  <a:srgbClr val="F0AB00"/>
+                </a:buClr>
+                <a:buSzPct val="80000"/>
+                <a:tabLst/>
+              </a:pPr>
+              <a:r>
+                <a:rPr kumimoji="0" lang="en-US" sz="1800" b="0" i="0" u="none" strike="noStrike" kern="0" cap="none" spc="0" normalizeH="0" baseline="0" noProof="0" dirty="0">
+                  <a:ln>
+                    <a:noFill/>
+                  </a:ln>
+                  <a:effectLst/>
+                  <a:uLnTx/>
+                  <a:uFillTx/>
+                  <a:ea typeface="Arial Unicode MS" pitchFamily="34" charset="-128"/>
+                  <a:cs typeface="Arial Unicode MS" pitchFamily="34" charset="-128"/>
+                </a:rPr>
+                <a:t>Display</a:t>
+              </a:r>
+            </a:p>
+          </p:txBody>
+        </p:sp>
+        <p:cxnSp>
+          <p:nvCxnSpPr>
+            <p:cNvPr id="10" name="Connector: Elbow 9">
+              <a:extLst>
+                <a:ext uri="{FF2B5EF4-FFF2-40B4-BE49-F238E27FC236}">
+                  <a16:creationId xmlns:a16="http://schemas.microsoft.com/office/drawing/2014/main" id="{9C45730D-9289-4A75-A585-C6E94CA87AA4}"/>
+                </a:ext>
+              </a:extLst>
+            </p:cNvPr>
+            <p:cNvCxnSpPr>
+              <a:stCxn id="8" idx="1"/>
+              <a:endCxn id="7" idx="0"/>
+            </p:cNvCxnSpPr>
+            <p:nvPr/>
+          </p:nvCxnSpPr>
+          <p:spPr>
+            <a:xfrm rot="10800000" flipV="1">
+              <a:off x="1101697" y="2667960"/>
+              <a:ext cx="1091724" cy="375181"/>
+            </a:xfrm>
+            <a:prstGeom prst="bentConnector2">
+              <a:avLst/>
+            </a:prstGeom>
+            <a:ln w="38100">
+              <a:solidFill>
+                <a:schemeClr val="bg2"/>
+              </a:solidFill>
+              <a:headEnd type="none" w="med" len="med"/>
+              <a:tailEnd type="triangle"/>
+            </a:ln>
+          </p:spPr>
+          <p:style>
+            <a:lnRef idx="1">
+              <a:schemeClr val="accent1"/>
+            </a:lnRef>
+            <a:fillRef idx="0">
+              <a:schemeClr val="accent1"/>
+            </a:fillRef>
+            <a:effectRef idx="0">
+              <a:schemeClr val="accent1"/>
+            </a:effectRef>
+            <a:fontRef idx="minor">
+              <a:schemeClr val="tx1"/>
+            </a:fontRef>
+          </p:style>
+        </p:cxnSp>
+        <p:cxnSp>
+          <p:nvCxnSpPr>
+            <p:cNvPr id="13" name="Connector: Elbow 12">
+              <a:extLst>
+                <a:ext uri="{FF2B5EF4-FFF2-40B4-BE49-F238E27FC236}">
+                  <a16:creationId xmlns:a16="http://schemas.microsoft.com/office/drawing/2014/main" id="{E8283EAD-46DF-44E3-977F-88B9D351362C}"/>
+                </a:ext>
+              </a:extLst>
+            </p:cNvPr>
+            <p:cNvCxnSpPr>
+              <a:cxnSpLocks/>
+              <a:stCxn id="7" idx="2"/>
+              <a:endCxn id="9" idx="1"/>
+            </p:cNvCxnSpPr>
+            <p:nvPr/>
+          </p:nvCxnSpPr>
+          <p:spPr>
+            <a:xfrm rot="16200000" flipH="1">
+              <a:off x="1459968" y="3435234"/>
+              <a:ext cx="375182" cy="1091724"/>
+            </a:xfrm>
+            <a:prstGeom prst="bentConnector2">
+              <a:avLst/>
+            </a:prstGeom>
+            <a:ln w="38100">
+              <a:solidFill>
+                <a:schemeClr val="bg2"/>
+              </a:solidFill>
+              <a:headEnd type="none" w="med" len="med"/>
+              <a:tailEnd type="triangle"/>
+            </a:ln>
+          </p:spPr>
+          <p:style>
+            <a:lnRef idx="1">
+              <a:schemeClr val="accent1"/>
+            </a:lnRef>
+            <a:fillRef idx="0">
+              <a:schemeClr val="accent1"/>
+            </a:fillRef>
+            <a:effectRef idx="0">
+              <a:schemeClr val="accent1"/>
+            </a:effectRef>
+            <a:fontRef idx="minor">
+              <a:schemeClr val="tx1"/>
+            </a:fontRef>
+          </p:style>
+        </p:cxnSp>
+        <p:sp>
+          <p:nvSpPr>
+            <p:cNvPr id="20" name="TextBox 19">
+              <a:extLst>
+                <a:ext uri="{FF2B5EF4-FFF2-40B4-BE49-F238E27FC236}">
+                  <a16:creationId xmlns:a16="http://schemas.microsoft.com/office/drawing/2014/main" id="{54EAABC3-F778-411D-A45F-9D9B6B27622F}"/>
+                </a:ext>
+              </a:extLst>
+            </p:cNvPr>
+            <p:cNvSpPr txBox="1"/>
+            <p:nvPr/>
+          </p:nvSpPr>
+          <p:spPr>
+            <a:xfrm>
+              <a:off x="1201329" y="2388487"/>
+              <a:ext cx="751809" cy="215444"/>
+            </a:xfrm>
+            <a:prstGeom prst="rect">
+              <a:avLst/>
+            </a:prstGeom>
+            <a:solidFill>
+              <a:schemeClr val="bg2">
+                <a:lumMod val="20000"/>
+                <a:lumOff val="80000"/>
+              </a:schemeClr>
+            </a:solidFill>
+          </p:spPr>
+          <p:txBody>
+            <a:bodyPr wrap="none" lIns="0" tIns="0" rIns="0" bIns="0" rtlCol="0">
+              <a:spAutoFit/>
+            </a:bodyPr>
+            <a:lstStyle/>
+            <a:p>
+              <a:pPr fontAlgn="base">
+                <a:spcBef>
+                  <a:spcPct val="50000"/>
+                </a:spcBef>
+                <a:spcAft>
+                  <a:spcPct val="0"/>
+                </a:spcAft>
+                <a:buClr>
+                  <a:srgbClr val="F0AB00"/>
+                </a:buClr>
+                <a:buSzPct val="80000"/>
+              </a:pPr>
+              <a:r>
+                <a:rPr lang="de-DE" sz="1400" b="1" kern="0" dirty="0">
+                  <a:latin typeface="Courier New" panose="02070309020205020404" pitchFamily="49" charset="0"/>
+                  <a:ea typeface="Arial Unicode MS" pitchFamily="34" charset="-128"/>
+                  <a:cs typeface="Courier New" panose="02070309020205020404" pitchFamily="49" charset="0"/>
+                </a:rPr>
+                <a:t> </a:t>
+              </a:r>
+              <a:r>
+                <a:rPr lang="de-DE" sz="1400" b="1" kern="0" dirty="0" err="1">
+                  <a:latin typeface="Courier New" panose="02070309020205020404" pitchFamily="49" charset="0"/>
+                  <a:ea typeface="Arial Unicode MS" pitchFamily="34" charset="-128"/>
+                  <a:cs typeface="Courier New" panose="02070309020205020404" pitchFamily="49" charset="0"/>
+                </a:rPr>
+                <a:t>stdin</a:t>
+              </a:r>
+              <a:r>
+                <a:rPr lang="de-DE" sz="1400" b="1" kern="0" dirty="0">
+                  <a:latin typeface="Courier New" panose="02070309020205020404" pitchFamily="49" charset="0"/>
+                  <a:ea typeface="Arial Unicode MS" pitchFamily="34" charset="-128"/>
+                  <a:cs typeface="Courier New" panose="02070309020205020404" pitchFamily="49" charset="0"/>
+                </a:rPr>
+                <a:t> </a:t>
+              </a:r>
+            </a:p>
+          </p:txBody>
+        </p:sp>
+        <p:sp>
+          <p:nvSpPr>
+            <p:cNvPr id="21" name="TextBox 20">
+              <a:extLst>
+                <a:ext uri="{FF2B5EF4-FFF2-40B4-BE49-F238E27FC236}">
+                  <a16:creationId xmlns:a16="http://schemas.microsoft.com/office/drawing/2014/main" id="{4A77FCD1-8DB7-4C45-A532-E4056AF164BB}"/>
+                </a:ext>
+              </a:extLst>
+            </p:cNvPr>
+            <p:cNvSpPr txBox="1"/>
+            <p:nvPr/>
+          </p:nvSpPr>
+          <p:spPr>
+            <a:xfrm>
+              <a:off x="1201328" y="4232716"/>
+              <a:ext cx="859210" cy="538609"/>
+            </a:xfrm>
+            <a:prstGeom prst="rect">
+              <a:avLst/>
+            </a:prstGeom>
+            <a:solidFill>
+              <a:schemeClr val="bg2">
+                <a:lumMod val="20000"/>
+                <a:lumOff val="80000"/>
+              </a:schemeClr>
+            </a:solidFill>
+          </p:spPr>
+          <p:txBody>
+            <a:bodyPr wrap="none" lIns="0" tIns="0" rIns="0" bIns="0" rtlCol="0">
+              <a:spAutoFit/>
+            </a:bodyPr>
+            <a:lstStyle/>
+            <a:p>
+              <a:pPr fontAlgn="base">
+                <a:spcBef>
+                  <a:spcPct val="50000"/>
+                </a:spcBef>
+                <a:spcAft>
+                  <a:spcPct val="0"/>
+                </a:spcAft>
+                <a:buClr>
+                  <a:srgbClr val="F0AB00"/>
+                </a:buClr>
+                <a:buSzPct val="80000"/>
+              </a:pPr>
+              <a:r>
+                <a:rPr lang="de-DE" sz="1400" b="1" kern="0" dirty="0">
+                  <a:latin typeface="Courier New" panose="02070309020205020404" pitchFamily="49" charset="0"/>
+                  <a:ea typeface="Arial Unicode MS" pitchFamily="34" charset="-128"/>
+                  <a:cs typeface="Courier New" panose="02070309020205020404" pitchFamily="49" charset="0"/>
+                </a:rPr>
+                <a:t> </a:t>
+              </a:r>
+              <a:r>
+                <a:rPr lang="de-DE" sz="1400" b="1" kern="0" dirty="0" err="1">
+                  <a:latin typeface="Courier New" panose="02070309020205020404" pitchFamily="49" charset="0"/>
+                  <a:ea typeface="Arial Unicode MS" pitchFamily="34" charset="-128"/>
+                  <a:cs typeface="Courier New" panose="02070309020205020404" pitchFamily="49" charset="0"/>
+                </a:rPr>
+                <a:t>stdout</a:t>
+              </a:r>
+              <a:endParaRPr lang="de-DE" sz="1400" b="1" kern="0" dirty="0">
+                <a:latin typeface="Courier New" panose="02070309020205020404" pitchFamily="49" charset="0"/>
+                <a:ea typeface="Arial Unicode MS" pitchFamily="34" charset="-128"/>
+                <a:cs typeface="Courier New" panose="02070309020205020404" pitchFamily="49" charset="0"/>
+              </a:endParaRPr>
+            </a:p>
+            <a:p>
+              <a:pPr fontAlgn="base">
+                <a:spcBef>
+                  <a:spcPct val="50000"/>
+                </a:spcBef>
+                <a:spcAft>
+                  <a:spcPct val="0"/>
+                </a:spcAft>
+                <a:buClr>
+                  <a:srgbClr val="F0AB00"/>
+                </a:buClr>
+                <a:buSzPct val="80000"/>
+              </a:pPr>
+              <a:r>
+                <a:rPr lang="de-DE" sz="1400" b="1" kern="0" dirty="0">
+                  <a:latin typeface="Courier New" panose="02070309020205020404" pitchFamily="49" charset="0"/>
+                  <a:ea typeface="Arial Unicode MS" pitchFamily="34" charset="-128"/>
+                  <a:cs typeface="Courier New" panose="02070309020205020404" pitchFamily="49" charset="0"/>
+                </a:rPr>
+                <a:t> </a:t>
+              </a:r>
+              <a:r>
+                <a:rPr lang="de-DE" sz="1400" b="1" kern="0" dirty="0" err="1">
+                  <a:latin typeface="Courier New" panose="02070309020205020404" pitchFamily="49" charset="0"/>
+                  <a:ea typeface="Arial Unicode MS" pitchFamily="34" charset="-128"/>
+                  <a:cs typeface="Courier New" panose="02070309020205020404" pitchFamily="49" charset="0"/>
+                </a:rPr>
+                <a:t>stderr</a:t>
+              </a:r>
+              <a:r>
+                <a:rPr lang="de-DE" sz="1400" b="1" kern="0" dirty="0">
+                  <a:latin typeface="Courier New" panose="02070309020205020404" pitchFamily="49" charset="0"/>
+                  <a:ea typeface="Arial Unicode MS" pitchFamily="34" charset="-128"/>
+                  <a:cs typeface="Courier New" panose="02070309020205020404" pitchFamily="49" charset="0"/>
+                </a:rPr>
+                <a:t> </a:t>
+              </a:r>
+            </a:p>
+          </p:txBody>
+        </p:sp>
+      </p:grpSp>
+      <p:grpSp>
+        <p:nvGrpSpPr>
+          <p:cNvPr id="23" name="Group 22">
+            <a:extLst>
+              <a:ext uri="{FF2B5EF4-FFF2-40B4-BE49-F238E27FC236}">
+                <a16:creationId xmlns:a16="http://schemas.microsoft.com/office/drawing/2014/main" id="{413284C3-6AC7-4C6C-BF5B-B6E25D052ABE}"/>
+              </a:ext>
+            </a:extLst>
+          </p:cNvPr>
+          <p:cNvGrpSpPr/>
+          <p:nvPr/>
+        </p:nvGrpSpPr>
+        <p:grpSpPr>
+          <a:xfrm>
+            <a:off x="6981915" y="2634608"/>
+            <a:ext cx="3247400" cy="2478546"/>
+            <a:chOff x="383138" y="2292779"/>
+            <a:chExt cx="3247400" cy="2478546"/>
+          </a:xfrm>
+        </p:grpSpPr>
+        <p:sp>
+          <p:nvSpPr>
+            <p:cNvPr id="24" name="Rectangle: Rounded Corners 23">
+              <a:extLst>
+                <a:ext uri="{FF2B5EF4-FFF2-40B4-BE49-F238E27FC236}">
+                  <a16:creationId xmlns:a16="http://schemas.microsoft.com/office/drawing/2014/main" id="{3A426CC3-124F-4683-8A9D-EAD371632F4E}"/>
+                </a:ext>
+              </a:extLst>
+            </p:cNvPr>
+            <p:cNvSpPr/>
+            <p:nvPr/>
+          </p:nvSpPr>
+          <p:spPr bwMode="gray">
+            <a:xfrm>
+              <a:off x="383138" y="3043142"/>
+              <a:ext cx="1437117" cy="750363"/>
+            </a:xfrm>
+            <a:prstGeom prst="roundRect">
+              <a:avLst/>
+            </a:prstGeom>
+            <a:ln>
+              <a:headEnd/>
+              <a:tailEnd/>
+            </a:ln>
+          </p:spPr>
+          <p:style>
+            <a:lnRef idx="2">
+              <a:schemeClr val="accent2"/>
+            </a:lnRef>
+            <a:fillRef idx="1">
+              <a:schemeClr val="lt1"/>
+            </a:fillRef>
+            <a:effectRef idx="0">
+              <a:schemeClr val="accent2"/>
+            </a:effectRef>
+            <a:fontRef idx="minor">
+              <a:schemeClr val="dk1"/>
+            </a:fontRef>
+          </p:style>
+          <p:txBody>
+            <a:bodyPr lIns="90000" tIns="72000" rIns="90000" bIns="72000" rtlCol="0" anchor="ctr"/>
+            <a:lstStyle/>
+            <a:p>
+              <a:pPr marR="0" algn="ctr" defTabSz="914400" eaLnBrk="1" fontAlgn="base" latinLnBrk="0" hangingPunct="1">
+                <a:lnSpc>
+                  <a:spcPct val="100000"/>
+                </a:lnSpc>
+                <a:spcBef>
+                  <a:spcPct val="50000"/>
+                </a:spcBef>
+                <a:spcAft>
+                  <a:spcPct val="0"/>
+                </a:spcAft>
+                <a:buClr>
+                  <a:srgbClr val="F0AB00"/>
+                </a:buClr>
+                <a:buSzPct val="80000"/>
+                <a:tabLst/>
+              </a:pPr>
+              <a:r>
+                <a:rPr kumimoji="0" lang="en-US" sz="1800" b="0" i="0" u="none" strike="noStrike" kern="0" cap="none" spc="0" normalizeH="0" baseline="0" noProof="0" dirty="0">
+                  <a:ln>
+                    <a:noFill/>
+                  </a:ln>
+                  <a:effectLst/>
+                  <a:uLnTx/>
+                  <a:uFillTx/>
+                  <a:ea typeface="Arial Unicode MS" pitchFamily="34" charset="-128"/>
+                  <a:cs typeface="Arial Unicode MS" pitchFamily="34" charset="-128"/>
+                </a:rPr>
+                <a:t>Process</a:t>
+              </a:r>
+            </a:p>
+          </p:txBody>
+        </p:sp>
+        <p:sp>
+          <p:nvSpPr>
+            <p:cNvPr id="25" name="Rectangle: Rounded Corners 24">
+              <a:extLst>
+                <a:ext uri="{FF2B5EF4-FFF2-40B4-BE49-F238E27FC236}">
+                  <a16:creationId xmlns:a16="http://schemas.microsoft.com/office/drawing/2014/main" id="{454EEA76-31A7-4897-BEBC-F712C22DBAF7}"/>
+                </a:ext>
+              </a:extLst>
+            </p:cNvPr>
+            <p:cNvSpPr/>
+            <p:nvPr/>
+          </p:nvSpPr>
+          <p:spPr bwMode="gray">
+            <a:xfrm>
+              <a:off x="2193421" y="2292779"/>
+              <a:ext cx="1437117" cy="750363"/>
+            </a:xfrm>
+            <a:prstGeom prst="roundRect">
+              <a:avLst/>
+            </a:prstGeom>
+            <a:ln>
+              <a:headEnd/>
+              <a:tailEnd/>
+            </a:ln>
+          </p:spPr>
+          <p:style>
+            <a:lnRef idx="2">
+              <a:schemeClr val="accent2"/>
+            </a:lnRef>
+            <a:fillRef idx="1">
+              <a:schemeClr val="lt1"/>
+            </a:fillRef>
+            <a:effectRef idx="0">
+              <a:schemeClr val="accent2"/>
+            </a:effectRef>
+            <a:fontRef idx="minor">
+              <a:schemeClr val="dk1"/>
+            </a:fontRef>
+          </p:style>
+          <p:txBody>
+            <a:bodyPr lIns="90000" tIns="72000" rIns="90000" bIns="72000" rtlCol="0" anchor="ctr"/>
+            <a:lstStyle/>
+            <a:p>
+              <a:pPr marR="0" algn="ctr" defTabSz="914400" eaLnBrk="1" fontAlgn="base" latinLnBrk="0" hangingPunct="1">
+                <a:lnSpc>
+                  <a:spcPct val="100000"/>
+                </a:lnSpc>
+                <a:spcBef>
+                  <a:spcPct val="50000"/>
+                </a:spcBef>
+                <a:spcAft>
+                  <a:spcPct val="0"/>
+                </a:spcAft>
+                <a:buClr>
+                  <a:srgbClr val="F0AB00"/>
+                </a:buClr>
+                <a:buSzPct val="80000"/>
+                <a:tabLst/>
+              </a:pPr>
+              <a:r>
+                <a:rPr kumimoji="0" lang="en-US" sz="1800" b="0" i="0" u="none" strike="noStrike" kern="0" cap="none" spc="0" normalizeH="0" baseline="0" noProof="0" dirty="0">
+                  <a:ln>
+                    <a:noFill/>
+                  </a:ln>
+                  <a:effectLst/>
+                  <a:uLnTx/>
+                  <a:uFillTx/>
+                  <a:ea typeface="Arial Unicode MS" pitchFamily="34" charset="-128"/>
+                  <a:cs typeface="Arial Unicode MS" pitchFamily="34" charset="-128"/>
+                </a:rPr>
+                <a:t>Keyboard</a:t>
+              </a:r>
+            </a:p>
+          </p:txBody>
+        </p:sp>
+        <p:sp>
+          <p:nvSpPr>
+            <p:cNvPr id="26" name="Rectangle: Rounded Corners 25">
+              <a:extLst>
+                <a:ext uri="{FF2B5EF4-FFF2-40B4-BE49-F238E27FC236}">
+                  <a16:creationId xmlns:a16="http://schemas.microsoft.com/office/drawing/2014/main" id="{AC677F26-33CD-461C-8315-A4ABF9B22A33}"/>
+                </a:ext>
+              </a:extLst>
+            </p:cNvPr>
+            <p:cNvSpPr/>
+            <p:nvPr/>
+          </p:nvSpPr>
+          <p:spPr bwMode="gray">
+            <a:xfrm>
+              <a:off x="2193421" y="3793505"/>
+              <a:ext cx="1437117" cy="750363"/>
+            </a:xfrm>
+            <a:prstGeom prst="roundRect">
+              <a:avLst/>
+            </a:prstGeom>
+            <a:ln>
+              <a:headEnd/>
+              <a:tailEnd/>
+            </a:ln>
+          </p:spPr>
+          <p:style>
+            <a:lnRef idx="2">
+              <a:schemeClr val="accent2"/>
+            </a:lnRef>
+            <a:fillRef idx="1">
+              <a:schemeClr val="lt1"/>
+            </a:fillRef>
+            <a:effectRef idx="0">
+              <a:schemeClr val="accent2"/>
+            </a:effectRef>
+            <a:fontRef idx="minor">
+              <a:schemeClr val="dk1"/>
+            </a:fontRef>
+          </p:style>
+          <p:txBody>
+            <a:bodyPr lIns="90000" tIns="72000" rIns="90000" bIns="72000" rtlCol="0" anchor="ctr"/>
+            <a:lstStyle/>
+            <a:p>
+              <a:pPr marR="0" algn="ctr" defTabSz="914400" eaLnBrk="1" fontAlgn="base" latinLnBrk="0" hangingPunct="1">
+                <a:lnSpc>
+                  <a:spcPct val="100000"/>
+                </a:lnSpc>
+                <a:spcBef>
+                  <a:spcPct val="50000"/>
+                </a:spcBef>
+                <a:spcAft>
+                  <a:spcPct val="0"/>
+                </a:spcAft>
+                <a:buClr>
+                  <a:srgbClr val="F0AB00"/>
+                </a:buClr>
+                <a:buSzPct val="80000"/>
+                <a:tabLst/>
+              </a:pPr>
+              <a:r>
+                <a:rPr kumimoji="0" lang="en-US" sz="1800" b="0" i="0" u="none" strike="noStrike" kern="0" cap="none" spc="0" normalizeH="0" baseline="0" noProof="0" dirty="0">
+                  <a:ln>
+                    <a:noFill/>
+                  </a:ln>
+                  <a:effectLst/>
+                  <a:uLnTx/>
+                  <a:uFillTx/>
+                  <a:ea typeface="Arial Unicode MS" pitchFamily="34" charset="-128"/>
+                  <a:cs typeface="Arial Unicode MS" pitchFamily="34" charset="-128"/>
+                </a:rPr>
+                <a:t>Log collector</a:t>
+              </a:r>
+            </a:p>
+          </p:txBody>
+        </p:sp>
+        <p:cxnSp>
+          <p:nvCxnSpPr>
+            <p:cNvPr id="27" name="Connector: Elbow 26">
+              <a:extLst>
+                <a:ext uri="{FF2B5EF4-FFF2-40B4-BE49-F238E27FC236}">
+                  <a16:creationId xmlns:a16="http://schemas.microsoft.com/office/drawing/2014/main" id="{9928C5CB-63D3-4FEC-A3FA-F0D73B5064BB}"/>
+                </a:ext>
+              </a:extLst>
+            </p:cNvPr>
+            <p:cNvCxnSpPr>
+              <a:stCxn id="25" idx="1"/>
+              <a:endCxn id="24" idx="0"/>
+            </p:cNvCxnSpPr>
+            <p:nvPr/>
+          </p:nvCxnSpPr>
+          <p:spPr>
+            <a:xfrm rot="10800000" flipV="1">
+              <a:off x="1101697" y="2667960"/>
+              <a:ext cx="1091724" cy="375181"/>
+            </a:xfrm>
+            <a:prstGeom prst="bentConnector2">
+              <a:avLst/>
+            </a:prstGeom>
+            <a:ln w="38100">
+              <a:solidFill>
+                <a:schemeClr val="bg2"/>
+              </a:solidFill>
+              <a:headEnd type="none" w="med" len="med"/>
+              <a:tailEnd type="triangle"/>
+            </a:ln>
+          </p:spPr>
+          <p:style>
+            <a:lnRef idx="1">
+              <a:schemeClr val="accent1"/>
+            </a:lnRef>
+            <a:fillRef idx="0">
+              <a:schemeClr val="accent1"/>
+            </a:fillRef>
+            <a:effectRef idx="0">
+              <a:schemeClr val="accent1"/>
+            </a:effectRef>
+            <a:fontRef idx="minor">
+              <a:schemeClr val="tx1"/>
+            </a:fontRef>
+          </p:style>
+        </p:cxnSp>
+        <p:cxnSp>
+          <p:nvCxnSpPr>
+            <p:cNvPr id="28" name="Connector: Elbow 27">
+              <a:extLst>
+                <a:ext uri="{FF2B5EF4-FFF2-40B4-BE49-F238E27FC236}">
+                  <a16:creationId xmlns:a16="http://schemas.microsoft.com/office/drawing/2014/main" id="{EC6EDAC3-561D-41FD-8045-376A938B7E21}"/>
+                </a:ext>
+              </a:extLst>
+            </p:cNvPr>
+            <p:cNvCxnSpPr>
+              <a:cxnSpLocks/>
+              <a:stCxn id="24" idx="2"/>
+              <a:endCxn id="26" idx="1"/>
+            </p:cNvCxnSpPr>
+            <p:nvPr/>
+          </p:nvCxnSpPr>
+          <p:spPr>
+            <a:xfrm rot="16200000" flipH="1">
+              <a:off x="1459968" y="3435234"/>
+              <a:ext cx="375182" cy="1091724"/>
+            </a:xfrm>
+            <a:prstGeom prst="bentConnector2">
+              <a:avLst/>
+            </a:prstGeom>
+            <a:ln w="38100">
+              <a:solidFill>
+                <a:schemeClr val="bg2"/>
+              </a:solidFill>
+              <a:headEnd type="none" w="med" len="med"/>
+              <a:tailEnd type="triangle"/>
+            </a:ln>
+          </p:spPr>
+          <p:style>
+            <a:lnRef idx="1">
+              <a:schemeClr val="accent1"/>
+            </a:lnRef>
+            <a:fillRef idx="0">
+              <a:schemeClr val="accent1"/>
+            </a:fillRef>
+            <a:effectRef idx="0">
+              <a:schemeClr val="accent1"/>
+            </a:effectRef>
+            <a:fontRef idx="minor">
+              <a:schemeClr val="tx1"/>
+            </a:fontRef>
+          </p:style>
+        </p:cxnSp>
+        <p:sp>
+          <p:nvSpPr>
+            <p:cNvPr id="29" name="TextBox 28">
+              <a:extLst>
+                <a:ext uri="{FF2B5EF4-FFF2-40B4-BE49-F238E27FC236}">
+                  <a16:creationId xmlns:a16="http://schemas.microsoft.com/office/drawing/2014/main" id="{C08C05A2-C825-4E80-A48E-413B3C4A0F7A}"/>
+                </a:ext>
+              </a:extLst>
+            </p:cNvPr>
+            <p:cNvSpPr txBox="1"/>
+            <p:nvPr/>
+          </p:nvSpPr>
+          <p:spPr>
+            <a:xfrm>
+              <a:off x="1201329" y="2388487"/>
+              <a:ext cx="751809" cy="215444"/>
+            </a:xfrm>
+            <a:prstGeom prst="rect">
+              <a:avLst/>
+            </a:prstGeom>
+            <a:solidFill>
+              <a:schemeClr val="bg2">
+                <a:lumMod val="20000"/>
+                <a:lumOff val="80000"/>
+              </a:schemeClr>
+            </a:solidFill>
+          </p:spPr>
+          <p:txBody>
+            <a:bodyPr wrap="none" lIns="0" tIns="0" rIns="0" bIns="0" rtlCol="0">
+              <a:spAutoFit/>
+            </a:bodyPr>
+            <a:lstStyle/>
+            <a:p>
+              <a:pPr fontAlgn="base">
+                <a:spcBef>
+                  <a:spcPct val="50000"/>
+                </a:spcBef>
+                <a:spcAft>
+                  <a:spcPct val="0"/>
+                </a:spcAft>
+                <a:buClr>
+                  <a:srgbClr val="F0AB00"/>
+                </a:buClr>
+                <a:buSzPct val="80000"/>
+              </a:pPr>
+              <a:r>
+                <a:rPr lang="de-DE" sz="1400" b="1" kern="0" dirty="0">
+                  <a:latin typeface="Courier New" panose="02070309020205020404" pitchFamily="49" charset="0"/>
+                  <a:ea typeface="Arial Unicode MS" pitchFamily="34" charset="-128"/>
+                  <a:cs typeface="Courier New" panose="02070309020205020404" pitchFamily="49" charset="0"/>
+                </a:rPr>
+                <a:t> </a:t>
+              </a:r>
+              <a:r>
+                <a:rPr lang="de-DE" sz="1400" b="1" kern="0" dirty="0" err="1">
+                  <a:latin typeface="Courier New" panose="02070309020205020404" pitchFamily="49" charset="0"/>
+                  <a:ea typeface="Arial Unicode MS" pitchFamily="34" charset="-128"/>
+                  <a:cs typeface="Courier New" panose="02070309020205020404" pitchFamily="49" charset="0"/>
+                </a:rPr>
+                <a:t>stdin</a:t>
+              </a:r>
+              <a:r>
+                <a:rPr lang="de-DE" sz="1400" b="1" kern="0" dirty="0">
+                  <a:latin typeface="Courier New" panose="02070309020205020404" pitchFamily="49" charset="0"/>
+                  <a:ea typeface="Arial Unicode MS" pitchFamily="34" charset="-128"/>
+                  <a:cs typeface="Courier New" panose="02070309020205020404" pitchFamily="49" charset="0"/>
+                </a:rPr>
+                <a:t> </a:t>
+              </a:r>
+            </a:p>
+          </p:txBody>
+        </p:sp>
+        <p:sp>
+          <p:nvSpPr>
+            <p:cNvPr id="30" name="TextBox 29">
+              <a:extLst>
+                <a:ext uri="{FF2B5EF4-FFF2-40B4-BE49-F238E27FC236}">
+                  <a16:creationId xmlns:a16="http://schemas.microsoft.com/office/drawing/2014/main" id="{C8E4FDE3-0043-4662-AB74-466F46011AF4}"/>
+                </a:ext>
+              </a:extLst>
+            </p:cNvPr>
+            <p:cNvSpPr txBox="1"/>
+            <p:nvPr/>
+          </p:nvSpPr>
+          <p:spPr>
+            <a:xfrm>
+              <a:off x="1201328" y="4232716"/>
+              <a:ext cx="859210" cy="538609"/>
+            </a:xfrm>
+            <a:prstGeom prst="rect">
+              <a:avLst/>
+            </a:prstGeom>
+            <a:solidFill>
+              <a:schemeClr val="bg2">
+                <a:lumMod val="20000"/>
+                <a:lumOff val="80000"/>
+              </a:schemeClr>
+            </a:solidFill>
+          </p:spPr>
+          <p:txBody>
+            <a:bodyPr wrap="none" lIns="0" tIns="0" rIns="0" bIns="0" rtlCol="0">
+              <a:spAutoFit/>
+            </a:bodyPr>
+            <a:lstStyle/>
+            <a:p>
+              <a:pPr fontAlgn="base">
+                <a:spcBef>
+                  <a:spcPct val="50000"/>
+                </a:spcBef>
+                <a:spcAft>
+                  <a:spcPct val="0"/>
+                </a:spcAft>
+                <a:buClr>
+                  <a:srgbClr val="F0AB00"/>
+                </a:buClr>
+                <a:buSzPct val="80000"/>
+              </a:pPr>
+              <a:r>
+                <a:rPr lang="de-DE" sz="1400" b="1" kern="0" dirty="0">
+                  <a:latin typeface="Courier New" panose="02070309020205020404" pitchFamily="49" charset="0"/>
+                  <a:ea typeface="Arial Unicode MS" pitchFamily="34" charset="-128"/>
+                  <a:cs typeface="Courier New" panose="02070309020205020404" pitchFamily="49" charset="0"/>
+                </a:rPr>
+                <a:t> </a:t>
+              </a:r>
+              <a:r>
+                <a:rPr lang="de-DE" sz="1400" b="1" kern="0" dirty="0" err="1">
+                  <a:latin typeface="Courier New" panose="02070309020205020404" pitchFamily="49" charset="0"/>
+                  <a:ea typeface="Arial Unicode MS" pitchFamily="34" charset="-128"/>
+                  <a:cs typeface="Courier New" panose="02070309020205020404" pitchFamily="49" charset="0"/>
+                </a:rPr>
+                <a:t>stdout</a:t>
+              </a:r>
+              <a:endParaRPr lang="de-DE" sz="1400" b="1" kern="0" dirty="0">
+                <a:latin typeface="Courier New" panose="02070309020205020404" pitchFamily="49" charset="0"/>
+                <a:ea typeface="Arial Unicode MS" pitchFamily="34" charset="-128"/>
+                <a:cs typeface="Courier New" panose="02070309020205020404" pitchFamily="49" charset="0"/>
+              </a:endParaRPr>
+            </a:p>
+            <a:p>
+              <a:pPr fontAlgn="base">
+                <a:spcBef>
+                  <a:spcPct val="50000"/>
+                </a:spcBef>
+                <a:spcAft>
+                  <a:spcPct val="0"/>
+                </a:spcAft>
+                <a:buClr>
+                  <a:srgbClr val="F0AB00"/>
+                </a:buClr>
+                <a:buSzPct val="80000"/>
+              </a:pPr>
+              <a:r>
+                <a:rPr lang="de-DE" sz="1400" b="1" kern="0" dirty="0">
+                  <a:latin typeface="Courier New" panose="02070309020205020404" pitchFamily="49" charset="0"/>
+                  <a:ea typeface="Arial Unicode MS" pitchFamily="34" charset="-128"/>
+                  <a:cs typeface="Courier New" panose="02070309020205020404" pitchFamily="49" charset="0"/>
+                </a:rPr>
+                <a:t> </a:t>
+              </a:r>
+              <a:r>
+                <a:rPr lang="de-DE" sz="1400" b="1" kern="0" dirty="0" err="1">
+                  <a:latin typeface="Courier New" panose="02070309020205020404" pitchFamily="49" charset="0"/>
+                  <a:ea typeface="Arial Unicode MS" pitchFamily="34" charset="-128"/>
+                  <a:cs typeface="Courier New" panose="02070309020205020404" pitchFamily="49" charset="0"/>
+                </a:rPr>
+                <a:t>stderr</a:t>
+              </a:r>
+              <a:r>
+                <a:rPr lang="de-DE" sz="1400" b="1" kern="0" dirty="0">
+                  <a:latin typeface="Courier New" panose="02070309020205020404" pitchFamily="49" charset="0"/>
+                  <a:ea typeface="Arial Unicode MS" pitchFamily="34" charset="-128"/>
+                  <a:cs typeface="Courier New" panose="02070309020205020404" pitchFamily="49" charset="0"/>
+                </a:rPr>
+                <a:t> </a:t>
+              </a:r>
+            </a:p>
+          </p:txBody>
+        </p:sp>
+      </p:grpSp>
+      <p:sp>
+        <p:nvSpPr>
+          <p:cNvPr id="31" name="Multiplication Sign 30">
+            <a:extLst>
+              <a:ext uri="{FF2B5EF4-FFF2-40B4-BE49-F238E27FC236}">
+                <a16:creationId xmlns:a16="http://schemas.microsoft.com/office/drawing/2014/main" id="{5AE58AA9-A2DF-463B-B4C9-6990B8CCFCB0}"/>
+              </a:ext>
+            </a:extLst>
+          </p:cNvPr>
+          <p:cNvSpPr/>
+          <p:nvPr/>
+        </p:nvSpPr>
+        <p:spPr bwMode="gray">
+          <a:xfrm>
+            <a:off x="7488997" y="2587173"/>
+            <a:ext cx="1374026" cy="717173"/>
+          </a:xfrm>
+          <a:prstGeom prst="mathMultiply">
+            <a:avLst/>
+          </a:prstGeom>
+          <a:solidFill>
+            <a:srgbClr val="C00000"/>
+          </a:solidFill>
+          <a:ln w="6350" algn="ctr">
+            <a:noFill/>
+            <a:miter lim="800000"/>
+            <a:headEnd/>
+            <a:tailEnd/>
+          </a:ln>
+        </p:spPr>
+        <p:txBody>
+          <a:bodyPr lIns="90000" tIns="72000" rIns="90000" bIns="72000" rtlCol="0" anchor="ctr"/>
+          <a:lstStyle/>
+          <a:p>
+            <a:pPr marR="0" algn="ctr" defTabSz="914400" eaLnBrk="1" fontAlgn="base" latinLnBrk="0" hangingPunct="1">
+              <a:lnSpc>
+                <a:spcPct val="100000"/>
+              </a:lnSpc>
+              <a:spcBef>
+                <a:spcPct val="50000"/>
+              </a:spcBef>
+              <a:spcAft>
+                <a:spcPct val="0"/>
+              </a:spcAft>
+              <a:buClr>
+                <a:srgbClr val="F0AB00"/>
+              </a:buClr>
+              <a:buSzPct val="80000"/>
+              <a:tabLst/>
+            </a:pPr>
+            <a:endParaRPr kumimoji="0" lang="en-US" sz="1800" b="0" i="0" u="none" strike="noStrike" kern="0" cap="none" spc="0" normalizeH="0" baseline="0" noProof="0" dirty="0" err="1">
+              <a:ln>
+                <a:noFill/>
+              </a:ln>
+              <a:effectLst/>
+              <a:uLnTx/>
+              <a:uFillTx/>
+              <a:ea typeface="Arial Unicode MS" pitchFamily="34" charset="-128"/>
+              <a:cs typeface="Arial Unicode MS" pitchFamily="34" charset="-128"/>
+            </a:endParaRPr>
+          </a:p>
+        </p:txBody>
+      </p:sp>
+      <p:sp>
+        <p:nvSpPr>
+          <p:cNvPr id="22" name="TextBox 21">
+            <a:extLst>
+              <a:ext uri="{FF2B5EF4-FFF2-40B4-BE49-F238E27FC236}">
+                <a16:creationId xmlns:a16="http://schemas.microsoft.com/office/drawing/2014/main" id="{F0C58FEC-68C6-47CC-9597-2F0116DF6EC9}"/>
+              </a:ext>
+            </a:extLst>
+          </p:cNvPr>
+          <p:cNvSpPr txBox="1"/>
+          <p:nvPr/>
+        </p:nvSpPr>
+        <p:spPr>
+          <a:xfrm>
+            <a:off x="529127" y="5597782"/>
+            <a:ext cx="4871103" cy="692497"/>
+          </a:xfrm>
+          <a:prstGeom prst="rect">
+            <a:avLst/>
+          </a:prstGeom>
+          <a:noFill/>
+        </p:spPr>
+        <p:txBody>
+          <a:bodyPr wrap="square" lIns="0" tIns="0" rIns="0" bIns="0" rtlCol="0">
+            <a:spAutoFit/>
+          </a:bodyPr>
+          <a:lstStyle/>
+          <a:p>
+            <a:pPr fontAlgn="base">
+              <a:spcBef>
+                <a:spcPct val="50000"/>
+              </a:spcBef>
+              <a:spcAft>
+                <a:spcPct val="0"/>
+              </a:spcAft>
+              <a:buClr>
+                <a:srgbClr val="F0AB00"/>
+              </a:buClr>
+              <a:buSzPct val="80000"/>
+            </a:pPr>
+            <a:r>
+              <a:rPr lang="en-US" sz="1800" kern="0" dirty="0">
+                <a:ea typeface="Arial Unicode MS" pitchFamily="34" charset="-128"/>
+                <a:cs typeface="Arial Unicode MS" pitchFamily="34" charset="-128"/>
+              </a:rPr>
+              <a:t>Running an interactive session required –</a:t>
+            </a:r>
+            <a:r>
+              <a:rPr lang="en-US" sz="1800" kern="0" dirty="0" err="1">
+                <a:ea typeface="Arial Unicode MS" pitchFamily="34" charset="-128"/>
+                <a:cs typeface="Arial Unicode MS" pitchFamily="34" charset="-128"/>
+              </a:rPr>
+              <a:t>i</a:t>
+            </a:r>
+            <a:r>
+              <a:rPr lang="en-US" sz="1800" kern="0" dirty="0">
+                <a:ea typeface="Arial Unicode MS" pitchFamily="34" charset="-128"/>
+                <a:cs typeface="Arial Unicode MS" pitchFamily="34" charset="-128"/>
+              </a:rPr>
+              <a:t> &amp; -t .</a:t>
+            </a:r>
+          </a:p>
+          <a:p>
+            <a:pPr fontAlgn="base">
+              <a:spcBef>
+                <a:spcPct val="50000"/>
+              </a:spcBef>
+              <a:spcAft>
+                <a:spcPct val="0"/>
+              </a:spcAft>
+              <a:buClr>
+                <a:srgbClr val="F0AB00"/>
+              </a:buClr>
+              <a:buSzPct val="80000"/>
+            </a:pPr>
+            <a:r>
+              <a:rPr lang="en-US" sz="1800" kern="0" dirty="0">
+                <a:ea typeface="Arial Unicode MS" pitchFamily="34" charset="-128"/>
+                <a:cs typeface="Arial Unicode MS" pitchFamily="34" charset="-128"/>
+              </a:rPr>
+              <a:t>-t allocates a pseudo-</a:t>
+            </a:r>
+            <a:r>
+              <a:rPr lang="en-US" sz="1800" kern="0" dirty="0" err="1">
+                <a:ea typeface="Arial Unicode MS" pitchFamily="34" charset="-128"/>
+                <a:cs typeface="Arial Unicode MS" pitchFamily="34" charset="-128"/>
+              </a:rPr>
+              <a:t>tty</a:t>
+            </a:r>
+            <a:r>
+              <a:rPr lang="en-US" sz="1800" kern="0" dirty="0">
+                <a:ea typeface="Arial Unicode MS" pitchFamily="34" charset="-128"/>
+                <a:cs typeface="Arial Unicode MS" pitchFamily="34" charset="-128"/>
+              </a:rPr>
+              <a:t>, -</a:t>
+            </a:r>
+            <a:r>
+              <a:rPr lang="en-US" sz="1800" kern="0" dirty="0" err="1">
+                <a:ea typeface="Arial Unicode MS" pitchFamily="34" charset="-128"/>
+                <a:cs typeface="Arial Unicode MS" pitchFamily="34" charset="-128"/>
+              </a:rPr>
+              <a:t>i</a:t>
+            </a:r>
+            <a:r>
+              <a:rPr lang="en-US" sz="1800" kern="0" dirty="0">
+                <a:ea typeface="Arial Unicode MS" pitchFamily="34" charset="-128"/>
+                <a:cs typeface="Arial Unicode MS" pitchFamily="34" charset="-128"/>
+              </a:rPr>
+              <a:t> keeps stdin open.</a:t>
+            </a:r>
+          </a:p>
+        </p:txBody>
+      </p:sp>
+      <p:sp>
+        <p:nvSpPr>
+          <p:cNvPr id="33" name="TextBox 32">
+            <a:extLst>
+              <a:ext uri="{FF2B5EF4-FFF2-40B4-BE49-F238E27FC236}">
+                <a16:creationId xmlns:a16="http://schemas.microsoft.com/office/drawing/2014/main" id="{D15B4A2B-4974-47EE-9478-2C26CB893835}"/>
+              </a:ext>
+            </a:extLst>
+          </p:cNvPr>
+          <p:cNvSpPr txBox="1"/>
+          <p:nvPr/>
+        </p:nvSpPr>
+        <p:spPr>
+          <a:xfrm>
+            <a:off x="6623703" y="5593905"/>
+            <a:ext cx="4871103" cy="553998"/>
+          </a:xfrm>
+          <a:prstGeom prst="rect">
+            <a:avLst/>
+          </a:prstGeom>
+          <a:noFill/>
+        </p:spPr>
+        <p:txBody>
+          <a:bodyPr wrap="square" lIns="0" tIns="0" rIns="0" bIns="0" rtlCol="0">
+            <a:spAutoFit/>
+          </a:bodyPr>
+          <a:lstStyle/>
+          <a:p>
+            <a:pPr fontAlgn="base">
+              <a:spcBef>
+                <a:spcPct val="50000"/>
+              </a:spcBef>
+              <a:spcAft>
+                <a:spcPct val="0"/>
+              </a:spcAft>
+              <a:buClr>
+                <a:srgbClr val="F0AB00"/>
+              </a:buClr>
+              <a:buSzPct val="80000"/>
+            </a:pPr>
+            <a:r>
+              <a:rPr lang="en-US" sz="1800" kern="0" dirty="0">
+                <a:ea typeface="Arial Unicode MS" pitchFamily="34" charset="-128"/>
+                <a:cs typeface="Arial Unicode MS" pitchFamily="34" charset="-128"/>
+              </a:rPr>
+              <a:t>Running a detached session keeps process 1 alive without stdin open. </a:t>
+            </a:r>
+          </a:p>
+        </p:txBody>
+      </p:sp>
+    </p:spTree>
+    <p:extLst>
+      <p:ext uri="{BB962C8B-B14F-4D97-AF65-F5344CB8AC3E}">
+        <p14:creationId xmlns:p14="http://schemas.microsoft.com/office/powerpoint/2010/main" val="1812016985"/>
+      </p:ext>
+    </p:extLst>
+  </p:cSld>
+  <p:clrMapOvr>
+    <a:masterClrMapping/>
+  </p:clrMapOvr>
+  <p:timing>
+    <p:tnLst>
+      <p:par>
+        <p:cTn id="1" dur="indefinite" restart="never" nodeType="tmRoot">
+          <p:childTnLst>
+            <p:seq concurrent="1" nextAc="seek">
+              <p:cTn id="2" dur="indefinite" nodeType="mainSeq">
+                <p:childTnLst>
+                  <p:par>
+                    <p:cTn id="3" fill="hold">
+                      <p:stCondLst>
+                        <p:cond delay="indefinite"/>
+                      </p:stCondLst>
+                      <p:childTnLst>
+                        <p:par>
+                          <p:cTn id="4" fill="hold">
+                            <p:stCondLst>
+                              <p:cond delay="0"/>
+                            </p:stCondLst>
+                            <p:childTnLst>
+                              <p:par>
+                                <p:cTn id="5" presetID="1" presetClass="entr" presetSubtype="0" fill="hold" grpId="0" nodeType="clickEffect">
+                                  <p:stCondLst>
+                                    <p:cond delay="0"/>
+                                  </p:stCondLst>
+                                  <p:childTnLst>
+                                    <p:set>
+                                      <p:cBhvr>
+                                        <p:cTn id="6" dur="1" fill="hold">
+                                          <p:stCondLst>
+                                            <p:cond delay="0"/>
+                                          </p:stCondLst>
+                                        </p:cTn>
+                                        <p:tgtEl>
+                                          <p:spTgt spid="4"/>
+                                        </p:tgtEl>
+                                        <p:attrNameLst>
+                                          <p:attrName>style.visibility</p:attrName>
+                                        </p:attrNameLst>
+                                      </p:cBhvr>
+                                      <p:to>
+                                        <p:strVal val="visible"/>
+                                      </p:to>
+                                    </p:set>
+                                  </p:childTnLst>
+                                </p:cTn>
+                              </p:par>
+                              <p:par>
+                                <p:cTn id="7" presetID="1" presetClass="entr" presetSubtype="0" fill="hold" grpId="0" nodeType="withEffect">
+                                  <p:stCondLst>
+                                    <p:cond delay="0"/>
+                                  </p:stCondLst>
+                                  <p:childTnLst>
+                                    <p:set>
+                                      <p:cBhvr>
+                                        <p:cTn id="8" dur="1" fill="hold">
+                                          <p:stCondLst>
+                                            <p:cond delay="0"/>
+                                          </p:stCondLst>
+                                        </p:cTn>
+                                        <p:tgtEl>
+                                          <p:spTgt spid="22"/>
+                                        </p:tgtEl>
+                                        <p:attrNameLst>
+                                          <p:attrName>style.visibility</p:attrName>
+                                        </p:attrNameLst>
+                                      </p:cBhvr>
+                                      <p:to>
+                                        <p:strVal val="visible"/>
+                                      </p:to>
+                                    </p:set>
+                                  </p:childTnLst>
+                                </p:cTn>
+                              </p:par>
+                            </p:childTnLst>
+                          </p:cTn>
+                        </p:par>
+                      </p:childTnLst>
+                    </p:cTn>
+                  </p:par>
+                  <p:par>
+                    <p:cTn id="9" fill="hold">
+                      <p:stCondLst>
+                        <p:cond delay="indefinite"/>
+                      </p:stCondLst>
+                      <p:childTnLst>
+                        <p:par>
+                          <p:cTn id="10" fill="hold">
+                            <p:stCondLst>
+                              <p:cond delay="0"/>
+                            </p:stCondLst>
+                            <p:childTnLst>
+                              <p:par>
+                                <p:cTn id="11" presetID="1" presetClass="entr" presetSubtype="0" fill="hold" grpId="0" nodeType="clickEffect">
+                                  <p:stCondLst>
+                                    <p:cond delay="0"/>
+                                  </p:stCondLst>
+                                  <p:childTnLst>
+                                    <p:set>
+                                      <p:cBhvr>
+                                        <p:cTn id="12" dur="1" fill="hold">
+                                          <p:stCondLst>
+                                            <p:cond delay="0"/>
+                                          </p:stCondLst>
+                                        </p:cTn>
+                                        <p:tgtEl>
+                                          <p:spTgt spid="6"/>
+                                        </p:tgtEl>
+                                        <p:attrNameLst>
+                                          <p:attrName>style.visibility</p:attrName>
+                                        </p:attrNameLst>
+                                      </p:cBhvr>
+                                      <p:to>
+                                        <p:strVal val="visible"/>
+                                      </p:to>
+                                    </p:set>
+                                  </p:childTnLst>
+                                </p:cTn>
+                              </p:par>
+                            </p:childTnLst>
+                          </p:cTn>
+                        </p:par>
+                      </p:childTnLst>
+                    </p:cTn>
+                  </p:par>
+                  <p:par>
+                    <p:cTn id="13" fill="hold">
+                      <p:stCondLst>
+                        <p:cond delay="indefinite"/>
+                      </p:stCondLst>
+                      <p:childTnLst>
+                        <p:par>
+                          <p:cTn id="14" fill="hold">
+                            <p:stCondLst>
+                              <p:cond delay="0"/>
+                            </p:stCondLst>
+                            <p:childTnLst>
+                              <p:par>
+                                <p:cTn id="15" presetID="1" presetClass="entr" presetSubtype="0" fill="hold" grpId="0" nodeType="clickEffect">
+                                  <p:stCondLst>
+                                    <p:cond delay="0"/>
+                                  </p:stCondLst>
+                                  <p:childTnLst>
+                                    <p:set>
+                                      <p:cBhvr>
+                                        <p:cTn id="16" dur="1" fill="hold">
+                                          <p:stCondLst>
+                                            <p:cond delay="0"/>
+                                          </p:stCondLst>
+                                        </p:cTn>
+                                        <p:tgtEl>
+                                          <p:spTgt spid="31"/>
+                                        </p:tgtEl>
+                                        <p:attrNameLst>
+                                          <p:attrName>style.visibility</p:attrName>
+                                        </p:attrNameLst>
+                                      </p:cBhvr>
+                                      <p:to>
+                                        <p:strVal val="visible"/>
+                                      </p:to>
+                                    </p:set>
+                                  </p:childTnLst>
+                                </p:cTn>
+                              </p:par>
+                              <p:par>
+                                <p:cTn id="17" presetID="1" presetClass="entr" presetSubtype="0" fill="hold" nodeType="withEffect">
+                                  <p:stCondLst>
+                                    <p:cond delay="0"/>
+                                  </p:stCondLst>
+                                  <p:childTnLst>
+                                    <p:set>
+                                      <p:cBhvr>
+                                        <p:cTn id="18" dur="1" fill="hold">
+                                          <p:stCondLst>
+                                            <p:cond delay="0"/>
+                                          </p:stCondLst>
+                                        </p:cTn>
+                                        <p:tgtEl>
+                                          <p:spTgt spid="23"/>
+                                        </p:tgtEl>
+                                        <p:attrNameLst>
+                                          <p:attrName>style.visibility</p:attrName>
+                                        </p:attrNameLst>
+                                      </p:cBhvr>
+                                      <p:to>
+                                        <p:strVal val="visible"/>
+                                      </p:to>
+                                    </p:set>
+                                  </p:childTnLst>
+                                </p:cTn>
+                              </p:par>
+                              <p:par>
+                                <p:cTn id="19" presetID="1" presetClass="entr" presetSubtype="0" fill="hold" grpId="0" nodeType="withEffect">
+                                  <p:stCondLst>
+                                    <p:cond delay="0"/>
+                                  </p:stCondLst>
+                                  <p:childTnLst>
+                                    <p:set>
+                                      <p:cBhvr>
+                                        <p:cTn id="20" dur="1" fill="hold">
+                                          <p:stCondLst>
+                                            <p:cond delay="0"/>
+                                          </p:stCondLst>
+                                        </p:cTn>
+                                        <p:tgtEl>
+                                          <p:spTgt spid="33"/>
+                                        </p:tgtEl>
+                                        <p:attrNameLst>
+                                          <p:attrName>style.visibility</p:attrName>
+                                        </p:attrNameLst>
+                                      </p:cBhvr>
+                                      <p:to>
+                                        <p:strVal val="visible"/>
+                                      </p:to>
+                                    </p:set>
+                                  </p:childTnLst>
+                                </p:cTn>
+                              </p:par>
+                            </p:childTnLst>
+                          </p:cTn>
+                        </p:par>
+                      </p:childTnLst>
+                    </p:cTn>
+                  </p:par>
+                </p:childTnLst>
+              </p:cTn>
+              <p:prevCondLst>
+                <p:cond evt="onPrev" delay="0">
+                  <p:tgtEl>
+                    <p:sldTgt/>
+                  </p:tgtEl>
+                </p:cond>
+              </p:prevCondLst>
+              <p:nextCondLst>
+                <p:cond evt="onNext" delay="0">
+                  <p:tgtEl>
+                    <p:sldTgt/>
+                  </p:tgtEl>
+                </p:cond>
+              </p:nextCondLst>
+            </p:seq>
+          </p:childTnLst>
+        </p:cTn>
+      </p:par>
+    </p:tnLst>
+    <p:bldLst>
+      <p:bldP spid="4" grpId="0" animBg="1"/>
+      <p:bldP spid="6" grpId="0" animBg="1"/>
+      <p:bldP spid="31" grpId="0" animBg="1"/>
+      <p:bldP spid="22" grpId="0"/>
+      <p:bldP spid="33" grpId="0"/>
+    </p:bldLst>
+  </p:timing>
+</p:sld>
+</file>
+
+<file path=ppt/slides/slide6.xml><?xml version="1.0" encoding="utf-8"?>
+<p:sld xmlns:a="http://schemas.openxmlformats.org/drawingml/2006/main" xmlns:r="http://schemas.openxmlformats.org/officeDocument/2006/relationships" xmlns:p="http://schemas.openxmlformats.org/presentationml/2006/main" show="0">
+  <p:cSld>
+    <p:spTree>
+      <p:nvGrpSpPr>
+        <p:cNvPr id="1" name=""/>
+        <p:cNvGrpSpPr/>
+        <p:nvPr/>
+      </p:nvGrpSpPr>
+      <p:grpSpPr>
+        <a:xfrm>
+          <a:off x="0" y="0"/>
+          <a:ext cx="0" cy="0"/>
+          <a:chOff x="0" y="0"/>
+          <a:chExt cx="0" cy="0"/>
+        </a:xfrm>
+      </p:grpSpPr>
+      <p:sp>
+        <p:nvSpPr>
           <p:cNvPr id="3" name="Title 2"/>
           <p:cNvSpPr>
             <a:spLocks noGrp="1"/>
@@ -14784,7 +19108,7 @@
 </p:sld>
 </file>
 
-<file path=ppt/slides/slide6.xml><?xml version="1.0" encoding="utf-8"?>
+<file path=ppt/slides/slide7.xml><?xml version="1.0" encoding="utf-8"?>
 <p:sld xmlns:a="http://schemas.openxmlformats.org/drawingml/2006/main" xmlns:r="http://schemas.openxmlformats.org/officeDocument/2006/relationships" xmlns:p="http://schemas.openxmlformats.org/presentationml/2006/main">
   <p:cSld>
     <p:spTree>
@@ -16589,7 +20913,7 @@
 </p:sld>
 </file>
 
-<file path=ppt/slides/slide7.xml><?xml version="1.0" encoding="utf-8"?>
+<file path=ppt/slides/slide8.xml><?xml version="1.0" encoding="utf-8"?>
 <p:sld xmlns:a="http://schemas.openxmlformats.org/drawingml/2006/main" xmlns:r="http://schemas.openxmlformats.org/officeDocument/2006/relationships" xmlns:p="http://schemas.openxmlformats.org/presentationml/2006/main">
   <p:cSld>
     <p:spTree>
@@ -17205,736 +21529,6 @@
     <p:extLst>
       <p:ext uri="{BB962C8B-B14F-4D97-AF65-F5344CB8AC3E}">
         <p14:creationId xmlns:p14="http://schemas.microsoft.com/office/powerpoint/2010/main" val="3881767712"/>
-      </p:ext>
-    </p:extLst>
-  </p:cSld>
-  <p:clrMapOvr>
-    <a:masterClrMapping/>
-  </p:clrMapOvr>
-</p:sld>
-</file>
-
-<file path=ppt/slides/slide8.xml><?xml version="1.0" encoding="utf-8"?>
-<p:sld xmlns:a="http://schemas.openxmlformats.org/drawingml/2006/main" xmlns:r="http://schemas.openxmlformats.org/officeDocument/2006/relationships" xmlns:p="http://schemas.openxmlformats.org/presentationml/2006/main">
-  <p:cSld>
-    <p:spTree>
-      <p:nvGrpSpPr>
-        <p:cNvPr id="1" name=""/>
-        <p:cNvGrpSpPr/>
-        <p:nvPr/>
-      </p:nvGrpSpPr>
-      <p:grpSpPr>
-        <a:xfrm>
-          <a:off x="0" y="0"/>
-          <a:ext cx="0" cy="0"/>
-          <a:chOff x="0" y="0"/>
-          <a:chExt cx="0" cy="0"/>
-        </a:xfrm>
-      </p:grpSpPr>
-      <p:sp>
-        <p:nvSpPr>
-          <p:cNvPr id="3" name="Title 2"/>
-          <p:cNvSpPr>
-            <a:spLocks noGrp="1"/>
-          </p:cNvSpPr>
-          <p:nvPr>
-            <p:ph type="title"/>
-          </p:nvPr>
-        </p:nvSpPr>
-        <p:spPr/>
-        <p:txBody>
-          <a:bodyPr/>
-          <a:lstStyle/>
-          <a:p>
-            <a:r>
-              <a:rPr lang="en-US" dirty="0"/>
-              <a:t>Starting a stopped container</a:t>
-            </a:r>
-          </a:p>
-        </p:txBody>
-      </p:sp>
-      <p:sp>
-        <p:nvSpPr>
-          <p:cNvPr id="6" name="Text Placeholder 10"/>
-          <p:cNvSpPr>
-            <a:spLocks noGrp="1"/>
-          </p:cNvSpPr>
-          <p:nvPr>
-            <p:ph type="body" sz="quarter" idx="10"/>
-          </p:nvPr>
-        </p:nvSpPr>
-        <p:spPr>
-          <a:xfrm>
-            <a:off x="503999" y="1620000"/>
-            <a:ext cx="11186477" cy="4230000"/>
-          </a:xfrm>
-        </p:spPr>
-        <p:txBody>
-          <a:bodyPr/>
-          <a:lstStyle/>
-          <a:p>
-            <a:pPr lvl="0"/>
-            <a:r>
-              <a:rPr lang="en-US" sz="1800" dirty="0"/>
-              <a:t>A container stops once the main process (PID 1) exits</a:t>
-            </a:r>
-          </a:p>
-          <a:p>
-            <a:pPr lvl="1"/>
-            <a:r>
-              <a:rPr lang="en-US" sz="1600" dirty="0"/>
-              <a:t>container does not get removed but remains</a:t>
-            </a:r>
-          </a:p>
-          <a:p>
-            <a:pPr lvl="1"/>
-            <a:r>
-              <a:rPr lang="en-US" sz="1600" dirty="0"/>
-              <a:t>can be restarted as long as it exists</a:t>
-            </a:r>
-          </a:p>
-        </p:txBody>
-      </p:sp>
-      <p:sp>
-        <p:nvSpPr>
-          <p:cNvPr id="7" name="Rectangle: Rounded Corners 6"/>
-          <p:cNvSpPr/>
-          <p:nvPr/>
-        </p:nvSpPr>
-        <p:spPr bwMode="gray">
-          <a:xfrm>
-            <a:off x="686701" y="2558294"/>
-            <a:ext cx="7312170" cy="276513"/>
-          </a:xfrm>
-          <a:prstGeom prst="roundRect">
-            <a:avLst/>
-          </a:prstGeom>
-          <a:solidFill>
-            <a:schemeClr val="accent1">
-              <a:lumMod val="20000"/>
-              <a:lumOff val="80000"/>
-            </a:schemeClr>
-          </a:solidFill>
-          <a:ln w="6350" algn="ctr">
-            <a:noFill/>
-            <a:miter lim="800000"/>
-            <a:headEnd/>
-            <a:tailEnd/>
-          </a:ln>
-        </p:spPr>
-        <p:txBody>
-          <a:bodyPr lIns="90000" tIns="72000" rIns="90000" bIns="72000" rtlCol="0" anchor="ctr"/>
-          <a:lstStyle/>
-          <a:p>
-            <a:pPr marL="179387" lvl="2" indent="0">
-              <a:buNone/>
-            </a:pPr>
-            <a:r>
-              <a:rPr lang="en-US" sz="1400" b="1" dirty="0">
-                <a:latin typeface="Courier New" panose="02070309020205020404" pitchFamily="49" charset="0"/>
-                <a:cs typeface="Courier New" panose="02070309020205020404" pitchFamily="49" charset="0"/>
-              </a:rPr>
-              <a:t>$ </a:t>
-            </a:r>
-            <a:r>
-              <a:rPr lang="en-US" sz="1400" dirty="0" err="1">
-                <a:latin typeface="Courier New" panose="02070309020205020404" pitchFamily="49" charset="0"/>
-                <a:cs typeface="Courier New" panose="02070309020205020404" pitchFamily="49" charset="0"/>
-              </a:rPr>
-              <a:t>docker</a:t>
-            </a:r>
-            <a:r>
-              <a:rPr lang="en-US" sz="1400" b="1" dirty="0">
-                <a:latin typeface="Courier New" panose="02070309020205020404" pitchFamily="49" charset="0"/>
-                <a:cs typeface="Courier New" panose="02070309020205020404" pitchFamily="49" charset="0"/>
-              </a:rPr>
-              <a:t> start </a:t>
-            </a:r>
-            <a:r>
-              <a:rPr lang="en-US" sz="1400" i="1" dirty="0">
-                <a:latin typeface="Courier New" panose="02070309020205020404" pitchFamily="49" charset="0"/>
-                <a:cs typeface="Courier New" panose="02070309020205020404" pitchFamily="49" charset="0"/>
-              </a:rPr>
-              <a:t>&lt;container ID or name&gt;</a:t>
-            </a:r>
-          </a:p>
-        </p:txBody>
-      </p:sp>
-      <p:sp>
-        <p:nvSpPr>
-          <p:cNvPr id="9" name="Rectangle: Rounded Corners 8"/>
-          <p:cNvSpPr/>
-          <p:nvPr/>
-        </p:nvSpPr>
-        <p:spPr bwMode="gray">
-          <a:xfrm>
-            <a:off x="686701" y="3306374"/>
-            <a:ext cx="10728147" cy="2322901"/>
-          </a:xfrm>
-          <a:prstGeom prst="roundRect">
-            <a:avLst>
-              <a:gd name="adj" fmla="val 8296"/>
-            </a:avLst>
-          </a:prstGeom>
-          <a:pattFill prst="narHorz">
-            <a:fgClr>
-              <a:schemeClr val="tx1"/>
-            </a:fgClr>
-            <a:bgClr>
-              <a:srgbClr val="112806"/>
-            </a:bgClr>
-          </a:pattFill>
-          <a:ln w="6350" algn="ctr">
-            <a:noFill/>
-            <a:miter lim="800000"/>
-            <a:headEnd/>
-            <a:tailEnd/>
-          </a:ln>
-        </p:spPr>
-        <p:txBody>
-          <a:bodyPr lIns="90000" tIns="72000" rIns="90000" bIns="72000" rtlCol="0" anchor="t"/>
-          <a:lstStyle/>
-          <a:p>
-            <a:pPr defTabSz="914400" fontAlgn="base">
-              <a:spcAft>
-                <a:spcPct val="0"/>
-              </a:spcAft>
-              <a:buClr>
-                <a:srgbClr val="F0AB00"/>
-              </a:buClr>
-              <a:buSzPct val="80000"/>
-            </a:pPr>
-            <a:r>
-              <a:rPr lang="en-US" sz="1200" b="1" kern="0" dirty="0">
-                <a:solidFill>
-                  <a:schemeClr val="bg1"/>
-                </a:solidFill>
-                <a:latin typeface="Courier New" panose="02070309020205020404" pitchFamily="49" charset="0"/>
-                <a:ea typeface="Arial Unicode MS" pitchFamily="34" charset="-128"/>
-                <a:cs typeface="Courier New" panose="02070309020205020404" pitchFamily="49" charset="0"/>
-              </a:rPr>
-              <a:t>$ </a:t>
-            </a:r>
-            <a:r>
-              <a:rPr lang="en-US" sz="1200" b="1" kern="0" dirty="0" err="1">
-                <a:solidFill>
-                  <a:schemeClr val="bg1"/>
-                </a:solidFill>
-                <a:latin typeface="Courier New" panose="02070309020205020404" pitchFamily="49" charset="0"/>
-                <a:ea typeface="Arial Unicode MS" pitchFamily="34" charset="-128"/>
-                <a:cs typeface="Courier New" panose="02070309020205020404" pitchFamily="49" charset="0"/>
-              </a:rPr>
-              <a:t>docker</a:t>
-            </a:r>
-            <a:r>
-              <a:rPr lang="en-US" sz="1200" b="1" kern="0" dirty="0">
-                <a:solidFill>
-                  <a:schemeClr val="bg1"/>
-                </a:solidFill>
-                <a:latin typeface="Courier New" panose="02070309020205020404" pitchFamily="49" charset="0"/>
-                <a:ea typeface="Arial Unicode MS" pitchFamily="34" charset="-128"/>
-                <a:cs typeface="Courier New" panose="02070309020205020404" pitchFamily="49" charset="0"/>
-              </a:rPr>
-              <a:t> run -</a:t>
-            </a:r>
-            <a:r>
-              <a:rPr lang="en-US" sz="1200" b="1" kern="0" dirty="0" err="1">
-                <a:solidFill>
-                  <a:schemeClr val="bg1"/>
-                </a:solidFill>
-                <a:latin typeface="Courier New" panose="02070309020205020404" pitchFamily="49" charset="0"/>
-                <a:ea typeface="Arial Unicode MS" pitchFamily="34" charset="-128"/>
-                <a:cs typeface="Courier New" panose="02070309020205020404" pitchFamily="49" charset="0"/>
-              </a:rPr>
-              <a:t>i</a:t>
-            </a:r>
-            <a:r>
-              <a:rPr lang="en-US" sz="1200" b="1" kern="0" dirty="0">
-                <a:solidFill>
-                  <a:schemeClr val="bg1"/>
-                </a:solidFill>
-                <a:latin typeface="Courier New" panose="02070309020205020404" pitchFamily="49" charset="0"/>
-                <a:ea typeface="Arial Unicode MS" pitchFamily="34" charset="-128"/>
-                <a:cs typeface="Courier New" panose="02070309020205020404" pitchFamily="49" charset="0"/>
-              </a:rPr>
-              <a:t> -t </a:t>
-            </a:r>
-            <a:r>
-              <a:rPr lang="en-US" sz="1200" b="1" kern="0" dirty="0" err="1">
-                <a:solidFill>
-                  <a:schemeClr val="bg1"/>
-                </a:solidFill>
-                <a:latin typeface="Courier New" panose="02070309020205020404" pitchFamily="49" charset="0"/>
-                <a:ea typeface="Arial Unicode MS" pitchFamily="34" charset="-128"/>
-                <a:cs typeface="Courier New" panose="02070309020205020404" pitchFamily="49" charset="0"/>
-              </a:rPr>
-              <a:t>busybox</a:t>
-            </a:r>
-            <a:endParaRPr lang="en-US" sz="1200" b="1" kern="0" dirty="0">
-              <a:solidFill>
-                <a:schemeClr val="bg1"/>
-              </a:solidFill>
-              <a:latin typeface="Courier New" panose="02070309020205020404" pitchFamily="49" charset="0"/>
-              <a:ea typeface="Arial Unicode MS" pitchFamily="34" charset="-128"/>
-              <a:cs typeface="Courier New" panose="02070309020205020404" pitchFamily="49" charset="0"/>
-            </a:endParaRPr>
-          </a:p>
-          <a:p>
-            <a:pPr defTabSz="914400" fontAlgn="base">
-              <a:spcAft>
-                <a:spcPct val="0"/>
-              </a:spcAft>
-              <a:buClr>
-                <a:srgbClr val="F0AB00"/>
-              </a:buClr>
-              <a:buSzPct val="80000"/>
-            </a:pPr>
-            <a:r>
-              <a:rPr lang="en-US" sz="1200" kern="0" dirty="0">
-                <a:solidFill>
-                  <a:schemeClr val="bg1"/>
-                </a:solidFill>
-                <a:latin typeface="Arial monospaced for SAP" panose="020B0609020202030204" pitchFamily="49" charset="0"/>
-                <a:ea typeface="Arial Unicode MS" pitchFamily="34" charset="-128"/>
-                <a:cs typeface="Courier New" panose="02070309020205020404" pitchFamily="49" charset="0"/>
-              </a:rPr>
-              <a:t>/ # exit</a:t>
-            </a:r>
-          </a:p>
-          <a:p>
-            <a:pPr defTabSz="914400" fontAlgn="base">
-              <a:spcAft>
-                <a:spcPct val="0"/>
-              </a:spcAft>
-              <a:buClr>
-                <a:srgbClr val="F0AB00"/>
-              </a:buClr>
-              <a:buSzPct val="80000"/>
-            </a:pPr>
-            <a:endParaRPr lang="en-US" sz="1200" b="1" kern="0" dirty="0">
-              <a:solidFill>
-                <a:schemeClr val="bg1"/>
-              </a:solidFill>
-              <a:latin typeface="Courier New" panose="02070309020205020404" pitchFamily="49" charset="0"/>
-              <a:ea typeface="Arial Unicode MS" pitchFamily="34" charset="-128"/>
-              <a:cs typeface="Courier New" panose="02070309020205020404" pitchFamily="49" charset="0"/>
-            </a:endParaRPr>
-          </a:p>
-          <a:p>
-            <a:pPr defTabSz="914400" fontAlgn="base">
-              <a:spcAft>
-                <a:spcPct val="0"/>
-              </a:spcAft>
-              <a:buClr>
-                <a:srgbClr val="F0AB00"/>
-              </a:buClr>
-              <a:buSzPct val="80000"/>
-            </a:pPr>
-            <a:r>
-              <a:rPr lang="en-US" sz="1200" b="1" kern="0" dirty="0">
-                <a:solidFill>
-                  <a:schemeClr val="bg1"/>
-                </a:solidFill>
-                <a:latin typeface="Courier New" panose="02070309020205020404" pitchFamily="49" charset="0"/>
-                <a:ea typeface="Arial Unicode MS" pitchFamily="34" charset="-128"/>
-                <a:cs typeface="Courier New" panose="02070309020205020404" pitchFamily="49" charset="0"/>
-              </a:rPr>
-              <a:t>$ </a:t>
-            </a:r>
-            <a:r>
-              <a:rPr lang="en-US" sz="1200" b="1" kern="0" dirty="0" err="1">
-                <a:solidFill>
-                  <a:schemeClr val="bg1"/>
-                </a:solidFill>
-                <a:latin typeface="Courier New" panose="02070309020205020404" pitchFamily="49" charset="0"/>
-                <a:ea typeface="Arial Unicode MS" pitchFamily="34" charset="-128"/>
-                <a:cs typeface="Courier New" panose="02070309020205020404" pitchFamily="49" charset="0"/>
-              </a:rPr>
-              <a:t>docker</a:t>
-            </a:r>
-            <a:r>
-              <a:rPr lang="en-US" sz="1200" b="1" kern="0" dirty="0">
-                <a:solidFill>
-                  <a:schemeClr val="bg1"/>
-                </a:solidFill>
-                <a:latin typeface="Courier New" panose="02070309020205020404" pitchFamily="49" charset="0"/>
-                <a:ea typeface="Arial Unicode MS" pitchFamily="34" charset="-128"/>
-                <a:cs typeface="Courier New" panose="02070309020205020404" pitchFamily="49" charset="0"/>
-              </a:rPr>
-              <a:t> </a:t>
-            </a:r>
-            <a:r>
-              <a:rPr lang="en-US" sz="1200" b="1" kern="0" dirty="0" err="1">
-                <a:solidFill>
-                  <a:schemeClr val="bg1"/>
-                </a:solidFill>
-                <a:latin typeface="Courier New" panose="02070309020205020404" pitchFamily="49" charset="0"/>
-                <a:ea typeface="Arial Unicode MS" pitchFamily="34" charset="-128"/>
-                <a:cs typeface="Courier New" panose="02070309020205020404" pitchFamily="49" charset="0"/>
-              </a:rPr>
-              <a:t>ps</a:t>
-            </a:r>
-            <a:r>
-              <a:rPr lang="en-US" sz="1200" b="1" kern="0" dirty="0">
-                <a:solidFill>
-                  <a:schemeClr val="bg1"/>
-                </a:solidFill>
-                <a:latin typeface="Courier New" panose="02070309020205020404" pitchFamily="49" charset="0"/>
-                <a:ea typeface="Arial Unicode MS" pitchFamily="34" charset="-128"/>
-                <a:cs typeface="Courier New" panose="02070309020205020404" pitchFamily="49" charset="0"/>
-              </a:rPr>
-              <a:t> -a</a:t>
-            </a:r>
-          </a:p>
-          <a:p>
-            <a:pPr defTabSz="914400" fontAlgn="base">
-              <a:spcAft>
-                <a:spcPct val="0"/>
-              </a:spcAft>
-              <a:buClr>
-                <a:srgbClr val="F0AB00"/>
-              </a:buClr>
-              <a:buSzPct val="80000"/>
-            </a:pPr>
-            <a:r>
-              <a:rPr lang="en-US" sz="1200" kern="0" dirty="0">
-                <a:solidFill>
-                  <a:schemeClr val="bg1"/>
-                </a:solidFill>
-                <a:latin typeface="Arial monospaced for SAP" panose="020B0609020202030204" pitchFamily="49" charset="0"/>
-                <a:ea typeface="Arial Unicode MS" pitchFamily="34" charset="-128"/>
-                <a:cs typeface="Courier New" panose="02070309020205020404" pitchFamily="49" charset="0"/>
-              </a:rPr>
-              <a:t>CONTAINER ID     IMAGE      COMMAND    CREATED             STATUS                        PORTS     NAMES</a:t>
-            </a:r>
-          </a:p>
-          <a:p>
-            <a:pPr defTabSz="914400" fontAlgn="base">
-              <a:spcAft>
-                <a:spcPct val="0"/>
-              </a:spcAft>
-              <a:buClr>
-                <a:srgbClr val="F0AB00"/>
-              </a:buClr>
-              <a:buSzPct val="80000"/>
-            </a:pPr>
-            <a:r>
-              <a:rPr lang="en-US" sz="1200" kern="0" dirty="0">
-                <a:solidFill>
-                  <a:schemeClr val="bg1"/>
-                </a:solidFill>
-                <a:latin typeface="Arial monospaced for SAP" panose="020B0609020202030204" pitchFamily="49" charset="0"/>
-                <a:ea typeface="Arial Unicode MS" pitchFamily="34" charset="-128"/>
-                <a:cs typeface="Courier New" panose="02070309020205020404" pitchFamily="49" charset="0"/>
-              </a:rPr>
-              <a:t>033d3a22e8c8     </a:t>
-            </a:r>
-            <a:r>
-              <a:rPr lang="en-US" sz="1200" kern="0" dirty="0" err="1">
-                <a:solidFill>
-                  <a:schemeClr val="bg1"/>
-                </a:solidFill>
-                <a:latin typeface="Arial monospaced for SAP" panose="020B0609020202030204" pitchFamily="49" charset="0"/>
-                <a:ea typeface="Arial Unicode MS" pitchFamily="34" charset="-128"/>
-                <a:cs typeface="Courier New" panose="02070309020205020404" pitchFamily="49" charset="0"/>
-              </a:rPr>
-              <a:t>busybox</a:t>
-            </a:r>
-            <a:r>
-              <a:rPr lang="en-US" sz="1200" kern="0" dirty="0">
-                <a:solidFill>
-                  <a:schemeClr val="bg1"/>
-                </a:solidFill>
-                <a:latin typeface="Arial monospaced for SAP" panose="020B0609020202030204" pitchFamily="49" charset="0"/>
-                <a:ea typeface="Arial Unicode MS" pitchFamily="34" charset="-128"/>
-                <a:cs typeface="Courier New" panose="02070309020205020404" pitchFamily="49" charset="0"/>
-              </a:rPr>
-              <a:t>    "</a:t>
-            </a:r>
-            <a:r>
-              <a:rPr lang="en-US" sz="1200" kern="0" dirty="0" err="1">
-                <a:solidFill>
-                  <a:schemeClr val="bg1"/>
-                </a:solidFill>
-                <a:latin typeface="Arial monospaced for SAP" panose="020B0609020202030204" pitchFamily="49" charset="0"/>
-                <a:ea typeface="Arial Unicode MS" pitchFamily="34" charset="-128"/>
-                <a:cs typeface="Courier New" panose="02070309020205020404" pitchFamily="49" charset="0"/>
-              </a:rPr>
-              <a:t>sh</a:t>
-            </a:r>
-            <a:r>
-              <a:rPr lang="en-US" sz="1200" kern="0" dirty="0">
-                <a:solidFill>
-                  <a:schemeClr val="bg1"/>
-                </a:solidFill>
-                <a:latin typeface="Arial monospaced for SAP" panose="020B0609020202030204" pitchFamily="49" charset="0"/>
-                <a:ea typeface="Arial Unicode MS" pitchFamily="34" charset="-128"/>
-                <a:cs typeface="Courier New" panose="02070309020205020404" pitchFamily="49" charset="0"/>
-              </a:rPr>
-              <a:t>"       15 seconds ago      Exited (0) 13 seconds ago               </a:t>
-            </a:r>
-            <a:r>
-              <a:rPr lang="en-US" sz="1200" kern="0" dirty="0" err="1">
-                <a:solidFill>
-                  <a:schemeClr val="bg1"/>
-                </a:solidFill>
-                <a:latin typeface="Arial monospaced for SAP" panose="020B0609020202030204" pitchFamily="49" charset="0"/>
-                <a:ea typeface="Arial Unicode MS" pitchFamily="34" charset="-128"/>
-                <a:cs typeface="Courier New" panose="02070309020205020404" pitchFamily="49" charset="0"/>
-              </a:rPr>
-              <a:t>manic_wright</a:t>
-            </a:r>
-            <a:endParaRPr lang="en-US" sz="1200" kern="0" dirty="0">
-              <a:solidFill>
-                <a:schemeClr val="bg1"/>
-              </a:solidFill>
-              <a:latin typeface="Arial monospaced for SAP" panose="020B0609020202030204" pitchFamily="49" charset="0"/>
-              <a:ea typeface="Arial Unicode MS" pitchFamily="34" charset="-128"/>
-              <a:cs typeface="Courier New" panose="02070309020205020404" pitchFamily="49" charset="0"/>
-            </a:endParaRPr>
-          </a:p>
-          <a:p>
-            <a:pPr defTabSz="914400" fontAlgn="base">
-              <a:spcAft>
-                <a:spcPct val="0"/>
-              </a:spcAft>
-              <a:buClr>
-                <a:srgbClr val="F0AB00"/>
-              </a:buClr>
-              <a:buSzPct val="80000"/>
-            </a:pPr>
-            <a:endParaRPr lang="en-US" sz="1200" b="1" kern="0" dirty="0">
-              <a:solidFill>
-                <a:schemeClr val="bg1"/>
-              </a:solidFill>
-              <a:latin typeface="Courier New" panose="02070309020205020404" pitchFamily="49" charset="0"/>
-              <a:ea typeface="Arial Unicode MS" pitchFamily="34" charset="-128"/>
-              <a:cs typeface="Courier New" panose="02070309020205020404" pitchFamily="49" charset="0"/>
-            </a:endParaRPr>
-          </a:p>
-          <a:p>
-            <a:pPr defTabSz="914400" fontAlgn="base">
-              <a:spcAft>
-                <a:spcPct val="0"/>
-              </a:spcAft>
-              <a:buClr>
-                <a:srgbClr val="F0AB00"/>
-              </a:buClr>
-              <a:buSzPct val="80000"/>
-            </a:pPr>
-            <a:r>
-              <a:rPr lang="en-US" sz="1200" b="1" kern="0" dirty="0">
-                <a:solidFill>
-                  <a:schemeClr val="bg1"/>
-                </a:solidFill>
-                <a:latin typeface="Courier New" panose="02070309020205020404" pitchFamily="49" charset="0"/>
-                <a:ea typeface="Arial Unicode MS" pitchFamily="34" charset="-128"/>
-                <a:cs typeface="Courier New" panose="02070309020205020404" pitchFamily="49" charset="0"/>
-              </a:rPr>
-              <a:t>$ </a:t>
-            </a:r>
-            <a:r>
-              <a:rPr lang="en-US" sz="1200" b="1" kern="0" dirty="0" err="1">
-                <a:solidFill>
-                  <a:schemeClr val="bg1"/>
-                </a:solidFill>
-                <a:latin typeface="Courier New" panose="02070309020205020404" pitchFamily="49" charset="0"/>
-                <a:ea typeface="Arial Unicode MS" pitchFamily="34" charset="-128"/>
-                <a:cs typeface="Courier New" panose="02070309020205020404" pitchFamily="49" charset="0"/>
-              </a:rPr>
-              <a:t>docker</a:t>
-            </a:r>
-            <a:r>
-              <a:rPr lang="en-US" sz="1200" b="1" kern="0" dirty="0">
-                <a:solidFill>
-                  <a:schemeClr val="bg1"/>
-                </a:solidFill>
-                <a:latin typeface="Courier New" panose="02070309020205020404" pitchFamily="49" charset="0"/>
-                <a:ea typeface="Arial Unicode MS" pitchFamily="34" charset="-128"/>
-                <a:cs typeface="Courier New" panose="02070309020205020404" pitchFamily="49" charset="0"/>
-              </a:rPr>
-              <a:t> start -</a:t>
-            </a:r>
-            <a:r>
-              <a:rPr lang="en-US" sz="1200" b="1" kern="0" dirty="0" err="1">
-                <a:solidFill>
-                  <a:schemeClr val="bg1"/>
-                </a:solidFill>
-                <a:latin typeface="Courier New" panose="02070309020205020404" pitchFamily="49" charset="0"/>
-                <a:ea typeface="Arial Unicode MS" pitchFamily="34" charset="-128"/>
-                <a:cs typeface="Courier New" panose="02070309020205020404" pitchFamily="49" charset="0"/>
-              </a:rPr>
-              <a:t>i</a:t>
-            </a:r>
-            <a:r>
-              <a:rPr lang="en-US" sz="1200" b="1" kern="0" dirty="0">
-                <a:solidFill>
-                  <a:schemeClr val="bg1"/>
-                </a:solidFill>
-                <a:latin typeface="Courier New" panose="02070309020205020404" pitchFamily="49" charset="0"/>
-                <a:ea typeface="Arial Unicode MS" pitchFamily="34" charset="-128"/>
-                <a:cs typeface="Courier New" panose="02070309020205020404" pitchFamily="49" charset="0"/>
-              </a:rPr>
-              <a:t>  033d3a22e8c8</a:t>
-            </a:r>
-          </a:p>
-          <a:p>
-            <a:pPr defTabSz="914400" fontAlgn="base">
-              <a:spcAft>
-                <a:spcPct val="0"/>
-              </a:spcAft>
-              <a:buClr>
-                <a:srgbClr val="F0AB00"/>
-              </a:buClr>
-              <a:buSzPct val="80000"/>
-            </a:pPr>
-            <a:r>
-              <a:rPr lang="en-US" sz="1200" kern="0" dirty="0">
-                <a:solidFill>
-                  <a:schemeClr val="bg1"/>
-                </a:solidFill>
-                <a:latin typeface="Arial monospaced for SAP" panose="020B0609020202030204" pitchFamily="49" charset="0"/>
-                <a:ea typeface="Arial Unicode MS" pitchFamily="34" charset="-128"/>
-                <a:cs typeface="Courier New" panose="02070309020205020404" pitchFamily="49" charset="0"/>
-              </a:rPr>
-              <a:t>/ # ls</a:t>
-            </a:r>
-          </a:p>
-          <a:p>
-            <a:pPr defTabSz="914400" fontAlgn="base">
-              <a:spcAft>
-                <a:spcPct val="0"/>
-              </a:spcAft>
-              <a:buClr>
-                <a:srgbClr val="F0AB00"/>
-              </a:buClr>
-              <a:buSzPct val="80000"/>
-            </a:pPr>
-            <a:r>
-              <a:rPr lang="en-US" sz="1200" kern="0" dirty="0">
-                <a:solidFill>
-                  <a:schemeClr val="bg1"/>
-                </a:solidFill>
-                <a:latin typeface="Arial monospaced for SAP" panose="020B0609020202030204" pitchFamily="49" charset="0"/>
-                <a:ea typeface="Arial Unicode MS" pitchFamily="34" charset="-128"/>
-                <a:cs typeface="Courier New" panose="02070309020205020404" pitchFamily="49" charset="0"/>
-              </a:rPr>
-              <a:t>bin   dev   </a:t>
-            </a:r>
-            <a:r>
-              <a:rPr lang="en-US" sz="1200" kern="0" dirty="0" err="1">
-                <a:solidFill>
-                  <a:schemeClr val="bg1"/>
-                </a:solidFill>
-                <a:latin typeface="Arial monospaced for SAP" panose="020B0609020202030204" pitchFamily="49" charset="0"/>
-                <a:ea typeface="Arial Unicode MS" pitchFamily="34" charset="-128"/>
-                <a:cs typeface="Courier New" panose="02070309020205020404" pitchFamily="49" charset="0"/>
-              </a:rPr>
-              <a:t>etc</a:t>
-            </a:r>
-            <a:r>
-              <a:rPr lang="en-US" sz="1200" kern="0" dirty="0">
-                <a:solidFill>
-                  <a:schemeClr val="bg1"/>
-                </a:solidFill>
-                <a:latin typeface="Arial monospaced for SAP" panose="020B0609020202030204" pitchFamily="49" charset="0"/>
-                <a:ea typeface="Arial Unicode MS" pitchFamily="34" charset="-128"/>
-                <a:cs typeface="Courier New" panose="02070309020205020404" pitchFamily="49" charset="0"/>
-              </a:rPr>
-              <a:t>   home  proc  root  run   sys   </a:t>
-            </a:r>
-            <a:r>
-              <a:rPr lang="en-US" sz="1200" kern="0" dirty="0" err="1">
-                <a:solidFill>
-                  <a:schemeClr val="bg1"/>
-                </a:solidFill>
-                <a:latin typeface="Arial monospaced for SAP" panose="020B0609020202030204" pitchFamily="49" charset="0"/>
-                <a:ea typeface="Arial Unicode MS" pitchFamily="34" charset="-128"/>
-                <a:cs typeface="Courier New" panose="02070309020205020404" pitchFamily="49" charset="0"/>
-              </a:rPr>
-              <a:t>tmp</a:t>
-            </a:r>
-            <a:r>
-              <a:rPr lang="en-US" sz="1200" kern="0" dirty="0">
-                <a:solidFill>
-                  <a:schemeClr val="bg1"/>
-                </a:solidFill>
-                <a:latin typeface="Arial monospaced for SAP" panose="020B0609020202030204" pitchFamily="49" charset="0"/>
-                <a:ea typeface="Arial Unicode MS" pitchFamily="34" charset="-128"/>
-                <a:cs typeface="Courier New" panose="02070309020205020404" pitchFamily="49" charset="0"/>
-              </a:rPr>
-              <a:t>   </a:t>
-            </a:r>
-            <a:r>
-              <a:rPr lang="en-US" sz="1200" kern="0" dirty="0" err="1">
-                <a:solidFill>
-                  <a:schemeClr val="bg1"/>
-                </a:solidFill>
-                <a:latin typeface="Arial monospaced for SAP" panose="020B0609020202030204" pitchFamily="49" charset="0"/>
-                <a:ea typeface="Arial Unicode MS" pitchFamily="34" charset="-128"/>
-                <a:cs typeface="Courier New" panose="02070309020205020404" pitchFamily="49" charset="0"/>
-              </a:rPr>
-              <a:t>usr</a:t>
-            </a:r>
-            <a:r>
-              <a:rPr lang="en-US" sz="1200" kern="0" dirty="0">
-                <a:solidFill>
-                  <a:schemeClr val="bg1"/>
-                </a:solidFill>
-                <a:latin typeface="Arial monospaced for SAP" panose="020B0609020202030204" pitchFamily="49" charset="0"/>
-                <a:ea typeface="Arial Unicode MS" pitchFamily="34" charset="-128"/>
-                <a:cs typeface="Courier New" panose="02070309020205020404" pitchFamily="49" charset="0"/>
-              </a:rPr>
-              <a:t>   </a:t>
-            </a:r>
-            <a:r>
-              <a:rPr lang="en-US" sz="1200" kern="0" dirty="0" err="1">
-                <a:solidFill>
-                  <a:schemeClr val="bg1"/>
-                </a:solidFill>
-                <a:latin typeface="Arial monospaced for SAP" panose="020B0609020202030204" pitchFamily="49" charset="0"/>
-                <a:ea typeface="Arial Unicode MS" pitchFamily="34" charset="-128"/>
-                <a:cs typeface="Courier New" panose="02070309020205020404" pitchFamily="49" charset="0"/>
-              </a:rPr>
-              <a:t>var</a:t>
-            </a:r>
-            <a:endParaRPr lang="en-US" sz="1200" kern="0" dirty="0">
-              <a:solidFill>
-                <a:schemeClr val="bg1"/>
-              </a:solidFill>
-              <a:latin typeface="Arial monospaced for SAP" panose="020B0609020202030204" pitchFamily="49" charset="0"/>
-              <a:ea typeface="Arial Unicode MS" pitchFamily="34" charset="-128"/>
-              <a:cs typeface="Courier New" panose="02070309020205020404" pitchFamily="49" charset="0"/>
-            </a:endParaRPr>
-          </a:p>
-          <a:p>
-            <a:pPr defTabSz="914400" fontAlgn="base">
-              <a:spcAft>
-                <a:spcPct val="0"/>
-              </a:spcAft>
-              <a:buClr>
-                <a:srgbClr val="F0AB00"/>
-              </a:buClr>
-              <a:buSzPct val="80000"/>
-            </a:pPr>
-            <a:r>
-              <a:rPr lang="en-US" sz="1200" kern="0" dirty="0">
-                <a:solidFill>
-                  <a:schemeClr val="bg1"/>
-                </a:solidFill>
-                <a:latin typeface="Arial monospaced for SAP" panose="020B0609020202030204" pitchFamily="49" charset="0"/>
-                <a:ea typeface="Arial Unicode MS" pitchFamily="34" charset="-128"/>
-                <a:cs typeface="Courier New" panose="02070309020205020404" pitchFamily="49" charset="0"/>
-              </a:rPr>
-              <a:t>/ # exit</a:t>
-            </a:r>
-          </a:p>
-        </p:txBody>
-      </p:sp>
-    </p:spTree>
-    <p:extLst>
-      <p:ext uri="{BB962C8B-B14F-4D97-AF65-F5344CB8AC3E}">
-        <p14:creationId xmlns:p14="http://schemas.microsoft.com/office/powerpoint/2010/main" val="501251986"/>
       </p:ext>
     </p:extLst>
   </p:cSld>
@@ -17978,7 +21572,7 @@
           <a:p>
             <a:r>
               <a:rPr lang="en-US" dirty="0"/>
-              <a:t>Stopping a container</a:t>
+              <a:t>Starting a stopped container</a:t>
             </a:r>
           </a:p>
         </p:txBody>
@@ -18006,26 +21600,22 @@
             <a:pPr lvl="0"/>
             <a:r>
               <a:rPr lang="en-US" sz="1800" dirty="0"/>
-              <a:t>A container can be forcibly stopped</a:t>
+              <a:t>A container stops once the main process (PID 1) exits</a:t>
             </a:r>
           </a:p>
           <a:p>
             <a:pPr lvl="1"/>
             <a:r>
               <a:rPr lang="en-US" sz="1600" dirty="0"/>
-              <a:t>necessary for containers with daemon processes</a:t>
+              <a:t>container does not get removed but remains</a:t>
             </a:r>
           </a:p>
           <a:p>
             <a:pPr lvl="1"/>
             <a:r>
               <a:rPr lang="en-US" sz="1600" dirty="0"/>
-              <a:t>friendly termination with SIGTERM, after timeout (default 10 seconds) with SIGKILL</a:t>
-            </a:r>
-          </a:p>
-          <a:p>
-            <a:pPr lvl="1"/>
-            <a:endParaRPr lang="en-US" sz="1600" dirty="0"/>
+              <a:t>can be restarted as long as it exists</a:t>
+            </a:r>
           </a:p>
         </p:txBody>
       </p:sp>
@@ -18082,7 +21672,7 @@
                 <a:latin typeface="Courier New" panose="02070309020205020404" pitchFamily="49" charset="0"/>
                 <a:cs typeface="Courier New" panose="02070309020205020404" pitchFamily="49" charset="0"/>
               </a:rPr>
-              <a:t> stop </a:t>
+              <a:t> start </a:t>
             </a:r>
             <a:r>
               <a:rPr lang="en-US" sz="1400" i="1" dirty="0">
@@ -18102,7 +21692,7 @@
         </p:nvSpPr>
         <p:spPr bwMode="gray">
           <a:xfrm>
-            <a:off x="686701" y="3249224"/>
+            <a:off x="686701" y="3306374"/>
             <a:ext cx="10728147" cy="2322901"/>
           </a:xfrm>
           <a:prstGeom prst="roundRect">
@@ -18169,7 +21759,7 @@
                 <a:ea typeface="Arial Unicode MS" pitchFamily="34" charset="-128"/>
                 <a:cs typeface="Courier New" panose="02070309020205020404" pitchFamily="49" charset="0"/>
               </a:rPr>
-              <a:t> </a:t>
+              <a:t> run -</a:t>
             </a:r>
             <a:r>
               <a:rPr lang="en-US" sz="1200" b="1" kern="0" dirty="0" err="1">
@@ -18180,7 +21770,29 @@
                 <a:ea typeface="Arial Unicode MS" pitchFamily="34" charset="-128"/>
                 <a:cs typeface="Courier New" panose="02070309020205020404" pitchFamily="49" charset="0"/>
               </a:rPr>
-              <a:t>ps</a:t>
+              <a:t>i</a:t>
+            </a:r>
+            <a:r>
+              <a:rPr lang="en-US" sz="1200" b="1" kern="0" dirty="0">
+                <a:solidFill>
+                  <a:schemeClr val="bg1"/>
+                </a:solidFill>
+                <a:latin typeface="Courier New" panose="02070309020205020404" pitchFamily="49" charset="0"/>
+                <a:ea typeface="Arial Unicode MS" pitchFamily="34" charset="-128"/>
+                <a:cs typeface="Courier New" panose="02070309020205020404" pitchFamily="49" charset="0"/>
+              </a:rPr>
+              <a:t> -t </a:t>
+            </a:r>
+            <a:r>
+              <a:rPr lang="en-US" sz="1200" b="1" kern="0" dirty="0" err="1">
+                <a:solidFill>
+                  <a:schemeClr val="bg1"/>
+                </a:solidFill>
+                <a:latin typeface="Courier New" panose="02070309020205020404" pitchFamily="49" charset="0"/>
+                <a:ea typeface="Arial Unicode MS" pitchFamily="34" charset="-128"/>
+                <a:cs typeface="Courier New" panose="02070309020205020404" pitchFamily="49" charset="0"/>
+              </a:rPr>
+              <a:t>busybox</a:t>
             </a:r>
             <a:endParaRPr lang="en-US" sz="1200" b="1" kern="0" dirty="0">
               <a:solidFill>
@@ -18210,93 +21822,8 @@
                 <a:ea typeface="Arial Unicode MS" pitchFamily="34" charset="-128"/>
                 <a:cs typeface="Courier New" panose="02070309020205020404" pitchFamily="49" charset="0"/>
               </a:rPr>
-              <a:t>CONTAINER ID    IMAGE       COMMAND          CREATED      STATUS        PORTS                    NAMES</a:t>
-            </a:r>
-          </a:p>
-          <a:p>
-            <a:pPr defTabSz="914400" fontAlgn="base">
-              <a:spcAft>
-                <a:spcPct val="0"/>
-              </a:spcAft>
-              <a:buClr>
-                <a:srgbClr val="F0AB00"/>
-              </a:buClr>
-              <a:buSzPct val="80000"/>
-            </a:pPr>
-            <a:r>
-              <a:rPr lang="en-US" sz="1200" kern="0" dirty="0">
-                <a:solidFill>
-                  <a:schemeClr val="bg1"/>
-                </a:solidFill>
-                <a:latin typeface="Arial monospaced for SAP" panose="020B0609020202030204" pitchFamily="49" charset="0"/>
-                <a:ea typeface="Arial Unicode MS" pitchFamily="34" charset="-128"/>
-                <a:cs typeface="Courier New" panose="02070309020205020404" pitchFamily="49" charset="0"/>
-              </a:rPr>
-              <a:t>494b7b8c9f39    mynginx1    "</a:t>
-            </a:r>
-            <a:r>
-              <a:rPr lang="en-US" sz="1200" kern="0" dirty="0" err="1">
-                <a:solidFill>
-                  <a:schemeClr val="bg1"/>
-                </a:solidFill>
-                <a:latin typeface="Arial monospaced for SAP" panose="020B0609020202030204" pitchFamily="49" charset="0"/>
-                <a:ea typeface="Arial Unicode MS" pitchFamily="34" charset="-128"/>
-                <a:cs typeface="Courier New" panose="02070309020205020404" pitchFamily="49" charset="0"/>
-              </a:rPr>
-              <a:t>nginx</a:t>
-            </a:r>
-            <a:r>
-              <a:rPr lang="en-US" sz="1200" kern="0" dirty="0">
-                <a:solidFill>
-                  <a:schemeClr val="bg1"/>
-                </a:solidFill>
-                <a:latin typeface="Arial monospaced for SAP" panose="020B0609020202030204" pitchFamily="49" charset="0"/>
-                <a:ea typeface="Arial Unicode MS" pitchFamily="34" charset="-128"/>
-                <a:cs typeface="Courier New" panose="02070309020205020404" pitchFamily="49" charset="0"/>
-              </a:rPr>
-              <a:t> -g ..."   7 days ago   Up 24 hours   0.0.0.0:32768-&gt;812/</a:t>
-            </a:r>
-            <a:r>
-              <a:rPr lang="en-US" sz="1200" kern="0" dirty="0" err="1">
-                <a:solidFill>
-                  <a:schemeClr val="bg1"/>
-                </a:solidFill>
-                <a:latin typeface="Arial monospaced for SAP" panose="020B0609020202030204" pitchFamily="49" charset="0"/>
-                <a:ea typeface="Arial Unicode MS" pitchFamily="34" charset="-128"/>
-                <a:cs typeface="Courier New" panose="02070309020205020404" pitchFamily="49" charset="0"/>
-              </a:rPr>
-              <a:t>tcp</a:t>
-            </a:r>
-            <a:r>
-              <a:rPr lang="en-US" sz="1200" kern="0" dirty="0">
-                <a:solidFill>
-                  <a:schemeClr val="bg1"/>
-                </a:solidFill>
-                <a:latin typeface="Arial monospaced for SAP" panose="020B0609020202030204" pitchFamily="49" charset="0"/>
-                <a:ea typeface="Arial Unicode MS" pitchFamily="34" charset="-128"/>
-                <a:cs typeface="Courier New" panose="02070309020205020404" pitchFamily="49" charset="0"/>
-              </a:rPr>
-              <a:t>   </a:t>
-            </a:r>
-            <a:r>
-              <a:rPr lang="en-US" sz="1200" kern="0" dirty="0" err="1">
-                <a:solidFill>
-                  <a:schemeClr val="bg1"/>
-                </a:solidFill>
-                <a:latin typeface="Arial monospaced for SAP" panose="020B0609020202030204" pitchFamily="49" charset="0"/>
-                <a:ea typeface="Arial Unicode MS" pitchFamily="34" charset="-128"/>
-                <a:cs typeface="Courier New" panose="02070309020205020404" pitchFamily="49" charset="0"/>
-              </a:rPr>
-              <a:t>happy_ride</a:t>
-            </a:r>
-            <a:endParaRPr lang="en-US" sz="1200" kern="0" dirty="0">
-              <a:solidFill>
-                <a:schemeClr val="bg1"/>
-              </a:solidFill>
-              <a:latin typeface="Arial monospaced for SAP" panose="020B0609020202030204" pitchFamily="49" charset="0"/>
-              <a:ea typeface="Arial Unicode MS" pitchFamily="34" charset="-128"/>
-              <a:cs typeface="Courier New" panose="02070309020205020404" pitchFamily="49" charset="0"/>
-            </a:endParaRPr>
+              <a:t>/ # exit</a:t>
+            </a:r>
           </a:p>
           <a:p>
             <a:pPr defTabSz="914400" fontAlgn="base">
@@ -18358,7 +21885,7 @@
                 <a:ea typeface="Arial Unicode MS" pitchFamily="34" charset="-128"/>
                 <a:cs typeface="Courier New" panose="02070309020205020404" pitchFamily="49" charset="0"/>
               </a:rPr>
-              <a:t> stop -t 5 </a:t>
+              <a:t> </a:t>
             </a:r>
             <a:r>
               <a:rPr lang="en-US" sz="1200" b="1" kern="0" dirty="0" err="1">
@@ -18369,16 +21896,19 @@
                 <a:ea typeface="Arial Unicode MS" pitchFamily="34" charset="-128"/>
                 <a:cs typeface="Courier New" panose="02070309020205020404" pitchFamily="49" charset="0"/>
               </a:rPr>
-              <a:t>happy_ride</a:t>
-            </a:r>
-            <a:endParaRPr lang="en-US" sz="1200" b="1" kern="0" dirty="0">
-              <a:solidFill>
-                <a:schemeClr val="bg1"/>
-              </a:solidFill>
-              <a:latin typeface="Courier New" panose="02070309020205020404" pitchFamily="49" charset="0"/>
-              <a:ea typeface="Arial Unicode MS" pitchFamily="34" charset="-128"/>
-              <a:cs typeface="Courier New" panose="02070309020205020404" pitchFamily="49" charset="0"/>
-            </a:endParaRPr>
+              <a:t>ps</a:t>
+            </a:r>
+            <a:r>
+              <a:rPr lang="en-US" sz="1200" b="1" kern="0" dirty="0">
+                <a:solidFill>
+                  <a:schemeClr val="bg1"/>
+                </a:solidFill>
+                <a:latin typeface="Courier New" panose="02070309020205020404" pitchFamily="49" charset="0"/>
+                <a:ea typeface="Arial Unicode MS" pitchFamily="34" charset="-128"/>
+                <a:cs typeface="Courier New" panose="02070309020205020404" pitchFamily="49" charset="0"/>
+              </a:rPr>
+              <a:t> -a</a:t>
+            </a:r>
           </a:p>
           <a:p>
             <a:pPr defTabSz="914400" fontAlgn="base">
@@ -18399,8 +21929,93 @@
                 <a:ea typeface="Arial Unicode MS" pitchFamily="34" charset="-128"/>
                 <a:cs typeface="Courier New" panose="02070309020205020404" pitchFamily="49" charset="0"/>
               </a:rPr>
-              <a:t>494b7b8c9f39</a:t>
-            </a:r>
+              <a:t>CONTAINER ID     IMAGE      COMMAND    CREATED             STATUS                        PORTS     NAMES</a:t>
+            </a:r>
+          </a:p>
+          <a:p>
+            <a:pPr defTabSz="914400" fontAlgn="base">
+              <a:spcAft>
+                <a:spcPct val="0"/>
+              </a:spcAft>
+              <a:buClr>
+                <a:srgbClr val="F0AB00"/>
+              </a:buClr>
+              <a:buSzPct val="80000"/>
+            </a:pPr>
+            <a:r>
+              <a:rPr lang="en-US" sz="1200" kern="0" dirty="0">
+                <a:solidFill>
+                  <a:schemeClr val="bg1"/>
+                </a:solidFill>
+                <a:latin typeface="Arial monospaced for SAP" panose="020B0609020202030204" pitchFamily="49" charset="0"/>
+                <a:ea typeface="Arial Unicode MS" pitchFamily="34" charset="-128"/>
+                <a:cs typeface="Courier New" panose="02070309020205020404" pitchFamily="49" charset="0"/>
+              </a:rPr>
+              <a:t>033d3a22e8c8     </a:t>
+            </a:r>
+            <a:r>
+              <a:rPr lang="en-US" sz="1200" kern="0" dirty="0" err="1">
+                <a:solidFill>
+                  <a:schemeClr val="bg1"/>
+                </a:solidFill>
+                <a:latin typeface="Arial monospaced for SAP" panose="020B0609020202030204" pitchFamily="49" charset="0"/>
+                <a:ea typeface="Arial Unicode MS" pitchFamily="34" charset="-128"/>
+                <a:cs typeface="Courier New" panose="02070309020205020404" pitchFamily="49" charset="0"/>
+              </a:rPr>
+              <a:t>busybox</a:t>
+            </a:r>
+            <a:r>
+              <a:rPr lang="en-US" sz="1200" kern="0" dirty="0">
+                <a:solidFill>
+                  <a:schemeClr val="bg1"/>
+                </a:solidFill>
+                <a:latin typeface="Arial monospaced for SAP" panose="020B0609020202030204" pitchFamily="49" charset="0"/>
+                <a:ea typeface="Arial Unicode MS" pitchFamily="34" charset="-128"/>
+                <a:cs typeface="Courier New" panose="02070309020205020404" pitchFamily="49" charset="0"/>
+              </a:rPr>
+              <a:t>    "</a:t>
+            </a:r>
+            <a:r>
+              <a:rPr lang="en-US" sz="1200" kern="0" dirty="0" err="1">
+                <a:solidFill>
+                  <a:schemeClr val="bg1"/>
+                </a:solidFill>
+                <a:latin typeface="Arial monospaced for SAP" panose="020B0609020202030204" pitchFamily="49" charset="0"/>
+                <a:ea typeface="Arial Unicode MS" pitchFamily="34" charset="-128"/>
+                <a:cs typeface="Courier New" panose="02070309020205020404" pitchFamily="49" charset="0"/>
+              </a:rPr>
+              <a:t>sh</a:t>
+            </a:r>
+            <a:r>
+              <a:rPr lang="en-US" sz="1200" kern="0" dirty="0">
+                <a:solidFill>
+                  <a:schemeClr val="bg1"/>
+                </a:solidFill>
+                <a:latin typeface="Arial monospaced for SAP" panose="020B0609020202030204" pitchFamily="49" charset="0"/>
+                <a:ea typeface="Arial Unicode MS" pitchFamily="34" charset="-128"/>
+                <a:cs typeface="Courier New" panose="02070309020205020404" pitchFamily="49" charset="0"/>
+              </a:rPr>
+              <a:t>"       15 seconds ago      Exited (0) 13 seconds ago               </a:t>
+            </a:r>
+            <a:r>
+              <a:rPr lang="en-US" sz="1200" kern="0" dirty="0" err="1">
+                <a:solidFill>
+                  <a:schemeClr val="bg1"/>
+                </a:solidFill>
+                <a:latin typeface="Arial monospaced for SAP" panose="020B0609020202030204" pitchFamily="49" charset="0"/>
+                <a:ea typeface="Arial Unicode MS" pitchFamily="34" charset="-128"/>
+                <a:cs typeface="Courier New" panose="02070309020205020404" pitchFamily="49" charset="0"/>
+              </a:rPr>
+              <a:t>manic_wright</a:t>
+            </a:r>
+            <a:endParaRPr lang="en-US" sz="1200" kern="0" dirty="0">
+              <a:solidFill>
+                <a:schemeClr val="bg1"/>
+              </a:solidFill>
+              <a:latin typeface="Arial monospaced for SAP" panose="020B0609020202030204" pitchFamily="49" charset="0"/>
+              <a:ea typeface="Arial Unicode MS" pitchFamily="34" charset="-128"/>
+              <a:cs typeface="Courier New" panose="02070309020205020404" pitchFamily="49" charset="0"/>
+            </a:endParaRPr>
           </a:p>
           <a:p>
             <a:pPr defTabSz="914400" fontAlgn="base">
@@ -18462,7 +22077,7 @@
                 <a:ea typeface="Arial Unicode MS" pitchFamily="34" charset="-128"/>
                 <a:cs typeface="Courier New" panose="02070309020205020404" pitchFamily="49" charset="0"/>
               </a:rPr>
-              <a:t> </a:t>
+              <a:t> start -</a:t>
             </a:r>
             <a:r>
               <a:rPr lang="en-US" sz="1200" b="1" kern="0" dirty="0" err="1">
@@ -18473,16 +22088,19 @@
                 <a:ea typeface="Arial Unicode MS" pitchFamily="34" charset="-128"/>
                 <a:cs typeface="Courier New" panose="02070309020205020404" pitchFamily="49" charset="0"/>
               </a:rPr>
-              <a:t>ps</a:t>
-            </a:r>
-            <a:endParaRPr lang="en-US" sz="1200" b="1" kern="0" dirty="0">
-              <a:solidFill>
-                <a:schemeClr val="bg1"/>
-              </a:solidFill>
-              <a:latin typeface="Courier New" panose="02070309020205020404" pitchFamily="49" charset="0"/>
-              <a:ea typeface="Arial Unicode MS" pitchFamily="34" charset="-128"/>
-              <a:cs typeface="Courier New" panose="02070309020205020404" pitchFamily="49" charset="0"/>
-            </a:endParaRPr>
+              <a:t>i</a:t>
+            </a:r>
+            <a:r>
+              <a:rPr lang="en-US" sz="1200" b="1" kern="0" dirty="0">
+                <a:solidFill>
+                  <a:schemeClr val="bg1"/>
+                </a:solidFill>
+                <a:latin typeface="Courier New" panose="02070309020205020404" pitchFamily="49" charset="0"/>
+                <a:ea typeface="Arial Unicode MS" pitchFamily="34" charset="-128"/>
+                <a:cs typeface="Courier New" panose="02070309020205020404" pitchFamily="49" charset="0"/>
+              </a:rPr>
+              <a:t>  033d3a22e8c8</a:t>
+            </a:r>
           </a:p>
           <a:p>
             <a:pPr defTabSz="914400" fontAlgn="base">
@@ -18503,7 +22121,7 @@
                 <a:ea typeface="Arial Unicode MS" pitchFamily="34" charset="-128"/>
                 <a:cs typeface="Courier New" panose="02070309020205020404" pitchFamily="49" charset="0"/>
               </a:rPr>
-              <a:t>CONTAINER ID    IMAGE       COMMAND          CREATED      STATUS        PORTS                    NAMES</a:t>
+              <a:t>/ # ls</a:t>
             </a:r>
           </a:p>
           <a:p>
@@ -18516,6 +22134,94 @@
               </a:buClr>
               <a:buSzPct val="80000"/>
             </a:pPr>
+            <a:r>
+              <a:rPr lang="en-US" sz="1200" kern="0" dirty="0">
+                <a:solidFill>
+                  <a:schemeClr val="bg1"/>
+                </a:solidFill>
+                <a:latin typeface="Arial monospaced for SAP" panose="020B0609020202030204" pitchFamily="49" charset="0"/>
+                <a:ea typeface="Arial Unicode MS" pitchFamily="34" charset="-128"/>
+                <a:cs typeface="Courier New" panose="02070309020205020404" pitchFamily="49" charset="0"/>
+              </a:rPr>
+              <a:t>bin   dev   </a:t>
+            </a:r>
+            <a:r>
+              <a:rPr lang="en-US" sz="1200" kern="0" dirty="0" err="1">
+                <a:solidFill>
+                  <a:schemeClr val="bg1"/>
+                </a:solidFill>
+                <a:latin typeface="Arial monospaced for SAP" panose="020B0609020202030204" pitchFamily="49" charset="0"/>
+                <a:ea typeface="Arial Unicode MS" pitchFamily="34" charset="-128"/>
+                <a:cs typeface="Courier New" panose="02070309020205020404" pitchFamily="49" charset="0"/>
+              </a:rPr>
+              <a:t>etc</a:t>
+            </a:r>
+            <a:r>
+              <a:rPr lang="en-US" sz="1200" kern="0" dirty="0">
+                <a:solidFill>
+                  <a:schemeClr val="bg1"/>
+                </a:solidFill>
+                <a:latin typeface="Arial monospaced for SAP" panose="020B0609020202030204" pitchFamily="49" charset="0"/>
+                <a:ea typeface="Arial Unicode MS" pitchFamily="34" charset="-128"/>
+                <a:cs typeface="Courier New" panose="02070309020205020404" pitchFamily="49" charset="0"/>
+              </a:rPr>
+              <a:t>   home  proc  root  run   sys   </a:t>
+            </a:r>
+            <a:r>
+              <a:rPr lang="en-US" sz="1200" kern="0" dirty="0" err="1">
+                <a:solidFill>
+                  <a:schemeClr val="bg1"/>
+                </a:solidFill>
+                <a:latin typeface="Arial monospaced for SAP" panose="020B0609020202030204" pitchFamily="49" charset="0"/>
+                <a:ea typeface="Arial Unicode MS" pitchFamily="34" charset="-128"/>
+                <a:cs typeface="Courier New" panose="02070309020205020404" pitchFamily="49" charset="0"/>
+              </a:rPr>
+              <a:t>tmp</a:t>
+            </a:r>
+            <a:r>
+              <a:rPr lang="en-US" sz="1200" kern="0" dirty="0">
+                <a:solidFill>
+                  <a:schemeClr val="bg1"/>
+                </a:solidFill>
+                <a:latin typeface="Arial monospaced for SAP" panose="020B0609020202030204" pitchFamily="49" charset="0"/>
+                <a:ea typeface="Arial Unicode MS" pitchFamily="34" charset="-128"/>
+                <a:cs typeface="Courier New" panose="02070309020205020404" pitchFamily="49" charset="0"/>
+              </a:rPr>
+              <a:t>   </a:t>
+            </a:r>
+            <a:r>
+              <a:rPr lang="en-US" sz="1200" kern="0" dirty="0" err="1">
+                <a:solidFill>
+                  <a:schemeClr val="bg1"/>
+                </a:solidFill>
+                <a:latin typeface="Arial monospaced for SAP" panose="020B0609020202030204" pitchFamily="49" charset="0"/>
+                <a:ea typeface="Arial Unicode MS" pitchFamily="34" charset="-128"/>
+                <a:cs typeface="Courier New" panose="02070309020205020404" pitchFamily="49" charset="0"/>
+              </a:rPr>
+              <a:t>usr</a:t>
+            </a:r>
+            <a:r>
+              <a:rPr lang="en-US" sz="1200" kern="0" dirty="0">
+                <a:solidFill>
+                  <a:schemeClr val="bg1"/>
+                </a:solidFill>
+                <a:latin typeface="Arial monospaced for SAP" panose="020B0609020202030204" pitchFamily="49" charset="0"/>
+                <a:ea typeface="Arial Unicode MS" pitchFamily="34" charset="-128"/>
+                <a:cs typeface="Courier New" panose="02070309020205020404" pitchFamily="49" charset="0"/>
+              </a:rPr>
+              <a:t>   </a:t>
+            </a:r>
+            <a:r>
+              <a:rPr lang="en-US" sz="1200" kern="0" dirty="0" err="1">
+                <a:solidFill>
+                  <a:schemeClr val="bg1"/>
+                </a:solidFill>
+                <a:latin typeface="Arial monospaced for SAP" panose="020B0609020202030204" pitchFamily="49" charset="0"/>
+                <a:ea typeface="Arial Unicode MS" pitchFamily="34" charset="-128"/>
+                <a:cs typeface="Courier New" panose="02070309020205020404" pitchFamily="49" charset="0"/>
+              </a:rPr>
+              <a:t>var</a:t>
+            </a:r>
             <a:endParaRPr lang="en-US" sz="1200" kern="0" dirty="0">
               <a:solidFill>
                 <a:schemeClr val="bg1"/>
@@ -18536,15 +22242,15 @@
               <a:buSzPct val="80000"/>
             </a:pPr>
             <a:r>
-              <a:rPr lang="en-US" sz="1200" b="1" kern="0" dirty="0">
+              <a:rPr lang="en-US" sz="1200" kern="0" dirty="0">
                 <a:solidFill>
                   <a:schemeClr val="bg1"/>
                 </a:solidFill>
-                <a:latin typeface="Courier New" panose="02070309020205020404" pitchFamily="49" charset="0"/>
-                <a:ea typeface="Arial Unicode MS" pitchFamily="34" charset="-128"/>
-                <a:cs typeface="Courier New" panose="02070309020205020404" pitchFamily="49" charset="0"/>
-              </a:rPr>
-              <a:t>$</a:t>
+                <a:latin typeface="Arial monospaced for SAP" panose="020B0609020202030204" pitchFamily="49" charset="0"/>
+                <a:ea typeface="Arial Unicode MS" pitchFamily="34" charset="-128"/>
+                <a:cs typeface="Courier New" panose="02070309020205020404" pitchFamily="49" charset="0"/>
+              </a:rPr>
+              <a:t>/ # exit</a:t>
             </a:r>
           </a:p>
         </p:txBody>
@@ -18552,7 +22258,7 @@
     </p:spTree>
     <p:extLst>
       <p:ext uri="{BB962C8B-B14F-4D97-AF65-F5344CB8AC3E}">
-        <p14:creationId xmlns:p14="http://schemas.microsoft.com/office/powerpoint/2010/main" val="3959768445"/>
+        <p14:creationId xmlns:p14="http://schemas.microsoft.com/office/powerpoint/2010/main" val="501251986"/>
       </p:ext>
     </p:extLst>
   </p:cSld>

--- a/docker/03_Working_with_containers.pptx
+++ b/docker/03_Working_with_containers.pptx
@@ -582,8 +582,11 @@
           <a:p>
             <a:r>
               <a:rPr lang="en-US" dirty="0"/>
-              <a:t>When talking about a “container”, we are referring to the combination of read-only layers from the image and a read-write layer on top of it. You can derive an indefinitely number of containers from the same image. They only vary by the read-write layer on top.</a:t>
-            </a:r>
+              <a:t>When talking about a “container”, we are referring to the combination of read-only layers from the image and one read-write layer on top of it. You can derive / instantiate an indefinite number of containers from the same image. They only vary by the read-write layer on top. Or stated another way: A container consists of just the read-write layer, some meta data (settings, flags pass on start) and a reference to the image. All containers share only one common image.</a:t>
+            </a:r>
+          </a:p>
+          <a:p>
+            <a:endParaRPr lang="en-US" dirty="0"/>
           </a:p>
           <a:p>
             <a:r>
@@ -608,7 +611,7 @@
             </a:r>
             <a:r>
               <a:rPr lang="en-US" dirty="0"/>
-              <a:t>” the read-write layer everything is gone irretrievable. </a:t>
+              <a:t>” the read-write layer everything is irretrievably gone. </a:t>
             </a:r>
           </a:p>
         </p:txBody>
@@ -641,6 +644,98 @@
     <p:extLst>
       <p:ext uri="{BB962C8B-B14F-4D97-AF65-F5344CB8AC3E}">
         <p14:creationId xmlns:p14="http://schemas.microsoft.com/office/powerpoint/2010/main" val="1174518122"/>
+      </p:ext>
+    </p:extLst>
+  </p:cSld>
+  <p:clrMapOvr>
+    <a:masterClrMapping/>
+  </p:clrMapOvr>
+</p:notes>
+</file>
+
+<file path=ppt/notesSlides/notesSlide10.xml><?xml version="1.0" encoding="utf-8"?>
+<p:notes xmlns:a="http://schemas.openxmlformats.org/drawingml/2006/main" xmlns:r="http://schemas.openxmlformats.org/officeDocument/2006/relationships" xmlns:p="http://schemas.openxmlformats.org/presentationml/2006/main">
+  <p:cSld>
+    <p:spTree>
+      <p:nvGrpSpPr>
+        <p:cNvPr id="1" name=""/>
+        <p:cNvGrpSpPr/>
+        <p:nvPr/>
+      </p:nvGrpSpPr>
+      <p:grpSpPr>
+        <a:xfrm>
+          <a:off x="0" y="0"/>
+          <a:ext cx="0" cy="0"/>
+          <a:chOff x="0" y="0"/>
+          <a:chExt cx="0" cy="0"/>
+        </a:xfrm>
+      </p:grpSpPr>
+      <p:sp>
+        <p:nvSpPr>
+          <p:cNvPr id="4" name="Slide Number Placeholder 3"/>
+          <p:cNvSpPr>
+            <a:spLocks noGrp="1"/>
+          </p:cNvSpPr>
+          <p:nvPr>
+            <p:ph type="sldNum" sz="quarter" idx="10"/>
+          </p:nvPr>
+        </p:nvSpPr>
+        <p:spPr/>
+        <p:txBody>
+          <a:bodyPr/>
+          <a:lstStyle/>
+          <a:p>
+            <a:fld id="{7D8C2C35-2B8A-446E-BEC0-FD36716C29AC}" type="slidenum">
+              <a:rPr lang="de-DE" smtClean="0"/>
+              <a:pPr/>
+              <a:t>18</a:t>
+            </a:fld>
+            <a:endParaRPr lang="de-DE" dirty="0"/>
+          </a:p>
+        </p:txBody>
+      </p:sp>
+      <p:sp>
+        <p:nvSpPr>
+          <p:cNvPr id="6" name="Slide Image Placeholder 5"/>
+          <p:cNvSpPr>
+            <a:spLocks noGrp="1" noRot="1" noChangeAspect="1"/>
+          </p:cNvSpPr>
+          <p:nvPr>
+            <p:ph type="sldImg"/>
+          </p:nvPr>
+        </p:nvSpPr>
+        <p:spPr>
+          <a:xfrm>
+            <a:off x="547688" y="612775"/>
+            <a:ext cx="5762625" cy="3241675"/>
+          </a:xfrm>
+        </p:spPr>
+      </p:sp>
+      <p:sp>
+        <p:nvSpPr>
+          <p:cNvPr id="7" name="Notes Placeholder 6"/>
+          <p:cNvSpPr>
+            <a:spLocks noGrp="1"/>
+          </p:cNvSpPr>
+          <p:nvPr>
+            <p:ph type="body" idx="1"/>
+          </p:nvPr>
+        </p:nvSpPr>
+        <p:spPr/>
+        <p:txBody>
+          <a:bodyPr>
+            <a:normAutofit/>
+          </a:bodyPr>
+          <a:lstStyle/>
+          <a:p>
+            <a:endParaRPr lang="en-US"/>
+          </a:p>
+        </p:txBody>
+      </p:sp>
+    </p:spTree>
+    <p:extLst>
+      <p:ext uri="{BB962C8B-B14F-4D97-AF65-F5344CB8AC3E}">
+        <p14:creationId xmlns:p14="http://schemas.microsoft.com/office/powerpoint/2010/main" val="2544264309"/>
       </p:ext>
     </p:extLst>
   </p:cSld>
@@ -696,7 +791,7 @@
           <a:p>
             <a:r>
               <a:rPr lang="en-US" dirty="0"/>
-              <a:t>Firstly, lets take a look at how terminals used to work. The standard input stream (stdin) is used to send input to the process. The standard output and error streams send the output to a terminal to display (as text). </a:t>
+              <a:t>First, lets take a look at how terminals used to work. The standard input stream (stdin) is used to send input to the process. The standard output and error streams send the output to a terminal to display (as text). </a:t>
             </a:r>
           </a:p>
           <a:p>
@@ -737,7 +832,7 @@
             </a:r>
             <a:r>
               <a:rPr lang="en-US" dirty="0"/>
-              <a:t> ubuntu:18.04” – you will be able to type (something like “exit”) but you don’t see the output. Try the same again, but add a “-t”. You will be able to type &amp; see what happens.</a:t>
+              <a:t> ubuntu:18.04” – you will be able to type (something like “exit”) but you don’t see the output. Try the same again, but adding a “-t”. You will be able to type &amp; see what happens.</a:t>
             </a:r>
           </a:p>
           <a:p>
@@ -760,7 +855,7 @@
           <a:p>
             <a:r>
               <a:rPr lang="en-US" dirty="0"/>
-              <a:t>Docker also allows to start containers in background (similar to a </a:t>
+              <a:t>Docker also allows to start containers in the background (similar to a </a:t>
             </a:r>
             <a:r>
               <a:rPr lang="en-US" dirty="0" err="1"/>
@@ -768,7 +863,7 @@
             </a:r>
             <a:r>
               <a:rPr lang="en-US" dirty="0"/>
-              <a:t> process started in background). No output will be sent to the user but captured for logging (check the container logs, if there are any). Use the –d switch to run the process in background and check with “docker </a:t>
+              <a:t> processes started in background). No output will be sent to the user but captured for logging (check the container logs, if there are any). Use the –d switch ('daemon') to run the process in background and check with “docker </a:t>
             </a:r>
             <a:r>
               <a:rPr lang="en-US" dirty="0" err="1"/>
@@ -1096,6 +1191,167 @@
               <a:t>.</a:t>
             </a:r>
           </a:p>
+          <a:p>
+            <a:endParaRPr lang="de-DE" baseline="0" dirty="0"/>
+          </a:p>
+          <a:p>
+            <a:r>
+              <a:rPr lang="de-DE" baseline="0" dirty="0"/>
+              <a:t>A </a:t>
+            </a:r>
+            <a:r>
+              <a:rPr lang="de-DE" baseline="0" dirty="0" err="1"/>
+              <a:t>stopped</a:t>
+            </a:r>
+            <a:r>
+              <a:rPr lang="de-DE" baseline="0" dirty="0"/>
+              <a:t> </a:t>
+            </a:r>
+            <a:r>
+              <a:rPr lang="de-DE" baseline="0" dirty="0" err="1"/>
+              <a:t>container</a:t>
+            </a:r>
+            <a:r>
+              <a:rPr lang="de-DE" baseline="0" dirty="0"/>
+              <a:t> </a:t>
+            </a:r>
+            <a:r>
+              <a:rPr lang="de-DE" baseline="0" dirty="0" err="1"/>
+              <a:t>retains</a:t>
+            </a:r>
+            <a:r>
+              <a:rPr lang="de-DE" baseline="0" dirty="0"/>
+              <a:t> </a:t>
+            </a:r>
+            <a:r>
+              <a:rPr lang="de-DE" baseline="0" dirty="0" err="1"/>
+              <a:t>the</a:t>
+            </a:r>
+            <a:r>
+              <a:rPr lang="de-DE" baseline="0" dirty="0"/>
+              <a:t> </a:t>
+            </a:r>
+            <a:r>
+              <a:rPr lang="de-DE" baseline="0" dirty="0" err="1"/>
+              <a:t>state</a:t>
+            </a:r>
+            <a:r>
+              <a:rPr lang="de-DE" baseline="0" dirty="0"/>
+              <a:t> </a:t>
+            </a:r>
+            <a:r>
+              <a:rPr lang="de-DE" baseline="0" dirty="0" err="1"/>
+              <a:t>of</a:t>
+            </a:r>
+            <a:r>
+              <a:rPr lang="de-DE" baseline="0" dirty="0"/>
+              <a:t> </a:t>
+            </a:r>
+            <a:r>
+              <a:rPr lang="de-DE" baseline="0" dirty="0" err="1"/>
+              <a:t>its</a:t>
+            </a:r>
+            <a:r>
+              <a:rPr lang="de-DE" baseline="0" dirty="0"/>
+              <a:t> r/w </a:t>
+            </a:r>
+            <a:r>
+              <a:rPr lang="de-DE" baseline="0" dirty="0" err="1"/>
+              <a:t>file</a:t>
+            </a:r>
+            <a:r>
+              <a:rPr lang="de-DE" baseline="0" dirty="0"/>
+              <a:t> </a:t>
+            </a:r>
+            <a:r>
+              <a:rPr lang="de-DE" baseline="0" dirty="0" err="1"/>
+              <a:t>system</a:t>
+            </a:r>
+            <a:r>
+              <a:rPr lang="de-DE" baseline="0" dirty="0"/>
+              <a:t> </a:t>
+            </a:r>
+            <a:r>
+              <a:rPr lang="de-DE" baseline="0" dirty="0" err="1"/>
+              <a:t>layer</a:t>
+            </a:r>
+            <a:r>
+              <a:rPr lang="de-DE" baseline="0" dirty="0"/>
+              <a:t> (</a:t>
+            </a:r>
+            <a:r>
+              <a:rPr lang="de-DE" baseline="0" dirty="0" err="1"/>
+              <a:t>you</a:t>
+            </a:r>
+            <a:r>
+              <a:rPr lang="de-DE" baseline="0" dirty="0"/>
+              <a:t> </a:t>
+            </a:r>
+            <a:r>
+              <a:rPr lang="de-DE" baseline="0" dirty="0" err="1"/>
+              <a:t>see</a:t>
+            </a:r>
+            <a:r>
+              <a:rPr lang="de-DE" baseline="0" dirty="0"/>
+              <a:t> </a:t>
+            </a:r>
+            <a:r>
+              <a:rPr lang="de-DE" baseline="0" dirty="0" err="1"/>
+              <a:t>them</a:t>
+            </a:r>
+            <a:r>
+              <a:rPr lang="de-DE" baseline="0" dirty="0"/>
+              <a:t> </a:t>
+            </a:r>
+            <a:r>
+              <a:rPr lang="de-DE" baseline="0" dirty="0" err="1"/>
+              <a:t>when</a:t>
+            </a:r>
+            <a:r>
+              <a:rPr lang="de-DE" baseline="0" dirty="0"/>
+              <a:t> </a:t>
+            </a:r>
+            <a:r>
+              <a:rPr lang="de-DE" baseline="0" dirty="0" err="1"/>
+              <a:t>you</a:t>
+            </a:r>
+            <a:r>
+              <a:rPr lang="de-DE" baseline="0" dirty="0"/>
+              <a:t> </a:t>
+            </a:r>
+            <a:r>
+              <a:rPr lang="de-DE" baseline="0" dirty="0" err="1"/>
+              <a:t>start</a:t>
+            </a:r>
+            <a:r>
+              <a:rPr lang="de-DE" baseline="0" dirty="0"/>
+              <a:t> </a:t>
+            </a:r>
+            <a:r>
+              <a:rPr lang="de-DE" baseline="0" dirty="0" err="1"/>
+              <a:t>the</a:t>
+            </a:r>
+            <a:r>
+              <a:rPr lang="de-DE" baseline="0" dirty="0"/>
+              <a:t> </a:t>
+            </a:r>
+            <a:r>
+              <a:rPr lang="de-DE" baseline="0" dirty="0" err="1"/>
+              <a:t>container</a:t>
+            </a:r>
+            <a:r>
+              <a:rPr lang="de-DE" baseline="0" dirty="0"/>
+              <a:t> </a:t>
+            </a:r>
+            <a:r>
+              <a:rPr lang="de-DE" baseline="0" dirty="0" err="1"/>
+              <a:t>again</a:t>
+            </a:r>
+            <a:r>
+              <a:rPr lang="de-DE" baseline="0" dirty="0"/>
+              <a:t>)</a:t>
+            </a:r>
+          </a:p>
         </p:txBody>
       </p:sp>
       <p:sp>
@@ -1275,7 +1531,7 @@
           <a:bodyPr/>
           <a:lstStyle/>
           <a:p>
-            <a:endParaRPr lang="de-DE" dirty="0"/>
+            <a:endParaRPr lang="en-US" dirty="0"/>
           </a:p>
         </p:txBody>
       </p:sp>
@@ -1297,7 +1553,7 @@
             <a:fld id="{7D8C2C35-2B8A-446E-BEC0-FD36716C29AC}" type="slidenum">
               <a:rPr lang="de-DE" smtClean="0"/>
               <a:pPr/>
-              <a:t>13</a:t>
+              <a:t>10</a:t>
             </a:fld>
             <a:endParaRPr lang="de-DE" dirty="0"/>
           </a:p>
@@ -1306,7 +1562,7 @@
     </p:spTree>
     <p:extLst>
       <p:ext uri="{BB962C8B-B14F-4D97-AF65-F5344CB8AC3E}">
-        <p14:creationId xmlns:p14="http://schemas.microsoft.com/office/powerpoint/2010/main" val="2439948182"/>
+        <p14:creationId xmlns:p14="http://schemas.microsoft.com/office/powerpoint/2010/main" val="1911736133"/>
       </p:ext>
     </p:extLst>
   </p:cSld>
@@ -1382,7 +1638,7 @@
             <a:fld id="{7D8C2C35-2B8A-446E-BEC0-FD36716C29AC}" type="slidenum">
               <a:rPr lang="de-DE" smtClean="0"/>
               <a:pPr/>
-              <a:t>14</a:t>
+              <a:t>13</a:t>
             </a:fld>
             <a:endParaRPr lang="de-DE" dirty="0"/>
           </a:p>
@@ -1391,7 +1647,7 @@
     </p:spTree>
     <p:extLst>
       <p:ext uri="{BB962C8B-B14F-4D97-AF65-F5344CB8AC3E}">
-        <p14:creationId xmlns:p14="http://schemas.microsoft.com/office/powerpoint/2010/main" val="987598064"/>
+        <p14:creationId xmlns:p14="http://schemas.microsoft.com/office/powerpoint/2010/main" val="2439948182"/>
       </p:ext>
     </p:extLst>
   </p:cSld>
@@ -1445,79 +1701,7 @@
           <a:bodyPr/>
           <a:lstStyle/>
           <a:p>
-            <a:r>
-              <a:rPr lang="en-US" noProof="0" dirty="0"/>
-              <a:t>Every docker host spins up a local private network. A container will get an IP address form this network to be reachable locally. So as long as all container are on the same host, they can communicate via this network. </a:t>
-            </a:r>
-          </a:p>
-          <a:p>
-            <a:endParaRPr lang="en-US" noProof="0" dirty="0"/>
-          </a:p>
-          <a:p>
-            <a:r>
-              <a:rPr lang="en-US" noProof="0" dirty="0"/>
-              <a:t>However, this is a very unlikely scenario. Probably there are more hosts involved or you want to expose your application to the outside. Docker supports network address translation to map a &lt;container </a:t>
-            </a:r>
-            <a:r>
-              <a:rPr lang="en-US" noProof="0" dirty="0" err="1"/>
-              <a:t>ip</a:t>
-            </a:r>
-            <a:r>
-              <a:rPr lang="en-US" noProof="0" dirty="0"/>
-              <a:t>&gt;: &lt;port&gt; to a port on the external network interface of the docker host. If you have a container with 172.16.0.2:80 locally it could be exposed to the outside on 192.168.52.1:32710 (</a:t>
-            </a:r>
-            <a:r>
-              <a:rPr lang="en-US" noProof="0" dirty="0" err="1"/>
-              <a:t>ip</a:t>
-            </a:r>
-            <a:r>
-              <a:rPr lang="en-US" noProof="0" dirty="0"/>
-              <a:t> address of the docker host + unused port).</a:t>
-            </a:r>
-          </a:p>
-          <a:p>
-            <a:endParaRPr lang="en-US" noProof="0" dirty="0"/>
-          </a:p>
-          <a:p>
-            <a:r>
-              <a:rPr lang="en-US" noProof="0" dirty="0"/>
-              <a:t>This feature is called port forwarding and docker knows two flavors of it.</a:t>
-            </a:r>
-          </a:p>
-          <a:p>
-            <a:pPr marL="342900" indent="-342900">
-              <a:buAutoNum type="arabicParenR"/>
-            </a:pPr>
-            <a:r>
-              <a:rPr lang="en-US" noProof="0" dirty="0"/>
-              <a:t>Map a dedicated host port to a container port – this has to be specified manually. So you have to keep track of all your used ports in order to avoid conflicts. Use the “-p” (lower case) switch and specify host port &amp; container port.</a:t>
-            </a:r>
-          </a:p>
-          <a:p>
-            <a:pPr marL="342900" indent="-342900">
-              <a:buAutoNum type="arabicParenR"/>
-            </a:pPr>
-            <a:r>
-              <a:rPr lang="en-US" noProof="0" dirty="0"/>
-              <a:t>Map a random port to a container port. Use the “-P” (upper case) switch. Docker detects the ports a container exposes and automatically assigns an unused port. Check with “docker </a:t>
-            </a:r>
-            <a:r>
-              <a:rPr lang="en-US" noProof="0" dirty="0" err="1"/>
-              <a:t>ps</a:t>
-            </a:r>
-            <a:r>
-              <a:rPr lang="en-US" noProof="0" dirty="0"/>
-              <a:t>” or “docker container list”, which port was assigned.</a:t>
-            </a:r>
-          </a:p>
-          <a:p>
-            <a:pPr marL="342900" indent="-342900">
-              <a:buAutoNum type="arabicParenR"/>
-            </a:pPr>
-            <a:endParaRPr lang="en-US" noProof="0" dirty="0"/>
-          </a:p>
-          <a:p>
-            <a:endParaRPr lang="en-US" noProof="0" dirty="0"/>
+            <a:endParaRPr lang="de-DE" dirty="0"/>
           </a:p>
         </p:txBody>
       </p:sp>
@@ -1539,7 +1723,7 @@
             <a:fld id="{7D8C2C35-2B8A-446E-BEC0-FD36716C29AC}" type="slidenum">
               <a:rPr lang="de-DE" smtClean="0"/>
               <a:pPr/>
-              <a:t>16</a:t>
+              <a:t>14</a:t>
             </a:fld>
             <a:endParaRPr lang="de-DE" dirty="0"/>
           </a:p>
@@ -1548,7 +1732,7 @@
     </p:spTree>
     <p:extLst>
       <p:ext uri="{BB962C8B-B14F-4D97-AF65-F5344CB8AC3E}">
-        <p14:creationId xmlns:p14="http://schemas.microsoft.com/office/powerpoint/2010/main" val="173039225"/>
+        <p14:creationId xmlns:p14="http://schemas.microsoft.com/office/powerpoint/2010/main" val="987598064"/>
       </p:ext>
     </p:extLst>
   </p:cSld>
@@ -1604,7 +1788,7 @@
           <a:p>
             <a:r>
               <a:rPr lang="en-US" noProof="0" dirty="0"/>
-              <a:t>Since it is not recommendable to store data in a docker container, adding a persistence is quite important. With the volumes API it is possible to assign persistent storage to a container.</a:t>
+              <a:t>Every docker host spins up a local private network. A container will get an IP address form this network to be reachable locally. So as long as all container are on the same host, they can communicate via this network. </a:t>
             </a:r>
           </a:p>
           <a:p>
@@ -1613,7 +1797,32 @@
           <a:p>
             <a:r>
               <a:rPr lang="en-US" noProof="0" dirty="0"/>
-              <a:t>Docker supports 2 ways of doing so:</a:t>
+              <a:t>However, this is a very unlikely scenario. Probably there are more hosts involved or you want to expose your application to the outside. Docker supports network address translation to map a &lt;</a:t>
+            </a:r>
+            <a:r>
+              <a:rPr lang="en-US" noProof="0" dirty="0" err="1"/>
+              <a:t>container_ip</a:t>
+            </a:r>
+            <a:r>
+              <a:rPr lang="en-US" noProof="0" dirty="0"/>
+              <a:t>&gt;:&lt;port&gt; to a port on the external network interface of the docker host. If you have a container with 172.16.0.2:80 locally it could be exposed to the outside on 192.168.52.1:32710 (</a:t>
+            </a:r>
+            <a:r>
+              <a:rPr lang="en-US" noProof="0" dirty="0" err="1"/>
+              <a:t>ip</a:t>
+            </a:r>
+            <a:r>
+              <a:rPr lang="en-US" noProof="0" dirty="0"/>
+              <a:t> address of the docker host + unused port).</a:t>
+            </a:r>
+          </a:p>
+          <a:p>
+            <a:endParaRPr lang="en-US" noProof="0" dirty="0"/>
+          </a:p>
+          <a:p>
+            <a:r>
+              <a:rPr lang="en-US" noProof="0" dirty="0"/>
+              <a:t>This feature is called port forwarding and docker knows two flavors of it.</a:t>
             </a:r>
           </a:p>
           <a:p>
@@ -1622,15 +1831,7 @@
             </a:pPr>
             <a:r>
               <a:rPr lang="en-US" noProof="0" dirty="0"/>
-              <a:t>Bind mounts: mount a local host directory onto a certain path in the container. Everything that was present before is hidden (nature of the bind mount). For example, if you have some configuration you want to inject, write your config file, store it on your docker host at /home/container/config and mount the content of this directory to /</a:t>
-            </a:r>
-            <a:r>
-              <a:rPr lang="en-US" noProof="0" dirty="0" err="1"/>
-              <a:t>usr</a:t>
-            </a:r>
-            <a:r>
-              <a:rPr lang="en-US" noProof="0" dirty="0"/>
-              <a:t>/application/config (assuming the application reads config from there).  </a:t>
+              <a:t>Map a dedicated host port to a container port – this has to be specified manually. So you have to keep track of all your used ports in order to avoid conflicts. Use the “-p” (lower case) switch and specify host port &amp; container port.</a:t>
             </a:r>
           </a:p>
           <a:p>
@@ -1639,21 +1840,24 @@
             </a:pPr>
             <a:r>
               <a:rPr lang="en-US" noProof="0" dirty="0"/>
-              <a:t>Named volumes: docker can create a separated storage volume. Its lifecycle is independent from the container but still managed by docker. Upon creation, the content of the mount target is merged into the volume.</a:t>
-            </a:r>
-          </a:p>
-          <a:p>
-            <a:pPr marL="0" indent="0">
-              <a:buNone/>
+              <a:t>Map a random port to a container port. Use the “-P” (upper case) switch. Docker detects the ports a container exposes and automatically assigns an unused port. Check with “docker </a:t>
+            </a:r>
+            <a:r>
+              <a:rPr lang="en-US" noProof="0" dirty="0" err="1"/>
+              <a:t>ps</a:t>
+            </a:r>
+            <a:r>
+              <a:rPr lang="en-US" noProof="0" dirty="0"/>
+              <a:t>” or “docker container list”, which port was assigned.</a:t>
+            </a:r>
+          </a:p>
+          <a:p>
+            <a:pPr marL="342900" indent="-342900">
+              <a:buAutoNum type="arabicParenR"/>
             </a:pPr>
-            <a:r>
-              <a:rPr lang="en-US" noProof="0" dirty="0"/>
-              <a:t>How to differentiate between bind mounts and named volumes? When specifying an absolute path, docker assumes a bind mount. When you just give a name (like in a relative path “config”), it will assume a named volume and create </a:t>
-            </a:r>
-            <a:r>
-              <a:rPr lang="en-US" noProof="0"/>
-              <a:t>a volume “config”.</a:t>
-            </a:r>
+            <a:endParaRPr lang="en-US" noProof="0" dirty="0"/>
+          </a:p>
+          <a:p>
             <a:endParaRPr lang="en-US" noProof="0" dirty="0"/>
           </a:p>
         </p:txBody>
@@ -1676,7 +1880,7 @@
             <a:fld id="{7D8C2C35-2B8A-446E-BEC0-FD36716C29AC}" type="slidenum">
               <a:rPr lang="de-DE" smtClean="0"/>
               <a:pPr/>
-              <a:t>17</a:t>
+              <a:t>16</a:t>
             </a:fld>
             <a:endParaRPr lang="de-DE" dirty="0"/>
           </a:p>
@@ -1685,7 +1889,7 @@
     </p:spTree>
     <p:extLst>
       <p:ext uri="{BB962C8B-B14F-4D97-AF65-F5344CB8AC3E}">
-        <p14:creationId xmlns:p14="http://schemas.microsoft.com/office/powerpoint/2010/main" val="386189332"/>
+        <p14:creationId xmlns:p14="http://schemas.microsoft.com/office/powerpoint/2010/main" val="173039225"/>
       </p:ext>
     </p:extLst>
   </p:cSld>
@@ -1714,6 +1918,120 @@
       </p:grpSpPr>
       <p:sp>
         <p:nvSpPr>
+          <p:cNvPr id="2" name="Slide Image Placeholder 1"/>
+          <p:cNvSpPr>
+            <a:spLocks noGrp="1" noRot="1" noChangeAspect="1"/>
+          </p:cNvSpPr>
+          <p:nvPr>
+            <p:ph type="sldImg"/>
+          </p:nvPr>
+        </p:nvSpPr>
+        <p:spPr/>
+      </p:sp>
+      <p:sp>
+        <p:nvSpPr>
+          <p:cNvPr id="3" name="Notes Placeholder 2"/>
+          <p:cNvSpPr>
+            <a:spLocks noGrp="1"/>
+          </p:cNvSpPr>
+          <p:nvPr>
+            <p:ph type="body" idx="1"/>
+          </p:nvPr>
+        </p:nvSpPr>
+        <p:spPr/>
+        <p:txBody>
+          <a:bodyPr>
+            <a:normAutofit lnSpcReduction="10000"/>
+          </a:bodyPr>
+          <a:lstStyle/>
+          <a:p>
+            <a:r>
+              <a:rPr lang="en-US" noProof="0" dirty="0"/>
+              <a:t>Since it is not recommendable to store data in a docker container, adding a persistence is quite important. With the volumes API it is possible to assign persistent storage to a container. </a:t>
+            </a:r>
+          </a:p>
+          <a:p>
+            <a:endParaRPr lang="en-US" noProof="0" dirty="0"/>
+          </a:p>
+          <a:p>
+            <a:r>
+              <a:rPr lang="en-US" noProof="0" dirty="0"/>
+              <a:t>Docker supports 2 ways of doing so:</a:t>
+            </a:r>
+          </a:p>
+          <a:p>
+            <a:pPr marL="342900" indent="-342900">
+              <a:buAutoNum type="arabicParenR"/>
+            </a:pPr>
+            <a:r>
+              <a:rPr lang="en-US" b="1" noProof="0" dirty="0"/>
+              <a:t>Bind mounts: </a:t>
+            </a:r>
+            <a:r>
+              <a:rPr lang="en-US" noProof="0" dirty="0"/>
+              <a:t>mount a local host directory onto a certain path in the container. Everything that was present before in the target directory is hidden (nature of the bind mount). For example, if you have some configuration you want to inject, write your config file, store it on your docker host at /home/container/config and mount the content of this directory to /</a:t>
+            </a:r>
+            <a:r>
+              <a:rPr lang="en-US" noProof="0" dirty="0" err="1"/>
+              <a:t>usr</a:t>
+            </a:r>
+            <a:r>
+              <a:rPr lang="en-US" noProof="0" dirty="0"/>
+              <a:t>/application/config (assuming the application reads config from there).  </a:t>
+            </a:r>
+          </a:p>
+          <a:p>
+            <a:pPr marL="342900" indent="-342900">
+              <a:buAutoNum type="arabicParenR"/>
+            </a:pPr>
+            <a:r>
+              <a:rPr lang="en-US" b="1" noProof="0" dirty="0"/>
+              <a:t>Named volumes: </a:t>
+            </a:r>
+            <a:r>
+              <a:rPr lang="en-US" noProof="0" dirty="0"/>
+              <a:t>docker can create a separated storage volume. Its lifecycle is independent from the container but still managed by docker. Upon creation, the content of the mount target is merged into the volume. </a:t>
+            </a:r>
+          </a:p>
+          <a:p>
+            <a:pPr marL="0" indent="0">
+              <a:buNone/>
+            </a:pPr>
+            <a:endParaRPr lang="en-US" noProof="0" dirty="0"/>
+          </a:p>
+          <a:p>
+            <a:pPr marL="0" indent="0">
+              <a:buNone/>
+            </a:pPr>
+            <a:r>
+              <a:rPr lang="en-US" noProof="0" dirty="0"/>
+              <a:t>How to differentiate between bind mounts and named volumes? When specifying an absolute path, docker assumes a bind mount. When you just give a name (like in a relative path “config”), it will assume a named volume and create a volume “config”.</a:t>
+            </a:r>
+          </a:p>
+          <a:p>
+            <a:pPr marL="0" indent="0">
+              <a:buNone/>
+            </a:pPr>
+            <a:endParaRPr lang="en-US" noProof="0" dirty="0"/>
+          </a:p>
+          <a:p>
+            <a:pPr marL="0" indent="0">
+              <a:buNone/>
+            </a:pPr>
+            <a:r>
+              <a:rPr lang="en-US" noProof="0" dirty="0"/>
+              <a:t>Note: Persistent storage is 'provided' by the host. It can be a part of the file system on the host directly but also an </a:t>
+            </a:r>
+            <a:r>
+              <a:rPr lang="en-US" noProof="0"/>
+              <a:t>NFS mount. </a:t>
+            </a:r>
+            <a:endParaRPr lang="en-US" noProof="0" dirty="0"/>
+          </a:p>
+        </p:txBody>
+      </p:sp>
+      <p:sp>
+        <p:nvSpPr>
           <p:cNvPr id="4" name="Slide Number Placeholder 3"/>
           <p:cNvSpPr>
             <a:spLocks noGrp="1"/>
@@ -1730,54 +2048,16 @@
             <a:fld id="{7D8C2C35-2B8A-446E-BEC0-FD36716C29AC}" type="slidenum">
               <a:rPr lang="de-DE" smtClean="0"/>
               <a:pPr/>
-              <a:t>18</a:t>
+              <a:t>17</a:t>
             </a:fld>
             <a:endParaRPr lang="de-DE" dirty="0"/>
-          </a:p>
-        </p:txBody>
-      </p:sp>
-      <p:sp>
-        <p:nvSpPr>
-          <p:cNvPr id="6" name="Slide Image Placeholder 5"/>
-          <p:cNvSpPr>
-            <a:spLocks noGrp="1" noRot="1" noChangeAspect="1"/>
-          </p:cNvSpPr>
-          <p:nvPr>
-            <p:ph type="sldImg"/>
-          </p:nvPr>
-        </p:nvSpPr>
-        <p:spPr>
-          <a:xfrm>
-            <a:off x="547688" y="612775"/>
-            <a:ext cx="5762625" cy="3241675"/>
-          </a:xfrm>
-        </p:spPr>
-      </p:sp>
-      <p:sp>
-        <p:nvSpPr>
-          <p:cNvPr id="7" name="Notes Placeholder 6"/>
-          <p:cNvSpPr>
-            <a:spLocks noGrp="1"/>
-          </p:cNvSpPr>
-          <p:nvPr>
-            <p:ph type="body" idx="1"/>
-          </p:nvPr>
-        </p:nvSpPr>
-        <p:spPr/>
-        <p:txBody>
-          <a:bodyPr>
-            <a:normAutofit/>
-          </a:bodyPr>
-          <a:lstStyle/>
-          <a:p>
-            <a:endParaRPr lang="en-US"/>
           </a:p>
         </p:txBody>
       </p:sp>
     </p:spTree>
     <p:extLst>
       <p:ext uri="{BB962C8B-B14F-4D97-AF65-F5344CB8AC3E}">
-        <p14:creationId xmlns:p14="http://schemas.microsoft.com/office/powerpoint/2010/main" val="2544264309"/>
+        <p14:creationId xmlns:p14="http://schemas.microsoft.com/office/powerpoint/2010/main" val="386189332"/>
       </p:ext>
     </p:extLst>
   </p:cSld>
@@ -9448,7 +9728,7 @@
             <a:pPr lvl="1"/>
             <a:r>
               <a:rPr lang="en-US" sz="1600" dirty="0"/>
-              <a:t>friendly termination with SIGTERM, after timeout (default 10 seconds) with SIGKILL</a:t>
+              <a:t>friendly termination with SIGTERM, after timeout (default 10 seconds) with SIGKILL *</a:t>
             </a:r>
           </a:p>
           <a:p>
@@ -9973,6 +10253,56 @@
                 <a:cs typeface="Courier New" panose="02070309020205020404" pitchFamily="49" charset="0"/>
               </a:rPr>
               <a:t>$</a:t>
+            </a:r>
+          </a:p>
+        </p:txBody>
+      </p:sp>
+      <p:sp>
+        <p:nvSpPr>
+          <p:cNvPr id="2" name="TextBox 1">
+            <a:extLst>
+              <a:ext uri="{FF2B5EF4-FFF2-40B4-BE49-F238E27FC236}">
+                <a16:creationId xmlns:a16="http://schemas.microsoft.com/office/drawing/2014/main" id="{6F0859C0-3A07-4DCD-B4EF-FAB83CECD30F}"/>
+              </a:ext>
+            </a:extLst>
+          </p:cNvPr>
+          <p:cNvSpPr txBox="1"/>
+          <p:nvPr/>
+        </p:nvSpPr>
+        <p:spPr>
+          <a:xfrm>
+            <a:off x="574557" y="6156695"/>
+            <a:ext cx="6221255" cy="215444"/>
+          </a:xfrm>
+          <a:prstGeom prst="rect">
+            <a:avLst/>
+          </a:prstGeom>
+          <a:noFill/>
+        </p:spPr>
+        <p:txBody>
+          <a:bodyPr wrap="none" lIns="0" tIns="0" rIns="0" bIns="0" rtlCol="0">
+            <a:spAutoFit/>
+          </a:bodyPr>
+          <a:lstStyle/>
+          <a:p>
+            <a:pPr fontAlgn="base">
+              <a:spcBef>
+                <a:spcPct val="50000"/>
+              </a:spcBef>
+              <a:spcAft>
+                <a:spcPct val="0"/>
+              </a:spcAft>
+              <a:buClr>
+                <a:srgbClr val="F0AB00"/>
+              </a:buClr>
+              <a:buSzPct val="80000"/>
+            </a:pPr>
+            <a:r>
+              <a:rPr lang="en-US" sz="1400" kern="0" dirty="0">
+                <a:ea typeface="Arial Unicode MS" pitchFamily="34" charset="-128"/>
+                <a:cs typeface="Arial Unicode MS" pitchFamily="34" charset="-128"/>
+              </a:rPr>
+              <a:t>* you can specify wait time between SIGTERM and SIGKILL with the "-t" option</a:t>
             </a:r>
           </a:p>
         </p:txBody>
@@ -10515,7 +10845,7 @@
             <a:pPr lvl="0"/>
             <a:r>
               <a:rPr lang="en-US" sz="1800" dirty="0"/>
-              <a:t>Finally, a container can and should be removed</a:t>
+              <a:t>Finally, a container can and should be removed </a:t>
             </a:r>
           </a:p>
           <a:p>
@@ -12653,14 +12983,14 @@
             <a:pPr lvl="1"/>
             <a:r>
               <a:rPr lang="en-US" dirty="0"/>
-              <a:t>Containers can see each other by default</a:t>
+              <a:t>Containers can see each other by default </a:t>
             </a:r>
           </a:p>
           <a:p>
             <a:pPr lvl="1"/>
             <a:r>
               <a:rPr lang="en-US" dirty="0"/>
-              <a:t>not reachable from outside</a:t>
+              <a:t>Not reachable from outside</a:t>
             </a:r>
           </a:p>
           <a:p>
@@ -13354,15 +13684,23 @@
               <a:buNone/>
             </a:pPr>
             <a:r>
+              <a:rPr lang="en-US" sz="2000" dirty="0"/>
+              <a:t>Named volumes</a:t>
+            </a:r>
+          </a:p>
+          <a:p>
+            <a:pPr lvl="1"/>
+            <a:r>
               <a:rPr lang="en-US" dirty="0"/>
-              <a:t>Named volumes</a:t>
-            </a:r>
-          </a:p>
-          <a:p>
-            <a:pPr lvl="1"/>
+              <a:t>Contents in container are </a:t>
+            </a:r>
+            <a:r>
+              <a:rPr lang="en-US" i="1" dirty="0"/>
+              <a:t>merged</a:t>
+            </a:r>
             <a:r>
               <a:rPr lang="en-US" dirty="0"/>
-              <a:t>Contents in container are merged with volume</a:t>
+              <a:t> with volume</a:t>
             </a:r>
           </a:p>
           <a:p>
@@ -18403,7 +18741,7 @@
                 <a:ea typeface="Arial Unicode MS" pitchFamily="34" charset="-128"/>
                 <a:cs typeface="Arial Unicode MS" pitchFamily="34" charset="-128"/>
               </a:rPr>
-              <a:t>Running an interactive session required –</a:t>
+              <a:t>Running an interactive session requires –</a:t>
             </a:r>
             <a:r>
               <a:rPr lang="en-US" sz="1800" kern="0" dirty="0" err="1">
@@ -18417,7 +18755,7 @@
                 <a:ea typeface="Arial Unicode MS" pitchFamily="34" charset="-128"/>
                 <a:cs typeface="Arial Unicode MS" pitchFamily="34" charset="-128"/>
               </a:rPr>
-              <a:t> &amp; -t .</a:t>
+              <a:t> &amp; -t :</a:t>
             </a:r>
           </a:p>
           <a:p>
@@ -18856,8 +19194,13 @@
             <a:pPr lvl="1"/>
             <a:r>
               <a:rPr lang="en-US" sz="1600" dirty="0"/>
-              <a:t>programs like do not interact with the user</a:t>
-            </a:r>
+              <a:t>Programs like these do not interact with the user via stdin/</a:t>
+            </a:r>
+            <a:r>
+              <a:rPr lang="en-US" sz="1600" dirty="0" err="1"/>
+              <a:t>stdout</a:t>
+            </a:r>
+            <a:endParaRPr lang="en-US" sz="1600" dirty="0"/>
           </a:p>
           <a:p>
             <a:pPr lvl="2"/>
@@ -18917,7 +19260,15 @@
             <a:pPr lvl="1"/>
             <a:r>
               <a:rPr lang="en-US" sz="1600" dirty="0"/>
-              <a:t>Programs that expect user input must be started in interactive mode or they just exit</a:t>
+              <a:t>Programs that expect user input (via stdin/</a:t>
+            </a:r>
+            <a:r>
+              <a:rPr lang="en-US" sz="1600" dirty="0" err="1"/>
+              <a:t>stdout</a:t>
+            </a:r>
+            <a:r>
+              <a:rPr lang="en-US" sz="1600" dirty="0"/>
+              <a:t>) must be started in interactive mode or they just exit</a:t>
             </a:r>
           </a:p>
           <a:p>
@@ -19306,7 +19657,7 @@
           <a:p>
             <a:r>
               <a:rPr lang="en-US" sz="1800" dirty="0"/>
-              <a:t>Available/present containers</a:t>
+              <a:t>Available / present containers</a:t>
             </a:r>
           </a:p>
           <a:p>
@@ -20975,7 +21326,7 @@
             <a:pPr lvl="0"/>
             <a:r>
               <a:rPr lang="en-US" sz="1800" dirty="0"/>
-              <a:t>Possible to run additional commands in a container</a:t>
+              <a:t>It is possible to run additional commands in a container</a:t>
             </a:r>
           </a:p>
           <a:p>
@@ -21607,7 +21958,7 @@
             <a:pPr lvl="1"/>
             <a:r>
               <a:rPr lang="en-US" sz="1600" dirty="0"/>
-              <a:t>container does not get removed but remains</a:t>
+              <a:t>container does not get deleted (removed) but remains</a:t>
             </a:r>
           </a:p>
           <a:p>

--- a/docker/03_Working_with_containers.pptx
+++ b/docker/03_Working_with_containers.pptx
@@ -5,28 +5,26 @@
     <p:sldMasterId id="2147483733" r:id="rId1"/>
   </p:sldMasterIdLst>
   <p:notesMasterIdLst>
-    <p:notesMasterId r:id="rId18"/>
+    <p:notesMasterId r:id="rId16"/>
   </p:notesMasterIdLst>
   <p:handoutMasterIdLst>
-    <p:handoutMasterId r:id="rId19"/>
+    <p:handoutMasterId r:id="rId17"/>
   </p:handoutMasterIdLst>
   <p:sldIdLst>
-    <p:sldId id="435" r:id="rId2"/>
-    <p:sldId id="434" r:id="rId3"/>
-    <p:sldId id="437" r:id="rId4"/>
-    <p:sldId id="439" r:id="rId5"/>
-    <p:sldId id="451" r:id="rId6"/>
-    <p:sldId id="440" r:id="rId7"/>
-    <p:sldId id="450" r:id="rId8"/>
-    <p:sldId id="441" r:id="rId9"/>
-    <p:sldId id="444" r:id="rId10"/>
-    <p:sldId id="445" r:id="rId11"/>
-    <p:sldId id="443" r:id="rId12"/>
-    <p:sldId id="449" r:id="rId13"/>
-    <p:sldId id="446" r:id="rId14"/>
-    <p:sldId id="447" r:id="rId15"/>
-    <p:sldId id="448" r:id="rId16"/>
-    <p:sldId id="265" r:id="rId17"/>
+    <p:sldId id="434" r:id="rId2"/>
+    <p:sldId id="437" r:id="rId3"/>
+    <p:sldId id="451" r:id="rId4"/>
+    <p:sldId id="440" r:id="rId5"/>
+    <p:sldId id="450" r:id="rId6"/>
+    <p:sldId id="441" r:id="rId7"/>
+    <p:sldId id="444" r:id="rId8"/>
+    <p:sldId id="445" r:id="rId9"/>
+    <p:sldId id="443" r:id="rId10"/>
+    <p:sldId id="449" r:id="rId11"/>
+    <p:sldId id="446" r:id="rId12"/>
+    <p:sldId id="447" r:id="rId13"/>
+    <p:sldId id="448" r:id="rId14"/>
+    <p:sldId id="265" r:id="rId15"/>
   </p:sldIdLst>
   <p:sldSz cx="12195175" cy="6858000"/>
   <p:notesSz cx="6858000" cy="9144000"/>
@@ -632,7 +630,7 @@
             <a:fld id="{7D8C2C35-2B8A-446E-BEC0-FD36716C29AC}" type="slidenum">
               <a:rPr lang="de-DE" smtClean="0"/>
               <a:pPr/>
-              <a:t>3</a:t>
+              <a:t>2</a:t>
             </a:fld>
             <a:endParaRPr lang="de-DE" dirty="0"/>
           </a:p>
@@ -814,7 +812,7 @@
             <a:fld id="{7D8C2C35-2B8A-446E-BEC0-FD36716C29AC}" type="slidenum">
               <a:rPr lang="de-DE" smtClean="0"/>
               <a:pPr/>
-              <a:t>5</a:t>
+              <a:t>3</a:t>
             </a:fld>
             <a:endParaRPr lang="de-DE" dirty="0"/>
           </a:p>
@@ -1278,7 +1276,7 @@
             <a:fld id="{7D8C2C35-2B8A-446E-BEC0-FD36716C29AC}" type="slidenum">
               <a:rPr lang="de-DE" smtClean="0"/>
               <a:pPr/>
-              <a:t>7</a:t>
+              <a:t>5</a:t>
             </a:fld>
             <a:endParaRPr lang="de-DE" dirty="0"/>
           </a:p>
@@ -1374,7 +1372,7 @@
             <a:fld id="{7D8C2C35-2B8A-446E-BEC0-FD36716C29AC}" type="slidenum">
               <a:rPr lang="de-DE" smtClean="0"/>
               <a:pPr/>
-              <a:t>8</a:t>
+              <a:t>6</a:t>
             </a:fld>
             <a:endParaRPr lang="de-DE" dirty="0"/>
           </a:p>
@@ -1459,7 +1457,7 @@
             <a:fld id="{7D8C2C35-2B8A-446E-BEC0-FD36716C29AC}" type="slidenum">
               <a:rPr lang="de-DE" smtClean="0"/>
               <a:pPr/>
-              <a:t>10</a:t>
+              <a:t>8</a:t>
             </a:fld>
             <a:endParaRPr lang="de-DE" dirty="0"/>
           </a:p>
@@ -1616,7 +1614,7 @@
             <a:fld id="{7D8C2C35-2B8A-446E-BEC0-FD36716C29AC}" type="slidenum">
               <a:rPr lang="de-DE" smtClean="0"/>
               <a:pPr/>
-              <a:t>14</a:t>
+              <a:t>12</a:t>
             </a:fld>
             <a:endParaRPr lang="de-DE" dirty="0"/>
           </a:p>
@@ -1784,7 +1782,7 @@
             <a:fld id="{7D8C2C35-2B8A-446E-BEC0-FD36716C29AC}" type="slidenum">
               <a:rPr lang="de-DE" smtClean="0"/>
               <a:pPr/>
-              <a:t>15</a:t>
+              <a:t>13</a:t>
             </a:fld>
             <a:endParaRPr lang="de-DE" dirty="0"/>
           </a:p>
@@ -1838,7 +1836,7 @@
             <a:fld id="{7D8C2C35-2B8A-446E-BEC0-FD36716C29AC}" type="slidenum">
               <a:rPr lang="de-DE" smtClean="0"/>
               <a:pPr/>
-              <a:t>16</a:t>
+              <a:t>14</a:t>
             </a:fld>
             <a:endParaRPr lang="de-DE" dirty="0"/>
           </a:p>
@@ -9376,35 +9374,7 @@
       </p:grpSpPr>
       <p:sp>
         <p:nvSpPr>
-          <p:cNvPr id="3" name="Subtitle 2"/>
-          <p:cNvSpPr>
-            <a:spLocks noGrp="1"/>
-          </p:cNvSpPr>
-          <p:nvPr>
-            <p:ph type="subTitle" idx="1"/>
-          </p:nvPr>
-        </p:nvSpPr>
-        <p:spPr/>
-        <p:txBody>
-          <a:bodyPr/>
-          <a:lstStyle/>
-          <a:p>
-            <a:r>
-              <a:rPr lang="en-US" dirty="0"/>
-              <a:t>Thomas Buchner, STS Infrastructure</a:t>
-            </a:r>
-          </a:p>
-          <a:p>
-            <a:r>
-              <a:rPr lang="en-US" dirty="0"/>
-              <a:t>Hendrik Kahl, SLV ABAP Component Validation</a:t>
-            </a:r>
-          </a:p>
-        </p:txBody>
-      </p:sp>
-      <p:sp>
-        <p:nvSpPr>
-          <p:cNvPr id="4" name="Text Placeholder 3"/>
+          <p:cNvPr id="17" name="Text Placeholder 16"/>
           <p:cNvSpPr>
             <a:spLocks noGrp="1"/>
           </p:cNvSpPr>
@@ -9412,125 +9382,63 @@
             <p:ph type="body" sz="quarter" idx="14"/>
           </p:nvPr>
         </p:nvSpPr>
-        <p:spPr>
-          <a:xfrm>
-            <a:off x="288000" y="4024430"/>
-            <a:ext cx="10899174" cy="997196"/>
-          </a:xfrm>
-        </p:spPr>
+        <p:spPr/>
         <p:txBody>
           <a:bodyPr/>
           <a:lstStyle/>
           <a:p>
             <a:r>
               <a:rPr lang="en-US" dirty="0"/>
-              <a:t>Docker and Kubernetes</a:t>
-            </a:r>
-          </a:p>
-          <a:p>
+              <a:t>Working with </a:t>
+            </a:r>
             <a:r>
               <a:rPr lang="en-US" dirty="0">
                 <a:solidFill>
                   <a:schemeClr val="accent1"/>
                 </a:solidFill>
               </a:rPr>
-              <a:t>Hands-On Training</a:t>
-            </a:r>
-            <a:endParaRPr lang="en-US" dirty="0">
-              <a:solidFill>
-                <a:srgbClr val="FFC000"/>
-              </a:solidFill>
-            </a:endParaRPr>
+              <a:t>Containers</a:t>
+            </a:r>
+          </a:p>
+          <a:p>
+            <a:r>
+              <a:rPr lang="en-US" dirty="0"/>
+              <a:t>on </a:t>
+            </a:r>
+            <a:r>
+              <a:rPr lang="en-US" dirty="0">
+                <a:solidFill>
+                  <a:schemeClr val="accent1"/>
+                </a:solidFill>
+              </a:rPr>
+              <a:t>Docker</a:t>
+            </a:r>
           </a:p>
         </p:txBody>
       </p:sp>
       <p:pic>
         <p:nvPicPr>
-          <p:cNvPr id="14" name="Picture Placeholder 13"/>
+          <p:cNvPr id="6" name="Picture Placeholder 5"/>
           <p:cNvPicPr>
             <a:picLocks noGrp="1" noChangeAspect="1"/>
           </p:cNvPicPr>
           <p:nvPr>
-            <p:ph type="pic" sz="quarter" idx="12"/>
+            <p:ph type="pic" sz="quarter" idx="16"/>
           </p:nvPr>
         </p:nvPicPr>
         <p:blipFill>
           <a:blip r:embed="rId2"/>
-          <a:srcRect l="10" r="10"/>
+          <a:srcRect t="16" b="16"/>
           <a:stretch>
             <a:fillRect/>
           </a:stretch>
         </p:blipFill>
-        <p:spPr>
-          <a:prstGeom prst="rect">
-            <a:avLst/>
-          </a:prstGeom>
-        </p:spPr>
-      </p:pic>
-      <p:pic>
-        <p:nvPicPr>
-          <p:cNvPr id="5" name="Picture 1" descr="cid:image003.png@01D31CC6.A08B1C50">
-            <a:extLst>
-              <a:ext uri="{FF2B5EF4-FFF2-40B4-BE49-F238E27FC236}">
-                <a16:creationId xmlns:a16="http://schemas.microsoft.com/office/drawing/2014/main" id="{DAE14AB1-2894-4E76-9961-BE592520EA3D}"/>
-              </a:ext>
-            </a:extLst>
-          </p:cNvPr>
-          <p:cNvPicPr>
-            <a:picLocks noChangeAspect="1" noChangeArrowheads="1"/>
-          </p:cNvPicPr>
-          <p:nvPr/>
-        </p:nvPicPr>
-        <p:blipFill>
-          <a:blip r:embed="rId3">
-            <a:extLst>
-              <a:ext uri="{28A0092B-C50C-407E-A947-70E740481C1C}">
-                <a14:useLocalDpi xmlns:a14="http://schemas.microsoft.com/office/drawing/2010/main" val="0"/>
-              </a:ext>
-            </a:extLst>
-          </a:blip>
-          <a:srcRect/>
-          <a:stretch>
-            <a:fillRect/>
-          </a:stretch>
-        </p:blipFill>
-        <p:spPr bwMode="auto">
-          <a:xfrm>
-            <a:off x="10780713" y="5721975"/>
-            <a:ext cx="1414463" cy="1136025"/>
-          </a:xfrm>
-          <a:prstGeom prst="rect">
-            <a:avLst/>
-          </a:prstGeom>
-          <a:noFill/>
-          <a:ln>
-            <a:noFill/>
-          </a:ln>
-          <a:extLst>
-            <a:ext uri="{909E8E84-426E-40DD-AFC4-6F175D3DCCD1}">
-              <a14:hiddenFill xmlns:a14="http://schemas.microsoft.com/office/drawing/2010/main">
-                <a:solidFill>
-                  <a:srgbClr val="FFFFFF"/>
-                </a:solidFill>
-              </a14:hiddenFill>
-            </a:ext>
-            <a:ext uri="{91240B29-F687-4F45-9708-019B960494DF}">
-              <a14:hiddenLine xmlns:a14="http://schemas.microsoft.com/office/drawing/2010/main" w="9525">
-                <a:solidFill>
-                  <a:srgbClr val="000000"/>
-                </a:solidFill>
-                <a:miter lim="800000"/>
-                <a:headEnd/>
-                <a:tailEnd/>
-              </a14:hiddenLine>
-            </a:ext>
-          </a:extLst>
-        </p:spPr>
+        <p:spPr/>
       </p:pic>
     </p:spTree>
     <p:extLst>
       <p:ext uri="{BB962C8B-B14F-4D97-AF65-F5344CB8AC3E}">
-        <p14:creationId xmlns:p14="http://schemas.microsoft.com/office/powerpoint/2010/main" val="1386431285"/>
+        <p14:creationId xmlns:p14="http://schemas.microsoft.com/office/powerpoint/2010/main" val="1786748081"/>
       </p:ext>
     </p:extLst>
   </p:cSld>
@@ -9541,1138 +9449,7 @@
 </file>
 
 <file path=ppt/slides/slide10.xml><?xml version="1.0" encoding="utf-8"?>
-<p:sld xmlns:a="http://schemas.openxmlformats.org/drawingml/2006/main" xmlns:r="http://schemas.openxmlformats.org/officeDocument/2006/relationships" xmlns:p="http://schemas.openxmlformats.org/presentationml/2006/main">
-  <p:cSld>
-    <p:spTree>
-      <p:nvGrpSpPr>
-        <p:cNvPr id="1" name=""/>
-        <p:cNvGrpSpPr/>
-        <p:nvPr/>
-      </p:nvGrpSpPr>
-      <p:grpSpPr>
-        <a:xfrm>
-          <a:off x="0" y="0"/>
-          <a:ext cx="0" cy="0"/>
-          <a:chOff x="0" y="0"/>
-          <a:chExt cx="0" cy="0"/>
-        </a:xfrm>
-      </p:grpSpPr>
-      <p:sp>
-        <p:nvSpPr>
-          <p:cNvPr id="3" name="Title 2"/>
-          <p:cNvSpPr>
-            <a:spLocks noGrp="1"/>
-          </p:cNvSpPr>
-          <p:nvPr>
-            <p:ph type="title"/>
-          </p:nvPr>
-        </p:nvSpPr>
-        <p:spPr/>
-        <p:txBody>
-          <a:bodyPr/>
-          <a:lstStyle/>
-          <a:p>
-            <a:r>
-              <a:rPr lang="en-US" dirty="0"/>
-              <a:t>Stopping a container</a:t>
-            </a:r>
-          </a:p>
-        </p:txBody>
-      </p:sp>
-      <p:sp>
-        <p:nvSpPr>
-          <p:cNvPr id="6" name="Text Placeholder 10"/>
-          <p:cNvSpPr>
-            <a:spLocks noGrp="1"/>
-          </p:cNvSpPr>
-          <p:nvPr>
-            <p:ph type="body" sz="quarter" idx="10"/>
-          </p:nvPr>
-        </p:nvSpPr>
-        <p:spPr>
-          <a:xfrm>
-            <a:off x="503999" y="1620000"/>
-            <a:ext cx="11186477" cy="4230000"/>
-          </a:xfrm>
-        </p:spPr>
-        <p:txBody>
-          <a:bodyPr/>
-          <a:lstStyle/>
-          <a:p>
-            <a:pPr lvl="0"/>
-            <a:r>
-              <a:rPr lang="en-US" sz="1800" dirty="0"/>
-              <a:t>A container can be forcibly stopped</a:t>
-            </a:r>
-          </a:p>
-          <a:p>
-            <a:pPr lvl="1"/>
-            <a:r>
-              <a:rPr lang="en-US" sz="1600" dirty="0"/>
-              <a:t>necessary for containers with daemon processes</a:t>
-            </a:r>
-          </a:p>
-          <a:p>
-            <a:pPr lvl="1"/>
-            <a:r>
-              <a:rPr lang="en-US" sz="1600" dirty="0"/>
-              <a:t>friendly termination with SIGTERM, after timeout (default 10 seconds) with SIGKILL *</a:t>
-            </a:r>
-          </a:p>
-          <a:p>
-            <a:pPr lvl="1"/>
-            <a:endParaRPr lang="en-US" sz="1600" dirty="0"/>
-          </a:p>
-        </p:txBody>
-      </p:sp>
-      <p:sp>
-        <p:nvSpPr>
-          <p:cNvPr id="7" name="Rectangle: Rounded Corners 6"/>
-          <p:cNvSpPr/>
-          <p:nvPr/>
-        </p:nvSpPr>
-        <p:spPr bwMode="gray">
-          <a:xfrm>
-            <a:off x="686701" y="2558294"/>
-            <a:ext cx="7312170" cy="276513"/>
-          </a:xfrm>
-          <a:prstGeom prst="roundRect">
-            <a:avLst/>
-          </a:prstGeom>
-          <a:solidFill>
-            <a:schemeClr val="accent1">
-              <a:lumMod val="20000"/>
-              <a:lumOff val="80000"/>
-            </a:schemeClr>
-          </a:solidFill>
-          <a:ln w="6350" algn="ctr">
-            <a:noFill/>
-            <a:miter lim="800000"/>
-            <a:headEnd/>
-            <a:tailEnd/>
-          </a:ln>
-        </p:spPr>
-        <p:txBody>
-          <a:bodyPr lIns="90000" tIns="72000" rIns="90000" bIns="72000" rtlCol="0" anchor="ctr"/>
-          <a:lstStyle/>
-          <a:p>
-            <a:pPr marL="179387" lvl="2" indent="0">
-              <a:buNone/>
-            </a:pPr>
-            <a:r>
-              <a:rPr lang="en-US" sz="1400" b="1" dirty="0">
-                <a:latin typeface="Courier New" panose="02070309020205020404" pitchFamily="49" charset="0"/>
-                <a:cs typeface="Courier New" panose="02070309020205020404" pitchFamily="49" charset="0"/>
-              </a:rPr>
-              <a:t>$ </a:t>
-            </a:r>
-            <a:r>
-              <a:rPr lang="en-US" sz="1400" dirty="0" err="1">
-                <a:latin typeface="Courier New" panose="02070309020205020404" pitchFamily="49" charset="0"/>
-                <a:cs typeface="Courier New" panose="02070309020205020404" pitchFamily="49" charset="0"/>
-              </a:rPr>
-              <a:t>docker</a:t>
-            </a:r>
-            <a:r>
-              <a:rPr lang="en-US" sz="1400" b="1" dirty="0">
-                <a:latin typeface="Courier New" panose="02070309020205020404" pitchFamily="49" charset="0"/>
-                <a:cs typeface="Courier New" panose="02070309020205020404" pitchFamily="49" charset="0"/>
-              </a:rPr>
-              <a:t> stop </a:t>
-            </a:r>
-            <a:r>
-              <a:rPr lang="en-US" sz="1400" i="1" dirty="0">
-                <a:latin typeface="Courier New" panose="02070309020205020404" pitchFamily="49" charset="0"/>
-                <a:cs typeface="Courier New" panose="02070309020205020404" pitchFamily="49" charset="0"/>
-              </a:rPr>
-              <a:t>&lt;container ID or name&gt;</a:t>
-            </a:r>
-          </a:p>
-        </p:txBody>
-      </p:sp>
-      <p:sp>
-        <p:nvSpPr>
-          <p:cNvPr id="9" name="Rectangle: Rounded Corners 8"/>
-          <p:cNvSpPr/>
-          <p:nvPr/>
-        </p:nvSpPr>
-        <p:spPr bwMode="gray">
-          <a:xfrm>
-            <a:off x="686701" y="3249224"/>
-            <a:ext cx="10728147" cy="2322901"/>
-          </a:xfrm>
-          <a:prstGeom prst="roundRect">
-            <a:avLst>
-              <a:gd name="adj" fmla="val 8296"/>
-            </a:avLst>
-          </a:prstGeom>
-          <a:pattFill prst="narHorz">
-            <a:fgClr>
-              <a:schemeClr val="tx1"/>
-            </a:fgClr>
-            <a:bgClr>
-              <a:srgbClr val="112806"/>
-            </a:bgClr>
-          </a:pattFill>
-          <a:ln w="6350" algn="ctr">
-            <a:noFill/>
-            <a:miter lim="800000"/>
-            <a:headEnd/>
-            <a:tailEnd/>
-          </a:ln>
-        </p:spPr>
-        <p:txBody>
-          <a:bodyPr lIns="90000" tIns="72000" rIns="90000" bIns="72000" rtlCol="0" anchor="t"/>
-          <a:lstStyle/>
-          <a:p>
-            <a:pPr defTabSz="914400" fontAlgn="base">
-              <a:spcAft>
-                <a:spcPct val="0"/>
-              </a:spcAft>
-              <a:buClr>
-                <a:srgbClr val="F0AB00"/>
-              </a:buClr>
-              <a:buSzPct val="80000"/>
-            </a:pPr>
-            <a:r>
-              <a:rPr lang="en-US" sz="1200" b="1" kern="0" dirty="0">
-                <a:solidFill>
-                  <a:schemeClr val="bg1"/>
-                </a:solidFill>
-                <a:latin typeface="Courier New" panose="02070309020205020404" pitchFamily="49" charset="0"/>
-                <a:ea typeface="Arial Unicode MS" pitchFamily="34" charset="-128"/>
-                <a:cs typeface="Courier New" panose="02070309020205020404" pitchFamily="49" charset="0"/>
-              </a:rPr>
-              <a:t>$ </a:t>
-            </a:r>
-            <a:r>
-              <a:rPr lang="en-US" sz="1200" b="1" kern="0" dirty="0" err="1">
-                <a:solidFill>
-                  <a:schemeClr val="bg1"/>
-                </a:solidFill>
-                <a:latin typeface="Courier New" panose="02070309020205020404" pitchFamily="49" charset="0"/>
-                <a:ea typeface="Arial Unicode MS" pitchFamily="34" charset="-128"/>
-                <a:cs typeface="Courier New" panose="02070309020205020404" pitchFamily="49" charset="0"/>
-              </a:rPr>
-              <a:t>docker</a:t>
-            </a:r>
-            <a:r>
-              <a:rPr lang="en-US" sz="1200" b="1" kern="0" dirty="0">
-                <a:solidFill>
-                  <a:schemeClr val="bg1"/>
-                </a:solidFill>
-                <a:latin typeface="Courier New" panose="02070309020205020404" pitchFamily="49" charset="0"/>
-                <a:ea typeface="Arial Unicode MS" pitchFamily="34" charset="-128"/>
-                <a:cs typeface="Courier New" panose="02070309020205020404" pitchFamily="49" charset="0"/>
-              </a:rPr>
-              <a:t> </a:t>
-            </a:r>
-            <a:r>
-              <a:rPr lang="en-US" sz="1200" b="1" kern="0" dirty="0" err="1">
-                <a:solidFill>
-                  <a:schemeClr val="bg1"/>
-                </a:solidFill>
-                <a:latin typeface="Courier New" panose="02070309020205020404" pitchFamily="49" charset="0"/>
-                <a:ea typeface="Arial Unicode MS" pitchFamily="34" charset="-128"/>
-                <a:cs typeface="Courier New" panose="02070309020205020404" pitchFamily="49" charset="0"/>
-              </a:rPr>
-              <a:t>ps</a:t>
-            </a:r>
-            <a:endParaRPr lang="en-US" sz="1200" b="1" kern="0" dirty="0">
-              <a:solidFill>
-                <a:schemeClr val="bg1"/>
-              </a:solidFill>
-              <a:latin typeface="Courier New" panose="02070309020205020404" pitchFamily="49" charset="0"/>
-              <a:ea typeface="Arial Unicode MS" pitchFamily="34" charset="-128"/>
-              <a:cs typeface="Courier New" panose="02070309020205020404" pitchFamily="49" charset="0"/>
-            </a:endParaRPr>
-          </a:p>
-          <a:p>
-            <a:pPr defTabSz="914400" fontAlgn="base">
-              <a:spcAft>
-                <a:spcPct val="0"/>
-              </a:spcAft>
-              <a:buClr>
-                <a:srgbClr val="F0AB00"/>
-              </a:buClr>
-              <a:buSzPct val="80000"/>
-            </a:pPr>
-            <a:r>
-              <a:rPr lang="en-US" sz="1200" kern="0" dirty="0">
-                <a:solidFill>
-                  <a:schemeClr val="bg1"/>
-                </a:solidFill>
-                <a:latin typeface="Arial monospaced for SAP" panose="020B0609020202030204" pitchFamily="49" charset="0"/>
-                <a:ea typeface="Arial Unicode MS" pitchFamily="34" charset="-128"/>
-                <a:cs typeface="Courier New" panose="02070309020205020404" pitchFamily="49" charset="0"/>
-              </a:rPr>
-              <a:t>CONTAINER ID    IMAGE       COMMAND          CREATED      STATUS        PORTS                    NAMES</a:t>
-            </a:r>
-          </a:p>
-          <a:p>
-            <a:pPr defTabSz="914400" fontAlgn="base">
-              <a:spcAft>
-                <a:spcPct val="0"/>
-              </a:spcAft>
-              <a:buClr>
-                <a:srgbClr val="F0AB00"/>
-              </a:buClr>
-              <a:buSzPct val="80000"/>
-            </a:pPr>
-            <a:r>
-              <a:rPr lang="en-US" sz="1200" kern="0" dirty="0">
-                <a:solidFill>
-                  <a:schemeClr val="bg1"/>
-                </a:solidFill>
-                <a:latin typeface="Arial monospaced for SAP" panose="020B0609020202030204" pitchFamily="49" charset="0"/>
-                <a:ea typeface="Arial Unicode MS" pitchFamily="34" charset="-128"/>
-                <a:cs typeface="Courier New" panose="02070309020205020404" pitchFamily="49" charset="0"/>
-              </a:rPr>
-              <a:t>494b7b8c9f39    mynginx1    "</a:t>
-            </a:r>
-            <a:r>
-              <a:rPr lang="en-US" sz="1200" kern="0" dirty="0" err="1">
-                <a:solidFill>
-                  <a:schemeClr val="bg1"/>
-                </a:solidFill>
-                <a:latin typeface="Arial monospaced for SAP" panose="020B0609020202030204" pitchFamily="49" charset="0"/>
-                <a:ea typeface="Arial Unicode MS" pitchFamily="34" charset="-128"/>
-                <a:cs typeface="Courier New" panose="02070309020205020404" pitchFamily="49" charset="0"/>
-              </a:rPr>
-              <a:t>nginx</a:t>
-            </a:r>
-            <a:r>
-              <a:rPr lang="en-US" sz="1200" kern="0" dirty="0">
-                <a:solidFill>
-                  <a:schemeClr val="bg1"/>
-                </a:solidFill>
-                <a:latin typeface="Arial monospaced for SAP" panose="020B0609020202030204" pitchFamily="49" charset="0"/>
-                <a:ea typeface="Arial Unicode MS" pitchFamily="34" charset="-128"/>
-                <a:cs typeface="Courier New" panose="02070309020205020404" pitchFamily="49" charset="0"/>
-              </a:rPr>
-              <a:t> -g ..."   7 days ago   Up 24 hours   0.0.0.0:32768-&gt;812/</a:t>
-            </a:r>
-            <a:r>
-              <a:rPr lang="en-US" sz="1200" kern="0" dirty="0" err="1">
-                <a:solidFill>
-                  <a:schemeClr val="bg1"/>
-                </a:solidFill>
-                <a:latin typeface="Arial monospaced for SAP" panose="020B0609020202030204" pitchFamily="49" charset="0"/>
-                <a:ea typeface="Arial Unicode MS" pitchFamily="34" charset="-128"/>
-                <a:cs typeface="Courier New" panose="02070309020205020404" pitchFamily="49" charset="0"/>
-              </a:rPr>
-              <a:t>tcp</a:t>
-            </a:r>
-            <a:r>
-              <a:rPr lang="en-US" sz="1200" kern="0" dirty="0">
-                <a:solidFill>
-                  <a:schemeClr val="bg1"/>
-                </a:solidFill>
-                <a:latin typeface="Arial monospaced for SAP" panose="020B0609020202030204" pitchFamily="49" charset="0"/>
-                <a:ea typeface="Arial Unicode MS" pitchFamily="34" charset="-128"/>
-                <a:cs typeface="Courier New" panose="02070309020205020404" pitchFamily="49" charset="0"/>
-              </a:rPr>
-              <a:t>   </a:t>
-            </a:r>
-            <a:r>
-              <a:rPr lang="en-US" sz="1200" kern="0" dirty="0" err="1">
-                <a:solidFill>
-                  <a:schemeClr val="bg1"/>
-                </a:solidFill>
-                <a:latin typeface="Arial monospaced for SAP" panose="020B0609020202030204" pitchFamily="49" charset="0"/>
-                <a:ea typeface="Arial Unicode MS" pitchFamily="34" charset="-128"/>
-                <a:cs typeface="Courier New" panose="02070309020205020404" pitchFamily="49" charset="0"/>
-              </a:rPr>
-              <a:t>happy_ride</a:t>
-            </a:r>
-            <a:endParaRPr lang="en-US" sz="1200" kern="0" dirty="0">
-              <a:solidFill>
-                <a:schemeClr val="bg1"/>
-              </a:solidFill>
-              <a:latin typeface="Arial monospaced for SAP" panose="020B0609020202030204" pitchFamily="49" charset="0"/>
-              <a:ea typeface="Arial Unicode MS" pitchFamily="34" charset="-128"/>
-              <a:cs typeface="Courier New" panose="02070309020205020404" pitchFamily="49" charset="0"/>
-            </a:endParaRPr>
-          </a:p>
-          <a:p>
-            <a:pPr defTabSz="914400" fontAlgn="base">
-              <a:spcAft>
-                <a:spcPct val="0"/>
-              </a:spcAft>
-              <a:buClr>
-                <a:srgbClr val="F0AB00"/>
-              </a:buClr>
-              <a:buSzPct val="80000"/>
-            </a:pPr>
-            <a:endParaRPr lang="en-US" sz="1200" b="1" kern="0" dirty="0">
-              <a:solidFill>
-                <a:schemeClr val="bg1"/>
-              </a:solidFill>
-              <a:latin typeface="Courier New" panose="02070309020205020404" pitchFamily="49" charset="0"/>
-              <a:ea typeface="Arial Unicode MS" pitchFamily="34" charset="-128"/>
-              <a:cs typeface="Courier New" panose="02070309020205020404" pitchFamily="49" charset="0"/>
-            </a:endParaRPr>
-          </a:p>
-          <a:p>
-            <a:pPr defTabSz="914400" fontAlgn="base">
-              <a:spcAft>
-                <a:spcPct val="0"/>
-              </a:spcAft>
-              <a:buClr>
-                <a:srgbClr val="F0AB00"/>
-              </a:buClr>
-              <a:buSzPct val="80000"/>
-            </a:pPr>
-            <a:r>
-              <a:rPr lang="en-US" sz="1200" b="1" kern="0" dirty="0">
-                <a:solidFill>
-                  <a:schemeClr val="bg1"/>
-                </a:solidFill>
-                <a:latin typeface="Courier New" panose="02070309020205020404" pitchFamily="49" charset="0"/>
-                <a:ea typeface="Arial Unicode MS" pitchFamily="34" charset="-128"/>
-                <a:cs typeface="Courier New" panose="02070309020205020404" pitchFamily="49" charset="0"/>
-              </a:rPr>
-              <a:t>$ </a:t>
-            </a:r>
-            <a:r>
-              <a:rPr lang="en-US" sz="1200" b="1" kern="0" dirty="0" err="1">
-                <a:solidFill>
-                  <a:schemeClr val="bg1"/>
-                </a:solidFill>
-                <a:latin typeface="Courier New" panose="02070309020205020404" pitchFamily="49" charset="0"/>
-                <a:ea typeface="Arial Unicode MS" pitchFamily="34" charset="-128"/>
-                <a:cs typeface="Courier New" panose="02070309020205020404" pitchFamily="49" charset="0"/>
-              </a:rPr>
-              <a:t>docker</a:t>
-            </a:r>
-            <a:r>
-              <a:rPr lang="en-US" sz="1200" b="1" kern="0" dirty="0">
-                <a:solidFill>
-                  <a:schemeClr val="bg1"/>
-                </a:solidFill>
-                <a:latin typeface="Courier New" panose="02070309020205020404" pitchFamily="49" charset="0"/>
-                <a:ea typeface="Arial Unicode MS" pitchFamily="34" charset="-128"/>
-                <a:cs typeface="Courier New" panose="02070309020205020404" pitchFamily="49" charset="0"/>
-              </a:rPr>
-              <a:t> stop -t 5 </a:t>
-            </a:r>
-            <a:r>
-              <a:rPr lang="en-US" sz="1200" b="1" kern="0" dirty="0" err="1">
-                <a:solidFill>
-                  <a:schemeClr val="bg1"/>
-                </a:solidFill>
-                <a:latin typeface="Courier New" panose="02070309020205020404" pitchFamily="49" charset="0"/>
-                <a:ea typeface="Arial Unicode MS" pitchFamily="34" charset="-128"/>
-                <a:cs typeface="Courier New" panose="02070309020205020404" pitchFamily="49" charset="0"/>
-              </a:rPr>
-              <a:t>happy_ride</a:t>
-            </a:r>
-            <a:endParaRPr lang="en-US" sz="1200" b="1" kern="0" dirty="0">
-              <a:solidFill>
-                <a:schemeClr val="bg1"/>
-              </a:solidFill>
-              <a:latin typeface="Courier New" panose="02070309020205020404" pitchFamily="49" charset="0"/>
-              <a:ea typeface="Arial Unicode MS" pitchFamily="34" charset="-128"/>
-              <a:cs typeface="Courier New" panose="02070309020205020404" pitchFamily="49" charset="0"/>
-            </a:endParaRPr>
-          </a:p>
-          <a:p>
-            <a:pPr defTabSz="914400" fontAlgn="base">
-              <a:spcAft>
-                <a:spcPct val="0"/>
-              </a:spcAft>
-              <a:buClr>
-                <a:srgbClr val="F0AB00"/>
-              </a:buClr>
-              <a:buSzPct val="80000"/>
-            </a:pPr>
-            <a:r>
-              <a:rPr lang="en-US" sz="1200" kern="0" dirty="0">
-                <a:solidFill>
-                  <a:schemeClr val="bg1"/>
-                </a:solidFill>
-                <a:latin typeface="Arial monospaced for SAP" panose="020B0609020202030204" pitchFamily="49" charset="0"/>
-                <a:ea typeface="Arial Unicode MS" pitchFamily="34" charset="-128"/>
-                <a:cs typeface="Courier New" panose="02070309020205020404" pitchFamily="49" charset="0"/>
-              </a:rPr>
-              <a:t>494b7b8c9f39</a:t>
-            </a:r>
-          </a:p>
-          <a:p>
-            <a:pPr defTabSz="914400" fontAlgn="base">
-              <a:spcAft>
-                <a:spcPct val="0"/>
-              </a:spcAft>
-              <a:buClr>
-                <a:srgbClr val="F0AB00"/>
-              </a:buClr>
-              <a:buSzPct val="80000"/>
-            </a:pPr>
-            <a:endParaRPr lang="en-US" sz="1200" b="1" kern="0" dirty="0">
-              <a:solidFill>
-                <a:schemeClr val="bg1"/>
-              </a:solidFill>
-              <a:latin typeface="Courier New" panose="02070309020205020404" pitchFamily="49" charset="0"/>
-              <a:ea typeface="Arial Unicode MS" pitchFamily="34" charset="-128"/>
-              <a:cs typeface="Courier New" panose="02070309020205020404" pitchFamily="49" charset="0"/>
-            </a:endParaRPr>
-          </a:p>
-          <a:p>
-            <a:pPr defTabSz="914400" fontAlgn="base">
-              <a:spcAft>
-                <a:spcPct val="0"/>
-              </a:spcAft>
-              <a:buClr>
-                <a:srgbClr val="F0AB00"/>
-              </a:buClr>
-              <a:buSzPct val="80000"/>
-            </a:pPr>
-            <a:r>
-              <a:rPr lang="en-US" sz="1200" b="1" kern="0" dirty="0">
-                <a:solidFill>
-                  <a:schemeClr val="bg1"/>
-                </a:solidFill>
-                <a:latin typeface="Courier New" panose="02070309020205020404" pitchFamily="49" charset="0"/>
-                <a:ea typeface="Arial Unicode MS" pitchFamily="34" charset="-128"/>
-                <a:cs typeface="Courier New" panose="02070309020205020404" pitchFamily="49" charset="0"/>
-              </a:rPr>
-              <a:t>$ </a:t>
-            </a:r>
-            <a:r>
-              <a:rPr lang="en-US" sz="1200" b="1" kern="0" dirty="0" err="1">
-                <a:solidFill>
-                  <a:schemeClr val="bg1"/>
-                </a:solidFill>
-                <a:latin typeface="Courier New" panose="02070309020205020404" pitchFamily="49" charset="0"/>
-                <a:ea typeface="Arial Unicode MS" pitchFamily="34" charset="-128"/>
-                <a:cs typeface="Courier New" panose="02070309020205020404" pitchFamily="49" charset="0"/>
-              </a:rPr>
-              <a:t>docker</a:t>
-            </a:r>
-            <a:r>
-              <a:rPr lang="en-US" sz="1200" b="1" kern="0" dirty="0">
-                <a:solidFill>
-                  <a:schemeClr val="bg1"/>
-                </a:solidFill>
-                <a:latin typeface="Courier New" panose="02070309020205020404" pitchFamily="49" charset="0"/>
-                <a:ea typeface="Arial Unicode MS" pitchFamily="34" charset="-128"/>
-                <a:cs typeface="Courier New" panose="02070309020205020404" pitchFamily="49" charset="0"/>
-              </a:rPr>
-              <a:t> </a:t>
-            </a:r>
-            <a:r>
-              <a:rPr lang="en-US" sz="1200" b="1" kern="0" dirty="0" err="1">
-                <a:solidFill>
-                  <a:schemeClr val="bg1"/>
-                </a:solidFill>
-                <a:latin typeface="Courier New" panose="02070309020205020404" pitchFamily="49" charset="0"/>
-                <a:ea typeface="Arial Unicode MS" pitchFamily="34" charset="-128"/>
-                <a:cs typeface="Courier New" panose="02070309020205020404" pitchFamily="49" charset="0"/>
-              </a:rPr>
-              <a:t>ps</a:t>
-            </a:r>
-            <a:endParaRPr lang="en-US" sz="1200" b="1" kern="0" dirty="0">
-              <a:solidFill>
-                <a:schemeClr val="bg1"/>
-              </a:solidFill>
-              <a:latin typeface="Courier New" panose="02070309020205020404" pitchFamily="49" charset="0"/>
-              <a:ea typeface="Arial Unicode MS" pitchFamily="34" charset="-128"/>
-              <a:cs typeface="Courier New" panose="02070309020205020404" pitchFamily="49" charset="0"/>
-            </a:endParaRPr>
-          </a:p>
-          <a:p>
-            <a:pPr defTabSz="914400" fontAlgn="base">
-              <a:spcAft>
-                <a:spcPct val="0"/>
-              </a:spcAft>
-              <a:buClr>
-                <a:srgbClr val="F0AB00"/>
-              </a:buClr>
-              <a:buSzPct val="80000"/>
-            </a:pPr>
-            <a:r>
-              <a:rPr lang="en-US" sz="1200" kern="0" dirty="0">
-                <a:solidFill>
-                  <a:schemeClr val="bg1"/>
-                </a:solidFill>
-                <a:latin typeface="Arial monospaced for SAP" panose="020B0609020202030204" pitchFamily="49" charset="0"/>
-                <a:ea typeface="Arial Unicode MS" pitchFamily="34" charset="-128"/>
-                <a:cs typeface="Courier New" panose="02070309020205020404" pitchFamily="49" charset="0"/>
-              </a:rPr>
-              <a:t>CONTAINER ID    IMAGE       COMMAND          CREATED      STATUS        PORTS                    NAMES</a:t>
-            </a:r>
-          </a:p>
-          <a:p>
-            <a:pPr defTabSz="914400" fontAlgn="base">
-              <a:spcAft>
-                <a:spcPct val="0"/>
-              </a:spcAft>
-              <a:buClr>
-                <a:srgbClr val="F0AB00"/>
-              </a:buClr>
-              <a:buSzPct val="80000"/>
-            </a:pPr>
-            <a:endParaRPr lang="en-US" sz="1200" kern="0" dirty="0">
-              <a:solidFill>
-                <a:schemeClr val="bg1"/>
-              </a:solidFill>
-              <a:latin typeface="Arial monospaced for SAP" panose="020B0609020202030204" pitchFamily="49" charset="0"/>
-              <a:ea typeface="Arial Unicode MS" pitchFamily="34" charset="-128"/>
-              <a:cs typeface="Courier New" panose="02070309020205020404" pitchFamily="49" charset="0"/>
-            </a:endParaRPr>
-          </a:p>
-          <a:p>
-            <a:pPr defTabSz="914400" fontAlgn="base">
-              <a:spcAft>
-                <a:spcPct val="0"/>
-              </a:spcAft>
-              <a:buClr>
-                <a:srgbClr val="F0AB00"/>
-              </a:buClr>
-              <a:buSzPct val="80000"/>
-            </a:pPr>
-            <a:r>
-              <a:rPr lang="en-US" sz="1200" b="1" kern="0" dirty="0">
-                <a:solidFill>
-                  <a:schemeClr val="bg1"/>
-                </a:solidFill>
-                <a:latin typeface="Courier New" panose="02070309020205020404" pitchFamily="49" charset="0"/>
-                <a:ea typeface="Arial Unicode MS" pitchFamily="34" charset="-128"/>
-                <a:cs typeface="Courier New" panose="02070309020205020404" pitchFamily="49" charset="0"/>
-              </a:rPr>
-              <a:t>$</a:t>
-            </a:r>
-          </a:p>
-        </p:txBody>
-      </p:sp>
-      <p:sp>
-        <p:nvSpPr>
-          <p:cNvPr id="2" name="TextBox 1">
-            <a:extLst>
-              <a:ext uri="{FF2B5EF4-FFF2-40B4-BE49-F238E27FC236}">
-                <a16:creationId xmlns:a16="http://schemas.microsoft.com/office/drawing/2014/main" id="{6F0859C0-3A07-4DCD-B4EF-FAB83CECD30F}"/>
-              </a:ext>
-            </a:extLst>
-          </p:cNvPr>
-          <p:cNvSpPr txBox="1"/>
-          <p:nvPr/>
-        </p:nvSpPr>
-        <p:spPr>
-          <a:xfrm>
-            <a:off x="574557" y="6156695"/>
-            <a:ext cx="6221255" cy="215444"/>
-          </a:xfrm>
-          <a:prstGeom prst="rect">
-            <a:avLst/>
-          </a:prstGeom>
-          <a:noFill/>
-        </p:spPr>
-        <p:txBody>
-          <a:bodyPr wrap="none" lIns="0" tIns="0" rIns="0" bIns="0" rtlCol="0">
-            <a:spAutoFit/>
-          </a:bodyPr>
-          <a:lstStyle/>
-          <a:p>
-            <a:pPr fontAlgn="base">
-              <a:spcBef>
-                <a:spcPct val="50000"/>
-              </a:spcBef>
-              <a:spcAft>
-                <a:spcPct val="0"/>
-              </a:spcAft>
-              <a:buClr>
-                <a:srgbClr val="F0AB00"/>
-              </a:buClr>
-              <a:buSzPct val="80000"/>
-            </a:pPr>
-            <a:r>
-              <a:rPr lang="en-US" sz="1400" kern="0" dirty="0">
-                <a:ea typeface="Arial Unicode MS" pitchFamily="34" charset="-128"/>
-                <a:cs typeface="Arial Unicode MS" pitchFamily="34" charset="-128"/>
-              </a:rPr>
-              <a:t>* you can specify wait time between SIGTERM and SIGKILL with the "-t" option</a:t>
-            </a:r>
-          </a:p>
-        </p:txBody>
-      </p:sp>
-    </p:spTree>
-    <p:extLst>
-      <p:ext uri="{BB962C8B-B14F-4D97-AF65-F5344CB8AC3E}">
-        <p14:creationId xmlns:p14="http://schemas.microsoft.com/office/powerpoint/2010/main" val="3959768445"/>
-      </p:ext>
-    </p:extLst>
-  </p:cSld>
-  <p:clrMapOvr>
-    <a:masterClrMapping/>
-  </p:clrMapOvr>
-</p:sld>
-</file>
-
-<file path=ppt/slides/slide11.xml><?xml version="1.0" encoding="utf-8"?>
-<p:sld xmlns:a="http://schemas.openxmlformats.org/drawingml/2006/main" xmlns:r="http://schemas.openxmlformats.org/officeDocument/2006/relationships" xmlns:p="http://schemas.openxmlformats.org/presentationml/2006/main">
-  <p:cSld>
-    <p:spTree>
-      <p:nvGrpSpPr>
-        <p:cNvPr id="1" name=""/>
-        <p:cNvGrpSpPr/>
-        <p:nvPr/>
-      </p:nvGrpSpPr>
-      <p:grpSpPr>
-        <a:xfrm>
-          <a:off x="0" y="0"/>
-          <a:ext cx="0" cy="0"/>
-          <a:chOff x="0" y="0"/>
-          <a:chExt cx="0" cy="0"/>
-        </a:xfrm>
-      </p:grpSpPr>
-      <p:sp>
-        <p:nvSpPr>
-          <p:cNvPr id="3" name="Title 2"/>
-          <p:cNvSpPr>
-            <a:spLocks noGrp="1"/>
-          </p:cNvSpPr>
-          <p:nvPr>
-            <p:ph type="title"/>
-          </p:nvPr>
-        </p:nvSpPr>
-        <p:spPr/>
-        <p:txBody>
-          <a:bodyPr/>
-          <a:lstStyle/>
-          <a:p>
-            <a:r>
-              <a:rPr lang="en-US" dirty="0"/>
-              <a:t>Getting logs from a container</a:t>
-            </a:r>
-          </a:p>
-        </p:txBody>
-      </p:sp>
-      <p:sp>
-        <p:nvSpPr>
-          <p:cNvPr id="6" name="Text Placeholder 10"/>
-          <p:cNvSpPr>
-            <a:spLocks noGrp="1"/>
-          </p:cNvSpPr>
-          <p:nvPr>
-            <p:ph type="body" sz="quarter" idx="10"/>
-          </p:nvPr>
-        </p:nvSpPr>
-        <p:spPr>
-          <a:xfrm>
-            <a:off x="503999" y="1620000"/>
-            <a:ext cx="11186477" cy="4230000"/>
-          </a:xfrm>
-        </p:spPr>
-        <p:txBody>
-          <a:bodyPr/>
-          <a:lstStyle/>
-          <a:p>
-            <a:pPr lvl="0"/>
-            <a:r>
-              <a:rPr lang="en-US" sz="1800" dirty="0"/>
-              <a:t>Docker collects logs from programs inside containers</a:t>
-            </a:r>
-          </a:p>
-          <a:p>
-            <a:pPr lvl="1"/>
-            <a:r>
-              <a:rPr lang="en-US" sz="1600" dirty="0" err="1"/>
-              <a:t>stdout</a:t>
-            </a:r>
-            <a:r>
-              <a:rPr lang="en-US" sz="1600" dirty="0"/>
-              <a:t> and </a:t>
-            </a:r>
-            <a:r>
-              <a:rPr lang="en-US" sz="1600" dirty="0" err="1"/>
-              <a:t>stderr</a:t>
-            </a:r>
-            <a:r>
-              <a:rPr lang="en-US" sz="1600" dirty="0"/>
-              <a:t> of the main process get collected</a:t>
-            </a:r>
-          </a:p>
-          <a:p>
-            <a:pPr lvl="1"/>
-            <a:r>
-              <a:rPr lang="en-US" sz="1600" dirty="0"/>
-              <a:t>logs from programs can be redirected to /dev/</a:t>
-            </a:r>
-            <a:r>
-              <a:rPr lang="en-US" sz="1600" dirty="0" err="1"/>
-              <a:t>stdout</a:t>
-            </a:r>
-            <a:r>
-              <a:rPr lang="en-US" sz="1600" dirty="0"/>
-              <a:t> and /dev/</a:t>
-            </a:r>
-            <a:r>
-              <a:rPr lang="en-US" sz="1600" dirty="0" err="1"/>
-              <a:t>stderr</a:t>
-            </a:r>
-            <a:endParaRPr lang="en-US" sz="1600" dirty="0"/>
-          </a:p>
-          <a:p>
-            <a:pPr lvl="1"/>
-            <a:endParaRPr lang="en-US" sz="1600" dirty="0"/>
-          </a:p>
-          <a:p>
-            <a:pPr lvl="1"/>
-            <a:r>
-              <a:rPr lang="en-US" sz="1600" dirty="0"/>
-              <a:t>logs still available even after a container terminated</a:t>
-            </a:r>
-          </a:p>
-        </p:txBody>
-      </p:sp>
-      <p:sp>
-        <p:nvSpPr>
-          <p:cNvPr id="7" name="Rectangle: Rounded Corners 6"/>
-          <p:cNvSpPr/>
-          <p:nvPr/>
-        </p:nvSpPr>
-        <p:spPr bwMode="gray">
-          <a:xfrm>
-            <a:off x="686701" y="2558294"/>
-            <a:ext cx="7312170" cy="276513"/>
-          </a:xfrm>
-          <a:prstGeom prst="roundRect">
-            <a:avLst/>
-          </a:prstGeom>
-          <a:solidFill>
-            <a:schemeClr val="accent1">
-              <a:lumMod val="20000"/>
-              <a:lumOff val="80000"/>
-            </a:schemeClr>
-          </a:solidFill>
-          <a:ln w="6350" algn="ctr">
-            <a:noFill/>
-            <a:miter lim="800000"/>
-            <a:headEnd/>
-            <a:tailEnd/>
-          </a:ln>
-        </p:spPr>
-        <p:txBody>
-          <a:bodyPr lIns="90000" tIns="72000" rIns="90000" bIns="72000" rtlCol="0" anchor="ctr"/>
-          <a:lstStyle/>
-          <a:p>
-            <a:pPr marL="179387" lvl="2" indent="0">
-              <a:buNone/>
-            </a:pPr>
-            <a:r>
-              <a:rPr lang="en-US" sz="1400" b="1" dirty="0">
-                <a:latin typeface="Courier New" panose="02070309020205020404" pitchFamily="49" charset="0"/>
-                <a:cs typeface="Courier New" panose="02070309020205020404" pitchFamily="49" charset="0"/>
-              </a:rPr>
-              <a:t>$ </a:t>
-            </a:r>
-            <a:r>
-              <a:rPr lang="en-US" sz="1400" dirty="0" err="1">
-                <a:latin typeface="Courier New" panose="02070309020205020404" pitchFamily="49" charset="0"/>
-                <a:cs typeface="Courier New" panose="02070309020205020404" pitchFamily="49" charset="0"/>
-              </a:rPr>
-              <a:t>docker</a:t>
-            </a:r>
-            <a:r>
-              <a:rPr lang="en-US" sz="1400" b="1" dirty="0">
-                <a:latin typeface="Courier New" panose="02070309020205020404" pitchFamily="49" charset="0"/>
-                <a:cs typeface="Courier New" panose="02070309020205020404" pitchFamily="49" charset="0"/>
-              </a:rPr>
-              <a:t> logs </a:t>
-            </a:r>
-            <a:r>
-              <a:rPr lang="en-US" sz="1400" i="1" dirty="0">
-                <a:latin typeface="Courier New" panose="02070309020205020404" pitchFamily="49" charset="0"/>
-                <a:cs typeface="Courier New" panose="02070309020205020404" pitchFamily="49" charset="0"/>
-              </a:rPr>
-              <a:t>&lt;container ID or name&gt;</a:t>
-            </a:r>
-          </a:p>
-        </p:txBody>
-      </p:sp>
-      <p:sp>
-        <p:nvSpPr>
-          <p:cNvPr id="9" name="Rectangle: Rounded Corners 8"/>
-          <p:cNvSpPr/>
-          <p:nvPr/>
-        </p:nvSpPr>
-        <p:spPr bwMode="gray">
-          <a:xfrm>
-            <a:off x="779625" y="3575926"/>
-            <a:ext cx="10635223" cy="2275275"/>
-          </a:xfrm>
-          <a:prstGeom prst="roundRect">
-            <a:avLst>
-              <a:gd name="adj" fmla="val 8296"/>
-            </a:avLst>
-          </a:prstGeom>
-          <a:pattFill prst="narHorz">
-            <a:fgClr>
-              <a:schemeClr val="tx1"/>
-            </a:fgClr>
-            <a:bgClr>
-              <a:srgbClr val="112806"/>
-            </a:bgClr>
-          </a:pattFill>
-          <a:ln w="6350" algn="ctr">
-            <a:noFill/>
-            <a:miter lim="800000"/>
-            <a:headEnd/>
-            <a:tailEnd/>
-          </a:ln>
-        </p:spPr>
-        <p:txBody>
-          <a:bodyPr lIns="90000" tIns="72000" rIns="90000" bIns="72000" rtlCol="0" anchor="t"/>
-          <a:lstStyle/>
-          <a:p>
-            <a:pPr defTabSz="914400" fontAlgn="base">
-              <a:spcAft>
-                <a:spcPct val="0"/>
-              </a:spcAft>
-              <a:buClr>
-                <a:srgbClr val="F0AB00"/>
-              </a:buClr>
-              <a:buSzPct val="80000"/>
-            </a:pPr>
-            <a:r>
-              <a:rPr lang="en-US" sz="1200" b="1" kern="0" dirty="0">
-                <a:solidFill>
-                  <a:schemeClr val="bg1"/>
-                </a:solidFill>
-                <a:latin typeface="Courier New" panose="02070309020205020404" pitchFamily="49" charset="0"/>
-                <a:ea typeface="Arial Unicode MS" pitchFamily="34" charset="-128"/>
-                <a:cs typeface="Courier New" panose="02070309020205020404" pitchFamily="49" charset="0"/>
-              </a:rPr>
-              <a:t>$ </a:t>
-            </a:r>
-            <a:r>
-              <a:rPr lang="en-US" sz="1200" b="1" kern="0" dirty="0" err="1">
-                <a:solidFill>
-                  <a:schemeClr val="bg1"/>
-                </a:solidFill>
-                <a:latin typeface="Courier New" panose="02070309020205020404" pitchFamily="49" charset="0"/>
-                <a:ea typeface="Arial Unicode MS" pitchFamily="34" charset="-128"/>
-                <a:cs typeface="Courier New" panose="02070309020205020404" pitchFamily="49" charset="0"/>
-              </a:rPr>
-              <a:t>docker</a:t>
-            </a:r>
-            <a:r>
-              <a:rPr lang="en-US" sz="1200" b="1" kern="0" dirty="0">
-                <a:solidFill>
-                  <a:schemeClr val="bg1"/>
-                </a:solidFill>
-                <a:latin typeface="Courier New" panose="02070309020205020404" pitchFamily="49" charset="0"/>
-                <a:ea typeface="Arial Unicode MS" pitchFamily="34" charset="-128"/>
-                <a:cs typeface="Courier New" panose="02070309020205020404" pitchFamily="49" charset="0"/>
-              </a:rPr>
-              <a:t> logs 494b7b8c9f39</a:t>
-            </a:r>
-          </a:p>
-          <a:p>
-            <a:pPr defTabSz="914400" fontAlgn="base">
-              <a:spcAft>
-                <a:spcPct val="0"/>
-              </a:spcAft>
-              <a:buClr>
-                <a:srgbClr val="F0AB00"/>
-              </a:buClr>
-              <a:buSzPct val="80000"/>
-            </a:pPr>
-            <a:r>
-              <a:rPr lang="en-US" sz="1200" kern="0" dirty="0">
-                <a:solidFill>
-                  <a:schemeClr val="bg1"/>
-                </a:solidFill>
-                <a:latin typeface="Arial monospaced for SAP" panose="020B0609020202030204" pitchFamily="49" charset="0"/>
-                <a:ea typeface="Arial Unicode MS" pitchFamily="34" charset="-128"/>
-                <a:cs typeface="Courier New" panose="02070309020205020404" pitchFamily="49" charset="0"/>
-              </a:rPr>
-              <a:t>10.19.91.230 - - [01/Dec/2017:14:48:12 +0000] "GET / HTTP/1.1" 200 230 "-" "Mozilla/5.0 (Windows NT 10.0; Win64; x64; rv:57.0) Gecko/20100101 Firefox/57.0" "-"</a:t>
-            </a:r>
-          </a:p>
-          <a:p>
-            <a:pPr defTabSz="914400" fontAlgn="base">
-              <a:spcAft>
-                <a:spcPct val="0"/>
-              </a:spcAft>
-              <a:buClr>
-                <a:srgbClr val="F0AB00"/>
-              </a:buClr>
-              <a:buSzPct val="80000"/>
-            </a:pPr>
-            <a:r>
-              <a:rPr lang="en-US" sz="1200" kern="0" dirty="0">
-                <a:solidFill>
-                  <a:schemeClr val="bg1"/>
-                </a:solidFill>
-                <a:latin typeface="Arial monospaced for SAP" panose="020B0609020202030204" pitchFamily="49" charset="0"/>
-                <a:ea typeface="Arial Unicode MS" pitchFamily="34" charset="-128"/>
-                <a:cs typeface="Courier New" panose="02070309020205020404" pitchFamily="49" charset="0"/>
-              </a:rPr>
-              <a:t>10.19.91.230 - - [01/Dec/2017:14:48:12 +0000] "GET /it_works.jpg HTTP/1.1" 200 25676 "http://pvxka22:32780/" "Mozilla/5.0 (Windows NT 10.0; Win64; x64; rv:57.0) Gecko/20100101 Firefox/57.0" "-"</a:t>
-            </a:r>
-          </a:p>
-          <a:p>
-            <a:pPr defTabSz="914400" fontAlgn="base">
-              <a:spcAft>
-                <a:spcPct val="0"/>
-              </a:spcAft>
-              <a:buClr>
-                <a:srgbClr val="F0AB00"/>
-              </a:buClr>
-              <a:buSzPct val="80000"/>
-            </a:pPr>
-            <a:r>
-              <a:rPr lang="en-US" sz="1200" kern="0" dirty="0">
-                <a:solidFill>
-                  <a:schemeClr val="accent5">
-                    <a:lumMod val="20000"/>
-                    <a:lumOff val="80000"/>
-                  </a:schemeClr>
-                </a:solidFill>
-                <a:latin typeface="Arial monospaced for SAP" panose="020B0609020202030204" pitchFamily="49" charset="0"/>
-                <a:ea typeface="Arial Unicode MS" pitchFamily="34" charset="-128"/>
-                <a:cs typeface="Courier New" panose="02070309020205020404" pitchFamily="49" charset="0"/>
-              </a:rPr>
-              <a:t>2017/12/01 14:48:12 [error] 8#8: *1 open() "/</a:t>
-            </a:r>
-            <a:r>
-              <a:rPr lang="en-US" sz="1200" kern="0" dirty="0" err="1">
-                <a:solidFill>
-                  <a:schemeClr val="accent5">
-                    <a:lumMod val="20000"/>
-                    <a:lumOff val="80000"/>
-                  </a:schemeClr>
-                </a:solidFill>
-                <a:latin typeface="Arial monospaced for SAP" panose="020B0609020202030204" pitchFamily="49" charset="0"/>
-                <a:ea typeface="Arial Unicode MS" pitchFamily="34" charset="-128"/>
-                <a:cs typeface="Courier New" panose="02070309020205020404" pitchFamily="49" charset="0"/>
-              </a:rPr>
-              <a:t>srv</a:t>
-            </a:r>
-            <a:r>
-              <a:rPr lang="en-US" sz="1200" kern="0" dirty="0">
-                <a:solidFill>
-                  <a:schemeClr val="accent5">
-                    <a:lumMod val="20000"/>
-                    <a:lumOff val="80000"/>
-                  </a:schemeClr>
-                </a:solidFill>
-                <a:latin typeface="Arial monospaced for SAP" panose="020B0609020202030204" pitchFamily="49" charset="0"/>
-                <a:ea typeface="Arial Unicode MS" pitchFamily="34" charset="-128"/>
-                <a:cs typeface="Courier New" panose="02070309020205020404" pitchFamily="49" charset="0"/>
-              </a:rPr>
-              <a:t>/www/</a:t>
-            </a:r>
-            <a:r>
-              <a:rPr lang="en-US" sz="1200" kern="0" dirty="0" err="1">
-                <a:solidFill>
-                  <a:schemeClr val="accent5">
-                    <a:lumMod val="20000"/>
-                    <a:lumOff val="80000"/>
-                  </a:schemeClr>
-                </a:solidFill>
-                <a:latin typeface="Arial monospaced for SAP" panose="020B0609020202030204" pitchFamily="49" charset="0"/>
-                <a:ea typeface="Arial Unicode MS" pitchFamily="34" charset="-128"/>
-                <a:cs typeface="Courier New" panose="02070309020205020404" pitchFamily="49" charset="0"/>
-              </a:rPr>
-              <a:t>htdocs</a:t>
-            </a:r>
-            <a:r>
-              <a:rPr lang="en-US" sz="1200" kern="0" dirty="0">
-                <a:solidFill>
-                  <a:schemeClr val="accent5">
-                    <a:lumMod val="20000"/>
-                    <a:lumOff val="80000"/>
-                  </a:schemeClr>
-                </a:solidFill>
-                <a:latin typeface="Arial monospaced for SAP" panose="020B0609020202030204" pitchFamily="49" charset="0"/>
-                <a:ea typeface="Arial Unicode MS" pitchFamily="34" charset="-128"/>
-                <a:cs typeface="Courier New" panose="02070309020205020404" pitchFamily="49" charset="0"/>
-              </a:rPr>
-              <a:t>/favicon.ico" failed (2: No such file or directory), client: 10.19.91.230, server: localhost, request: "GET /favicon.ico HTTP/1.1", host: "pvxka22:32780"</a:t>
-            </a:r>
-          </a:p>
-          <a:p>
-            <a:pPr defTabSz="914400" fontAlgn="base">
-              <a:spcAft>
-                <a:spcPct val="0"/>
-              </a:spcAft>
-              <a:buClr>
-                <a:srgbClr val="F0AB00"/>
-              </a:buClr>
-              <a:buSzPct val="80000"/>
-            </a:pPr>
-            <a:r>
-              <a:rPr lang="en-US" sz="1200" kern="0" dirty="0">
-                <a:solidFill>
-                  <a:schemeClr val="bg1"/>
-                </a:solidFill>
-                <a:latin typeface="Arial monospaced for SAP" panose="020B0609020202030204" pitchFamily="49" charset="0"/>
-                <a:ea typeface="Arial Unicode MS" pitchFamily="34" charset="-128"/>
-                <a:cs typeface="Courier New" panose="02070309020205020404" pitchFamily="49" charset="0"/>
-              </a:rPr>
-              <a:t>10.19.91.230 - - [01/Dec/2017:14:48:12 +0000] "GET /favicon.ico HTTP/1.1" 404 169 "-" "Mozilla/5.0 (Windows NT 10.0; Win64; x64; rv:57.0) Gecko/20100101 Firefox/57.0" "-“</a:t>
-            </a:r>
-          </a:p>
-          <a:p>
-            <a:pPr defTabSz="914400" fontAlgn="base">
-              <a:spcAft>
-                <a:spcPct val="0"/>
-              </a:spcAft>
-              <a:buClr>
-                <a:srgbClr val="F0AB00"/>
-              </a:buClr>
-              <a:buSzPct val="80000"/>
-            </a:pPr>
-            <a:endParaRPr lang="en-US" sz="1200" b="1" kern="0" dirty="0">
-              <a:solidFill>
-                <a:schemeClr val="bg1"/>
-              </a:solidFill>
-              <a:latin typeface="Courier New" panose="02070309020205020404" pitchFamily="49" charset="0"/>
-              <a:ea typeface="Arial Unicode MS" pitchFamily="34" charset="-128"/>
-              <a:cs typeface="Courier New" panose="02070309020205020404" pitchFamily="49" charset="0"/>
-            </a:endParaRPr>
-          </a:p>
-          <a:p>
-            <a:pPr defTabSz="914400" fontAlgn="base">
-              <a:spcAft>
-                <a:spcPct val="0"/>
-              </a:spcAft>
-              <a:buClr>
-                <a:srgbClr val="F0AB00"/>
-              </a:buClr>
-              <a:buSzPct val="80000"/>
-            </a:pPr>
-            <a:r>
-              <a:rPr lang="en-US" sz="1200" b="1" kern="0" dirty="0">
-                <a:solidFill>
-                  <a:schemeClr val="bg1"/>
-                </a:solidFill>
-                <a:latin typeface="Courier New" panose="02070309020205020404" pitchFamily="49" charset="0"/>
-                <a:ea typeface="Arial Unicode MS" pitchFamily="34" charset="-128"/>
-                <a:cs typeface="Courier New" panose="02070309020205020404" pitchFamily="49" charset="0"/>
-              </a:rPr>
-              <a:t>$</a:t>
-            </a:r>
-          </a:p>
-        </p:txBody>
-      </p:sp>
-    </p:spTree>
-    <p:extLst>
-      <p:ext uri="{BB962C8B-B14F-4D97-AF65-F5344CB8AC3E}">
-        <p14:creationId xmlns:p14="http://schemas.microsoft.com/office/powerpoint/2010/main" val="3140959912"/>
-      </p:ext>
-    </p:extLst>
-  </p:cSld>
-  <p:clrMapOvr>
-    <a:masterClrMapping/>
-  </p:clrMapOvr>
-</p:sld>
-</file>
-
-<file path=ppt/slides/slide12.xml><?xml version="1.0" encoding="utf-8"?>
-<p:sld xmlns:a="http://schemas.openxmlformats.org/drawingml/2006/main" xmlns:r="http://schemas.openxmlformats.org/officeDocument/2006/relationships" xmlns:p="http://schemas.openxmlformats.org/presentationml/2006/main">
+<p:sld xmlns:a="http://schemas.openxmlformats.org/drawingml/2006/main" xmlns:r="http://schemas.openxmlformats.org/officeDocument/2006/relationships" xmlns:p="http://schemas.openxmlformats.org/presentationml/2006/main" show="0">
   <p:cSld>
     <p:spTree>
       <p:nvGrpSpPr>
@@ -10895,51 +9672,7 @@
                 <a:ea typeface="Arial Unicode MS" pitchFamily="34" charset="-128"/>
                 <a:cs typeface="Courier New" panose="02070309020205020404" pitchFamily="49" charset="0"/>
               </a:rPr>
-              <a:t>pvxKA22:~ # </a:t>
-            </a:r>
-            <a:r>
-              <a:rPr lang="en-US" sz="1200" b="1" kern="0" dirty="0" err="1">
-                <a:solidFill>
-                  <a:schemeClr val="bg1"/>
-                </a:solidFill>
-                <a:latin typeface="Courier New" panose="02070309020205020404" pitchFamily="49" charset="0"/>
-                <a:ea typeface="Arial Unicode MS" pitchFamily="34" charset="-128"/>
-                <a:cs typeface="Courier New" panose="02070309020205020404" pitchFamily="49" charset="0"/>
-              </a:rPr>
-              <a:t>docker</a:t>
-            </a:r>
-            <a:r>
-              <a:rPr lang="en-US" sz="1200" b="1" kern="0" dirty="0">
-                <a:solidFill>
-                  <a:schemeClr val="bg1"/>
-                </a:solidFill>
-                <a:latin typeface="Courier New" panose="02070309020205020404" pitchFamily="49" charset="0"/>
-                <a:ea typeface="Arial Unicode MS" pitchFamily="34" charset="-128"/>
-                <a:cs typeface="Courier New" panose="02070309020205020404" pitchFamily="49" charset="0"/>
-              </a:rPr>
-              <a:t> </a:t>
-            </a:r>
-            <a:r>
-              <a:rPr lang="en-US" sz="1200" b="1" kern="0" dirty="0" err="1">
-                <a:solidFill>
-                  <a:schemeClr val="bg1"/>
-                </a:solidFill>
-                <a:latin typeface="Courier New" panose="02070309020205020404" pitchFamily="49" charset="0"/>
-                <a:ea typeface="Arial Unicode MS" pitchFamily="34" charset="-128"/>
-                <a:cs typeface="Courier New" panose="02070309020205020404" pitchFamily="49" charset="0"/>
-              </a:rPr>
-              <a:t>ps</a:t>
-            </a:r>
-            <a:r>
-              <a:rPr lang="en-US" sz="1200" b="1" kern="0" dirty="0">
-                <a:solidFill>
-                  <a:schemeClr val="bg1"/>
-                </a:solidFill>
-                <a:latin typeface="Courier New" panose="02070309020205020404" pitchFamily="49" charset="0"/>
-                <a:ea typeface="Arial Unicode MS" pitchFamily="34" charset="-128"/>
-                <a:cs typeface="Courier New" panose="02070309020205020404" pitchFamily="49" charset="0"/>
-              </a:rPr>
-              <a:t> -a</a:t>
+              <a:t>$ docker container list -a</a:t>
             </a:r>
           </a:p>
           <a:p>
@@ -11194,29 +9927,7 @@
                 <a:ea typeface="Arial Unicode MS" pitchFamily="34" charset="-128"/>
                 <a:cs typeface="Courier New" panose="02070309020205020404" pitchFamily="49" charset="0"/>
               </a:rPr>
-              <a:t>pvxKA22:~ # </a:t>
-            </a:r>
-            <a:r>
-              <a:rPr lang="en-US" sz="1200" b="1" kern="0" dirty="0" err="1">
-                <a:solidFill>
-                  <a:schemeClr val="bg1"/>
-                </a:solidFill>
-                <a:latin typeface="Courier New" panose="02070309020205020404" pitchFamily="49" charset="0"/>
-                <a:ea typeface="Arial Unicode MS" pitchFamily="34" charset="-128"/>
-                <a:cs typeface="Courier New" panose="02070309020205020404" pitchFamily="49" charset="0"/>
-              </a:rPr>
-              <a:t>docker</a:t>
-            </a:r>
-            <a:r>
-              <a:rPr lang="en-US" sz="1200" b="1" kern="0" dirty="0">
-                <a:solidFill>
-                  <a:schemeClr val="bg1"/>
-                </a:solidFill>
-                <a:latin typeface="Courier New" panose="02070309020205020404" pitchFamily="49" charset="0"/>
-                <a:ea typeface="Arial Unicode MS" pitchFamily="34" charset="-128"/>
-                <a:cs typeface="Courier New" panose="02070309020205020404" pitchFamily="49" charset="0"/>
-              </a:rPr>
-              <a:t> </a:t>
+              <a:t>$ docker container </a:t>
             </a:r>
             <a:r>
               <a:rPr lang="en-US" sz="1200" b="1" kern="0" dirty="0" err="1">
@@ -11323,29 +10034,7 @@
                 <a:ea typeface="Arial Unicode MS" pitchFamily="34" charset="-128"/>
                 <a:cs typeface="Courier New" panose="02070309020205020404" pitchFamily="49" charset="0"/>
               </a:rPr>
-              <a:t>pvxKA22:~ # </a:t>
-            </a:r>
-            <a:r>
-              <a:rPr lang="en-US" sz="1200" b="1" kern="0" dirty="0" err="1">
-                <a:solidFill>
-                  <a:schemeClr val="bg1"/>
-                </a:solidFill>
-                <a:latin typeface="Courier New" panose="02070309020205020404" pitchFamily="49" charset="0"/>
-                <a:ea typeface="Arial Unicode MS" pitchFamily="34" charset="-128"/>
-                <a:cs typeface="Courier New" panose="02070309020205020404" pitchFamily="49" charset="0"/>
-              </a:rPr>
-              <a:t>docker</a:t>
-            </a:r>
-            <a:r>
-              <a:rPr lang="en-US" sz="1200" b="1" kern="0" dirty="0">
-                <a:solidFill>
-                  <a:schemeClr val="bg1"/>
-                </a:solidFill>
-                <a:latin typeface="Courier New" panose="02070309020205020404" pitchFamily="49" charset="0"/>
-                <a:ea typeface="Arial Unicode MS" pitchFamily="34" charset="-128"/>
-                <a:cs typeface="Courier New" panose="02070309020205020404" pitchFamily="49" charset="0"/>
-              </a:rPr>
-              <a:t> </a:t>
+              <a:t>$ docker container </a:t>
             </a:r>
             <a:r>
               <a:rPr lang="en-US" sz="1200" b="1" kern="0" dirty="0" err="1">
@@ -11430,51 +10119,7 @@
                 <a:ea typeface="Arial Unicode MS" pitchFamily="34" charset="-128"/>
                 <a:cs typeface="Courier New" panose="02070309020205020404" pitchFamily="49" charset="0"/>
               </a:rPr>
-              <a:t>pvxKA22:~ # </a:t>
-            </a:r>
-            <a:r>
-              <a:rPr lang="en-US" sz="1200" b="1" kern="0" dirty="0" err="1">
-                <a:solidFill>
-                  <a:schemeClr val="bg1"/>
-                </a:solidFill>
-                <a:latin typeface="Courier New" panose="02070309020205020404" pitchFamily="49" charset="0"/>
-                <a:ea typeface="Arial Unicode MS" pitchFamily="34" charset="-128"/>
-                <a:cs typeface="Courier New" panose="02070309020205020404" pitchFamily="49" charset="0"/>
-              </a:rPr>
-              <a:t>docker</a:t>
-            </a:r>
-            <a:r>
-              <a:rPr lang="en-US" sz="1200" b="1" kern="0" dirty="0">
-                <a:solidFill>
-                  <a:schemeClr val="bg1"/>
-                </a:solidFill>
-                <a:latin typeface="Courier New" panose="02070309020205020404" pitchFamily="49" charset="0"/>
-                <a:ea typeface="Arial Unicode MS" pitchFamily="34" charset="-128"/>
-                <a:cs typeface="Courier New" panose="02070309020205020404" pitchFamily="49" charset="0"/>
-              </a:rPr>
-              <a:t> </a:t>
-            </a:r>
-            <a:r>
-              <a:rPr lang="en-US" sz="1200" b="1" kern="0" dirty="0" err="1">
-                <a:solidFill>
-                  <a:schemeClr val="bg1"/>
-                </a:solidFill>
-                <a:latin typeface="Courier New" panose="02070309020205020404" pitchFamily="49" charset="0"/>
-                <a:ea typeface="Arial Unicode MS" pitchFamily="34" charset="-128"/>
-                <a:cs typeface="Courier New" panose="02070309020205020404" pitchFamily="49" charset="0"/>
-              </a:rPr>
-              <a:t>ps</a:t>
-            </a:r>
-            <a:r>
-              <a:rPr lang="en-US" sz="1200" b="1" kern="0" dirty="0">
-                <a:solidFill>
-                  <a:schemeClr val="bg1"/>
-                </a:solidFill>
-                <a:latin typeface="Courier New" panose="02070309020205020404" pitchFamily="49" charset="0"/>
-                <a:ea typeface="Arial Unicode MS" pitchFamily="34" charset="-128"/>
-                <a:cs typeface="Courier New" panose="02070309020205020404" pitchFamily="49" charset="0"/>
-              </a:rPr>
-              <a:t> -a</a:t>
+              <a:t>$ docker container list -a</a:t>
             </a:r>
           </a:p>
           <a:p>
@@ -11579,7 +10224,7 @@
 </p:sld>
 </file>
 
-<file path=ppt/slides/slide13.xml><?xml version="1.0" encoding="utf-8"?>
+<file path=ppt/slides/slide11.xml><?xml version="1.0" encoding="utf-8"?>
 <p:sld xmlns:a="http://schemas.openxmlformats.org/drawingml/2006/main" xmlns:r="http://schemas.openxmlformats.org/officeDocument/2006/relationships" xmlns:p="http://schemas.openxmlformats.org/presentationml/2006/main">
   <p:cSld>
     <p:spTree>
@@ -11675,7 +10320,7 @@
 </p:sld>
 </file>
 
-<file path=ppt/slides/slide14.xml><?xml version="1.0" encoding="utf-8"?>
+<file path=ppt/slides/slide12.xml><?xml version="1.0" encoding="utf-8"?>
 <p:sld xmlns:a="http://schemas.openxmlformats.org/drawingml/2006/main" xmlns:r="http://schemas.openxmlformats.org/officeDocument/2006/relationships" xmlns:p="http://schemas.openxmlformats.org/presentationml/2006/main">
   <p:cSld>
     <p:spTree>
@@ -12377,7 +11022,7 @@
 </p:sld>
 </file>
 
-<file path=ppt/slides/slide15.xml><?xml version="1.0" encoding="utf-8"?>
+<file path=ppt/slides/slide13.xml><?xml version="1.0" encoding="utf-8"?>
 <p:sld xmlns:a="http://schemas.openxmlformats.org/drawingml/2006/main" xmlns:r="http://schemas.openxmlformats.org/officeDocument/2006/relationships" xmlns:p="http://schemas.openxmlformats.org/presentationml/2006/main">
   <p:cSld>
     <p:spTree>
@@ -12887,7 +11532,7 @@
 </p:sld>
 </file>
 
-<file path=ppt/slides/slide16.xml><?xml version="1.0" encoding="utf-8"?>
+<file path=ppt/slides/slide14.xml><?xml version="1.0" encoding="utf-8"?>
 <p:sld xmlns:a="http://schemas.openxmlformats.org/drawingml/2006/main" xmlns:r="http://schemas.openxmlformats.org/officeDocument/2006/relationships" xmlns:p="http://schemas.openxmlformats.org/presentationml/2006/main" show="0">
   <p:cSld>
     <p:spTree>
@@ -12914,99 +11559,6 @@
 </file>
 
 <file path=ppt/slides/slide2.xml><?xml version="1.0" encoding="utf-8"?>
-<p:sld xmlns:a="http://schemas.openxmlformats.org/drawingml/2006/main" xmlns:r="http://schemas.openxmlformats.org/officeDocument/2006/relationships" xmlns:p="http://schemas.openxmlformats.org/presentationml/2006/main">
-  <p:cSld>
-    <p:spTree>
-      <p:nvGrpSpPr>
-        <p:cNvPr id="1" name=""/>
-        <p:cNvGrpSpPr/>
-        <p:nvPr/>
-      </p:nvGrpSpPr>
-      <p:grpSpPr>
-        <a:xfrm>
-          <a:off x="0" y="0"/>
-          <a:ext cx="0" cy="0"/>
-          <a:chOff x="0" y="0"/>
-          <a:chExt cx="0" cy="0"/>
-        </a:xfrm>
-      </p:grpSpPr>
-      <p:sp>
-        <p:nvSpPr>
-          <p:cNvPr id="17" name="Text Placeholder 16"/>
-          <p:cNvSpPr>
-            <a:spLocks noGrp="1"/>
-          </p:cNvSpPr>
-          <p:nvPr>
-            <p:ph type="body" sz="quarter" idx="14"/>
-          </p:nvPr>
-        </p:nvSpPr>
-        <p:spPr/>
-        <p:txBody>
-          <a:bodyPr/>
-          <a:lstStyle/>
-          <a:p>
-            <a:r>
-              <a:rPr lang="en-US" dirty="0"/>
-              <a:t>Working with </a:t>
-            </a:r>
-            <a:r>
-              <a:rPr lang="en-US" dirty="0">
-                <a:solidFill>
-                  <a:schemeClr val="accent1"/>
-                </a:solidFill>
-              </a:rPr>
-              <a:t>Containers</a:t>
-            </a:r>
-          </a:p>
-          <a:p>
-            <a:r>
-              <a:rPr lang="en-US" dirty="0"/>
-              <a:t>on </a:t>
-            </a:r>
-            <a:r>
-              <a:rPr lang="en-US" dirty="0">
-                <a:solidFill>
-                  <a:schemeClr val="accent1"/>
-                </a:solidFill>
-              </a:rPr>
-              <a:t>Docker</a:t>
-            </a:r>
-          </a:p>
-        </p:txBody>
-      </p:sp>
-      <p:pic>
-        <p:nvPicPr>
-          <p:cNvPr id="6" name="Picture Placeholder 5"/>
-          <p:cNvPicPr>
-            <a:picLocks noGrp="1" noChangeAspect="1"/>
-          </p:cNvPicPr>
-          <p:nvPr>
-            <p:ph type="pic" sz="quarter" idx="16"/>
-          </p:nvPr>
-        </p:nvPicPr>
-        <p:blipFill>
-          <a:blip r:embed="rId2"/>
-          <a:srcRect t="16" b="16"/>
-          <a:stretch>
-            <a:fillRect/>
-          </a:stretch>
-        </p:blipFill>
-        <p:spPr/>
-      </p:pic>
-    </p:spTree>
-    <p:extLst>
-      <p:ext uri="{BB962C8B-B14F-4D97-AF65-F5344CB8AC3E}">
-        <p14:creationId xmlns:p14="http://schemas.microsoft.com/office/powerpoint/2010/main" val="1786748081"/>
-      </p:ext>
-    </p:extLst>
-  </p:cSld>
-  <p:clrMapOvr>
-    <a:masterClrMapping/>
-  </p:clrMapOvr>
-</p:sld>
-</file>
-
-<file path=ppt/slides/slide3.xml><?xml version="1.0" encoding="utf-8"?>
 <p:sld xmlns:a="http://schemas.openxmlformats.org/drawingml/2006/main" xmlns:r="http://schemas.openxmlformats.org/officeDocument/2006/relationships" xmlns:p="http://schemas.openxmlformats.org/presentationml/2006/main">
   <p:cSld>
     <p:spTree>
@@ -15585,590 +14137,7 @@
 </p:sld>
 </file>
 
-<file path=ppt/slides/slide4.xml><?xml version="1.0" encoding="utf-8"?>
-<p:sld xmlns:a="http://schemas.openxmlformats.org/drawingml/2006/main" xmlns:r="http://schemas.openxmlformats.org/officeDocument/2006/relationships" xmlns:p="http://schemas.openxmlformats.org/presentationml/2006/main">
-  <p:cSld>
-    <p:spTree>
-      <p:nvGrpSpPr>
-        <p:cNvPr id="1" name=""/>
-        <p:cNvGrpSpPr/>
-        <p:nvPr/>
-      </p:nvGrpSpPr>
-      <p:grpSpPr>
-        <a:xfrm>
-          <a:off x="0" y="0"/>
-          <a:ext cx="0" cy="0"/>
-          <a:chOff x="0" y="0"/>
-          <a:chExt cx="0" cy="0"/>
-        </a:xfrm>
-      </p:grpSpPr>
-      <p:sp>
-        <p:nvSpPr>
-          <p:cNvPr id="3" name="Title 2"/>
-          <p:cNvSpPr>
-            <a:spLocks noGrp="1"/>
-          </p:cNvSpPr>
-          <p:nvPr>
-            <p:ph type="title"/>
-          </p:nvPr>
-        </p:nvSpPr>
-        <p:spPr/>
-        <p:txBody>
-          <a:bodyPr/>
-          <a:lstStyle/>
-          <a:p>
-            <a:r>
-              <a:rPr lang="en-US" dirty="0"/>
-              <a:t>Run your first container</a:t>
-            </a:r>
-          </a:p>
-        </p:txBody>
-      </p:sp>
-      <p:sp>
-        <p:nvSpPr>
-          <p:cNvPr id="4" name="Rectangle: Rounded Corners 3"/>
-          <p:cNvSpPr/>
-          <p:nvPr/>
-        </p:nvSpPr>
-        <p:spPr bwMode="gray">
-          <a:xfrm>
-            <a:off x="1934814" y="1457325"/>
-            <a:ext cx="8324850" cy="4210050"/>
-          </a:xfrm>
-          <a:prstGeom prst="roundRect">
-            <a:avLst>
-              <a:gd name="adj" fmla="val 8296"/>
-            </a:avLst>
-          </a:prstGeom>
-          <a:pattFill prst="narHorz">
-            <a:fgClr>
-              <a:schemeClr val="tx1"/>
-            </a:fgClr>
-            <a:bgClr>
-              <a:srgbClr val="112806"/>
-            </a:bgClr>
-          </a:pattFill>
-          <a:ln w="6350" algn="ctr">
-            <a:noFill/>
-            <a:miter lim="800000"/>
-            <a:headEnd/>
-            <a:tailEnd/>
-          </a:ln>
-        </p:spPr>
-        <p:txBody>
-          <a:bodyPr lIns="90000" tIns="72000" rIns="90000" bIns="72000" rtlCol="0" anchor="t"/>
-          <a:lstStyle/>
-          <a:p>
-            <a:pPr defTabSz="914400" fontAlgn="base">
-              <a:spcAft>
-                <a:spcPct val="0"/>
-              </a:spcAft>
-              <a:buClr>
-                <a:srgbClr val="F0AB00"/>
-              </a:buClr>
-              <a:buSzPct val="80000"/>
-            </a:pPr>
-            <a:r>
-              <a:rPr lang="en-US" sz="1200" b="1" kern="0" dirty="0">
-                <a:solidFill>
-                  <a:schemeClr val="bg1"/>
-                </a:solidFill>
-                <a:latin typeface="Courier New" panose="02070309020205020404" pitchFamily="49" charset="0"/>
-                <a:ea typeface="Arial Unicode MS" pitchFamily="34" charset="-128"/>
-                <a:cs typeface="Courier New" panose="02070309020205020404" pitchFamily="49" charset="0"/>
-              </a:rPr>
-              <a:t>$ </a:t>
-            </a:r>
-            <a:r>
-              <a:rPr lang="en-US" sz="1200" b="1" kern="0" dirty="0" err="1">
-                <a:solidFill>
-                  <a:schemeClr val="bg1"/>
-                </a:solidFill>
-                <a:latin typeface="Courier New" panose="02070309020205020404" pitchFamily="49" charset="0"/>
-                <a:ea typeface="Arial Unicode MS" pitchFamily="34" charset="-128"/>
-                <a:cs typeface="Courier New" panose="02070309020205020404" pitchFamily="49" charset="0"/>
-              </a:rPr>
-              <a:t>docker</a:t>
-            </a:r>
-            <a:r>
-              <a:rPr lang="en-US" sz="1200" b="1" kern="0" dirty="0">
-                <a:solidFill>
-                  <a:schemeClr val="bg1"/>
-                </a:solidFill>
-                <a:latin typeface="Courier New" panose="02070309020205020404" pitchFamily="49" charset="0"/>
-                <a:ea typeface="Arial Unicode MS" pitchFamily="34" charset="-128"/>
-                <a:cs typeface="Courier New" panose="02070309020205020404" pitchFamily="49" charset="0"/>
-              </a:rPr>
-              <a:t> run </a:t>
-            </a:r>
-            <a:r>
-              <a:rPr lang="en-US" sz="1200" b="1" kern="0" dirty="0" err="1">
-                <a:solidFill>
-                  <a:schemeClr val="bg1"/>
-                </a:solidFill>
-                <a:latin typeface="Courier New" panose="02070309020205020404" pitchFamily="49" charset="0"/>
-                <a:ea typeface="Arial Unicode MS" pitchFamily="34" charset="-128"/>
-                <a:cs typeface="Courier New" panose="02070309020205020404" pitchFamily="49" charset="0"/>
-              </a:rPr>
-              <a:t>docker</a:t>
-            </a:r>
-            <a:r>
-              <a:rPr lang="en-US" sz="1200" b="1" kern="0" dirty="0">
-                <a:solidFill>
-                  <a:schemeClr val="bg1"/>
-                </a:solidFill>
-                <a:latin typeface="Courier New" panose="02070309020205020404" pitchFamily="49" charset="0"/>
-                <a:ea typeface="Arial Unicode MS" pitchFamily="34" charset="-128"/>
-                <a:cs typeface="Courier New" panose="02070309020205020404" pitchFamily="49" charset="0"/>
-              </a:rPr>
-              <a:t>/</a:t>
-            </a:r>
-            <a:r>
-              <a:rPr lang="en-US" sz="1200" b="1" kern="0" dirty="0" err="1">
-                <a:solidFill>
-                  <a:schemeClr val="bg1"/>
-                </a:solidFill>
-                <a:latin typeface="Courier New" panose="02070309020205020404" pitchFamily="49" charset="0"/>
-                <a:ea typeface="Arial Unicode MS" pitchFamily="34" charset="-128"/>
-                <a:cs typeface="Courier New" panose="02070309020205020404" pitchFamily="49" charset="0"/>
-              </a:rPr>
-              <a:t>whalesay</a:t>
-            </a:r>
-            <a:r>
-              <a:rPr lang="en-US" sz="1200" b="1" kern="0" dirty="0">
-                <a:solidFill>
-                  <a:schemeClr val="bg1"/>
-                </a:solidFill>
-                <a:latin typeface="Courier New" panose="02070309020205020404" pitchFamily="49" charset="0"/>
-                <a:ea typeface="Arial Unicode MS" pitchFamily="34" charset="-128"/>
-                <a:cs typeface="Courier New" panose="02070309020205020404" pitchFamily="49" charset="0"/>
-              </a:rPr>
-              <a:t> </a:t>
-            </a:r>
-            <a:r>
-              <a:rPr lang="en-US" sz="1200" b="1" kern="0" dirty="0" err="1">
-                <a:solidFill>
-                  <a:schemeClr val="bg1"/>
-                </a:solidFill>
-                <a:latin typeface="Courier New" panose="02070309020205020404" pitchFamily="49" charset="0"/>
-                <a:ea typeface="Arial Unicode MS" pitchFamily="34" charset="-128"/>
-                <a:cs typeface="Courier New" panose="02070309020205020404" pitchFamily="49" charset="0"/>
-              </a:rPr>
-              <a:t>cowsay</a:t>
-            </a:r>
-            <a:r>
-              <a:rPr lang="en-US" sz="1200" b="1" kern="0" dirty="0">
-                <a:solidFill>
-                  <a:schemeClr val="bg1"/>
-                </a:solidFill>
-                <a:latin typeface="Courier New" panose="02070309020205020404" pitchFamily="49" charset="0"/>
-                <a:ea typeface="Arial Unicode MS" pitchFamily="34" charset="-128"/>
-                <a:cs typeface="Courier New" panose="02070309020205020404" pitchFamily="49" charset="0"/>
-              </a:rPr>
-              <a:t> “Rick Astley"</a:t>
-            </a:r>
-          </a:p>
-          <a:p>
-            <a:pPr defTabSz="914400" fontAlgn="base">
-              <a:spcAft>
-                <a:spcPct val="0"/>
-              </a:spcAft>
-              <a:buClr>
-                <a:srgbClr val="F0AB00"/>
-              </a:buClr>
-              <a:buSzPct val="80000"/>
-            </a:pPr>
-            <a:r>
-              <a:rPr lang="en-US" sz="1200" kern="0" dirty="0">
-                <a:solidFill>
-                  <a:schemeClr val="bg1"/>
-                </a:solidFill>
-                <a:latin typeface="Arial monospaced for SAP" panose="020B0609020202030204" pitchFamily="49" charset="0"/>
-                <a:ea typeface="Arial Unicode MS" pitchFamily="34" charset="-128"/>
-                <a:cs typeface="Courier New" panose="02070309020205020404" pitchFamily="49" charset="0"/>
-              </a:rPr>
-              <a:t> ____________________________ </a:t>
-            </a:r>
-          </a:p>
-          <a:p>
-            <a:pPr defTabSz="914400" fontAlgn="base">
-              <a:spcAft>
-                <a:spcPct val="0"/>
-              </a:spcAft>
-              <a:buClr>
-                <a:srgbClr val="F0AB00"/>
-              </a:buClr>
-              <a:buSzPct val="80000"/>
-            </a:pPr>
-            <a:r>
-              <a:rPr lang="en-US" sz="1200" kern="0" dirty="0">
-                <a:solidFill>
-                  <a:schemeClr val="bg1"/>
-                </a:solidFill>
-                <a:latin typeface="Arial monospaced for SAP" panose="020B0609020202030204" pitchFamily="49" charset="0"/>
-                <a:ea typeface="Arial Unicode MS" pitchFamily="34" charset="-128"/>
-                <a:cs typeface="Courier New" panose="02070309020205020404" pitchFamily="49" charset="0"/>
-              </a:rPr>
-              <a:t>&lt; Never </a:t>
-            </a:r>
-            <a:r>
-              <a:rPr lang="en-US" sz="1200" kern="0" dirty="0" err="1">
-                <a:solidFill>
-                  <a:schemeClr val="bg1"/>
-                </a:solidFill>
-                <a:latin typeface="Arial monospaced for SAP" panose="020B0609020202030204" pitchFamily="49" charset="0"/>
-                <a:ea typeface="Arial Unicode MS" pitchFamily="34" charset="-128"/>
-                <a:cs typeface="Courier New" panose="02070309020205020404" pitchFamily="49" charset="0"/>
-              </a:rPr>
-              <a:t>gonna</a:t>
-            </a:r>
-            <a:r>
-              <a:rPr lang="en-US" sz="1200" kern="0" dirty="0">
-                <a:solidFill>
-                  <a:schemeClr val="bg1"/>
-                </a:solidFill>
-                <a:latin typeface="Arial monospaced for SAP" panose="020B0609020202030204" pitchFamily="49" charset="0"/>
-                <a:ea typeface="Arial Unicode MS" pitchFamily="34" charset="-128"/>
-                <a:cs typeface="Courier New" panose="02070309020205020404" pitchFamily="49" charset="0"/>
-              </a:rPr>
-              <a:t> give you up... &gt;</a:t>
-            </a:r>
-          </a:p>
-          <a:p>
-            <a:pPr defTabSz="914400" fontAlgn="base">
-              <a:spcAft>
-                <a:spcPct val="0"/>
-              </a:spcAft>
-              <a:buClr>
-                <a:srgbClr val="F0AB00"/>
-              </a:buClr>
-              <a:buSzPct val="80000"/>
-            </a:pPr>
-            <a:r>
-              <a:rPr lang="en-US" sz="1200" kern="0" dirty="0">
-                <a:solidFill>
-                  <a:schemeClr val="bg1"/>
-                </a:solidFill>
-                <a:latin typeface="Arial monospaced for SAP" panose="020B0609020202030204" pitchFamily="49" charset="0"/>
-                <a:ea typeface="Arial Unicode MS" pitchFamily="34" charset="-128"/>
-                <a:cs typeface="Courier New" panose="02070309020205020404" pitchFamily="49" charset="0"/>
-              </a:rPr>
-              <a:t> ---------------------------- </a:t>
-            </a:r>
-          </a:p>
-          <a:p>
-            <a:pPr defTabSz="914400" fontAlgn="base">
-              <a:spcAft>
-                <a:spcPct val="0"/>
-              </a:spcAft>
-              <a:buClr>
-                <a:srgbClr val="F0AB00"/>
-              </a:buClr>
-              <a:buSzPct val="80000"/>
-            </a:pPr>
-            <a:r>
-              <a:rPr lang="en-US" sz="1200" kern="0" dirty="0">
-                <a:solidFill>
-                  <a:schemeClr val="bg1"/>
-                </a:solidFill>
-                <a:latin typeface="Arial monospaced for SAP" panose="020B0609020202030204" pitchFamily="49" charset="0"/>
-                <a:ea typeface="Arial Unicode MS" pitchFamily="34" charset="-128"/>
-                <a:cs typeface="Courier New" panose="02070309020205020404" pitchFamily="49" charset="0"/>
-              </a:rPr>
-              <a:t>    \</a:t>
-            </a:r>
-          </a:p>
-          <a:p>
-            <a:pPr defTabSz="914400" fontAlgn="base">
-              <a:spcAft>
-                <a:spcPct val="0"/>
-              </a:spcAft>
-              <a:buClr>
-                <a:srgbClr val="F0AB00"/>
-              </a:buClr>
-              <a:buSzPct val="80000"/>
-            </a:pPr>
-            <a:r>
-              <a:rPr lang="en-US" sz="1200" kern="0" dirty="0">
-                <a:solidFill>
-                  <a:schemeClr val="bg1"/>
-                </a:solidFill>
-                <a:latin typeface="Arial monospaced for SAP" panose="020B0609020202030204" pitchFamily="49" charset="0"/>
-                <a:ea typeface="Arial Unicode MS" pitchFamily="34" charset="-128"/>
-                <a:cs typeface="Courier New" panose="02070309020205020404" pitchFamily="49" charset="0"/>
-              </a:rPr>
-              <a:t>     \</a:t>
-            </a:r>
-          </a:p>
-          <a:p>
-            <a:pPr defTabSz="914400" fontAlgn="base">
-              <a:spcAft>
-                <a:spcPct val="0"/>
-              </a:spcAft>
-              <a:buClr>
-                <a:srgbClr val="F0AB00"/>
-              </a:buClr>
-              <a:buSzPct val="80000"/>
-            </a:pPr>
-            <a:r>
-              <a:rPr lang="en-US" sz="1200" kern="0" dirty="0">
-                <a:solidFill>
-                  <a:schemeClr val="bg1"/>
-                </a:solidFill>
-                <a:latin typeface="Arial monospaced for SAP" panose="020B0609020202030204" pitchFamily="49" charset="0"/>
-                <a:ea typeface="Arial Unicode MS" pitchFamily="34" charset="-128"/>
-                <a:cs typeface="Courier New" panose="02070309020205020404" pitchFamily="49" charset="0"/>
-              </a:rPr>
-              <a:t>      \     </a:t>
-            </a:r>
-          </a:p>
-          <a:p>
-            <a:pPr defTabSz="914400" fontAlgn="base">
-              <a:spcAft>
-                <a:spcPct val="0"/>
-              </a:spcAft>
-              <a:buClr>
-                <a:srgbClr val="F0AB00"/>
-              </a:buClr>
-              <a:buSzPct val="80000"/>
-            </a:pPr>
-            <a:r>
-              <a:rPr lang="en-US" sz="1200" kern="0" dirty="0">
-                <a:solidFill>
-                  <a:schemeClr val="bg1"/>
-                </a:solidFill>
-                <a:latin typeface="Arial monospaced for SAP" panose="020B0609020202030204" pitchFamily="49" charset="0"/>
-                <a:ea typeface="Arial Unicode MS" pitchFamily="34" charset="-128"/>
-                <a:cs typeface="Courier New" panose="02070309020205020404" pitchFamily="49" charset="0"/>
-              </a:rPr>
-              <a:t>                    ##        .            </a:t>
-            </a:r>
-          </a:p>
-          <a:p>
-            <a:pPr defTabSz="914400" fontAlgn="base">
-              <a:spcAft>
-                <a:spcPct val="0"/>
-              </a:spcAft>
-              <a:buClr>
-                <a:srgbClr val="F0AB00"/>
-              </a:buClr>
-              <a:buSzPct val="80000"/>
-            </a:pPr>
-            <a:r>
-              <a:rPr lang="en-US" sz="1200" kern="0" dirty="0">
-                <a:solidFill>
-                  <a:schemeClr val="bg1"/>
-                </a:solidFill>
-                <a:latin typeface="Arial monospaced for SAP" panose="020B0609020202030204" pitchFamily="49" charset="0"/>
-                <a:ea typeface="Arial Unicode MS" pitchFamily="34" charset="-128"/>
-                <a:cs typeface="Courier New" panose="02070309020205020404" pitchFamily="49" charset="0"/>
-              </a:rPr>
-              <a:t>              ## ## ##       ==            </a:t>
-            </a:r>
-          </a:p>
-          <a:p>
-            <a:pPr defTabSz="914400" fontAlgn="base">
-              <a:spcAft>
-                <a:spcPct val="0"/>
-              </a:spcAft>
-              <a:buClr>
-                <a:srgbClr val="F0AB00"/>
-              </a:buClr>
-              <a:buSzPct val="80000"/>
-            </a:pPr>
-            <a:r>
-              <a:rPr lang="en-US" sz="1200" kern="0" dirty="0">
-                <a:solidFill>
-                  <a:schemeClr val="bg1"/>
-                </a:solidFill>
-                <a:latin typeface="Arial monospaced for SAP" panose="020B0609020202030204" pitchFamily="49" charset="0"/>
-                <a:ea typeface="Arial Unicode MS" pitchFamily="34" charset="-128"/>
-                <a:cs typeface="Courier New" panose="02070309020205020404" pitchFamily="49" charset="0"/>
-              </a:rPr>
-              <a:t>           ## ## ## ##      ===            </a:t>
-            </a:r>
-          </a:p>
-          <a:p>
-            <a:pPr defTabSz="914400" fontAlgn="base">
-              <a:spcAft>
-                <a:spcPct val="0"/>
-              </a:spcAft>
-              <a:buClr>
-                <a:srgbClr val="F0AB00"/>
-              </a:buClr>
-              <a:buSzPct val="80000"/>
-            </a:pPr>
-            <a:r>
-              <a:rPr lang="en-US" sz="1200" kern="0" dirty="0">
-                <a:solidFill>
-                  <a:schemeClr val="bg1"/>
-                </a:solidFill>
-                <a:latin typeface="Arial monospaced for SAP" panose="020B0609020202030204" pitchFamily="49" charset="0"/>
-                <a:ea typeface="Arial Unicode MS" pitchFamily="34" charset="-128"/>
-                <a:cs typeface="Courier New" panose="02070309020205020404" pitchFamily="49" charset="0"/>
-              </a:rPr>
-              <a:t>       /""""""""""""""""___/ ===        </a:t>
-            </a:r>
-          </a:p>
-          <a:p>
-            <a:pPr defTabSz="914400" fontAlgn="base">
-              <a:spcAft>
-                <a:spcPct val="0"/>
-              </a:spcAft>
-              <a:buClr>
-                <a:srgbClr val="F0AB00"/>
-              </a:buClr>
-              <a:buSzPct val="80000"/>
-            </a:pPr>
-            <a:r>
-              <a:rPr lang="en-US" sz="1200" kern="0" dirty="0">
-                <a:solidFill>
-                  <a:schemeClr val="bg1"/>
-                </a:solidFill>
-                <a:latin typeface="Arial monospaced for SAP" panose="020B0609020202030204" pitchFamily="49" charset="0"/>
-                <a:ea typeface="Arial Unicode MS" pitchFamily="34" charset="-128"/>
-                <a:cs typeface="Courier New" panose="02070309020205020404" pitchFamily="49" charset="0"/>
-              </a:rPr>
-              <a:t>  ~~~ {~~ ~~~~ ~~~ ~~~~ ~~ ~ /  ===- ~~~   </a:t>
-            </a:r>
-          </a:p>
-          <a:p>
-            <a:pPr defTabSz="914400" fontAlgn="base">
-              <a:spcAft>
-                <a:spcPct val="0"/>
-              </a:spcAft>
-              <a:buClr>
-                <a:srgbClr val="F0AB00"/>
-              </a:buClr>
-              <a:buSzPct val="80000"/>
-            </a:pPr>
-            <a:r>
-              <a:rPr lang="en-US" sz="1200" kern="0" dirty="0">
-                <a:solidFill>
-                  <a:schemeClr val="bg1"/>
-                </a:solidFill>
-                <a:latin typeface="Arial monospaced for SAP" panose="020B0609020202030204" pitchFamily="49" charset="0"/>
-                <a:ea typeface="Arial Unicode MS" pitchFamily="34" charset="-128"/>
-                <a:cs typeface="Courier New" panose="02070309020205020404" pitchFamily="49" charset="0"/>
-              </a:rPr>
-              <a:t>       \______ o          __/            </a:t>
-            </a:r>
-          </a:p>
-          <a:p>
-            <a:pPr defTabSz="914400" fontAlgn="base">
-              <a:spcAft>
-                <a:spcPct val="0"/>
-              </a:spcAft>
-              <a:buClr>
-                <a:srgbClr val="F0AB00"/>
-              </a:buClr>
-              <a:buSzPct val="80000"/>
-            </a:pPr>
-            <a:r>
-              <a:rPr lang="en-US" sz="1200" kern="0" dirty="0">
-                <a:solidFill>
-                  <a:schemeClr val="bg1"/>
-                </a:solidFill>
-                <a:latin typeface="Arial monospaced for SAP" panose="020B0609020202030204" pitchFamily="49" charset="0"/>
-                <a:ea typeface="Arial Unicode MS" pitchFamily="34" charset="-128"/>
-                <a:cs typeface="Courier New" panose="02070309020205020404" pitchFamily="49" charset="0"/>
-              </a:rPr>
-              <a:t>        \    \        __/             </a:t>
-            </a:r>
-          </a:p>
-          <a:p>
-            <a:pPr defTabSz="914400" fontAlgn="base">
-              <a:spcAft>
-                <a:spcPct val="0"/>
-              </a:spcAft>
-              <a:buClr>
-                <a:srgbClr val="F0AB00"/>
-              </a:buClr>
-              <a:buSzPct val="80000"/>
-            </a:pPr>
-            <a:r>
-              <a:rPr lang="en-US" sz="1200" kern="0" dirty="0">
-                <a:solidFill>
-                  <a:schemeClr val="bg1"/>
-                </a:solidFill>
-                <a:latin typeface="Arial monospaced for SAP" panose="020B0609020202030204" pitchFamily="49" charset="0"/>
-                <a:ea typeface="Arial Unicode MS" pitchFamily="34" charset="-128"/>
-                <a:cs typeface="Courier New" panose="02070309020205020404" pitchFamily="49" charset="0"/>
-              </a:rPr>
-              <a:t>          \____\______/</a:t>
-            </a:r>
-          </a:p>
-          <a:p>
-            <a:pPr defTabSz="914400" fontAlgn="base">
-              <a:spcAft>
-                <a:spcPct val="0"/>
-              </a:spcAft>
-              <a:buClr>
-                <a:srgbClr val="F0AB00"/>
-              </a:buClr>
-              <a:buSzPct val="80000"/>
-            </a:pPr>
-            <a:endParaRPr lang="en-US" sz="1200" b="1" kern="0" dirty="0">
-              <a:solidFill>
-                <a:schemeClr val="bg1"/>
-              </a:solidFill>
-              <a:latin typeface="Courier New" panose="02070309020205020404" pitchFamily="49" charset="0"/>
-              <a:ea typeface="Arial Unicode MS" pitchFamily="34" charset="-128"/>
-              <a:cs typeface="Courier New" panose="02070309020205020404" pitchFamily="49" charset="0"/>
-            </a:endParaRPr>
-          </a:p>
-          <a:p>
-            <a:pPr defTabSz="914400" fontAlgn="base">
-              <a:spcAft>
-                <a:spcPct val="0"/>
-              </a:spcAft>
-              <a:buClr>
-                <a:srgbClr val="F0AB00"/>
-              </a:buClr>
-              <a:buSzPct val="80000"/>
-            </a:pPr>
-            <a:r>
-              <a:rPr lang="en-US" sz="1200" b="1" kern="0" dirty="0">
-                <a:solidFill>
-                  <a:schemeClr val="bg1"/>
-                </a:solidFill>
-                <a:latin typeface="Courier New" panose="02070309020205020404" pitchFamily="49" charset="0"/>
-                <a:ea typeface="Arial Unicode MS" pitchFamily="34" charset="-128"/>
-                <a:cs typeface="Courier New" panose="02070309020205020404" pitchFamily="49" charset="0"/>
-              </a:rPr>
-              <a:t>$ </a:t>
-            </a:r>
-            <a:endParaRPr kumimoji="0" lang="en-US" sz="1200" b="0" i="0" u="none" strike="noStrike" kern="0" cap="none" spc="0" normalizeH="0" baseline="0" dirty="0">
-              <a:ln>
-                <a:noFill/>
-              </a:ln>
-              <a:solidFill>
-                <a:schemeClr val="bg1"/>
-              </a:solidFill>
-              <a:effectLst/>
-              <a:uLnTx/>
-              <a:uFillTx/>
-              <a:latin typeface="Arial monospaced for SAP" panose="020B0609020202030204" pitchFamily="49" charset="0"/>
-              <a:ea typeface="Arial Unicode MS" pitchFamily="34" charset="-128"/>
-              <a:cs typeface="Arial Unicode MS" pitchFamily="34" charset="-128"/>
-            </a:endParaRPr>
-          </a:p>
-        </p:txBody>
-      </p:sp>
-    </p:spTree>
-    <p:extLst>
-      <p:ext uri="{BB962C8B-B14F-4D97-AF65-F5344CB8AC3E}">
-        <p14:creationId xmlns:p14="http://schemas.microsoft.com/office/powerpoint/2010/main" val="987311924"/>
-      </p:ext>
-    </p:extLst>
-  </p:cSld>
-  <p:clrMapOvr>
-    <a:masterClrMapping/>
-  </p:clrMapOvr>
-</p:sld>
-</file>
-
-<file path=ppt/slides/slide5.xml><?xml version="1.0" encoding="utf-8"?>
+<file path=ppt/slides/slide3.xml><?xml version="1.0" encoding="utf-8"?>
 <p:sld xmlns:a="http://schemas.openxmlformats.org/drawingml/2006/main" xmlns:r="http://schemas.openxmlformats.org/officeDocument/2006/relationships" xmlns:p="http://schemas.openxmlformats.org/presentationml/2006/main">
   <p:cSld>
     <p:spTree>
@@ -17931,7 +15900,7 @@
 </p:sld>
 </file>
 
-<file path=ppt/slides/slide6.xml><?xml version="1.0" encoding="utf-8"?>
+<file path=ppt/slides/slide4.xml><?xml version="1.0" encoding="utf-8"?>
 <p:sld xmlns:a="http://schemas.openxmlformats.org/drawingml/2006/main" xmlns:r="http://schemas.openxmlformats.org/officeDocument/2006/relationships" xmlns:p="http://schemas.openxmlformats.org/presentationml/2006/main" show="0">
   <p:cSld>
     <p:spTree>
@@ -18265,7 +16234,7 @@
 </p:sld>
 </file>
 
-<file path=ppt/slides/slide7.xml><?xml version="1.0" encoding="utf-8"?>
+<file path=ppt/slides/slide5.xml><?xml version="1.0" encoding="utf-8"?>
 <p:sld xmlns:a="http://schemas.openxmlformats.org/drawingml/2006/main" xmlns:r="http://schemas.openxmlformats.org/officeDocument/2006/relationships" xmlns:p="http://schemas.openxmlformats.org/presentationml/2006/main">
   <p:cSld>
     <p:spTree>
@@ -18473,29 +16442,15 @@
               <a:t>the command </a:t>
             </a:r>
             <a:r>
-              <a:rPr lang="en-US" sz="1600" b="1" dirty="0" err="1">
-                <a:latin typeface="Courier New" panose="02070309020205020404" pitchFamily="49" charset="0"/>
-                <a:cs typeface="Courier New" panose="02070309020205020404" pitchFamily="49" charset="0"/>
-              </a:rPr>
-              <a:t>docker</a:t>
-            </a:r>
-            <a:r>
               <a:rPr lang="en-US" sz="1600" b="1" dirty="0">
                 <a:latin typeface="Courier New" panose="02070309020205020404" pitchFamily="49" charset="0"/>
                 <a:cs typeface="Courier New" panose="02070309020205020404" pitchFamily="49" charset="0"/>
               </a:rPr>
-              <a:t> </a:t>
-            </a:r>
-            <a:r>
-              <a:rPr lang="en-US" sz="1600" b="1" dirty="0" err="1">
-                <a:latin typeface="Courier New" panose="02070309020205020404" pitchFamily="49" charset="0"/>
-                <a:cs typeface="Courier New" panose="02070309020205020404" pitchFamily="49" charset="0"/>
-              </a:rPr>
-              <a:t>ps</a:t>
+              <a:t>docker container list </a:t>
             </a:r>
             <a:r>
               <a:rPr lang="en-US" sz="1600" dirty="0"/>
-              <a:t> gives a list of all running containers on a host (use –a to see also terminated containers)</a:t>
+              <a:t> gives a list of all running containers on a host (use –a to see terminated containers as well)</a:t>
             </a:r>
           </a:p>
           <a:p>
@@ -18536,7 +16491,7 @@
         </p:nvCxnSpPr>
         <p:spPr>
           <a:xfrm>
-            <a:off x="1047750" y="3686176"/>
+            <a:off x="1047750" y="3598464"/>
             <a:ext cx="251587" cy="1362075"/>
           </a:xfrm>
           <a:prstGeom prst="straightConnector1">
@@ -18573,7 +16528,7 @@
         </p:nvSpPr>
         <p:spPr bwMode="gray">
           <a:xfrm>
-            <a:off x="503999" y="5048251"/>
+            <a:off x="503999" y="4960539"/>
             <a:ext cx="1590675" cy="914400"/>
           </a:xfrm>
           <a:prstGeom prst="rect">
@@ -18769,7 +16724,7 @@
         </p:nvSpPr>
         <p:spPr bwMode="gray">
           <a:xfrm>
-            <a:off x="1614488" y="4221737"/>
+            <a:off x="1614488" y="4324253"/>
             <a:ext cx="1128712" cy="328318"/>
           </a:xfrm>
           <a:prstGeom prst="rect">
@@ -18837,7 +16792,7 @@
         </p:nvCxnSpPr>
         <p:spPr>
           <a:xfrm>
-            <a:off x="2105025" y="3643695"/>
+            <a:off x="2105025" y="3746211"/>
             <a:ext cx="73819" cy="578042"/>
           </a:xfrm>
           <a:prstGeom prst="straightConnector1">
@@ -18874,8 +16829,8 @@
         </p:nvSpPr>
         <p:spPr bwMode="gray">
           <a:xfrm>
-            <a:off x="2743200" y="4886327"/>
-            <a:ext cx="1590675" cy="619124"/>
+            <a:off x="2743200" y="4904203"/>
+            <a:ext cx="1771650" cy="619124"/>
           </a:xfrm>
           <a:prstGeom prst="rect">
             <a:avLst/>
@@ -18952,7 +16907,21 @@
                 <a:ea typeface="Arial Unicode MS" pitchFamily="34" charset="-128"/>
                 <a:cs typeface="Arial Unicode MS" pitchFamily="34" charset="-128"/>
               </a:rPr>
-              <a:t> in </a:t>
+              <a:t> </a:t>
+            </a:r>
+            <a:r>
+              <a:rPr lang="de-DE" sz="1400" kern="0" dirty="0" err="1">
+                <a:ea typeface="Arial Unicode MS" pitchFamily="34" charset="-128"/>
+                <a:cs typeface="Arial Unicode MS" pitchFamily="34" charset="-128"/>
+              </a:rPr>
+              <a:t>within</a:t>
+            </a:r>
+            <a:r>
+              <a:rPr lang="de-DE" sz="1400" kern="0" dirty="0">
+                <a:ea typeface="Arial Unicode MS" pitchFamily="34" charset="-128"/>
+                <a:cs typeface="Arial Unicode MS" pitchFamily="34" charset="-128"/>
+              </a:rPr>
+              <a:t> </a:t>
             </a:r>
             <a:r>
               <a:rPr lang="de-DE" sz="1400" kern="0" dirty="0" err="1">
@@ -18992,14 +16961,15 @@
         <p:nvCxnSpPr>
           <p:cNvPr id="19" name="Straight Arrow Connector 18"/>
           <p:cNvCxnSpPr>
+            <a:cxnSpLocks/>
             <a:endCxn id="18" idx="0"/>
           </p:cNvCxnSpPr>
           <p:nvPr/>
         </p:nvCxnSpPr>
         <p:spPr>
-          <a:xfrm flipH="1">
-            <a:off x="3538538" y="3675556"/>
-            <a:ext cx="10350" cy="1210771"/>
+          <a:xfrm>
+            <a:off x="3548888" y="3693432"/>
+            <a:ext cx="80137" cy="1210771"/>
           </a:xfrm>
           <a:prstGeom prst="straightConnector1">
             <a:avLst/>
@@ -19035,7 +17005,7 @@
         </p:nvSpPr>
         <p:spPr bwMode="gray">
           <a:xfrm>
-            <a:off x="4514850" y="4275611"/>
+            <a:off x="4514850" y="4262233"/>
             <a:ext cx="1273239" cy="328318"/>
           </a:xfrm>
           <a:prstGeom prst="rect">
@@ -19110,7 +17080,7 @@
         </p:nvCxnSpPr>
         <p:spPr>
           <a:xfrm>
-            <a:off x="5124862" y="3616351"/>
+            <a:off x="5124862" y="3602973"/>
             <a:ext cx="26608" cy="659260"/>
           </a:xfrm>
           <a:prstGeom prst="straightConnector1">
@@ -19149,7 +17119,7 @@
         </p:nvCxnSpPr>
         <p:spPr>
           <a:xfrm flipH="1">
-            <a:off x="6421501" y="3616351"/>
+            <a:off x="6398101" y="3582019"/>
             <a:ext cx="294036" cy="1525613"/>
           </a:xfrm>
           <a:prstGeom prst="straightConnector1">
@@ -19186,7 +17156,7 @@
         </p:nvSpPr>
         <p:spPr bwMode="gray">
           <a:xfrm>
-            <a:off x="5626163" y="5141964"/>
+            <a:off x="5602763" y="5107632"/>
             <a:ext cx="1590675" cy="619124"/>
           </a:xfrm>
           <a:prstGeom prst="rect">
@@ -19308,7 +17278,7 @@
         </p:nvSpPr>
         <p:spPr bwMode="gray">
           <a:xfrm>
-            <a:off x="7612331" y="4259545"/>
+            <a:off x="7605077" y="4407839"/>
             <a:ext cx="1590675" cy="619124"/>
           </a:xfrm>
           <a:prstGeom prst="rect">
@@ -19404,7 +17374,7 @@
         </p:nvCxnSpPr>
         <p:spPr>
           <a:xfrm>
-            <a:off x="8407668" y="3616351"/>
+            <a:off x="8400414" y="3764645"/>
             <a:ext cx="1" cy="643194"/>
           </a:xfrm>
           <a:prstGeom prst="straightConnector1">
@@ -19441,7 +17411,7 @@
         </p:nvSpPr>
         <p:spPr bwMode="gray">
           <a:xfrm>
-            <a:off x="9776784" y="4722003"/>
+            <a:off x="9776784" y="4960539"/>
             <a:ext cx="1339913" cy="473886"/>
           </a:xfrm>
           <a:prstGeom prst="rect">
@@ -19523,7 +17493,7 @@
         </p:nvCxnSpPr>
         <p:spPr>
           <a:xfrm>
-            <a:off x="10099800" y="3624384"/>
+            <a:off x="10099800" y="3862920"/>
             <a:ext cx="346941" cy="1097619"/>
           </a:xfrm>
           <a:prstGeom prst="straightConnector1">
@@ -19560,7 +17530,7 @@
         </p:nvSpPr>
         <p:spPr bwMode="gray">
           <a:xfrm>
-            <a:off x="503999" y="2495550"/>
+            <a:off x="503999" y="2734086"/>
             <a:ext cx="11186477" cy="1190626"/>
           </a:xfrm>
           <a:prstGeom prst="roundRect">
@@ -20070,7 +18040,7 @@
 </p:sld>
 </file>
 
-<file path=ppt/slides/slide8.xml><?xml version="1.0" encoding="utf-8"?>
+<file path=ppt/slides/slide6.xml><?xml version="1.0" encoding="utf-8"?>
 <p:sld xmlns:a="http://schemas.openxmlformats.org/drawingml/2006/main" xmlns:r="http://schemas.openxmlformats.org/officeDocument/2006/relationships" xmlns:p="http://schemas.openxmlformats.org/presentationml/2006/main">
   <p:cSld>
     <p:spTree>
@@ -20200,7 +18170,7 @@
               <a:t>$ </a:t>
             </a:r>
             <a:r>
-              <a:rPr lang="en-US" sz="1400" dirty="0" err="1">
+              <a:rPr lang="en-US" sz="1400" dirty="0">
                 <a:latin typeface="Courier New" panose="02070309020205020404" pitchFamily="49" charset="0"/>
                 <a:cs typeface="Courier New" panose="02070309020205020404" pitchFamily="49" charset="0"/>
               </a:rPr>
@@ -20211,7 +18181,7 @@
                 <a:latin typeface="Courier New" panose="02070309020205020404" pitchFamily="49" charset="0"/>
                 <a:cs typeface="Courier New" panose="02070309020205020404" pitchFamily="49" charset="0"/>
               </a:rPr>
-              <a:t> exec –</a:t>
+              <a:t> container exec –</a:t>
             </a:r>
             <a:r>
               <a:rPr lang="en-US" sz="1400" b="1" dirty="0" err="1">
@@ -20686,6 +18656,1212 @@
     <p:extLst>
       <p:ext uri="{BB962C8B-B14F-4D97-AF65-F5344CB8AC3E}">
         <p14:creationId xmlns:p14="http://schemas.microsoft.com/office/powerpoint/2010/main" val="3881767712"/>
+      </p:ext>
+    </p:extLst>
+  </p:cSld>
+  <p:clrMapOvr>
+    <a:masterClrMapping/>
+  </p:clrMapOvr>
+</p:sld>
+</file>
+
+<file path=ppt/slides/slide7.xml><?xml version="1.0" encoding="utf-8"?>
+<p:sld xmlns:a="http://schemas.openxmlformats.org/drawingml/2006/main" xmlns:r="http://schemas.openxmlformats.org/officeDocument/2006/relationships" xmlns:p="http://schemas.openxmlformats.org/presentationml/2006/main" show="0">
+  <p:cSld>
+    <p:spTree>
+      <p:nvGrpSpPr>
+        <p:cNvPr id="1" name=""/>
+        <p:cNvGrpSpPr/>
+        <p:nvPr/>
+      </p:nvGrpSpPr>
+      <p:grpSpPr>
+        <a:xfrm>
+          <a:off x="0" y="0"/>
+          <a:ext cx="0" cy="0"/>
+          <a:chOff x="0" y="0"/>
+          <a:chExt cx="0" cy="0"/>
+        </a:xfrm>
+      </p:grpSpPr>
+      <p:sp>
+        <p:nvSpPr>
+          <p:cNvPr id="3" name="Title 2"/>
+          <p:cNvSpPr>
+            <a:spLocks noGrp="1"/>
+          </p:cNvSpPr>
+          <p:nvPr>
+            <p:ph type="title"/>
+          </p:nvPr>
+        </p:nvSpPr>
+        <p:spPr/>
+        <p:txBody>
+          <a:bodyPr/>
+          <a:lstStyle/>
+          <a:p>
+            <a:r>
+              <a:rPr lang="en-US" dirty="0"/>
+              <a:t>Starting a stopped container</a:t>
+            </a:r>
+          </a:p>
+        </p:txBody>
+      </p:sp>
+      <p:sp>
+        <p:nvSpPr>
+          <p:cNvPr id="6" name="Text Placeholder 10"/>
+          <p:cNvSpPr>
+            <a:spLocks noGrp="1"/>
+          </p:cNvSpPr>
+          <p:nvPr>
+            <p:ph type="body" sz="quarter" idx="10"/>
+          </p:nvPr>
+        </p:nvSpPr>
+        <p:spPr>
+          <a:xfrm>
+            <a:off x="503999" y="1620000"/>
+            <a:ext cx="11186477" cy="4230000"/>
+          </a:xfrm>
+        </p:spPr>
+        <p:txBody>
+          <a:bodyPr/>
+          <a:lstStyle/>
+          <a:p>
+            <a:pPr lvl="0"/>
+            <a:r>
+              <a:rPr lang="en-US" sz="1800" dirty="0"/>
+              <a:t>A container stops once the main process (PID 1) exits</a:t>
+            </a:r>
+          </a:p>
+          <a:p>
+            <a:pPr lvl="1"/>
+            <a:r>
+              <a:rPr lang="en-US" sz="1600" dirty="0"/>
+              <a:t>container does not get deleted (removed) but remains</a:t>
+            </a:r>
+          </a:p>
+          <a:p>
+            <a:pPr lvl="1"/>
+            <a:r>
+              <a:rPr lang="en-US" sz="1600" dirty="0"/>
+              <a:t>can be restarted as long as it exists</a:t>
+            </a:r>
+          </a:p>
+        </p:txBody>
+      </p:sp>
+      <p:sp>
+        <p:nvSpPr>
+          <p:cNvPr id="7" name="Rectangle: Rounded Corners 6"/>
+          <p:cNvSpPr/>
+          <p:nvPr/>
+        </p:nvSpPr>
+        <p:spPr bwMode="gray">
+          <a:xfrm>
+            <a:off x="686701" y="2558294"/>
+            <a:ext cx="7312170" cy="276513"/>
+          </a:xfrm>
+          <a:prstGeom prst="roundRect">
+            <a:avLst/>
+          </a:prstGeom>
+          <a:solidFill>
+            <a:schemeClr val="accent1">
+              <a:lumMod val="20000"/>
+              <a:lumOff val="80000"/>
+            </a:schemeClr>
+          </a:solidFill>
+          <a:ln w="6350" algn="ctr">
+            <a:noFill/>
+            <a:miter lim="800000"/>
+            <a:headEnd/>
+            <a:tailEnd/>
+          </a:ln>
+        </p:spPr>
+        <p:txBody>
+          <a:bodyPr lIns="90000" tIns="72000" rIns="90000" bIns="72000" rtlCol="0" anchor="ctr"/>
+          <a:lstStyle/>
+          <a:p>
+            <a:pPr marL="179387" lvl="2" indent="0">
+              <a:buNone/>
+            </a:pPr>
+            <a:r>
+              <a:rPr lang="en-US" sz="1400" b="1" dirty="0">
+                <a:latin typeface="Courier New" panose="02070309020205020404" pitchFamily="49" charset="0"/>
+                <a:cs typeface="Courier New" panose="02070309020205020404" pitchFamily="49" charset="0"/>
+              </a:rPr>
+              <a:t>$ </a:t>
+            </a:r>
+            <a:r>
+              <a:rPr lang="en-US" sz="1400" dirty="0">
+                <a:latin typeface="Courier New" panose="02070309020205020404" pitchFamily="49" charset="0"/>
+                <a:cs typeface="Courier New" panose="02070309020205020404" pitchFamily="49" charset="0"/>
+              </a:rPr>
+              <a:t>docker</a:t>
+            </a:r>
+            <a:r>
+              <a:rPr lang="en-US" sz="1400" b="1" dirty="0">
+                <a:latin typeface="Courier New" panose="02070309020205020404" pitchFamily="49" charset="0"/>
+                <a:cs typeface="Courier New" panose="02070309020205020404" pitchFamily="49" charset="0"/>
+              </a:rPr>
+              <a:t> container start </a:t>
+            </a:r>
+            <a:r>
+              <a:rPr lang="en-US" sz="1400" i="1" dirty="0">
+                <a:latin typeface="Courier New" panose="02070309020205020404" pitchFamily="49" charset="0"/>
+                <a:cs typeface="Courier New" panose="02070309020205020404" pitchFamily="49" charset="0"/>
+              </a:rPr>
+              <a:t>&lt;container ID or name&gt;</a:t>
+            </a:r>
+          </a:p>
+        </p:txBody>
+      </p:sp>
+      <p:sp>
+        <p:nvSpPr>
+          <p:cNvPr id="9" name="Rectangle: Rounded Corners 8"/>
+          <p:cNvSpPr/>
+          <p:nvPr/>
+        </p:nvSpPr>
+        <p:spPr bwMode="gray">
+          <a:xfrm>
+            <a:off x="686701" y="3306374"/>
+            <a:ext cx="10728147" cy="2322901"/>
+          </a:xfrm>
+          <a:prstGeom prst="roundRect">
+            <a:avLst>
+              <a:gd name="adj" fmla="val 8296"/>
+            </a:avLst>
+          </a:prstGeom>
+          <a:pattFill prst="narHorz">
+            <a:fgClr>
+              <a:schemeClr val="tx1"/>
+            </a:fgClr>
+            <a:bgClr>
+              <a:srgbClr val="112806"/>
+            </a:bgClr>
+          </a:pattFill>
+          <a:ln w="6350" algn="ctr">
+            <a:noFill/>
+            <a:miter lim="800000"/>
+            <a:headEnd/>
+            <a:tailEnd/>
+          </a:ln>
+        </p:spPr>
+        <p:txBody>
+          <a:bodyPr lIns="90000" tIns="72000" rIns="90000" bIns="72000" rtlCol="0" anchor="t"/>
+          <a:lstStyle/>
+          <a:p>
+            <a:pPr defTabSz="914400" fontAlgn="base">
+              <a:spcAft>
+                <a:spcPct val="0"/>
+              </a:spcAft>
+              <a:buClr>
+                <a:srgbClr val="F0AB00"/>
+              </a:buClr>
+              <a:buSzPct val="80000"/>
+            </a:pPr>
+            <a:r>
+              <a:rPr lang="en-US" sz="1200" b="1" kern="0" dirty="0">
+                <a:solidFill>
+                  <a:schemeClr val="bg1"/>
+                </a:solidFill>
+                <a:latin typeface="Courier New" panose="02070309020205020404" pitchFamily="49" charset="0"/>
+                <a:ea typeface="Arial Unicode MS" pitchFamily="34" charset="-128"/>
+                <a:cs typeface="Courier New" panose="02070309020205020404" pitchFamily="49" charset="0"/>
+              </a:rPr>
+              <a:t>$ docker container run -</a:t>
+            </a:r>
+            <a:r>
+              <a:rPr lang="en-US" sz="1200" b="1" kern="0" dirty="0" err="1">
+                <a:solidFill>
+                  <a:schemeClr val="bg1"/>
+                </a:solidFill>
+                <a:latin typeface="Courier New" panose="02070309020205020404" pitchFamily="49" charset="0"/>
+                <a:ea typeface="Arial Unicode MS" pitchFamily="34" charset="-128"/>
+                <a:cs typeface="Courier New" panose="02070309020205020404" pitchFamily="49" charset="0"/>
+              </a:rPr>
+              <a:t>i</a:t>
+            </a:r>
+            <a:r>
+              <a:rPr lang="en-US" sz="1200" b="1" kern="0" dirty="0">
+                <a:solidFill>
+                  <a:schemeClr val="bg1"/>
+                </a:solidFill>
+                <a:latin typeface="Courier New" panose="02070309020205020404" pitchFamily="49" charset="0"/>
+                <a:ea typeface="Arial Unicode MS" pitchFamily="34" charset="-128"/>
+                <a:cs typeface="Courier New" panose="02070309020205020404" pitchFamily="49" charset="0"/>
+              </a:rPr>
+              <a:t> -t </a:t>
+            </a:r>
+            <a:r>
+              <a:rPr lang="en-US" sz="1200" b="1" kern="0" dirty="0" err="1">
+                <a:solidFill>
+                  <a:schemeClr val="bg1"/>
+                </a:solidFill>
+                <a:latin typeface="Courier New" panose="02070309020205020404" pitchFamily="49" charset="0"/>
+                <a:ea typeface="Arial Unicode MS" pitchFamily="34" charset="-128"/>
+                <a:cs typeface="Courier New" panose="02070309020205020404" pitchFamily="49" charset="0"/>
+              </a:rPr>
+              <a:t>busybox</a:t>
+            </a:r>
+            <a:endParaRPr lang="en-US" sz="1200" b="1" kern="0" dirty="0">
+              <a:solidFill>
+                <a:schemeClr val="bg1"/>
+              </a:solidFill>
+              <a:latin typeface="Courier New" panose="02070309020205020404" pitchFamily="49" charset="0"/>
+              <a:ea typeface="Arial Unicode MS" pitchFamily="34" charset="-128"/>
+              <a:cs typeface="Courier New" panose="02070309020205020404" pitchFamily="49" charset="0"/>
+            </a:endParaRPr>
+          </a:p>
+          <a:p>
+            <a:pPr defTabSz="914400" fontAlgn="base">
+              <a:spcAft>
+                <a:spcPct val="0"/>
+              </a:spcAft>
+              <a:buClr>
+                <a:srgbClr val="F0AB00"/>
+              </a:buClr>
+              <a:buSzPct val="80000"/>
+            </a:pPr>
+            <a:r>
+              <a:rPr lang="en-US" sz="1200" kern="0" dirty="0">
+                <a:solidFill>
+                  <a:schemeClr val="bg1"/>
+                </a:solidFill>
+                <a:latin typeface="Arial monospaced for SAP" panose="020B0609020202030204" pitchFamily="49" charset="0"/>
+                <a:ea typeface="Arial Unicode MS" pitchFamily="34" charset="-128"/>
+                <a:cs typeface="Courier New" panose="02070309020205020404" pitchFamily="49" charset="0"/>
+              </a:rPr>
+              <a:t>/ # exit</a:t>
+            </a:r>
+          </a:p>
+          <a:p>
+            <a:pPr defTabSz="914400" fontAlgn="base">
+              <a:spcAft>
+                <a:spcPct val="0"/>
+              </a:spcAft>
+              <a:buClr>
+                <a:srgbClr val="F0AB00"/>
+              </a:buClr>
+              <a:buSzPct val="80000"/>
+            </a:pPr>
+            <a:endParaRPr lang="en-US" sz="1200" b="1" kern="0" dirty="0">
+              <a:solidFill>
+                <a:schemeClr val="bg1"/>
+              </a:solidFill>
+              <a:latin typeface="Courier New" panose="02070309020205020404" pitchFamily="49" charset="0"/>
+              <a:ea typeface="Arial Unicode MS" pitchFamily="34" charset="-128"/>
+              <a:cs typeface="Courier New" panose="02070309020205020404" pitchFamily="49" charset="0"/>
+            </a:endParaRPr>
+          </a:p>
+          <a:p>
+            <a:pPr defTabSz="914400" fontAlgn="base">
+              <a:spcAft>
+                <a:spcPct val="0"/>
+              </a:spcAft>
+              <a:buClr>
+                <a:srgbClr val="F0AB00"/>
+              </a:buClr>
+              <a:buSzPct val="80000"/>
+            </a:pPr>
+            <a:r>
+              <a:rPr lang="en-US" sz="1200" b="1" kern="0" dirty="0">
+                <a:solidFill>
+                  <a:schemeClr val="bg1"/>
+                </a:solidFill>
+                <a:latin typeface="Courier New" panose="02070309020205020404" pitchFamily="49" charset="0"/>
+                <a:ea typeface="Arial Unicode MS" pitchFamily="34" charset="-128"/>
+                <a:cs typeface="Courier New" panose="02070309020205020404" pitchFamily="49" charset="0"/>
+              </a:rPr>
+              <a:t>$ docker container list -a</a:t>
+            </a:r>
+          </a:p>
+          <a:p>
+            <a:pPr defTabSz="914400" fontAlgn="base">
+              <a:spcAft>
+                <a:spcPct val="0"/>
+              </a:spcAft>
+              <a:buClr>
+                <a:srgbClr val="F0AB00"/>
+              </a:buClr>
+              <a:buSzPct val="80000"/>
+            </a:pPr>
+            <a:r>
+              <a:rPr lang="en-US" sz="1200" kern="0" dirty="0">
+                <a:solidFill>
+                  <a:schemeClr val="bg1"/>
+                </a:solidFill>
+                <a:latin typeface="Arial monospaced for SAP" panose="020B0609020202030204" pitchFamily="49" charset="0"/>
+                <a:ea typeface="Arial Unicode MS" pitchFamily="34" charset="-128"/>
+                <a:cs typeface="Courier New" panose="02070309020205020404" pitchFamily="49" charset="0"/>
+              </a:rPr>
+              <a:t>CONTAINER ID     IMAGE      COMMAND    CREATED             STATUS                        PORTS     NAMES</a:t>
+            </a:r>
+          </a:p>
+          <a:p>
+            <a:pPr defTabSz="914400" fontAlgn="base">
+              <a:spcAft>
+                <a:spcPct val="0"/>
+              </a:spcAft>
+              <a:buClr>
+                <a:srgbClr val="F0AB00"/>
+              </a:buClr>
+              <a:buSzPct val="80000"/>
+            </a:pPr>
+            <a:r>
+              <a:rPr lang="en-US" sz="1200" kern="0" dirty="0">
+                <a:solidFill>
+                  <a:schemeClr val="bg1"/>
+                </a:solidFill>
+                <a:latin typeface="Arial monospaced for SAP" panose="020B0609020202030204" pitchFamily="49" charset="0"/>
+                <a:ea typeface="Arial Unicode MS" pitchFamily="34" charset="-128"/>
+                <a:cs typeface="Courier New" panose="02070309020205020404" pitchFamily="49" charset="0"/>
+              </a:rPr>
+              <a:t>033d3a22e8c8     </a:t>
+            </a:r>
+            <a:r>
+              <a:rPr lang="en-US" sz="1200" kern="0" dirty="0" err="1">
+                <a:solidFill>
+                  <a:schemeClr val="bg1"/>
+                </a:solidFill>
+                <a:latin typeface="Arial monospaced for SAP" panose="020B0609020202030204" pitchFamily="49" charset="0"/>
+                <a:ea typeface="Arial Unicode MS" pitchFamily="34" charset="-128"/>
+                <a:cs typeface="Courier New" panose="02070309020205020404" pitchFamily="49" charset="0"/>
+              </a:rPr>
+              <a:t>busybox</a:t>
+            </a:r>
+            <a:r>
+              <a:rPr lang="en-US" sz="1200" kern="0" dirty="0">
+                <a:solidFill>
+                  <a:schemeClr val="bg1"/>
+                </a:solidFill>
+                <a:latin typeface="Arial monospaced for SAP" panose="020B0609020202030204" pitchFamily="49" charset="0"/>
+                <a:ea typeface="Arial Unicode MS" pitchFamily="34" charset="-128"/>
+                <a:cs typeface="Courier New" panose="02070309020205020404" pitchFamily="49" charset="0"/>
+              </a:rPr>
+              <a:t>    "</a:t>
+            </a:r>
+            <a:r>
+              <a:rPr lang="en-US" sz="1200" kern="0" dirty="0" err="1">
+                <a:solidFill>
+                  <a:schemeClr val="bg1"/>
+                </a:solidFill>
+                <a:latin typeface="Arial monospaced for SAP" panose="020B0609020202030204" pitchFamily="49" charset="0"/>
+                <a:ea typeface="Arial Unicode MS" pitchFamily="34" charset="-128"/>
+                <a:cs typeface="Courier New" panose="02070309020205020404" pitchFamily="49" charset="0"/>
+              </a:rPr>
+              <a:t>sh</a:t>
+            </a:r>
+            <a:r>
+              <a:rPr lang="en-US" sz="1200" kern="0" dirty="0">
+                <a:solidFill>
+                  <a:schemeClr val="bg1"/>
+                </a:solidFill>
+                <a:latin typeface="Arial monospaced for SAP" panose="020B0609020202030204" pitchFamily="49" charset="0"/>
+                <a:ea typeface="Arial Unicode MS" pitchFamily="34" charset="-128"/>
+                <a:cs typeface="Courier New" panose="02070309020205020404" pitchFamily="49" charset="0"/>
+              </a:rPr>
+              <a:t>"       15 seconds ago      Exited (0) 13 seconds ago               </a:t>
+            </a:r>
+            <a:r>
+              <a:rPr lang="en-US" sz="1200" kern="0" dirty="0" err="1">
+                <a:solidFill>
+                  <a:schemeClr val="bg1"/>
+                </a:solidFill>
+                <a:latin typeface="Arial monospaced for SAP" panose="020B0609020202030204" pitchFamily="49" charset="0"/>
+                <a:ea typeface="Arial Unicode MS" pitchFamily="34" charset="-128"/>
+                <a:cs typeface="Courier New" panose="02070309020205020404" pitchFamily="49" charset="0"/>
+              </a:rPr>
+              <a:t>manic_wright</a:t>
+            </a:r>
+            <a:endParaRPr lang="en-US" sz="1200" kern="0" dirty="0">
+              <a:solidFill>
+                <a:schemeClr val="bg1"/>
+              </a:solidFill>
+              <a:latin typeface="Arial monospaced for SAP" panose="020B0609020202030204" pitchFamily="49" charset="0"/>
+              <a:ea typeface="Arial Unicode MS" pitchFamily="34" charset="-128"/>
+              <a:cs typeface="Courier New" panose="02070309020205020404" pitchFamily="49" charset="0"/>
+            </a:endParaRPr>
+          </a:p>
+          <a:p>
+            <a:pPr defTabSz="914400" fontAlgn="base">
+              <a:spcAft>
+                <a:spcPct val="0"/>
+              </a:spcAft>
+              <a:buClr>
+                <a:srgbClr val="F0AB00"/>
+              </a:buClr>
+              <a:buSzPct val="80000"/>
+            </a:pPr>
+            <a:endParaRPr lang="en-US" sz="1200" b="1" kern="0" dirty="0">
+              <a:solidFill>
+                <a:schemeClr val="bg1"/>
+              </a:solidFill>
+              <a:latin typeface="Courier New" panose="02070309020205020404" pitchFamily="49" charset="0"/>
+              <a:ea typeface="Arial Unicode MS" pitchFamily="34" charset="-128"/>
+              <a:cs typeface="Courier New" panose="02070309020205020404" pitchFamily="49" charset="0"/>
+            </a:endParaRPr>
+          </a:p>
+          <a:p>
+            <a:pPr defTabSz="914400" fontAlgn="base">
+              <a:spcAft>
+                <a:spcPct val="0"/>
+              </a:spcAft>
+              <a:buClr>
+                <a:srgbClr val="F0AB00"/>
+              </a:buClr>
+              <a:buSzPct val="80000"/>
+            </a:pPr>
+            <a:r>
+              <a:rPr lang="en-US" sz="1200" b="1" kern="0" dirty="0">
+                <a:solidFill>
+                  <a:schemeClr val="bg1"/>
+                </a:solidFill>
+                <a:latin typeface="Courier New" panose="02070309020205020404" pitchFamily="49" charset="0"/>
+                <a:ea typeface="Arial Unicode MS" pitchFamily="34" charset="-128"/>
+                <a:cs typeface="Courier New" panose="02070309020205020404" pitchFamily="49" charset="0"/>
+              </a:rPr>
+              <a:t>$ docker container start -</a:t>
+            </a:r>
+            <a:r>
+              <a:rPr lang="en-US" sz="1200" b="1" kern="0" dirty="0" err="1">
+                <a:solidFill>
+                  <a:schemeClr val="bg1"/>
+                </a:solidFill>
+                <a:latin typeface="Courier New" panose="02070309020205020404" pitchFamily="49" charset="0"/>
+                <a:ea typeface="Arial Unicode MS" pitchFamily="34" charset="-128"/>
+                <a:cs typeface="Courier New" panose="02070309020205020404" pitchFamily="49" charset="0"/>
+              </a:rPr>
+              <a:t>i</a:t>
+            </a:r>
+            <a:r>
+              <a:rPr lang="en-US" sz="1200" b="1" kern="0" dirty="0">
+                <a:solidFill>
+                  <a:schemeClr val="bg1"/>
+                </a:solidFill>
+                <a:latin typeface="Courier New" panose="02070309020205020404" pitchFamily="49" charset="0"/>
+                <a:ea typeface="Arial Unicode MS" pitchFamily="34" charset="-128"/>
+                <a:cs typeface="Courier New" panose="02070309020205020404" pitchFamily="49" charset="0"/>
+              </a:rPr>
+              <a:t> 033d3a22e8c8</a:t>
+            </a:r>
+          </a:p>
+          <a:p>
+            <a:pPr defTabSz="914400" fontAlgn="base">
+              <a:spcAft>
+                <a:spcPct val="0"/>
+              </a:spcAft>
+              <a:buClr>
+                <a:srgbClr val="F0AB00"/>
+              </a:buClr>
+              <a:buSzPct val="80000"/>
+            </a:pPr>
+            <a:r>
+              <a:rPr lang="en-US" sz="1200" kern="0" dirty="0">
+                <a:solidFill>
+                  <a:schemeClr val="bg1"/>
+                </a:solidFill>
+                <a:latin typeface="Arial monospaced for SAP" panose="020B0609020202030204" pitchFamily="49" charset="0"/>
+                <a:ea typeface="Arial Unicode MS" pitchFamily="34" charset="-128"/>
+                <a:cs typeface="Courier New" panose="02070309020205020404" pitchFamily="49" charset="0"/>
+              </a:rPr>
+              <a:t>/ # ls</a:t>
+            </a:r>
+          </a:p>
+          <a:p>
+            <a:pPr defTabSz="914400" fontAlgn="base">
+              <a:spcAft>
+                <a:spcPct val="0"/>
+              </a:spcAft>
+              <a:buClr>
+                <a:srgbClr val="F0AB00"/>
+              </a:buClr>
+              <a:buSzPct val="80000"/>
+            </a:pPr>
+            <a:r>
+              <a:rPr lang="en-US" sz="1200" kern="0" dirty="0">
+                <a:solidFill>
+                  <a:schemeClr val="bg1"/>
+                </a:solidFill>
+                <a:latin typeface="Arial monospaced for SAP" panose="020B0609020202030204" pitchFamily="49" charset="0"/>
+                <a:ea typeface="Arial Unicode MS" pitchFamily="34" charset="-128"/>
+                <a:cs typeface="Courier New" panose="02070309020205020404" pitchFamily="49" charset="0"/>
+              </a:rPr>
+              <a:t>bin   dev   </a:t>
+            </a:r>
+            <a:r>
+              <a:rPr lang="en-US" sz="1200" kern="0" dirty="0" err="1">
+                <a:solidFill>
+                  <a:schemeClr val="bg1"/>
+                </a:solidFill>
+                <a:latin typeface="Arial monospaced for SAP" panose="020B0609020202030204" pitchFamily="49" charset="0"/>
+                <a:ea typeface="Arial Unicode MS" pitchFamily="34" charset="-128"/>
+                <a:cs typeface="Courier New" panose="02070309020205020404" pitchFamily="49" charset="0"/>
+              </a:rPr>
+              <a:t>etc</a:t>
+            </a:r>
+            <a:r>
+              <a:rPr lang="en-US" sz="1200" kern="0" dirty="0">
+                <a:solidFill>
+                  <a:schemeClr val="bg1"/>
+                </a:solidFill>
+                <a:latin typeface="Arial monospaced for SAP" panose="020B0609020202030204" pitchFamily="49" charset="0"/>
+                <a:ea typeface="Arial Unicode MS" pitchFamily="34" charset="-128"/>
+                <a:cs typeface="Courier New" panose="02070309020205020404" pitchFamily="49" charset="0"/>
+              </a:rPr>
+              <a:t>   home  proc  root  run   sys   </a:t>
+            </a:r>
+            <a:r>
+              <a:rPr lang="en-US" sz="1200" kern="0" dirty="0" err="1">
+                <a:solidFill>
+                  <a:schemeClr val="bg1"/>
+                </a:solidFill>
+                <a:latin typeface="Arial monospaced for SAP" panose="020B0609020202030204" pitchFamily="49" charset="0"/>
+                <a:ea typeface="Arial Unicode MS" pitchFamily="34" charset="-128"/>
+                <a:cs typeface="Courier New" panose="02070309020205020404" pitchFamily="49" charset="0"/>
+              </a:rPr>
+              <a:t>tmp</a:t>
+            </a:r>
+            <a:r>
+              <a:rPr lang="en-US" sz="1200" kern="0" dirty="0">
+                <a:solidFill>
+                  <a:schemeClr val="bg1"/>
+                </a:solidFill>
+                <a:latin typeface="Arial monospaced for SAP" panose="020B0609020202030204" pitchFamily="49" charset="0"/>
+                <a:ea typeface="Arial Unicode MS" pitchFamily="34" charset="-128"/>
+                <a:cs typeface="Courier New" panose="02070309020205020404" pitchFamily="49" charset="0"/>
+              </a:rPr>
+              <a:t>   </a:t>
+            </a:r>
+            <a:r>
+              <a:rPr lang="en-US" sz="1200" kern="0" dirty="0" err="1">
+                <a:solidFill>
+                  <a:schemeClr val="bg1"/>
+                </a:solidFill>
+                <a:latin typeface="Arial monospaced for SAP" panose="020B0609020202030204" pitchFamily="49" charset="0"/>
+                <a:ea typeface="Arial Unicode MS" pitchFamily="34" charset="-128"/>
+                <a:cs typeface="Courier New" panose="02070309020205020404" pitchFamily="49" charset="0"/>
+              </a:rPr>
+              <a:t>usr</a:t>
+            </a:r>
+            <a:r>
+              <a:rPr lang="en-US" sz="1200" kern="0" dirty="0">
+                <a:solidFill>
+                  <a:schemeClr val="bg1"/>
+                </a:solidFill>
+                <a:latin typeface="Arial monospaced for SAP" panose="020B0609020202030204" pitchFamily="49" charset="0"/>
+                <a:ea typeface="Arial Unicode MS" pitchFamily="34" charset="-128"/>
+                <a:cs typeface="Courier New" panose="02070309020205020404" pitchFamily="49" charset="0"/>
+              </a:rPr>
+              <a:t>   </a:t>
+            </a:r>
+            <a:r>
+              <a:rPr lang="en-US" sz="1200" kern="0" dirty="0" err="1">
+                <a:solidFill>
+                  <a:schemeClr val="bg1"/>
+                </a:solidFill>
+                <a:latin typeface="Arial monospaced for SAP" panose="020B0609020202030204" pitchFamily="49" charset="0"/>
+                <a:ea typeface="Arial Unicode MS" pitchFamily="34" charset="-128"/>
+                <a:cs typeface="Courier New" panose="02070309020205020404" pitchFamily="49" charset="0"/>
+              </a:rPr>
+              <a:t>var</a:t>
+            </a:r>
+            <a:endParaRPr lang="en-US" sz="1200" kern="0" dirty="0">
+              <a:solidFill>
+                <a:schemeClr val="bg1"/>
+              </a:solidFill>
+              <a:latin typeface="Arial monospaced for SAP" panose="020B0609020202030204" pitchFamily="49" charset="0"/>
+              <a:ea typeface="Arial Unicode MS" pitchFamily="34" charset="-128"/>
+              <a:cs typeface="Courier New" panose="02070309020205020404" pitchFamily="49" charset="0"/>
+            </a:endParaRPr>
+          </a:p>
+          <a:p>
+            <a:pPr defTabSz="914400" fontAlgn="base">
+              <a:spcAft>
+                <a:spcPct val="0"/>
+              </a:spcAft>
+              <a:buClr>
+                <a:srgbClr val="F0AB00"/>
+              </a:buClr>
+              <a:buSzPct val="80000"/>
+            </a:pPr>
+            <a:r>
+              <a:rPr lang="en-US" sz="1200" kern="0" dirty="0">
+                <a:solidFill>
+                  <a:schemeClr val="bg1"/>
+                </a:solidFill>
+                <a:latin typeface="Arial monospaced for SAP" panose="020B0609020202030204" pitchFamily="49" charset="0"/>
+                <a:ea typeface="Arial Unicode MS" pitchFamily="34" charset="-128"/>
+                <a:cs typeface="Courier New" panose="02070309020205020404" pitchFamily="49" charset="0"/>
+              </a:rPr>
+              <a:t>/ # exit</a:t>
+            </a:r>
+          </a:p>
+        </p:txBody>
+      </p:sp>
+    </p:spTree>
+    <p:extLst>
+      <p:ext uri="{BB962C8B-B14F-4D97-AF65-F5344CB8AC3E}">
+        <p14:creationId xmlns:p14="http://schemas.microsoft.com/office/powerpoint/2010/main" val="501251986"/>
+      </p:ext>
+    </p:extLst>
+  </p:cSld>
+  <p:clrMapOvr>
+    <a:masterClrMapping/>
+  </p:clrMapOvr>
+</p:sld>
+</file>
+
+<file path=ppt/slides/slide8.xml><?xml version="1.0" encoding="utf-8"?>
+<p:sld xmlns:a="http://schemas.openxmlformats.org/drawingml/2006/main" xmlns:r="http://schemas.openxmlformats.org/officeDocument/2006/relationships" xmlns:p="http://schemas.openxmlformats.org/presentationml/2006/main" show="0">
+  <p:cSld>
+    <p:spTree>
+      <p:nvGrpSpPr>
+        <p:cNvPr id="1" name=""/>
+        <p:cNvGrpSpPr/>
+        <p:nvPr/>
+      </p:nvGrpSpPr>
+      <p:grpSpPr>
+        <a:xfrm>
+          <a:off x="0" y="0"/>
+          <a:ext cx="0" cy="0"/>
+          <a:chOff x="0" y="0"/>
+          <a:chExt cx="0" cy="0"/>
+        </a:xfrm>
+      </p:grpSpPr>
+      <p:sp>
+        <p:nvSpPr>
+          <p:cNvPr id="3" name="Title 2"/>
+          <p:cNvSpPr>
+            <a:spLocks noGrp="1"/>
+          </p:cNvSpPr>
+          <p:nvPr>
+            <p:ph type="title"/>
+          </p:nvPr>
+        </p:nvSpPr>
+        <p:spPr/>
+        <p:txBody>
+          <a:bodyPr/>
+          <a:lstStyle/>
+          <a:p>
+            <a:r>
+              <a:rPr lang="en-US" dirty="0"/>
+              <a:t>Stopping a container</a:t>
+            </a:r>
+          </a:p>
+        </p:txBody>
+      </p:sp>
+      <p:sp>
+        <p:nvSpPr>
+          <p:cNvPr id="6" name="Text Placeholder 10"/>
+          <p:cNvSpPr>
+            <a:spLocks noGrp="1"/>
+          </p:cNvSpPr>
+          <p:nvPr>
+            <p:ph type="body" sz="quarter" idx="10"/>
+          </p:nvPr>
+        </p:nvSpPr>
+        <p:spPr>
+          <a:xfrm>
+            <a:off x="503999" y="1620000"/>
+            <a:ext cx="11186477" cy="4230000"/>
+          </a:xfrm>
+        </p:spPr>
+        <p:txBody>
+          <a:bodyPr/>
+          <a:lstStyle/>
+          <a:p>
+            <a:pPr lvl="0"/>
+            <a:r>
+              <a:rPr lang="en-US" sz="1800" dirty="0"/>
+              <a:t>A container can be forcibly stopped</a:t>
+            </a:r>
+          </a:p>
+          <a:p>
+            <a:pPr lvl="1"/>
+            <a:r>
+              <a:rPr lang="en-US" sz="1600" dirty="0"/>
+              <a:t>necessary for containers with daemon processes</a:t>
+            </a:r>
+          </a:p>
+          <a:p>
+            <a:pPr lvl="1"/>
+            <a:r>
+              <a:rPr lang="en-US" sz="1600" dirty="0"/>
+              <a:t>friendly termination with SIGTERM, after timeout (default 10 seconds) with SIGKILL *</a:t>
+            </a:r>
+          </a:p>
+          <a:p>
+            <a:pPr lvl="1"/>
+            <a:endParaRPr lang="en-US" sz="1600" dirty="0"/>
+          </a:p>
+        </p:txBody>
+      </p:sp>
+      <p:sp>
+        <p:nvSpPr>
+          <p:cNvPr id="7" name="Rectangle: Rounded Corners 6"/>
+          <p:cNvSpPr/>
+          <p:nvPr/>
+        </p:nvSpPr>
+        <p:spPr bwMode="gray">
+          <a:xfrm>
+            <a:off x="686701" y="2558294"/>
+            <a:ext cx="7312170" cy="276513"/>
+          </a:xfrm>
+          <a:prstGeom prst="roundRect">
+            <a:avLst/>
+          </a:prstGeom>
+          <a:solidFill>
+            <a:schemeClr val="accent1">
+              <a:lumMod val="20000"/>
+              <a:lumOff val="80000"/>
+            </a:schemeClr>
+          </a:solidFill>
+          <a:ln w="6350" algn="ctr">
+            <a:noFill/>
+            <a:miter lim="800000"/>
+            <a:headEnd/>
+            <a:tailEnd/>
+          </a:ln>
+        </p:spPr>
+        <p:txBody>
+          <a:bodyPr lIns="90000" tIns="72000" rIns="90000" bIns="72000" rtlCol="0" anchor="ctr"/>
+          <a:lstStyle/>
+          <a:p>
+            <a:pPr marL="179387" lvl="2" indent="0">
+              <a:buNone/>
+            </a:pPr>
+            <a:r>
+              <a:rPr lang="en-US" sz="1400" b="1" dirty="0">
+                <a:latin typeface="Courier New" panose="02070309020205020404" pitchFamily="49" charset="0"/>
+                <a:cs typeface="Courier New" panose="02070309020205020404" pitchFamily="49" charset="0"/>
+              </a:rPr>
+              <a:t>$ </a:t>
+            </a:r>
+            <a:r>
+              <a:rPr lang="en-US" sz="1400" dirty="0" err="1">
+                <a:latin typeface="Courier New" panose="02070309020205020404" pitchFamily="49" charset="0"/>
+                <a:cs typeface="Courier New" panose="02070309020205020404" pitchFamily="49" charset="0"/>
+              </a:rPr>
+              <a:t>docker</a:t>
+            </a:r>
+            <a:r>
+              <a:rPr lang="en-US" sz="1400" b="1" dirty="0">
+                <a:latin typeface="Courier New" panose="02070309020205020404" pitchFamily="49" charset="0"/>
+                <a:cs typeface="Courier New" panose="02070309020205020404" pitchFamily="49" charset="0"/>
+              </a:rPr>
+              <a:t> stop </a:t>
+            </a:r>
+            <a:r>
+              <a:rPr lang="en-US" sz="1400" i="1" dirty="0">
+                <a:latin typeface="Courier New" panose="02070309020205020404" pitchFamily="49" charset="0"/>
+                <a:cs typeface="Courier New" panose="02070309020205020404" pitchFamily="49" charset="0"/>
+              </a:rPr>
+              <a:t>&lt;container ID or name&gt;</a:t>
+            </a:r>
+          </a:p>
+        </p:txBody>
+      </p:sp>
+      <p:sp>
+        <p:nvSpPr>
+          <p:cNvPr id="9" name="Rectangle: Rounded Corners 8"/>
+          <p:cNvSpPr/>
+          <p:nvPr/>
+        </p:nvSpPr>
+        <p:spPr bwMode="gray">
+          <a:xfrm>
+            <a:off x="686701" y="3249224"/>
+            <a:ext cx="10728147" cy="2322901"/>
+          </a:xfrm>
+          <a:prstGeom prst="roundRect">
+            <a:avLst>
+              <a:gd name="adj" fmla="val 8296"/>
+            </a:avLst>
+          </a:prstGeom>
+          <a:pattFill prst="narHorz">
+            <a:fgClr>
+              <a:schemeClr val="tx1"/>
+            </a:fgClr>
+            <a:bgClr>
+              <a:srgbClr val="112806"/>
+            </a:bgClr>
+          </a:pattFill>
+          <a:ln w="6350" algn="ctr">
+            <a:noFill/>
+            <a:miter lim="800000"/>
+            <a:headEnd/>
+            <a:tailEnd/>
+          </a:ln>
+        </p:spPr>
+        <p:txBody>
+          <a:bodyPr lIns="90000" tIns="72000" rIns="90000" bIns="72000" rtlCol="0" anchor="t"/>
+          <a:lstStyle/>
+          <a:p>
+            <a:pPr defTabSz="914400" fontAlgn="base">
+              <a:spcAft>
+                <a:spcPct val="0"/>
+              </a:spcAft>
+              <a:buClr>
+                <a:srgbClr val="F0AB00"/>
+              </a:buClr>
+              <a:buSzPct val="80000"/>
+            </a:pPr>
+            <a:r>
+              <a:rPr lang="en-US" sz="1200" b="1" kern="0" dirty="0">
+                <a:solidFill>
+                  <a:schemeClr val="bg1"/>
+                </a:solidFill>
+                <a:latin typeface="Courier New" panose="02070309020205020404" pitchFamily="49" charset="0"/>
+                <a:ea typeface="Arial Unicode MS" pitchFamily="34" charset="-128"/>
+                <a:cs typeface="Courier New" panose="02070309020205020404" pitchFamily="49" charset="0"/>
+              </a:rPr>
+              <a:t>$ docker container list</a:t>
+            </a:r>
+          </a:p>
+          <a:p>
+            <a:pPr defTabSz="914400" fontAlgn="base">
+              <a:spcAft>
+                <a:spcPct val="0"/>
+              </a:spcAft>
+              <a:buClr>
+                <a:srgbClr val="F0AB00"/>
+              </a:buClr>
+              <a:buSzPct val="80000"/>
+            </a:pPr>
+            <a:r>
+              <a:rPr lang="en-US" sz="1200" kern="0" dirty="0">
+                <a:solidFill>
+                  <a:schemeClr val="bg1"/>
+                </a:solidFill>
+                <a:latin typeface="Arial monospaced for SAP" panose="020B0609020202030204" pitchFamily="49" charset="0"/>
+                <a:ea typeface="Arial Unicode MS" pitchFamily="34" charset="-128"/>
+                <a:cs typeface="Courier New" panose="02070309020205020404" pitchFamily="49" charset="0"/>
+              </a:rPr>
+              <a:t>CONTAINER ID    IMAGE       COMMAND          CREATED      STATUS        PORTS                    NAMES</a:t>
+            </a:r>
+          </a:p>
+          <a:p>
+            <a:pPr defTabSz="914400" fontAlgn="base">
+              <a:spcAft>
+                <a:spcPct val="0"/>
+              </a:spcAft>
+              <a:buClr>
+                <a:srgbClr val="F0AB00"/>
+              </a:buClr>
+              <a:buSzPct val="80000"/>
+            </a:pPr>
+            <a:r>
+              <a:rPr lang="en-US" sz="1200" kern="0" dirty="0">
+                <a:solidFill>
+                  <a:schemeClr val="bg1"/>
+                </a:solidFill>
+                <a:latin typeface="Arial monospaced for SAP" panose="020B0609020202030204" pitchFamily="49" charset="0"/>
+                <a:ea typeface="Arial Unicode MS" pitchFamily="34" charset="-128"/>
+                <a:cs typeface="Courier New" panose="02070309020205020404" pitchFamily="49" charset="0"/>
+              </a:rPr>
+              <a:t>494b7b8c9f39    mynginx1    "</a:t>
+            </a:r>
+            <a:r>
+              <a:rPr lang="en-US" sz="1200" kern="0" dirty="0" err="1">
+                <a:solidFill>
+                  <a:schemeClr val="bg1"/>
+                </a:solidFill>
+                <a:latin typeface="Arial monospaced for SAP" panose="020B0609020202030204" pitchFamily="49" charset="0"/>
+                <a:ea typeface="Arial Unicode MS" pitchFamily="34" charset="-128"/>
+                <a:cs typeface="Courier New" panose="02070309020205020404" pitchFamily="49" charset="0"/>
+              </a:rPr>
+              <a:t>nginx</a:t>
+            </a:r>
+            <a:r>
+              <a:rPr lang="en-US" sz="1200" kern="0" dirty="0">
+                <a:solidFill>
+                  <a:schemeClr val="bg1"/>
+                </a:solidFill>
+                <a:latin typeface="Arial monospaced for SAP" panose="020B0609020202030204" pitchFamily="49" charset="0"/>
+                <a:ea typeface="Arial Unicode MS" pitchFamily="34" charset="-128"/>
+                <a:cs typeface="Courier New" panose="02070309020205020404" pitchFamily="49" charset="0"/>
+              </a:rPr>
+              <a:t> -g ..."   7 days ago   Up 24 hours   0.0.0.0:32768-&gt;812/</a:t>
+            </a:r>
+            <a:r>
+              <a:rPr lang="en-US" sz="1200" kern="0" dirty="0" err="1">
+                <a:solidFill>
+                  <a:schemeClr val="bg1"/>
+                </a:solidFill>
+                <a:latin typeface="Arial monospaced for SAP" panose="020B0609020202030204" pitchFamily="49" charset="0"/>
+                <a:ea typeface="Arial Unicode MS" pitchFamily="34" charset="-128"/>
+                <a:cs typeface="Courier New" panose="02070309020205020404" pitchFamily="49" charset="0"/>
+              </a:rPr>
+              <a:t>tcp</a:t>
+            </a:r>
+            <a:r>
+              <a:rPr lang="en-US" sz="1200" kern="0" dirty="0">
+                <a:solidFill>
+                  <a:schemeClr val="bg1"/>
+                </a:solidFill>
+                <a:latin typeface="Arial monospaced for SAP" panose="020B0609020202030204" pitchFamily="49" charset="0"/>
+                <a:ea typeface="Arial Unicode MS" pitchFamily="34" charset="-128"/>
+                <a:cs typeface="Courier New" panose="02070309020205020404" pitchFamily="49" charset="0"/>
+              </a:rPr>
+              <a:t>   </a:t>
+            </a:r>
+            <a:r>
+              <a:rPr lang="en-US" sz="1200" kern="0" dirty="0" err="1">
+                <a:solidFill>
+                  <a:schemeClr val="bg1"/>
+                </a:solidFill>
+                <a:latin typeface="Arial monospaced for SAP" panose="020B0609020202030204" pitchFamily="49" charset="0"/>
+                <a:ea typeface="Arial Unicode MS" pitchFamily="34" charset="-128"/>
+                <a:cs typeface="Courier New" panose="02070309020205020404" pitchFamily="49" charset="0"/>
+              </a:rPr>
+              <a:t>happy_ride</a:t>
+            </a:r>
+            <a:endParaRPr lang="en-US" sz="1200" kern="0" dirty="0">
+              <a:solidFill>
+                <a:schemeClr val="bg1"/>
+              </a:solidFill>
+              <a:latin typeface="Arial monospaced for SAP" panose="020B0609020202030204" pitchFamily="49" charset="0"/>
+              <a:ea typeface="Arial Unicode MS" pitchFamily="34" charset="-128"/>
+              <a:cs typeface="Courier New" panose="02070309020205020404" pitchFamily="49" charset="0"/>
+            </a:endParaRPr>
+          </a:p>
+          <a:p>
+            <a:pPr defTabSz="914400" fontAlgn="base">
+              <a:spcAft>
+                <a:spcPct val="0"/>
+              </a:spcAft>
+              <a:buClr>
+                <a:srgbClr val="F0AB00"/>
+              </a:buClr>
+              <a:buSzPct val="80000"/>
+            </a:pPr>
+            <a:endParaRPr lang="en-US" sz="1200" b="1" kern="0" dirty="0">
+              <a:solidFill>
+                <a:schemeClr val="bg1"/>
+              </a:solidFill>
+              <a:latin typeface="Courier New" panose="02070309020205020404" pitchFamily="49" charset="0"/>
+              <a:ea typeface="Arial Unicode MS" pitchFamily="34" charset="-128"/>
+              <a:cs typeface="Courier New" panose="02070309020205020404" pitchFamily="49" charset="0"/>
+            </a:endParaRPr>
+          </a:p>
+          <a:p>
+            <a:pPr defTabSz="914400" fontAlgn="base">
+              <a:spcAft>
+                <a:spcPct val="0"/>
+              </a:spcAft>
+              <a:buClr>
+                <a:srgbClr val="F0AB00"/>
+              </a:buClr>
+              <a:buSzPct val="80000"/>
+            </a:pPr>
+            <a:r>
+              <a:rPr lang="en-US" sz="1200" b="1" kern="0" dirty="0">
+                <a:solidFill>
+                  <a:schemeClr val="bg1"/>
+                </a:solidFill>
+                <a:latin typeface="Courier New" panose="02070309020205020404" pitchFamily="49" charset="0"/>
+                <a:ea typeface="Arial Unicode MS" pitchFamily="34" charset="-128"/>
+                <a:cs typeface="Courier New" panose="02070309020205020404" pitchFamily="49" charset="0"/>
+              </a:rPr>
+              <a:t>$ docker container stop -t 5 </a:t>
+            </a:r>
+            <a:r>
+              <a:rPr lang="en-US" sz="1200" b="1" kern="0" dirty="0" err="1">
+                <a:solidFill>
+                  <a:schemeClr val="bg1"/>
+                </a:solidFill>
+                <a:latin typeface="Courier New" panose="02070309020205020404" pitchFamily="49" charset="0"/>
+                <a:ea typeface="Arial Unicode MS" pitchFamily="34" charset="-128"/>
+                <a:cs typeface="Courier New" panose="02070309020205020404" pitchFamily="49" charset="0"/>
+              </a:rPr>
+              <a:t>happy_ride</a:t>
+            </a:r>
+            <a:endParaRPr lang="en-US" sz="1200" b="1" kern="0" dirty="0">
+              <a:solidFill>
+                <a:schemeClr val="bg1"/>
+              </a:solidFill>
+              <a:latin typeface="Courier New" panose="02070309020205020404" pitchFamily="49" charset="0"/>
+              <a:ea typeface="Arial Unicode MS" pitchFamily="34" charset="-128"/>
+              <a:cs typeface="Courier New" panose="02070309020205020404" pitchFamily="49" charset="0"/>
+            </a:endParaRPr>
+          </a:p>
+          <a:p>
+            <a:pPr defTabSz="914400" fontAlgn="base">
+              <a:spcAft>
+                <a:spcPct val="0"/>
+              </a:spcAft>
+              <a:buClr>
+                <a:srgbClr val="F0AB00"/>
+              </a:buClr>
+              <a:buSzPct val="80000"/>
+            </a:pPr>
+            <a:r>
+              <a:rPr lang="en-US" sz="1200" kern="0" dirty="0">
+                <a:solidFill>
+                  <a:schemeClr val="bg1"/>
+                </a:solidFill>
+                <a:latin typeface="Arial monospaced for SAP" panose="020B0609020202030204" pitchFamily="49" charset="0"/>
+                <a:ea typeface="Arial Unicode MS" pitchFamily="34" charset="-128"/>
+                <a:cs typeface="Courier New" panose="02070309020205020404" pitchFamily="49" charset="0"/>
+              </a:rPr>
+              <a:t>494b7b8c9f39</a:t>
+            </a:r>
+          </a:p>
+          <a:p>
+            <a:pPr defTabSz="914400" fontAlgn="base">
+              <a:spcAft>
+                <a:spcPct val="0"/>
+              </a:spcAft>
+              <a:buClr>
+                <a:srgbClr val="F0AB00"/>
+              </a:buClr>
+              <a:buSzPct val="80000"/>
+            </a:pPr>
+            <a:endParaRPr lang="en-US" sz="1200" b="1" kern="0" dirty="0">
+              <a:solidFill>
+                <a:schemeClr val="bg1"/>
+              </a:solidFill>
+              <a:latin typeface="Courier New" panose="02070309020205020404" pitchFamily="49" charset="0"/>
+              <a:ea typeface="Arial Unicode MS" pitchFamily="34" charset="-128"/>
+              <a:cs typeface="Courier New" panose="02070309020205020404" pitchFamily="49" charset="0"/>
+            </a:endParaRPr>
+          </a:p>
+          <a:p>
+            <a:pPr defTabSz="914400" fontAlgn="base">
+              <a:spcAft>
+                <a:spcPct val="0"/>
+              </a:spcAft>
+              <a:buClr>
+                <a:srgbClr val="F0AB00"/>
+              </a:buClr>
+              <a:buSzPct val="80000"/>
+            </a:pPr>
+            <a:r>
+              <a:rPr lang="en-US" sz="1200" b="1" kern="0" dirty="0">
+                <a:solidFill>
+                  <a:schemeClr val="bg1"/>
+                </a:solidFill>
+                <a:latin typeface="Courier New" panose="02070309020205020404" pitchFamily="49" charset="0"/>
+                <a:ea typeface="Arial Unicode MS" pitchFamily="34" charset="-128"/>
+                <a:cs typeface="Courier New" panose="02070309020205020404" pitchFamily="49" charset="0"/>
+              </a:rPr>
+              <a:t>$ docker container list</a:t>
+            </a:r>
+          </a:p>
+          <a:p>
+            <a:pPr defTabSz="914400" fontAlgn="base">
+              <a:spcAft>
+                <a:spcPct val="0"/>
+              </a:spcAft>
+              <a:buClr>
+                <a:srgbClr val="F0AB00"/>
+              </a:buClr>
+              <a:buSzPct val="80000"/>
+            </a:pPr>
+            <a:r>
+              <a:rPr lang="en-US" sz="1200" kern="0" dirty="0">
+                <a:solidFill>
+                  <a:schemeClr val="bg1"/>
+                </a:solidFill>
+                <a:latin typeface="Arial monospaced for SAP" panose="020B0609020202030204" pitchFamily="49" charset="0"/>
+                <a:ea typeface="Arial Unicode MS" pitchFamily="34" charset="-128"/>
+                <a:cs typeface="Courier New" panose="02070309020205020404" pitchFamily="49" charset="0"/>
+              </a:rPr>
+              <a:t>CONTAINER ID    IMAGE       COMMAND          CREATED      STATUS        PORTS                    NAMES</a:t>
+            </a:r>
+          </a:p>
+          <a:p>
+            <a:pPr defTabSz="914400" fontAlgn="base">
+              <a:spcAft>
+                <a:spcPct val="0"/>
+              </a:spcAft>
+              <a:buClr>
+                <a:srgbClr val="F0AB00"/>
+              </a:buClr>
+              <a:buSzPct val="80000"/>
+            </a:pPr>
+            <a:endParaRPr lang="en-US" sz="1200" kern="0" dirty="0">
+              <a:solidFill>
+                <a:schemeClr val="bg1"/>
+              </a:solidFill>
+              <a:latin typeface="Arial monospaced for SAP" panose="020B0609020202030204" pitchFamily="49" charset="0"/>
+              <a:ea typeface="Arial Unicode MS" pitchFamily="34" charset="-128"/>
+              <a:cs typeface="Courier New" panose="02070309020205020404" pitchFamily="49" charset="0"/>
+            </a:endParaRPr>
+          </a:p>
+          <a:p>
+            <a:pPr defTabSz="914400" fontAlgn="base">
+              <a:spcAft>
+                <a:spcPct val="0"/>
+              </a:spcAft>
+              <a:buClr>
+                <a:srgbClr val="F0AB00"/>
+              </a:buClr>
+              <a:buSzPct val="80000"/>
+            </a:pPr>
+            <a:r>
+              <a:rPr lang="en-US" sz="1200" b="1" kern="0" dirty="0">
+                <a:solidFill>
+                  <a:schemeClr val="bg1"/>
+                </a:solidFill>
+                <a:latin typeface="Courier New" panose="02070309020205020404" pitchFamily="49" charset="0"/>
+                <a:ea typeface="Arial Unicode MS" pitchFamily="34" charset="-128"/>
+                <a:cs typeface="Courier New" panose="02070309020205020404" pitchFamily="49" charset="0"/>
+              </a:rPr>
+              <a:t>$</a:t>
+            </a:r>
+          </a:p>
+        </p:txBody>
+      </p:sp>
+      <p:sp>
+        <p:nvSpPr>
+          <p:cNvPr id="2" name="TextBox 1">
+            <a:extLst>
+              <a:ext uri="{FF2B5EF4-FFF2-40B4-BE49-F238E27FC236}">
+                <a16:creationId xmlns:a16="http://schemas.microsoft.com/office/drawing/2014/main" id="{6F0859C0-3A07-4DCD-B4EF-FAB83CECD30F}"/>
+              </a:ext>
+            </a:extLst>
+          </p:cNvPr>
+          <p:cNvSpPr txBox="1"/>
+          <p:nvPr/>
+        </p:nvSpPr>
+        <p:spPr>
+          <a:xfrm>
+            <a:off x="574557" y="6156695"/>
+            <a:ext cx="6221255" cy="215444"/>
+          </a:xfrm>
+          <a:prstGeom prst="rect">
+            <a:avLst/>
+          </a:prstGeom>
+          <a:noFill/>
+        </p:spPr>
+        <p:txBody>
+          <a:bodyPr wrap="none" lIns="0" tIns="0" rIns="0" bIns="0" rtlCol="0">
+            <a:spAutoFit/>
+          </a:bodyPr>
+          <a:lstStyle/>
+          <a:p>
+            <a:pPr fontAlgn="base">
+              <a:spcBef>
+                <a:spcPct val="50000"/>
+              </a:spcBef>
+              <a:spcAft>
+                <a:spcPct val="0"/>
+              </a:spcAft>
+              <a:buClr>
+                <a:srgbClr val="F0AB00"/>
+              </a:buClr>
+              <a:buSzPct val="80000"/>
+            </a:pPr>
+            <a:r>
+              <a:rPr lang="en-US" sz="1400" kern="0" dirty="0">
+                <a:ea typeface="Arial Unicode MS" pitchFamily="34" charset="-128"/>
+                <a:cs typeface="Arial Unicode MS" pitchFamily="34" charset="-128"/>
+              </a:rPr>
+              <a:t>* you can specify wait time between SIGTERM and SIGKILL with the "-t" option</a:t>
+            </a:r>
+          </a:p>
+        </p:txBody>
+      </p:sp>
+    </p:spTree>
+    <p:extLst>
+      <p:ext uri="{BB962C8B-B14F-4D97-AF65-F5344CB8AC3E}">
+        <p14:creationId xmlns:p14="http://schemas.microsoft.com/office/powerpoint/2010/main" val="3959768445"/>
       </p:ext>
     </p:extLst>
   </p:cSld>
@@ -20729,7 +19905,7 @@
           <a:p>
             <a:r>
               <a:rPr lang="en-US" dirty="0"/>
-              <a:t>Starting a stopped container</a:t>
+              <a:t>Getting logs from a container</a:t>
             </a:r>
           </a:p>
         </p:txBody>
@@ -20757,21 +19933,57 @@
             <a:pPr lvl="0"/>
             <a:r>
               <a:rPr lang="en-US" sz="1800" dirty="0"/>
-              <a:t>A container stops once the main process (PID 1) exits</a:t>
+              <a:t>Docker collects logs from programs inside containers</a:t>
             </a:r>
           </a:p>
           <a:p>
             <a:pPr lvl="1"/>
             <a:r>
+              <a:rPr lang="en-US" sz="1600" dirty="0" err="1"/>
+              <a:t>stdout</a:t>
+            </a:r>
+            <a:r>
               <a:rPr lang="en-US" sz="1600" dirty="0"/>
-              <a:t>container does not get deleted (removed) but remains</a:t>
+              <a:t> and </a:t>
+            </a:r>
+            <a:r>
+              <a:rPr lang="en-US" sz="1600" dirty="0" err="1"/>
+              <a:t>stderr</a:t>
+            </a:r>
+            <a:r>
+              <a:rPr lang="en-US" sz="1600" dirty="0"/>
+              <a:t> of the main process get collected</a:t>
             </a:r>
           </a:p>
           <a:p>
             <a:pPr lvl="1"/>
             <a:r>
               <a:rPr lang="en-US" sz="1600" dirty="0"/>
-              <a:t>can be restarted as long as it exists</a:t>
+              <a:t>logs from programs can be redirected to /dev/</a:t>
+            </a:r>
+            <a:r>
+              <a:rPr lang="en-US" sz="1600" dirty="0" err="1"/>
+              <a:t>stdout</a:t>
+            </a:r>
+            <a:r>
+              <a:rPr lang="en-US" sz="1600" dirty="0"/>
+              <a:t> and /dev/</a:t>
+            </a:r>
+            <a:r>
+              <a:rPr lang="en-US" sz="1600" dirty="0" err="1"/>
+              <a:t>stderr</a:t>
+            </a:r>
+            <a:endParaRPr lang="en-US" sz="1600" dirty="0"/>
+          </a:p>
+          <a:p>
+            <a:pPr lvl="1"/>
+            <a:endParaRPr lang="en-US" sz="1600" dirty="0"/>
+          </a:p>
+          <a:p>
+            <a:pPr lvl="1"/>
+            <a:r>
+              <a:rPr lang="en-US" sz="1600" dirty="0"/>
+              <a:t>logs still available even after a container terminated</a:t>
             </a:r>
           </a:p>
         </p:txBody>
@@ -20829,7 +20041,7 @@
                 <a:latin typeface="Courier New" panose="02070309020205020404" pitchFamily="49" charset="0"/>
                 <a:cs typeface="Courier New" panose="02070309020205020404" pitchFamily="49" charset="0"/>
               </a:rPr>
-              <a:t> start </a:t>
+              <a:t> logs </a:t>
             </a:r>
             <a:r>
               <a:rPr lang="en-US" sz="1400" i="1" dirty="0">
@@ -20849,8 +20061,8 @@
         </p:nvSpPr>
         <p:spPr bwMode="gray">
           <a:xfrm>
-            <a:off x="686701" y="3306374"/>
-            <a:ext cx="10728147" cy="2322901"/>
+            <a:off x="779625" y="3575926"/>
+            <a:ext cx="10635223" cy="2275275"/>
           </a:xfrm>
           <a:prstGeom prst="roundRect">
             <a:avLst>
@@ -20894,71 +20106,8 @@
                 <a:ea typeface="Arial Unicode MS" pitchFamily="34" charset="-128"/>
                 <a:cs typeface="Courier New" panose="02070309020205020404" pitchFamily="49" charset="0"/>
               </a:rPr>
-              <a:t>$ </a:t>
-            </a:r>
-            <a:r>
-              <a:rPr lang="en-US" sz="1200" b="1" kern="0" dirty="0" err="1">
-                <a:solidFill>
-                  <a:schemeClr val="bg1"/>
-                </a:solidFill>
-                <a:latin typeface="Courier New" panose="02070309020205020404" pitchFamily="49" charset="0"/>
-                <a:ea typeface="Arial Unicode MS" pitchFamily="34" charset="-128"/>
-                <a:cs typeface="Courier New" panose="02070309020205020404" pitchFamily="49" charset="0"/>
-              </a:rPr>
-              <a:t>docker</a:t>
-            </a:r>
-            <a:r>
-              <a:rPr lang="en-US" sz="1200" b="1" kern="0" dirty="0">
-                <a:solidFill>
-                  <a:schemeClr val="bg1"/>
-                </a:solidFill>
-                <a:latin typeface="Courier New" panose="02070309020205020404" pitchFamily="49" charset="0"/>
-                <a:ea typeface="Arial Unicode MS" pitchFamily="34" charset="-128"/>
-                <a:cs typeface="Courier New" panose="02070309020205020404" pitchFamily="49" charset="0"/>
-              </a:rPr>
-              <a:t> run -</a:t>
-            </a:r>
-            <a:r>
-              <a:rPr lang="en-US" sz="1200" b="1" kern="0" dirty="0" err="1">
-                <a:solidFill>
-                  <a:schemeClr val="bg1"/>
-                </a:solidFill>
-                <a:latin typeface="Courier New" panose="02070309020205020404" pitchFamily="49" charset="0"/>
-                <a:ea typeface="Arial Unicode MS" pitchFamily="34" charset="-128"/>
-                <a:cs typeface="Courier New" panose="02070309020205020404" pitchFamily="49" charset="0"/>
-              </a:rPr>
-              <a:t>i</a:t>
-            </a:r>
-            <a:r>
-              <a:rPr lang="en-US" sz="1200" b="1" kern="0" dirty="0">
-                <a:solidFill>
-                  <a:schemeClr val="bg1"/>
-                </a:solidFill>
-                <a:latin typeface="Courier New" panose="02070309020205020404" pitchFamily="49" charset="0"/>
-                <a:ea typeface="Arial Unicode MS" pitchFamily="34" charset="-128"/>
-                <a:cs typeface="Courier New" panose="02070309020205020404" pitchFamily="49" charset="0"/>
-              </a:rPr>
-              <a:t> -t </a:t>
-            </a:r>
-            <a:r>
-              <a:rPr lang="en-US" sz="1200" b="1" kern="0" dirty="0" err="1">
-                <a:solidFill>
-                  <a:schemeClr val="bg1"/>
-                </a:solidFill>
-                <a:latin typeface="Courier New" panose="02070309020205020404" pitchFamily="49" charset="0"/>
-                <a:ea typeface="Arial Unicode MS" pitchFamily="34" charset="-128"/>
-                <a:cs typeface="Courier New" panose="02070309020205020404" pitchFamily="49" charset="0"/>
-              </a:rPr>
-              <a:t>busybox</a:t>
-            </a:r>
-            <a:endParaRPr lang="en-US" sz="1200" b="1" kern="0" dirty="0">
-              <a:solidFill>
-                <a:schemeClr val="bg1"/>
-              </a:solidFill>
-              <a:latin typeface="Courier New" panose="02070309020205020404" pitchFamily="49" charset="0"/>
-              <a:ea typeface="Arial Unicode MS" pitchFamily="34" charset="-128"/>
-              <a:cs typeface="Courier New" panose="02070309020205020404" pitchFamily="49" charset="0"/>
-            </a:endParaRPr>
+              <a:t>$ docker container logs 494b7b8c9f39</a:t>
+            </a:r>
           </a:p>
           <a:p>
             <a:pPr defTabSz="914400" fontAlgn="base">
@@ -20979,7 +20128,132 @@
                 <a:ea typeface="Arial Unicode MS" pitchFamily="34" charset="-128"/>
                 <a:cs typeface="Courier New" panose="02070309020205020404" pitchFamily="49" charset="0"/>
               </a:rPr>
-              <a:t>/ # exit</a:t>
+              <a:t>10.19.91.230 - - [01/Dec/2017:14:48:12 +0000] "GET / HTTP/1.1" 200 230 "-" "Mozilla/5.0 (Windows NT 10.0; Win64; x64; rv:57.0) Gecko/20100101 Firefox/57.0" "-"</a:t>
+            </a:r>
+          </a:p>
+          <a:p>
+            <a:pPr defTabSz="914400" fontAlgn="base">
+              <a:spcAft>
+                <a:spcPct val="0"/>
+              </a:spcAft>
+              <a:buClr>
+                <a:srgbClr val="F0AB00"/>
+              </a:buClr>
+              <a:buSzPct val="80000"/>
+            </a:pPr>
+            <a:r>
+              <a:rPr lang="en-US" sz="1200" kern="0" dirty="0">
+                <a:solidFill>
+                  <a:schemeClr val="bg1"/>
+                </a:solidFill>
+                <a:latin typeface="Arial monospaced for SAP" panose="020B0609020202030204" pitchFamily="49" charset="0"/>
+                <a:ea typeface="Arial Unicode MS" pitchFamily="34" charset="-128"/>
+                <a:cs typeface="Courier New" panose="02070309020205020404" pitchFamily="49" charset="0"/>
+              </a:rPr>
+              <a:t>10.19.91.230 - - [01/Dec/2017:14:48:12 +0000] "GET /it_works.jpg HTTP/1.1" 200 25676 "http://pvxka22:32780/" "Mozilla/5.0 (Windows NT 10.0; Win64; x64; rv:57.0) Gecko/20100101 Firefox/57.0" "-"</a:t>
+            </a:r>
+          </a:p>
+          <a:p>
+            <a:pPr defTabSz="914400" fontAlgn="base">
+              <a:spcAft>
+                <a:spcPct val="0"/>
+              </a:spcAft>
+              <a:buClr>
+                <a:srgbClr val="F0AB00"/>
+              </a:buClr>
+              <a:buSzPct val="80000"/>
+            </a:pPr>
+            <a:r>
+              <a:rPr lang="en-US" sz="1200" kern="0" dirty="0">
+                <a:solidFill>
+                  <a:schemeClr val="accent5">
+                    <a:lumMod val="20000"/>
+                    <a:lumOff val="80000"/>
+                  </a:schemeClr>
+                </a:solidFill>
+                <a:latin typeface="Arial monospaced for SAP" panose="020B0609020202030204" pitchFamily="49" charset="0"/>
+                <a:ea typeface="Arial Unicode MS" pitchFamily="34" charset="-128"/>
+                <a:cs typeface="Courier New" panose="02070309020205020404" pitchFamily="49" charset="0"/>
+              </a:rPr>
+              <a:t>2017/12/01 14:48:12 [error] 8#8: *1 open() "/</a:t>
+            </a:r>
+            <a:r>
+              <a:rPr lang="en-US" sz="1200" kern="0" dirty="0" err="1">
+                <a:solidFill>
+                  <a:schemeClr val="accent5">
+                    <a:lumMod val="20000"/>
+                    <a:lumOff val="80000"/>
+                  </a:schemeClr>
+                </a:solidFill>
+                <a:latin typeface="Arial monospaced for SAP" panose="020B0609020202030204" pitchFamily="49" charset="0"/>
+                <a:ea typeface="Arial Unicode MS" pitchFamily="34" charset="-128"/>
+                <a:cs typeface="Courier New" panose="02070309020205020404" pitchFamily="49" charset="0"/>
+              </a:rPr>
+              <a:t>srv</a:t>
+            </a:r>
+            <a:r>
+              <a:rPr lang="en-US" sz="1200" kern="0" dirty="0">
+                <a:solidFill>
+                  <a:schemeClr val="accent5">
+                    <a:lumMod val="20000"/>
+                    <a:lumOff val="80000"/>
+                  </a:schemeClr>
+                </a:solidFill>
+                <a:latin typeface="Arial monospaced for SAP" panose="020B0609020202030204" pitchFamily="49" charset="0"/>
+                <a:ea typeface="Arial Unicode MS" pitchFamily="34" charset="-128"/>
+                <a:cs typeface="Courier New" panose="02070309020205020404" pitchFamily="49" charset="0"/>
+              </a:rPr>
+              <a:t>/www/</a:t>
+            </a:r>
+            <a:r>
+              <a:rPr lang="en-US" sz="1200" kern="0" dirty="0" err="1">
+                <a:solidFill>
+                  <a:schemeClr val="accent5">
+                    <a:lumMod val="20000"/>
+                    <a:lumOff val="80000"/>
+                  </a:schemeClr>
+                </a:solidFill>
+                <a:latin typeface="Arial monospaced for SAP" panose="020B0609020202030204" pitchFamily="49" charset="0"/>
+                <a:ea typeface="Arial Unicode MS" pitchFamily="34" charset="-128"/>
+                <a:cs typeface="Courier New" panose="02070309020205020404" pitchFamily="49" charset="0"/>
+              </a:rPr>
+              <a:t>htdocs</a:t>
+            </a:r>
+            <a:r>
+              <a:rPr lang="en-US" sz="1200" kern="0" dirty="0">
+                <a:solidFill>
+                  <a:schemeClr val="accent5">
+                    <a:lumMod val="20000"/>
+                    <a:lumOff val="80000"/>
+                  </a:schemeClr>
+                </a:solidFill>
+                <a:latin typeface="Arial monospaced for SAP" panose="020B0609020202030204" pitchFamily="49" charset="0"/>
+                <a:ea typeface="Arial Unicode MS" pitchFamily="34" charset="-128"/>
+                <a:cs typeface="Courier New" panose="02070309020205020404" pitchFamily="49" charset="0"/>
+              </a:rPr>
+              <a:t>/favicon.ico" failed (2: No such file or directory), client: 10.19.91.230, server: localhost, request: "GET /favicon.ico HTTP/1.1", host: "pvxka22:32780"</a:t>
+            </a:r>
+          </a:p>
+          <a:p>
+            <a:pPr defTabSz="914400" fontAlgn="base">
+              <a:spcAft>
+                <a:spcPct val="0"/>
+              </a:spcAft>
+              <a:buClr>
+                <a:srgbClr val="F0AB00"/>
+              </a:buClr>
+              <a:buSzPct val="80000"/>
+            </a:pPr>
+            <a:r>
+              <a:rPr lang="en-US" sz="1200" kern="0" dirty="0">
+                <a:solidFill>
+                  <a:schemeClr val="bg1"/>
+                </a:solidFill>
+                <a:latin typeface="Arial monospaced for SAP" panose="020B0609020202030204" pitchFamily="49" charset="0"/>
+                <a:ea typeface="Arial Unicode MS" pitchFamily="34" charset="-128"/>
+                <a:cs typeface="Courier New" panose="02070309020205020404" pitchFamily="49" charset="0"/>
+              </a:rPr>
+              <a:t>10.19.91.230 - - [01/Dec/2017:14:48:12 +0000] "GET /favicon.ico HTTP/1.1" 404 169 "-" "Mozilla/5.0 (Windows NT 10.0; Win64; x64; rv:57.0) Gecko/20100101 Firefox/57.0" "-“</a:t>
             </a:r>
           </a:p>
           <a:p>
@@ -21020,394 +20294,7 @@
                 <a:ea typeface="Arial Unicode MS" pitchFamily="34" charset="-128"/>
                 <a:cs typeface="Courier New" panose="02070309020205020404" pitchFamily="49" charset="0"/>
               </a:rPr>
-              <a:t>$ </a:t>
-            </a:r>
-            <a:r>
-              <a:rPr lang="en-US" sz="1200" b="1" kern="0" dirty="0" err="1">
-                <a:solidFill>
-                  <a:schemeClr val="bg1"/>
-                </a:solidFill>
-                <a:latin typeface="Courier New" panose="02070309020205020404" pitchFamily="49" charset="0"/>
-                <a:ea typeface="Arial Unicode MS" pitchFamily="34" charset="-128"/>
-                <a:cs typeface="Courier New" panose="02070309020205020404" pitchFamily="49" charset="0"/>
-              </a:rPr>
-              <a:t>docker</a:t>
-            </a:r>
-            <a:r>
-              <a:rPr lang="en-US" sz="1200" b="1" kern="0" dirty="0">
-                <a:solidFill>
-                  <a:schemeClr val="bg1"/>
-                </a:solidFill>
-                <a:latin typeface="Courier New" panose="02070309020205020404" pitchFamily="49" charset="0"/>
-                <a:ea typeface="Arial Unicode MS" pitchFamily="34" charset="-128"/>
-                <a:cs typeface="Courier New" panose="02070309020205020404" pitchFamily="49" charset="0"/>
-              </a:rPr>
-              <a:t> </a:t>
-            </a:r>
-            <a:r>
-              <a:rPr lang="en-US" sz="1200" b="1" kern="0" dirty="0" err="1">
-                <a:solidFill>
-                  <a:schemeClr val="bg1"/>
-                </a:solidFill>
-                <a:latin typeface="Courier New" panose="02070309020205020404" pitchFamily="49" charset="0"/>
-                <a:ea typeface="Arial Unicode MS" pitchFamily="34" charset="-128"/>
-                <a:cs typeface="Courier New" panose="02070309020205020404" pitchFamily="49" charset="0"/>
-              </a:rPr>
-              <a:t>ps</a:t>
-            </a:r>
-            <a:r>
-              <a:rPr lang="en-US" sz="1200" b="1" kern="0" dirty="0">
-                <a:solidFill>
-                  <a:schemeClr val="bg1"/>
-                </a:solidFill>
-                <a:latin typeface="Courier New" panose="02070309020205020404" pitchFamily="49" charset="0"/>
-                <a:ea typeface="Arial Unicode MS" pitchFamily="34" charset="-128"/>
-                <a:cs typeface="Courier New" panose="02070309020205020404" pitchFamily="49" charset="0"/>
-              </a:rPr>
-              <a:t> -a</a:t>
-            </a:r>
-          </a:p>
-          <a:p>
-            <a:pPr defTabSz="914400" fontAlgn="base">
-              <a:spcAft>
-                <a:spcPct val="0"/>
-              </a:spcAft>
-              <a:buClr>
-                <a:srgbClr val="F0AB00"/>
-              </a:buClr>
-              <a:buSzPct val="80000"/>
-            </a:pPr>
-            <a:r>
-              <a:rPr lang="en-US" sz="1200" kern="0" dirty="0">
-                <a:solidFill>
-                  <a:schemeClr val="bg1"/>
-                </a:solidFill>
-                <a:latin typeface="Arial monospaced for SAP" panose="020B0609020202030204" pitchFamily="49" charset="0"/>
-                <a:ea typeface="Arial Unicode MS" pitchFamily="34" charset="-128"/>
-                <a:cs typeface="Courier New" panose="02070309020205020404" pitchFamily="49" charset="0"/>
-              </a:rPr>
-              <a:t>CONTAINER ID     IMAGE      COMMAND    CREATED             STATUS                        PORTS     NAMES</a:t>
-            </a:r>
-          </a:p>
-          <a:p>
-            <a:pPr defTabSz="914400" fontAlgn="base">
-              <a:spcAft>
-                <a:spcPct val="0"/>
-              </a:spcAft>
-              <a:buClr>
-                <a:srgbClr val="F0AB00"/>
-              </a:buClr>
-              <a:buSzPct val="80000"/>
-            </a:pPr>
-            <a:r>
-              <a:rPr lang="en-US" sz="1200" kern="0" dirty="0">
-                <a:solidFill>
-                  <a:schemeClr val="bg1"/>
-                </a:solidFill>
-                <a:latin typeface="Arial monospaced for SAP" panose="020B0609020202030204" pitchFamily="49" charset="0"/>
-                <a:ea typeface="Arial Unicode MS" pitchFamily="34" charset="-128"/>
-                <a:cs typeface="Courier New" panose="02070309020205020404" pitchFamily="49" charset="0"/>
-              </a:rPr>
-              <a:t>033d3a22e8c8     </a:t>
-            </a:r>
-            <a:r>
-              <a:rPr lang="en-US" sz="1200" kern="0" dirty="0" err="1">
-                <a:solidFill>
-                  <a:schemeClr val="bg1"/>
-                </a:solidFill>
-                <a:latin typeface="Arial monospaced for SAP" panose="020B0609020202030204" pitchFamily="49" charset="0"/>
-                <a:ea typeface="Arial Unicode MS" pitchFamily="34" charset="-128"/>
-                <a:cs typeface="Courier New" panose="02070309020205020404" pitchFamily="49" charset="0"/>
-              </a:rPr>
-              <a:t>busybox</a:t>
-            </a:r>
-            <a:r>
-              <a:rPr lang="en-US" sz="1200" kern="0" dirty="0">
-                <a:solidFill>
-                  <a:schemeClr val="bg1"/>
-                </a:solidFill>
-                <a:latin typeface="Arial monospaced for SAP" panose="020B0609020202030204" pitchFamily="49" charset="0"/>
-                <a:ea typeface="Arial Unicode MS" pitchFamily="34" charset="-128"/>
-                <a:cs typeface="Courier New" panose="02070309020205020404" pitchFamily="49" charset="0"/>
-              </a:rPr>
-              <a:t>    "</a:t>
-            </a:r>
-            <a:r>
-              <a:rPr lang="en-US" sz="1200" kern="0" dirty="0" err="1">
-                <a:solidFill>
-                  <a:schemeClr val="bg1"/>
-                </a:solidFill>
-                <a:latin typeface="Arial monospaced for SAP" panose="020B0609020202030204" pitchFamily="49" charset="0"/>
-                <a:ea typeface="Arial Unicode MS" pitchFamily="34" charset="-128"/>
-                <a:cs typeface="Courier New" panose="02070309020205020404" pitchFamily="49" charset="0"/>
-              </a:rPr>
-              <a:t>sh</a:t>
-            </a:r>
-            <a:r>
-              <a:rPr lang="en-US" sz="1200" kern="0" dirty="0">
-                <a:solidFill>
-                  <a:schemeClr val="bg1"/>
-                </a:solidFill>
-                <a:latin typeface="Arial monospaced for SAP" panose="020B0609020202030204" pitchFamily="49" charset="0"/>
-                <a:ea typeface="Arial Unicode MS" pitchFamily="34" charset="-128"/>
-                <a:cs typeface="Courier New" panose="02070309020205020404" pitchFamily="49" charset="0"/>
-              </a:rPr>
-              <a:t>"       15 seconds ago      Exited (0) 13 seconds ago               </a:t>
-            </a:r>
-            <a:r>
-              <a:rPr lang="en-US" sz="1200" kern="0" dirty="0" err="1">
-                <a:solidFill>
-                  <a:schemeClr val="bg1"/>
-                </a:solidFill>
-                <a:latin typeface="Arial monospaced for SAP" panose="020B0609020202030204" pitchFamily="49" charset="0"/>
-                <a:ea typeface="Arial Unicode MS" pitchFamily="34" charset="-128"/>
-                <a:cs typeface="Courier New" panose="02070309020205020404" pitchFamily="49" charset="0"/>
-              </a:rPr>
-              <a:t>manic_wright</a:t>
-            </a:r>
-            <a:endParaRPr lang="en-US" sz="1200" kern="0" dirty="0">
-              <a:solidFill>
-                <a:schemeClr val="bg1"/>
-              </a:solidFill>
-              <a:latin typeface="Arial monospaced for SAP" panose="020B0609020202030204" pitchFamily="49" charset="0"/>
-              <a:ea typeface="Arial Unicode MS" pitchFamily="34" charset="-128"/>
-              <a:cs typeface="Courier New" panose="02070309020205020404" pitchFamily="49" charset="0"/>
-            </a:endParaRPr>
-          </a:p>
-          <a:p>
-            <a:pPr defTabSz="914400" fontAlgn="base">
-              <a:spcAft>
-                <a:spcPct val="0"/>
-              </a:spcAft>
-              <a:buClr>
-                <a:srgbClr val="F0AB00"/>
-              </a:buClr>
-              <a:buSzPct val="80000"/>
-            </a:pPr>
-            <a:endParaRPr lang="en-US" sz="1200" b="1" kern="0" dirty="0">
-              <a:solidFill>
-                <a:schemeClr val="bg1"/>
-              </a:solidFill>
-              <a:latin typeface="Courier New" panose="02070309020205020404" pitchFamily="49" charset="0"/>
-              <a:ea typeface="Arial Unicode MS" pitchFamily="34" charset="-128"/>
-              <a:cs typeface="Courier New" panose="02070309020205020404" pitchFamily="49" charset="0"/>
-            </a:endParaRPr>
-          </a:p>
-          <a:p>
-            <a:pPr defTabSz="914400" fontAlgn="base">
-              <a:spcAft>
-                <a:spcPct val="0"/>
-              </a:spcAft>
-              <a:buClr>
-                <a:srgbClr val="F0AB00"/>
-              </a:buClr>
-              <a:buSzPct val="80000"/>
-            </a:pPr>
-            <a:r>
-              <a:rPr lang="en-US" sz="1200" b="1" kern="0" dirty="0">
-                <a:solidFill>
-                  <a:schemeClr val="bg1"/>
-                </a:solidFill>
-                <a:latin typeface="Courier New" panose="02070309020205020404" pitchFamily="49" charset="0"/>
-                <a:ea typeface="Arial Unicode MS" pitchFamily="34" charset="-128"/>
-                <a:cs typeface="Courier New" panose="02070309020205020404" pitchFamily="49" charset="0"/>
-              </a:rPr>
-              <a:t>$ </a:t>
-            </a:r>
-            <a:r>
-              <a:rPr lang="en-US" sz="1200" b="1" kern="0" dirty="0" err="1">
-                <a:solidFill>
-                  <a:schemeClr val="bg1"/>
-                </a:solidFill>
-                <a:latin typeface="Courier New" panose="02070309020205020404" pitchFamily="49" charset="0"/>
-                <a:ea typeface="Arial Unicode MS" pitchFamily="34" charset="-128"/>
-                <a:cs typeface="Courier New" panose="02070309020205020404" pitchFamily="49" charset="0"/>
-              </a:rPr>
-              <a:t>docker</a:t>
-            </a:r>
-            <a:r>
-              <a:rPr lang="en-US" sz="1200" b="1" kern="0" dirty="0">
-                <a:solidFill>
-                  <a:schemeClr val="bg1"/>
-                </a:solidFill>
-                <a:latin typeface="Courier New" panose="02070309020205020404" pitchFamily="49" charset="0"/>
-                <a:ea typeface="Arial Unicode MS" pitchFamily="34" charset="-128"/>
-                <a:cs typeface="Courier New" panose="02070309020205020404" pitchFamily="49" charset="0"/>
-              </a:rPr>
-              <a:t> start -</a:t>
-            </a:r>
-            <a:r>
-              <a:rPr lang="en-US" sz="1200" b="1" kern="0" dirty="0" err="1">
-                <a:solidFill>
-                  <a:schemeClr val="bg1"/>
-                </a:solidFill>
-                <a:latin typeface="Courier New" panose="02070309020205020404" pitchFamily="49" charset="0"/>
-                <a:ea typeface="Arial Unicode MS" pitchFamily="34" charset="-128"/>
-                <a:cs typeface="Courier New" panose="02070309020205020404" pitchFamily="49" charset="0"/>
-              </a:rPr>
-              <a:t>i</a:t>
-            </a:r>
-            <a:r>
-              <a:rPr lang="en-US" sz="1200" b="1" kern="0" dirty="0">
-                <a:solidFill>
-                  <a:schemeClr val="bg1"/>
-                </a:solidFill>
-                <a:latin typeface="Courier New" panose="02070309020205020404" pitchFamily="49" charset="0"/>
-                <a:ea typeface="Arial Unicode MS" pitchFamily="34" charset="-128"/>
-                <a:cs typeface="Courier New" panose="02070309020205020404" pitchFamily="49" charset="0"/>
-              </a:rPr>
-              <a:t>  033d3a22e8c8</a:t>
-            </a:r>
-          </a:p>
-          <a:p>
-            <a:pPr defTabSz="914400" fontAlgn="base">
-              <a:spcAft>
-                <a:spcPct val="0"/>
-              </a:spcAft>
-              <a:buClr>
-                <a:srgbClr val="F0AB00"/>
-              </a:buClr>
-              <a:buSzPct val="80000"/>
-            </a:pPr>
-            <a:r>
-              <a:rPr lang="en-US" sz="1200" kern="0" dirty="0">
-                <a:solidFill>
-                  <a:schemeClr val="bg1"/>
-                </a:solidFill>
-                <a:latin typeface="Arial monospaced for SAP" panose="020B0609020202030204" pitchFamily="49" charset="0"/>
-                <a:ea typeface="Arial Unicode MS" pitchFamily="34" charset="-128"/>
-                <a:cs typeface="Courier New" panose="02070309020205020404" pitchFamily="49" charset="0"/>
-              </a:rPr>
-              <a:t>/ # ls</a:t>
-            </a:r>
-          </a:p>
-          <a:p>
-            <a:pPr defTabSz="914400" fontAlgn="base">
-              <a:spcAft>
-                <a:spcPct val="0"/>
-              </a:spcAft>
-              <a:buClr>
-                <a:srgbClr val="F0AB00"/>
-              </a:buClr>
-              <a:buSzPct val="80000"/>
-            </a:pPr>
-            <a:r>
-              <a:rPr lang="en-US" sz="1200" kern="0" dirty="0">
-                <a:solidFill>
-                  <a:schemeClr val="bg1"/>
-                </a:solidFill>
-                <a:latin typeface="Arial monospaced for SAP" panose="020B0609020202030204" pitchFamily="49" charset="0"/>
-                <a:ea typeface="Arial Unicode MS" pitchFamily="34" charset="-128"/>
-                <a:cs typeface="Courier New" panose="02070309020205020404" pitchFamily="49" charset="0"/>
-              </a:rPr>
-              <a:t>bin   dev   </a:t>
-            </a:r>
-            <a:r>
-              <a:rPr lang="en-US" sz="1200" kern="0" dirty="0" err="1">
-                <a:solidFill>
-                  <a:schemeClr val="bg1"/>
-                </a:solidFill>
-                <a:latin typeface="Arial monospaced for SAP" panose="020B0609020202030204" pitchFamily="49" charset="0"/>
-                <a:ea typeface="Arial Unicode MS" pitchFamily="34" charset="-128"/>
-                <a:cs typeface="Courier New" panose="02070309020205020404" pitchFamily="49" charset="0"/>
-              </a:rPr>
-              <a:t>etc</a:t>
-            </a:r>
-            <a:r>
-              <a:rPr lang="en-US" sz="1200" kern="0" dirty="0">
-                <a:solidFill>
-                  <a:schemeClr val="bg1"/>
-                </a:solidFill>
-                <a:latin typeface="Arial monospaced for SAP" panose="020B0609020202030204" pitchFamily="49" charset="0"/>
-                <a:ea typeface="Arial Unicode MS" pitchFamily="34" charset="-128"/>
-                <a:cs typeface="Courier New" panose="02070309020205020404" pitchFamily="49" charset="0"/>
-              </a:rPr>
-              <a:t>   home  proc  root  run   sys   </a:t>
-            </a:r>
-            <a:r>
-              <a:rPr lang="en-US" sz="1200" kern="0" dirty="0" err="1">
-                <a:solidFill>
-                  <a:schemeClr val="bg1"/>
-                </a:solidFill>
-                <a:latin typeface="Arial monospaced for SAP" panose="020B0609020202030204" pitchFamily="49" charset="0"/>
-                <a:ea typeface="Arial Unicode MS" pitchFamily="34" charset="-128"/>
-                <a:cs typeface="Courier New" panose="02070309020205020404" pitchFamily="49" charset="0"/>
-              </a:rPr>
-              <a:t>tmp</a:t>
-            </a:r>
-            <a:r>
-              <a:rPr lang="en-US" sz="1200" kern="0" dirty="0">
-                <a:solidFill>
-                  <a:schemeClr val="bg1"/>
-                </a:solidFill>
-                <a:latin typeface="Arial monospaced for SAP" panose="020B0609020202030204" pitchFamily="49" charset="0"/>
-                <a:ea typeface="Arial Unicode MS" pitchFamily="34" charset="-128"/>
-                <a:cs typeface="Courier New" panose="02070309020205020404" pitchFamily="49" charset="0"/>
-              </a:rPr>
-              <a:t>   </a:t>
-            </a:r>
-            <a:r>
-              <a:rPr lang="en-US" sz="1200" kern="0" dirty="0" err="1">
-                <a:solidFill>
-                  <a:schemeClr val="bg1"/>
-                </a:solidFill>
-                <a:latin typeface="Arial monospaced for SAP" panose="020B0609020202030204" pitchFamily="49" charset="0"/>
-                <a:ea typeface="Arial Unicode MS" pitchFamily="34" charset="-128"/>
-                <a:cs typeface="Courier New" panose="02070309020205020404" pitchFamily="49" charset="0"/>
-              </a:rPr>
-              <a:t>usr</a:t>
-            </a:r>
-            <a:r>
-              <a:rPr lang="en-US" sz="1200" kern="0" dirty="0">
-                <a:solidFill>
-                  <a:schemeClr val="bg1"/>
-                </a:solidFill>
-                <a:latin typeface="Arial monospaced for SAP" panose="020B0609020202030204" pitchFamily="49" charset="0"/>
-                <a:ea typeface="Arial Unicode MS" pitchFamily="34" charset="-128"/>
-                <a:cs typeface="Courier New" panose="02070309020205020404" pitchFamily="49" charset="0"/>
-              </a:rPr>
-              <a:t>   </a:t>
-            </a:r>
-            <a:r>
-              <a:rPr lang="en-US" sz="1200" kern="0" dirty="0" err="1">
-                <a:solidFill>
-                  <a:schemeClr val="bg1"/>
-                </a:solidFill>
-                <a:latin typeface="Arial monospaced for SAP" panose="020B0609020202030204" pitchFamily="49" charset="0"/>
-                <a:ea typeface="Arial Unicode MS" pitchFamily="34" charset="-128"/>
-                <a:cs typeface="Courier New" panose="02070309020205020404" pitchFamily="49" charset="0"/>
-              </a:rPr>
-              <a:t>var</a:t>
-            </a:r>
-            <a:endParaRPr lang="en-US" sz="1200" kern="0" dirty="0">
-              <a:solidFill>
-                <a:schemeClr val="bg1"/>
-              </a:solidFill>
-              <a:latin typeface="Arial monospaced for SAP" panose="020B0609020202030204" pitchFamily="49" charset="0"/>
-              <a:ea typeface="Arial Unicode MS" pitchFamily="34" charset="-128"/>
-              <a:cs typeface="Courier New" panose="02070309020205020404" pitchFamily="49" charset="0"/>
-            </a:endParaRPr>
-          </a:p>
-          <a:p>
-            <a:pPr defTabSz="914400" fontAlgn="base">
-              <a:spcAft>
-                <a:spcPct val="0"/>
-              </a:spcAft>
-              <a:buClr>
-                <a:srgbClr val="F0AB00"/>
-              </a:buClr>
-              <a:buSzPct val="80000"/>
-            </a:pPr>
-            <a:r>
-              <a:rPr lang="en-US" sz="1200" kern="0" dirty="0">
-                <a:solidFill>
-                  <a:schemeClr val="bg1"/>
-                </a:solidFill>
-                <a:latin typeface="Arial monospaced for SAP" panose="020B0609020202030204" pitchFamily="49" charset="0"/>
-                <a:ea typeface="Arial Unicode MS" pitchFamily="34" charset="-128"/>
-                <a:cs typeface="Courier New" panose="02070309020205020404" pitchFamily="49" charset="0"/>
-              </a:rPr>
-              <a:t>/ # exit</a:t>
+              <a:t>$</a:t>
             </a:r>
           </a:p>
         </p:txBody>
@@ -21415,7 +20302,7 @@
     </p:spTree>
     <p:extLst>
       <p:ext uri="{BB962C8B-B14F-4D97-AF65-F5344CB8AC3E}">
-        <p14:creationId xmlns:p14="http://schemas.microsoft.com/office/powerpoint/2010/main" val="501251986"/>
+        <p14:creationId xmlns:p14="http://schemas.microsoft.com/office/powerpoint/2010/main" val="3140959912"/>
       </p:ext>
     </p:extLst>
   </p:cSld>

--- a/docker/03_Working_with_containers.pptx
+++ b/docker/03_Working_with_containers.pptx
@@ -5,26 +5,32 @@
     <p:sldMasterId id="2147483733" r:id="rId1"/>
   </p:sldMasterIdLst>
   <p:notesMasterIdLst>
-    <p:notesMasterId r:id="rId16"/>
+    <p:notesMasterId r:id="rId22"/>
   </p:notesMasterIdLst>
   <p:handoutMasterIdLst>
-    <p:handoutMasterId r:id="rId17"/>
+    <p:handoutMasterId r:id="rId23"/>
   </p:handoutMasterIdLst>
   <p:sldIdLst>
     <p:sldId id="434" r:id="rId2"/>
     <p:sldId id="437" r:id="rId3"/>
-    <p:sldId id="451" r:id="rId4"/>
-    <p:sldId id="440" r:id="rId5"/>
-    <p:sldId id="450" r:id="rId6"/>
-    <p:sldId id="441" r:id="rId7"/>
-    <p:sldId id="444" r:id="rId8"/>
-    <p:sldId id="445" r:id="rId9"/>
-    <p:sldId id="443" r:id="rId10"/>
-    <p:sldId id="449" r:id="rId11"/>
-    <p:sldId id="446" r:id="rId12"/>
-    <p:sldId id="447" r:id="rId13"/>
-    <p:sldId id="448" r:id="rId14"/>
-    <p:sldId id="265" r:id="rId15"/>
+    <p:sldId id="463" r:id="rId4"/>
+    <p:sldId id="451" r:id="rId5"/>
+    <p:sldId id="462" r:id="rId6"/>
+    <p:sldId id="440" r:id="rId7"/>
+    <p:sldId id="450" r:id="rId8"/>
+    <p:sldId id="441" r:id="rId9"/>
+    <p:sldId id="444" r:id="rId10"/>
+    <p:sldId id="445" r:id="rId11"/>
+    <p:sldId id="443" r:id="rId12"/>
+    <p:sldId id="449" r:id="rId13"/>
+    <p:sldId id="459" r:id="rId14"/>
+    <p:sldId id="446" r:id="rId15"/>
+    <p:sldId id="447" r:id="rId16"/>
+    <p:sldId id="465" r:id="rId17"/>
+    <p:sldId id="448" r:id="rId18"/>
+    <p:sldId id="466" r:id="rId19"/>
+    <p:sldId id="464" r:id="rId20"/>
+    <p:sldId id="265" r:id="rId21"/>
   </p:sldIdLst>
   <p:sldSz cx="12195175" cy="6858000"/>
   <p:notesSz cx="6858000" cy="9144000"/>
@@ -200,10 +206,6 @@
 </p:presentation>
 </file>
 
-<file path=ppt/revisionInfo.xml><?xml version="1.0" encoding="utf-8"?>
-<p1510:revInfo xmlns:a="http://schemas.openxmlformats.org/drawingml/2006/main" xmlns:r="http://schemas.openxmlformats.org/officeDocument/2006/relationships" xmlns:p1510="http://schemas.microsoft.com/office/powerpoint/2015/10/main"/>
-</file>
-
 <file path=ppt/handoutMasters/handoutMaster1.xml><?xml version="1.0" encoding="utf-8"?>
 <p:handoutMaster xmlns:a="http://schemas.openxmlformats.org/drawingml/2006/main" xmlns:r="http://schemas.openxmlformats.org/officeDocument/2006/relationships" xmlns:p="http://schemas.openxmlformats.org/presentationml/2006/main">
   <p:cSld>
@@ -649,7 +651,1072 @@
 </p:notes>
 </file>
 
-<file path=ppt/notesSlides/notesSlide2.xml><?xml version="1.0" encoding="utf-8"?>
+<file path=ppt/notesSlides/notesSlide10.xml><?xml version="1.0" encoding="utf-8"?>
+<p:notes xmlns:a="http://schemas.openxmlformats.org/drawingml/2006/main" xmlns:r="http://schemas.openxmlformats.org/officeDocument/2006/relationships" xmlns:p="http://schemas.openxmlformats.org/presentationml/2006/main">
+  <p:cSld>
+    <p:spTree>
+      <p:nvGrpSpPr>
+        <p:cNvPr id="1" name=""/>
+        <p:cNvGrpSpPr/>
+        <p:nvPr/>
+      </p:nvGrpSpPr>
+      <p:grpSpPr>
+        <a:xfrm>
+          <a:off x="0" y="0"/>
+          <a:ext cx="0" cy="0"/>
+          <a:chOff x="0" y="0"/>
+          <a:chExt cx="0" cy="0"/>
+        </a:xfrm>
+      </p:grpSpPr>
+      <p:sp>
+        <p:nvSpPr>
+          <p:cNvPr id="2" name="Slide Image Placeholder 1"/>
+          <p:cNvSpPr>
+            <a:spLocks noGrp="1" noRot="1" noChangeAspect="1"/>
+          </p:cNvSpPr>
+          <p:nvPr>
+            <p:ph type="sldImg"/>
+          </p:nvPr>
+        </p:nvSpPr>
+        <p:spPr/>
+      </p:sp>
+      <p:sp>
+        <p:nvSpPr>
+          <p:cNvPr id="3" name="Notes Placeholder 2"/>
+          <p:cNvSpPr>
+            <a:spLocks noGrp="1"/>
+          </p:cNvSpPr>
+          <p:nvPr>
+            <p:ph type="body" idx="1"/>
+          </p:nvPr>
+        </p:nvSpPr>
+        <p:spPr/>
+        <p:txBody>
+          <a:bodyPr>
+            <a:normAutofit/>
+          </a:bodyPr>
+          <a:lstStyle/>
+          <a:p>
+            <a:pPr marL="0" indent="0">
+              <a:buFontTx/>
+              <a:buNone/>
+            </a:pPr>
+            <a:r>
+              <a:rPr lang="en-US" b="0" dirty="0"/>
+              <a:t>Let’s get back to our </a:t>
+            </a:r>
+            <a:r>
+              <a:rPr lang="en-US" b="0" dirty="0" err="1"/>
+              <a:t>nginx</a:t>
+            </a:r>
+            <a:r>
+              <a:rPr lang="en-US" b="0" dirty="0"/>
+              <a:t> examples.</a:t>
+            </a:r>
+          </a:p>
+          <a:p>
+            <a:pPr marL="285750" indent="-285750">
+              <a:buFontTx/>
+              <a:buChar char="-"/>
+            </a:pPr>
+            <a:r>
+              <a:rPr lang="en-US" b="0" dirty="0"/>
+              <a:t>Docker run –d –p 8081:80 </a:t>
+            </a:r>
+            <a:r>
+              <a:rPr lang="en-US" b="0" dirty="0" err="1"/>
+              <a:t>nginx:mainline</a:t>
+            </a:r>
+            <a:endParaRPr lang="en-US" b="0" dirty="0"/>
+          </a:p>
+          <a:p>
+            <a:pPr marL="285750" indent="-285750">
+              <a:buFontTx/>
+              <a:buChar char="-"/>
+            </a:pPr>
+            <a:r>
+              <a:rPr lang="en-US" b="0" dirty="0"/>
+              <a:t>Access the </a:t>
+            </a:r>
+            <a:r>
+              <a:rPr lang="en-US" b="0" dirty="0" err="1"/>
+              <a:t>nginx</a:t>
+            </a:r>
+            <a:r>
+              <a:rPr lang="en-US" b="0" dirty="0"/>
+              <a:t> on port localhost:8081</a:t>
+            </a:r>
+          </a:p>
+          <a:p>
+            <a:pPr marL="285750" indent="-285750">
+              <a:buFontTx/>
+              <a:buChar char="-"/>
+            </a:pPr>
+            <a:r>
+              <a:rPr lang="en-US" b="0" dirty="0"/>
+              <a:t>Run the same with –P and get the port via docker container list</a:t>
+            </a:r>
+          </a:p>
+          <a:p>
+            <a:pPr marL="285750" indent="-285750">
+              <a:buFontTx/>
+              <a:buChar char="-"/>
+            </a:pPr>
+            <a:r>
+              <a:rPr lang="en-US" b="0" dirty="0"/>
+              <a:t>Access the </a:t>
+            </a:r>
+            <a:r>
+              <a:rPr lang="en-US" b="0" dirty="0" err="1"/>
+              <a:t>nginx</a:t>
+            </a:r>
+            <a:r>
+              <a:rPr lang="en-US" b="0" dirty="0"/>
+              <a:t> via the random port</a:t>
+            </a:r>
+          </a:p>
+          <a:p>
+            <a:pPr marL="285750" indent="-285750">
+              <a:buFontTx/>
+              <a:buChar char="-"/>
+            </a:pPr>
+            <a:endParaRPr lang="en-US" b="0" dirty="0"/>
+          </a:p>
+          <a:p>
+            <a:pPr marL="0" indent="0">
+              <a:buFontTx/>
+              <a:buNone/>
+            </a:pPr>
+            <a:r>
+              <a:rPr lang="en-US" b="0" dirty="0"/>
+              <a:t>It’s important to remember – the first port is referencing the port that is opened on the docker host, the 2</a:t>
+            </a:r>
+            <a:r>
+              <a:rPr lang="en-US" b="0" baseline="30000" dirty="0"/>
+              <a:t>nd</a:t>
+            </a:r>
+            <a:r>
+              <a:rPr lang="en-US" b="0" dirty="0"/>
+              <a:t> port is referencing the container port.</a:t>
+            </a:r>
+          </a:p>
+          <a:p>
+            <a:pPr marL="0" indent="0">
+              <a:buFontTx/>
+              <a:buNone/>
+            </a:pPr>
+            <a:endParaRPr lang="en-US" b="0" dirty="0"/>
+          </a:p>
+          <a:p>
+            <a:pPr marL="0" indent="0">
+              <a:buFontTx/>
+              <a:buNone/>
+            </a:pPr>
+            <a:r>
+              <a:rPr lang="en-US" b="0" dirty="0"/>
+              <a:t>Talking about networking:</a:t>
+            </a:r>
+          </a:p>
+          <a:p>
+            <a:pPr marL="285750" indent="-285750">
+              <a:buFontTx/>
+              <a:buChar char="-"/>
+            </a:pPr>
+            <a:r>
+              <a:rPr lang="en-US" b="0" dirty="0"/>
+              <a:t>Docker network list</a:t>
+            </a:r>
+          </a:p>
+          <a:p>
+            <a:pPr marL="285750" indent="-285750">
+              <a:buFontTx/>
+              <a:buChar char="-"/>
+            </a:pPr>
+            <a:r>
+              <a:rPr lang="en-US" b="0" dirty="0"/>
+              <a:t>Show the different docker networks and create a new bridge network (docker network create test)</a:t>
+            </a:r>
+          </a:p>
+          <a:p>
+            <a:pPr marL="285750" indent="-285750">
+              <a:buFontTx/>
+              <a:buChar char="-"/>
+            </a:pPr>
+            <a:r>
+              <a:rPr lang="en-US" b="0" dirty="0"/>
+              <a:t>If you want to wire 2 containers, you have to put them into the same docker network. But be careful, DNS resolution doesn’t work in the default network!</a:t>
+            </a:r>
+          </a:p>
+          <a:p>
+            <a:pPr marL="285750" indent="-285750">
+              <a:buFontTx/>
+              <a:buChar char="-"/>
+            </a:pPr>
+            <a:r>
+              <a:rPr lang="en-US" b="0" dirty="0"/>
+              <a:t>Spin up a </a:t>
+            </a:r>
+            <a:r>
+              <a:rPr lang="en-US" b="0" dirty="0" err="1"/>
+              <a:t>nginx</a:t>
+            </a:r>
+            <a:r>
+              <a:rPr lang="en-US" b="0" dirty="0"/>
+              <a:t>: docker run –d --name </a:t>
+            </a:r>
+            <a:r>
+              <a:rPr lang="en-US" b="0" dirty="0" err="1"/>
+              <a:t>nginx</a:t>
+            </a:r>
+            <a:r>
+              <a:rPr lang="en-US" b="0" dirty="0"/>
+              <a:t> --network test </a:t>
+            </a:r>
+            <a:r>
+              <a:rPr lang="en-US" b="0" dirty="0" err="1"/>
+              <a:t>nginx:mainline</a:t>
+            </a:r>
+            <a:endParaRPr lang="en-US" b="0" dirty="0"/>
+          </a:p>
+          <a:p>
+            <a:pPr marL="285750" indent="-285750">
+              <a:buFontTx/>
+              <a:buChar char="-"/>
+            </a:pPr>
+            <a:r>
+              <a:rPr lang="en-US" b="0" dirty="0"/>
+              <a:t>Spin up a helper: docker run –it --name helper --network test alpine:3.8</a:t>
+            </a:r>
+          </a:p>
+          <a:p>
+            <a:pPr marL="465750" lvl="1" indent="-285750">
+              <a:buFontTx/>
+              <a:buChar char="-"/>
+            </a:pPr>
+            <a:r>
+              <a:rPr lang="en-US" b="0" dirty="0"/>
+              <a:t>From within the helper container, show the </a:t>
+            </a:r>
+            <a:r>
+              <a:rPr lang="en-US" b="0" dirty="0" err="1"/>
+              <a:t>dns</a:t>
+            </a:r>
+            <a:r>
+              <a:rPr lang="en-US" b="0" dirty="0"/>
+              <a:t> resolution : </a:t>
+            </a:r>
+            <a:r>
+              <a:rPr lang="en-US" b="0" dirty="0" err="1"/>
+              <a:t>nslookup</a:t>
+            </a:r>
+            <a:r>
+              <a:rPr lang="en-US" b="0" dirty="0"/>
+              <a:t> </a:t>
+            </a:r>
+            <a:r>
+              <a:rPr lang="en-US" b="0" dirty="0" err="1"/>
+              <a:t>nginx</a:t>
+            </a:r>
+            <a:endParaRPr lang="en-US" b="0" dirty="0"/>
+          </a:p>
+          <a:p>
+            <a:pPr marL="465750" lvl="1" indent="-285750">
+              <a:buFontTx/>
+              <a:buChar char="-"/>
+            </a:pPr>
+            <a:r>
+              <a:rPr lang="en-US" b="0" dirty="0"/>
+              <a:t>And connect to the webserver: </a:t>
+            </a:r>
+            <a:r>
+              <a:rPr lang="en-US" b="0" dirty="0" err="1"/>
+              <a:t>wget</a:t>
+            </a:r>
+            <a:r>
+              <a:rPr lang="en-US" b="0" dirty="0"/>
+              <a:t> </a:t>
+            </a:r>
+            <a:r>
+              <a:rPr lang="en-US" b="0" dirty="0" err="1"/>
+              <a:t>nginx</a:t>
+            </a:r>
+            <a:endParaRPr lang="en-US" b="0" dirty="0"/>
+          </a:p>
+          <a:p>
+            <a:pPr marL="465750" lvl="1" indent="-285750">
+              <a:buFontTx/>
+              <a:buChar char="-"/>
+            </a:pPr>
+            <a:r>
+              <a:rPr lang="en-US" b="0" dirty="0"/>
+              <a:t>Show the downloaded index.html page: cat index.html</a:t>
+            </a:r>
+          </a:p>
+          <a:p>
+            <a:pPr marL="465750" lvl="1" indent="-285750">
+              <a:buFontTx/>
+              <a:buChar char="-"/>
+            </a:pPr>
+            <a:endParaRPr lang="en-US" b="0" dirty="0"/>
+          </a:p>
+          <a:p>
+            <a:pPr marL="0" lvl="0" indent="0">
+              <a:buFontTx/>
+              <a:buNone/>
+            </a:pPr>
+            <a:r>
+              <a:rPr lang="en-US" b="0" dirty="0"/>
+              <a:t>So actually it is possible to wire container with docker directly, but </a:t>
+            </a:r>
+            <a:r>
+              <a:rPr lang="en-US" b="0" dirty="0" err="1"/>
+              <a:t>kubernetes</a:t>
+            </a:r>
+            <a:r>
+              <a:rPr lang="en-US" b="0" dirty="0"/>
+              <a:t> will make things easier </a:t>
+            </a:r>
+            <a:r>
+              <a:rPr lang="en-US" b="0" dirty="0">
+                <a:sym typeface="Wingdings" panose="05000000000000000000" pitchFamily="2" charset="2"/>
+              </a:rPr>
+              <a:t></a:t>
+            </a:r>
+          </a:p>
+        </p:txBody>
+      </p:sp>
+      <p:sp>
+        <p:nvSpPr>
+          <p:cNvPr id="4" name="Slide Number Placeholder 3"/>
+          <p:cNvSpPr>
+            <a:spLocks noGrp="1"/>
+          </p:cNvSpPr>
+          <p:nvPr>
+            <p:ph type="sldNum" sz="quarter" idx="10"/>
+          </p:nvPr>
+        </p:nvSpPr>
+        <p:spPr/>
+        <p:txBody>
+          <a:bodyPr/>
+          <a:lstStyle/>
+          <a:p>
+            <a:fld id="{7D8C2C35-2B8A-446E-BEC0-FD36716C29AC}" type="slidenum">
+              <a:rPr lang="de-DE" smtClean="0"/>
+              <a:pPr/>
+              <a:t>16</a:t>
+            </a:fld>
+            <a:endParaRPr lang="de-DE" dirty="0"/>
+          </a:p>
+        </p:txBody>
+      </p:sp>
+    </p:spTree>
+    <p:extLst>
+      <p:ext uri="{BB962C8B-B14F-4D97-AF65-F5344CB8AC3E}">
+        <p14:creationId xmlns:p14="http://schemas.microsoft.com/office/powerpoint/2010/main" val="1577587582"/>
+      </p:ext>
+    </p:extLst>
+  </p:cSld>
+  <p:clrMapOvr>
+    <a:masterClrMapping/>
+  </p:clrMapOvr>
+</p:notes>
+</file>
+
+<file path=ppt/notesSlides/notesSlide11.xml><?xml version="1.0" encoding="utf-8"?>
+<p:notes xmlns:a="http://schemas.openxmlformats.org/drawingml/2006/main" xmlns:r="http://schemas.openxmlformats.org/officeDocument/2006/relationships" xmlns:p="http://schemas.openxmlformats.org/presentationml/2006/main">
+  <p:cSld>
+    <p:spTree>
+      <p:nvGrpSpPr>
+        <p:cNvPr id="1" name=""/>
+        <p:cNvGrpSpPr/>
+        <p:nvPr/>
+      </p:nvGrpSpPr>
+      <p:grpSpPr>
+        <a:xfrm>
+          <a:off x="0" y="0"/>
+          <a:ext cx="0" cy="0"/>
+          <a:chOff x="0" y="0"/>
+          <a:chExt cx="0" cy="0"/>
+        </a:xfrm>
+      </p:grpSpPr>
+      <p:sp>
+        <p:nvSpPr>
+          <p:cNvPr id="2" name="Slide Image Placeholder 1"/>
+          <p:cNvSpPr>
+            <a:spLocks noGrp="1" noRot="1" noChangeAspect="1"/>
+          </p:cNvSpPr>
+          <p:nvPr>
+            <p:ph type="sldImg"/>
+          </p:nvPr>
+        </p:nvSpPr>
+        <p:spPr/>
+      </p:sp>
+      <p:sp>
+        <p:nvSpPr>
+          <p:cNvPr id="3" name="Notes Placeholder 2"/>
+          <p:cNvSpPr>
+            <a:spLocks noGrp="1"/>
+          </p:cNvSpPr>
+          <p:nvPr>
+            <p:ph type="body" idx="1"/>
+          </p:nvPr>
+        </p:nvSpPr>
+        <p:spPr/>
+        <p:txBody>
+          <a:bodyPr>
+            <a:normAutofit fontScale="92500"/>
+          </a:bodyPr>
+          <a:lstStyle/>
+          <a:p>
+            <a:r>
+              <a:rPr lang="en-US" noProof="0" dirty="0"/>
+              <a:t>Since it is not recommendable to store data in a docker container, adding a persistence is quite important. With the volumes API it is possible to assign persistent storage to a container. </a:t>
+            </a:r>
+          </a:p>
+          <a:p>
+            <a:endParaRPr lang="en-US" noProof="0" dirty="0"/>
+          </a:p>
+          <a:p>
+            <a:r>
+              <a:rPr lang="en-US" noProof="0" dirty="0"/>
+              <a:t>Docker supports 2 ways of doing so:</a:t>
+            </a:r>
+          </a:p>
+          <a:p>
+            <a:pPr marL="342900" indent="-342900">
+              <a:buAutoNum type="arabicParenR"/>
+            </a:pPr>
+            <a:r>
+              <a:rPr lang="en-US" b="1" noProof="0" dirty="0"/>
+              <a:t>Bind mounts: </a:t>
+            </a:r>
+            <a:r>
+              <a:rPr lang="en-US" noProof="0" dirty="0"/>
+              <a:t>mount a local host directory onto a certain path in the container. Everything that was present before in the target directory is hidden (nature of the bind mount). For example, if you have some configuration you want to inject, write your config file, store it on your docker host at /home/container/config and mount the content of this directory to /</a:t>
+            </a:r>
+            <a:r>
+              <a:rPr lang="en-US" noProof="0" dirty="0" err="1"/>
+              <a:t>usr</a:t>
+            </a:r>
+            <a:r>
+              <a:rPr lang="en-US" noProof="0" dirty="0"/>
+              <a:t>/application/config (assuming the application reads config from there).  </a:t>
+            </a:r>
+          </a:p>
+          <a:p>
+            <a:pPr marL="342900" indent="-342900">
+              <a:buAutoNum type="arabicParenR"/>
+            </a:pPr>
+            <a:r>
+              <a:rPr lang="en-US" b="1" noProof="0" dirty="0"/>
+              <a:t>Named volumes: </a:t>
+            </a:r>
+            <a:r>
+              <a:rPr lang="en-US" noProof="0" dirty="0"/>
+              <a:t>docker can create a separated storage volume. Its lifecycle is independent from the container but still managed by docker. Upon creation, the content of the mount target is merged into the volume. </a:t>
+            </a:r>
+          </a:p>
+          <a:p>
+            <a:pPr marL="0" indent="0">
+              <a:buNone/>
+            </a:pPr>
+            <a:endParaRPr lang="en-US" noProof="0" dirty="0"/>
+          </a:p>
+          <a:p>
+            <a:pPr marL="0" indent="0">
+              <a:buNone/>
+            </a:pPr>
+            <a:r>
+              <a:rPr lang="en-US" noProof="0" dirty="0"/>
+              <a:t>How to differentiate between bind mounts and named volumes? When specifying an absolute path, docker assumes a bind mount. When you just give a name (like in a relative path “config”), it will assume a named volume and create a volume “config”.</a:t>
+            </a:r>
+          </a:p>
+          <a:p>
+            <a:pPr marL="0" indent="0">
+              <a:buNone/>
+            </a:pPr>
+            <a:endParaRPr lang="en-US" noProof="0" dirty="0"/>
+          </a:p>
+          <a:p>
+            <a:pPr marL="0" indent="0">
+              <a:buNone/>
+            </a:pPr>
+            <a:r>
+              <a:rPr lang="en-US" noProof="0" dirty="0"/>
+              <a:t>Note: Persistent storage is 'provided' by the host. It can be a part of the file system on the host directly but also an </a:t>
+            </a:r>
+            <a:r>
+              <a:rPr lang="en-US" noProof="0"/>
+              <a:t>NFS mount. </a:t>
+            </a:r>
+            <a:endParaRPr lang="en-US" noProof="0" dirty="0"/>
+          </a:p>
+        </p:txBody>
+      </p:sp>
+      <p:sp>
+        <p:nvSpPr>
+          <p:cNvPr id="4" name="Slide Number Placeholder 3"/>
+          <p:cNvSpPr>
+            <a:spLocks noGrp="1"/>
+          </p:cNvSpPr>
+          <p:nvPr>
+            <p:ph type="sldNum" sz="quarter" idx="10"/>
+          </p:nvPr>
+        </p:nvSpPr>
+        <p:spPr/>
+        <p:txBody>
+          <a:bodyPr/>
+          <a:lstStyle/>
+          <a:p>
+            <a:fld id="{7D8C2C35-2B8A-446E-BEC0-FD36716C29AC}" type="slidenum">
+              <a:rPr lang="de-DE" smtClean="0"/>
+              <a:pPr/>
+              <a:t>17</a:t>
+            </a:fld>
+            <a:endParaRPr lang="de-DE" dirty="0"/>
+          </a:p>
+        </p:txBody>
+      </p:sp>
+    </p:spTree>
+    <p:extLst>
+      <p:ext uri="{BB962C8B-B14F-4D97-AF65-F5344CB8AC3E}">
+        <p14:creationId xmlns:p14="http://schemas.microsoft.com/office/powerpoint/2010/main" val="386189332"/>
+      </p:ext>
+    </p:extLst>
+  </p:cSld>
+  <p:clrMapOvr>
+    <a:masterClrMapping/>
+  </p:clrMapOvr>
+</p:notes>
+</file>
+
+<file path=ppt/notesSlides/notesSlide12.xml><?xml version="1.0" encoding="utf-8"?>
+<p:notes xmlns:a="http://schemas.openxmlformats.org/drawingml/2006/main" xmlns:r="http://schemas.openxmlformats.org/officeDocument/2006/relationships" xmlns:p="http://schemas.openxmlformats.org/presentationml/2006/main">
+  <p:cSld>
+    <p:spTree>
+      <p:nvGrpSpPr>
+        <p:cNvPr id="1" name=""/>
+        <p:cNvGrpSpPr/>
+        <p:nvPr/>
+      </p:nvGrpSpPr>
+      <p:grpSpPr>
+        <a:xfrm>
+          <a:off x="0" y="0"/>
+          <a:ext cx="0" cy="0"/>
+          <a:chOff x="0" y="0"/>
+          <a:chExt cx="0" cy="0"/>
+        </a:xfrm>
+      </p:grpSpPr>
+      <p:sp>
+        <p:nvSpPr>
+          <p:cNvPr id="2" name="Slide Image Placeholder 1"/>
+          <p:cNvSpPr>
+            <a:spLocks noGrp="1" noRot="1" noChangeAspect="1"/>
+          </p:cNvSpPr>
+          <p:nvPr>
+            <p:ph type="sldImg"/>
+          </p:nvPr>
+        </p:nvSpPr>
+        <p:spPr/>
+      </p:sp>
+      <p:sp>
+        <p:nvSpPr>
+          <p:cNvPr id="3" name="Notes Placeholder 2"/>
+          <p:cNvSpPr>
+            <a:spLocks noGrp="1"/>
+          </p:cNvSpPr>
+          <p:nvPr>
+            <p:ph type="body" idx="1"/>
+          </p:nvPr>
+        </p:nvSpPr>
+        <p:spPr/>
+        <p:txBody>
+          <a:bodyPr>
+            <a:normAutofit/>
+          </a:bodyPr>
+          <a:lstStyle/>
+          <a:p>
+            <a:pPr marL="0" indent="0">
+              <a:buFontTx/>
+              <a:buNone/>
+            </a:pPr>
+            <a:r>
+              <a:rPr lang="en-US" b="0" dirty="0"/>
+              <a:t>Volumes are the docker way to work with any kind of persistent data.</a:t>
+            </a:r>
+          </a:p>
+          <a:p>
+            <a:pPr marL="0" indent="0">
+              <a:buFontTx/>
+              <a:buNone/>
+            </a:pPr>
+            <a:endParaRPr lang="en-US" b="0" dirty="0"/>
+          </a:p>
+          <a:p>
+            <a:pPr marL="0" indent="0">
+              <a:buFontTx/>
+              <a:buNone/>
+            </a:pPr>
+            <a:r>
+              <a:rPr lang="en-US" b="0" dirty="0"/>
+              <a:t>Let’s start simple and (bind) mount a directory into a container. Therefore assume you have a toolbox container and you need some environment in there (like a config file or </a:t>
+            </a:r>
+            <a:r>
+              <a:rPr lang="en-US" b="0" dirty="0" err="1"/>
+              <a:t>ssh</a:t>
+            </a:r>
+            <a:r>
+              <a:rPr lang="en-US" b="0" dirty="0"/>
+              <a:t> keys).</a:t>
+            </a:r>
+          </a:p>
+          <a:p>
+            <a:pPr marL="0" indent="0">
+              <a:buFontTx/>
+              <a:buNone/>
+            </a:pPr>
+            <a:endParaRPr lang="en-US" b="0" dirty="0"/>
+          </a:p>
+          <a:p>
+            <a:pPr marL="285750" indent="-285750">
+              <a:buFontTx/>
+              <a:buChar char="-"/>
+            </a:pPr>
+            <a:r>
+              <a:rPr lang="en-US" b="0" dirty="0"/>
+              <a:t>docker run –it –v /home/vagrant:/</a:t>
+            </a:r>
+            <a:r>
+              <a:rPr lang="en-US" b="0" dirty="0" err="1"/>
+              <a:t>mnt</a:t>
+            </a:r>
+            <a:r>
+              <a:rPr lang="en-US" b="0" dirty="0"/>
+              <a:t>/home alpine:3.8</a:t>
+            </a:r>
+          </a:p>
+          <a:p>
+            <a:pPr marL="285750" indent="-285750">
+              <a:buFontTx/>
+              <a:buChar char="-"/>
+            </a:pPr>
+            <a:r>
+              <a:rPr lang="en-US" b="0" dirty="0"/>
+              <a:t>Show the content of /</a:t>
+            </a:r>
+            <a:r>
+              <a:rPr lang="en-US" b="0" dirty="0" err="1"/>
+              <a:t>mnt</a:t>
+            </a:r>
+            <a:r>
+              <a:rPr lang="en-US" b="0" dirty="0"/>
+              <a:t>/home, which would be you’re home directory</a:t>
+            </a:r>
+          </a:p>
+          <a:p>
+            <a:pPr marL="285750" indent="-285750">
+              <a:buFontTx/>
+              <a:buChar char="-"/>
+            </a:pPr>
+            <a:endParaRPr lang="en-US" b="0" dirty="0"/>
+          </a:p>
+          <a:p>
+            <a:pPr marL="0" indent="0">
+              <a:buFontTx/>
+              <a:buNone/>
+            </a:pPr>
+            <a:r>
+              <a:rPr lang="en-US" b="0" dirty="0"/>
+              <a:t>Let’s see what else you could do with a bind mount:</a:t>
+            </a:r>
+          </a:p>
+          <a:p>
+            <a:pPr marL="285750" indent="-285750">
+              <a:buFontTx/>
+              <a:buChar char="-"/>
+            </a:pPr>
+            <a:r>
+              <a:rPr lang="en-US" b="0" dirty="0"/>
+              <a:t>Docker run –it –v /home/vagrant:/</a:t>
+            </a:r>
+            <a:r>
+              <a:rPr lang="en-US" b="0" dirty="0" err="1"/>
+              <a:t>etc</a:t>
+            </a:r>
+            <a:r>
+              <a:rPr lang="en-US" b="0" dirty="0"/>
+              <a:t> alpine:3.8</a:t>
+            </a:r>
+          </a:p>
+          <a:p>
+            <a:pPr marL="285750" indent="-285750">
+              <a:buFontTx/>
+              <a:buChar char="-"/>
+            </a:pPr>
+            <a:r>
+              <a:rPr lang="en-US" b="0" dirty="0"/>
+              <a:t>What happens? Well, our home directory is mounted to /etc. The original content of /</a:t>
+            </a:r>
+            <a:r>
+              <a:rPr lang="en-US" b="0" dirty="0" err="1"/>
+              <a:t>etc</a:t>
+            </a:r>
+            <a:r>
+              <a:rPr lang="en-US" b="0" dirty="0"/>
+              <a:t> is still there </a:t>
+            </a:r>
+            <a:r>
+              <a:rPr lang="en-US" b="0"/>
+              <a:t>but hidden.</a:t>
+            </a:r>
+            <a:endParaRPr lang="en-US" b="0" dirty="0"/>
+          </a:p>
+          <a:p>
+            <a:pPr marL="285750" indent="-285750">
+              <a:buFontTx/>
+              <a:buChar char="-"/>
+            </a:pPr>
+            <a:endParaRPr lang="en-US" b="0" dirty="0"/>
+          </a:p>
+          <a:p>
+            <a:pPr marL="0" indent="0">
+              <a:buFontTx/>
+              <a:buNone/>
+            </a:pPr>
+            <a:r>
+              <a:rPr lang="en-US" b="0" dirty="0"/>
+              <a:t>Of course you can also inject a </a:t>
+            </a:r>
+            <a:r>
+              <a:rPr lang="en-US" b="0" dirty="0" err="1"/>
+              <a:t>nginx</a:t>
+            </a:r>
+            <a:r>
+              <a:rPr lang="en-US" b="0" dirty="0"/>
+              <a:t> index page or any configuration this way, but that’s part of the exercise ;)</a:t>
+            </a:r>
+          </a:p>
+          <a:p>
+            <a:pPr marL="0" indent="0">
+              <a:buFontTx/>
+              <a:buNone/>
+            </a:pPr>
+            <a:endParaRPr lang="en-US" b="0" dirty="0"/>
+          </a:p>
+          <a:p>
+            <a:pPr marL="0" indent="0">
+              <a:buFontTx/>
+              <a:buNone/>
+            </a:pPr>
+            <a:r>
+              <a:rPr lang="en-US" b="0" dirty="0"/>
+              <a:t>Let’s move on to docker volumes. When working with a container, you might want to persist some data during runtime. For this example you will use a Jenkins and make it’s home a volume.</a:t>
+            </a:r>
+          </a:p>
+          <a:p>
+            <a:pPr marL="285750" indent="-285750">
+              <a:buFontTx/>
+              <a:buChar char="-"/>
+            </a:pPr>
+            <a:r>
+              <a:rPr lang="en-US" b="0" dirty="0"/>
+              <a:t>docker run –d –P –v </a:t>
+            </a:r>
+            <a:r>
+              <a:rPr lang="en-US" b="0" dirty="0" err="1"/>
+              <a:t>jenkins_home</a:t>
+            </a:r>
+            <a:r>
+              <a:rPr lang="en-US" b="0" dirty="0"/>
+              <a:t>:/</a:t>
+            </a:r>
+            <a:r>
+              <a:rPr lang="en-US" b="0" dirty="0" err="1"/>
+              <a:t>var</a:t>
+            </a:r>
+            <a:r>
+              <a:rPr lang="en-US" b="0" dirty="0"/>
+              <a:t>/</a:t>
+            </a:r>
+            <a:r>
+              <a:rPr lang="en-US" b="0" dirty="0" err="1"/>
+              <a:t>jenkins_home</a:t>
+            </a:r>
+            <a:r>
+              <a:rPr lang="en-US" b="0" dirty="0"/>
+              <a:t> </a:t>
+            </a:r>
+            <a:r>
+              <a:rPr lang="en-US" b="0" dirty="0" err="1"/>
+              <a:t>jenkins</a:t>
+            </a:r>
+            <a:r>
+              <a:rPr lang="en-US" b="0" dirty="0"/>
+              <a:t>/</a:t>
+            </a:r>
+            <a:r>
+              <a:rPr lang="en-US" b="0" dirty="0" err="1"/>
+              <a:t>jenkins:lts</a:t>
+            </a:r>
+            <a:endParaRPr lang="en-US" b="0" dirty="0"/>
+          </a:p>
+          <a:p>
+            <a:pPr marL="285750" indent="-285750">
+              <a:buFontTx/>
+              <a:buChar char="-"/>
+            </a:pPr>
+            <a:r>
+              <a:rPr lang="en-US" b="0" dirty="0"/>
+              <a:t>Next, get the ports and connect the port that forwards to container port 8080</a:t>
+            </a:r>
+          </a:p>
+          <a:p>
+            <a:pPr marL="285750" indent="-285750">
+              <a:buFontTx/>
+              <a:buChar char="-"/>
+            </a:pPr>
+            <a:r>
+              <a:rPr lang="en-US" b="0" dirty="0"/>
+              <a:t>On the </a:t>
+            </a:r>
+            <a:r>
+              <a:rPr lang="en-US" b="0" dirty="0" err="1"/>
+              <a:t>jenkins</a:t>
+            </a:r>
+            <a:r>
+              <a:rPr lang="en-US" b="0" dirty="0"/>
+              <a:t> logon page, you’re asked for a password, run “docker logs &lt;container name&gt;”  and obtain the logon token</a:t>
+            </a:r>
+          </a:p>
+          <a:p>
+            <a:pPr marL="285750" indent="-285750">
+              <a:buFontTx/>
+              <a:buChar char="-"/>
+            </a:pPr>
+            <a:r>
+              <a:rPr lang="en-US" b="0" dirty="0"/>
+              <a:t>Logon to the </a:t>
+            </a:r>
+            <a:r>
+              <a:rPr lang="en-US" b="0" dirty="0" err="1"/>
+              <a:t>jenkins</a:t>
+            </a:r>
+            <a:r>
+              <a:rPr lang="en-US" b="0" dirty="0"/>
+              <a:t> and choose “select plugins to install”, select “none” (upper left corner) and continue. </a:t>
+            </a:r>
+          </a:p>
+          <a:p>
+            <a:pPr marL="285750" indent="-285750">
+              <a:buFontTx/>
+              <a:buChar char="-"/>
+            </a:pPr>
+            <a:r>
+              <a:rPr lang="en-US" b="0" dirty="0"/>
+              <a:t>Create a user root with a simple </a:t>
+            </a:r>
+            <a:r>
+              <a:rPr lang="en-US" b="0" dirty="0" err="1"/>
+              <a:t>pwd</a:t>
+            </a:r>
+            <a:r>
+              <a:rPr lang="en-US" b="0" dirty="0"/>
+              <a:t> and finish the setup.</a:t>
+            </a:r>
+          </a:p>
+          <a:p>
+            <a:pPr marL="285750" indent="-285750">
+              <a:buFontTx/>
+              <a:buChar char="-"/>
+            </a:pPr>
+            <a:r>
+              <a:rPr lang="en-US" b="0" dirty="0"/>
+              <a:t>Now stop the container and restart it – obviously you’re still able to logon with the credentials created before.</a:t>
+            </a:r>
+          </a:p>
+          <a:p>
+            <a:pPr marL="285750" indent="-285750">
+              <a:buFontTx/>
+              <a:buChar char="-"/>
+            </a:pPr>
+            <a:r>
+              <a:rPr lang="en-US" b="0" dirty="0"/>
+              <a:t>Finally, delete the container and with that also the RW layer and re-execute the docker run </a:t>
+            </a:r>
+            <a:r>
+              <a:rPr lang="en-US" b="0" dirty="0" err="1"/>
+              <a:t>jenkins</a:t>
+            </a:r>
+            <a:r>
+              <a:rPr lang="en-US" b="0" dirty="0"/>
+              <a:t> command. </a:t>
+            </a:r>
+          </a:p>
+          <a:p>
+            <a:pPr marL="285750" indent="-285750">
+              <a:buFontTx/>
+              <a:buChar char="-"/>
+            </a:pPr>
+            <a:r>
+              <a:rPr lang="en-US" b="0" dirty="0"/>
+              <a:t>Connect to your new </a:t>
+            </a:r>
+            <a:r>
+              <a:rPr lang="en-US" b="0" dirty="0" err="1"/>
+              <a:t>jenkins</a:t>
+            </a:r>
+            <a:r>
+              <a:rPr lang="en-US" b="0" dirty="0"/>
+              <a:t> (get the ports before) and logon with the same credentials as you’re still referring to the same </a:t>
+            </a:r>
+            <a:r>
+              <a:rPr lang="en-US" b="0" dirty="0" err="1"/>
+              <a:t>jenkins</a:t>
+            </a:r>
+            <a:r>
+              <a:rPr lang="en-US" b="0" dirty="0"/>
+              <a:t> home.</a:t>
+            </a:r>
+          </a:p>
+          <a:p>
+            <a:pPr marL="285750" indent="-285750">
+              <a:buFontTx/>
+              <a:buChar char="-"/>
+            </a:pPr>
+            <a:r>
+              <a:rPr lang="en-US" b="0" dirty="0"/>
+              <a:t>Inspect the </a:t>
+            </a:r>
+            <a:r>
+              <a:rPr lang="en-US" b="0" dirty="0" err="1"/>
+              <a:t>jenkins_home</a:t>
+            </a:r>
+            <a:r>
+              <a:rPr lang="en-US" b="0" dirty="0"/>
+              <a:t> volume (docker volume inspect </a:t>
+            </a:r>
+            <a:r>
+              <a:rPr lang="en-US" b="0" dirty="0" err="1"/>
+              <a:t>jenkins_home</a:t>
+            </a:r>
+            <a:r>
+              <a:rPr lang="en-US" b="0" dirty="0"/>
+              <a:t>) and go to it’s path (probably you need to be root for that) and show the content.</a:t>
+            </a:r>
+          </a:p>
+          <a:p>
+            <a:pPr marL="285750" indent="-285750">
+              <a:buFontTx/>
+              <a:buChar char="-"/>
+            </a:pPr>
+            <a:endParaRPr lang="en-US" b="0" dirty="0"/>
+          </a:p>
+          <a:p>
+            <a:pPr marL="0" indent="0">
+              <a:buFontTx/>
+              <a:buNone/>
+            </a:pPr>
+            <a:r>
+              <a:rPr lang="en-US" b="0" dirty="0"/>
+              <a:t>Highlight, that the volume upon creation was empty. With the first start of </a:t>
+            </a:r>
+            <a:r>
+              <a:rPr lang="en-US" b="0" dirty="0" err="1"/>
+              <a:t>jenkins</a:t>
+            </a:r>
+            <a:r>
+              <a:rPr lang="en-US" b="0" dirty="0"/>
+              <a:t>, content was written to it. However when launching the 2</a:t>
+            </a:r>
+            <a:r>
+              <a:rPr lang="en-US" b="0" baseline="30000" dirty="0"/>
+              <a:t>nd</a:t>
+            </a:r>
+            <a:r>
+              <a:rPr lang="en-US" b="0" dirty="0"/>
+              <a:t> </a:t>
+            </a:r>
+            <a:r>
+              <a:rPr lang="en-US" b="0" dirty="0" err="1"/>
+              <a:t>jenkins</a:t>
+            </a:r>
+            <a:r>
+              <a:rPr lang="en-US" b="0" dirty="0"/>
+              <a:t> container the content was not overwritten / re-initialized. So if you need to persist some initial data, a named volume might be useful.</a:t>
+            </a:r>
+          </a:p>
+          <a:p>
+            <a:pPr marL="0" indent="0">
+              <a:buFontTx/>
+              <a:buNone/>
+            </a:pPr>
+            <a:endParaRPr lang="en-US" b="0" dirty="0"/>
+          </a:p>
+          <a:p>
+            <a:pPr marL="0" indent="0">
+              <a:buFontTx/>
+              <a:buNone/>
+            </a:pPr>
+            <a:r>
+              <a:rPr lang="en-US" b="0" dirty="0"/>
+              <a:t>Downsides: it’s hard to move a volume to another host, but the k8s storage </a:t>
+            </a:r>
+            <a:r>
+              <a:rPr lang="en-US" b="0" dirty="0" err="1"/>
+              <a:t>api</a:t>
+            </a:r>
+            <a:r>
+              <a:rPr lang="en-US" b="0" dirty="0"/>
+              <a:t> will provide better ways of adding persistence. </a:t>
+            </a:r>
+          </a:p>
+          <a:p>
+            <a:pPr marL="0" indent="0">
+              <a:buFontTx/>
+              <a:buNone/>
+            </a:pPr>
+            <a:endParaRPr lang="en-US" b="0" dirty="0"/>
+          </a:p>
+        </p:txBody>
+      </p:sp>
+      <p:sp>
+        <p:nvSpPr>
+          <p:cNvPr id="4" name="Slide Number Placeholder 3"/>
+          <p:cNvSpPr>
+            <a:spLocks noGrp="1"/>
+          </p:cNvSpPr>
+          <p:nvPr>
+            <p:ph type="sldNum" sz="quarter" idx="10"/>
+          </p:nvPr>
+        </p:nvSpPr>
+        <p:spPr/>
+        <p:txBody>
+          <a:bodyPr/>
+          <a:lstStyle/>
+          <a:p>
+            <a:fld id="{7D8C2C35-2B8A-446E-BEC0-FD36716C29AC}" type="slidenum">
+              <a:rPr lang="de-DE" smtClean="0"/>
+              <a:pPr/>
+              <a:t>18</a:t>
+            </a:fld>
+            <a:endParaRPr lang="de-DE" dirty="0"/>
+          </a:p>
+        </p:txBody>
+      </p:sp>
+    </p:spTree>
+    <p:extLst>
+      <p:ext uri="{BB962C8B-B14F-4D97-AF65-F5344CB8AC3E}">
+        <p14:creationId xmlns:p14="http://schemas.microsoft.com/office/powerpoint/2010/main" val="3311627364"/>
+      </p:ext>
+    </p:extLst>
+  </p:cSld>
+  <p:clrMapOvr>
+    <a:masterClrMapping/>
+  </p:clrMapOvr>
+</p:notes>
+</file>
+
+<file path=ppt/notesSlides/notesSlide13.xml><?xml version="1.0" encoding="utf-8"?>
 <p:notes xmlns:a="http://schemas.openxmlformats.org/drawingml/2006/main" xmlns:r="http://schemas.openxmlformats.org/officeDocument/2006/relationships" xmlns:p="http://schemas.openxmlformats.org/presentationml/2006/main">
   <p:cSld>
     <p:spTree>
@@ -693,104 +1760,7 @@
           <a:bodyPr/>
           <a:lstStyle/>
           <a:p>
-            <a:r>
-              <a:rPr lang="en-US" dirty="0"/>
-              <a:t>First, lets take a look at how terminals used to work. The standard input stream (stdin) is used to send input to the process. The standard output and error streams send the output to a terminal to display (as text). </a:t>
-            </a:r>
-          </a:p>
-          <a:p>
             <a:endParaRPr lang="en-US" dirty="0"/>
-          </a:p>
-          <a:p>
-            <a:r>
-              <a:rPr lang="en-US" dirty="0"/>
-              <a:t>Docker allows to use stdin interactively and receive the results via </a:t>
-            </a:r>
-            <a:r>
-              <a:rPr lang="en-US" dirty="0" err="1"/>
-              <a:t>stdout</a:t>
-            </a:r>
-            <a:r>
-              <a:rPr lang="en-US" dirty="0"/>
-              <a:t>/stderr. To keep stdin open, the –</a:t>
-            </a:r>
-            <a:r>
-              <a:rPr lang="en-US" dirty="0" err="1"/>
-              <a:t>i</a:t>
-            </a:r>
-            <a:r>
-              <a:rPr lang="en-US" dirty="0"/>
-              <a:t> flag is required (interactive). To capture the output accordingly a pseudo-</a:t>
-            </a:r>
-            <a:r>
-              <a:rPr lang="en-US" dirty="0" err="1"/>
-              <a:t>tty</a:t>
-            </a:r>
-            <a:r>
-              <a:rPr lang="en-US" dirty="0"/>
-              <a:t> is required. Use –t to allocate it. Try to run “docker -</a:t>
-            </a:r>
-            <a:r>
-              <a:rPr lang="en-US" dirty="0" err="1"/>
-              <a:t>i</a:t>
-            </a:r>
-            <a:r>
-              <a:rPr lang="en-US" dirty="0"/>
-              <a:t> ubuntu:18.04” – you will be able to type (something like “exit”) but you don’t see the output. Try the same again, but adding a “-t”. You will be able to type &amp; see what happens.</a:t>
-            </a:r>
-          </a:p>
-          <a:p>
-            <a:r>
-              <a:rPr lang="en-US" dirty="0"/>
-              <a:t>Use the combination of interactive and </a:t>
-            </a:r>
-            <a:r>
-              <a:rPr lang="en-US" dirty="0" err="1"/>
-              <a:t>tty</a:t>
-            </a:r>
-            <a:r>
-              <a:rPr lang="en-US" dirty="0"/>
-              <a:t> (combine to –it) when you start a shell or anything else that requires input.</a:t>
-            </a:r>
-          </a:p>
-          <a:p>
-            <a:endParaRPr lang="en-US" dirty="0"/>
-          </a:p>
-          <a:p>
-            <a:r>
-              <a:rPr lang="en-US" dirty="0"/>
-              <a:t>Docker also allows to start containers in the background (similar to a </a:t>
-            </a:r>
-            <a:r>
-              <a:rPr lang="en-US" dirty="0" err="1"/>
-              <a:t>linux</a:t>
-            </a:r>
-            <a:r>
-              <a:rPr lang="en-US" dirty="0"/>
-              <a:t> processes started in background). No output will be sent to the user but captured for logging (check the container logs, if there are any). Use the –d switch ('daemon') to run the process in background and check with “docker </a:t>
-            </a:r>
-            <a:r>
-              <a:rPr lang="en-US" dirty="0" err="1"/>
-              <a:t>ps</a:t>
-            </a:r>
-            <a:r>
-              <a:rPr lang="en-US" dirty="0"/>
-              <a:t>”. </a:t>
-            </a:r>
-          </a:p>
-          <a:p>
-            <a:r>
-              <a:rPr lang="en-US" dirty="0"/>
-              <a:t>Use the detached mode to run daemons or applications that have a control loop like a </a:t>
-            </a:r>
-            <a:r>
-              <a:rPr lang="en-US" dirty="0" err="1"/>
-              <a:t>websever</a:t>
-            </a:r>
-            <a:r>
-              <a:rPr lang="en-US" dirty="0"/>
-              <a:t>.</a:t>
-            </a:r>
           </a:p>
         </p:txBody>
       </p:sp>
@@ -812,7 +1782,7 @@
             <a:fld id="{7D8C2C35-2B8A-446E-BEC0-FD36716C29AC}" type="slidenum">
               <a:rPr lang="de-DE" smtClean="0"/>
               <a:pPr/>
-              <a:t>3</a:t>
+              <a:t>19</a:t>
             </a:fld>
             <a:endParaRPr lang="de-DE" dirty="0"/>
           </a:p>
@@ -821,7 +1791,377 @@
     </p:spTree>
     <p:extLst>
       <p:ext uri="{BB962C8B-B14F-4D97-AF65-F5344CB8AC3E}">
-        <p14:creationId xmlns:p14="http://schemas.microsoft.com/office/powerpoint/2010/main" val="905710127"/>
+        <p14:creationId xmlns:p14="http://schemas.microsoft.com/office/powerpoint/2010/main" val="3853411994"/>
+      </p:ext>
+    </p:extLst>
+  </p:cSld>
+  <p:clrMapOvr>
+    <a:masterClrMapping/>
+  </p:clrMapOvr>
+</p:notes>
+</file>
+
+<file path=ppt/notesSlides/notesSlide14.xml><?xml version="1.0" encoding="utf-8"?>
+<p:notes xmlns:a="http://schemas.openxmlformats.org/drawingml/2006/main" xmlns:r="http://schemas.openxmlformats.org/officeDocument/2006/relationships" xmlns:p="http://schemas.openxmlformats.org/presentationml/2006/main">
+  <p:cSld>
+    <p:spTree>
+      <p:nvGrpSpPr>
+        <p:cNvPr id="1" name=""/>
+        <p:cNvGrpSpPr/>
+        <p:nvPr/>
+      </p:nvGrpSpPr>
+      <p:grpSpPr>
+        <a:xfrm>
+          <a:off x="0" y="0"/>
+          <a:ext cx="0" cy="0"/>
+          <a:chOff x="0" y="0"/>
+          <a:chExt cx="0" cy="0"/>
+        </a:xfrm>
+      </p:grpSpPr>
+      <p:sp>
+        <p:nvSpPr>
+          <p:cNvPr id="4" name="Slide Number Placeholder 3"/>
+          <p:cNvSpPr>
+            <a:spLocks noGrp="1"/>
+          </p:cNvSpPr>
+          <p:nvPr>
+            <p:ph type="sldNum" sz="quarter" idx="10"/>
+          </p:nvPr>
+        </p:nvSpPr>
+        <p:spPr/>
+        <p:txBody>
+          <a:bodyPr/>
+          <a:lstStyle/>
+          <a:p>
+            <a:fld id="{7D8C2C35-2B8A-446E-BEC0-FD36716C29AC}" type="slidenum">
+              <a:rPr lang="de-DE" smtClean="0"/>
+              <a:pPr/>
+              <a:t>20</a:t>
+            </a:fld>
+            <a:endParaRPr lang="de-DE" dirty="0"/>
+          </a:p>
+        </p:txBody>
+      </p:sp>
+      <p:sp>
+        <p:nvSpPr>
+          <p:cNvPr id="6" name="Slide Image Placeholder 5"/>
+          <p:cNvSpPr>
+            <a:spLocks noGrp="1" noRot="1" noChangeAspect="1"/>
+          </p:cNvSpPr>
+          <p:nvPr>
+            <p:ph type="sldImg"/>
+          </p:nvPr>
+        </p:nvSpPr>
+        <p:spPr>
+          <a:xfrm>
+            <a:off x="547688" y="612775"/>
+            <a:ext cx="5762625" cy="3241675"/>
+          </a:xfrm>
+        </p:spPr>
+      </p:sp>
+      <p:sp>
+        <p:nvSpPr>
+          <p:cNvPr id="7" name="Notes Placeholder 6"/>
+          <p:cNvSpPr>
+            <a:spLocks noGrp="1"/>
+          </p:cNvSpPr>
+          <p:nvPr>
+            <p:ph type="body" idx="1"/>
+          </p:nvPr>
+        </p:nvSpPr>
+        <p:spPr/>
+        <p:txBody>
+          <a:bodyPr>
+            <a:normAutofit/>
+          </a:bodyPr>
+          <a:lstStyle/>
+          <a:p>
+            <a:endParaRPr lang="en-US"/>
+          </a:p>
+        </p:txBody>
+      </p:sp>
+    </p:spTree>
+    <p:extLst>
+      <p:ext uri="{BB962C8B-B14F-4D97-AF65-F5344CB8AC3E}">
+        <p14:creationId xmlns:p14="http://schemas.microsoft.com/office/powerpoint/2010/main" val="2544264309"/>
+      </p:ext>
+    </p:extLst>
+  </p:cSld>
+  <p:clrMapOvr>
+    <a:masterClrMapping/>
+  </p:clrMapOvr>
+</p:notes>
+</file>
+
+<file path=ppt/notesSlides/notesSlide2.xml><?xml version="1.0" encoding="utf-8"?>
+<p:notes xmlns:a="http://schemas.openxmlformats.org/drawingml/2006/main" xmlns:r="http://schemas.openxmlformats.org/officeDocument/2006/relationships" xmlns:p="http://schemas.openxmlformats.org/presentationml/2006/main">
+  <p:cSld>
+    <p:spTree>
+      <p:nvGrpSpPr>
+        <p:cNvPr id="1" name=""/>
+        <p:cNvGrpSpPr/>
+        <p:nvPr/>
+      </p:nvGrpSpPr>
+      <p:grpSpPr>
+        <a:xfrm>
+          <a:off x="0" y="0"/>
+          <a:ext cx="0" cy="0"/>
+          <a:chOff x="0" y="0"/>
+          <a:chExt cx="0" cy="0"/>
+        </a:xfrm>
+      </p:grpSpPr>
+      <p:sp>
+        <p:nvSpPr>
+          <p:cNvPr id="2" name="Slide Image Placeholder 1"/>
+          <p:cNvSpPr>
+            <a:spLocks noGrp="1" noRot="1" noChangeAspect="1"/>
+          </p:cNvSpPr>
+          <p:nvPr>
+            <p:ph type="sldImg"/>
+          </p:nvPr>
+        </p:nvSpPr>
+        <p:spPr/>
+      </p:sp>
+      <p:sp>
+        <p:nvSpPr>
+          <p:cNvPr id="3" name="Notes Placeholder 2"/>
+          <p:cNvSpPr>
+            <a:spLocks noGrp="1"/>
+          </p:cNvSpPr>
+          <p:nvPr>
+            <p:ph type="body" idx="1"/>
+          </p:nvPr>
+        </p:nvSpPr>
+        <p:spPr/>
+        <p:txBody>
+          <a:bodyPr>
+            <a:normAutofit fontScale="92500" lnSpcReduction="20000"/>
+          </a:bodyPr>
+          <a:lstStyle/>
+          <a:p>
+            <a:r>
+              <a:rPr lang="en-US" b="0" dirty="0"/>
+              <a:t>Now that you talked about the theory, it’s time for a demo.</a:t>
+            </a:r>
+          </a:p>
+          <a:p>
+            <a:endParaRPr lang="en-US" b="0" dirty="0"/>
+          </a:p>
+          <a:p>
+            <a:r>
+              <a:rPr lang="en-US" b="0" dirty="0"/>
+              <a:t>Get started by introducing the docker cli a bit more detailed.</a:t>
+            </a:r>
+          </a:p>
+          <a:p>
+            <a:pPr marL="285750" indent="-285750">
+              <a:buFontTx/>
+              <a:buChar char="-"/>
+            </a:pPr>
+            <a:r>
+              <a:rPr lang="en-US" b="0" dirty="0"/>
+              <a:t>Simply run “docker” and explain the output &amp; where to get more info for each command</a:t>
+            </a:r>
+          </a:p>
+          <a:p>
+            <a:pPr marL="285750" indent="-285750">
+              <a:buFontTx/>
+              <a:buChar char="-"/>
+            </a:pPr>
+            <a:r>
+              <a:rPr lang="en-US" b="0" dirty="0"/>
+              <a:t>Talk about the container, image, volume and network sub commands </a:t>
+            </a:r>
+            <a:r>
+              <a:rPr lang="en-US" b="0" dirty="0">
+                <a:sym typeface="Wingdings" panose="05000000000000000000" pitchFamily="2" charset="2"/>
+              </a:rPr>
+              <a:t> they grant access to management of the respective objects (create, remove, list, …)</a:t>
+            </a:r>
+            <a:endParaRPr lang="en-US" b="0" dirty="0"/>
+          </a:p>
+          <a:p>
+            <a:pPr marL="285750" indent="-285750">
+              <a:buFontTx/>
+              <a:buChar char="-"/>
+            </a:pPr>
+            <a:endParaRPr lang="en-US" b="0" dirty="0"/>
+          </a:p>
+          <a:p>
+            <a:pPr marL="0" indent="0">
+              <a:buFontTx/>
+              <a:buNone/>
+            </a:pPr>
+            <a:r>
+              <a:rPr lang="en-US" b="0" dirty="0"/>
+              <a:t>Let’s discuss a few things more detailed.</a:t>
+            </a:r>
+          </a:p>
+          <a:p>
+            <a:pPr marL="285750" indent="-285750">
+              <a:buFontTx/>
+              <a:buChar char="-"/>
+            </a:pPr>
+            <a:r>
+              <a:rPr lang="en-US" b="0" dirty="0"/>
+              <a:t>“docker run” was already used by participants, but do execute it again </a:t>
+            </a:r>
+            <a:r>
+              <a:rPr lang="en-US" b="0" dirty="0">
+                <a:sym typeface="Wingdings" panose="05000000000000000000" pitchFamily="2" charset="2"/>
+              </a:rPr>
+              <a:t>  docker run -it docker/</a:t>
+            </a:r>
+            <a:r>
+              <a:rPr lang="en-US" b="0" dirty="0" err="1">
+                <a:sym typeface="Wingdings" panose="05000000000000000000" pitchFamily="2" charset="2"/>
+              </a:rPr>
+              <a:t>whalesay</a:t>
+            </a:r>
+            <a:r>
+              <a:rPr lang="en-US" b="0" dirty="0">
+                <a:sym typeface="Wingdings" panose="05000000000000000000" pitchFamily="2" charset="2"/>
+              </a:rPr>
+              <a:t> </a:t>
+            </a:r>
+            <a:r>
+              <a:rPr lang="en-US" b="0" dirty="0" err="1">
+                <a:sym typeface="Wingdings" panose="05000000000000000000" pitchFamily="2" charset="2"/>
+              </a:rPr>
+              <a:t>cowsay</a:t>
+            </a:r>
+            <a:r>
+              <a:rPr lang="en-US" b="0" dirty="0">
+                <a:sym typeface="Wingdings" panose="05000000000000000000" pitchFamily="2" charset="2"/>
+              </a:rPr>
+              <a:t> boo</a:t>
+            </a:r>
+            <a:endParaRPr lang="en-US" b="0" dirty="0"/>
+          </a:p>
+          <a:p>
+            <a:pPr marL="285750" indent="-285750">
+              <a:buFontTx/>
+              <a:buChar char="-"/>
+            </a:pPr>
+            <a:r>
+              <a:rPr lang="en-US" b="0" dirty="0"/>
+              <a:t>let’s see where these containers ended up: docker container list –a</a:t>
+            </a:r>
+          </a:p>
+          <a:p>
+            <a:pPr marL="285750" indent="-285750">
+              <a:buFontTx/>
+              <a:buChar char="-"/>
+            </a:pPr>
+            <a:r>
+              <a:rPr lang="en-US" b="0" dirty="0"/>
+              <a:t>Explain the –a flag</a:t>
+            </a:r>
+          </a:p>
+          <a:p>
+            <a:pPr marL="285750" indent="-285750">
+              <a:buFontTx/>
+              <a:buChar char="-"/>
+            </a:pPr>
+            <a:r>
+              <a:rPr lang="en-US" b="0" dirty="0"/>
+              <a:t>Access the logs of your </a:t>
+            </a:r>
+            <a:r>
+              <a:rPr lang="en-US" b="0" dirty="0" err="1"/>
+              <a:t>whalesay</a:t>
+            </a:r>
+            <a:r>
+              <a:rPr lang="en-US" b="0" dirty="0"/>
+              <a:t> container</a:t>
+            </a:r>
+          </a:p>
+          <a:p>
+            <a:pPr marL="285750" indent="-285750">
+              <a:buFontTx/>
+              <a:buChar char="-"/>
+            </a:pPr>
+            <a:r>
+              <a:rPr lang="en-US" b="0" dirty="0"/>
+              <a:t>Re-start you </a:t>
+            </a:r>
+            <a:r>
+              <a:rPr lang="en-US" b="0" dirty="0" err="1"/>
+              <a:t>whalesay</a:t>
+            </a:r>
+            <a:r>
+              <a:rPr lang="en-US" b="0" dirty="0"/>
+              <a:t> container &amp; show logs again</a:t>
+            </a:r>
+          </a:p>
+          <a:p>
+            <a:pPr marL="285750" indent="-285750">
+              <a:buFontTx/>
+              <a:buChar char="-"/>
+            </a:pPr>
+            <a:r>
+              <a:rPr lang="en-US" b="0" dirty="0"/>
+              <a:t>Point out that it’s still the same read-write layer</a:t>
+            </a:r>
+          </a:p>
+          <a:p>
+            <a:pPr marL="285750" indent="-285750">
+              <a:buFontTx/>
+              <a:buChar char="-"/>
+            </a:pPr>
+            <a:r>
+              <a:rPr lang="en-US" b="0" dirty="0"/>
+              <a:t>Execute the docker run layer again and highlight that it’s a new </a:t>
+            </a:r>
+            <a:r>
+              <a:rPr lang="en-US" b="0" dirty="0" err="1"/>
+              <a:t>rw</a:t>
+            </a:r>
+            <a:r>
+              <a:rPr lang="en-US" b="0" dirty="0"/>
+              <a:t> layer now</a:t>
+            </a:r>
+          </a:p>
+          <a:p>
+            <a:pPr marL="285750" indent="-285750">
+              <a:buFontTx/>
+              <a:buChar char="-"/>
+            </a:pPr>
+            <a:r>
+              <a:rPr lang="en-US" b="0" dirty="0"/>
+              <a:t>Finally, remove the container(s) with prune</a:t>
+            </a:r>
+          </a:p>
+        </p:txBody>
+      </p:sp>
+      <p:sp>
+        <p:nvSpPr>
+          <p:cNvPr id="4" name="Slide Number Placeholder 3"/>
+          <p:cNvSpPr>
+            <a:spLocks noGrp="1"/>
+          </p:cNvSpPr>
+          <p:nvPr>
+            <p:ph type="sldNum" sz="quarter" idx="10"/>
+          </p:nvPr>
+        </p:nvSpPr>
+        <p:spPr/>
+        <p:txBody>
+          <a:bodyPr/>
+          <a:lstStyle/>
+          <a:p>
+            <a:fld id="{7D8C2C35-2B8A-446E-BEC0-FD36716C29AC}" type="slidenum">
+              <a:rPr lang="de-DE" smtClean="0"/>
+              <a:pPr/>
+              <a:t>3</a:t>
+            </a:fld>
+            <a:endParaRPr lang="de-DE" dirty="0"/>
+          </a:p>
+        </p:txBody>
+      </p:sp>
+    </p:spTree>
+    <p:extLst>
+      <p:ext uri="{BB962C8B-B14F-4D97-AF65-F5344CB8AC3E}">
+        <p14:creationId xmlns:p14="http://schemas.microsoft.com/office/powerpoint/2010/main" val="3665003752"/>
       </p:ext>
     </p:extLst>
   </p:cSld>
@@ -875,385 +2215,103 @@
           <a:bodyPr/>
           <a:lstStyle/>
           <a:p>
-            <a:pPr marL="0" marR="0" lvl="0" indent="0" algn="l" defTabSz="1088776" rtl="0" eaLnBrk="1" fontAlgn="auto" latinLnBrk="0" hangingPunct="1">
-              <a:lnSpc>
-                <a:spcPct val="100000"/>
-              </a:lnSpc>
-              <a:spcBef>
-                <a:spcPts val="0"/>
-              </a:spcBef>
-              <a:spcAft>
-                <a:spcPts val="0"/>
-              </a:spcAft>
-              <a:buClrTx/>
-              <a:buSzTx/>
-              <a:buFontTx/>
-              <a:buNone/>
-              <a:tabLst/>
-              <a:defRPr/>
-            </a:pPr>
-            <a:r>
-              <a:rPr lang="de-DE" baseline="0" dirty="0"/>
-              <a:t>The </a:t>
-            </a:r>
-            <a:r>
-              <a:rPr lang="de-DE" baseline="0" dirty="0" err="1"/>
-              <a:t>container</a:t>
-            </a:r>
-            <a:r>
-              <a:rPr lang="de-DE" baseline="0" dirty="0"/>
-              <a:t> IDs </a:t>
-            </a:r>
-            <a:r>
-              <a:rPr lang="de-DE" baseline="0" dirty="0" err="1"/>
-              <a:t>reference</a:t>
-            </a:r>
-            <a:r>
-              <a:rPr lang="de-DE" baseline="0" dirty="0"/>
-              <a:t> </a:t>
-            </a:r>
-            <a:r>
-              <a:rPr lang="de-DE" baseline="0" dirty="0" err="1"/>
-              <a:t>the</a:t>
-            </a:r>
-            <a:r>
-              <a:rPr lang="de-DE" baseline="0" dirty="0"/>
-              <a:t> </a:t>
-            </a:r>
-            <a:r>
-              <a:rPr lang="de-DE" baseline="0" dirty="0" err="1"/>
-              <a:t>read-write</a:t>
-            </a:r>
-            <a:r>
-              <a:rPr lang="de-DE" baseline="0" dirty="0"/>
-              <a:t> </a:t>
-            </a:r>
-            <a:r>
-              <a:rPr lang="de-DE" baseline="0" dirty="0" err="1"/>
-              <a:t>layer</a:t>
-            </a:r>
-            <a:r>
-              <a:rPr lang="de-DE" baseline="0" dirty="0"/>
-              <a:t> on top </a:t>
-            </a:r>
-            <a:r>
-              <a:rPr lang="de-DE" baseline="0" dirty="0" err="1"/>
-              <a:t>of</a:t>
-            </a:r>
-            <a:r>
-              <a:rPr lang="de-DE" baseline="0" dirty="0"/>
-              <a:t> </a:t>
-            </a:r>
-            <a:r>
-              <a:rPr lang="de-DE" baseline="0" dirty="0" err="1"/>
-              <a:t>the</a:t>
-            </a:r>
-            <a:r>
-              <a:rPr lang="de-DE" baseline="0" dirty="0"/>
-              <a:t> </a:t>
-            </a:r>
-            <a:r>
-              <a:rPr lang="de-DE" baseline="0" dirty="0" err="1"/>
-              <a:t>immutable</a:t>
-            </a:r>
-            <a:r>
-              <a:rPr lang="de-DE" baseline="0" dirty="0"/>
-              <a:t> </a:t>
-            </a:r>
-            <a:r>
-              <a:rPr lang="de-DE" baseline="0" dirty="0" err="1"/>
-              <a:t>read-only</a:t>
-            </a:r>
-            <a:r>
-              <a:rPr lang="de-DE" baseline="0" dirty="0"/>
-              <a:t> </a:t>
-            </a:r>
-            <a:r>
-              <a:rPr lang="de-DE" baseline="0" dirty="0" err="1"/>
-              <a:t>image</a:t>
-            </a:r>
-            <a:r>
-              <a:rPr lang="de-DE" baseline="0" dirty="0"/>
-              <a:t> </a:t>
-            </a:r>
-            <a:r>
-              <a:rPr lang="de-DE" baseline="0" dirty="0" err="1"/>
-              <a:t>layers</a:t>
-            </a:r>
-            <a:r>
-              <a:rPr lang="de-DE" baseline="0" dirty="0"/>
-              <a:t>. </a:t>
-            </a:r>
-            <a:endParaRPr lang="de-DE" dirty="0"/>
-          </a:p>
-          <a:p>
-            <a:endParaRPr lang="de-DE" dirty="0"/>
-          </a:p>
-          <a:p>
-            <a:r>
-              <a:rPr lang="de-DE" dirty="0"/>
-              <a:t>The</a:t>
-            </a:r>
-            <a:r>
-              <a:rPr lang="de-DE" baseline="0" dirty="0"/>
-              <a:t> UUID </a:t>
-            </a:r>
-            <a:r>
-              <a:rPr lang="de-DE" baseline="0" dirty="0" err="1"/>
-              <a:t>has</a:t>
-            </a:r>
-            <a:r>
-              <a:rPr lang="de-DE" baseline="0" dirty="0"/>
-              <a:t> 64 </a:t>
-            </a:r>
-            <a:r>
-              <a:rPr lang="de-DE" baseline="0" dirty="0" err="1"/>
-              <a:t>digits</a:t>
-            </a:r>
-            <a:r>
-              <a:rPr lang="de-DE" baseline="0" dirty="0"/>
-              <a:t> but </a:t>
-            </a:r>
-            <a:r>
-              <a:rPr lang="de-DE" baseline="0" dirty="0" err="1"/>
-              <a:t>is</a:t>
-            </a:r>
-            <a:r>
-              <a:rPr lang="de-DE" baseline="0" dirty="0"/>
-              <a:t> </a:t>
-            </a:r>
-            <a:r>
-              <a:rPr lang="de-DE" baseline="0" dirty="0" err="1"/>
-              <a:t>truncated</a:t>
-            </a:r>
-            <a:r>
-              <a:rPr lang="de-DE" baseline="0" dirty="0"/>
-              <a:t> </a:t>
-            </a:r>
-            <a:r>
-              <a:rPr lang="de-DE" baseline="0" dirty="0" err="1"/>
-              <a:t>to</a:t>
-            </a:r>
-            <a:r>
-              <a:rPr lang="de-DE" baseline="0" dirty="0"/>
-              <a:t> just 12 </a:t>
-            </a:r>
-            <a:r>
-              <a:rPr lang="de-DE" baseline="0" dirty="0" err="1"/>
-              <a:t>digits</a:t>
-            </a:r>
-            <a:r>
-              <a:rPr lang="de-DE" baseline="0" dirty="0"/>
-              <a:t>, </a:t>
-            </a:r>
-            <a:r>
-              <a:rPr lang="de-DE" baseline="0" dirty="0" err="1"/>
-              <a:t>use</a:t>
-            </a:r>
-            <a:r>
-              <a:rPr lang="de-DE" baseline="0" dirty="0"/>
-              <a:t> --</a:t>
-            </a:r>
-            <a:r>
-              <a:rPr lang="de-DE" baseline="0" dirty="0" err="1"/>
-              <a:t>no-trunc</a:t>
-            </a:r>
-            <a:r>
-              <a:rPr lang="de-DE" baseline="0" dirty="0"/>
-              <a:t> </a:t>
-            </a:r>
-            <a:r>
-              <a:rPr lang="de-DE" baseline="0" dirty="0" err="1"/>
-              <a:t>to</a:t>
-            </a:r>
-            <a:r>
-              <a:rPr lang="de-DE" baseline="0" dirty="0"/>
-              <a:t> </a:t>
-            </a:r>
-            <a:r>
-              <a:rPr lang="de-DE" baseline="0" dirty="0" err="1"/>
-              <a:t>see</a:t>
-            </a:r>
-            <a:r>
-              <a:rPr lang="de-DE" baseline="0" dirty="0"/>
-              <a:t> all </a:t>
-            </a:r>
-            <a:r>
-              <a:rPr lang="de-DE" baseline="0" dirty="0" err="1"/>
-              <a:t>of</a:t>
-            </a:r>
-            <a:r>
-              <a:rPr lang="de-DE" baseline="0" dirty="0"/>
-              <a:t> </a:t>
-            </a:r>
-            <a:r>
-              <a:rPr lang="de-DE" baseline="0" dirty="0" err="1"/>
-              <a:t>them</a:t>
-            </a:r>
-            <a:r>
-              <a:rPr lang="de-DE" baseline="0" dirty="0"/>
+            <a:r>
+              <a:rPr lang="en-US" dirty="0"/>
+              <a:t>First, lets take a look at how terminals used to work. The standard input stream (stdin) is used to send input to the process. The standard output and error streams send the output to a terminal to display (as text). </a:t>
+            </a:r>
+          </a:p>
+          <a:p>
+            <a:endParaRPr lang="en-US" dirty="0"/>
+          </a:p>
+          <a:p>
+            <a:r>
+              <a:rPr lang="en-US" dirty="0"/>
+              <a:t>Docker allows to use stdin interactively and receive the results via </a:t>
+            </a:r>
+            <a:r>
+              <a:rPr lang="en-US" dirty="0" err="1"/>
+              <a:t>stdout</a:t>
+            </a:r>
+            <a:r>
+              <a:rPr lang="en-US" dirty="0"/>
+              <a:t>/stderr. To keep stdin open, the –</a:t>
+            </a:r>
+            <a:r>
+              <a:rPr lang="en-US" dirty="0" err="1"/>
+              <a:t>i</a:t>
+            </a:r>
+            <a:r>
+              <a:rPr lang="en-US" dirty="0"/>
+              <a:t> flag is required (interactive). To capture the output accordingly a pseudo-</a:t>
+            </a:r>
+            <a:r>
+              <a:rPr lang="en-US" dirty="0" err="1"/>
+              <a:t>tty</a:t>
+            </a:r>
+            <a:r>
+              <a:rPr lang="en-US" dirty="0"/>
+              <a:t> is required. Use –t to allocate it. Try to run “docker -</a:t>
+            </a:r>
+            <a:r>
+              <a:rPr lang="en-US" dirty="0" err="1"/>
+              <a:t>i</a:t>
+            </a:r>
+            <a:r>
+              <a:rPr lang="en-US" dirty="0"/>
+              <a:t> ubuntu:18.04” – you will be able to type (something like “exit”) but you don’t see the output. Try the same again, but adding a “-t”. You will be able to type &amp; see what happens.</a:t>
+            </a:r>
+          </a:p>
+          <a:p>
+            <a:r>
+              <a:rPr lang="en-US" dirty="0"/>
+              <a:t>Use the combination of interactive and </a:t>
+            </a:r>
+            <a:r>
+              <a:rPr lang="en-US" dirty="0" err="1"/>
+              <a:t>tty</a:t>
+            </a:r>
+            <a:r>
+              <a:rPr lang="en-US" dirty="0"/>
+              <a:t> (combine to –it) when you start a shell or anything else that requires input.</a:t>
+            </a:r>
+          </a:p>
+          <a:p>
+            <a:endParaRPr lang="en-US" dirty="0"/>
+          </a:p>
+          <a:p>
+            <a:r>
+              <a:rPr lang="en-US" dirty="0"/>
+              <a:t>Docker also allows to start containers in the background (similar to a </a:t>
+            </a:r>
+            <a:r>
+              <a:rPr lang="en-US" dirty="0" err="1"/>
+              <a:t>linux</a:t>
+            </a:r>
+            <a:r>
+              <a:rPr lang="en-US" dirty="0"/>
+              <a:t> processes started in background). No output will be sent to the user but captured for logging (check the container logs, if there are any). Use the –d switch ('daemon') to run the process in background and check with “docker </a:t>
+            </a:r>
+            <a:r>
+              <a:rPr lang="en-US" dirty="0" err="1"/>
+              <a:t>ps</a:t>
+            </a:r>
+            <a:r>
+              <a:rPr lang="en-US" dirty="0"/>
+              <a:t>”. </a:t>
+            </a:r>
+          </a:p>
+          <a:p>
+            <a:r>
+              <a:rPr lang="en-US" dirty="0"/>
+              <a:t>Use the detached mode to run daemons or applications that have a control loop like a </a:t>
+            </a:r>
+            <a:r>
+              <a:rPr lang="en-US" dirty="0" err="1"/>
+              <a:t>websever</a:t>
+            </a:r>
+            <a:r>
+              <a:rPr lang="en-US" dirty="0"/>
               <a:t>.</a:t>
-            </a:r>
-          </a:p>
-          <a:p>
-            <a:endParaRPr lang="de-DE" baseline="0" dirty="0"/>
-          </a:p>
-          <a:p>
-            <a:r>
-              <a:rPr lang="de-DE" baseline="0" dirty="0"/>
-              <a:t>A </a:t>
-            </a:r>
-            <a:r>
-              <a:rPr lang="de-DE" baseline="0" dirty="0" err="1"/>
-              <a:t>stopped</a:t>
-            </a:r>
-            <a:r>
-              <a:rPr lang="de-DE" baseline="0" dirty="0"/>
-              <a:t> </a:t>
-            </a:r>
-            <a:r>
-              <a:rPr lang="de-DE" baseline="0" dirty="0" err="1"/>
-              <a:t>container</a:t>
-            </a:r>
-            <a:r>
-              <a:rPr lang="de-DE" baseline="0" dirty="0"/>
-              <a:t> </a:t>
-            </a:r>
-            <a:r>
-              <a:rPr lang="de-DE" baseline="0" dirty="0" err="1"/>
-              <a:t>retains</a:t>
-            </a:r>
-            <a:r>
-              <a:rPr lang="de-DE" baseline="0" dirty="0"/>
-              <a:t> </a:t>
-            </a:r>
-            <a:r>
-              <a:rPr lang="de-DE" baseline="0" dirty="0" err="1"/>
-              <a:t>the</a:t>
-            </a:r>
-            <a:r>
-              <a:rPr lang="de-DE" baseline="0" dirty="0"/>
-              <a:t> </a:t>
-            </a:r>
-            <a:r>
-              <a:rPr lang="de-DE" baseline="0" dirty="0" err="1"/>
-              <a:t>state</a:t>
-            </a:r>
-            <a:r>
-              <a:rPr lang="de-DE" baseline="0" dirty="0"/>
-              <a:t> </a:t>
-            </a:r>
-            <a:r>
-              <a:rPr lang="de-DE" baseline="0" dirty="0" err="1"/>
-              <a:t>of</a:t>
-            </a:r>
-            <a:r>
-              <a:rPr lang="de-DE" baseline="0" dirty="0"/>
-              <a:t> </a:t>
-            </a:r>
-            <a:r>
-              <a:rPr lang="de-DE" baseline="0" dirty="0" err="1"/>
-              <a:t>its</a:t>
-            </a:r>
-            <a:r>
-              <a:rPr lang="de-DE" baseline="0" dirty="0"/>
-              <a:t> r/w </a:t>
-            </a:r>
-            <a:r>
-              <a:rPr lang="de-DE" baseline="0" dirty="0" err="1"/>
-              <a:t>file</a:t>
-            </a:r>
-            <a:r>
-              <a:rPr lang="de-DE" baseline="0" dirty="0"/>
-              <a:t> </a:t>
-            </a:r>
-            <a:r>
-              <a:rPr lang="de-DE" baseline="0" dirty="0" err="1"/>
-              <a:t>system</a:t>
-            </a:r>
-            <a:r>
-              <a:rPr lang="de-DE" baseline="0" dirty="0"/>
-              <a:t> </a:t>
-            </a:r>
-            <a:r>
-              <a:rPr lang="de-DE" baseline="0" dirty="0" err="1"/>
-              <a:t>layer</a:t>
-            </a:r>
-            <a:r>
-              <a:rPr lang="de-DE" baseline="0" dirty="0"/>
-              <a:t> (</a:t>
-            </a:r>
-            <a:r>
-              <a:rPr lang="de-DE" baseline="0" dirty="0" err="1"/>
-              <a:t>you</a:t>
-            </a:r>
-            <a:r>
-              <a:rPr lang="de-DE" baseline="0" dirty="0"/>
-              <a:t> </a:t>
-            </a:r>
-            <a:r>
-              <a:rPr lang="de-DE" baseline="0" dirty="0" err="1"/>
-              <a:t>see</a:t>
-            </a:r>
-            <a:r>
-              <a:rPr lang="de-DE" baseline="0" dirty="0"/>
-              <a:t> </a:t>
-            </a:r>
-            <a:r>
-              <a:rPr lang="de-DE" baseline="0" dirty="0" err="1"/>
-              <a:t>them</a:t>
-            </a:r>
-            <a:r>
-              <a:rPr lang="de-DE" baseline="0" dirty="0"/>
-              <a:t> </a:t>
-            </a:r>
-            <a:r>
-              <a:rPr lang="de-DE" baseline="0" dirty="0" err="1"/>
-              <a:t>when</a:t>
-            </a:r>
-            <a:r>
-              <a:rPr lang="de-DE" baseline="0" dirty="0"/>
-              <a:t> </a:t>
-            </a:r>
-            <a:r>
-              <a:rPr lang="de-DE" baseline="0" dirty="0" err="1"/>
-              <a:t>you</a:t>
-            </a:r>
-            <a:r>
-              <a:rPr lang="de-DE" baseline="0" dirty="0"/>
-              <a:t> </a:t>
-            </a:r>
-            <a:r>
-              <a:rPr lang="de-DE" baseline="0" dirty="0" err="1"/>
-              <a:t>start</a:t>
-            </a:r>
-            <a:r>
-              <a:rPr lang="de-DE" baseline="0" dirty="0"/>
-              <a:t> </a:t>
-            </a:r>
-            <a:r>
-              <a:rPr lang="de-DE" baseline="0" dirty="0" err="1"/>
-              <a:t>the</a:t>
-            </a:r>
-            <a:r>
-              <a:rPr lang="de-DE" baseline="0" dirty="0"/>
-              <a:t> </a:t>
-            </a:r>
-            <a:r>
-              <a:rPr lang="de-DE" baseline="0" dirty="0" err="1"/>
-              <a:t>container</a:t>
-            </a:r>
-            <a:r>
-              <a:rPr lang="de-DE" baseline="0" dirty="0"/>
-              <a:t> </a:t>
-            </a:r>
-            <a:r>
-              <a:rPr lang="de-DE" baseline="0" dirty="0" err="1"/>
-              <a:t>again</a:t>
-            </a:r>
-            <a:r>
-              <a:rPr lang="de-DE" baseline="0" dirty="0"/>
-              <a:t>)</a:t>
             </a:r>
           </a:p>
         </p:txBody>
@@ -1276,7 +2334,7 @@
             <a:fld id="{7D8C2C35-2B8A-446E-BEC0-FD36716C29AC}" type="slidenum">
               <a:rPr lang="de-DE" smtClean="0"/>
               <a:pPr/>
-              <a:t>5</a:t>
+              <a:t>4</a:t>
             </a:fld>
             <a:endParaRPr lang="de-DE" dirty="0"/>
           </a:p>
@@ -1285,7 +2343,7 @@
     </p:spTree>
     <p:extLst>
       <p:ext uri="{BB962C8B-B14F-4D97-AF65-F5344CB8AC3E}">
-        <p14:creationId xmlns:p14="http://schemas.microsoft.com/office/powerpoint/2010/main" val="3835776146"/>
+        <p14:creationId xmlns:p14="http://schemas.microsoft.com/office/powerpoint/2010/main" val="905710127"/>
       </p:ext>
     </p:extLst>
   </p:cSld>
@@ -1336,20 +2394,164 @@
         </p:nvSpPr>
         <p:spPr/>
         <p:txBody>
-          <a:bodyPr/>
+          <a:bodyPr>
+            <a:normAutofit lnSpcReduction="10000"/>
+          </a:bodyPr>
           <a:lstStyle/>
           <a:p>
-            <a:r>
-              <a:rPr lang="en-US" dirty="0"/>
-              <a:t>To be able to connect to the container in an interactive shell session, again -</a:t>
-            </a:r>
-            <a:r>
-              <a:rPr lang="en-US" dirty="0" err="1"/>
+            <a:pPr marL="0" indent="0">
+              <a:buFontTx/>
+              <a:buNone/>
+            </a:pPr>
+            <a:r>
+              <a:rPr lang="en-US" b="0" dirty="0"/>
+              <a:t>Interactive vs detached:</a:t>
+            </a:r>
+          </a:p>
+          <a:p>
+            <a:pPr marL="285750" indent="-285750">
+              <a:buFontTx/>
+              <a:buChar char="-"/>
+            </a:pPr>
+            <a:r>
+              <a:rPr lang="en-US" b="0" dirty="0"/>
+              <a:t>Run an alpine:3.8 container with the –it flag. You can now interact with the shell.</a:t>
+            </a:r>
+          </a:p>
+          <a:p>
+            <a:pPr marL="285750" indent="-285750">
+              <a:buFontTx/>
+              <a:buChar char="-"/>
+            </a:pPr>
+            <a:r>
+              <a:rPr lang="en-US" b="0" dirty="0"/>
+              <a:t>Run a </a:t>
+            </a:r>
+            <a:r>
+              <a:rPr lang="en-US" b="0" dirty="0" err="1"/>
+              <a:t>nginx:mainline</a:t>
+            </a:r>
+            <a:r>
+              <a:rPr lang="en-US" b="0" dirty="0"/>
+              <a:t> container with the -it flag. You’re now connected to PID #1 of the container but it’s a daemon process, so you cannot do anything. Abort or detach from it.</a:t>
+            </a:r>
+          </a:p>
+          <a:p>
+            <a:pPr marL="285750" indent="-285750">
+              <a:buFontTx/>
+              <a:buChar char="-"/>
+            </a:pPr>
+            <a:r>
+              <a:rPr lang="en-US" b="0" dirty="0"/>
+              <a:t>Run a docker inspect on the </a:t>
+            </a:r>
+            <a:r>
+              <a:rPr lang="en-US" b="0" dirty="0" err="1"/>
+              <a:t>nginx</a:t>
+            </a:r>
+            <a:r>
+              <a:rPr lang="en-US" b="0" dirty="0"/>
+              <a:t> image and show the </a:t>
+            </a:r>
+            <a:r>
+              <a:rPr lang="en-US" b="0" dirty="0" err="1"/>
+              <a:t>cmd</a:t>
+            </a:r>
+            <a:r>
+              <a:rPr lang="en-US" b="0" dirty="0"/>
+              <a:t> / </a:t>
+            </a:r>
+            <a:r>
+              <a:rPr lang="en-US" b="0" dirty="0" err="1"/>
+              <a:t>entrypoint</a:t>
+            </a:r>
+            <a:r>
+              <a:rPr lang="en-US" b="0" dirty="0"/>
+              <a:t>: docker image inspect </a:t>
+            </a:r>
+            <a:r>
+              <a:rPr lang="en-US" b="0" dirty="0" err="1"/>
+              <a:t>nginx</a:t>
+            </a:r>
+            <a:r>
+              <a:rPr lang="en-US" b="0" dirty="0"/>
+              <a:t> | grep -</a:t>
+            </a:r>
+            <a:r>
+              <a:rPr lang="en-US" b="0" dirty="0" err="1"/>
               <a:t>i</a:t>
             </a:r>
             <a:r>
-              <a:rPr lang="en-US" dirty="0"/>
-              <a:t> and -t are required. They can be combined to -it.</a:t>
+              <a:rPr lang="en-US" b="0" dirty="0"/>
+              <a:t> </a:t>
+            </a:r>
+            <a:r>
+              <a:rPr lang="en-US" b="0" dirty="0" err="1"/>
+              <a:t>cmd</a:t>
+            </a:r>
+            <a:endParaRPr lang="en-US" b="0" dirty="0"/>
+          </a:p>
+          <a:p>
+            <a:pPr marL="285750" indent="-285750">
+              <a:buFontTx/>
+              <a:buChar char="-"/>
+            </a:pPr>
+            <a:r>
+              <a:rPr lang="en-US" b="0" dirty="0"/>
+              <a:t>Briefly discuss the inspect command</a:t>
+            </a:r>
+          </a:p>
+          <a:p>
+            <a:pPr marL="285750" indent="-285750">
+              <a:buFontTx/>
+              <a:buChar char="-"/>
+            </a:pPr>
+            <a:r>
+              <a:rPr lang="en-US" b="0" dirty="0"/>
+              <a:t>The </a:t>
+            </a:r>
+            <a:r>
+              <a:rPr lang="en-US" b="0" dirty="0" err="1"/>
+              <a:t>cmd</a:t>
+            </a:r>
+            <a:r>
+              <a:rPr lang="en-US" b="0" dirty="0"/>
+              <a:t> specifies what happens upon container start -&gt; the webserver is started and keeps running in an endless loop.</a:t>
+            </a:r>
+          </a:p>
+          <a:p>
+            <a:pPr marL="285750" indent="-285750">
+              <a:buFontTx/>
+              <a:buChar char="-"/>
+            </a:pPr>
+            <a:r>
+              <a:rPr lang="en-US" b="0" dirty="0"/>
+              <a:t>That’s why you probably want to start in detached mode -&gt; docker run –d </a:t>
+            </a:r>
+            <a:r>
+              <a:rPr lang="en-US" b="0" dirty="0" err="1"/>
+              <a:t>nginx:mainline</a:t>
+            </a:r>
+            <a:endParaRPr lang="en-US" b="0" dirty="0"/>
+          </a:p>
+          <a:p>
+            <a:pPr marL="285750" indent="-285750">
+              <a:buFontTx/>
+              <a:buChar char="-"/>
+            </a:pPr>
+            <a:r>
+              <a:rPr lang="en-US" b="0" dirty="0"/>
+              <a:t>Show the running container with docker container list</a:t>
+            </a:r>
+          </a:p>
+          <a:p>
+            <a:pPr marL="285750" indent="-285750">
+              <a:buFontTx/>
+              <a:buChar char="-"/>
+            </a:pPr>
+            <a:r>
+              <a:rPr lang="en-US" b="0" dirty="0"/>
+              <a:t>Finally, exec into the container and explain the exec command</a:t>
             </a:r>
           </a:p>
         </p:txBody>
@@ -1372,7 +2574,7 @@
             <a:fld id="{7D8C2C35-2B8A-446E-BEC0-FD36716C29AC}" type="slidenum">
               <a:rPr lang="de-DE" smtClean="0"/>
               <a:pPr/>
-              <a:t>6</a:t>
+              <a:t>5</a:t>
             </a:fld>
             <a:endParaRPr lang="de-DE" dirty="0"/>
           </a:p>
@@ -1381,7 +2583,7 @@
     </p:spTree>
     <p:extLst>
       <p:ext uri="{BB962C8B-B14F-4D97-AF65-F5344CB8AC3E}">
-        <p14:creationId xmlns:p14="http://schemas.microsoft.com/office/powerpoint/2010/main" val="2932883560"/>
+        <p14:creationId xmlns:p14="http://schemas.microsoft.com/office/powerpoint/2010/main" val="767937877"/>
       </p:ext>
     </p:extLst>
   </p:cSld>
@@ -1435,7 +2637,386 @@
           <a:bodyPr/>
           <a:lstStyle/>
           <a:p>
-            <a:endParaRPr lang="en-US" dirty="0"/>
+            <a:pPr marL="0" marR="0" lvl="0" indent="0" algn="l" defTabSz="1088776" rtl="0" eaLnBrk="1" fontAlgn="auto" latinLnBrk="0" hangingPunct="1">
+              <a:lnSpc>
+                <a:spcPct val="100000"/>
+              </a:lnSpc>
+              <a:spcBef>
+                <a:spcPts val="0"/>
+              </a:spcBef>
+              <a:spcAft>
+                <a:spcPts val="0"/>
+              </a:spcAft>
+              <a:buClrTx/>
+              <a:buSzTx/>
+              <a:buFontTx/>
+              <a:buNone/>
+              <a:tabLst/>
+              <a:defRPr/>
+            </a:pPr>
+            <a:r>
+              <a:rPr lang="de-DE" baseline="0" dirty="0"/>
+              <a:t>The </a:t>
+            </a:r>
+            <a:r>
+              <a:rPr lang="de-DE" baseline="0" dirty="0" err="1"/>
+              <a:t>container</a:t>
+            </a:r>
+            <a:r>
+              <a:rPr lang="de-DE" baseline="0" dirty="0"/>
+              <a:t> IDs </a:t>
+            </a:r>
+            <a:r>
+              <a:rPr lang="de-DE" baseline="0" dirty="0" err="1"/>
+              <a:t>reference</a:t>
+            </a:r>
+            <a:r>
+              <a:rPr lang="de-DE" baseline="0" dirty="0"/>
+              <a:t> </a:t>
+            </a:r>
+            <a:r>
+              <a:rPr lang="de-DE" baseline="0" dirty="0" err="1"/>
+              <a:t>the</a:t>
+            </a:r>
+            <a:r>
+              <a:rPr lang="de-DE" baseline="0" dirty="0"/>
+              <a:t> </a:t>
+            </a:r>
+            <a:r>
+              <a:rPr lang="de-DE" baseline="0" dirty="0" err="1"/>
+              <a:t>read-write</a:t>
+            </a:r>
+            <a:r>
+              <a:rPr lang="de-DE" baseline="0" dirty="0"/>
+              <a:t> </a:t>
+            </a:r>
+            <a:r>
+              <a:rPr lang="de-DE" baseline="0" dirty="0" err="1"/>
+              <a:t>layer</a:t>
+            </a:r>
+            <a:r>
+              <a:rPr lang="de-DE" baseline="0" dirty="0"/>
+              <a:t> on top </a:t>
+            </a:r>
+            <a:r>
+              <a:rPr lang="de-DE" baseline="0" dirty="0" err="1"/>
+              <a:t>of</a:t>
+            </a:r>
+            <a:r>
+              <a:rPr lang="de-DE" baseline="0" dirty="0"/>
+              <a:t> </a:t>
+            </a:r>
+            <a:r>
+              <a:rPr lang="de-DE" baseline="0" dirty="0" err="1"/>
+              <a:t>the</a:t>
+            </a:r>
+            <a:r>
+              <a:rPr lang="de-DE" baseline="0" dirty="0"/>
+              <a:t> </a:t>
+            </a:r>
+            <a:r>
+              <a:rPr lang="de-DE" baseline="0" dirty="0" err="1"/>
+              <a:t>immutable</a:t>
+            </a:r>
+            <a:r>
+              <a:rPr lang="de-DE" baseline="0" dirty="0"/>
+              <a:t> </a:t>
+            </a:r>
+            <a:r>
+              <a:rPr lang="de-DE" baseline="0" dirty="0" err="1"/>
+              <a:t>read-only</a:t>
+            </a:r>
+            <a:r>
+              <a:rPr lang="de-DE" baseline="0" dirty="0"/>
+              <a:t> </a:t>
+            </a:r>
+            <a:r>
+              <a:rPr lang="de-DE" baseline="0" dirty="0" err="1"/>
+              <a:t>image</a:t>
+            </a:r>
+            <a:r>
+              <a:rPr lang="de-DE" baseline="0" dirty="0"/>
+              <a:t> </a:t>
+            </a:r>
+            <a:r>
+              <a:rPr lang="de-DE" baseline="0" dirty="0" err="1"/>
+              <a:t>layers</a:t>
+            </a:r>
+            <a:r>
+              <a:rPr lang="de-DE" baseline="0" dirty="0"/>
+              <a:t>. </a:t>
+            </a:r>
+            <a:endParaRPr lang="de-DE" dirty="0"/>
+          </a:p>
+          <a:p>
+            <a:endParaRPr lang="de-DE" dirty="0"/>
+          </a:p>
+          <a:p>
+            <a:r>
+              <a:rPr lang="de-DE" dirty="0"/>
+              <a:t>The</a:t>
+            </a:r>
+            <a:r>
+              <a:rPr lang="de-DE" baseline="0" dirty="0"/>
+              <a:t> UUID </a:t>
+            </a:r>
+            <a:r>
+              <a:rPr lang="de-DE" baseline="0" dirty="0" err="1"/>
+              <a:t>has</a:t>
+            </a:r>
+            <a:r>
+              <a:rPr lang="de-DE" baseline="0" dirty="0"/>
+              <a:t> 64 </a:t>
+            </a:r>
+            <a:r>
+              <a:rPr lang="de-DE" baseline="0" dirty="0" err="1"/>
+              <a:t>digits</a:t>
+            </a:r>
+            <a:r>
+              <a:rPr lang="de-DE" baseline="0" dirty="0"/>
+              <a:t> but </a:t>
+            </a:r>
+            <a:r>
+              <a:rPr lang="de-DE" baseline="0" dirty="0" err="1"/>
+              <a:t>is</a:t>
+            </a:r>
+            <a:r>
+              <a:rPr lang="de-DE" baseline="0" dirty="0"/>
+              <a:t> </a:t>
+            </a:r>
+            <a:r>
+              <a:rPr lang="de-DE" baseline="0" dirty="0" err="1"/>
+              <a:t>truncated</a:t>
+            </a:r>
+            <a:r>
+              <a:rPr lang="de-DE" baseline="0" dirty="0"/>
+              <a:t> </a:t>
+            </a:r>
+            <a:r>
+              <a:rPr lang="de-DE" baseline="0" dirty="0" err="1"/>
+              <a:t>to</a:t>
+            </a:r>
+            <a:r>
+              <a:rPr lang="de-DE" baseline="0" dirty="0"/>
+              <a:t> just 12 </a:t>
+            </a:r>
+            <a:r>
+              <a:rPr lang="de-DE" baseline="0" dirty="0" err="1"/>
+              <a:t>digits</a:t>
+            </a:r>
+            <a:r>
+              <a:rPr lang="de-DE" baseline="0" dirty="0"/>
+              <a:t>, </a:t>
+            </a:r>
+            <a:r>
+              <a:rPr lang="de-DE" baseline="0" dirty="0" err="1"/>
+              <a:t>use</a:t>
+            </a:r>
+            <a:r>
+              <a:rPr lang="de-DE" baseline="0" dirty="0"/>
+              <a:t> --</a:t>
+            </a:r>
+            <a:r>
+              <a:rPr lang="de-DE" baseline="0" dirty="0" err="1"/>
+              <a:t>no-trunc</a:t>
+            </a:r>
+            <a:r>
+              <a:rPr lang="de-DE" baseline="0" dirty="0"/>
+              <a:t> </a:t>
+            </a:r>
+            <a:r>
+              <a:rPr lang="de-DE" baseline="0" dirty="0" err="1"/>
+              <a:t>to</a:t>
+            </a:r>
+            <a:r>
+              <a:rPr lang="de-DE" baseline="0" dirty="0"/>
+              <a:t> </a:t>
+            </a:r>
+            <a:r>
+              <a:rPr lang="de-DE" baseline="0" dirty="0" err="1"/>
+              <a:t>see</a:t>
+            </a:r>
+            <a:r>
+              <a:rPr lang="de-DE" baseline="0" dirty="0"/>
+              <a:t> all </a:t>
+            </a:r>
+            <a:r>
+              <a:rPr lang="de-DE" baseline="0" dirty="0" err="1"/>
+              <a:t>of</a:t>
+            </a:r>
+            <a:r>
+              <a:rPr lang="de-DE" baseline="0" dirty="0"/>
+              <a:t> </a:t>
+            </a:r>
+            <a:r>
+              <a:rPr lang="de-DE" baseline="0" dirty="0" err="1"/>
+              <a:t>them</a:t>
+            </a:r>
+            <a:r>
+              <a:rPr lang="de-DE" baseline="0" dirty="0"/>
+              <a:t>.</a:t>
+            </a:r>
+          </a:p>
+          <a:p>
+            <a:endParaRPr lang="de-DE" baseline="0" dirty="0"/>
+          </a:p>
+          <a:p>
+            <a:r>
+              <a:rPr lang="de-DE" baseline="0" dirty="0"/>
+              <a:t>A </a:t>
+            </a:r>
+            <a:r>
+              <a:rPr lang="de-DE" baseline="0" dirty="0" err="1"/>
+              <a:t>stopped</a:t>
+            </a:r>
+            <a:r>
+              <a:rPr lang="de-DE" baseline="0" dirty="0"/>
+              <a:t> </a:t>
+            </a:r>
+            <a:r>
+              <a:rPr lang="de-DE" baseline="0" dirty="0" err="1"/>
+              <a:t>container</a:t>
+            </a:r>
+            <a:r>
+              <a:rPr lang="de-DE" baseline="0" dirty="0"/>
+              <a:t> </a:t>
+            </a:r>
+            <a:r>
+              <a:rPr lang="de-DE" baseline="0" dirty="0" err="1"/>
+              <a:t>retains</a:t>
+            </a:r>
+            <a:r>
+              <a:rPr lang="de-DE" baseline="0" dirty="0"/>
+              <a:t> </a:t>
+            </a:r>
+            <a:r>
+              <a:rPr lang="de-DE" baseline="0" dirty="0" err="1"/>
+              <a:t>the</a:t>
+            </a:r>
+            <a:r>
+              <a:rPr lang="de-DE" baseline="0" dirty="0"/>
+              <a:t> </a:t>
+            </a:r>
+            <a:r>
+              <a:rPr lang="de-DE" baseline="0" dirty="0" err="1"/>
+              <a:t>state</a:t>
+            </a:r>
+            <a:r>
+              <a:rPr lang="de-DE" baseline="0" dirty="0"/>
+              <a:t> </a:t>
+            </a:r>
+            <a:r>
+              <a:rPr lang="de-DE" baseline="0" dirty="0" err="1"/>
+              <a:t>of</a:t>
+            </a:r>
+            <a:r>
+              <a:rPr lang="de-DE" baseline="0" dirty="0"/>
+              <a:t> </a:t>
+            </a:r>
+            <a:r>
+              <a:rPr lang="de-DE" baseline="0" dirty="0" err="1"/>
+              <a:t>its</a:t>
+            </a:r>
+            <a:r>
+              <a:rPr lang="de-DE" baseline="0" dirty="0"/>
+              <a:t> r/w </a:t>
+            </a:r>
+            <a:r>
+              <a:rPr lang="de-DE" baseline="0" dirty="0" err="1"/>
+              <a:t>file</a:t>
+            </a:r>
+            <a:r>
+              <a:rPr lang="de-DE" baseline="0" dirty="0"/>
+              <a:t> </a:t>
+            </a:r>
+            <a:r>
+              <a:rPr lang="de-DE" baseline="0" dirty="0" err="1"/>
+              <a:t>system</a:t>
+            </a:r>
+            <a:r>
+              <a:rPr lang="de-DE" baseline="0" dirty="0"/>
+              <a:t> </a:t>
+            </a:r>
+            <a:r>
+              <a:rPr lang="de-DE" baseline="0" dirty="0" err="1"/>
+              <a:t>layer</a:t>
+            </a:r>
+            <a:r>
+              <a:rPr lang="de-DE" baseline="0" dirty="0"/>
+              <a:t> (</a:t>
+            </a:r>
+            <a:r>
+              <a:rPr lang="de-DE" baseline="0" dirty="0" err="1"/>
+              <a:t>you</a:t>
+            </a:r>
+            <a:r>
+              <a:rPr lang="de-DE" baseline="0" dirty="0"/>
+              <a:t> </a:t>
+            </a:r>
+            <a:r>
+              <a:rPr lang="de-DE" baseline="0" dirty="0" err="1"/>
+              <a:t>see</a:t>
+            </a:r>
+            <a:r>
+              <a:rPr lang="de-DE" baseline="0" dirty="0"/>
+              <a:t> </a:t>
+            </a:r>
+            <a:r>
+              <a:rPr lang="de-DE" baseline="0" dirty="0" err="1"/>
+              <a:t>them</a:t>
+            </a:r>
+            <a:r>
+              <a:rPr lang="de-DE" baseline="0" dirty="0"/>
+              <a:t> </a:t>
+            </a:r>
+            <a:r>
+              <a:rPr lang="de-DE" baseline="0" dirty="0" err="1"/>
+              <a:t>when</a:t>
+            </a:r>
+            <a:r>
+              <a:rPr lang="de-DE" baseline="0" dirty="0"/>
+              <a:t> </a:t>
+            </a:r>
+            <a:r>
+              <a:rPr lang="de-DE" baseline="0" dirty="0" err="1"/>
+              <a:t>you</a:t>
+            </a:r>
+            <a:r>
+              <a:rPr lang="de-DE" baseline="0" dirty="0"/>
+              <a:t> </a:t>
+            </a:r>
+            <a:r>
+              <a:rPr lang="de-DE" baseline="0" dirty="0" err="1"/>
+              <a:t>start</a:t>
+            </a:r>
+            <a:r>
+              <a:rPr lang="de-DE" baseline="0" dirty="0"/>
+              <a:t> </a:t>
+            </a:r>
+            <a:r>
+              <a:rPr lang="de-DE" baseline="0" dirty="0" err="1"/>
+              <a:t>the</a:t>
+            </a:r>
+            <a:r>
+              <a:rPr lang="de-DE" baseline="0" dirty="0"/>
+              <a:t> </a:t>
+            </a:r>
+            <a:r>
+              <a:rPr lang="de-DE" baseline="0" dirty="0" err="1"/>
+              <a:t>container</a:t>
+            </a:r>
+            <a:r>
+              <a:rPr lang="de-DE" baseline="0" dirty="0"/>
+              <a:t> </a:t>
+            </a:r>
+            <a:r>
+              <a:rPr lang="de-DE" baseline="0" dirty="0" err="1"/>
+              <a:t>again</a:t>
+            </a:r>
+            <a:r>
+              <a:rPr lang="de-DE" baseline="0" dirty="0"/>
+              <a:t>)</a:t>
+            </a:r>
           </a:p>
         </p:txBody>
       </p:sp>
@@ -1457,7 +3038,7 @@
             <a:fld id="{7D8C2C35-2B8A-446E-BEC0-FD36716C29AC}" type="slidenum">
               <a:rPr lang="de-DE" smtClean="0"/>
               <a:pPr/>
-              <a:t>8</a:t>
+              <a:t>7</a:t>
             </a:fld>
             <a:endParaRPr lang="de-DE" dirty="0"/>
           </a:p>
@@ -1466,7 +3047,7 @@
     </p:spTree>
     <p:extLst>
       <p:ext uri="{BB962C8B-B14F-4D97-AF65-F5344CB8AC3E}">
-        <p14:creationId xmlns:p14="http://schemas.microsoft.com/office/powerpoint/2010/main" val="1911736133"/>
+        <p14:creationId xmlns:p14="http://schemas.microsoft.com/office/powerpoint/2010/main" val="3835776146"/>
       </p:ext>
     </p:extLst>
   </p:cSld>
@@ -1521,78 +3102,17 @@
           <a:lstStyle/>
           <a:p>
             <a:r>
-              <a:rPr lang="en-US" noProof="0" dirty="0"/>
-              <a:t>Every docker host spins up a local private network. A container will get an IP address form this network to be reachable locally. So as long as all container are on the same host, they can communicate via this network. </a:t>
-            </a:r>
-          </a:p>
-          <a:p>
-            <a:endParaRPr lang="en-US" noProof="0" dirty="0"/>
-          </a:p>
-          <a:p>
-            <a:r>
-              <a:rPr lang="en-US" noProof="0" dirty="0"/>
-              <a:t>However, this is a very unlikely scenario. Probably there are more hosts involved or you want to expose your application to the outside. Docker supports network address translation to map a &lt;</a:t>
-            </a:r>
-            <a:r>
-              <a:rPr lang="en-US" noProof="0" dirty="0" err="1"/>
-              <a:t>container_ip</a:t>
-            </a:r>
-            <a:r>
-              <a:rPr lang="en-US" noProof="0" dirty="0"/>
-              <a:t>&gt;:&lt;port&gt; to a port on the external network interface of the docker host. If you have a container with 172.16.0.2:80 locally it could be exposed to the outside on 192.168.52.1:32710 (</a:t>
-            </a:r>
-            <a:r>
-              <a:rPr lang="en-US" noProof="0" dirty="0" err="1"/>
-              <a:t>ip</a:t>
-            </a:r>
-            <a:r>
-              <a:rPr lang="en-US" noProof="0" dirty="0"/>
-              <a:t> address of the docker host + unused port).</a:t>
-            </a:r>
-          </a:p>
-          <a:p>
-            <a:endParaRPr lang="en-US" noProof="0" dirty="0"/>
-          </a:p>
-          <a:p>
-            <a:r>
-              <a:rPr lang="en-US" noProof="0" dirty="0"/>
-              <a:t>This feature is called port forwarding and docker knows two flavors of it.</a:t>
-            </a:r>
-          </a:p>
-          <a:p>
-            <a:pPr marL="342900" indent="-342900">
-              <a:buAutoNum type="arabicParenR"/>
-            </a:pPr>
-            <a:r>
-              <a:rPr lang="en-US" noProof="0" dirty="0"/>
-              <a:t>Map a dedicated host port to a container port – this has to be specified manually. So you have to keep track of all your used ports in order to avoid conflicts. Use the “-p” (lower case) switch and specify host port &amp; container port.</a:t>
-            </a:r>
-          </a:p>
-          <a:p>
-            <a:pPr marL="342900" indent="-342900">
-              <a:buAutoNum type="arabicParenR"/>
-            </a:pPr>
-            <a:r>
-              <a:rPr lang="en-US" noProof="0" dirty="0"/>
-              <a:t>Map a random port to a container port. Use the “-P” (upper case) switch. Docker detects the ports a container exposes and automatically assigns an unused port. Check with “docker </a:t>
-            </a:r>
-            <a:r>
-              <a:rPr lang="en-US" noProof="0" dirty="0" err="1"/>
-              <a:t>ps</a:t>
-            </a:r>
-            <a:r>
-              <a:rPr lang="en-US" noProof="0" dirty="0"/>
-              <a:t>” or “docker container list”, which port was assigned.</a:t>
-            </a:r>
-          </a:p>
-          <a:p>
-            <a:pPr marL="342900" indent="-342900">
-              <a:buAutoNum type="arabicParenR"/>
-            </a:pPr>
-            <a:endParaRPr lang="en-US" noProof="0" dirty="0"/>
-          </a:p>
-          <a:p>
-            <a:endParaRPr lang="en-US" noProof="0" dirty="0"/>
+              <a:rPr lang="en-US" dirty="0"/>
+              <a:t>To be able to connect to the container in an interactive shell session, again -</a:t>
+            </a:r>
+            <a:r>
+              <a:rPr lang="en-US" dirty="0" err="1"/>
+              <a:t>i</a:t>
+            </a:r>
+            <a:r>
+              <a:rPr lang="en-US" dirty="0"/>
+              <a:t> and -t are required. They can be combined to -it.</a:t>
+            </a:r>
           </a:p>
         </p:txBody>
       </p:sp>
@@ -1614,7 +3134,7 @@
             <a:fld id="{7D8C2C35-2B8A-446E-BEC0-FD36716C29AC}" type="slidenum">
               <a:rPr lang="de-DE" smtClean="0"/>
               <a:pPr/>
-              <a:t>12</a:t>
+              <a:t>8</a:t>
             </a:fld>
             <a:endParaRPr lang="de-DE" dirty="0"/>
           </a:p>
@@ -1623,7 +3143,7 @@
     </p:spTree>
     <p:extLst>
       <p:ext uri="{BB962C8B-B14F-4D97-AF65-F5344CB8AC3E}">
-        <p14:creationId xmlns:p14="http://schemas.microsoft.com/office/powerpoint/2010/main" val="173039225"/>
+        <p14:creationId xmlns:p14="http://schemas.microsoft.com/office/powerpoint/2010/main" val="2932883560"/>
       </p:ext>
     </p:extLst>
   </p:cSld>
@@ -1674,93 +3194,10 @@
         </p:nvSpPr>
         <p:spPr/>
         <p:txBody>
-          <a:bodyPr>
-            <a:normAutofit fontScale="92500"/>
-          </a:bodyPr>
+          <a:bodyPr/>
           <a:lstStyle/>
           <a:p>
-            <a:r>
-              <a:rPr lang="en-US" noProof="0" dirty="0"/>
-              <a:t>Since it is not recommendable to store data in a docker container, adding a persistence is quite important. With the volumes API it is possible to assign persistent storage to a container. </a:t>
-            </a:r>
-          </a:p>
-          <a:p>
-            <a:endParaRPr lang="en-US" noProof="0" dirty="0"/>
-          </a:p>
-          <a:p>
-            <a:r>
-              <a:rPr lang="en-US" noProof="0" dirty="0"/>
-              <a:t>Docker supports 2 ways of doing so:</a:t>
-            </a:r>
-          </a:p>
-          <a:p>
-            <a:pPr marL="342900" indent="-342900">
-              <a:buAutoNum type="arabicParenR"/>
-            </a:pPr>
-            <a:r>
-              <a:rPr lang="en-US" b="1" noProof="0" dirty="0"/>
-              <a:t>Bind mounts: </a:t>
-            </a:r>
-            <a:r>
-              <a:rPr lang="en-US" noProof="0" dirty="0"/>
-              <a:t>mount a local host directory onto a certain path in the container. Everything that was present before in the target directory is hidden (nature of the bind mount). For example, if you have some configuration you want to inject, write your config file, store it on your docker host at /home/container/config and mount the content of this directory to /</a:t>
-            </a:r>
-            <a:r>
-              <a:rPr lang="en-US" noProof="0" dirty="0" err="1"/>
-              <a:t>usr</a:t>
-            </a:r>
-            <a:r>
-              <a:rPr lang="en-US" noProof="0" dirty="0"/>
-              <a:t>/application/config (assuming the application reads config from there).  </a:t>
-            </a:r>
-          </a:p>
-          <a:p>
-            <a:pPr marL="342900" indent="-342900">
-              <a:buAutoNum type="arabicParenR"/>
-            </a:pPr>
-            <a:r>
-              <a:rPr lang="en-US" b="1" noProof="0" dirty="0"/>
-              <a:t>Named volumes: </a:t>
-            </a:r>
-            <a:r>
-              <a:rPr lang="en-US" noProof="0" dirty="0"/>
-              <a:t>docker can create a separated storage volume. Its lifecycle is independent from the container but still managed by docker. Upon creation, the content of the mount target is merged into the volume. </a:t>
-            </a:r>
-          </a:p>
-          <a:p>
-            <a:pPr marL="0" indent="0">
-              <a:buNone/>
-            </a:pPr>
-            <a:endParaRPr lang="en-US" noProof="0" dirty="0"/>
-          </a:p>
-          <a:p>
-            <a:pPr marL="0" indent="0">
-              <a:buNone/>
-            </a:pPr>
-            <a:r>
-              <a:rPr lang="en-US" noProof="0" dirty="0"/>
-              <a:t>How to differentiate between bind mounts and named volumes? When specifying an absolute path, docker assumes a bind mount. When you just give a name (like in a relative path “config”), it will assume a named volume and create a volume “config”.</a:t>
-            </a:r>
-          </a:p>
-          <a:p>
-            <a:pPr marL="0" indent="0">
-              <a:buNone/>
-            </a:pPr>
-            <a:endParaRPr lang="en-US" noProof="0" dirty="0"/>
-          </a:p>
-          <a:p>
-            <a:pPr marL="0" indent="0">
-              <a:buNone/>
-            </a:pPr>
-            <a:r>
-              <a:rPr lang="en-US" noProof="0" dirty="0"/>
-              <a:t>Note: Persistent storage is 'provided' by the host. It can be a part of the file system on the host directly but also an </a:t>
-            </a:r>
-            <a:r>
-              <a:rPr lang="en-US" noProof="0"/>
-              <a:t>NFS mount. </a:t>
-            </a:r>
-            <a:endParaRPr lang="en-US" noProof="0" dirty="0"/>
+            <a:endParaRPr lang="en-US" dirty="0"/>
           </a:p>
         </p:txBody>
       </p:sp>
@@ -1782,7 +3219,7 @@
             <a:fld id="{7D8C2C35-2B8A-446E-BEC0-FD36716C29AC}" type="slidenum">
               <a:rPr lang="de-DE" smtClean="0"/>
               <a:pPr/>
-              <a:t>13</a:t>
+              <a:t>10</a:t>
             </a:fld>
             <a:endParaRPr lang="de-DE" dirty="0"/>
           </a:p>
@@ -1791,7 +3228,7 @@
     </p:spTree>
     <p:extLst>
       <p:ext uri="{BB962C8B-B14F-4D97-AF65-F5344CB8AC3E}">
-        <p14:creationId xmlns:p14="http://schemas.microsoft.com/office/powerpoint/2010/main" val="386189332"/>
+        <p14:creationId xmlns:p14="http://schemas.microsoft.com/office/powerpoint/2010/main" val="1911736133"/>
       </p:ext>
     </p:extLst>
   </p:cSld>
@@ -1820,6 +3257,37 @@
       </p:grpSpPr>
       <p:sp>
         <p:nvSpPr>
+          <p:cNvPr id="2" name="Slide Image Placeholder 1"/>
+          <p:cNvSpPr>
+            <a:spLocks noGrp="1" noRot="1" noChangeAspect="1"/>
+          </p:cNvSpPr>
+          <p:nvPr>
+            <p:ph type="sldImg"/>
+          </p:nvPr>
+        </p:nvSpPr>
+        <p:spPr/>
+      </p:sp>
+      <p:sp>
+        <p:nvSpPr>
+          <p:cNvPr id="3" name="Notes Placeholder 2"/>
+          <p:cNvSpPr>
+            <a:spLocks noGrp="1"/>
+          </p:cNvSpPr>
+          <p:nvPr>
+            <p:ph type="body" idx="1"/>
+          </p:nvPr>
+        </p:nvSpPr>
+        <p:spPr/>
+        <p:txBody>
+          <a:bodyPr/>
+          <a:lstStyle/>
+          <a:p>
+            <a:endParaRPr lang="en-US" dirty="0"/>
+          </a:p>
+        </p:txBody>
+      </p:sp>
+      <p:sp>
+        <p:nvSpPr>
           <p:cNvPr id="4" name="Slide Number Placeholder 3"/>
           <p:cNvSpPr>
             <a:spLocks noGrp="1"/>
@@ -1836,15 +3304,45 @@
             <a:fld id="{7D8C2C35-2B8A-446E-BEC0-FD36716C29AC}" type="slidenum">
               <a:rPr lang="de-DE" smtClean="0"/>
               <a:pPr/>
-              <a:t>14</a:t>
+              <a:t>13</a:t>
             </a:fld>
             <a:endParaRPr lang="de-DE" dirty="0"/>
           </a:p>
         </p:txBody>
       </p:sp>
+    </p:spTree>
+    <p:extLst>
+      <p:ext uri="{BB962C8B-B14F-4D97-AF65-F5344CB8AC3E}">
+        <p14:creationId xmlns:p14="http://schemas.microsoft.com/office/powerpoint/2010/main" val="10782824"/>
+      </p:ext>
+    </p:extLst>
+  </p:cSld>
+  <p:clrMapOvr>
+    <a:masterClrMapping/>
+  </p:clrMapOvr>
+</p:notes>
+</file>
+
+<file path=ppt/notesSlides/notesSlide9.xml><?xml version="1.0" encoding="utf-8"?>
+<p:notes xmlns:a="http://schemas.openxmlformats.org/drawingml/2006/main" xmlns:r="http://schemas.openxmlformats.org/officeDocument/2006/relationships" xmlns:p="http://schemas.openxmlformats.org/presentationml/2006/main">
+  <p:cSld>
+    <p:spTree>
+      <p:nvGrpSpPr>
+        <p:cNvPr id="1" name=""/>
+        <p:cNvGrpSpPr/>
+        <p:nvPr/>
+      </p:nvGrpSpPr>
+      <p:grpSpPr>
+        <a:xfrm>
+          <a:off x="0" y="0"/>
+          <a:ext cx="0" cy="0"/>
+          <a:chOff x="0" y="0"/>
+          <a:chExt cx="0" cy="0"/>
+        </a:xfrm>
+      </p:grpSpPr>
       <p:sp>
         <p:nvSpPr>
-          <p:cNvPr id="6" name="Slide Image Placeholder 5"/>
+          <p:cNvPr id="2" name="Slide Image Placeholder 1"/>
           <p:cNvSpPr>
             <a:spLocks noGrp="1" noRot="1" noChangeAspect="1"/>
           </p:cNvSpPr>
@@ -1852,16 +3350,11 @@
             <p:ph type="sldImg"/>
           </p:nvPr>
         </p:nvSpPr>
-        <p:spPr>
-          <a:xfrm>
-            <a:off x="547688" y="612775"/>
-            <a:ext cx="5762625" cy="3241675"/>
-          </a:xfrm>
-        </p:spPr>
+        <p:spPr/>
       </p:sp>
       <p:sp>
         <p:nvSpPr>
-          <p:cNvPr id="7" name="Notes Placeholder 6"/>
+          <p:cNvPr id="3" name="Notes Placeholder 2"/>
           <p:cNvSpPr>
             <a:spLocks noGrp="1"/>
           </p:cNvSpPr>
@@ -1871,19 +3364,113 @@
         </p:nvSpPr>
         <p:spPr/>
         <p:txBody>
-          <a:bodyPr>
-            <a:normAutofit/>
-          </a:bodyPr>
+          <a:bodyPr/>
           <a:lstStyle/>
           <a:p>
-            <a:endParaRPr lang="en-US"/>
+            <a:r>
+              <a:rPr lang="en-US" noProof="0" dirty="0"/>
+              <a:t>Every docker host spins up a local private network. A container will get an IP address form this network to be reachable locally. So as long as all container are on the same host, they can communicate via this network. </a:t>
+            </a:r>
+          </a:p>
+          <a:p>
+            <a:endParaRPr lang="en-US" noProof="0" dirty="0"/>
+          </a:p>
+          <a:p>
+            <a:r>
+              <a:rPr lang="en-US" noProof="0" dirty="0"/>
+              <a:t>However, this is a very unlikely scenario. Probably there are more hosts involved or you want to expose your application to the outside. Docker supports network address translation to map a &lt;</a:t>
+            </a:r>
+            <a:r>
+              <a:rPr lang="en-US" noProof="0" dirty="0" err="1"/>
+              <a:t>container_ip</a:t>
+            </a:r>
+            <a:r>
+              <a:rPr lang="en-US" noProof="0" dirty="0"/>
+              <a:t>&gt;:&lt;port&gt; to a port on the external network interface of the docker host. If you have a container with 172.16.0.2:80 locally it could be exposed to the outside on 192.168.52.1:32710 (</a:t>
+            </a:r>
+            <a:r>
+              <a:rPr lang="en-US" noProof="0" dirty="0" err="1"/>
+              <a:t>ip</a:t>
+            </a:r>
+            <a:r>
+              <a:rPr lang="en-US" noProof="0" dirty="0"/>
+              <a:t> address of the docker host + unused port).</a:t>
+            </a:r>
+          </a:p>
+          <a:p>
+            <a:endParaRPr lang="en-US" noProof="0" dirty="0"/>
+          </a:p>
+          <a:p>
+            <a:r>
+              <a:rPr lang="en-US" noProof="0" dirty="0"/>
+              <a:t>This feature is called port forwarding and docker knows two flavors of it.</a:t>
+            </a:r>
+          </a:p>
+          <a:p>
+            <a:pPr marL="342900" indent="-342900">
+              <a:buAutoNum type="arabicParenR"/>
+            </a:pPr>
+            <a:r>
+              <a:rPr lang="en-US" noProof="0" dirty="0"/>
+              <a:t>Map a dedicated host port to a container port – this has to be specified manually. So you have to keep track of all your used ports in order to avoid conflicts. Use the “-p” (lower case) switch and specify host port &amp; container port.</a:t>
+            </a:r>
+          </a:p>
+          <a:p>
+            <a:pPr marL="342900" indent="-342900">
+              <a:buAutoNum type="arabicParenR"/>
+            </a:pPr>
+            <a:r>
+              <a:rPr lang="en-US" noProof="0" dirty="0"/>
+              <a:t>Map a random port to a container port. Use the “-P” (upper case) switch. Docker detects the ports a container exposes and automatically assigns an unused port. Check with “docker </a:t>
+            </a:r>
+            <a:r>
+              <a:rPr lang="en-US" noProof="0" dirty="0" err="1"/>
+              <a:t>ps</a:t>
+            </a:r>
+            <a:r>
+              <a:rPr lang="en-US" noProof="0" dirty="0"/>
+              <a:t>” or “docker container list”, which port was assigned.</a:t>
+            </a:r>
+          </a:p>
+          <a:p>
+            <a:pPr marL="342900" indent="-342900">
+              <a:buAutoNum type="arabicParenR"/>
+            </a:pPr>
+            <a:endParaRPr lang="en-US" noProof="0" dirty="0"/>
+          </a:p>
+          <a:p>
+            <a:endParaRPr lang="en-US" noProof="0" dirty="0"/>
+          </a:p>
+        </p:txBody>
+      </p:sp>
+      <p:sp>
+        <p:nvSpPr>
+          <p:cNvPr id="4" name="Slide Number Placeholder 3"/>
+          <p:cNvSpPr>
+            <a:spLocks noGrp="1"/>
+          </p:cNvSpPr>
+          <p:nvPr>
+            <p:ph type="sldNum" sz="quarter" idx="10"/>
+          </p:nvPr>
+        </p:nvSpPr>
+        <p:spPr/>
+        <p:txBody>
+          <a:bodyPr/>
+          <a:lstStyle/>
+          <a:p>
+            <a:fld id="{7D8C2C35-2B8A-446E-BEC0-FD36716C29AC}" type="slidenum">
+              <a:rPr lang="de-DE" smtClean="0"/>
+              <a:pPr/>
+              <a:t>15</a:t>
+            </a:fld>
+            <a:endParaRPr lang="de-DE" dirty="0"/>
           </a:p>
         </p:txBody>
       </p:sp>
     </p:spTree>
     <p:extLst>
       <p:ext uri="{BB962C8B-B14F-4D97-AF65-F5344CB8AC3E}">
-        <p14:creationId xmlns:p14="http://schemas.microsoft.com/office/powerpoint/2010/main" val="2544264309"/>
+        <p14:creationId xmlns:p14="http://schemas.microsoft.com/office/powerpoint/2010/main" val="173039225"/>
       </p:ext>
     </p:extLst>
   </p:cSld>
@@ -9482,6 +11069,1011 @@
           <a:p>
             <a:r>
               <a:rPr lang="en-US" dirty="0"/>
+              <a:t>Stopping a container</a:t>
+            </a:r>
+          </a:p>
+        </p:txBody>
+      </p:sp>
+      <p:sp>
+        <p:nvSpPr>
+          <p:cNvPr id="6" name="Text Placeholder 10"/>
+          <p:cNvSpPr>
+            <a:spLocks noGrp="1"/>
+          </p:cNvSpPr>
+          <p:nvPr>
+            <p:ph type="body" sz="quarter" idx="10"/>
+          </p:nvPr>
+        </p:nvSpPr>
+        <p:spPr>
+          <a:xfrm>
+            <a:off x="503999" y="1620000"/>
+            <a:ext cx="11186477" cy="4230000"/>
+          </a:xfrm>
+        </p:spPr>
+        <p:txBody>
+          <a:bodyPr/>
+          <a:lstStyle/>
+          <a:p>
+            <a:pPr lvl="0"/>
+            <a:r>
+              <a:rPr lang="en-US" sz="1800" dirty="0"/>
+              <a:t>A container can be forcibly stopped</a:t>
+            </a:r>
+          </a:p>
+          <a:p>
+            <a:pPr lvl="1"/>
+            <a:r>
+              <a:rPr lang="en-US" sz="1600" dirty="0"/>
+              <a:t>necessary for containers with daemon processes</a:t>
+            </a:r>
+          </a:p>
+          <a:p>
+            <a:pPr lvl="1"/>
+            <a:r>
+              <a:rPr lang="en-US" sz="1600" dirty="0"/>
+              <a:t>friendly termination with SIGTERM, after timeout (default 10 seconds) with SIGKILL *</a:t>
+            </a:r>
+          </a:p>
+          <a:p>
+            <a:pPr lvl="1"/>
+            <a:endParaRPr lang="en-US" sz="1600" dirty="0"/>
+          </a:p>
+        </p:txBody>
+      </p:sp>
+      <p:sp>
+        <p:nvSpPr>
+          <p:cNvPr id="7" name="Rectangle: Rounded Corners 6"/>
+          <p:cNvSpPr/>
+          <p:nvPr/>
+        </p:nvSpPr>
+        <p:spPr bwMode="gray">
+          <a:xfrm>
+            <a:off x="686701" y="2558294"/>
+            <a:ext cx="7312170" cy="276513"/>
+          </a:xfrm>
+          <a:prstGeom prst="roundRect">
+            <a:avLst/>
+          </a:prstGeom>
+          <a:solidFill>
+            <a:schemeClr val="accent1">
+              <a:lumMod val="20000"/>
+              <a:lumOff val="80000"/>
+            </a:schemeClr>
+          </a:solidFill>
+          <a:ln w="6350" algn="ctr">
+            <a:noFill/>
+            <a:miter lim="800000"/>
+            <a:headEnd/>
+            <a:tailEnd/>
+          </a:ln>
+        </p:spPr>
+        <p:txBody>
+          <a:bodyPr lIns="90000" tIns="72000" rIns="90000" bIns="72000" rtlCol="0" anchor="ctr"/>
+          <a:lstStyle/>
+          <a:p>
+            <a:pPr marL="179387" lvl="2" indent="0">
+              <a:buNone/>
+            </a:pPr>
+            <a:r>
+              <a:rPr lang="en-US" sz="1400" b="1" dirty="0">
+                <a:latin typeface="Courier New" panose="02070309020205020404" pitchFamily="49" charset="0"/>
+                <a:cs typeface="Courier New" panose="02070309020205020404" pitchFamily="49" charset="0"/>
+              </a:rPr>
+              <a:t>$ </a:t>
+            </a:r>
+            <a:r>
+              <a:rPr lang="en-US" sz="1400" dirty="0" err="1">
+                <a:latin typeface="Courier New" panose="02070309020205020404" pitchFamily="49" charset="0"/>
+                <a:cs typeface="Courier New" panose="02070309020205020404" pitchFamily="49" charset="0"/>
+              </a:rPr>
+              <a:t>docker</a:t>
+            </a:r>
+            <a:r>
+              <a:rPr lang="en-US" sz="1400" b="1" dirty="0">
+                <a:latin typeface="Courier New" panose="02070309020205020404" pitchFamily="49" charset="0"/>
+                <a:cs typeface="Courier New" panose="02070309020205020404" pitchFamily="49" charset="0"/>
+              </a:rPr>
+              <a:t> stop </a:t>
+            </a:r>
+            <a:r>
+              <a:rPr lang="en-US" sz="1400" i="1" dirty="0">
+                <a:latin typeface="Courier New" panose="02070309020205020404" pitchFamily="49" charset="0"/>
+                <a:cs typeface="Courier New" panose="02070309020205020404" pitchFamily="49" charset="0"/>
+              </a:rPr>
+              <a:t>&lt;container ID or name&gt;</a:t>
+            </a:r>
+          </a:p>
+        </p:txBody>
+      </p:sp>
+      <p:sp>
+        <p:nvSpPr>
+          <p:cNvPr id="9" name="Rectangle: Rounded Corners 8"/>
+          <p:cNvSpPr/>
+          <p:nvPr/>
+        </p:nvSpPr>
+        <p:spPr bwMode="gray">
+          <a:xfrm>
+            <a:off x="686701" y="3249224"/>
+            <a:ext cx="10728147" cy="2322901"/>
+          </a:xfrm>
+          <a:prstGeom prst="roundRect">
+            <a:avLst>
+              <a:gd name="adj" fmla="val 8296"/>
+            </a:avLst>
+          </a:prstGeom>
+          <a:pattFill prst="narHorz">
+            <a:fgClr>
+              <a:schemeClr val="tx1"/>
+            </a:fgClr>
+            <a:bgClr>
+              <a:srgbClr val="112806"/>
+            </a:bgClr>
+          </a:pattFill>
+          <a:ln w="6350" algn="ctr">
+            <a:noFill/>
+            <a:miter lim="800000"/>
+            <a:headEnd/>
+            <a:tailEnd/>
+          </a:ln>
+        </p:spPr>
+        <p:txBody>
+          <a:bodyPr lIns="90000" tIns="72000" rIns="90000" bIns="72000" rtlCol="0" anchor="t"/>
+          <a:lstStyle/>
+          <a:p>
+            <a:pPr defTabSz="914400" fontAlgn="base">
+              <a:spcAft>
+                <a:spcPct val="0"/>
+              </a:spcAft>
+              <a:buClr>
+                <a:srgbClr val="F0AB00"/>
+              </a:buClr>
+              <a:buSzPct val="80000"/>
+            </a:pPr>
+            <a:r>
+              <a:rPr lang="en-US" sz="1200" b="1" kern="0" dirty="0">
+                <a:solidFill>
+                  <a:schemeClr val="bg1"/>
+                </a:solidFill>
+                <a:latin typeface="Courier New" panose="02070309020205020404" pitchFamily="49" charset="0"/>
+                <a:ea typeface="Arial Unicode MS" pitchFamily="34" charset="-128"/>
+                <a:cs typeface="Courier New" panose="02070309020205020404" pitchFamily="49" charset="0"/>
+              </a:rPr>
+              <a:t>$ docker container list</a:t>
+            </a:r>
+          </a:p>
+          <a:p>
+            <a:pPr defTabSz="914400" fontAlgn="base">
+              <a:spcAft>
+                <a:spcPct val="0"/>
+              </a:spcAft>
+              <a:buClr>
+                <a:srgbClr val="F0AB00"/>
+              </a:buClr>
+              <a:buSzPct val="80000"/>
+            </a:pPr>
+            <a:r>
+              <a:rPr lang="en-US" sz="1200" kern="0" dirty="0">
+                <a:solidFill>
+                  <a:schemeClr val="bg1"/>
+                </a:solidFill>
+                <a:latin typeface="Arial monospaced for SAP" panose="020B0609020202030204" pitchFamily="49" charset="0"/>
+                <a:ea typeface="Arial Unicode MS" pitchFamily="34" charset="-128"/>
+                <a:cs typeface="Courier New" panose="02070309020205020404" pitchFamily="49" charset="0"/>
+              </a:rPr>
+              <a:t>CONTAINER ID    IMAGE       COMMAND          CREATED      STATUS        PORTS                    NAMES</a:t>
+            </a:r>
+          </a:p>
+          <a:p>
+            <a:pPr defTabSz="914400" fontAlgn="base">
+              <a:spcAft>
+                <a:spcPct val="0"/>
+              </a:spcAft>
+              <a:buClr>
+                <a:srgbClr val="F0AB00"/>
+              </a:buClr>
+              <a:buSzPct val="80000"/>
+            </a:pPr>
+            <a:r>
+              <a:rPr lang="en-US" sz="1200" kern="0" dirty="0">
+                <a:solidFill>
+                  <a:schemeClr val="bg1"/>
+                </a:solidFill>
+                <a:latin typeface="Arial monospaced for SAP" panose="020B0609020202030204" pitchFamily="49" charset="0"/>
+                <a:ea typeface="Arial Unicode MS" pitchFamily="34" charset="-128"/>
+                <a:cs typeface="Courier New" panose="02070309020205020404" pitchFamily="49" charset="0"/>
+              </a:rPr>
+              <a:t>494b7b8c9f39    mynginx1    "</a:t>
+            </a:r>
+            <a:r>
+              <a:rPr lang="en-US" sz="1200" kern="0" dirty="0" err="1">
+                <a:solidFill>
+                  <a:schemeClr val="bg1"/>
+                </a:solidFill>
+                <a:latin typeface="Arial monospaced for SAP" panose="020B0609020202030204" pitchFamily="49" charset="0"/>
+                <a:ea typeface="Arial Unicode MS" pitchFamily="34" charset="-128"/>
+                <a:cs typeface="Courier New" panose="02070309020205020404" pitchFamily="49" charset="0"/>
+              </a:rPr>
+              <a:t>nginx</a:t>
+            </a:r>
+            <a:r>
+              <a:rPr lang="en-US" sz="1200" kern="0" dirty="0">
+                <a:solidFill>
+                  <a:schemeClr val="bg1"/>
+                </a:solidFill>
+                <a:latin typeface="Arial monospaced for SAP" panose="020B0609020202030204" pitchFamily="49" charset="0"/>
+                <a:ea typeface="Arial Unicode MS" pitchFamily="34" charset="-128"/>
+                <a:cs typeface="Courier New" panose="02070309020205020404" pitchFamily="49" charset="0"/>
+              </a:rPr>
+              <a:t> -g ..."   7 days ago   Up 24 hours   0.0.0.0:32768-&gt;812/</a:t>
+            </a:r>
+            <a:r>
+              <a:rPr lang="en-US" sz="1200" kern="0" dirty="0" err="1">
+                <a:solidFill>
+                  <a:schemeClr val="bg1"/>
+                </a:solidFill>
+                <a:latin typeface="Arial monospaced for SAP" panose="020B0609020202030204" pitchFamily="49" charset="0"/>
+                <a:ea typeface="Arial Unicode MS" pitchFamily="34" charset="-128"/>
+                <a:cs typeface="Courier New" panose="02070309020205020404" pitchFamily="49" charset="0"/>
+              </a:rPr>
+              <a:t>tcp</a:t>
+            </a:r>
+            <a:r>
+              <a:rPr lang="en-US" sz="1200" kern="0" dirty="0">
+                <a:solidFill>
+                  <a:schemeClr val="bg1"/>
+                </a:solidFill>
+                <a:latin typeface="Arial monospaced for SAP" panose="020B0609020202030204" pitchFamily="49" charset="0"/>
+                <a:ea typeface="Arial Unicode MS" pitchFamily="34" charset="-128"/>
+                <a:cs typeface="Courier New" panose="02070309020205020404" pitchFamily="49" charset="0"/>
+              </a:rPr>
+              <a:t>   </a:t>
+            </a:r>
+            <a:r>
+              <a:rPr lang="en-US" sz="1200" kern="0" dirty="0" err="1">
+                <a:solidFill>
+                  <a:schemeClr val="bg1"/>
+                </a:solidFill>
+                <a:latin typeface="Arial monospaced for SAP" panose="020B0609020202030204" pitchFamily="49" charset="0"/>
+                <a:ea typeface="Arial Unicode MS" pitchFamily="34" charset="-128"/>
+                <a:cs typeface="Courier New" panose="02070309020205020404" pitchFamily="49" charset="0"/>
+              </a:rPr>
+              <a:t>happy_ride</a:t>
+            </a:r>
+            <a:endParaRPr lang="en-US" sz="1200" kern="0" dirty="0">
+              <a:solidFill>
+                <a:schemeClr val="bg1"/>
+              </a:solidFill>
+              <a:latin typeface="Arial monospaced for SAP" panose="020B0609020202030204" pitchFamily="49" charset="0"/>
+              <a:ea typeface="Arial Unicode MS" pitchFamily="34" charset="-128"/>
+              <a:cs typeface="Courier New" panose="02070309020205020404" pitchFamily="49" charset="0"/>
+            </a:endParaRPr>
+          </a:p>
+          <a:p>
+            <a:pPr defTabSz="914400" fontAlgn="base">
+              <a:spcAft>
+                <a:spcPct val="0"/>
+              </a:spcAft>
+              <a:buClr>
+                <a:srgbClr val="F0AB00"/>
+              </a:buClr>
+              <a:buSzPct val="80000"/>
+            </a:pPr>
+            <a:endParaRPr lang="en-US" sz="1200" b="1" kern="0" dirty="0">
+              <a:solidFill>
+                <a:schemeClr val="bg1"/>
+              </a:solidFill>
+              <a:latin typeface="Courier New" panose="02070309020205020404" pitchFamily="49" charset="0"/>
+              <a:ea typeface="Arial Unicode MS" pitchFamily="34" charset="-128"/>
+              <a:cs typeface="Courier New" panose="02070309020205020404" pitchFamily="49" charset="0"/>
+            </a:endParaRPr>
+          </a:p>
+          <a:p>
+            <a:pPr defTabSz="914400" fontAlgn="base">
+              <a:spcAft>
+                <a:spcPct val="0"/>
+              </a:spcAft>
+              <a:buClr>
+                <a:srgbClr val="F0AB00"/>
+              </a:buClr>
+              <a:buSzPct val="80000"/>
+            </a:pPr>
+            <a:r>
+              <a:rPr lang="en-US" sz="1200" b="1" kern="0" dirty="0">
+                <a:solidFill>
+                  <a:schemeClr val="bg1"/>
+                </a:solidFill>
+                <a:latin typeface="Courier New" panose="02070309020205020404" pitchFamily="49" charset="0"/>
+                <a:ea typeface="Arial Unicode MS" pitchFamily="34" charset="-128"/>
+                <a:cs typeface="Courier New" panose="02070309020205020404" pitchFamily="49" charset="0"/>
+              </a:rPr>
+              <a:t>$ docker container stop -t 5 </a:t>
+            </a:r>
+            <a:r>
+              <a:rPr lang="en-US" sz="1200" b="1" kern="0" dirty="0" err="1">
+                <a:solidFill>
+                  <a:schemeClr val="bg1"/>
+                </a:solidFill>
+                <a:latin typeface="Courier New" panose="02070309020205020404" pitchFamily="49" charset="0"/>
+                <a:ea typeface="Arial Unicode MS" pitchFamily="34" charset="-128"/>
+                <a:cs typeface="Courier New" panose="02070309020205020404" pitchFamily="49" charset="0"/>
+              </a:rPr>
+              <a:t>happy_ride</a:t>
+            </a:r>
+            <a:endParaRPr lang="en-US" sz="1200" b="1" kern="0" dirty="0">
+              <a:solidFill>
+                <a:schemeClr val="bg1"/>
+              </a:solidFill>
+              <a:latin typeface="Courier New" panose="02070309020205020404" pitchFamily="49" charset="0"/>
+              <a:ea typeface="Arial Unicode MS" pitchFamily="34" charset="-128"/>
+              <a:cs typeface="Courier New" panose="02070309020205020404" pitchFamily="49" charset="0"/>
+            </a:endParaRPr>
+          </a:p>
+          <a:p>
+            <a:pPr defTabSz="914400" fontAlgn="base">
+              <a:spcAft>
+                <a:spcPct val="0"/>
+              </a:spcAft>
+              <a:buClr>
+                <a:srgbClr val="F0AB00"/>
+              </a:buClr>
+              <a:buSzPct val="80000"/>
+            </a:pPr>
+            <a:r>
+              <a:rPr lang="en-US" sz="1200" kern="0" dirty="0">
+                <a:solidFill>
+                  <a:schemeClr val="bg1"/>
+                </a:solidFill>
+                <a:latin typeface="Arial monospaced for SAP" panose="020B0609020202030204" pitchFamily="49" charset="0"/>
+                <a:ea typeface="Arial Unicode MS" pitchFamily="34" charset="-128"/>
+                <a:cs typeface="Courier New" panose="02070309020205020404" pitchFamily="49" charset="0"/>
+              </a:rPr>
+              <a:t>494b7b8c9f39</a:t>
+            </a:r>
+          </a:p>
+          <a:p>
+            <a:pPr defTabSz="914400" fontAlgn="base">
+              <a:spcAft>
+                <a:spcPct val="0"/>
+              </a:spcAft>
+              <a:buClr>
+                <a:srgbClr val="F0AB00"/>
+              </a:buClr>
+              <a:buSzPct val="80000"/>
+            </a:pPr>
+            <a:endParaRPr lang="en-US" sz="1200" b="1" kern="0" dirty="0">
+              <a:solidFill>
+                <a:schemeClr val="bg1"/>
+              </a:solidFill>
+              <a:latin typeface="Courier New" panose="02070309020205020404" pitchFamily="49" charset="0"/>
+              <a:ea typeface="Arial Unicode MS" pitchFamily="34" charset="-128"/>
+              <a:cs typeface="Courier New" panose="02070309020205020404" pitchFamily="49" charset="0"/>
+            </a:endParaRPr>
+          </a:p>
+          <a:p>
+            <a:pPr defTabSz="914400" fontAlgn="base">
+              <a:spcAft>
+                <a:spcPct val="0"/>
+              </a:spcAft>
+              <a:buClr>
+                <a:srgbClr val="F0AB00"/>
+              </a:buClr>
+              <a:buSzPct val="80000"/>
+            </a:pPr>
+            <a:r>
+              <a:rPr lang="en-US" sz="1200" b="1" kern="0" dirty="0">
+                <a:solidFill>
+                  <a:schemeClr val="bg1"/>
+                </a:solidFill>
+                <a:latin typeface="Courier New" panose="02070309020205020404" pitchFamily="49" charset="0"/>
+                <a:ea typeface="Arial Unicode MS" pitchFamily="34" charset="-128"/>
+                <a:cs typeface="Courier New" panose="02070309020205020404" pitchFamily="49" charset="0"/>
+              </a:rPr>
+              <a:t>$ docker container list</a:t>
+            </a:r>
+          </a:p>
+          <a:p>
+            <a:pPr defTabSz="914400" fontAlgn="base">
+              <a:spcAft>
+                <a:spcPct val="0"/>
+              </a:spcAft>
+              <a:buClr>
+                <a:srgbClr val="F0AB00"/>
+              </a:buClr>
+              <a:buSzPct val="80000"/>
+            </a:pPr>
+            <a:r>
+              <a:rPr lang="en-US" sz="1200" kern="0" dirty="0">
+                <a:solidFill>
+                  <a:schemeClr val="bg1"/>
+                </a:solidFill>
+                <a:latin typeface="Arial monospaced for SAP" panose="020B0609020202030204" pitchFamily="49" charset="0"/>
+                <a:ea typeface="Arial Unicode MS" pitchFamily="34" charset="-128"/>
+                <a:cs typeface="Courier New" panose="02070309020205020404" pitchFamily="49" charset="0"/>
+              </a:rPr>
+              <a:t>CONTAINER ID    IMAGE       COMMAND          CREATED      STATUS        PORTS                    NAMES</a:t>
+            </a:r>
+          </a:p>
+          <a:p>
+            <a:pPr defTabSz="914400" fontAlgn="base">
+              <a:spcAft>
+                <a:spcPct val="0"/>
+              </a:spcAft>
+              <a:buClr>
+                <a:srgbClr val="F0AB00"/>
+              </a:buClr>
+              <a:buSzPct val="80000"/>
+            </a:pPr>
+            <a:endParaRPr lang="en-US" sz="1200" kern="0" dirty="0">
+              <a:solidFill>
+                <a:schemeClr val="bg1"/>
+              </a:solidFill>
+              <a:latin typeface="Arial monospaced for SAP" panose="020B0609020202030204" pitchFamily="49" charset="0"/>
+              <a:ea typeface="Arial Unicode MS" pitchFamily="34" charset="-128"/>
+              <a:cs typeface="Courier New" panose="02070309020205020404" pitchFamily="49" charset="0"/>
+            </a:endParaRPr>
+          </a:p>
+          <a:p>
+            <a:pPr defTabSz="914400" fontAlgn="base">
+              <a:spcAft>
+                <a:spcPct val="0"/>
+              </a:spcAft>
+              <a:buClr>
+                <a:srgbClr val="F0AB00"/>
+              </a:buClr>
+              <a:buSzPct val="80000"/>
+            </a:pPr>
+            <a:r>
+              <a:rPr lang="en-US" sz="1200" b="1" kern="0" dirty="0">
+                <a:solidFill>
+                  <a:schemeClr val="bg1"/>
+                </a:solidFill>
+                <a:latin typeface="Courier New" panose="02070309020205020404" pitchFamily="49" charset="0"/>
+                <a:ea typeface="Arial Unicode MS" pitchFamily="34" charset="-128"/>
+                <a:cs typeface="Courier New" panose="02070309020205020404" pitchFamily="49" charset="0"/>
+              </a:rPr>
+              <a:t>$</a:t>
+            </a:r>
+          </a:p>
+        </p:txBody>
+      </p:sp>
+      <p:sp>
+        <p:nvSpPr>
+          <p:cNvPr id="2" name="TextBox 1">
+            <a:extLst>
+              <a:ext uri="{FF2B5EF4-FFF2-40B4-BE49-F238E27FC236}">
+                <a16:creationId xmlns:a16="http://schemas.microsoft.com/office/drawing/2014/main" id="{6F0859C0-3A07-4DCD-B4EF-FAB83CECD30F}"/>
+              </a:ext>
+            </a:extLst>
+          </p:cNvPr>
+          <p:cNvSpPr txBox="1"/>
+          <p:nvPr/>
+        </p:nvSpPr>
+        <p:spPr>
+          <a:xfrm>
+            <a:off x="574557" y="6156695"/>
+            <a:ext cx="6221255" cy="215444"/>
+          </a:xfrm>
+          <a:prstGeom prst="rect">
+            <a:avLst/>
+          </a:prstGeom>
+          <a:noFill/>
+        </p:spPr>
+        <p:txBody>
+          <a:bodyPr wrap="none" lIns="0" tIns="0" rIns="0" bIns="0" rtlCol="0">
+            <a:spAutoFit/>
+          </a:bodyPr>
+          <a:lstStyle/>
+          <a:p>
+            <a:pPr fontAlgn="base">
+              <a:spcBef>
+                <a:spcPct val="50000"/>
+              </a:spcBef>
+              <a:spcAft>
+                <a:spcPct val="0"/>
+              </a:spcAft>
+              <a:buClr>
+                <a:srgbClr val="F0AB00"/>
+              </a:buClr>
+              <a:buSzPct val="80000"/>
+            </a:pPr>
+            <a:r>
+              <a:rPr lang="en-US" sz="1400" kern="0" dirty="0">
+                <a:ea typeface="Arial Unicode MS" pitchFamily="34" charset="-128"/>
+                <a:cs typeface="Arial Unicode MS" pitchFamily="34" charset="-128"/>
+              </a:rPr>
+              <a:t>* you can specify wait time between SIGTERM and SIGKILL with the "-t" option</a:t>
+            </a:r>
+          </a:p>
+        </p:txBody>
+      </p:sp>
+    </p:spTree>
+    <p:extLst>
+      <p:ext uri="{BB962C8B-B14F-4D97-AF65-F5344CB8AC3E}">
+        <p14:creationId xmlns:p14="http://schemas.microsoft.com/office/powerpoint/2010/main" val="3959768445"/>
+      </p:ext>
+    </p:extLst>
+  </p:cSld>
+  <p:clrMapOvr>
+    <a:masterClrMapping/>
+  </p:clrMapOvr>
+</p:sld>
+</file>
+
+<file path=ppt/slides/slide11.xml><?xml version="1.0" encoding="utf-8"?>
+<p:sld xmlns:a="http://schemas.openxmlformats.org/drawingml/2006/main" xmlns:r="http://schemas.openxmlformats.org/officeDocument/2006/relationships" xmlns:p="http://schemas.openxmlformats.org/presentationml/2006/main">
+  <p:cSld>
+    <p:spTree>
+      <p:nvGrpSpPr>
+        <p:cNvPr id="1" name=""/>
+        <p:cNvGrpSpPr/>
+        <p:nvPr/>
+      </p:nvGrpSpPr>
+      <p:grpSpPr>
+        <a:xfrm>
+          <a:off x="0" y="0"/>
+          <a:ext cx="0" cy="0"/>
+          <a:chOff x="0" y="0"/>
+          <a:chExt cx="0" cy="0"/>
+        </a:xfrm>
+      </p:grpSpPr>
+      <p:sp>
+        <p:nvSpPr>
+          <p:cNvPr id="3" name="Title 2"/>
+          <p:cNvSpPr>
+            <a:spLocks noGrp="1"/>
+          </p:cNvSpPr>
+          <p:nvPr>
+            <p:ph type="title"/>
+          </p:nvPr>
+        </p:nvSpPr>
+        <p:spPr/>
+        <p:txBody>
+          <a:bodyPr/>
+          <a:lstStyle/>
+          <a:p>
+            <a:r>
+              <a:rPr lang="en-US" dirty="0"/>
+              <a:t>Getting logs from a container</a:t>
+            </a:r>
+          </a:p>
+        </p:txBody>
+      </p:sp>
+      <p:sp>
+        <p:nvSpPr>
+          <p:cNvPr id="6" name="Text Placeholder 10"/>
+          <p:cNvSpPr>
+            <a:spLocks noGrp="1"/>
+          </p:cNvSpPr>
+          <p:nvPr>
+            <p:ph type="body" sz="quarter" idx="10"/>
+          </p:nvPr>
+        </p:nvSpPr>
+        <p:spPr>
+          <a:xfrm>
+            <a:off x="503999" y="1620000"/>
+            <a:ext cx="11186477" cy="4230000"/>
+          </a:xfrm>
+        </p:spPr>
+        <p:txBody>
+          <a:bodyPr/>
+          <a:lstStyle/>
+          <a:p>
+            <a:pPr lvl="0"/>
+            <a:r>
+              <a:rPr lang="en-US" sz="1800" dirty="0"/>
+              <a:t>Docker collects logs from programs inside containers</a:t>
+            </a:r>
+          </a:p>
+          <a:p>
+            <a:pPr lvl="1"/>
+            <a:r>
+              <a:rPr lang="en-US" sz="1600" dirty="0" err="1"/>
+              <a:t>stdout</a:t>
+            </a:r>
+            <a:r>
+              <a:rPr lang="en-US" sz="1600" dirty="0"/>
+              <a:t> and </a:t>
+            </a:r>
+            <a:r>
+              <a:rPr lang="en-US" sz="1600" dirty="0" err="1"/>
+              <a:t>stderr</a:t>
+            </a:r>
+            <a:r>
+              <a:rPr lang="en-US" sz="1600" dirty="0"/>
+              <a:t> of the main process get collected</a:t>
+            </a:r>
+          </a:p>
+          <a:p>
+            <a:pPr lvl="1"/>
+            <a:r>
+              <a:rPr lang="en-US" sz="1600" dirty="0"/>
+              <a:t>logs from programs can be redirected to /dev/</a:t>
+            </a:r>
+            <a:r>
+              <a:rPr lang="en-US" sz="1600" dirty="0" err="1"/>
+              <a:t>stdout</a:t>
+            </a:r>
+            <a:r>
+              <a:rPr lang="en-US" sz="1600" dirty="0"/>
+              <a:t> and /dev/</a:t>
+            </a:r>
+            <a:r>
+              <a:rPr lang="en-US" sz="1600" dirty="0" err="1"/>
+              <a:t>stderr</a:t>
+            </a:r>
+            <a:endParaRPr lang="en-US" sz="1600" dirty="0"/>
+          </a:p>
+          <a:p>
+            <a:pPr lvl="1"/>
+            <a:endParaRPr lang="en-US" sz="1600" dirty="0"/>
+          </a:p>
+          <a:p>
+            <a:pPr lvl="1"/>
+            <a:r>
+              <a:rPr lang="en-US" sz="1600" dirty="0"/>
+              <a:t>logs still available even after a container terminated</a:t>
+            </a:r>
+          </a:p>
+        </p:txBody>
+      </p:sp>
+      <p:sp>
+        <p:nvSpPr>
+          <p:cNvPr id="7" name="Rectangle: Rounded Corners 6"/>
+          <p:cNvSpPr/>
+          <p:nvPr/>
+        </p:nvSpPr>
+        <p:spPr bwMode="gray">
+          <a:xfrm>
+            <a:off x="686701" y="2558294"/>
+            <a:ext cx="7312170" cy="276513"/>
+          </a:xfrm>
+          <a:prstGeom prst="roundRect">
+            <a:avLst/>
+          </a:prstGeom>
+          <a:solidFill>
+            <a:schemeClr val="accent1">
+              <a:lumMod val="20000"/>
+              <a:lumOff val="80000"/>
+            </a:schemeClr>
+          </a:solidFill>
+          <a:ln w="6350" algn="ctr">
+            <a:noFill/>
+            <a:miter lim="800000"/>
+            <a:headEnd/>
+            <a:tailEnd/>
+          </a:ln>
+        </p:spPr>
+        <p:txBody>
+          <a:bodyPr lIns="90000" tIns="72000" rIns="90000" bIns="72000" rtlCol="0" anchor="ctr"/>
+          <a:lstStyle/>
+          <a:p>
+            <a:pPr marL="179387" lvl="2" indent="0">
+              <a:buNone/>
+            </a:pPr>
+            <a:r>
+              <a:rPr lang="en-US" sz="1400" b="1" dirty="0">
+                <a:latin typeface="Courier New" panose="02070309020205020404" pitchFamily="49" charset="0"/>
+                <a:cs typeface="Courier New" panose="02070309020205020404" pitchFamily="49" charset="0"/>
+              </a:rPr>
+              <a:t>$ </a:t>
+            </a:r>
+            <a:r>
+              <a:rPr lang="en-US" sz="1400" dirty="0" err="1">
+                <a:latin typeface="Courier New" panose="02070309020205020404" pitchFamily="49" charset="0"/>
+                <a:cs typeface="Courier New" panose="02070309020205020404" pitchFamily="49" charset="0"/>
+              </a:rPr>
+              <a:t>docker</a:t>
+            </a:r>
+            <a:r>
+              <a:rPr lang="en-US" sz="1400" b="1" dirty="0">
+                <a:latin typeface="Courier New" panose="02070309020205020404" pitchFamily="49" charset="0"/>
+                <a:cs typeface="Courier New" panose="02070309020205020404" pitchFamily="49" charset="0"/>
+              </a:rPr>
+              <a:t> logs </a:t>
+            </a:r>
+            <a:r>
+              <a:rPr lang="en-US" sz="1400" i="1" dirty="0">
+                <a:latin typeface="Courier New" panose="02070309020205020404" pitchFamily="49" charset="0"/>
+                <a:cs typeface="Courier New" panose="02070309020205020404" pitchFamily="49" charset="0"/>
+              </a:rPr>
+              <a:t>&lt;container ID or name&gt;</a:t>
+            </a:r>
+          </a:p>
+        </p:txBody>
+      </p:sp>
+      <p:sp>
+        <p:nvSpPr>
+          <p:cNvPr id="9" name="Rectangle: Rounded Corners 8"/>
+          <p:cNvSpPr/>
+          <p:nvPr/>
+        </p:nvSpPr>
+        <p:spPr bwMode="gray">
+          <a:xfrm>
+            <a:off x="779625" y="3575926"/>
+            <a:ext cx="10635223" cy="2275275"/>
+          </a:xfrm>
+          <a:prstGeom prst="roundRect">
+            <a:avLst>
+              <a:gd name="adj" fmla="val 8296"/>
+            </a:avLst>
+          </a:prstGeom>
+          <a:pattFill prst="narHorz">
+            <a:fgClr>
+              <a:schemeClr val="tx1"/>
+            </a:fgClr>
+            <a:bgClr>
+              <a:srgbClr val="112806"/>
+            </a:bgClr>
+          </a:pattFill>
+          <a:ln w="6350" algn="ctr">
+            <a:noFill/>
+            <a:miter lim="800000"/>
+            <a:headEnd/>
+            <a:tailEnd/>
+          </a:ln>
+        </p:spPr>
+        <p:txBody>
+          <a:bodyPr lIns="90000" tIns="72000" rIns="90000" bIns="72000" rtlCol="0" anchor="t"/>
+          <a:lstStyle/>
+          <a:p>
+            <a:pPr defTabSz="914400" fontAlgn="base">
+              <a:spcAft>
+                <a:spcPct val="0"/>
+              </a:spcAft>
+              <a:buClr>
+                <a:srgbClr val="F0AB00"/>
+              </a:buClr>
+              <a:buSzPct val="80000"/>
+            </a:pPr>
+            <a:r>
+              <a:rPr lang="en-US" sz="1200" b="1" kern="0" dirty="0">
+                <a:solidFill>
+                  <a:schemeClr val="bg1"/>
+                </a:solidFill>
+                <a:latin typeface="Courier New" panose="02070309020205020404" pitchFamily="49" charset="0"/>
+                <a:ea typeface="Arial Unicode MS" pitchFamily="34" charset="-128"/>
+                <a:cs typeface="Courier New" panose="02070309020205020404" pitchFamily="49" charset="0"/>
+              </a:rPr>
+              <a:t>$ docker container logs 494b7b8c9f39</a:t>
+            </a:r>
+          </a:p>
+          <a:p>
+            <a:pPr defTabSz="914400" fontAlgn="base">
+              <a:spcAft>
+                <a:spcPct val="0"/>
+              </a:spcAft>
+              <a:buClr>
+                <a:srgbClr val="F0AB00"/>
+              </a:buClr>
+              <a:buSzPct val="80000"/>
+            </a:pPr>
+            <a:r>
+              <a:rPr lang="en-US" sz="1200" kern="0" dirty="0">
+                <a:solidFill>
+                  <a:schemeClr val="bg1"/>
+                </a:solidFill>
+                <a:latin typeface="Arial monospaced for SAP" panose="020B0609020202030204" pitchFamily="49" charset="0"/>
+                <a:ea typeface="Arial Unicode MS" pitchFamily="34" charset="-128"/>
+                <a:cs typeface="Courier New" panose="02070309020205020404" pitchFamily="49" charset="0"/>
+              </a:rPr>
+              <a:t>10.19.91.230 - - [01/Dec/2017:14:48:12 +0000] "GET / HTTP/1.1" 200 230 "-" "Mozilla/5.0 (Windows NT 10.0; Win64; x64; rv:57.0) Gecko/20100101 Firefox/57.0" "-"</a:t>
+            </a:r>
+          </a:p>
+          <a:p>
+            <a:pPr defTabSz="914400" fontAlgn="base">
+              <a:spcAft>
+                <a:spcPct val="0"/>
+              </a:spcAft>
+              <a:buClr>
+                <a:srgbClr val="F0AB00"/>
+              </a:buClr>
+              <a:buSzPct val="80000"/>
+            </a:pPr>
+            <a:r>
+              <a:rPr lang="en-US" sz="1200" kern="0" dirty="0">
+                <a:solidFill>
+                  <a:schemeClr val="bg1"/>
+                </a:solidFill>
+                <a:latin typeface="Arial monospaced for SAP" panose="020B0609020202030204" pitchFamily="49" charset="0"/>
+                <a:ea typeface="Arial Unicode MS" pitchFamily="34" charset="-128"/>
+                <a:cs typeface="Courier New" panose="02070309020205020404" pitchFamily="49" charset="0"/>
+              </a:rPr>
+              <a:t>10.19.91.230 - - [01/Dec/2017:14:48:12 +0000] "GET /it_works.jpg HTTP/1.1" 200 25676 "http://pvxka22:32780/" "Mozilla/5.0 (Windows NT 10.0; Win64; x64; rv:57.0) Gecko/20100101 Firefox/57.0" "-"</a:t>
+            </a:r>
+          </a:p>
+          <a:p>
+            <a:pPr defTabSz="914400" fontAlgn="base">
+              <a:spcAft>
+                <a:spcPct val="0"/>
+              </a:spcAft>
+              <a:buClr>
+                <a:srgbClr val="F0AB00"/>
+              </a:buClr>
+              <a:buSzPct val="80000"/>
+            </a:pPr>
+            <a:r>
+              <a:rPr lang="en-US" sz="1200" kern="0" dirty="0">
+                <a:solidFill>
+                  <a:schemeClr val="accent5">
+                    <a:lumMod val="20000"/>
+                    <a:lumOff val="80000"/>
+                  </a:schemeClr>
+                </a:solidFill>
+                <a:latin typeface="Arial monospaced for SAP" panose="020B0609020202030204" pitchFamily="49" charset="0"/>
+                <a:ea typeface="Arial Unicode MS" pitchFamily="34" charset="-128"/>
+                <a:cs typeface="Courier New" panose="02070309020205020404" pitchFamily="49" charset="0"/>
+              </a:rPr>
+              <a:t>2017/12/01 14:48:12 [error] 8#8: *1 open() "/</a:t>
+            </a:r>
+            <a:r>
+              <a:rPr lang="en-US" sz="1200" kern="0" dirty="0" err="1">
+                <a:solidFill>
+                  <a:schemeClr val="accent5">
+                    <a:lumMod val="20000"/>
+                    <a:lumOff val="80000"/>
+                  </a:schemeClr>
+                </a:solidFill>
+                <a:latin typeface="Arial monospaced for SAP" panose="020B0609020202030204" pitchFamily="49" charset="0"/>
+                <a:ea typeface="Arial Unicode MS" pitchFamily="34" charset="-128"/>
+                <a:cs typeface="Courier New" panose="02070309020205020404" pitchFamily="49" charset="0"/>
+              </a:rPr>
+              <a:t>srv</a:t>
+            </a:r>
+            <a:r>
+              <a:rPr lang="en-US" sz="1200" kern="0" dirty="0">
+                <a:solidFill>
+                  <a:schemeClr val="accent5">
+                    <a:lumMod val="20000"/>
+                    <a:lumOff val="80000"/>
+                  </a:schemeClr>
+                </a:solidFill>
+                <a:latin typeface="Arial monospaced for SAP" panose="020B0609020202030204" pitchFamily="49" charset="0"/>
+                <a:ea typeface="Arial Unicode MS" pitchFamily="34" charset="-128"/>
+                <a:cs typeface="Courier New" panose="02070309020205020404" pitchFamily="49" charset="0"/>
+              </a:rPr>
+              <a:t>/www/</a:t>
+            </a:r>
+            <a:r>
+              <a:rPr lang="en-US" sz="1200" kern="0" dirty="0" err="1">
+                <a:solidFill>
+                  <a:schemeClr val="accent5">
+                    <a:lumMod val="20000"/>
+                    <a:lumOff val="80000"/>
+                  </a:schemeClr>
+                </a:solidFill>
+                <a:latin typeface="Arial monospaced for SAP" panose="020B0609020202030204" pitchFamily="49" charset="0"/>
+                <a:ea typeface="Arial Unicode MS" pitchFamily="34" charset="-128"/>
+                <a:cs typeface="Courier New" panose="02070309020205020404" pitchFamily="49" charset="0"/>
+              </a:rPr>
+              <a:t>htdocs</a:t>
+            </a:r>
+            <a:r>
+              <a:rPr lang="en-US" sz="1200" kern="0" dirty="0">
+                <a:solidFill>
+                  <a:schemeClr val="accent5">
+                    <a:lumMod val="20000"/>
+                    <a:lumOff val="80000"/>
+                  </a:schemeClr>
+                </a:solidFill>
+                <a:latin typeface="Arial monospaced for SAP" panose="020B0609020202030204" pitchFamily="49" charset="0"/>
+                <a:ea typeface="Arial Unicode MS" pitchFamily="34" charset="-128"/>
+                <a:cs typeface="Courier New" panose="02070309020205020404" pitchFamily="49" charset="0"/>
+              </a:rPr>
+              <a:t>/favicon.ico" failed (2: No such file or directory), client: 10.19.91.230, server: localhost, request: "GET /favicon.ico HTTP/1.1", host: "pvxka22:32780"</a:t>
+            </a:r>
+          </a:p>
+          <a:p>
+            <a:pPr defTabSz="914400" fontAlgn="base">
+              <a:spcAft>
+                <a:spcPct val="0"/>
+              </a:spcAft>
+              <a:buClr>
+                <a:srgbClr val="F0AB00"/>
+              </a:buClr>
+              <a:buSzPct val="80000"/>
+            </a:pPr>
+            <a:r>
+              <a:rPr lang="en-US" sz="1200" kern="0" dirty="0">
+                <a:solidFill>
+                  <a:schemeClr val="bg1"/>
+                </a:solidFill>
+                <a:latin typeface="Arial monospaced for SAP" panose="020B0609020202030204" pitchFamily="49" charset="0"/>
+                <a:ea typeface="Arial Unicode MS" pitchFamily="34" charset="-128"/>
+                <a:cs typeface="Courier New" panose="02070309020205020404" pitchFamily="49" charset="0"/>
+              </a:rPr>
+              <a:t>10.19.91.230 - - [01/Dec/2017:14:48:12 +0000] "GET /favicon.ico HTTP/1.1" 404 169 "-" "Mozilla/5.0 (Windows NT 10.0; Win64; x64; rv:57.0) Gecko/20100101 Firefox/57.0" "-“</a:t>
+            </a:r>
+          </a:p>
+          <a:p>
+            <a:pPr defTabSz="914400" fontAlgn="base">
+              <a:spcAft>
+                <a:spcPct val="0"/>
+              </a:spcAft>
+              <a:buClr>
+                <a:srgbClr val="F0AB00"/>
+              </a:buClr>
+              <a:buSzPct val="80000"/>
+            </a:pPr>
+            <a:endParaRPr lang="en-US" sz="1200" b="1" kern="0" dirty="0">
+              <a:solidFill>
+                <a:schemeClr val="bg1"/>
+              </a:solidFill>
+              <a:latin typeface="Courier New" panose="02070309020205020404" pitchFamily="49" charset="0"/>
+              <a:ea typeface="Arial Unicode MS" pitchFamily="34" charset="-128"/>
+              <a:cs typeface="Courier New" panose="02070309020205020404" pitchFamily="49" charset="0"/>
+            </a:endParaRPr>
+          </a:p>
+          <a:p>
+            <a:pPr defTabSz="914400" fontAlgn="base">
+              <a:spcAft>
+                <a:spcPct val="0"/>
+              </a:spcAft>
+              <a:buClr>
+                <a:srgbClr val="F0AB00"/>
+              </a:buClr>
+              <a:buSzPct val="80000"/>
+            </a:pPr>
+            <a:r>
+              <a:rPr lang="en-US" sz="1200" b="1" kern="0" dirty="0">
+                <a:solidFill>
+                  <a:schemeClr val="bg1"/>
+                </a:solidFill>
+                <a:latin typeface="Courier New" panose="02070309020205020404" pitchFamily="49" charset="0"/>
+                <a:ea typeface="Arial Unicode MS" pitchFamily="34" charset="-128"/>
+                <a:cs typeface="Courier New" panose="02070309020205020404" pitchFamily="49" charset="0"/>
+              </a:rPr>
+              <a:t>$</a:t>
+            </a:r>
+          </a:p>
+        </p:txBody>
+      </p:sp>
+    </p:spTree>
+    <p:extLst>
+      <p:ext uri="{BB962C8B-B14F-4D97-AF65-F5344CB8AC3E}">
+        <p14:creationId xmlns:p14="http://schemas.microsoft.com/office/powerpoint/2010/main" val="3140959912"/>
+      </p:ext>
+    </p:extLst>
+  </p:cSld>
+  <p:clrMapOvr>
+    <a:masterClrMapping/>
+  </p:clrMapOvr>
+</p:sld>
+</file>
+
+<file path=ppt/slides/slide12.xml><?xml version="1.0" encoding="utf-8"?>
+<p:sld xmlns:a="http://schemas.openxmlformats.org/drawingml/2006/main" xmlns:r="http://schemas.openxmlformats.org/officeDocument/2006/relationships" xmlns:p="http://schemas.openxmlformats.org/presentationml/2006/main" show="0">
+  <p:cSld>
+    <p:spTree>
+      <p:nvGrpSpPr>
+        <p:cNvPr id="1" name=""/>
+        <p:cNvGrpSpPr/>
+        <p:nvPr/>
+      </p:nvGrpSpPr>
+      <p:grpSpPr>
+        <a:xfrm>
+          <a:off x="0" y="0"/>
+          <a:ext cx="0" cy="0"/>
+          <a:chOff x="0" y="0"/>
+          <a:chExt cx="0" cy="0"/>
+        </a:xfrm>
+      </p:grpSpPr>
+      <p:sp>
+        <p:nvSpPr>
+          <p:cNvPr id="3" name="Title 2"/>
+          <p:cNvSpPr>
+            <a:spLocks noGrp="1"/>
+          </p:cNvSpPr>
+          <p:nvPr>
+            <p:ph type="title"/>
+          </p:nvPr>
+        </p:nvSpPr>
+        <p:spPr/>
+        <p:txBody>
+          <a:bodyPr/>
+          <a:lstStyle/>
+          <a:p>
+            <a:r>
+              <a:rPr lang="en-US" dirty="0"/>
               <a:t>Removing a container</a:t>
             </a:r>
           </a:p>
@@ -10224,7 +12816,95 @@
 </p:sld>
 </file>
 
-<file path=ppt/slides/slide11.xml><?xml version="1.0" encoding="utf-8"?>
+<file path=ppt/slides/slide13.xml><?xml version="1.0" encoding="utf-8"?>
+<p:sld xmlns:a="http://schemas.openxmlformats.org/drawingml/2006/main" xmlns:r="http://schemas.openxmlformats.org/officeDocument/2006/relationships" xmlns:p="http://schemas.openxmlformats.org/presentationml/2006/main">
+  <p:cSld>
+    <p:spTree>
+      <p:nvGrpSpPr>
+        <p:cNvPr id="1" name=""/>
+        <p:cNvGrpSpPr/>
+        <p:nvPr/>
+      </p:nvGrpSpPr>
+      <p:grpSpPr>
+        <a:xfrm>
+          <a:off x="0" y="0"/>
+          <a:ext cx="0" cy="0"/>
+          <a:chOff x="0" y="0"/>
+          <a:chExt cx="0" cy="0"/>
+        </a:xfrm>
+      </p:grpSpPr>
+      <p:sp>
+        <p:nvSpPr>
+          <p:cNvPr id="4" name="Title 3">
+            <a:extLst>
+              <a:ext uri="{FF2B5EF4-FFF2-40B4-BE49-F238E27FC236}">
+                <a16:creationId xmlns:a16="http://schemas.microsoft.com/office/drawing/2014/main" id="{96BEB1A8-C9D3-4723-A64F-42E02E22325A}"/>
+              </a:ext>
+            </a:extLst>
+          </p:cNvPr>
+          <p:cNvSpPr>
+            <a:spLocks noGrp="1"/>
+          </p:cNvSpPr>
+          <p:nvPr>
+            <p:ph type="title"/>
+          </p:nvPr>
+        </p:nvSpPr>
+        <p:spPr/>
+        <p:txBody>
+          <a:bodyPr/>
+          <a:lstStyle/>
+          <a:p>
+            <a:r>
+              <a:rPr lang="en-US" dirty="0"/>
+              <a:t>Exercise #2 – Container Lifecycle</a:t>
+            </a:r>
+          </a:p>
+        </p:txBody>
+      </p:sp>
+      <p:pic>
+        <p:nvPicPr>
+          <p:cNvPr id="8" name="Picture 7">
+            <a:extLst>
+              <a:ext uri="{FF2B5EF4-FFF2-40B4-BE49-F238E27FC236}">
+                <a16:creationId xmlns:a16="http://schemas.microsoft.com/office/drawing/2014/main" id="{D6B8C527-073F-471B-A282-22B63876CA6B}"/>
+              </a:ext>
+            </a:extLst>
+          </p:cNvPr>
+          <p:cNvPicPr>
+            <a:picLocks noChangeAspect="1"/>
+          </p:cNvPicPr>
+          <p:nvPr/>
+        </p:nvPicPr>
+        <p:blipFill>
+          <a:blip r:embed="rId3"/>
+          <a:stretch>
+            <a:fillRect/>
+          </a:stretch>
+        </p:blipFill>
+        <p:spPr>
+          <a:xfrm>
+            <a:off x="4571712" y="1903473"/>
+            <a:ext cx="3051054" cy="3051054"/>
+          </a:xfrm>
+          <a:prstGeom prst="rect">
+            <a:avLst/>
+          </a:prstGeom>
+        </p:spPr>
+      </p:pic>
+    </p:spTree>
+    <p:extLst>
+      <p:ext uri="{BB962C8B-B14F-4D97-AF65-F5344CB8AC3E}">
+        <p14:creationId xmlns:p14="http://schemas.microsoft.com/office/powerpoint/2010/main" val="2376440218"/>
+      </p:ext>
+    </p:extLst>
+  </p:cSld>
+  <p:clrMapOvr>
+    <a:masterClrMapping/>
+  </p:clrMapOvr>
+</p:sld>
+</file>
+
+<file path=ppt/slides/slide14.xml><?xml version="1.0" encoding="utf-8"?>
 <p:sld xmlns:a="http://schemas.openxmlformats.org/drawingml/2006/main" xmlns:r="http://schemas.openxmlformats.org/officeDocument/2006/relationships" xmlns:p="http://schemas.openxmlformats.org/presentationml/2006/main">
   <p:cSld>
     <p:spTree>
@@ -10320,7 +13000,7 @@
 </p:sld>
 </file>
 
-<file path=ppt/slides/slide12.xml><?xml version="1.0" encoding="utf-8"?>
+<file path=ppt/slides/slide15.xml><?xml version="1.0" encoding="utf-8"?>
 <p:sld xmlns:a="http://schemas.openxmlformats.org/drawingml/2006/main" xmlns:r="http://schemas.openxmlformats.org/officeDocument/2006/relationships" xmlns:p="http://schemas.openxmlformats.org/presentationml/2006/main">
   <p:cSld>
     <p:spTree>
@@ -11022,7 +13702,95 @@
 </p:sld>
 </file>
 
-<file path=ppt/slides/slide13.xml><?xml version="1.0" encoding="utf-8"?>
+<file path=ppt/slides/slide16.xml><?xml version="1.0" encoding="utf-8"?>
+<p:sld xmlns:a="http://schemas.openxmlformats.org/drawingml/2006/main" xmlns:r="http://schemas.openxmlformats.org/officeDocument/2006/relationships" xmlns:p="http://schemas.openxmlformats.org/presentationml/2006/main">
+  <p:cSld>
+    <p:spTree>
+      <p:nvGrpSpPr>
+        <p:cNvPr id="1" name=""/>
+        <p:cNvGrpSpPr/>
+        <p:nvPr/>
+      </p:nvGrpSpPr>
+      <p:grpSpPr>
+        <a:xfrm>
+          <a:off x="0" y="0"/>
+          <a:ext cx="0" cy="0"/>
+          <a:chOff x="0" y="0"/>
+          <a:chExt cx="0" cy="0"/>
+        </a:xfrm>
+      </p:grpSpPr>
+      <p:sp>
+        <p:nvSpPr>
+          <p:cNvPr id="4" name="Title 3">
+            <a:extLst>
+              <a:ext uri="{FF2B5EF4-FFF2-40B4-BE49-F238E27FC236}">
+                <a16:creationId xmlns:a16="http://schemas.microsoft.com/office/drawing/2014/main" id="{96BEB1A8-C9D3-4723-A64F-42E02E22325A}"/>
+              </a:ext>
+            </a:extLst>
+          </p:cNvPr>
+          <p:cNvSpPr>
+            <a:spLocks noGrp="1"/>
+          </p:cNvSpPr>
+          <p:nvPr>
+            <p:ph type="title"/>
+          </p:nvPr>
+        </p:nvSpPr>
+        <p:spPr/>
+        <p:txBody>
+          <a:bodyPr/>
+          <a:lstStyle/>
+          <a:p>
+            <a:r>
+              <a:rPr lang="en-US" dirty="0"/>
+              <a:t>Demo</a:t>
+            </a:r>
+          </a:p>
+        </p:txBody>
+      </p:sp>
+      <p:pic>
+        <p:nvPicPr>
+          <p:cNvPr id="6" name="Picture 5">
+            <a:extLst>
+              <a:ext uri="{FF2B5EF4-FFF2-40B4-BE49-F238E27FC236}">
+                <a16:creationId xmlns:a16="http://schemas.microsoft.com/office/drawing/2014/main" id="{8D1ACC5F-52FE-4C32-9E61-49F09FCEB59D}"/>
+              </a:ext>
+            </a:extLst>
+          </p:cNvPr>
+          <p:cNvPicPr>
+            <a:picLocks noChangeAspect="1"/>
+          </p:cNvPicPr>
+          <p:nvPr/>
+        </p:nvPicPr>
+        <p:blipFill>
+          <a:blip r:embed="rId3"/>
+          <a:stretch>
+            <a:fillRect/>
+          </a:stretch>
+        </p:blipFill>
+        <p:spPr>
+          <a:xfrm>
+            <a:off x="4521420" y="1853181"/>
+            <a:ext cx="3151638" cy="3151638"/>
+          </a:xfrm>
+          <a:prstGeom prst="rect">
+            <a:avLst/>
+          </a:prstGeom>
+        </p:spPr>
+      </p:pic>
+    </p:spTree>
+    <p:extLst>
+      <p:ext uri="{BB962C8B-B14F-4D97-AF65-F5344CB8AC3E}">
+        <p14:creationId xmlns:p14="http://schemas.microsoft.com/office/powerpoint/2010/main" val="1472279909"/>
+      </p:ext>
+    </p:extLst>
+  </p:cSld>
+  <p:clrMapOvr>
+    <a:masterClrMapping/>
+  </p:clrMapOvr>
+</p:sld>
+</file>
+
+<file path=ppt/slides/slide17.xml><?xml version="1.0" encoding="utf-8"?>
 <p:sld xmlns:a="http://schemas.openxmlformats.org/drawingml/2006/main" xmlns:r="http://schemas.openxmlformats.org/officeDocument/2006/relationships" xmlns:p="http://schemas.openxmlformats.org/presentationml/2006/main">
   <p:cSld>
     <p:spTree>
@@ -11532,8 +14300,8 @@
 </p:sld>
 </file>
 
-<file path=ppt/slides/slide14.xml><?xml version="1.0" encoding="utf-8"?>
-<p:sld xmlns:a="http://schemas.openxmlformats.org/drawingml/2006/main" xmlns:r="http://schemas.openxmlformats.org/officeDocument/2006/relationships" xmlns:p="http://schemas.openxmlformats.org/presentationml/2006/main" show="0">
+<file path=ppt/slides/slide18.xml><?xml version="1.0" encoding="utf-8"?>
+<p:sld xmlns:a="http://schemas.openxmlformats.org/drawingml/2006/main" xmlns:r="http://schemas.openxmlformats.org/officeDocument/2006/relationships" xmlns:p="http://schemas.openxmlformats.org/presentationml/2006/main">
   <p:cSld>
     <p:spTree>
       <p:nvGrpSpPr>
@@ -11549,12 +14317,162 @@
           <a:chExt cx="0" cy="0"/>
         </a:xfrm>
       </p:grpSpPr>
+      <p:sp>
+        <p:nvSpPr>
+          <p:cNvPr id="4" name="Title 3">
+            <a:extLst>
+              <a:ext uri="{FF2B5EF4-FFF2-40B4-BE49-F238E27FC236}">
+                <a16:creationId xmlns:a16="http://schemas.microsoft.com/office/drawing/2014/main" id="{96BEB1A8-C9D3-4723-A64F-42E02E22325A}"/>
+              </a:ext>
+            </a:extLst>
+          </p:cNvPr>
+          <p:cNvSpPr>
+            <a:spLocks noGrp="1"/>
+          </p:cNvSpPr>
+          <p:nvPr>
+            <p:ph type="title"/>
+          </p:nvPr>
+        </p:nvSpPr>
+        <p:spPr/>
+        <p:txBody>
+          <a:bodyPr/>
+          <a:lstStyle/>
+          <a:p>
+            <a:r>
+              <a:rPr lang="en-US" dirty="0"/>
+              <a:t>Demo</a:t>
+            </a:r>
+          </a:p>
+        </p:txBody>
+      </p:sp>
+      <p:pic>
+        <p:nvPicPr>
+          <p:cNvPr id="6" name="Picture 5">
+            <a:extLst>
+              <a:ext uri="{FF2B5EF4-FFF2-40B4-BE49-F238E27FC236}">
+                <a16:creationId xmlns:a16="http://schemas.microsoft.com/office/drawing/2014/main" id="{8D1ACC5F-52FE-4C32-9E61-49F09FCEB59D}"/>
+              </a:ext>
+            </a:extLst>
+          </p:cNvPr>
+          <p:cNvPicPr>
+            <a:picLocks noChangeAspect="1"/>
+          </p:cNvPicPr>
+          <p:nvPr/>
+        </p:nvPicPr>
+        <p:blipFill>
+          <a:blip r:embed="rId3"/>
+          <a:stretch>
+            <a:fillRect/>
+          </a:stretch>
+        </p:blipFill>
+        <p:spPr>
+          <a:xfrm>
+            <a:off x="4521420" y="1853181"/>
+            <a:ext cx="3151638" cy="3151638"/>
+          </a:xfrm>
+          <a:prstGeom prst="rect">
+            <a:avLst/>
+          </a:prstGeom>
+        </p:spPr>
+      </p:pic>
     </p:spTree>
+    <p:extLst>
+      <p:ext uri="{BB962C8B-B14F-4D97-AF65-F5344CB8AC3E}">
+        <p14:creationId xmlns:p14="http://schemas.microsoft.com/office/powerpoint/2010/main" val="1806006951"/>
+      </p:ext>
+    </p:extLst>
   </p:cSld>
   <p:clrMapOvr>
     <a:masterClrMapping/>
   </p:clrMapOvr>
-  <p:transition spd="med"/>
+</p:sld>
+</file>
+
+<file path=ppt/slides/slide19.xml><?xml version="1.0" encoding="utf-8"?>
+<p:sld xmlns:a="http://schemas.openxmlformats.org/drawingml/2006/main" xmlns:r="http://schemas.openxmlformats.org/officeDocument/2006/relationships" xmlns:p="http://schemas.openxmlformats.org/presentationml/2006/main">
+  <p:cSld>
+    <p:spTree>
+      <p:nvGrpSpPr>
+        <p:cNvPr id="1" name=""/>
+        <p:cNvGrpSpPr/>
+        <p:nvPr/>
+      </p:nvGrpSpPr>
+      <p:grpSpPr>
+        <a:xfrm>
+          <a:off x="0" y="0"/>
+          <a:ext cx="0" cy="0"/>
+          <a:chOff x="0" y="0"/>
+          <a:chExt cx="0" cy="0"/>
+        </a:xfrm>
+      </p:grpSpPr>
+      <p:sp>
+        <p:nvSpPr>
+          <p:cNvPr id="4" name="Title 3">
+            <a:extLst>
+              <a:ext uri="{FF2B5EF4-FFF2-40B4-BE49-F238E27FC236}">
+                <a16:creationId xmlns:a16="http://schemas.microsoft.com/office/drawing/2014/main" id="{96BEB1A8-C9D3-4723-A64F-42E02E22325A}"/>
+              </a:ext>
+            </a:extLst>
+          </p:cNvPr>
+          <p:cNvSpPr>
+            <a:spLocks noGrp="1"/>
+          </p:cNvSpPr>
+          <p:nvPr>
+            <p:ph type="title"/>
+          </p:nvPr>
+        </p:nvSpPr>
+        <p:spPr/>
+        <p:txBody>
+          <a:bodyPr/>
+          <a:lstStyle/>
+          <a:p>
+            <a:r>
+              <a:rPr lang="en-US" dirty="0"/>
+              <a:t>Exercise #3 – Ports and Volumes</a:t>
+            </a:r>
+          </a:p>
+        </p:txBody>
+      </p:sp>
+      <p:pic>
+        <p:nvPicPr>
+          <p:cNvPr id="8" name="Picture 7">
+            <a:extLst>
+              <a:ext uri="{FF2B5EF4-FFF2-40B4-BE49-F238E27FC236}">
+                <a16:creationId xmlns:a16="http://schemas.microsoft.com/office/drawing/2014/main" id="{D6B8C527-073F-471B-A282-22B63876CA6B}"/>
+              </a:ext>
+            </a:extLst>
+          </p:cNvPr>
+          <p:cNvPicPr>
+            <a:picLocks noChangeAspect="1"/>
+          </p:cNvPicPr>
+          <p:nvPr/>
+        </p:nvPicPr>
+        <p:blipFill>
+          <a:blip r:embed="rId3"/>
+          <a:stretch>
+            <a:fillRect/>
+          </a:stretch>
+        </p:blipFill>
+        <p:spPr>
+          <a:xfrm>
+            <a:off x="4571712" y="1903473"/>
+            <a:ext cx="3051054" cy="3051054"/>
+          </a:xfrm>
+          <a:prstGeom prst="rect">
+            <a:avLst/>
+          </a:prstGeom>
+        </p:spPr>
+      </p:pic>
+    </p:spTree>
+    <p:extLst>
+      <p:ext uri="{BB962C8B-B14F-4D97-AF65-F5344CB8AC3E}">
+        <p14:creationId xmlns:p14="http://schemas.microsoft.com/office/powerpoint/2010/main" val="2452954820"/>
+      </p:ext>
+    </p:extLst>
+  </p:cSld>
+  <p:clrMapOvr>
+    <a:masterClrMapping/>
+  </p:clrMapOvr>
 </p:sld>
 </file>
 
@@ -14137,7 +17055,121 @@
 </p:sld>
 </file>
 
+<file path=ppt/slides/slide20.xml><?xml version="1.0" encoding="utf-8"?>
+<p:sld xmlns:a="http://schemas.openxmlformats.org/drawingml/2006/main" xmlns:r="http://schemas.openxmlformats.org/officeDocument/2006/relationships" xmlns:p="http://schemas.openxmlformats.org/presentationml/2006/main" show="0">
+  <p:cSld>
+    <p:spTree>
+      <p:nvGrpSpPr>
+        <p:cNvPr id="1" name=""/>
+        <p:cNvGrpSpPr/>
+        <p:nvPr/>
+      </p:nvGrpSpPr>
+      <p:grpSpPr>
+        <a:xfrm>
+          <a:off x="0" y="0"/>
+          <a:ext cx="0" cy="0"/>
+          <a:chOff x="0" y="0"/>
+          <a:chExt cx="0" cy="0"/>
+        </a:xfrm>
+      </p:grpSpPr>
+    </p:spTree>
+  </p:cSld>
+  <p:clrMapOvr>
+    <a:masterClrMapping/>
+  </p:clrMapOvr>
+  <p:transition spd="med"/>
+</p:sld>
+</file>
+
 <file path=ppt/slides/slide3.xml><?xml version="1.0" encoding="utf-8"?>
+<p:sld xmlns:a="http://schemas.openxmlformats.org/drawingml/2006/main" xmlns:r="http://schemas.openxmlformats.org/officeDocument/2006/relationships" xmlns:p="http://schemas.openxmlformats.org/presentationml/2006/main">
+  <p:cSld>
+    <p:spTree>
+      <p:nvGrpSpPr>
+        <p:cNvPr id="1" name=""/>
+        <p:cNvGrpSpPr/>
+        <p:nvPr/>
+      </p:nvGrpSpPr>
+      <p:grpSpPr>
+        <a:xfrm>
+          <a:off x="0" y="0"/>
+          <a:ext cx="0" cy="0"/>
+          <a:chOff x="0" y="0"/>
+          <a:chExt cx="0" cy="0"/>
+        </a:xfrm>
+      </p:grpSpPr>
+      <p:sp>
+        <p:nvSpPr>
+          <p:cNvPr id="4" name="Title 3">
+            <a:extLst>
+              <a:ext uri="{FF2B5EF4-FFF2-40B4-BE49-F238E27FC236}">
+                <a16:creationId xmlns:a16="http://schemas.microsoft.com/office/drawing/2014/main" id="{96BEB1A8-C9D3-4723-A64F-42E02E22325A}"/>
+              </a:ext>
+            </a:extLst>
+          </p:cNvPr>
+          <p:cNvSpPr>
+            <a:spLocks noGrp="1"/>
+          </p:cNvSpPr>
+          <p:nvPr>
+            <p:ph type="title"/>
+          </p:nvPr>
+        </p:nvSpPr>
+        <p:spPr/>
+        <p:txBody>
+          <a:bodyPr/>
+          <a:lstStyle/>
+          <a:p>
+            <a:r>
+              <a:rPr lang="en-US" dirty="0"/>
+              <a:t>Demo</a:t>
+            </a:r>
+          </a:p>
+        </p:txBody>
+      </p:sp>
+      <p:pic>
+        <p:nvPicPr>
+          <p:cNvPr id="6" name="Picture 5">
+            <a:extLst>
+              <a:ext uri="{FF2B5EF4-FFF2-40B4-BE49-F238E27FC236}">
+                <a16:creationId xmlns:a16="http://schemas.microsoft.com/office/drawing/2014/main" id="{8D1ACC5F-52FE-4C32-9E61-49F09FCEB59D}"/>
+              </a:ext>
+            </a:extLst>
+          </p:cNvPr>
+          <p:cNvPicPr>
+            <a:picLocks noChangeAspect="1"/>
+          </p:cNvPicPr>
+          <p:nvPr/>
+        </p:nvPicPr>
+        <p:blipFill>
+          <a:blip r:embed="rId3"/>
+          <a:stretch>
+            <a:fillRect/>
+          </a:stretch>
+        </p:blipFill>
+        <p:spPr>
+          <a:xfrm>
+            <a:off x="4521420" y="1853181"/>
+            <a:ext cx="3151638" cy="3151638"/>
+          </a:xfrm>
+          <a:prstGeom prst="rect">
+            <a:avLst/>
+          </a:prstGeom>
+        </p:spPr>
+      </p:pic>
+    </p:spTree>
+    <p:extLst>
+      <p:ext uri="{BB962C8B-B14F-4D97-AF65-F5344CB8AC3E}">
+        <p14:creationId xmlns:p14="http://schemas.microsoft.com/office/powerpoint/2010/main" val="536023736"/>
+      </p:ext>
+    </p:extLst>
+  </p:cSld>
+  <p:clrMapOvr>
+    <a:masterClrMapping/>
+  </p:clrMapOvr>
+</p:sld>
+</file>
+
+<file path=ppt/slides/slide4.xml><?xml version="1.0" encoding="utf-8"?>
 <p:sld xmlns:a="http://schemas.openxmlformats.org/drawingml/2006/main" xmlns:r="http://schemas.openxmlformats.org/officeDocument/2006/relationships" xmlns:p="http://schemas.openxmlformats.org/presentationml/2006/main">
   <p:cSld>
     <p:spTree>
@@ -15900,7 +18932,95 @@
 </p:sld>
 </file>
 
-<file path=ppt/slides/slide4.xml><?xml version="1.0" encoding="utf-8"?>
+<file path=ppt/slides/slide5.xml><?xml version="1.0" encoding="utf-8"?>
+<p:sld xmlns:a="http://schemas.openxmlformats.org/drawingml/2006/main" xmlns:r="http://schemas.openxmlformats.org/officeDocument/2006/relationships" xmlns:p="http://schemas.openxmlformats.org/presentationml/2006/main">
+  <p:cSld>
+    <p:spTree>
+      <p:nvGrpSpPr>
+        <p:cNvPr id="1" name=""/>
+        <p:cNvGrpSpPr/>
+        <p:nvPr/>
+      </p:nvGrpSpPr>
+      <p:grpSpPr>
+        <a:xfrm>
+          <a:off x="0" y="0"/>
+          <a:ext cx="0" cy="0"/>
+          <a:chOff x="0" y="0"/>
+          <a:chExt cx="0" cy="0"/>
+        </a:xfrm>
+      </p:grpSpPr>
+      <p:sp>
+        <p:nvSpPr>
+          <p:cNvPr id="4" name="Title 3">
+            <a:extLst>
+              <a:ext uri="{FF2B5EF4-FFF2-40B4-BE49-F238E27FC236}">
+                <a16:creationId xmlns:a16="http://schemas.microsoft.com/office/drawing/2014/main" id="{96BEB1A8-C9D3-4723-A64F-42E02E22325A}"/>
+              </a:ext>
+            </a:extLst>
+          </p:cNvPr>
+          <p:cNvSpPr>
+            <a:spLocks noGrp="1"/>
+          </p:cNvSpPr>
+          <p:nvPr>
+            <p:ph type="title"/>
+          </p:nvPr>
+        </p:nvSpPr>
+        <p:spPr/>
+        <p:txBody>
+          <a:bodyPr/>
+          <a:lstStyle/>
+          <a:p>
+            <a:r>
+              <a:rPr lang="en-US" dirty="0"/>
+              <a:t>Demo</a:t>
+            </a:r>
+          </a:p>
+        </p:txBody>
+      </p:sp>
+      <p:pic>
+        <p:nvPicPr>
+          <p:cNvPr id="6" name="Picture 5">
+            <a:extLst>
+              <a:ext uri="{FF2B5EF4-FFF2-40B4-BE49-F238E27FC236}">
+                <a16:creationId xmlns:a16="http://schemas.microsoft.com/office/drawing/2014/main" id="{8D1ACC5F-52FE-4C32-9E61-49F09FCEB59D}"/>
+              </a:ext>
+            </a:extLst>
+          </p:cNvPr>
+          <p:cNvPicPr>
+            <a:picLocks noChangeAspect="1"/>
+          </p:cNvPicPr>
+          <p:nvPr/>
+        </p:nvPicPr>
+        <p:blipFill>
+          <a:blip r:embed="rId3"/>
+          <a:stretch>
+            <a:fillRect/>
+          </a:stretch>
+        </p:blipFill>
+        <p:spPr>
+          <a:xfrm>
+            <a:off x="4521420" y="1853181"/>
+            <a:ext cx="3151638" cy="3151638"/>
+          </a:xfrm>
+          <a:prstGeom prst="rect">
+            <a:avLst/>
+          </a:prstGeom>
+        </p:spPr>
+      </p:pic>
+    </p:spTree>
+    <p:extLst>
+      <p:ext uri="{BB962C8B-B14F-4D97-AF65-F5344CB8AC3E}">
+        <p14:creationId xmlns:p14="http://schemas.microsoft.com/office/powerpoint/2010/main" val="3667640249"/>
+      </p:ext>
+    </p:extLst>
+  </p:cSld>
+  <p:clrMapOvr>
+    <a:masterClrMapping/>
+  </p:clrMapOvr>
+</p:sld>
+</file>
+
+<file path=ppt/slides/slide6.xml><?xml version="1.0" encoding="utf-8"?>
 <p:sld xmlns:a="http://schemas.openxmlformats.org/drawingml/2006/main" xmlns:r="http://schemas.openxmlformats.org/officeDocument/2006/relationships" xmlns:p="http://schemas.openxmlformats.org/presentationml/2006/main" show="0">
   <p:cSld>
     <p:spTree>
@@ -16234,7 +19354,7 @@
 </p:sld>
 </file>
 
-<file path=ppt/slides/slide5.xml><?xml version="1.0" encoding="utf-8"?>
+<file path=ppt/slides/slide7.xml><?xml version="1.0" encoding="utf-8"?>
 <p:sld xmlns:a="http://schemas.openxmlformats.org/drawingml/2006/main" xmlns:r="http://schemas.openxmlformats.org/officeDocument/2006/relationships" xmlns:p="http://schemas.openxmlformats.org/presentationml/2006/main">
   <p:cSld>
     <p:spTree>
@@ -18040,7 +21160,7 @@
 </p:sld>
 </file>
 
-<file path=ppt/slides/slide6.xml><?xml version="1.0" encoding="utf-8"?>
+<file path=ppt/slides/slide8.xml><?xml version="1.0" encoding="utf-8"?>
 <p:sld xmlns:a="http://schemas.openxmlformats.org/drawingml/2006/main" xmlns:r="http://schemas.openxmlformats.org/officeDocument/2006/relationships" xmlns:p="http://schemas.openxmlformats.org/presentationml/2006/main">
   <p:cSld>
     <p:spTree>
@@ -18665,7 +21785,7 @@
 </p:sld>
 </file>
 
-<file path=ppt/slides/slide7.xml><?xml version="1.0" encoding="utf-8"?>
+<file path=ppt/slides/slide9.xml><?xml version="1.0" encoding="utf-8"?>
 <p:sld xmlns:a="http://schemas.openxmlformats.org/drawingml/2006/main" xmlns:r="http://schemas.openxmlformats.org/officeDocument/2006/relationships" xmlns:p="http://schemas.openxmlformats.org/presentationml/2006/main" show="0">
   <p:cSld>
     <p:spTree>
@@ -19298,1011 +22418,6 @@
     <p:extLst>
       <p:ext uri="{BB962C8B-B14F-4D97-AF65-F5344CB8AC3E}">
         <p14:creationId xmlns:p14="http://schemas.microsoft.com/office/powerpoint/2010/main" val="501251986"/>
-      </p:ext>
-    </p:extLst>
-  </p:cSld>
-  <p:clrMapOvr>
-    <a:masterClrMapping/>
-  </p:clrMapOvr>
-</p:sld>
-</file>
-
-<file path=ppt/slides/slide8.xml><?xml version="1.0" encoding="utf-8"?>
-<p:sld xmlns:a="http://schemas.openxmlformats.org/drawingml/2006/main" xmlns:r="http://schemas.openxmlformats.org/officeDocument/2006/relationships" xmlns:p="http://schemas.openxmlformats.org/presentationml/2006/main" show="0">
-  <p:cSld>
-    <p:spTree>
-      <p:nvGrpSpPr>
-        <p:cNvPr id="1" name=""/>
-        <p:cNvGrpSpPr/>
-        <p:nvPr/>
-      </p:nvGrpSpPr>
-      <p:grpSpPr>
-        <a:xfrm>
-          <a:off x="0" y="0"/>
-          <a:ext cx="0" cy="0"/>
-          <a:chOff x="0" y="0"/>
-          <a:chExt cx="0" cy="0"/>
-        </a:xfrm>
-      </p:grpSpPr>
-      <p:sp>
-        <p:nvSpPr>
-          <p:cNvPr id="3" name="Title 2"/>
-          <p:cNvSpPr>
-            <a:spLocks noGrp="1"/>
-          </p:cNvSpPr>
-          <p:nvPr>
-            <p:ph type="title"/>
-          </p:nvPr>
-        </p:nvSpPr>
-        <p:spPr/>
-        <p:txBody>
-          <a:bodyPr/>
-          <a:lstStyle/>
-          <a:p>
-            <a:r>
-              <a:rPr lang="en-US" dirty="0"/>
-              <a:t>Stopping a container</a:t>
-            </a:r>
-          </a:p>
-        </p:txBody>
-      </p:sp>
-      <p:sp>
-        <p:nvSpPr>
-          <p:cNvPr id="6" name="Text Placeholder 10"/>
-          <p:cNvSpPr>
-            <a:spLocks noGrp="1"/>
-          </p:cNvSpPr>
-          <p:nvPr>
-            <p:ph type="body" sz="quarter" idx="10"/>
-          </p:nvPr>
-        </p:nvSpPr>
-        <p:spPr>
-          <a:xfrm>
-            <a:off x="503999" y="1620000"/>
-            <a:ext cx="11186477" cy="4230000"/>
-          </a:xfrm>
-        </p:spPr>
-        <p:txBody>
-          <a:bodyPr/>
-          <a:lstStyle/>
-          <a:p>
-            <a:pPr lvl="0"/>
-            <a:r>
-              <a:rPr lang="en-US" sz="1800" dirty="0"/>
-              <a:t>A container can be forcibly stopped</a:t>
-            </a:r>
-          </a:p>
-          <a:p>
-            <a:pPr lvl="1"/>
-            <a:r>
-              <a:rPr lang="en-US" sz="1600" dirty="0"/>
-              <a:t>necessary for containers with daemon processes</a:t>
-            </a:r>
-          </a:p>
-          <a:p>
-            <a:pPr lvl="1"/>
-            <a:r>
-              <a:rPr lang="en-US" sz="1600" dirty="0"/>
-              <a:t>friendly termination with SIGTERM, after timeout (default 10 seconds) with SIGKILL *</a:t>
-            </a:r>
-          </a:p>
-          <a:p>
-            <a:pPr lvl="1"/>
-            <a:endParaRPr lang="en-US" sz="1600" dirty="0"/>
-          </a:p>
-        </p:txBody>
-      </p:sp>
-      <p:sp>
-        <p:nvSpPr>
-          <p:cNvPr id="7" name="Rectangle: Rounded Corners 6"/>
-          <p:cNvSpPr/>
-          <p:nvPr/>
-        </p:nvSpPr>
-        <p:spPr bwMode="gray">
-          <a:xfrm>
-            <a:off x="686701" y="2558294"/>
-            <a:ext cx="7312170" cy="276513"/>
-          </a:xfrm>
-          <a:prstGeom prst="roundRect">
-            <a:avLst/>
-          </a:prstGeom>
-          <a:solidFill>
-            <a:schemeClr val="accent1">
-              <a:lumMod val="20000"/>
-              <a:lumOff val="80000"/>
-            </a:schemeClr>
-          </a:solidFill>
-          <a:ln w="6350" algn="ctr">
-            <a:noFill/>
-            <a:miter lim="800000"/>
-            <a:headEnd/>
-            <a:tailEnd/>
-          </a:ln>
-        </p:spPr>
-        <p:txBody>
-          <a:bodyPr lIns="90000" tIns="72000" rIns="90000" bIns="72000" rtlCol="0" anchor="ctr"/>
-          <a:lstStyle/>
-          <a:p>
-            <a:pPr marL="179387" lvl="2" indent="0">
-              <a:buNone/>
-            </a:pPr>
-            <a:r>
-              <a:rPr lang="en-US" sz="1400" b="1" dirty="0">
-                <a:latin typeface="Courier New" panose="02070309020205020404" pitchFamily="49" charset="0"/>
-                <a:cs typeface="Courier New" panose="02070309020205020404" pitchFamily="49" charset="0"/>
-              </a:rPr>
-              <a:t>$ </a:t>
-            </a:r>
-            <a:r>
-              <a:rPr lang="en-US" sz="1400" dirty="0" err="1">
-                <a:latin typeface="Courier New" panose="02070309020205020404" pitchFamily="49" charset="0"/>
-                <a:cs typeface="Courier New" panose="02070309020205020404" pitchFamily="49" charset="0"/>
-              </a:rPr>
-              <a:t>docker</a:t>
-            </a:r>
-            <a:r>
-              <a:rPr lang="en-US" sz="1400" b="1" dirty="0">
-                <a:latin typeface="Courier New" panose="02070309020205020404" pitchFamily="49" charset="0"/>
-                <a:cs typeface="Courier New" panose="02070309020205020404" pitchFamily="49" charset="0"/>
-              </a:rPr>
-              <a:t> stop </a:t>
-            </a:r>
-            <a:r>
-              <a:rPr lang="en-US" sz="1400" i="1" dirty="0">
-                <a:latin typeface="Courier New" panose="02070309020205020404" pitchFamily="49" charset="0"/>
-                <a:cs typeface="Courier New" panose="02070309020205020404" pitchFamily="49" charset="0"/>
-              </a:rPr>
-              <a:t>&lt;container ID or name&gt;</a:t>
-            </a:r>
-          </a:p>
-        </p:txBody>
-      </p:sp>
-      <p:sp>
-        <p:nvSpPr>
-          <p:cNvPr id="9" name="Rectangle: Rounded Corners 8"/>
-          <p:cNvSpPr/>
-          <p:nvPr/>
-        </p:nvSpPr>
-        <p:spPr bwMode="gray">
-          <a:xfrm>
-            <a:off x="686701" y="3249224"/>
-            <a:ext cx="10728147" cy="2322901"/>
-          </a:xfrm>
-          <a:prstGeom prst="roundRect">
-            <a:avLst>
-              <a:gd name="adj" fmla="val 8296"/>
-            </a:avLst>
-          </a:prstGeom>
-          <a:pattFill prst="narHorz">
-            <a:fgClr>
-              <a:schemeClr val="tx1"/>
-            </a:fgClr>
-            <a:bgClr>
-              <a:srgbClr val="112806"/>
-            </a:bgClr>
-          </a:pattFill>
-          <a:ln w="6350" algn="ctr">
-            <a:noFill/>
-            <a:miter lim="800000"/>
-            <a:headEnd/>
-            <a:tailEnd/>
-          </a:ln>
-        </p:spPr>
-        <p:txBody>
-          <a:bodyPr lIns="90000" tIns="72000" rIns="90000" bIns="72000" rtlCol="0" anchor="t"/>
-          <a:lstStyle/>
-          <a:p>
-            <a:pPr defTabSz="914400" fontAlgn="base">
-              <a:spcAft>
-                <a:spcPct val="0"/>
-              </a:spcAft>
-              <a:buClr>
-                <a:srgbClr val="F0AB00"/>
-              </a:buClr>
-              <a:buSzPct val="80000"/>
-            </a:pPr>
-            <a:r>
-              <a:rPr lang="en-US" sz="1200" b="1" kern="0" dirty="0">
-                <a:solidFill>
-                  <a:schemeClr val="bg1"/>
-                </a:solidFill>
-                <a:latin typeface="Courier New" panose="02070309020205020404" pitchFamily="49" charset="0"/>
-                <a:ea typeface="Arial Unicode MS" pitchFamily="34" charset="-128"/>
-                <a:cs typeface="Courier New" panose="02070309020205020404" pitchFamily="49" charset="0"/>
-              </a:rPr>
-              <a:t>$ docker container list</a:t>
-            </a:r>
-          </a:p>
-          <a:p>
-            <a:pPr defTabSz="914400" fontAlgn="base">
-              <a:spcAft>
-                <a:spcPct val="0"/>
-              </a:spcAft>
-              <a:buClr>
-                <a:srgbClr val="F0AB00"/>
-              </a:buClr>
-              <a:buSzPct val="80000"/>
-            </a:pPr>
-            <a:r>
-              <a:rPr lang="en-US" sz="1200" kern="0" dirty="0">
-                <a:solidFill>
-                  <a:schemeClr val="bg1"/>
-                </a:solidFill>
-                <a:latin typeface="Arial monospaced for SAP" panose="020B0609020202030204" pitchFamily="49" charset="0"/>
-                <a:ea typeface="Arial Unicode MS" pitchFamily="34" charset="-128"/>
-                <a:cs typeface="Courier New" panose="02070309020205020404" pitchFamily="49" charset="0"/>
-              </a:rPr>
-              <a:t>CONTAINER ID    IMAGE       COMMAND          CREATED      STATUS        PORTS                    NAMES</a:t>
-            </a:r>
-          </a:p>
-          <a:p>
-            <a:pPr defTabSz="914400" fontAlgn="base">
-              <a:spcAft>
-                <a:spcPct val="0"/>
-              </a:spcAft>
-              <a:buClr>
-                <a:srgbClr val="F0AB00"/>
-              </a:buClr>
-              <a:buSzPct val="80000"/>
-            </a:pPr>
-            <a:r>
-              <a:rPr lang="en-US" sz="1200" kern="0" dirty="0">
-                <a:solidFill>
-                  <a:schemeClr val="bg1"/>
-                </a:solidFill>
-                <a:latin typeface="Arial monospaced for SAP" panose="020B0609020202030204" pitchFamily="49" charset="0"/>
-                <a:ea typeface="Arial Unicode MS" pitchFamily="34" charset="-128"/>
-                <a:cs typeface="Courier New" panose="02070309020205020404" pitchFamily="49" charset="0"/>
-              </a:rPr>
-              <a:t>494b7b8c9f39    mynginx1    "</a:t>
-            </a:r>
-            <a:r>
-              <a:rPr lang="en-US" sz="1200" kern="0" dirty="0" err="1">
-                <a:solidFill>
-                  <a:schemeClr val="bg1"/>
-                </a:solidFill>
-                <a:latin typeface="Arial monospaced for SAP" panose="020B0609020202030204" pitchFamily="49" charset="0"/>
-                <a:ea typeface="Arial Unicode MS" pitchFamily="34" charset="-128"/>
-                <a:cs typeface="Courier New" panose="02070309020205020404" pitchFamily="49" charset="0"/>
-              </a:rPr>
-              <a:t>nginx</a:t>
-            </a:r>
-            <a:r>
-              <a:rPr lang="en-US" sz="1200" kern="0" dirty="0">
-                <a:solidFill>
-                  <a:schemeClr val="bg1"/>
-                </a:solidFill>
-                <a:latin typeface="Arial monospaced for SAP" panose="020B0609020202030204" pitchFamily="49" charset="0"/>
-                <a:ea typeface="Arial Unicode MS" pitchFamily="34" charset="-128"/>
-                <a:cs typeface="Courier New" panose="02070309020205020404" pitchFamily="49" charset="0"/>
-              </a:rPr>
-              <a:t> -g ..."   7 days ago   Up 24 hours   0.0.0.0:32768-&gt;812/</a:t>
-            </a:r>
-            <a:r>
-              <a:rPr lang="en-US" sz="1200" kern="0" dirty="0" err="1">
-                <a:solidFill>
-                  <a:schemeClr val="bg1"/>
-                </a:solidFill>
-                <a:latin typeface="Arial monospaced for SAP" panose="020B0609020202030204" pitchFamily="49" charset="0"/>
-                <a:ea typeface="Arial Unicode MS" pitchFamily="34" charset="-128"/>
-                <a:cs typeface="Courier New" panose="02070309020205020404" pitchFamily="49" charset="0"/>
-              </a:rPr>
-              <a:t>tcp</a:t>
-            </a:r>
-            <a:r>
-              <a:rPr lang="en-US" sz="1200" kern="0" dirty="0">
-                <a:solidFill>
-                  <a:schemeClr val="bg1"/>
-                </a:solidFill>
-                <a:latin typeface="Arial monospaced for SAP" panose="020B0609020202030204" pitchFamily="49" charset="0"/>
-                <a:ea typeface="Arial Unicode MS" pitchFamily="34" charset="-128"/>
-                <a:cs typeface="Courier New" panose="02070309020205020404" pitchFamily="49" charset="0"/>
-              </a:rPr>
-              <a:t>   </a:t>
-            </a:r>
-            <a:r>
-              <a:rPr lang="en-US" sz="1200" kern="0" dirty="0" err="1">
-                <a:solidFill>
-                  <a:schemeClr val="bg1"/>
-                </a:solidFill>
-                <a:latin typeface="Arial monospaced for SAP" panose="020B0609020202030204" pitchFamily="49" charset="0"/>
-                <a:ea typeface="Arial Unicode MS" pitchFamily="34" charset="-128"/>
-                <a:cs typeface="Courier New" panose="02070309020205020404" pitchFamily="49" charset="0"/>
-              </a:rPr>
-              <a:t>happy_ride</a:t>
-            </a:r>
-            <a:endParaRPr lang="en-US" sz="1200" kern="0" dirty="0">
-              <a:solidFill>
-                <a:schemeClr val="bg1"/>
-              </a:solidFill>
-              <a:latin typeface="Arial monospaced for SAP" panose="020B0609020202030204" pitchFamily="49" charset="0"/>
-              <a:ea typeface="Arial Unicode MS" pitchFamily="34" charset="-128"/>
-              <a:cs typeface="Courier New" panose="02070309020205020404" pitchFamily="49" charset="0"/>
-            </a:endParaRPr>
-          </a:p>
-          <a:p>
-            <a:pPr defTabSz="914400" fontAlgn="base">
-              <a:spcAft>
-                <a:spcPct val="0"/>
-              </a:spcAft>
-              <a:buClr>
-                <a:srgbClr val="F0AB00"/>
-              </a:buClr>
-              <a:buSzPct val="80000"/>
-            </a:pPr>
-            <a:endParaRPr lang="en-US" sz="1200" b="1" kern="0" dirty="0">
-              <a:solidFill>
-                <a:schemeClr val="bg1"/>
-              </a:solidFill>
-              <a:latin typeface="Courier New" panose="02070309020205020404" pitchFamily="49" charset="0"/>
-              <a:ea typeface="Arial Unicode MS" pitchFamily="34" charset="-128"/>
-              <a:cs typeface="Courier New" panose="02070309020205020404" pitchFamily="49" charset="0"/>
-            </a:endParaRPr>
-          </a:p>
-          <a:p>
-            <a:pPr defTabSz="914400" fontAlgn="base">
-              <a:spcAft>
-                <a:spcPct val="0"/>
-              </a:spcAft>
-              <a:buClr>
-                <a:srgbClr val="F0AB00"/>
-              </a:buClr>
-              <a:buSzPct val="80000"/>
-            </a:pPr>
-            <a:r>
-              <a:rPr lang="en-US" sz="1200" b="1" kern="0" dirty="0">
-                <a:solidFill>
-                  <a:schemeClr val="bg1"/>
-                </a:solidFill>
-                <a:latin typeface="Courier New" panose="02070309020205020404" pitchFamily="49" charset="0"/>
-                <a:ea typeface="Arial Unicode MS" pitchFamily="34" charset="-128"/>
-                <a:cs typeface="Courier New" panose="02070309020205020404" pitchFamily="49" charset="0"/>
-              </a:rPr>
-              <a:t>$ docker container stop -t 5 </a:t>
-            </a:r>
-            <a:r>
-              <a:rPr lang="en-US" sz="1200" b="1" kern="0" dirty="0" err="1">
-                <a:solidFill>
-                  <a:schemeClr val="bg1"/>
-                </a:solidFill>
-                <a:latin typeface="Courier New" panose="02070309020205020404" pitchFamily="49" charset="0"/>
-                <a:ea typeface="Arial Unicode MS" pitchFamily="34" charset="-128"/>
-                <a:cs typeface="Courier New" panose="02070309020205020404" pitchFamily="49" charset="0"/>
-              </a:rPr>
-              <a:t>happy_ride</a:t>
-            </a:r>
-            <a:endParaRPr lang="en-US" sz="1200" b="1" kern="0" dirty="0">
-              <a:solidFill>
-                <a:schemeClr val="bg1"/>
-              </a:solidFill>
-              <a:latin typeface="Courier New" panose="02070309020205020404" pitchFamily="49" charset="0"/>
-              <a:ea typeface="Arial Unicode MS" pitchFamily="34" charset="-128"/>
-              <a:cs typeface="Courier New" panose="02070309020205020404" pitchFamily="49" charset="0"/>
-            </a:endParaRPr>
-          </a:p>
-          <a:p>
-            <a:pPr defTabSz="914400" fontAlgn="base">
-              <a:spcAft>
-                <a:spcPct val="0"/>
-              </a:spcAft>
-              <a:buClr>
-                <a:srgbClr val="F0AB00"/>
-              </a:buClr>
-              <a:buSzPct val="80000"/>
-            </a:pPr>
-            <a:r>
-              <a:rPr lang="en-US" sz="1200" kern="0" dirty="0">
-                <a:solidFill>
-                  <a:schemeClr val="bg1"/>
-                </a:solidFill>
-                <a:latin typeface="Arial monospaced for SAP" panose="020B0609020202030204" pitchFamily="49" charset="0"/>
-                <a:ea typeface="Arial Unicode MS" pitchFamily="34" charset="-128"/>
-                <a:cs typeface="Courier New" panose="02070309020205020404" pitchFamily="49" charset="0"/>
-              </a:rPr>
-              <a:t>494b7b8c9f39</a:t>
-            </a:r>
-          </a:p>
-          <a:p>
-            <a:pPr defTabSz="914400" fontAlgn="base">
-              <a:spcAft>
-                <a:spcPct val="0"/>
-              </a:spcAft>
-              <a:buClr>
-                <a:srgbClr val="F0AB00"/>
-              </a:buClr>
-              <a:buSzPct val="80000"/>
-            </a:pPr>
-            <a:endParaRPr lang="en-US" sz="1200" b="1" kern="0" dirty="0">
-              <a:solidFill>
-                <a:schemeClr val="bg1"/>
-              </a:solidFill>
-              <a:latin typeface="Courier New" panose="02070309020205020404" pitchFamily="49" charset="0"/>
-              <a:ea typeface="Arial Unicode MS" pitchFamily="34" charset="-128"/>
-              <a:cs typeface="Courier New" panose="02070309020205020404" pitchFamily="49" charset="0"/>
-            </a:endParaRPr>
-          </a:p>
-          <a:p>
-            <a:pPr defTabSz="914400" fontAlgn="base">
-              <a:spcAft>
-                <a:spcPct val="0"/>
-              </a:spcAft>
-              <a:buClr>
-                <a:srgbClr val="F0AB00"/>
-              </a:buClr>
-              <a:buSzPct val="80000"/>
-            </a:pPr>
-            <a:r>
-              <a:rPr lang="en-US" sz="1200" b="1" kern="0" dirty="0">
-                <a:solidFill>
-                  <a:schemeClr val="bg1"/>
-                </a:solidFill>
-                <a:latin typeface="Courier New" panose="02070309020205020404" pitchFamily="49" charset="0"/>
-                <a:ea typeface="Arial Unicode MS" pitchFamily="34" charset="-128"/>
-                <a:cs typeface="Courier New" panose="02070309020205020404" pitchFamily="49" charset="0"/>
-              </a:rPr>
-              <a:t>$ docker container list</a:t>
-            </a:r>
-          </a:p>
-          <a:p>
-            <a:pPr defTabSz="914400" fontAlgn="base">
-              <a:spcAft>
-                <a:spcPct val="0"/>
-              </a:spcAft>
-              <a:buClr>
-                <a:srgbClr val="F0AB00"/>
-              </a:buClr>
-              <a:buSzPct val="80000"/>
-            </a:pPr>
-            <a:r>
-              <a:rPr lang="en-US" sz="1200" kern="0" dirty="0">
-                <a:solidFill>
-                  <a:schemeClr val="bg1"/>
-                </a:solidFill>
-                <a:latin typeface="Arial monospaced for SAP" panose="020B0609020202030204" pitchFamily="49" charset="0"/>
-                <a:ea typeface="Arial Unicode MS" pitchFamily="34" charset="-128"/>
-                <a:cs typeface="Courier New" panose="02070309020205020404" pitchFamily="49" charset="0"/>
-              </a:rPr>
-              <a:t>CONTAINER ID    IMAGE       COMMAND          CREATED      STATUS        PORTS                    NAMES</a:t>
-            </a:r>
-          </a:p>
-          <a:p>
-            <a:pPr defTabSz="914400" fontAlgn="base">
-              <a:spcAft>
-                <a:spcPct val="0"/>
-              </a:spcAft>
-              <a:buClr>
-                <a:srgbClr val="F0AB00"/>
-              </a:buClr>
-              <a:buSzPct val="80000"/>
-            </a:pPr>
-            <a:endParaRPr lang="en-US" sz="1200" kern="0" dirty="0">
-              <a:solidFill>
-                <a:schemeClr val="bg1"/>
-              </a:solidFill>
-              <a:latin typeface="Arial monospaced for SAP" panose="020B0609020202030204" pitchFamily="49" charset="0"/>
-              <a:ea typeface="Arial Unicode MS" pitchFamily="34" charset="-128"/>
-              <a:cs typeface="Courier New" panose="02070309020205020404" pitchFamily="49" charset="0"/>
-            </a:endParaRPr>
-          </a:p>
-          <a:p>
-            <a:pPr defTabSz="914400" fontAlgn="base">
-              <a:spcAft>
-                <a:spcPct val="0"/>
-              </a:spcAft>
-              <a:buClr>
-                <a:srgbClr val="F0AB00"/>
-              </a:buClr>
-              <a:buSzPct val="80000"/>
-            </a:pPr>
-            <a:r>
-              <a:rPr lang="en-US" sz="1200" b="1" kern="0" dirty="0">
-                <a:solidFill>
-                  <a:schemeClr val="bg1"/>
-                </a:solidFill>
-                <a:latin typeface="Courier New" panose="02070309020205020404" pitchFamily="49" charset="0"/>
-                <a:ea typeface="Arial Unicode MS" pitchFamily="34" charset="-128"/>
-                <a:cs typeface="Courier New" panose="02070309020205020404" pitchFamily="49" charset="0"/>
-              </a:rPr>
-              <a:t>$</a:t>
-            </a:r>
-          </a:p>
-        </p:txBody>
-      </p:sp>
-      <p:sp>
-        <p:nvSpPr>
-          <p:cNvPr id="2" name="TextBox 1">
-            <a:extLst>
-              <a:ext uri="{FF2B5EF4-FFF2-40B4-BE49-F238E27FC236}">
-                <a16:creationId xmlns:a16="http://schemas.microsoft.com/office/drawing/2014/main" id="{6F0859C0-3A07-4DCD-B4EF-FAB83CECD30F}"/>
-              </a:ext>
-            </a:extLst>
-          </p:cNvPr>
-          <p:cNvSpPr txBox="1"/>
-          <p:nvPr/>
-        </p:nvSpPr>
-        <p:spPr>
-          <a:xfrm>
-            <a:off x="574557" y="6156695"/>
-            <a:ext cx="6221255" cy="215444"/>
-          </a:xfrm>
-          <a:prstGeom prst="rect">
-            <a:avLst/>
-          </a:prstGeom>
-          <a:noFill/>
-        </p:spPr>
-        <p:txBody>
-          <a:bodyPr wrap="none" lIns="0" tIns="0" rIns="0" bIns="0" rtlCol="0">
-            <a:spAutoFit/>
-          </a:bodyPr>
-          <a:lstStyle/>
-          <a:p>
-            <a:pPr fontAlgn="base">
-              <a:spcBef>
-                <a:spcPct val="50000"/>
-              </a:spcBef>
-              <a:spcAft>
-                <a:spcPct val="0"/>
-              </a:spcAft>
-              <a:buClr>
-                <a:srgbClr val="F0AB00"/>
-              </a:buClr>
-              <a:buSzPct val="80000"/>
-            </a:pPr>
-            <a:r>
-              <a:rPr lang="en-US" sz="1400" kern="0" dirty="0">
-                <a:ea typeface="Arial Unicode MS" pitchFamily="34" charset="-128"/>
-                <a:cs typeface="Arial Unicode MS" pitchFamily="34" charset="-128"/>
-              </a:rPr>
-              <a:t>* you can specify wait time between SIGTERM and SIGKILL with the "-t" option</a:t>
-            </a:r>
-          </a:p>
-        </p:txBody>
-      </p:sp>
-    </p:spTree>
-    <p:extLst>
-      <p:ext uri="{BB962C8B-B14F-4D97-AF65-F5344CB8AC3E}">
-        <p14:creationId xmlns:p14="http://schemas.microsoft.com/office/powerpoint/2010/main" val="3959768445"/>
-      </p:ext>
-    </p:extLst>
-  </p:cSld>
-  <p:clrMapOvr>
-    <a:masterClrMapping/>
-  </p:clrMapOvr>
-</p:sld>
-</file>
-
-<file path=ppt/slides/slide9.xml><?xml version="1.0" encoding="utf-8"?>
-<p:sld xmlns:a="http://schemas.openxmlformats.org/drawingml/2006/main" xmlns:r="http://schemas.openxmlformats.org/officeDocument/2006/relationships" xmlns:p="http://schemas.openxmlformats.org/presentationml/2006/main">
-  <p:cSld>
-    <p:spTree>
-      <p:nvGrpSpPr>
-        <p:cNvPr id="1" name=""/>
-        <p:cNvGrpSpPr/>
-        <p:nvPr/>
-      </p:nvGrpSpPr>
-      <p:grpSpPr>
-        <a:xfrm>
-          <a:off x="0" y="0"/>
-          <a:ext cx="0" cy="0"/>
-          <a:chOff x="0" y="0"/>
-          <a:chExt cx="0" cy="0"/>
-        </a:xfrm>
-      </p:grpSpPr>
-      <p:sp>
-        <p:nvSpPr>
-          <p:cNvPr id="3" name="Title 2"/>
-          <p:cNvSpPr>
-            <a:spLocks noGrp="1"/>
-          </p:cNvSpPr>
-          <p:nvPr>
-            <p:ph type="title"/>
-          </p:nvPr>
-        </p:nvSpPr>
-        <p:spPr/>
-        <p:txBody>
-          <a:bodyPr/>
-          <a:lstStyle/>
-          <a:p>
-            <a:r>
-              <a:rPr lang="en-US" dirty="0"/>
-              <a:t>Getting logs from a container</a:t>
-            </a:r>
-          </a:p>
-        </p:txBody>
-      </p:sp>
-      <p:sp>
-        <p:nvSpPr>
-          <p:cNvPr id="6" name="Text Placeholder 10"/>
-          <p:cNvSpPr>
-            <a:spLocks noGrp="1"/>
-          </p:cNvSpPr>
-          <p:nvPr>
-            <p:ph type="body" sz="quarter" idx="10"/>
-          </p:nvPr>
-        </p:nvSpPr>
-        <p:spPr>
-          <a:xfrm>
-            <a:off x="503999" y="1620000"/>
-            <a:ext cx="11186477" cy="4230000"/>
-          </a:xfrm>
-        </p:spPr>
-        <p:txBody>
-          <a:bodyPr/>
-          <a:lstStyle/>
-          <a:p>
-            <a:pPr lvl="0"/>
-            <a:r>
-              <a:rPr lang="en-US" sz="1800" dirty="0"/>
-              <a:t>Docker collects logs from programs inside containers</a:t>
-            </a:r>
-          </a:p>
-          <a:p>
-            <a:pPr lvl="1"/>
-            <a:r>
-              <a:rPr lang="en-US" sz="1600" dirty="0" err="1"/>
-              <a:t>stdout</a:t>
-            </a:r>
-            <a:r>
-              <a:rPr lang="en-US" sz="1600" dirty="0"/>
-              <a:t> and </a:t>
-            </a:r>
-            <a:r>
-              <a:rPr lang="en-US" sz="1600" dirty="0" err="1"/>
-              <a:t>stderr</a:t>
-            </a:r>
-            <a:r>
-              <a:rPr lang="en-US" sz="1600" dirty="0"/>
-              <a:t> of the main process get collected</a:t>
-            </a:r>
-          </a:p>
-          <a:p>
-            <a:pPr lvl="1"/>
-            <a:r>
-              <a:rPr lang="en-US" sz="1600" dirty="0"/>
-              <a:t>logs from programs can be redirected to /dev/</a:t>
-            </a:r>
-            <a:r>
-              <a:rPr lang="en-US" sz="1600" dirty="0" err="1"/>
-              <a:t>stdout</a:t>
-            </a:r>
-            <a:r>
-              <a:rPr lang="en-US" sz="1600" dirty="0"/>
-              <a:t> and /dev/</a:t>
-            </a:r>
-            <a:r>
-              <a:rPr lang="en-US" sz="1600" dirty="0" err="1"/>
-              <a:t>stderr</a:t>
-            </a:r>
-            <a:endParaRPr lang="en-US" sz="1600" dirty="0"/>
-          </a:p>
-          <a:p>
-            <a:pPr lvl="1"/>
-            <a:endParaRPr lang="en-US" sz="1600" dirty="0"/>
-          </a:p>
-          <a:p>
-            <a:pPr lvl="1"/>
-            <a:r>
-              <a:rPr lang="en-US" sz="1600" dirty="0"/>
-              <a:t>logs still available even after a container terminated</a:t>
-            </a:r>
-          </a:p>
-        </p:txBody>
-      </p:sp>
-      <p:sp>
-        <p:nvSpPr>
-          <p:cNvPr id="7" name="Rectangle: Rounded Corners 6"/>
-          <p:cNvSpPr/>
-          <p:nvPr/>
-        </p:nvSpPr>
-        <p:spPr bwMode="gray">
-          <a:xfrm>
-            <a:off x="686701" y="2558294"/>
-            <a:ext cx="7312170" cy="276513"/>
-          </a:xfrm>
-          <a:prstGeom prst="roundRect">
-            <a:avLst/>
-          </a:prstGeom>
-          <a:solidFill>
-            <a:schemeClr val="accent1">
-              <a:lumMod val="20000"/>
-              <a:lumOff val="80000"/>
-            </a:schemeClr>
-          </a:solidFill>
-          <a:ln w="6350" algn="ctr">
-            <a:noFill/>
-            <a:miter lim="800000"/>
-            <a:headEnd/>
-            <a:tailEnd/>
-          </a:ln>
-        </p:spPr>
-        <p:txBody>
-          <a:bodyPr lIns="90000" tIns="72000" rIns="90000" bIns="72000" rtlCol="0" anchor="ctr"/>
-          <a:lstStyle/>
-          <a:p>
-            <a:pPr marL="179387" lvl="2" indent="0">
-              <a:buNone/>
-            </a:pPr>
-            <a:r>
-              <a:rPr lang="en-US" sz="1400" b="1" dirty="0">
-                <a:latin typeface="Courier New" panose="02070309020205020404" pitchFamily="49" charset="0"/>
-                <a:cs typeface="Courier New" panose="02070309020205020404" pitchFamily="49" charset="0"/>
-              </a:rPr>
-              <a:t>$ </a:t>
-            </a:r>
-            <a:r>
-              <a:rPr lang="en-US" sz="1400" dirty="0" err="1">
-                <a:latin typeface="Courier New" panose="02070309020205020404" pitchFamily="49" charset="0"/>
-                <a:cs typeface="Courier New" panose="02070309020205020404" pitchFamily="49" charset="0"/>
-              </a:rPr>
-              <a:t>docker</a:t>
-            </a:r>
-            <a:r>
-              <a:rPr lang="en-US" sz="1400" b="1" dirty="0">
-                <a:latin typeface="Courier New" panose="02070309020205020404" pitchFamily="49" charset="0"/>
-                <a:cs typeface="Courier New" panose="02070309020205020404" pitchFamily="49" charset="0"/>
-              </a:rPr>
-              <a:t> logs </a:t>
-            </a:r>
-            <a:r>
-              <a:rPr lang="en-US" sz="1400" i="1" dirty="0">
-                <a:latin typeface="Courier New" panose="02070309020205020404" pitchFamily="49" charset="0"/>
-                <a:cs typeface="Courier New" panose="02070309020205020404" pitchFamily="49" charset="0"/>
-              </a:rPr>
-              <a:t>&lt;container ID or name&gt;</a:t>
-            </a:r>
-          </a:p>
-        </p:txBody>
-      </p:sp>
-      <p:sp>
-        <p:nvSpPr>
-          <p:cNvPr id="9" name="Rectangle: Rounded Corners 8"/>
-          <p:cNvSpPr/>
-          <p:nvPr/>
-        </p:nvSpPr>
-        <p:spPr bwMode="gray">
-          <a:xfrm>
-            <a:off x="779625" y="3575926"/>
-            <a:ext cx="10635223" cy="2275275"/>
-          </a:xfrm>
-          <a:prstGeom prst="roundRect">
-            <a:avLst>
-              <a:gd name="adj" fmla="val 8296"/>
-            </a:avLst>
-          </a:prstGeom>
-          <a:pattFill prst="narHorz">
-            <a:fgClr>
-              <a:schemeClr val="tx1"/>
-            </a:fgClr>
-            <a:bgClr>
-              <a:srgbClr val="112806"/>
-            </a:bgClr>
-          </a:pattFill>
-          <a:ln w="6350" algn="ctr">
-            <a:noFill/>
-            <a:miter lim="800000"/>
-            <a:headEnd/>
-            <a:tailEnd/>
-          </a:ln>
-        </p:spPr>
-        <p:txBody>
-          <a:bodyPr lIns="90000" tIns="72000" rIns="90000" bIns="72000" rtlCol="0" anchor="t"/>
-          <a:lstStyle/>
-          <a:p>
-            <a:pPr defTabSz="914400" fontAlgn="base">
-              <a:spcAft>
-                <a:spcPct val="0"/>
-              </a:spcAft>
-              <a:buClr>
-                <a:srgbClr val="F0AB00"/>
-              </a:buClr>
-              <a:buSzPct val="80000"/>
-            </a:pPr>
-            <a:r>
-              <a:rPr lang="en-US" sz="1200" b="1" kern="0" dirty="0">
-                <a:solidFill>
-                  <a:schemeClr val="bg1"/>
-                </a:solidFill>
-                <a:latin typeface="Courier New" panose="02070309020205020404" pitchFamily="49" charset="0"/>
-                <a:ea typeface="Arial Unicode MS" pitchFamily="34" charset="-128"/>
-                <a:cs typeface="Courier New" panose="02070309020205020404" pitchFamily="49" charset="0"/>
-              </a:rPr>
-              <a:t>$ docker container logs 494b7b8c9f39</a:t>
-            </a:r>
-          </a:p>
-          <a:p>
-            <a:pPr defTabSz="914400" fontAlgn="base">
-              <a:spcAft>
-                <a:spcPct val="0"/>
-              </a:spcAft>
-              <a:buClr>
-                <a:srgbClr val="F0AB00"/>
-              </a:buClr>
-              <a:buSzPct val="80000"/>
-            </a:pPr>
-            <a:r>
-              <a:rPr lang="en-US" sz="1200" kern="0" dirty="0">
-                <a:solidFill>
-                  <a:schemeClr val="bg1"/>
-                </a:solidFill>
-                <a:latin typeface="Arial monospaced for SAP" panose="020B0609020202030204" pitchFamily="49" charset="0"/>
-                <a:ea typeface="Arial Unicode MS" pitchFamily="34" charset="-128"/>
-                <a:cs typeface="Courier New" panose="02070309020205020404" pitchFamily="49" charset="0"/>
-              </a:rPr>
-              <a:t>10.19.91.230 - - [01/Dec/2017:14:48:12 +0000] "GET / HTTP/1.1" 200 230 "-" "Mozilla/5.0 (Windows NT 10.0; Win64; x64; rv:57.0) Gecko/20100101 Firefox/57.0" "-"</a:t>
-            </a:r>
-          </a:p>
-          <a:p>
-            <a:pPr defTabSz="914400" fontAlgn="base">
-              <a:spcAft>
-                <a:spcPct val="0"/>
-              </a:spcAft>
-              <a:buClr>
-                <a:srgbClr val="F0AB00"/>
-              </a:buClr>
-              <a:buSzPct val="80000"/>
-            </a:pPr>
-            <a:r>
-              <a:rPr lang="en-US" sz="1200" kern="0" dirty="0">
-                <a:solidFill>
-                  <a:schemeClr val="bg1"/>
-                </a:solidFill>
-                <a:latin typeface="Arial monospaced for SAP" panose="020B0609020202030204" pitchFamily="49" charset="0"/>
-                <a:ea typeface="Arial Unicode MS" pitchFamily="34" charset="-128"/>
-                <a:cs typeface="Courier New" panose="02070309020205020404" pitchFamily="49" charset="0"/>
-              </a:rPr>
-              <a:t>10.19.91.230 - - [01/Dec/2017:14:48:12 +0000] "GET /it_works.jpg HTTP/1.1" 200 25676 "http://pvxka22:32780/" "Mozilla/5.0 (Windows NT 10.0; Win64; x64; rv:57.0) Gecko/20100101 Firefox/57.0" "-"</a:t>
-            </a:r>
-          </a:p>
-          <a:p>
-            <a:pPr defTabSz="914400" fontAlgn="base">
-              <a:spcAft>
-                <a:spcPct val="0"/>
-              </a:spcAft>
-              <a:buClr>
-                <a:srgbClr val="F0AB00"/>
-              </a:buClr>
-              <a:buSzPct val="80000"/>
-            </a:pPr>
-            <a:r>
-              <a:rPr lang="en-US" sz="1200" kern="0" dirty="0">
-                <a:solidFill>
-                  <a:schemeClr val="accent5">
-                    <a:lumMod val="20000"/>
-                    <a:lumOff val="80000"/>
-                  </a:schemeClr>
-                </a:solidFill>
-                <a:latin typeface="Arial monospaced for SAP" panose="020B0609020202030204" pitchFamily="49" charset="0"/>
-                <a:ea typeface="Arial Unicode MS" pitchFamily="34" charset="-128"/>
-                <a:cs typeface="Courier New" panose="02070309020205020404" pitchFamily="49" charset="0"/>
-              </a:rPr>
-              <a:t>2017/12/01 14:48:12 [error] 8#8: *1 open() "/</a:t>
-            </a:r>
-            <a:r>
-              <a:rPr lang="en-US" sz="1200" kern="0" dirty="0" err="1">
-                <a:solidFill>
-                  <a:schemeClr val="accent5">
-                    <a:lumMod val="20000"/>
-                    <a:lumOff val="80000"/>
-                  </a:schemeClr>
-                </a:solidFill>
-                <a:latin typeface="Arial monospaced for SAP" panose="020B0609020202030204" pitchFamily="49" charset="0"/>
-                <a:ea typeface="Arial Unicode MS" pitchFamily="34" charset="-128"/>
-                <a:cs typeface="Courier New" panose="02070309020205020404" pitchFamily="49" charset="0"/>
-              </a:rPr>
-              <a:t>srv</a:t>
-            </a:r>
-            <a:r>
-              <a:rPr lang="en-US" sz="1200" kern="0" dirty="0">
-                <a:solidFill>
-                  <a:schemeClr val="accent5">
-                    <a:lumMod val="20000"/>
-                    <a:lumOff val="80000"/>
-                  </a:schemeClr>
-                </a:solidFill>
-                <a:latin typeface="Arial monospaced for SAP" panose="020B0609020202030204" pitchFamily="49" charset="0"/>
-                <a:ea typeface="Arial Unicode MS" pitchFamily="34" charset="-128"/>
-                <a:cs typeface="Courier New" panose="02070309020205020404" pitchFamily="49" charset="0"/>
-              </a:rPr>
-              <a:t>/www/</a:t>
-            </a:r>
-            <a:r>
-              <a:rPr lang="en-US" sz="1200" kern="0" dirty="0" err="1">
-                <a:solidFill>
-                  <a:schemeClr val="accent5">
-                    <a:lumMod val="20000"/>
-                    <a:lumOff val="80000"/>
-                  </a:schemeClr>
-                </a:solidFill>
-                <a:latin typeface="Arial monospaced for SAP" panose="020B0609020202030204" pitchFamily="49" charset="0"/>
-                <a:ea typeface="Arial Unicode MS" pitchFamily="34" charset="-128"/>
-                <a:cs typeface="Courier New" panose="02070309020205020404" pitchFamily="49" charset="0"/>
-              </a:rPr>
-              <a:t>htdocs</a:t>
-            </a:r>
-            <a:r>
-              <a:rPr lang="en-US" sz="1200" kern="0" dirty="0">
-                <a:solidFill>
-                  <a:schemeClr val="accent5">
-                    <a:lumMod val="20000"/>
-                    <a:lumOff val="80000"/>
-                  </a:schemeClr>
-                </a:solidFill>
-                <a:latin typeface="Arial monospaced for SAP" panose="020B0609020202030204" pitchFamily="49" charset="0"/>
-                <a:ea typeface="Arial Unicode MS" pitchFamily="34" charset="-128"/>
-                <a:cs typeface="Courier New" panose="02070309020205020404" pitchFamily="49" charset="0"/>
-              </a:rPr>
-              <a:t>/favicon.ico" failed (2: No such file or directory), client: 10.19.91.230, server: localhost, request: "GET /favicon.ico HTTP/1.1", host: "pvxka22:32780"</a:t>
-            </a:r>
-          </a:p>
-          <a:p>
-            <a:pPr defTabSz="914400" fontAlgn="base">
-              <a:spcAft>
-                <a:spcPct val="0"/>
-              </a:spcAft>
-              <a:buClr>
-                <a:srgbClr val="F0AB00"/>
-              </a:buClr>
-              <a:buSzPct val="80000"/>
-            </a:pPr>
-            <a:r>
-              <a:rPr lang="en-US" sz="1200" kern="0" dirty="0">
-                <a:solidFill>
-                  <a:schemeClr val="bg1"/>
-                </a:solidFill>
-                <a:latin typeface="Arial monospaced for SAP" panose="020B0609020202030204" pitchFamily="49" charset="0"/>
-                <a:ea typeface="Arial Unicode MS" pitchFamily="34" charset="-128"/>
-                <a:cs typeface="Courier New" panose="02070309020205020404" pitchFamily="49" charset="0"/>
-              </a:rPr>
-              <a:t>10.19.91.230 - - [01/Dec/2017:14:48:12 +0000] "GET /favicon.ico HTTP/1.1" 404 169 "-" "Mozilla/5.0 (Windows NT 10.0; Win64; x64; rv:57.0) Gecko/20100101 Firefox/57.0" "-“</a:t>
-            </a:r>
-          </a:p>
-          <a:p>
-            <a:pPr defTabSz="914400" fontAlgn="base">
-              <a:spcAft>
-                <a:spcPct val="0"/>
-              </a:spcAft>
-              <a:buClr>
-                <a:srgbClr val="F0AB00"/>
-              </a:buClr>
-              <a:buSzPct val="80000"/>
-            </a:pPr>
-            <a:endParaRPr lang="en-US" sz="1200" b="1" kern="0" dirty="0">
-              <a:solidFill>
-                <a:schemeClr val="bg1"/>
-              </a:solidFill>
-              <a:latin typeface="Courier New" panose="02070309020205020404" pitchFamily="49" charset="0"/>
-              <a:ea typeface="Arial Unicode MS" pitchFamily="34" charset="-128"/>
-              <a:cs typeface="Courier New" panose="02070309020205020404" pitchFamily="49" charset="0"/>
-            </a:endParaRPr>
-          </a:p>
-          <a:p>
-            <a:pPr defTabSz="914400" fontAlgn="base">
-              <a:spcAft>
-                <a:spcPct val="0"/>
-              </a:spcAft>
-              <a:buClr>
-                <a:srgbClr val="F0AB00"/>
-              </a:buClr>
-              <a:buSzPct val="80000"/>
-            </a:pPr>
-            <a:r>
-              <a:rPr lang="en-US" sz="1200" b="1" kern="0" dirty="0">
-                <a:solidFill>
-                  <a:schemeClr val="bg1"/>
-                </a:solidFill>
-                <a:latin typeface="Courier New" panose="02070309020205020404" pitchFamily="49" charset="0"/>
-                <a:ea typeface="Arial Unicode MS" pitchFamily="34" charset="-128"/>
-                <a:cs typeface="Courier New" panose="02070309020205020404" pitchFamily="49" charset="0"/>
-              </a:rPr>
-              <a:t>$</a:t>
-            </a:r>
-          </a:p>
-        </p:txBody>
-      </p:sp>
-    </p:spTree>
-    <p:extLst>
-      <p:ext uri="{BB962C8B-B14F-4D97-AF65-F5344CB8AC3E}">
-        <p14:creationId xmlns:p14="http://schemas.microsoft.com/office/powerpoint/2010/main" val="3140959912"/>
       </p:ext>
     </p:extLst>
   </p:cSld>
